--- a/documentation/Sistema.pptx
+++ b/documentation/Sistema.pptx
@@ -104,6 +104,11 @@
       </a:defRPr>
     </a:lvl9pPr>
   </p:defaultTextStyle>
+  <p:extLst>
+    <p:ext uri="{EFAFB233-063F-42B5-8137-9DF3F51BA10A}">
+      <p15:sldGuideLst xmlns:p15="http://schemas.microsoft.com/office/powerpoint/2012/main"/>
+    </p:ext>
+  </p:extLst>
 </p:presentation>
 </file>
 
@@ -3350,8 +3355,8 @@
         </p:blipFill>
         <p:spPr bwMode="auto">
           <a:xfrm>
-            <a:off x="1000206" y="950976"/>
-            <a:ext cx="1089152" cy="612648"/>
+            <a:off x="418140" y="921970"/>
+            <a:ext cx="1203495" cy="676966"/>
           </a:xfrm>
           <a:prstGeom prst="rect">
             <a:avLst/>
@@ -3397,8 +3402,8 @@
         </p:blipFill>
         <p:spPr bwMode="auto">
           <a:xfrm>
-            <a:off x="1000206" y="1969806"/>
-            <a:ext cx="1089152" cy="544576"/>
+            <a:off x="407239" y="1960040"/>
+            <a:ext cx="1225296" cy="612648"/>
           </a:xfrm>
           <a:prstGeom prst="rect">
             <a:avLst/>
@@ -3417,50 +3422,6 @@
       </p:pic>
       <p:sp>
         <p:nvSpPr>
-          <p:cNvPr id="5" name="Flecha: a la derecha 4">
-            <a:extLst>
-              <a:ext uri="{FF2B5EF4-FFF2-40B4-BE49-F238E27FC236}">
-                <a16:creationId xmlns:a16="http://schemas.microsoft.com/office/drawing/2014/main" id="{A23139AA-5035-E8D1-3BF8-2BA8B8084885}"/>
-              </a:ext>
-            </a:extLst>
-          </p:cNvPr>
-          <p:cNvSpPr/>
-          <p:nvPr/>
-        </p:nvSpPr>
-        <p:spPr>
-          <a:xfrm>
-            <a:off x="2089358" y="1631337"/>
-            <a:ext cx="587395" cy="409148"/>
-          </a:xfrm>
-          <a:prstGeom prst="rightArrow">
-            <a:avLst/>
-          </a:prstGeom>
-        </p:spPr>
-        <p:style>
-          <a:lnRef idx="0">
-            <a:schemeClr val="accent1"/>
-          </a:lnRef>
-          <a:fillRef idx="3">
-            <a:schemeClr val="accent1"/>
-          </a:fillRef>
-          <a:effectRef idx="3">
-            <a:schemeClr val="accent1"/>
-          </a:effectRef>
-          <a:fontRef idx="minor">
-            <a:schemeClr val="lt1"/>
-          </a:fontRef>
-        </p:style>
-        <p:txBody>
-          <a:bodyPr rtlCol="0" anchor="ctr"/>
-          <a:lstStyle/>
-          <a:p>
-            <a:pPr algn="ctr"/>
-            <a:endParaRPr lang="es-ES"/>
-          </a:p>
-        </p:txBody>
-      </p:sp>
-      <p:sp>
-        <p:nvSpPr>
           <p:cNvPr id="6" name="Rectángulo: esquinas redondeadas 5">
             <a:extLst>
               <a:ext uri="{FF2B5EF4-FFF2-40B4-BE49-F238E27FC236}">
@@ -3473,7 +3434,7 @@
         </p:nvSpPr>
         <p:spPr>
           <a:xfrm>
-            <a:off x="2751103" y="1266379"/>
+            <a:off x="3328953" y="1266379"/>
             <a:ext cx="2857500" cy="1139063"/>
           </a:xfrm>
           <a:prstGeom prst="roundRect">
@@ -3558,7 +3519,7 @@
         </p:nvSpPr>
         <p:spPr>
           <a:xfrm>
-            <a:off x="6413500" y="673860"/>
+            <a:off x="6991350" y="673860"/>
             <a:ext cx="3800194" cy="2324100"/>
           </a:xfrm>
           <a:prstGeom prst="roundRect">
@@ -3612,7 +3573,7 @@
         </p:nvSpPr>
         <p:spPr>
           <a:xfrm>
-            <a:off x="7082930" y="750061"/>
+            <a:off x="7603630" y="750061"/>
             <a:ext cx="3033713" cy="261610"/>
           </a:xfrm>
           <a:prstGeom prst="rect">
@@ -3664,7 +3625,7 @@
         </p:nvCxnSpPr>
         <p:spPr>
           <a:xfrm>
-            <a:off x="7691403" y="1045783"/>
+            <a:off x="8269253" y="1045783"/>
             <a:ext cx="235039" cy="462748"/>
           </a:xfrm>
           <a:prstGeom prst="line">
@@ -3704,7 +3665,7 @@
         </p:nvCxnSpPr>
         <p:spPr>
           <a:xfrm>
-            <a:off x="7691403" y="1045783"/>
+            <a:off x="8269253" y="1045783"/>
             <a:ext cx="719804" cy="462748"/>
           </a:xfrm>
           <a:prstGeom prst="line">
@@ -3744,7 +3705,7 @@
         </p:nvCxnSpPr>
         <p:spPr>
           <a:xfrm flipH="1">
-            <a:off x="7441679" y="1045783"/>
+            <a:off x="8019529" y="1045783"/>
             <a:ext cx="249724" cy="462748"/>
           </a:xfrm>
           <a:prstGeom prst="line">
@@ -3784,7 +3745,7 @@
         </p:nvCxnSpPr>
         <p:spPr>
           <a:xfrm flipH="1">
-            <a:off x="6956916" y="1045783"/>
+            <a:off x="7534766" y="1045783"/>
             <a:ext cx="734487" cy="462748"/>
           </a:xfrm>
           <a:prstGeom prst="line">
@@ -3820,7 +3781,7 @@
         </p:nvSpPr>
         <p:spPr>
           <a:xfrm>
-            <a:off x="7554878" y="772733"/>
+            <a:off x="8132728" y="772733"/>
             <a:ext cx="273050" cy="273050"/>
           </a:xfrm>
           <a:prstGeom prst="ellipse">
@@ -3873,7 +3834,7 @@
         </p:nvCxnSpPr>
         <p:spPr>
           <a:xfrm>
-            <a:off x="7441679" y="1781581"/>
+            <a:off x="8019529" y="1781581"/>
             <a:ext cx="189702" cy="342934"/>
           </a:xfrm>
           <a:prstGeom prst="line">
@@ -3913,7 +3874,7 @@
         </p:nvCxnSpPr>
         <p:spPr>
           <a:xfrm>
-            <a:off x="7926442" y="1781581"/>
+            <a:off x="8504292" y="1781581"/>
             <a:ext cx="188699" cy="342934"/>
           </a:xfrm>
           <a:prstGeom prst="line">
@@ -3953,7 +3914,7 @@
         </p:nvCxnSpPr>
         <p:spPr>
           <a:xfrm flipH="1">
-            <a:off x="7147621" y="1781581"/>
+            <a:off x="7725471" y="1781581"/>
             <a:ext cx="294058" cy="342934"/>
           </a:xfrm>
           <a:prstGeom prst="line">
@@ -3993,7 +3954,7 @@
         </p:nvCxnSpPr>
         <p:spPr>
           <a:xfrm>
-            <a:off x="8411207" y="1781582"/>
+            <a:off x="8989057" y="1781582"/>
             <a:ext cx="187695" cy="342933"/>
           </a:xfrm>
           <a:prstGeom prst="line">
@@ -4033,7 +3994,7 @@
         </p:nvCxnSpPr>
         <p:spPr>
           <a:xfrm flipH="1">
-            <a:off x="6663860" y="1781582"/>
+            <a:off x="7241710" y="1781582"/>
             <a:ext cx="293056" cy="342933"/>
           </a:xfrm>
           <a:prstGeom prst="line">
@@ -4069,7 +4030,7 @@
         </p:nvSpPr>
         <p:spPr>
           <a:xfrm>
-            <a:off x="8274681" y="1508531"/>
+            <a:off x="8852531" y="1508531"/>
             <a:ext cx="273051" cy="273051"/>
           </a:xfrm>
           <a:prstGeom prst="ellipse">
@@ -4118,7 +4079,7 @@
         </p:nvSpPr>
         <p:spPr>
           <a:xfrm>
-            <a:off x="7789917" y="1508531"/>
+            <a:off x="8367767" y="1508531"/>
             <a:ext cx="273050" cy="273050"/>
           </a:xfrm>
           <a:prstGeom prst="ellipse">
@@ -4167,7 +4128,7 @@
         </p:nvSpPr>
         <p:spPr>
           <a:xfrm>
-            <a:off x="7305154" y="1508531"/>
+            <a:off x="7883004" y="1508531"/>
             <a:ext cx="273050" cy="273050"/>
           </a:xfrm>
           <a:prstGeom prst="ellipse">
@@ -4216,7 +4177,7 @@
         </p:nvSpPr>
         <p:spPr>
           <a:xfrm>
-            <a:off x="6820390" y="1508531"/>
+            <a:off x="7398240" y="1508531"/>
             <a:ext cx="273051" cy="273051"/>
           </a:xfrm>
           <a:prstGeom prst="ellipse">
@@ -4265,7 +4226,7 @@
         </p:nvSpPr>
         <p:spPr>
           <a:xfrm>
-            <a:off x="8462376" y="2124515"/>
+            <a:off x="9040226" y="2124515"/>
             <a:ext cx="273051" cy="273051"/>
           </a:xfrm>
           <a:prstGeom prst="ellipse">
@@ -4314,7 +4275,7 @@
         </p:nvSpPr>
         <p:spPr>
           <a:xfrm>
-            <a:off x="7978616" y="2124515"/>
+            <a:off x="8556466" y="2124515"/>
             <a:ext cx="273050" cy="273050"/>
           </a:xfrm>
           <a:prstGeom prst="ellipse">
@@ -4368,7 +4329,7 @@
         </p:nvSpPr>
         <p:spPr>
           <a:xfrm>
-            <a:off x="7494856" y="2124515"/>
+            <a:off x="8072706" y="2124515"/>
             <a:ext cx="273050" cy="273050"/>
           </a:xfrm>
           <a:prstGeom prst="ellipse">
@@ -4417,7 +4378,7 @@
         </p:nvSpPr>
         <p:spPr>
           <a:xfrm>
-            <a:off x="7011095" y="2124515"/>
+            <a:off x="7588945" y="2124515"/>
             <a:ext cx="273051" cy="273051"/>
           </a:xfrm>
           <a:prstGeom prst="ellipse">
@@ -4471,7 +4432,7 @@
         </p:nvSpPr>
         <p:spPr>
           <a:xfrm>
-            <a:off x="6527335" y="2124515"/>
+            <a:off x="7105185" y="2124515"/>
             <a:ext cx="273050" cy="273050"/>
           </a:xfrm>
           <a:prstGeom prst="ellipse">
@@ -4524,7 +4485,7 @@
         </p:nvCxnSpPr>
         <p:spPr>
           <a:xfrm>
-            <a:off x="6663860" y="2397565"/>
+            <a:off x="7241710" y="2397565"/>
             <a:ext cx="283054" cy="241348"/>
           </a:xfrm>
           <a:prstGeom prst="line">
@@ -4564,7 +4525,7 @@
         </p:nvCxnSpPr>
         <p:spPr>
           <a:xfrm flipH="1">
-            <a:off x="7804673" y="2397565"/>
+            <a:off x="8382523" y="2397565"/>
             <a:ext cx="310468" cy="241348"/>
           </a:xfrm>
           <a:prstGeom prst="line">
@@ -4604,7 +4565,7 @@
         </p:nvCxnSpPr>
         <p:spPr>
           <a:xfrm>
-            <a:off x="7147621" y="2397566"/>
+            <a:off x="7725471" y="2397566"/>
             <a:ext cx="228172" cy="241347"/>
           </a:xfrm>
           <a:prstGeom prst="line">
@@ -4640,7 +4601,7 @@
         </p:nvSpPr>
         <p:spPr>
           <a:xfrm>
-            <a:off x="7668147" y="2638913"/>
+            <a:off x="8245997" y="2638913"/>
             <a:ext cx="273051" cy="273051"/>
           </a:xfrm>
           <a:prstGeom prst="ellipse">
@@ -4689,7 +4650,7 @@
         </p:nvSpPr>
         <p:spPr>
           <a:xfrm>
-            <a:off x="7239268" y="2638913"/>
+            <a:off x="7817118" y="2638913"/>
             <a:ext cx="273050" cy="273050"/>
           </a:xfrm>
           <a:prstGeom prst="ellipse">
@@ -4738,7 +4699,7 @@
         </p:nvSpPr>
         <p:spPr>
           <a:xfrm>
-            <a:off x="6810388" y="2638913"/>
+            <a:off x="7388238" y="2638913"/>
             <a:ext cx="273051" cy="273051"/>
           </a:xfrm>
           <a:prstGeom prst="ellipse">
@@ -4787,7 +4748,7 @@
         </p:nvSpPr>
         <p:spPr>
           <a:xfrm>
-            <a:off x="5738768" y="1631336"/>
+            <a:off x="6316618" y="1631336"/>
             <a:ext cx="587395" cy="409148"/>
           </a:xfrm>
           <a:prstGeom prst="rightArrow">
@@ -4831,7 +4792,7 @@
         </p:nvSpPr>
         <p:spPr>
           <a:xfrm rot="5400000">
-            <a:off x="8085016" y="3244403"/>
+            <a:off x="8999205" y="3249855"/>
             <a:ext cx="587395" cy="409148"/>
           </a:xfrm>
           <a:prstGeom prst="rightArrow">
@@ -4863,262 +4824,6 @@
       </p:sp>
       <p:sp>
         <p:nvSpPr>
-          <p:cNvPr id="1033" name="Rectángulo: esquinas redondeadas 1032">
-            <a:extLst>
-              <a:ext uri="{FF2B5EF4-FFF2-40B4-BE49-F238E27FC236}">
-                <a16:creationId xmlns:a16="http://schemas.microsoft.com/office/drawing/2014/main" id="{2A497DF9-6C20-4F11-78F8-69E157DD9DA8}"/>
-              </a:ext>
-            </a:extLst>
-          </p:cNvPr>
-          <p:cNvSpPr/>
-          <p:nvPr/>
-        </p:nvSpPr>
-        <p:spPr>
-          <a:xfrm>
-            <a:off x="6800419" y="3886623"/>
-            <a:ext cx="3140656" cy="2324100"/>
-          </a:xfrm>
-          <a:prstGeom prst="roundRect">
-            <a:avLst/>
-          </a:prstGeom>
-          <a:noFill/>
-          <a:ln>
-            <a:solidFill>
-              <a:schemeClr val="accent1"/>
-            </a:solidFill>
-          </a:ln>
-        </p:spPr>
-        <p:style>
-          <a:lnRef idx="0">
-            <a:schemeClr val="accent1"/>
-          </a:lnRef>
-          <a:fillRef idx="3">
-            <a:schemeClr val="accent1"/>
-          </a:fillRef>
-          <a:effectRef idx="3">
-            <a:schemeClr val="accent1"/>
-          </a:effectRef>
-          <a:fontRef idx="minor">
-            <a:schemeClr val="lt1"/>
-          </a:fontRef>
-        </p:style>
-        <p:txBody>
-          <a:bodyPr rtlCol="0" anchor="ctr"/>
-          <a:lstStyle/>
-          <a:p>
-            <a:pPr algn="ctr"/>
-            <a:endParaRPr lang="es-ES" sz="1600" dirty="0">
-              <a:solidFill>
-                <a:schemeClr val="tx2"/>
-              </a:solidFill>
-            </a:endParaRPr>
-          </a:p>
-        </p:txBody>
-      </p:sp>
-      <p:sp>
-        <p:nvSpPr>
-          <p:cNvPr id="1034" name="CuadroTexto 1033">
-            <a:extLst>
-              <a:ext uri="{FF2B5EF4-FFF2-40B4-BE49-F238E27FC236}">
-                <a16:creationId xmlns:a16="http://schemas.microsoft.com/office/drawing/2014/main" id="{7AC1E5DD-A32F-292B-7D1F-E0B2A3D8CC83}"/>
-              </a:ext>
-            </a:extLst>
-          </p:cNvPr>
-          <p:cNvSpPr txBox="1"/>
-          <p:nvPr/>
-        </p:nvSpPr>
-        <p:spPr>
-          <a:xfrm>
-            <a:off x="6752731" y="3962824"/>
-            <a:ext cx="2891650" cy="261610"/>
-          </a:xfrm>
-          <a:prstGeom prst="rect">
-            <a:avLst/>
-          </a:prstGeom>
-          <a:noFill/>
-          <a:effectLst>
-            <a:outerShdw blurRad="50800" dist="38100" dir="2700000" algn="tl" rotWithShape="0">
-              <a:prstClr val="black">
-                <a:alpha val="40000"/>
-              </a:prstClr>
-            </a:outerShdw>
-          </a:effectLst>
-        </p:spPr>
-        <p:txBody>
-          <a:bodyPr wrap="square" rtlCol="0">
-            <a:spAutoFit/>
-          </a:bodyPr>
-          <a:lstStyle/>
-          <a:p>
-            <a:pPr algn="r"/>
-            <a:r>
-              <a:rPr lang="es-ES" sz="1100" dirty="0">
-                <a:solidFill>
-                  <a:schemeClr val="tx2"/>
-                </a:solidFill>
-              </a:rPr>
-              <a:t>Recorrido del AST</a:t>
-            </a:r>
-            <a:endParaRPr lang="es-ES" sz="1200" dirty="0"/>
-          </a:p>
-        </p:txBody>
-      </p:sp>
-      <p:cxnSp>
-        <p:nvCxnSpPr>
-          <p:cNvPr id="1061" name="Conector recto 1060">
-            <a:extLst>
-              <a:ext uri="{FF2B5EF4-FFF2-40B4-BE49-F238E27FC236}">
-                <a16:creationId xmlns:a16="http://schemas.microsoft.com/office/drawing/2014/main" id="{AE541972-9D86-CF5E-25FD-4EFD1DA51102}"/>
-              </a:ext>
-            </a:extLst>
-          </p:cNvPr>
-          <p:cNvCxnSpPr>
-            <a:cxnSpLocks/>
-          </p:cNvCxnSpPr>
-          <p:nvPr/>
-        </p:nvCxnSpPr>
-        <p:spPr>
-          <a:xfrm flipH="1">
-            <a:off x="8386664" y="4378544"/>
-            <a:ext cx="150173" cy="0"/>
-          </a:xfrm>
-          <a:prstGeom prst="line">
-            <a:avLst/>
-          </a:prstGeom>
-        </p:spPr>
-        <p:style>
-          <a:lnRef idx="2">
-            <a:schemeClr val="accent1"/>
-          </a:lnRef>
-          <a:fillRef idx="0">
-            <a:schemeClr val="accent1"/>
-          </a:fillRef>
-          <a:effectRef idx="1">
-            <a:schemeClr val="accent1"/>
-          </a:effectRef>
-          <a:fontRef idx="minor">
-            <a:schemeClr val="tx1"/>
-          </a:fontRef>
-        </p:style>
-      </p:cxnSp>
-      <p:sp>
-        <p:nvSpPr>
-          <p:cNvPr id="1064" name="CuadroTexto 1063">
-            <a:extLst>
-              <a:ext uri="{FF2B5EF4-FFF2-40B4-BE49-F238E27FC236}">
-                <a16:creationId xmlns:a16="http://schemas.microsoft.com/office/drawing/2014/main" id="{8E24B186-E65F-D6BA-3C4D-05DD21723570}"/>
-              </a:ext>
-            </a:extLst>
-          </p:cNvPr>
-          <p:cNvSpPr txBox="1"/>
-          <p:nvPr/>
-        </p:nvSpPr>
-        <p:spPr>
-          <a:xfrm>
-            <a:off x="8536837" y="4263128"/>
-            <a:ext cx="1333500" cy="230832"/>
-          </a:xfrm>
-          <a:prstGeom prst="rect">
-            <a:avLst/>
-          </a:prstGeom>
-          <a:noFill/>
-        </p:spPr>
-        <p:txBody>
-          <a:bodyPr wrap="square" rtlCol="0">
-            <a:spAutoFit/>
-          </a:bodyPr>
-          <a:lstStyle/>
-          <a:p>
-            <a:r>
-              <a:rPr lang="es-ES" sz="900" dirty="0"/>
-              <a:t>Recorrido de Programa</a:t>
-            </a:r>
-          </a:p>
-        </p:txBody>
-      </p:sp>
-      <p:cxnSp>
-        <p:nvCxnSpPr>
-          <p:cNvPr id="1067" name="Conector recto 1066">
-            <a:extLst>
-              <a:ext uri="{FF2B5EF4-FFF2-40B4-BE49-F238E27FC236}">
-                <a16:creationId xmlns:a16="http://schemas.microsoft.com/office/drawing/2014/main" id="{36C68C56-1103-1415-4D78-47FB64A32323}"/>
-              </a:ext>
-            </a:extLst>
-          </p:cNvPr>
-          <p:cNvCxnSpPr>
-            <a:cxnSpLocks/>
-          </p:cNvCxnSpPr>
-          <p:nvPr/>
-        </p:nvCxnSpPr>
-        <p:spPr>
-          <a:xfrm flipH="1">
-            <a:off x="8386664" y="4538585"/>
-            <a:ext cx="150173" cy="0"/>
-          </a:xfrm>
-          <a:prstGeom prst="line">
-            <a:avLst/>
-          </a:prstGeom>
-          <a:noFill/>
-          <a:ln>
-            <a:solidFill>
-              <a:schemeClr val="accent6"/>
-            </a:solidFill>
-          </a:ln>
-        </p:spPr>
-        <p:style>
-          <a:lnRef idx="2">
-            <a:schemeClr val="accent4">
-              <a:shade val="15000"/>
-            </a:schemeClr>
-          </a:lnRef>
-          <a:fillRef idx="1">
-            <a:schemeClr val="accent4"/>
-          </a:fillRef>
-          <a:effectRef idx="0">
-            <a:schemeClr val="accent4"/>
-          </a:effectRef>
-          <a:fontRef idx="minor">
-            <a:schemeClr val="lt1"/>
-          </a:fontRef>
-        </p:style>
-      </p:cxnSp>
-      <p:sp>
-        <p:nvSpPr>
-          <p:cNvPr id="1071" name="CuadroTexto 1070">
-            <a:extLst>
-              <a:ext uri="{FF2B5EF4-FFF2-40B4-BE49-F238E27FC236}">
-                <a16:creationId xmlns:a16="http://schemas.microsoft.com/office/drawing/2014/main" id="{CE3E236B-E25F-3C7A-411F-6BD0AFE4B8E6}"/>
-              </a:ext>
-            </a:extLst>
-          </p:cNvPr>
-          <p:cNvSpPr txBox="1"/>
-          <p:nvPr/>
-        </p:nvSpPr>
-        <p:spPr>
-          <a:xfrm>
-            <a:off x="8536837" y="4423169"/>
-            <a:ext cx="1333500" cy="230832"/>
-          </a:xfrm>
-          <a:prstGeom prst="rect">
-            <a:avLst/>
-          </a:prstGeom>
-          <a:noFill/>
-        </p:spPr>
-        <p:txBody>
-          <a:bodyPr wrap="square" rtlCol="0">
-            <a:spAutoFit/>
-          </a:bodyPr>
-          <a:lstStyle/>
-          <a:p>
-            <a:r>
-              <a:rPr lang="es-ES" sz="900" dirty="0"/>
-              <a:t>Recorrido de Módulo</a:t>
-            </a:r>
-          </a:p>
-        </p:txBody>
-      </p:sp>
-      <p:sp>
-        <p:nvSpPr>
           <p:cNvPr id="1078" name="Elipse 1077">
             <a:extLst>
               <a:ext uri="{FF2B5EF4-FFF2-40B4-BE49-F238E27FC236}">
@@ -5131,7 +4836,7 @@
         </p:nvSpPr>
         <p:spPr>
           <a:xfrm>
-            <a:off x="8698502" y="1256939"/>
+            <a:off x="9276352" y="1256939"/>
             <a:ext cx="186496" cy="186496"/>
           </a:xfrm>
           <a:prstGeom prst="ellipse">
@@ -5180,7 +4885,7 @@
         </p:nvSpPr>
         <p:spPr>
           <a:xfrm>
-            <a:off x="8867037" y="1234771"/>
+            <a:off x="9444887" y="1234771"/>
             <a:ext cx="1333500" cy="230832"/>
           </a:xfrm>
           <a:prstGeom prst="rect">
@@ -5215,7 +4920,7 @@
         </p:nvSpPr>
         <p:spPr>
           <a:xfrm>
-            <a:off x="8692193" y="1545385"/>
+            <a:off x="9270043" y="1545385"/>
             <a:ext cx="186496" cy="186496"/>
           </a:xfrm>
           <a:prstGeom prst="ellipse">
@@ -5269,7 +4974,7 @@
         </p:nvSpPr>
         <p:spPr>
           <a:xfrm>
-            <a:off x="8867037" y="1529640"/>
+            <a:off x="9444887" y="1529640"/>
             <a:ext cx="1333500" cy="230832"/>
           </a:xfrm>
           <a:prstGeom prst="rect">
@@ -5290,422 +4995,12 @@
           </a:p>
         </p:txBody>
       </p:sp>
-      <p:cxnSp>
-        <p:nvCxnSpPr>
-          <p:cNvPr id="1086" name="Conector recto 1085">
+      <p:grpSp>
+        <p:nvGrpSpPr>
+          <p:cNvPr id="1150" name="Grupo 1149">
             <a:extLst>
               <a:ext uri="{FF2B5EF4-FFF2-40B4-BE49-F238E27FC236}">
-                <a16:creationId xmlns:a16="http://schemas.microsoft.com/office/drawing/2014/main" id="{DD1A8A6E-D5AE-C586-D66E-93FD388133A1}"/>
-              </a:ext>
-            </a:extLst>
-          </p:cNvPr>
-          <p:cNvCxnSpPr>
-            <a:cxnSpLocks/>
-          </p:cNvCxnSpPr>
-          <p:nvPr/>
-        </p:nvCxnSpPr>
-        <p:spPr>
-          <a:xfrm flipH="1">
-            <a:off x="8386664" y="4698626"/>
-            <a:ext cx="150173" cy="0"/>
-          </a:xfrm>
-          <a:prstGeom prst="line">
-            <a:avLst/>
-          </a:prstGeom>
-          <a:noFill/>
-          <a:ln>
-            <a:solidFill>
-              <a:schemeClr val="accent2"/>
-            </a:solidFill>
-          </a:ln>
-        </p:spPr>
-        <p:style>
-          <a:lnRef idx="2">
-            <a:schemeClr val="accent4">
-              <a:shade val="15000"/>
-            </a:schemeClr>
-          </a:lnRef>
-          <a:fillRef idx="1">
-            <a:schemeClr val="accent4"/>
-          </a:fillRef>
-          <a:effectRef idx="0">
-            <a:schemeClr val="accent4"/>
-          </a:effectRef>
-          <a:fontRef idx="minor">
-            <a:schemeClr val="lt1"/>
-          </a:fontRef>
-        </p:style>
-      </p:cxnSp>
-      <p:sp>
-        <p:nvSpPr>
-          <p:cNvPr id="1087" name="CuadroTexto 1086">
-            <a:extLst>
-              <a:ext uri="{FF2B5EF4-FFF2-40B4-BE49-F238E27FC236}">
-                <a16:creationId xmlns:a16="http://schemas.microsoft.com/office/drawing/2014/main" id="{28305744-CCCC-30F9-794C-7BF6CEB8251C}"/>
-              </a:ext>
-            </a:extLst>
-          </p:cNvPr>
-          <p:cNvSpPr txBox="1"/>
-          <p:nvPr/>
-        </p:nvSpPr>
-        <p:spPr>
-          <a:xfrm>
-            <a:off x="8536837" y="4583210"/>
-            <a:ext cx="1200151" cy="230832"/>
-          </a:xfrm>
-          <a:prstGeom prst="rect">
-            <a:avLst/>
-          </a:prstGeom>
-          <a:noFill/>
-        </p:spPr>
-        <p:txBody>
-          <a:bodyPr wrap="square" rtlCol="0">
-            <a:spAutoFit/>
-          </a:bodyPr>
-          <a:lstStyle/>
-          <a:p>
-            <a:r>
-              <a:rPr lang="es-ES" sz="900" dirty="0"/>
-              <a:t>Recorrido de Clase</a:t>
-            </a:r>
-          </a:p>
-        </p:txBody>
-      </p:sp>
-      <p:cxnSp>
-        <p:nvCxnSpPr>
-          <p:cNvPr id="1088" name="Conector recto 1087">
-            <a:extLst>
-              <a:ext uri="{FF2B5EF4-FFF2-40B4-BE49-F238E27FC236}">
-                <a16:creationId xmlns:a16="http://schemas.microsoft.com/office/drawing/2014/main" id="{7ED274B3-FB79-6F3D-E87E-FBA003904306}"/>
-              </a:ext>
-            </a:extLst>
-          </p:cNvPr>
-          <p:cNvCxnSpPr>
-            <a:cxnSpLocks/>
-          </p:cNvCxnSpPr>
-          <p:nvPr/>
-        </p:nvCxnSpPr>
-        <p:spPr>
-          <a:xfrm flipH="1">
-            <a:off x="8386664" y="4858667"/>
-            <a:ext cx="150173" cy="0"/>
-          </a:xfrm>
-          <a:prstGeom prst="line">
-            <a:avLst/>
-          </a:prstGeom>
-          <a:noFill/>
-          <a:ln>
-            <a:solidFill>
-              <a:schemeClr val="accent1">
-                <a:lumMod val="60000"/>
-                <a:lumOff val="40000"/>
-              </a:schemeClr>
-            </a:solidFill>
-          </a:ln>
-        </p:spPr>
-        <p:style>
-          <a:lnRef idx="2">
-            <a:schemeClr val="accent4">
-              <a:shade val="15000"/>
-            </a:schemeClr>
-          </a:lnRef>
-          <a:fillRef idx="1">
-            <a:schemeClr val="accent4"/>
-          </a:fillRef>
-          <a:effectRef idx="0">
-            <a:schemeClr val="accent4"/>
-          </a:effectRef>
-          <a:fontRef idx="minor">
-            <a:schemeClr val="lt1"/>
-          </a:fontRef>
-        </p:style>
-      </p:cxnSp>
-      <p:sp>
-        <p:nvSpPr>
-          <p:cNvPr id="1089" name="CuadroTexto 1088">
-            <a:extLst>
-              <a:ext uri="{FF2B5EF4-FFF2-40B4-BE49-F238E27FC236}">
-                <a16:creationId xmlns:a16="http://schemas.microsoft.com/office/drawing/2014/main" id="{5EBF4466-ED10-3528-CD10-C53366E5F497}"/>
-              </a:ext>
-            </a:extLst>
-          </p:cNvPr>
-          <p:cNvSpPr txBox="1"/>
-          <p:nvPr/>
-        </p:nvSpPr>
-        <p:spPr>
-          <a:xfrm>
-            <a:off x="8536837" y="4743251"/>
-            <a:ext cx="1333500" cy="230832"/>
-          </a:xfrm>
-          <a:prstGeom prst="rect">
-            <a:avLst/>
-          </a:prstGeom>
-          <a:noFill/>
-        </p:spPr>
-        <p:txBody>
-          <a:bodyPr wrap="square" rtlCol="0">
-            <a:spAutoFit/>
-          </a:bodyPr>
-          <a:lstStyle/>
-          <a:p>
-            <a:r>
-              <a:rPr lang="es-ES" sz="900" dirty="0"/>
-              <a:t>Recorrido de Función</a:t>
-            </a:r>
-          </a:p>
-        </p:txBody>
-      </p:sp>
-      <p:cxnSp>
-        <p:nvCxnSpPr>
-          <p:cNvPr id="1093" name="Conector recto 1092">
-            <a:extLst>
-              <a:ext uri="{FF2B5EF4-FFF2-40B4-BE49-F238E27FC236}">
-                <a16:creationId xmlns:a16="http://schemas.microsoft.com/office/drawing/2014/main" id="{5EAE7443-4F4C-4DCC-47E8-C2A3C68266F6}"/>
-              </a:ext>
-            </a:extLst>
-          </p:cNvPr>
-          <p:cNvCxnSpPr>
-            <a:cxnSpLocks/>
-          </p:cNvCxnSpPr>
-          <p:nvPr/>
-        </p:nvCxnSpPr>
-        <p:spPr>
-          <a:xfrm flipH="1">
-            <a:off x="8386664" y="5018708"/>
-            <a:ext cx="150173" cy="0"/>
-          </a:xfrm>
-          <a:prstGeom prst="line">
-            <a:avLst/>
-          </a:prstGeom>
-          <a:noFill/>
-          <a:ln>
-            <a:solidFill>
-              <a:srgbClr val="FFD144"/>
-            </a:solidFill>
-          </a:ln>
-        </p:spPr>
-        <p:style>
-          <a:lnRef idx="2">
-            <a:schemeClr val="accent4">
-              <a:shade val="15000"/>
-            </a:schemeClr>
-          </a:lnRef>
-          <a:fillRef idx="1">
-            <a:schemeClr val="accent4"/>
-          </a:fillRef>
-          <a:effectRef idx="0">
-            <a:schemeClr val="accent4"/>
-          </a:effectRef>
-          <a:fontRef idx="minor">
-            <a:schemeClr val="lt1"/>
-          </a:fontRef>
-        </p:style>
-      </p:cxnSp>
-      <p:sp>
-        <p:nvSpPr>
-          <p:cNvPr id="1094" name="CuadroTexto 1093">
-            <a:extLst>
-              <a:ext uri="{FF2B5EF4-FFF2-40B4-BE49-F238E27FC236}">
-                <a16:creationId xmlns:a16="http://schemas.microsoft.com/office/drawing/2014/main" id="{DD9ACFE4-B1D2-D7CE-232B-7E2713F15F2F}"/>
-              </a:ext>
-            </a:extLst>
-          </p:cNvPr>
-          <p:cNvSpPr txBox="1"/>
-          <p:nvPr/>
-        </p:nvSpPr>
-        <p:spPr>
-          <a:xfrm>
-            <a:off x="8536837" y="4903292"/>
-            <a:ext cx="1333499" cy="230832"/>
-          </a:xfrm>
-          <a:prstGeom prst="rect">
-            <a:avLst/>
-          </a:prstGeom>
-          <a:noFill/>
-        </p:spPr>
-        <p:txBody>
-          <a:bodyPr wrap="square" rtlCol="0">
-            <a:spAutoFit/>
-          </a:bodyPr>
-          <a:lstStyle/>
-          <a:p>
-            <a:r>
-              <a:rPr lang="es-ES" sz="900" dirty="0"/>
-              <a:t>Recorrido de Método</a:t>
-            </a:r>
-          </a:p>
-        </p:txBody>
-      </p:sp>
-      <p:cxnSp>
-        <p:nvCxnSpPr>
-          <p:cNvPr id="1095" name="Conector recto 1094">
-            <a:extLst>
-              <a:ext uri="{FF2B5EF4-FFF2-40B4-BE49-F238E27FC236}">
-                <a16:creationId xmlns:a16="http://schemas.microsoft.com/office/drawing/2014/main" id="{436621F8-5ACD-EA60-F886-DE27F0227A6F}"/>
-              </a:ext>
-            </a:extLst>
-          </p:cNvPr>
-          <p:cNvCxnSpPr>
-            <a:cxnSpLocks/>
-          </p:cNvCxnSpPr>
-          <p:nvPr/>
-        </p:nvCxnSpPr>
-        <p:spPr>
-          <a:xfrm flipH="1">
-            <a:off x="8386664" y="5178749"/>
-            <a:ext cx="150173" cy="0"/>
-          </a:xfrm>
-          <a:prstGeom prst="line">
-            <a:avLst/>
-          </a:prstGeom>
-          <a:noFill/>
-          <a:ln>
-            <a:solidFill>
-              <a:schemeClr val="bg1">
-                <a:lumMod val="50000"/>
-              </a:schemeClr>
-            </a:solidFill>
-          </a:ln>
-        </p:spPr>
-        <p:style>
-          <a:lnRef idx="2">
-            <a:schemeClr val="accent4">
-              <a:shade val="15000"/>
-            </a:schemeClr>
-          </a:lnRef>
-          <a:fillRef idx="1">
-            <a:schemeClr val="accent4"/>
-          </a:fillRef>
-          <a:effectRef idx="0">
-            <a:schemeClr val="accent4"/>
-          </a:effectRef>
-          <a:fontRef idx="minor">
-            <a:schemeClr val="lt1"/>
-          </a:fontRef>
-        </p:style>
-      </p:cxnSp>
-      <p:sp>
-        <p:nvSpPr>
-          <p:cNvPr id="1096" name="CuadroTexto 1095">
-            <a:extLst>
-              <a:ext uri="{FF2B5EF4-FFF2-40B4-BE49-F238E27FC236}">
-                <a16:creationId xmlns:a16="http://schemas.microsoft.com/office/drawing/2014/main" id="{E97AB40F-51D5-3BF9-C360-5ED84FFD9008}"/>
-              </a:ext>
-            </a:extLst>
-          </p:cNvPr>
-          <p:cNvSpPr txBox="1"/>
-          <p:nvPr/>
-        </p:nvSpPr>
-        <p:spPr>
-          <a:xfrm>
-            <a:off x="8536837" y="5063333"/>
-            <a:ext cx="1549400" cy="230832"/>
-          </a:xfrm>
-          <a:prstGeom prst="rect">
-            <a:avLst/>
-          </a:prstGeom>
-          <a:noFill/>
-        </p:spPr>
-        <p:txBody>
-          <a:bodyPr wrap="square" rtlCol="0">
-            <a:spAutoFit/>
-          </a:bodyPr>
-          <a:lstStyle/>
-          <a:p>
-            <a:r>
-              <a:rPr lang="es-ES" sz="900" dirty="0"/>
-              <a:t>Recorrido de Sentencia</a:t>
-            </a:r>
-          </a:p>
-        </p:txBody>
-      </p:sp>
-      <p:cxnSp>
-        <p:nvCxnSpPr>
-          <p:cNvPr id="1101" name="Conector recto 1100">
-            <a:extLst>
-              <a:ext uri="{FF2B5EF4-FFF2-40B4-BE49-F238E27FC236}">
-                <a16:creationId xmlns:a16="http://schemas.microsoft.com/office/drawing/2014/main" id="{1262D737-02C0-585D-BE75-397AD4D5656B}"/>
-              </a:ext>
-            </a:extLst>
-          </p:cNvPr>
-          <p:cNvCxnSpPr>
-            <a:cxnSpLocks/>
-          </p:cNvCxnSpPr>
-          <p:nvPr/>
-        </p:nvCxnSpPr>
-        <p:spPr>
-          <a:xfrm flipH="1">
-            <a:off x="8386664" y="5338792"/>
-            <a:ext cx="150173" cy="0"/>
-          </a:xfrm>
-          <a:prstGeom prst="line">
-            <a:avLst/>
-          </a:prstGeom>
-          <a:noFill/>
-          <a:ln>
-            <a:solidFill>
-              <a:srgbClr val="326499"/>
-            </a:solidFill>
-          </a:ln>
-        </p:spPr>
-        <p:style>
-          <a:lnRef idx="2">
-            <a:schemeClr val="accent4">
-              <a:shade val="15000"/>
-            </a:schemeClr>
-          </a:lnRef>
-          <a:fillRef idx="1">
-            <a:schemeClr val="accent4"/>
-          </a:fillRef>
-          <a:effectRef idx="0">
-            <a:schemeClr val="accent4"/>
-          </a:effectRef>
-          <a:fontRef idx="minor">
-            <a:schemeClr val="lt1"/>
-          </a:fontRef>
-        </p:style>
-      </p:cxnSp>
-      <p:sp>
-        <p:nvSpPr>
-          <p:cNvPr id="1102" name="CuadroTexto 1101">
-            <a:extLst>
-              <a:ext uri="{FF2B5EF4-FFF2-40B4-BE49-F238E27FC236}">
-                <a16:creationId xmlns:a16="http://schemas.microsoft.com/office/drawing/2014/main" id="{1EC58D41-47DC-F05A-FE04-9BE1FD19EE13}"/>
-              </a:ext>
-            </a:extLst>
-          </p:cNvPr>
-          <p:cNvSpPr txBox="1"/>
-          <p:nvPr/>
-        </p:nvSpPr>
-        <p:spPr>
-          <a:xfrm>
-            <a:off x="8536837" y="5223376"/>
-            <a:ext cx="1549400" cy="230832"/>
-          </a:xfrm>
-          <a:prstGeom prst="rect">
-            <a:avLst/>
-          </a:prstGeom>
-          <a:noFill/>
-        </p:spPr>
-        <p:txBody>
-          <a:bodyPr wrap="square" rtlCol="0">
-            <a:spAutoFit/>
-          </a:bodyPr>
-          <a:lstStyle/>
-          <a:p>
-            <a:r>
-              <a:rPr lang="es-ES" sz="900" dirty="0"/>
-              <a:t>Recorrido de Expresión</a:t>
-            </a:r>
-          </a:p>
-        </p:txBody>
-      </p:sp>
-      <p:grpSp>
-        <p:nvGrpSpPr>
-          <p:cNvPr id="1112" name="Grupo 1111">
-            <a:extLst>
-              <a:ext uri="{FF2B5EF4-FFF2-40B4-BE49-F238E27FC236}">
-                <a16:creationId xmlns:a16="http://schemas.microsoft.com/office/drawing/2014/main" id="{9D4E2303-F476-A59F-2D7A-BA5BF3B5E7AE}"/>
+                <a16:creationId xmlns:a16="http://schemas.microsoft.com/office/drawing/2014/main" id="{6D922FFA-DA80-AC2E-73AE-C2B64C5879C7}"/>
               </a:ext>
             </a:extLst>
           </p:cNvPr>
@@ -5714,12 +5009,688 @@
         </p:nvGrpSpPr>
         <p:grpSpPr>
           <a:xfrm>
-            <a:off x="7165988" y="3968090"/>
-            <a:ext cx="1007923" cy="2101235"/>
-            <a:chOff x="2722594" y="3132946"/>
-            <a:chExt cx="1007923" cy="2101235"/>
+            <a:off x="7652254" y="3886766"/>
+            <a:ext cx="3285818" cy="2324100"/>
+            <a:chOff x="7006159" y="3886623"/>
+            <a:chExt cx="3285818" cy="2324100"/>
           </a:xfrm>
         </p:grpSpPr>
+        <p:sp>
+          <p:nvSpPr>
+            <p:cNvPr id="1033" name="Rectángulo: esquinas redondeadas 1032">
+              <a:extLst>
+                <a:ext uri="{FF2B5EF4-FFF2-40B4-BE49-F238E27FC236}">
+                  <a16:creationId xmlns:a16="http://schemas.microsoft.com/office/drawing/2014/main" id="{2A497DF9-6C20-4F11-78F8-69E157DD9DA8}"/>
+                </a:ext>
+              </a:extLst>
+            </p:cNvPr>
+            <p:cNvSpPr/>
+            <p:nvPr/>
+          </p:nvSpPr>
+          <p:spPr>
+            <a:xfrm>
+              <a:off x="7006159" y="3886623"/>
+              <a:ext cx="3140656" cy="2324100"/>
+            </a:xfrm>
+            <a:prstGeom prst="roundRect">
+              <a:avLst/>
+            </a:prstGeom>
+            <a:noFill/>
+            <a:ln>
+              <a:solidFill>
+                <a:schemeClr val="accent1"/>
+              </a:solidFill>
+            </a:ln>
+          </p:spPr>
+          <p:style>
+            <a:lnRef idx="0">
+              <a:schemeClr val="accent1"/>
+            </a:lnRef>
+            <a:fillRef idx="3">
+              <a:schemeClr val="accent1"/>
+            </a:fillRef>
+            <a:effectRef idx="3">
+              <a:schemeClr val="accent1"/>
+            </a:effectRef>
+            <a:fontRef idx="minor">
+              <a:schemeClr val="lt1"/>
+            </a:fontRef>
+          </p:style>
+          <p:txBody>
+            <a:bodyPr rtlCol="0" anchor="ctr"/>
+            <a:lstStyle/>
+            <a:p>
+              <a:pPr algn="ctr"/>
+              <a:endParaRPr lang="es-ES" sz="1600" dirty="0">
+                <a:solidFill>
+                  <a:schemeClr val="tx2"/>
+                </a:solidFill>
+              </a:endParaRPr>
+            </a:p>
+          </p:txBody>
+        </p:sp>
+        <p:sp>
+          <p:nvSpPr>
+            <p:cNvPr id="1034" name="CuadroTexto 1033">
+              <a:extLst>
+                <a:ext uri="{FF2B5EF4-FFF2-40B4-BE49-F238E27FC236}">
+                  <a16:creationId xmlns:a16="http://schemas.microsoft.com/office/drawing/2014/main" id="{7AC1E5DD-A32F-292B-7D1F-E0B2A3D8CC83}"/>
+                </a:ext>
+              </a:extLst>
+            </p:cNvPr>
+            <p:cNvSpPr txBox="1"/>
+            <p:nvPr/>
+          </p:nvSpPr>
+          <p:spPr>
+            <a:xfrm>
+              <a:off x="8592403" y="3962824"/>
+              <a:ext cx="1257717" cy="261610"/>
+            </a:xfrm>
+            <a:prstGeom prst="rect">
+              <a:avLst/>
+            </a:prstGeom>
+            <a:noFill/>
+            <a:effectLst>
+              <a:outerShdw blurRad="50800" dist="38100" dir="2700000" algn="tl" rotWithShape="0">
+                <a:prstClr val="black">
+                  <a:alpha val="40000"/>
+                </a:prstClr>
+              </a:outerShdw>
+            </a:effectLst>
+          </p:spPr>
+          <p:txBody>
+            <a:bodyPr wrap="square" rtlCol="0">
+              <a:spAutoFit/>
+            </a:bodyPr>
+            <a:lstStyle/>
+            <a:p>
+              <a:pPr algn="r"/>
+              <a:r>
+                <a:rPr lang="es-ES" sz="1100" dirty="0">
+                  <a:solidFill>
+                    <a:schemeClr val="tx2"/>
+                  </a:solidFill>
+                </a:rPr>
+                <a:t>Recorrido del AST</a:t>
+              </a:r>
+              <a:endParaRPr lang="es-ES" sz="1200" dirty="0"/>
+            </a:p>
+          </p:txBody>
+        </p:sp>
+        <p:cxnSp>
+          <p:nvCxnSpPr>
+            <p:cNvPr id="1061" name="Conector recto 1060">
+              <a:extLst>
+                <a:ext uri="{FF2B5EF4-FFF2-40B4-BE49-F238E27FC236}">
+                  <a16:creationId xmlns:a16="http://schemas.microsoft.com/office/drawing/2014/main" id="{AE541972-9D86-CF5E-25FD-4EFD1DA51102}"/>
+                </a:ext>
+              </a:extLst>
+            </p:cNvPr>
+            <p:cNvCxnSpPr>
+              <a:cxnSpLocks/>
+            </p:cNvCxnSpPr>
+            <p:nvPr/>
+          </p:nvCxnSpPr>
+          <p:spPr>
+            <a:xfrm flipH="1">
+              <a:off x="8592404" y="4378544"/>
+              <a:ext cx="150173" cy="0"/>
+            </a:xfrm>
+            <a:prstGeom prst="line">
+              <a:avLst/>
+            </a:prstGeom>
+            <a:noFill/>
+            <a:ln>
+              <a:solidFill>
+                <a:schemeClr val="accent2">
+                  <a:lumMod val="50000"/>
+                </a:schemeClr>
+              </a:solidFill>
+            </a:ln>
+          </p:spPr>
+          <p:style>
+            <a:lnRef idx="2">
+              <a:schemeClr val="accent4">
+                <a:shade val="15000"/>
+              </a:schemeClr>
+            </a:lnRef>
+            <a:fillRef idx="1">
+              <a:schemeClr val="accent4"/>
+            </a:fillRef>
+            <a:effectRef idx="0">
+              <a:schemeClr val="accent4"/>
+            </a:effectRef>
+            <a:fontRef idx="minor">
+              <a:schemeClr val="lt1"/>
+            </a:fontRef>
+          </p:style>
+        </p:cxnSp>
+        <p:sp>
+          <p:nvSpPr>
+            <p:cNvPr id="1064" name="CuadroTexto 1063">
+              <a:extLst>
+                <a:ext uri="{FF2B5EF4-FFF2-40B4-BE49-F238E27FC236}">
+                  <a16:creationId xmlns:a16="http://schemas.microsoft.com/office/drawing/2014/main" id="{8E24B186-E65F-D6BA-3C4D-05DD21723570}"/>
+                </a:ext>
+              </a:extLst>
+            </p:cNvPr>
+            <p:cNvSpPr txBox="1"/>
+            <p:nvPr/>
+          </p:nvSpPr>
+          <p:spPr>
+            <a:xfrm>
+              <a:off x="8742577" y="4263128"/>
+              <a:ext cx="1333500" cy="230832"/>
+            </a:xfrm>
+            <a:prstGeom prst="rect">
+              <a:avLst/>
+            </a:prstGeom>
+            <a:noFill/>
+          </p:spPr>
+          <p:txBody>
+            <a:bodyPr wrap="square" rtlCol="0">
+              <a:spAutoFit/>
+            </a:bodyPr>
+            <a:lstStyle/>
+            <a:p>
+              <a:r>
+                <a:rPr lang="es-ES" sz="900" dirty="0"/>
+                <a:t>Recorrido de Programa</a:t>
+              </a:r>
+            </a:p>
+          </p:txBody>
+        </p:sp>
+        <p:cxnSp>
+          <p:nvCxnSpPr>
+            <p:cNvPr id="1067" name="Conector recto 1066">
+              <a:extLst>
+                <a:ext uri="{FF2B5EF4-FFF2-40B4-BE49-F238E27FC236}">
+                  <a16:creationId xmlns:a16="http://schemas.microsoft.com/office/drawing/2014/main" id="{36C68C56-1103-1415-4D78-47FB64A32323}"/>
+                </a:ext>
+              </a:extLst>
+            </p:cNvPr>
+            <p:cNvCxnSpPr>
+              <a:cxnSpLocks/>
+            </p:cNvCxnSpPr>
+            <p:nvPr/>
+          </p:nvCxnSpPr>
+          <p:spPr>
+            <a:xfrm flipH="1">
+              <a:off x="8592404" y="4538585"/>
+              <a:ext cx="150173" cy="0"/>
+            </a:xfrm>
+            <a:prstGeom prst="line">
+              <a:avLst/>
+            </a:prstGeom>
+            <a:noFill/>
+            <a:ln>
+              <a:solidFill>
+                <a:schemeClr val="accent6"/>
+              </a:solidFill>
+            </a:ln>
+          </p:spPr>
+          <p:style>
+            <a:lnRef idx="2">
+              <a:schemeClr val="accent4">
+                <a:shade val="15000"/>
+              </a:schemeClr>
+            </a:lnRef>
+            <a:fillRef idx="1">
+              <a:schemeClr val="accent4"/>
+            </a:fillRef>
+            <a:effectRef idx="0">
+              <a:schemeClr val="accent4"/>
+            </a:effectRef>
+            <a:fontRef idx="minor">
+              <a:schemeClr val="lt1"/>
+            </a:fontRef>
+          </p:style>
+        </p:cxnSp>
+        <p:sp>
+          <p:nvSpPr>
+            <p:cNvPr id="1071" name="CuadroTexto 1070">
+              <a:extLst>
+                <a:ext uri="{FF2B5EF4-FFF2-40B4-BE49-F238E27FC236}">
+                  <a16:creationId xmlns:a16="http://schemas.microsoft.com/office/drawing/2014/main" id="{CE3E236B-E25F-3C7A-411F-6BD0AFE4B8E6}"/>
+                </a:ext>
+              </a:extLst>
+            </p:cNvPr>
+            <p:cNvSpPr txBox="1"/>
+            <p:nvPr/>
+          </p:nvSpPr>
+          <p:spPr>
+            <a:xfrm>
+              <a:off x="8742577" y="4423169"/>
+              <a:ext cx="1333500" cy="230832"/>
+            </a:xfrm>
+            <a:prstGeom prst="rect">
+              <a:avLst/>
+            </a:prstGeom>
+            <a:noFill/>
+          </p:spPr>
+          <p:txBody>
+            <a:bodyPr wrap="square" rtlCol="0">
+              <a:spAutoFit/>
+            </a:bodyPr>
+            <a:lstStyle/>
+            <a:p>
+              <a:r>
+                <a:rPr lang="es-ES" sz="900" dirty="0"/>
+                <a:t>Recorrido de Módulo</a:t>
+              </a:r>
+            </a:p>
+          </p:txBody>
+        </p:sp>
+        <p:cxnSp>
+          <p:nvCxnSpPr>
+            <p:cNvPr id="1086" name="Conector recto 1085">
+              <a:extLst>
+                <a:ext uri="{FF2B5EF4-FFF2-40B4-BE49-F238E27FC236}">
+                  <a16:creationId xmlns:a16="http://schemas.microsoft.com/office/drawing/2014/main" id="{DD1A8A6E-D5AE-C586-D66E-93FD388133A1}"/>
+                </a:ext>
+              </a:extLst>
+            </p:cNvPr>
+            <p:cNvCxnSpPr>
+              <a:cxnSpLocks/>
+            </p:cNvCxnSpPr>
+            <p:nvPr/>
+          </p:nvCxnSpPr>
+          <p:spPr>
+            <a:xfrm flipH="1">
+              <a:off x="8592404" y="4698626"/>
+              <a:ext cx="150173" cy="0"/>
+            </a:xfrm>
+            <a:prstGeom prst="line">
+              <a:avLst/>
+            </a:prstGeom>
+            <a:noFill/>
+            <a:ln>
+              <a:solidFill>
+                <a:schemeClr val="accent2"/>
+              </a:solidFill>
+            </a:ln>
+          </p:spPr>
+          <p:style>
+            <a:lnRef idx="2">
+              <a:schemeClr val="accent4">
+                <a:shade val="15000"/>
+              </a:schemeClr>
+            </a:lnRef>
+            <a:fillRef idx="1">
+              <a:schemeClr val="accent4"/>
+            </a:fillRef>
+            <a:effectRef idx="0">
+              <a:schemeClr val="accent4"/>
+            </a:effectRef>
+            <a:fontRef idx="minor">
+              <a:schemeClr val="lt1"/>
+            </a:fontRef>
+          </p:style>
+        </p:cxnSp>
+        <p:sp>
+          <p:nvSpPr>
+            <p:cNvPr id="1087" name="CuadroTexto 1086">
+              <a:extLst>
+                <a:ext uri="{FF2B5EF4-FFF2-40B4-BE49-F238E27FC236}">
+                  <a16:creationId xmlns:a16="http://schemas.microsoft.com/office/drawing/2014/main" id="{28305744-CCCC-30F9-794C-7BF6CEB8251C}"/>
+                </a:ext>
+              </a:extLst>
+            </p:cNvPr>
+            <p:cNvSpPr txBox="1"/>
+            <p:nvPr/>
+          </p:nvSpPr>
+          <p:spPr>
+            <a:xfrm>
+              <a:off x="8742577" y="4583210"/>
+              <a:ext cx="1200151" cy="230832"/>
+            </a:xfrm>
+            <a:prstGeom prst="rect">
+              <a:avLst/>
+            </a:prstGeom>
+            <a:noFill/>
+          </p:spPr>
+          <p:txBody>
+            <a:bodyPr wrap="square" rtlCol="0">
+              <a:spAutoFit/>
+            </a:bodyPr>
+            <a:lstStyle/>
+            <a:p>
+              <a:r>
+                <a:rPr lang="es-ES" sz="900" dirty="0"/>
+                <a:t>Recorrido de Clase</a:t>
+              </a:r>
+            </a:p>
+          </p:txBody>
+        </p:sp>
+        <p:cxnSp>
+          <p:nvCxnSpPr>
+            <p:cNvPr id="1088" name="Conector recto 1087">
+              <a:extLst>
+                <a:ext uri="{FF2B5EF4-FFF2-40B4-BE49-F238E27FC236}">
+                  <a16:creationId xmlns:a16="http://schemas.microsoft.com/office/drawing/2014/main" id="{7ED274B3-FB79-6F3D-E87E-FBA003904306}"/>
+                </a:ext>
+              </a:extLst>
+            </p:cNvPr>
+            <p:cNvCxnSpPr>
+              <a:cxnSpLocks/>
+            </p:cNvCxnSpPr>
+            <p:nvPr/>
+          </p:nvCxnSpPr>
+          <p:spPr>
+            <a:xfrm flipH="1">
+              <a:off x="8592404" y="4858667"/>
+              <a:ext cx="150173" cy="0"/>
+            </a:xfrm>
+            <a:prstGeom prst="line">
+              <a:avLst/>
+            </a:prstGeom>
+            <a:noFill/>
+            <a:ln>
+              <a:solidFill>
+                <a:schemeClr val="accent1">
+                  <a:lumMod val="60000"/>
+                  <a:lumOff val="40000"/>
+                </a:schemeClr>
+              </a:solidFill>
+            </a:ln>
+          </p:spPr>
+          <p:style>
+            <a:lnRef idx="2">
+              <a:schemeClr val="accent4">
+                <a:shade val="15000"/>
+              </a:schemeClr>
+            </a:lnRef>
+            <a:fillRef idx="1">
+              <a:schemeClr val="accent4"/>
+            </a:fillRef>
+            <a:effectRef idx="0">
+              <a:schemeClr val="accent4"/>
+            </a:effectRef>
+            <a:fontRef idx="minor">
+              <a:schemeClr val="lt1"/>
+            </a:fontRef>
+          </p:style>
+        </p:cxnSp>
+        <p:sp>
+          <p:nvSpPr>
+            <p:cNvPr id="1089" name="CuadroTexto 1088">
+              <a:extLst>
+                <a:ext uri="{FF2B5EF4-FFF2-40B4-BE49-F238E27FC236}">
+                  <a16:creationId xmlns:a16="http://schemas.microsoft.com/office/drawing/2014/main" id="{5EBF4466-ED10-3528-CD10-C53366E5F497}"/>
+                </a:ext>
+              </a:extLst>
+            </p:cNvPr>
+            <p:cNvSpPr txBox="1"/>
+            <p:nvPr/>
+          </p:nvSpPr>
+          <p:spPr>
+            <a:xfrm>
+              <a:off x="8742577" y="4743251"/>
+              <a:ext cx="1333500" cy="230832"/>
+            </a:xfrm>
+            <a:prstGeom prst="rect">
+              <a:avLst/>
+            </a:prstGeom>
+            <a:noFill/>
+          </p:spPr>
+          <p:txBody>
+            <a:bodyPr wrap="square" rtlCol="0">
+              <a:spAutoFit/>
+            </a:bodyPr>
+            <a:lstStyle/>
+            <a:p>
+              <a:r>
+                <a:rPr lang="es-ES" sz="900" dirty="0"/>
+                <a:t>Recorrido de Función</a:t>
+              </a:r>
+            </a:p>
+          </p:txBody>
+        </p:sp>
+        <p:cxnSp>
+          <p:nvCxnSpPr>
+            <p:cNvPr id="1093" name="Conector recto 1092">
+              <a:extLst>
+                <a:ext uri="{FF2B5EF4-FFF2-40B4-BE49-F238E27FC236}">
+                  <a16:creationId xmlns:a16="http://schemas.microsoft.com/office/drawing/2014/main" id="{5EAE7443-4F4C-4DCC-47E8-C2A3C68266F6}"/>
+                </a:ext>
+              </a:extLst>
+            </p:cNvPr>
+            <p:cNvCxnSpPr>
+              <a:cxnSpLocks/>
+            </p:cNvCxnSpPr>
+            <p:nvPr/>
+          </p:nvCxnSpPr>
+          <p:spPr>
+            <a:xfrm flipH="1">
+              <a:off x="8592404" y="5018708"/>
+              <a:ext cx="150173" cy="0"/>
+            </a:xfrm>
+            <a:prstGeom prst="line">
+              <a:avLst/>
+            </a:prstGeom>
+            <a:noFill/>
+            <a:ln>
+              <a:solidFill>
+                <a:srgbClr val="FFD144"/>
+              </a:solidFill>
+            </a:ln>
+          </p:spPr>
+          <p:style>
+            <a:lnRef idx="2">
+              <a:schemeClr val="accent4">
+                <a:shade val="15000"/>
+              </a:schemeClr>
+            </a:lnRef>
+            <a:fillRef idx="1">
+              <a:schemeClr val="accent4"/>
+            </a:fillRef>
+            <a:effectRef idx="0">
+              <a:schemeClr val="accent4"/>
+            </a:effectRef>
+            <a:fontRef idx="minor">
+              <a:schemeClr val="lt1"/>
+            </a:fontRef>
+          </p:style>
+        </p:cxnSp>
+        <p:sp>
+          <p:nvSpPr>
+            <p:cNvPr id="1094" name="CuadroTexto 1093">
+              <a:extLst>
+                <a:ext uri="{FF2B5EF4-FFF2-40B4-BE49-F238E27FC236}">
+                  <a16:creationId xmlns:a16="http://schemas.microsoft.com/office/drawing/2014/main" id="{DD9ACFE4-B1D2-D7CE-232B-7E2713F15F2F}"/>
+                </a:ext>
+              </a:extLst>
+            </p:cNvPr>
+            <p:cNvSpPr txBox="1"/>
+            <p:nvPr/>
+          </p:nvSpPr>
+          <p:spPr>
+            <a:xfrm>
+              <a:off x="8742577" y="4903292"/>
+              <a:ext cx="1333499" cy="230832"/>
+            </a:xfrm>
+            <a:prstGeom prst="rect">
+              <a:avLst/>
+            </a:prstGeom>
+            <a:noFill/>
+          </p:spPr>
+          <p:txBody>
+            <a:bodyPr wrap="square" rtlCol="0">
+              <a:spAutoFit/>
+            </a:bodyPr>
+            <a:lstStyle/>
+            <a:p>
+              <a:r>
+                <a:rPr lang="es-ES" sz="900" dirty="0"/>
+                <a:t>Recorrido de Método</a:t>
+              </a:r>
+            </a:p>
+          </p:txBody>
+        </p:sp>
+        <p:cxnSp>
+          <p:nvCxnSpPr>
+            <p:cNvPr id="1095" name="Conector recto 1094">
+              <a:extLst>
+                <a:ext uri="{FF2B5EF4-FFF2-40B4-BE49-F238E27FC236}">
+                  <a16:creationId xmlns:a16="http://schemas.microsoft.com/office/drawing/2014/main" id="{436621F8-5ACD-EA60-F886-DE27F0227A6F}"/>
+                </a:ext>
+              </a:extLst>
+            </p:cNvPr>
+            <p:cNvCxnSpPr>
+              <a:cxnSpLocks/>
+            </p:cNvCxnSpPr>
+            <p:nvPr/>
+          </p:nvCxnSpPr>
+          <p:spPr>
+            <a:xfrm flipH="1">
+              <a:off x="8592404" y="5178749"/>
+              <a:ext cx="150173" cy="0"/>
+            </a:xfrm>
+            <a:prstGeom prst="line">
+              <a:avLst/>
+            </a:prstGeom>
+            <a:noFill/>
+            <a:ln>
+              <a:solidFill>
+                <a:schemeClr val="bg1">
+                  <a:lumMod val="50000"/>
+                </a:schemeClr>
+              </a:solidFill>
+            </a:ln>
+          </p:spPr>
+          <p:style>
+            <a:lnRef idx="2">
+              <a:schemeClr val="accent4">
+                <a:shade val="15000"/>
+              </a:schemeClr>
+            </a:lnRef>
+            <a:fillRef idx="1">
+              <a:schemeClr val="accent4"/>
+            </a:fillRef>
+            <a:effectRef idx="0">
+              <a:schemeClr val="accent4"/>
+            </a:effectRef>
+            <a:fontRef idx="minor">
+              <a:schemeClr val="lt1"/>
+            </a:fontRef>
+          </p:style>
+        </p:cxnSp>
+        <p:sp>
+          <p:nvSpPr>
+            <p:cNvPr id="1096" name="CuadroTexto 1095">
+              <a:extLst>
+                <a:ext uri="{FF2B5EF4-FFF2-40B4-BE49-F238E27FC236}">
+                  <a16:creationId xmlns:a16="http://schemas.microsoft.com/office/drawing/2014/main" id="{E97AB40F-51D5-3BF9-C360-5ED84FFD9008}"/>
+                </a:ext>
+              </a:extLst>
+            </p:cNvPr>
+            <p:cNvSpPr txBox="1"/>
+            <p:nvPr/>
+          </p:nvSpPr>
+          <p:spPr>
+            <a:xfrm>
+              <a:off x="8742577" y="5063333"/>
+              <a:ext cx="1549400" cy="230832"/>
+            </a:xfrm>
+            <a:prstGeom prst="rect">
+              <a:avLst/>
+            </a:prstGeom>
+            <a:noFill/>
+          </p:spPr>
+          <p:txBody>
+            <a:bodyPr wrap="square" rtlCol="0">
+              <a:spAutoFit/>
+            </a:bodyPr>
+            <a:lstStyle/>
+            <a:p>
+              <a:r>
+                <a:rPr lang="es-ES" sz="900" dirty="0"/>
+                <a:t>Recorrido de Sentencia</a:t>
+              </a:r>
+            </a:p>
+          </p:txBody>
+        </p:sp>
+        <p:cxnSp>
+          <p:nvCxnSpPr>
+            <p:cNvPr id="1101" name="Conector recto 1100">
+              <a:extLst>
+                <a:ext uri="{FF2B5EF4-FFF2-40B4-BE49-F238E27FC236}">
+                  <a16:creationId xmlns:a16="http://schemas.microsoft.com/office/drawing/2014/main" id="{1262D737-02C0-585D-BE75-397AD4D5656B}"/>
+                </a:ext>
+              </a:extLst>
+            </p:cNvPr>
+            <p:cNvCxnSpPr>
+              <a:cxnSpLocks/>
+            </p:cNvCxnSpPr>
+            <p:nvPr/>
+          </p:nvCxnSpPr>
+          <p:spPr>
+            <a:xfrm flipH="1">
+              <a:off x="8592404" y="5338792"/>
+              <a:ext cx="150173" cy="0"/>
+            </a:xfrm>
+            <a:prstGeom prst="line">
+              <a:avLst/>
+            </a:prstGeom>
+            <a:noFill/>
+            <a:ln>
+              <a:solidFill>
+                <a:srgbClr val="326499"/>
+              </a:solidFill>
+            </a:ln>
+          </p:spPr>
+          <p:style>
+            <a:lnRef idx="2">
+              <a:schemeClr val="accent4">
+                <a:shade val="15000"/>
+              </a:schemeClr>
+            </a:lnRef>
+            <a:fillRef idx="1">
+              <a:schemeClr val="accent4"/>
+            </a:fillRef>
+            <a:effectRef idx="0">
+              <a:schemeClr val="accent4"/>
+            </a:effectRef>
+            <a:fontRef idx="minor">
+              <a:schemeClr val="lt1"/>
+            </a:fontRef>
+          </p:style>
+        </p:cxnSp>
+        <p:sp>
+          <p:nvSpPr>
+            <p:cNvPr id="1102" name="CuadroTexto 1101">
+              <a:extLst>
+                <a:ext uri="{FF2B5EF4-FFF2-40B4-BE49-F238E27FC236}">
+                  <a16:creationId xmlns:a16="http://schemas.microsoft.com/office/drawing/2014/main" id="{1EC58D41-47DC-F05A-FE04-9BE1FD19EE13}"/>
+                </a:ext>
+              </a:extLst>
+            </p:cNvPr>
+            <p:cNvSpPr txBox="1"/>
+            <p:nvPr/>
+          </p:nvSpPr>
+          <p:spPr>
+            <a:xfrm>
+              <a:off x="8742577" y="5223376"/>
+              <a:ext cx="1549400" cy="230832"/>
+            </a:xfrm>
+            <a:prstGeom prst="rect">
+              <a:avLst/>
+            </a:prstGeom>
+            <a:noFill/>
+          </p:spPr>
+          <p:txBody>
+            <a:bodyPr wrap="square" rtlCol="0">
+              <a:spAutoFit/>
+            </a:bodyPr>
+            <a:lstStyle/>
+            <a:p>
+              <a:r>
+                <a:rPr lang="es-ES" sz="900" dirty="0"/>
+                <a:t>Recorrido de Expresión</a:t>
+              </a:r>
+            </a:p>
+          </p:txBody>
+        </p:sp>
         <p:cxnSp>
           <p:nvCxnSpPr>
             <p:cNvPr id="1038" name="Conector recto 1037">
@@ -5738,25 +5709,35 @@
           </p:nvCxnSpPr>
           <p:spPr>
             <a:xfrm flipH="1">
-              <a:off x="3253426" y="3358607"/>
+              <a:off x="7902560" y="4193751"/>
               <a:ext cx="1" cy="154536"/>
             </a:xfrm>
             <a:prstGeom prst="line">
               <a:avLst/>
             </a:prstGeom>
+            <a:noFill/>
+            <a:ln>
+              <a:solidFill>
+                <a:schemeClr val="accent2">
+                  <a:lumMod val="50000"/>
+                </a:schemeClr>
+              </a:solidFill>
+            </a:ln>
           </p:spPr>
           <p:style>
             <a:lnRef idx="2">
-              <a:schemeClr val="accent1"/>
+              <a:schemeClr val="accent4">
+                <a:shade val="15000"/>
+              </a:schemeClr>
             </a:lnRef>
-            <a:fillRef idx="0">
-              <a:schemeClr val="accent1"/>
+            <a:fillRef idx="1">
+              <a:schemeClr val="accent4"/>
             </a:fillRef>
-            <a:effectRef idx="1">
-              <a:schemeClr val="accent1"/>
+            <a:effectRef idx="0">
+              <a:schemeClr val="accent4"/>
             </a:effectRef>
             <a:fontRef idx="minor">
-              <a:schemeClr val="tx1"/>
+              <a:schemeClr val="lt1"/>
             </a:fontRef>
           </p:style>
         </p:cxnSp>
@@ -5774,13 +5755,20 @@
           </p:nvSpPr>
           <p:spPr>
             <a:xfrm>
-              <a:off x="3140596" y="3132946"/>
+              <a:off x="7789730" y="3968090"/>
               <a:ext cx="225661" cy="225661"/>
             </a:xfrm>
             <a:prstGeom prst="ellipse">
               <a:avLst/>
             </a:prstGeom>
             <a:noFill/>
+            <a:ln>
+              <a:solidFill>
+                <a:schemeClr val="accent2">
+                  <a:lumMod val="50000"/>
+                </a:schemeClr>
+              </a:solidFill>
+            </a:ln>
           </p:spPr>
           <p:style>
             <a:lnRef idx="2">
@@ -5821,7 +5809,7 @@
           </p:nvSpPr>
           <p:spPr>
             <a:xfrm>
-              <a:off x="3140595" y="3513143"/>
+              <a:off x="7789729" y="4348287"/>
               <a:ext cx="225662" cy="225662"/>
             </a:xfrm>
             <a:prstGeom prst="ellipse">
@@ -5875,7 +5863,7 @@
           </p:nvCxnSpPr>
           <p:spPr>
             <a:xfrm flipH="1">
-              <a:off x="3253426" y="3734985"/>
+              <a:off x="7902560" y="4570129"/>
               <a:ext cx="1" cy="154536"/>
             </a:xfrm>
             <a:prstGeom prst="line">
@@ -5919,7 +5907,7 @@
           </p:nvSpPr>
           <p:spPr>
             <a:xfrm>
-              <a:off x="2722594" y="3887046"/>
+              <a:off x="7371728" y="4722190"/>
               <a:ext cx="225662" cy="225662"/>
             </a:xfrm>
             <a:prstGeom prst="ellipse">
@@ -5973,7 +5961,7 @@
           </p:nvSpPr>
           <p:spPr>
             <a:xfrm>
-              <a:off x="3140595" y="3886623"/>
+              <a:off x="7789729" y="4721767"/>
               <a:ext cx="225662" cy="225662"/>
             </a:xfrm>
             <a:prstGeom prst="ellipse">
@@ -6025,7 +6013,7 @@
           </p:nvSpPr>
           <p:spPr>
             <a:xfrm>
-              <a:off x="3504855" y="3886623"/>
+              <a:off x="8153989" y="4721767"/>
               <a:ext cx="225662" cy="225662"/>
             </a:xfrm>
             <a:prstGeom prst="ellipse">
@@ -6084,7 +6072,7 @@
           </p:nvCxnSpPr>
           <p:spPr>
             <a:xfrm flipH="1">
-              <a:off x="2915209" y="3705758"/>
+              <a:off x="7564343" y="4540902"/>
               <a:ext cx="258433" cy="214335"/>
             </a:xfrm>
             <a:prstGeom prst="line">
@@ -6132,7 +6120,7 @@
           </p:nvCxnSpPr>
           <p:spPr>
             <a:xfrm>
-              <a:off x="3333210" y="3705758"/>
+              <a:off x="7982344" y="4540902"/>
               <a:ext cx="284476" cy="180865"/>
             </a:xfrm>
             <a:prstGeom prst="line">
@@ -6176,7 +6164,7 @@
           </p:nvSpPr>
           <p:spPr>
             <a:xfrm>
-              <a:off x="3140595" y="4260103"/>
+              <a:off x="7789729" y="5095247"/>
               <a:ext cx="225662" cy="225662"/>
             </a:xfrm>
             <a:prstGeom prst="ellipse">
@@ -6228,7 +6216,7 @@
           </p:nvSpPr>
           <p:spPr>
             <a:xfrm>
-              <a:off x="3504855" y="4263128"/>
+              <a:off x="8153989" y="5098272"/>
               <a:ext cx="225662" cy="225662"/>
             </a:xfrm>
             <a:prstGeom prst="ellipse">
@@ -6284,7 +6272,7 @@
           </p:nvCxnSpPr>
           <p:spPr>
             <a:xfrm flipH="1">
-              <a:off x="3253425" y="4108926"/>
+              <a:off x="7902559" y="4944070"/>
               <a:ext cx="1" cy="154536"/>
             </a:xfrm>
             <a:prstGeom prst="line">
@@ -6330,7 +6318,7 @@
           </p:nvCxnSpPr>
           <p:spPr>
             <a:xfrm flipH="1">
-              <a:off x="3613315" y="4108926"/>
+              <a:off x="8262449" y="4944070"/>
               <a:ext cx="1" cy="154536"/>
             </a:xfrm>
             <a:prstGeom prst="line">
@@ -6379,7 +6367,7 @@
           </p:nvCxnSpPr>
           <p:spPr>
             <a:xfrm flipH="1">
-              <a:off x="3253425" y="4488790"/>
+              <a:off x="7902559" y="5323934"/>
               <a:ext cx="1" cy="154536"/>
             </a:xfrm>
             <a:prstGeom prst="line">
@@ -6423,7 +6411,7 @@
           </p:nvSpPr>
           <p:spPr>
             <a:xfrm>
-              <a:off x="3142365" y="4633583"/>
+              <a:off x="7791499" y="5468727"/>
               <a:ext cx="225662" cy="225662"/>
             </a:xfrm>
             <a:prstGeom prst="ellipse">
@@ -6475,7 +6463,7 @@
           </p:nvSpPr>
           <p:spPr>
             <a:xfrm>
-              <a:off x="2722594" y="4260103"/>
+              <a:off x="7371728" y="5095247"/>
               <a:ext cx="225662" cy="225662"/>
             </a:xfrm>
             <a:prstGeom prst="ellipse">
@@ -6529,7 +6517,7 @@
           </p:nvCxnSpPr>
           <p:spPr>
             <a:xfrm flipH="1">
-              <a:off x="2831920" y="4113354"/>
+              <a:off x="7481054" y="4948498"/>
               <a:ext cx="1" cy="140487"/>
             </a:xfrm>
             <a:prstGeom prst="line">
@@ -6575,7 +6563,7 @@
           </p:nvSpPr>
           <p:spPr>
             <a:xfrm>
-              <a:off x="3500484" y="4643326"/>
+              <a:off x="8149618" y="5478470"/>
               <a:ext cx="225662" cy="225662"/>
             </a:xfrm>
             <a:prstGeom prst="ellipse">
@@ -6627,7 +6615,7 @@
           </p:nvSpPr>
           <p:spPr>
             <a:xfrm>
-              <a:off x="2731019" y="4633160"/>
+              <a:off x="7380153" y="5468304"/>
               <a:ext cx="225662" cy="225662"/>
             </a:xfrm>
             <a:prstGeom prst="ellipse">
@@ -6683,7 +6671,7 @@
           </p:nvCxnSpPr>
           <p:spPr>
             <a:xfrm flipH="1">
-              <a:off x="3610901" y="4485090"/>
+              <a:off x="8260035" y="5320234"/>
               <a:ext cx="1" cy="154536"/>
             </a:xfrm>
             <a:prstGeom prst="line">
@@ -6733,7 +6721,7 @@
           </p:nvCxnSpPr>
           <p:spPr>
             <a:xfrm flipH="1">
-              <a:off x="2923634" y="4452718"/>
+              <a:off x="7572768" y="5287862"/>
               <a:ext cx="250008" cy="213489"/>
             </a:xfrm>
             <a:prstGeom prst="line">
@@ -6777,7 +6765,7 @@
           </p:nvSpPr>
           <p:spPr>
             <a:xfrm>
-              <a:off x="2731379" y="5008519"/>
+              <a:off x="7380513" y="5843663"/>
               <a:ext cx="225662" cy="225662"/>
             </a:xfrm>
             <a:prstGeom prst="ellipse">
@@ -6831,7 +6819,7 @@
           </p:nvCxnSpPr>
           <p:spPr>
             <a:xfrm flipH="1">
-              <a:off x="2841796" y="4850283"/>
+              <a:off x="7490930" y="5685427"/>
               <a:ext cx="1" cy="154536"/>
             </a:xfrm>
             <a:prstGeom prst="line">
@@ -6864,96 +6852,6 @@
           </p:style>
         </p:cxnSp>
       </p:grpSp>
-      <p:pic>
-        <p:nvPicPr>
-          <p:cNvPr id="1114" name="Imagen 1113">
-            <a:extLst>
-              <a:ext uri="{FF2B5EF4-FFF2-40B4-BE49-F238E27FC236}">
-                <a16:creationId xmlns:a16="http://schemas.microsoft.com/office/drawing/2014/main" id="{8654C169-5097-4DA1-CB21-1C8BE5122E88}"/>
-              </a:ext>
-            </a:extLst>
-          </p:cNvPr>
-          <p:cNvPicPr>
-            <a:picLocks noChangeAspect="1"/>
-          </p:cNvPicPr>
-          <p:nvPr/>
-        </p:nvPicPr>
-        <p:blipFill>
-          <a:blip r:embed="rId4"/>
-          <a:stretch>
-            <a:fillRect/>
-          </a:stretch>
-        </p:blipFill>
-        <p:spPr>
-          <a:xfrm>
-            <a:off x="4513176" y="4248832"/>
-            <a:ext cx="1419423" cy="1629002"/>
-          </a:xfrm>
-          <a:prstGeom prst="rect">
-            <a:avLst/>
-          </a:prstGeom>
-        </p:spPr>
-      </p:pic>
-      <p:pic>
-        <p:nvPicPr>
-          <p:cNvPr id="1116" name="Imagen 1115">
-            <a:extLst>
-              <a:ext uri="{FF2B5EF4-FFF2-40B4-BE49-F238E27FC236}">
-                <a16:creationId xmlns:a16="http://schemas.microsoft.com/office/drawing/2014/main" id="{E4346E54-CB76-C4EA-2C78-CADF82C135DB}"/>
-              </a:ext>
-            </a:extLst>
-          </p:cNvPr>
-          <p:cNvPicPr>
-            <a:picLocks noChangeAspect="1"/>
-          </p:cNvPicPr>
-          <p:nvPr/>
-        </p:nvPicPr>
-        <p:blipFill>
-          <a:blip r:embed="rId5"/>
-          <a:stretch>
-            <a:fillRect/>
-          </a:stretch>
-        </p:blipFill>
-        <p:spPr>
-          <a:xfrm>
-            <a:off x="2725668" y="4468395"/>
-            <a:ext cx="1267002" cy="971686"/>
-          </a:xfrm>
-          <a:prstGeom prst="rect">
-            <a:avLst/>
-          </a:prstGeom>
-        </p:spPr>
-      </p:pic>
-      <p:pic>
-        <p:nvPicPr>
-          <p:cNvPr id="1118" name="Imagen 1117">
-            <a:extLst>
-              <a:ext uri="{FF2B5EF4-FFF2-40B4-BE49-F238E27FC236}">
-                <a16:creationId xmlns:a16="http://schemas.microsoft.com/office/drawing/2014/main" id="{05A5BC93-2EB8-A285-1284-B622B810749D}"/>
-              </a:ext>
-            </a:extLst>
-          </p:cNvPr>
-          <p:cNvPicPr>
-            <a:picLocks noChangeAspect="1"/>
-          </p:cNvPicPr>
-          <p:nvPr/>
-        </p:nvPicPr>
-        <p:blipFill>
-          <a:blip r:embed="rId6"/>
-          <a:stretch>
-            <a:fillRect/>
-          </a:stretch>
-        </p:blipFill>
-        <p:spPr>
-          <a:xfrm>
-            <a:off x="600269" y="4317013"/>
-            <a:ext cx="1543265" cy="1295581"/>
-          </a:xfrm>
-          <a:prstGeom prst="rect">
-            <a:avLst/>
-          </a:prstGeom>
-        </p:spPr>
-      </p:pic>
       <p:sp>
         <p:nvSpPr>
           <p:cNvPr id="1119" name="Flecha: a la derecha 1118">
@@ -6968,7 +6866,7 @@
         </p:nvSpPr>
         <p:spPr>
           <a:xfrm rot="10800000">
-            <a:off x="5972960" y="4798930"/>
+            <a:off x="6962290" y="4798930"/>
             <a:ext cx="587395" cy="409148"/>
           </a:xfrm>
           <a:prstGeom prst="rightArrow">
@@ -7012,7 +6910,7 @@
         </p:nvSpPr>
         <p:spPr>
           <a:xfrm rot="10800000">
-            <a:off x="3957927" y="4769509"/>
+            <a:off x="4962497" y="4769509"/>
             <a:ext cx="587395" cy="409148"/>
           </a:xfrm>
           <a:prstGeom prst="rightArrow">
@@ -7042,12 +6940,4028 @@
           </a:p>
         </p:txBody>
       </p:sp>
+      <p:grpSp>
+        <p:nvGrpSpPr>
+          <p:cNvPr id="1137" name="Grupo 1136">
+            <a:extLst>
+              <a:ext uri="{FF2B5EF4-FFF2-40B4-BE49-F238E27FC236}">
+                <a16:creationId xmlns:a16="http://schemas.microsoft.com/office/drawing/2014/main" id="{C42B5EA0-D64F-C849-EA2C-CA0B7EA330FB}"/>
+              </a:ext>
+            </a:extLst>
+          </p:cNvPr>
+          <p:cNvGrpSpPr/>
+          <p:nvPr/>
+        </p:nvGrpSpPr>
+        <p:grpSpPr>
+          <a:xfrm>
+            <a:off x="5614761" y="4329256"/>
+            <a:ext cx="1278686" cy="1348496"/>
+            <a:chOff x="4417557" y="2853803"/>
+            <a:chExt cx="1278686" cy="1348496"/>
+          </a:xfrm>
+        </p:grpSpPr>
+        <p:grpSp>
+          <p:nvGrpSpPr>
+            <p:cNvPr id="1135" name="Grupo 1134">
+              <a:extLst>
+                <a:ext uri="{FF2B5EF4-FFF2-40B4-BE49-F238E27FC236}">
+                  <a16:creationId xmlns:a16="http://schemas.microsoft.com/office/drawing/2014/main" id="{707189CC-F596-5091-811E-257E2EC047B9}"/>
+                </a:ext>
+              </a:extLst>
+            </p:cNvPr>
+            <p:cNvGrpSpPr/>
+            <p:nvPr/>
+          </p:nvGrpSpPr>
+          <p:grpSpPr>
+            <a:xfrm>
+              <a:off x="4546633" y="3261725"/>
+              <a:ext cx="1016692" cy="804282"/>
+              <a:chOff x="2966278" y="2775438"/>
+              <a:chExt cx="1016692" cy="804282"/>
+            </a:xfrm>
+          </p:grpSpPr>
+          <p:grpSp>
+            <p:nvGrpSpPr>
+              <p:cNvPr id="1044" name="Grupo 1043">
+                <a:extLst>
+                  <a:ext uri="{FF2B5EF4-FFF2-40B4-BE49-F238E27FC236}">
+                    <a16:creationId xmlns:a16="http://schemas.microsoft.com/office/drawing/2014/main" id="{E4011A74-B043-4163-652D-2748B1C96776}"/>
+                  </a:ext>
+                </a:extLst>
+              </p:cNvPr>
+              <p:cNvGrpSpPr/>
+              <p:nvPr/>
+            </p:nvGrpSpPr>
+            <p:grpSpPr>
+              <a:xfrm>
+                <a:off x="3520763" y="3162967"/>
+                <a:ext cx="462207" cy="416753"/>
+                <a:chOff x="2968385" y="3207509"/>
+                <a:chExt cx="462207" cy="416753"/>
+              </a:xfrm>
+            </p:grpSpPr>
+            <p:sp>
+              <p:nvSpPr>
+                <p:cNvPr id="1045" name="Rectángulo 1044">
+                  <a:extLst>
+                    <a:ext uri="{FF2B5EF4-FFF2-40B4-BE49-F238E27FC236}">
+                      <a16:creationId xmlns:a16="http://schemas.microsoft.com/office/drawing/2014/main" id="{2139F8F6-523B-536C-E12B-F81A884E2380}"/>
+                    </a:ext>
+                  </a:extLst>
+                </p:cNvPr>
+                <p:cNvSpPr/>
+                <p:nvPr/>
+              </p:nvSpPr>
+              <p:spPr>
+                <a:xfrm>
+                  <a:off x="2968385" y="3207509"/>
+                  <a:ext cx="462207" cy="416753"/>
+                </a:xfrm>
+                <a:prstGeom prst="rect">
+                  <a:avLst/>
+                </a:prstGeom>
+                <a:solidFill>
+                  <a:schemeClr val="accent6"/>
+                </a:solidFill>
+                <a:ln>
+                  <a:noFill/>
+                </a:ln>
+              </p:spPr>
+              <p:style>
+                <a:lnRef idx="2">
+                  <a:schemeClr val="accent1">
+                    <a:shade val="15000"/>
+                  </a:schemeClr>
+                </a:lnRef>
+                <a:fillRef idx="1">
+                  <a:schemeClr val="accent1"/>
+                </a:fillRef>
+                <a:effectRef idx="0">
+                  <a:schemeClr val="accent1"/>
+                </a:effectRef>
+                <a:fontRef idx="minor">
+                  <a:schemeClr val="lt1"/>
+                </a:fontRef>
+              </p:style>
+              <p:txBody>
+                <a:bodyPr rtlCol="0" anchor="ctr"/>
+                <a:lstStyle/>
+                <a:p>
+                  <a:pPr algn="ctr"/>
+                  <a:endParaRPr lang="es-ES"/>
+                </a:p>
+              </p:txBody>
+            </p:sp>
+            <p:sp>
+              <p:nvSpPr>
+                <p:cNvPr id="1046" name="Rectángulo 1045">
+                  <a:extLst>
+                    <a:ext uri="{FF2B5EF4-FFF2-40B4-BE49-F238E27FC236}">
+                      <a16:creationId xmlns:a16="http://schemas.microsoft.com/office/drawing/2014/main" id="{65DB3B87-D862-3933-548E-E91F374B00AA}"/>
+                    </a:ext>
+                  </a:extLst>
+                </p:cNvPr>
+                <p:cNvSpPr/>
+                <p:nvPr/>
+              </p:nvSpPr>
+              <p:spPr>
+                <a:xfrm>
+                  <a:off x="2986882" y="3325885"/>
+                  <a:ext cx="133350" cy="83221"/>
+                </a:xfrm>
+                <a:prstGeom prst="rect">
+                  <a:avLst/>
+                </a:prstGeom>
+                <a:solidFill>
+                  <a:schemeClr val="bg1"/>
+                </a:solidFill>
+                <a:ln>
+                  <a:noFill/>
+                </a:ln>
+              </p:spPr>
+              <p:style>
+                <a:lnRef idx="2">
+                  <a:schemeClr val="accent1">
+                    <a:shade val="15000"/>
+                  </a:schemeClr>
+                </a:lnRef>
+                <a:fillRef idx="1">
+                  <a:schemeClr val="accent1"/>
+                </a:fillRef>
+                <a:effectRef idx="0">
+                  <a:schemeClr val="accent1"/>
+                </a:effectRef>
+                <a:fontRef idx="minor">
+                  <a:schemeClr val="lt1"/>
+                </a:fontRef>
+              </p:style>
+              <p:txBody>
+                <a:bodyPr rtlCol="0" anchor="ctr"/>
+                <a:lstStyle/>
+                <a:p>
+                  <a:pPr algn="ctr"/>
+                  <a:endParaRPr lang="es-ES"/>
+                </a:p>
+              </p:txBody>
+            </p:sp>
+            <p:sp>
+              <p:nvSpPr>
+                <p:cNvPr id="1047" name="Rectángulo 1046">
+                  <a:extLst>
+                    <a:ext uri="{FF2B5EF4-FFF2-40B4-BE49-F238E27FC236}">
+                      <a16:creationId xmlns:a16="http://schemas.microsoft.com/office/drawing/2014/main" id="{A5F13F14-B271-D483-6A6E-1FEED5A1351F}"/>
+                    </a:ext>
+                  </a:extLst>
+                </p:cNvPr>
+                <p:cNvSpPr/>
+                <p:nvPr/>
+              </p:nvSpPr>
+              <p:spPr>
+                <a:xfrm>
+                  <a:off x="2986882" y="3425801"/>
+                  <a:ext cx="133350" cy="83221"/>
+                </a:xfrm>
+                <a:prstGeom prst="rect">
+                  <a:avLst/>
+                </a:prstGeom>
+                <a:solidFill>
+                  <a:schemeClr val="bg1"/>
+                </a:solidFill>
+                <a:ln>
+                  <a:noFill/>
+                </a:ln>
+              </p:spPr>
+              <p:style>
+                <a:lnRef idx="2">
+                  <a:schemeClr val="accent1">
+                    <a:shade val="15000"/>
+                  </a:schemeClr>
+                </a:lnRef>
+                <a:fillRef idx="1">
+                  <a:schemeClr val="accent1"/>
+                </a:fillRef>
+                <a:effectRef idx="0">
+                  <a:schemeClr val="accent1"/>
+                </a:effectRef>
+                <a:fontRef idx="minor">
+                  <a:schemeClr val="lt1"/>
+                </a:fontRef>
+              </p:style>
+              <p:txBody>
+                <a:bodyPr rtlCol="0" anchor="ctr"/>
+                <a:lstStyle/>
+                <a:p>
+                  <a:pPr algn="ctr"/>
+                  <a:endParaRPr lang="es-ES"/>
+                </a:p>
+              </p:txBody>
+            </p:sp>
+            <p:sp>
+              <p:nvSpPr>
+                <p:cNvPr id="1049" name="Rectángulo 1048">
+                  <a:extLst>
+                    <a:ext uri="{FF2B5EF4-FFF2-40B4-BE49-F238E27FC236}">
+                      <a16:creationId xmlns:a16="http://schemas.microsoft.com/office/drawing/2014/main" id="{3ABDC1BD-81DE-D2FF-6BA7-9E43D81D74FB}"/>
+                    </a:ext>
+                  </a:extLst>
+                </p:cNvPr>
+                <p:cNvSpPr/>
+                <p:nvPr/>
+              </p:nvSpPr>
+              <p:spPr>
+                <a:xfrm>
+                  <a:off x="3134918" y="3325885"/>
+                  <a:ext cx="133350" cy="83221"/>
+                </a:xfrm>
+                <a:prstGeom prst="rect">
+                  <a:avLst/>
+                </a:prstGeom>
+                <a:solidFill>
+                  <a:schemeClr val="bg1"/>
+                </a:solidFill>
+                <a:ln>
+                  <a:noFill/>
+                </a:ln>
+              </p:spPr>
+              <p:style>
+                <a:lnRef idx="2">
+                  <a:schemeClr val="accent1">
+                    <a:shade val="15000"/>
+                  </a:schemeClr>
+                </a:lnRef>
+                <a:fillRef idx="1">
+                  <a:schemeClr val="accent1"/>
+                </a:fillRef>
+                <a:effectRef idx="0">
+                  <a:schemeClr val="accent1"/>
+                </a:effectRef>
+                <a:fontRef idx="minor">
+                  <a:schemeClr val="lt1"/>
+                </a:fontRef>
+              </p:style>
+              <p:txBody>
+                <a:bodyPr rtlCol="0" anchor="ctr"/>
+                <a:lstStyle/>
+                <a:p>
+                  <a:pPr algn="ctr"/>
+                  <a:endParaRPr lang="es-ES"/>
+                </a:p>
+              </p:txBody>
+            </p:sp>
+            <p:sp>
+              <p:nvSpPr>
+                <p:cNvPr id="1050" name="Rectángulo 1049">
+                  <a:extLst>
+                    <a:ext uri="{FF2B5EF4-FFF2-40B4-BE49-F238E27FC236}">
+                      <a16:creationId xmlns:a16="http://schemas.microsoft.com/office/drawing/2014/main" id="{AC6C3A36-4943-BAFE-6498-8764DCDBE3A8}"/>
+                    </a:ext>
+                  </a:extLst>
+                </p:cNvPr>
+                <p:cNvSpPr/>
+                <p:nvPr/>
+              </p:nvSpPr>
+              <p:spPr>
+                <a:xfrm>
+                  <a:off x="3134918" y="3425801"/>
+                  <a:ext cx="133350" cy="83221"/>
+                </a:xfrm>
+                <a:prstGeom prst="rect">
+                  <a:avLst/>
+                </a:prstGeom>
+                <a:solidFill>
+                  <a:schemeClr val="bg1"/>
+                </a:solidFill>
+                <a:ln>
+                  <a:noFill/>
+                </a:ln>
+              </p:spPr>
+              <p:style>
+                <a:lnRef idx="2">
+                  <a:schemeClr val="accent1">
+                    <a:shade val="15000"/>
+                  </a:schemeClr>
+                </a:lnRef>
+                <a:fillRef idx="1">
+                  <a:schemeClr val="accent1"/>
+                </a:fillRef>
+                <a:effectRef idx="0">
+                  <a:schemeClr val="accent1"/>
+                </a:effectRef>
+                <a:fontRef idx="minor">
+                  <a:schemeClr val="lt1"/>
+                </a:fontRef>
+              </p:style>
+              <p:txBody>
+                <a:bodyPr rtlCol="0" anchor="ctr"/>
+                <a:lstStyle/>
+                <a:p>
+                  <a:pPr algn="ctr"/>
+                  <a:endParaRPr lang="es-ES"/>
+                </a:p>
+              </p:txBody>
+            </p:sp>
+            <p:sp>
+              <p:nvSpPr>
+                <p:cNvPr id="1051" name="Rectángulo 1050">
+                  <a:extLst>
+                    <a:ext uri="{FF2B5EF4-FFF2-40B4-BE49-F238E27FC236}">
+                      <a16:creationId xmlns:a16="http://schemas.microsoft.com/office/drawing/2014/main" id="{9E627181-7986-7096-C9E7-C8571B9AA48D}"/>
+                    </a:ext>
+                  </a:extLst>
+                </p:cNvPr>
+                <p:cNvSpPr/>
+                <p:nvPr/>
+              </p:nvSpPr>
+              <p:spPr>
+                <a:xfrm>
+                  <a:off x="3282953" y="3325885"/>
+                  <a:ext cx="133350" cy="83221"/>
+                </a:xfrm>
+                <a:prstGeom prst="rect">
+                  <a:avLst/>
+                </a:prstGeom>
+                <a:solidFill>
+                  <a:schemeClr val="bg1"/>
+                </a:solidFill>
+                <a:ln>
+                  <a:noFill/>
+                </a:ln>
+              </p:spPr>
+              <p:style>
+                <a:lnRef idx="2">
+                  <a:schemeClr val="accent1">
+                    <a:shade val="15000"/>
+                  </a:schemeClr>
+                </a:lnRef>
+                <a:fillRef idx="1">
+                  <a:schemeClr val="accent1"/>
+                </a:fillRef>
+                <a:effectRef idx="0">
+                  <a:schemeClr val="accent1"/>
+                </a:effectRef>
+                <a:fontRef idx="minor">
+                  <a:schemeClr val="lt1"/>
+                </a:fontRef>
+              </p:style>
+              <p:txBody>
+                <a:bodyPr rtlCol="0" anchor="ctr"/>
+                <a:lstStyle/>
+                <a:p>
+                  <a:pPr algn="ctr"/>
+                  <a:endParaRPr lang="es-ES"/>
+                </a:p>
+              </p:txBody>
+            </p:sp>
+            <p:sp>
+              <p:nvSpPr>
+                <p:cNvPr id="1052" name="Rectángulo 1051">
+                  <a:extLst>
+                    <a:ext uri="{FF2B5EF4-FFF2-40B4-BE49-F238E27FC236}">
+                      <a16:creationId xmlns:a16="http://schemas.microsoft.com/office/drawing/2014/main" id="{16DF42F8-2119-8F74-13BA-A24A0136B79D}"/>
+                    </a:ext>
+                  </a:extLst>
+                </p:cNvPr>
+                <p:cNvSpPr/>
+                <p:nvPr/>
+              </p:nvSpPr>
+              <p:spPr>
+                <a:xfrm>
+                  <a:off x="3282953" y="3425801"/>
+                  <a:ext cx="133350" cy="83221"/>
+                </a:xfrm>
+                <a:prstGeom prst="rect">
+                  <a:avLst/>
+                </a:prstGeom>
+                <a:solidFill>
+                  <a:schemeClr val="bg1"/>
+                </a:solidFill>
+                <a:ln>
+                  <a:noFill/>
+                </a:ln>
+              </p:spPr>
+              <p:style>
+                <a:lnRef idx="2">
+                  <a:schemeClr val="accent1">
+                    <a:shade val="15000"/>
+                  </a:schemeClr>
+                </a:lnRef>
+                <a:fillRef idx="1">
+                  <a:schemeClr val="accent1"/>
+                </a:fillRef>
+                <a:effectRef idx="0">
+                  <a:schemeClr val="accent1"/>
+                </a:effectRef>
+                <a:fontRef idx="minor">
+                  <a:schemeClr val="lt1"/>
+                </a:fontRef>
+              </p:style>
+              <p:txBody>
+                <a:bodyPr rtlCol="0" anchor="ctr"/>
+                <a:lstStyle/>
+                <a:p>
+                  <a:pPr algn="ctr"/>
+                  <a:endParaRPr lang="es-ES"/>
+                </a:p>
+              </p:txBody>
+            </p:sp>
+            <p:sp>
+              <p:nvSpPr>
+                <p:cNvPr id="1053" name="Rectángulo 1052">
+                  <a:extLst>
+                    <a:ext uri="{FF2B5EF4-FFF2-40B4-BE49-F238E27FC236}">
+                      <a16:creationId xmlns:a16="http://schemas.microsoft.com/office/drawing/2014/main" id="{05A8947D-B6D7-DC2B-BCAB-6FB191D49D3D}"/>
+                    </a:ext>
+                  </a:extLst>
+                </p:cNvPr>
+                <p:cNvSpPr/>
+                <p:nvPr/>
+              </p:nvSpPr>
+              <p:spPr>
+                <a:xfrm>
+                  <a:off x="2986882" y="3525100"/>
+                  <a:ext cx="133350" cy="83221"/>
+                </a:xfrm>
+                <a:prstGeom prst="rect">
+                  <a:avLst/>
+                </a:prstGeom>
+                <a:solidFill>
+                  <a:schemeClr val="bg1"/>
+                </a:solidFill>
+                <a:ln>
+                  <a:noFill/>
+                </a:ln>
+              </p:spPr>
+              <p:style>
+                <a:lnRef idx="2">
+                  <a:schemeClr val="accent1">
+                    <a:shade val="15000"/>
+                  </a:schemeClr>
+                </a:lnRef>
+                <a:fillRef idx="1">
+                  <a:schemeClr val="accent1"/>
+                </a:fillRef>
+                <a:effectRef idx="0">
+                  <a:schemeClr val="accent1"/>
+                </a:effectRef>
+                <a:fontRef idx="minor">
+                  <a:schemeClr val="lt1"/>
+                </a:fontRef>
+              </p:style>
+              <p:txBody>
+                <a:bodyPr rtlCol="0" anchor="ctr"/>
+                <a:lstStyle/>
+                <a:p>
+                  <a:pPr algn="ctr"/>
+                  <a:endParaRPr lang="es-ES"/>
+                </a:p>
+              </p:txBody>
+            </p:sp>
+            <p:sp>
+              <p:nvSpPr>
+                <p:cNvPr id="1054" name="Rectángulo 1053">
+                  <a:extLst>
+                    <a:ext uri="{FF2B5EF4-FFF2-40B4-BE49-F238E27FC236}">
+                      <a16:creationId xmlns:a16="http://schemas.microsoft.com/office/drawing/2014/main" id="{7FBB9EB8-D5D1-16B2-8F83-1BB58E3FAAE6}"/>
+                    </a:ext>
+                  </a:extLst>
+                </p:cNvPr>
+                <p:cNvSpPr/>
+                <p:nvPr/>
+              </p:nvSpPr>
+              <p:spPr>
+                <a:xfrm>
+                  <a:off x="3134918" y="3525100"/>
+                  <a:ext cx="133350" cy="83221"/>
+                </a:xfrm>
+                <a:prstGeom prst="rect">
+                  <a:avLst/>
+                </a:prstGeom>
+                <a:solidFill>
+                  <a:schemeClr val="bg1"/>
+                </a:solidFill>
+                <a:ln>
+                  <a:noFill/>
+                </a:ln>
+              </p:spPr>
+              <p:style>
+                <a:lnRef idx="2">
+                  <a:schemeClr val="accent1">
+                    <a:shade val="15000"/>
+                  </a:schemeClr>
+                </a:lnRef>
+                <a:fillRef idx="1">
+                  <a:schemeClr val="accent1"/>
+                </a:fillRef>
+                <a:effectRef idx="0">
+                  <a:schemeClr val="accent1"/>
+                </a:effectRef>
+                <a:fontRef idx="minor">
+                  <a:schemeClr val="lt1"/>
+                </a:fontRef>
+              </p:style>
+              <p:txBody>
+                <a:bodyPr rtlCol="0" anchor="ctr"/>
+                <a:lstStyle/>
+                <a:p>
+                  <a:pPr algn="ctr"/>
+                  <a:endParaRPr lang="es-ES"/>
+                </a:p>
+              </p:txBody>
+            </p:sp>
+            <p:sp>
+              <p:nvSpPr>
+                <p:cNvPr id="1055" name="Rectángulo 1054">
+                  <a:extLst>
+                    <a:ext uri="{FF2B5EF4-FFF2-40B4-BE49-F238E27FC236}">
+                      <a16:creationId xmlns:a16="http://schemas.microsoft.com/office/drawing/2014/main" id="{81EE7E7A-9BDF-87BA-D632-9FBD1B1C478D}"/>
+                    </a:ext>
+                  </a:extLst>
+                </p:cNvPr>
+                <p:cNvSpPr/>
+                <p:nvPr/>
+              </p:nvSpPr>
+              <p:spPr>
+                <a:xfrm>
+                  <a:off x="3282953" y="3525100"/>
+                  <a:ext cx="133350" cy="83221"/>
+                </a:xfrm>
+                <a:prstGeom prst="rect">
+                  <a:avLst/>
+                </a:prstGeom>
+                <a:solidFill>
+                  <a:schemeClr val="bg1"/>
+                </a:solidFill>
+                <a:ln>
+                  <a:noFill/>
+                </a:ln>
+              </p:spPr>
+              <p:style>
+                <a:lnRef idx="2">
+                  <a:schemeClr val="accent1">
+                    <a:shade val="15000"/>
+                  </a:schemeClr>
+                </a:lnRef>
+                <a:fillRef idx="1">
+                  <a:schemeClr val="accent1"/>
+                </a:fillRef>
+                <a:effectRef idx="0">
+                  <a:schemeClr val="accent1"/>
+                </a:effectRef>
+                <a:fontRef idx="minor">
+                  <a:schemeClr val="lt1"/>
+                </a:fontRef>
+              </p:style>
+              <p:txBody>
+                <a:bodyPr rtlCol="0" anchor="ctr"/>
+                <a:lstStyle/>
+                <a:p>
+                  <a:pPr algn="ctr"/>
+                  <a:endParaRPr lang="es-ES"/>
+                </a:p>
+              </p:txBody>
+            </p:sp>
+          </p:grpSp>
+          <p:grpSp>
+            <p:nvGrpSpPr>
+              <p:cNvPr id="1056" name="Grupo 1055">
+                <a:extLst>
+                  <a:ext uri="{FF2B5EF4-FFF2-40B4-BE49-F238E27FC236}">
+                    <a16:creationId xmlns:a16="http://schemas.microsoft.com/office/drawing/2014/main" id="{DD05AA23-B1D7-A30D-7E58-62A5EC703CCA}"/>
+                  </a:ext>
+                </a:extLst>
+              </p:cNvPr>
+              <p:cNvGrpSpPr/>
+              <p:nvPr/>
+            </p:nvGrpSpPr>
+            <p:grpSpPr>
+              <a:xfrm>
+                <a:off x="2966278" y="2840300"/>
+                <a:ext cx="462207" cy="416753"/>
+                <a:chOff x="2968385" y="3207509"/>
+                <a:chExt cx="462207" cy="416753"/>
+              </a:xfrm>
+            </p:grpSpPr>
+            <p:sp>
+              <p:nvSpPr>
+                <p:cNvPr id="1057" name="Rectángulo 1056">
+                  <a:extLst>
+                    <a:ext uri="{FF2B5EF4-FFF2-40B4-BE49-F238E27FC236}">
+                      <a16:creationId xmlns:a16="http://schemas.microsoft.com/office/drawing/2014/main" id="{2776AE49-182C-9F0B-CBFB-849B347A3FF3}"/>
+                    </a:ext>
+                  </a:extLst>
+                </p:cNvPr>
+                <p:cNvSpPr/>
+                <p:nvPr/>
+              </p:nvSpPr>
+              <p:spPr>
+                <a:xfrm>
+                  <a:off x="2968385" y="3207509"/>
+                  <a:ext cx="462207" cy="416753"/>
+                </a:xfrm>
+                <a:prstGeom prst="rect">
+                  <a:avLst/>
+                </a:prstGeom>
+                <a:solidFill>
+                  <a:srgbClr val="326499"/>
+                </a:solidFill>
+                <a:ln>
+                  <a:noFill/>
+                </a:ln>
+              </p:spPr>
+              <p:style>
+                <a:lnRef idx="2">
+                  <a:schemeClr val="accent1">
+                    <a:shade val="15000"/>
+                  </a:schemeClr>
+                </a:lnRef>
+                <a:fillRef idx="1">
+                  <a:schemeClr val="accent1"/>
+                </a:fillRef>
+                <a:effectRef idx="0">
+                  <a:schemeClr val="accent1"/>
+                </a:effectRef>
+                <a:fontRef idx="minor">
+                  <a:schemeClr val="lt1"/>
+                </a:fontRef>
+              </p:style>
+              <p:txBody>
+                <a:bodyPr rtlCol="0" anchor="ctr"/>
+                <a:lstStyle/>
+                <a:p>
+                  <a:pPr algn="ctr"/>
+                  <a:endParaRPr lang="es-ES"/>
+                </a:p>
+              </p:txBody>
+            </p:sp>
+            <p:sp>
+              <p:nvSpPr>
+                <p:cNvPr id="1058" name="Rectángulo 1057">
+                  <a:extLst>
+                    <a:ext uri="{FF2B5EF4-FFF2-40B4-BE49-F238E27FC236}">
+                      <a16:creationId xmlns:a16="http://schemas.microsoft.com/office/drawing/2014/main" id="{3A0EE747-6FCD-2B7C-8078-28B58BBDBC71}"/>
+                    </a:ext>
+                  </a:extLst>
+                </p:cNvPr>
+                <p:cNvSpPr/>
+                <p:nvPr/>
+              </p:nvSpPr>
+              <p:spPr>
+                <a:xfrm>
+                  <a:off x="2986882" y="3325885"/>
+                  <a:ext cx="133350" cy="83221"/>
+                </a:xfrm>
+                <a:prstGeom prst="rect">
+                  <a:avLst/>
+                </a:prstGeom>
+                <a:solidFill>
+                  <a:schemeClr val="bg1"/>
+                </a:solidFill>
+                <a:ln>
+                  <a:noFill/>
+                </a:ln>
+              </p:spPr>
+              <p:style>
+                <a:lnRef idx="2">
+                  <a:schemeClr val="accent1">
+                    <a:shade val="15000"/>
+                  </a:schemeClr>
+                </a:lnRef>
+                <a:fillRef idx="1">
+                  <a:schemeClr val="accent1"/>
+                </a:fillRef>
+                <a:effectRef idx="0">
+                  <a:schemeClr val="accent1"/>
+                </a:effectRef>
+                <a:fontRef idx="minor">
+                  <a:schemeClr val="lt1"/>
+                </a:fontRef>
+              </p:style>
+              <p:txBody>
+                <a:bodyPr rtlCol="0" anchor="ctr"/>
+                <a:lstStyle/>
+                <a:p>
+                  <a:pPr algn="ctr"/>
+                  <a:endParaRPr lang="es-ES"/>
+                </a:p>
+              </p:txBody>
+            </p:sp>
+            <p:sp>
+              <p:nvSpPr>
+                <p:cNvPr id="1059" name="Rectángulo 1058">
+                  <a:extLst>
+                    <a:ext uri="{FF2B5EF4-FFF2-40B4-BE49-F238E27FC236}">
+                      <a16:creationId xmlns:a16="http://schemas.microsoft.com/office/drawing/2014/main" id="{21527D7D-2FB1-B990-2BB6-CB23E5743C45}"/>
+                    </a:ext>
+                  </a:extLst>
+                </p:cNvPr>
+                <p:cNvSpPr/>
+                <p:nvPr/>
+              </p:nvSpPr>
+              <p:spPr>
+                <a:xfrm>
+                  <a:off x="2986882" y="3425801"/>
+                  <a:ext cx="133350" cy="83221"/>
+                </a:xfrm>
+                <a:prstGeom prst="rect">
+                  <a:avLst/>
+                </a:prstGeom>
+                <a:solidFill>
+                  <a:schemeClr val="bg1"/>
+                </a:solidFill>
+                <a:ln>
+                  <a:noFill/>
+                </a:ln>
+              </p:spPr>
+              <p:style>
+                <a:lnRef idx="2">
+                  <a:schemeClr val="accent1">
+                    <a:shade val="15000"/>
+                  </a:schemeClr>
+                </a:lnRef>
+                <a:fillRef idx="1">
+                  <a:schemeClr val="accent1"/>
+                </a:fillRef>
+                <a:effectRef idx="0">
+                  <a:schemeClr val="accent1"/>
+                </a:effectRef>
+                <a:fontRef idx="minor">
+                  <a:schemeClr val="lt1"/>
+                </a:fontRef>
+              </p:style>
+              <p:txBody>
+                <a:bodyPr rtlCol="0" anchor="ctr"/>
+                <a:lstStyle/>
+                <a:p>
+                  <a:pPr algn="ctr"/>
+                  <a:endParaRPr lang="es-ES"/>
+                </a:p>
+              </p:txBody>
+            </p:sp>
+            <p:sp>
+              <p:nvSpPr>
+                <p:cNvPr id="1060" name="Rectángulo 1059">
+                  <a:extLst>
+                    <a:ext uri="{FF2B5EF4-FFF2-40B4-BE49-F238E27FC236}">
+                      <a16:creationId xmlns:a16="http://schemas.microsoft.com/office/drawing/2014/main" id="{25365AB0-B45F-6EAF-BCEB-6108027F584D}"/>
+                    </a:ext>
+                  </a:extLst>
+                </p:cNvPr>
+                <p:cNvSpPr/>
+                <p:nvPr/>
+              </p:nvSpPr>
+              <p:spPr>
+                <a:xfrm>
+                  <a:off x="3134918" y="3325885"/>
+                  <a:ext cx="133350" cy="83221"/>
+                </a:xfrm>
+                <a:prstGeom prst="rect">
+                  <a:avLst/>
+                </a:prstGeom>
+                <a:solidFill>
+                  <a:schemeClr val="bg1"/>
+                </a:solidFill>
+                <a:ln>
+                  <a:noFill/>
+                </a:ln>
+              </p:spPr>
+              <p:style>
+                <a:lnRef idx="2">
+                  <a:schemeClr val="accent1">
+                    <a:shade val="15000"/>
+                  </a:schemeClr>
+                </a:lnRef>
+                <a:fillRef idx="1">
+                  <a:schemeClr val="accent1"/>
+                </a:fillRef>
+                <a:effectRef idx="0">
+                  <a:schemeClr val="accent1"/>
+                </a:effectRef>
+                <a:fontRef idx="minor">
+                  <a:schemeClr val="lt1"/>
+                </a:fontRef>
+              </p:style>
+              <p:txBody>
+                <a:bodyPr rtlCol="0" anchor="ctr"/>
+                <a:lstStyle/>
+                <a:p>
+                  <a:pPr algn="ctr"/>
+                  <a:endParaRPr lang="es-ES"/>
+                </a:p>
+              </p:txBody>
+            </p:sp>
+            <p:sp>
+              <p:nvSpPr>
+                <p:cNvPr id="1062" name="Rectángulo 1061">
+                  <a:extLst>
+                    <a:ext uri="{FF2B5EF4-FFF2-40B4-BE49-F238E27FC236}">
+                      <a16:creationId xmlns:a16="http://schemas.microsoft.com/office/drawing/2014/main" id="{9B944E7A-AD5F-2730-ED5D-4121D11FCE0E}"/>
+                    </a:ext>
+                  </a:extLst>
+                </p:cNvPr>
+                <p:cNvSpPr/>
+                <p:nvPr/>
+              </p:nvSpPr>
+              <p:spPr>
+                <a:xfrm>
+                  <a:off x="3134918" y="3425801"/>
+                  <a:ext cx="133350" cy="83221"/>
+                </a:xfrm>
+                <a:prstGeom prst="rect">
+                  <a:avLst/>
+                </a:prstGeom>
+                <a:solidFill>
+                  <a:schemeClr val="bg1"/>
+                </a:solidFill>
+                <a:ln>
+                  <a:noFill/>
+                </a:ln>
+              </p:spPr>
+              <p:style>
+                <a:lnRef idx="2">
+                  <a:schemeClr val="accent1">
+                    <a:shade val="15000"/>
+                  </a:schemeClr>
+                </a:lnRef>
+                <a:fillRef idx="1">
+                  <a:schemeClr val="accent1"/>
+                </a:fillRef>
+                <a:effectRef idx="0">
+                  <a:schemeClr val="accent1"/>
+                </a:effectRef>
+                <a:fontRef idx="minor">
+                  <a:schemeClr val="lt1"/>
+                </a:fontRef>
+              </p:style>
+              <p:txBody>
+                <a:bodyPr rtlCol="0" anchor="ctr"/>
+                <a:lstStyle/>
+                <a:p>
+                  <a:pPr algn="ctr"/>
+                  <a:endParaRPr lang="es-ES"/>
+                </a:p>
+              </p:txBody>
+            </p:sp>
+            <p:sp>
+              <p:nvSpPr>
+                <p:cNvPr id="1063" name="Rectángulo 1062">
+                  <a:extLst>
+                    <a:ext uri="{FF2B5EF4-FFF2-40B4-BE49-F238E27FC236}">
+                      <a16:creationId xmlns:a16="http://schemas.microsoft.com/office/drawing/2014/main" id="{A3D02F6D-B14E-42D1-3693-489CE4E9CADB}"/>
+                    </a:ext>
+                  </a:extLst>
+                </p:cNvPr>
+                <p:cNvSpPr/>
+                <p:nvPr/>
+              </p:nvSpPr>
+              <p:spPr>
+                <a:xfrm>
+                  <a:off x="3282953" y="3325885"/>
+                  <a:ext cx="133350" cy="83221"/>
+                </a:xfrm>
+                <a:prstGeom prst="rect">
+                  <a:avLst/>
+                </a:prstGeom>
+                <a:solidFill>
+                  <a:schemeClr val="bg1"/>
+                </a:solidFill>
+                <a:ln>
+                  <a:noFill/>
+                </a:ln>
+              </p:spPr>
+              <p:style>
+                <a:lnRef idx="2">
+                  <a:schemeClr val="accent1">
+                    <a:shade val="15000"/>
+                  </a:schemeClr>
+                </a:lnRef>
+                <a:fillRef idx="1">
+                  <a:schemeClr val="accent1"/>
+                </a:fillRef>
+                <a:effectRef idx="0">
+                  <a:schemeClr val="accent1"/>
+                </a:effectRef>
+                <a:fontRef idx="minor">
+                  <a:schemeClr val="lt1"/>
+                </a:fontRef>
+              </p:style>
+              <p:txBody>
+                <a:bodyPr rtlCol="0" anchor="ctr"/>
+                <a:lstStyle/>
+                <a:p>
+                  <a:pPr algn="ctr"/>
+                  <a:endParaRPr lang="es-ES"/>
+                </a:p>
+              </p:txBody>
+            </p:sp>
+            <p:sp>
+              <p:nvSpPr>
+                <p:cNvPr id="1065" name="Rectángulo 1064">
+                  <a:extLst>
+                    <a:ext uri="{FF2B5EF4-FFF2-40B4-BE49-F238E27FC236}">
+                      <a16:creationId xmlns:a16="http://schemas.microsoft.com/office/drawing/2014/main" id="{074E9289-EB17-957C-8832-A40EC6353B28}"/>
+                    </a:ext>
+                  </a:extLst>
+                </p:cNvPr>
+                <p:cNvSpPr/>
+                <p:nvPr/>
+              </p:nvSpPr>
+              <p:spPr>
+                <a:xfrm>
+                  <a:off x="3282953" y="3425801"/>
+                  <a:ext cx="133350" cy="83221"/>
+                </a:xfrm>
+                <a:prstGeom prst="rect">
+                  <a:avLst/>
+                </a:prstGeom>
+                <a:solidFill>
+                  <a:schemeClr val="bg1"/>
+                </a:solidFill>
+                <a:ln>
+                  <a:noFill/>
+                </a:ln>
+              </p:spPr>
+              <p:style>
+                <a:lnRef idx="2">
+                  <a:schemeClr val="accent1">
+                    <a:shade val="15000"/>
+                  </a:schemeClr>
+                </a:lnRef>
+                <a:fillRef idx="1">
+                  <a:schemeClr val="accent1"/>
+                </a:fillRef>
+                <a:effectRef idx="0">
+                  <a:schemeClr val="accent1"/>
+                </a:effectRef>
+                <a:fontRef idx="minor">
+                  <a:schemeClr val="lt1"/>
+                </a:fontRef>
+              </p:style>
+              <p:txBody>
+                <a:bodyPr rtlCol="0" anchor="ctr"/>
+                <a:lstStyle/>
+                <a:p>
+                  <a:pPr algn="ctr"/>
+                  <a:endParaRPr lang="es-ES"/>
+                </a:p>
+              </p:txBody>
+            </p:sp>
+            <p:sp>
+              <p:nvSpPr>
+                <p:cNvPr id="1068" name="Rectángulo 1067">
+                  <a:extLst>
+                    <a:ext uri="{FF2B5EF4-FFF2-40B4-BE49-F238E27FC236}">
+                      <a16:creationId xmlns:a16="http://schemas.microsoft.com/office/drawing/2014/main" id="{32FCC55F-130E-EB63-235F-C1D787898B1D}"/>
+                    </a:ext>
+                  </a:extLst>
+                </p:cNvPr>
+                <p:cNvSpPr/>
+                <p:nvPr/>
+              </p:nvSpPr>
+              <p:spPr>
+                <a:xfrm>
+                  <a:off x="2986882" y="3525100"/>
+                  <a:ext cx="133350" cy="83221"/>
+                </a:xfrm>
+                <a:prstGeom prst="rect">
+                  <a:avLst/>
+                </a:prstGeom>
+                <a:solidFill>
+                  <a:schemeClr val="bg1"/>
+                </a:solidFill>
+                <a:ln>
+                  <a:noFill/>
+                </a:ln>
+              </p:spPr>
+              <p:style>
+                <a:lnRef idx="2">
+                  <a:schemeClr val="accent1">
+                    <a:shade val="15000"/>
+                  </a:schemeClr>
+                </a:lnRef>
+                <a:fillRef idx="1">
+                  <a:schemeClr val="accent1"/>
+                </a:fillRef>
+                <a:effectRef idx="0">
+                  <a:schemeClr val="accent1"/>
+                </a:effectRef>
+                <a:fontRef idx="minor">
+                  <a:schemeClr val="lt1"/>
+                </a:fontRef>
+              </p:style>
+              <p:txBody>
+                <a:bodyPr rtlCol="0" anchor="ctr"/>
+                <a:lstStyle/>
+                <a:p>
+                  <a:pPr algn="ctr"/>
+                  <a:endParaRPr lang="es-ES"/>
+                </a:p>
+              </p:txBody>
+            </p:sp>
+            <p:sp>
+              <p:nvSpPr>
+                <p:cNvPr id="1069" name="Rectángulo 1068">
+                  <a:extLst>
+                    <a:ext uri="{FF2B5EF4-FFF2-40B4-BE49-F238E27FC236}">
+                      <a16:creationId xmlns:a16="http://schemas.microsoft.com/office/drawing/2014/main" id="{8955CE59-775D-558E-3247-B436EE26149D}"/>
+                    </a:ext>
+                  </a:extLst>
+                </p:cNvPr>
+                <p:cNvSpPr/>
+                <p:nvPr/>
+              </p:nvSpPr>
+              <p:spPr>
+                <a:xfrm>
+                  <a:off x="3134918" y="3525100"/>
+                  <a:ext cx="133350" cy="83221"/>
+                </a:xfrm>
+                <a:prstGeom prst="rect">
+                  <a:avLst/>
+                </a:prstGeom>
+                <a:solidFill>
+                  <a:schemeClr val="bg1"/>
+                </a:solidFill>
+                <a:ln>
+                  <a:noFill/>
+                </a:ln>
+              </p:spPr>
+              <p:style>
+                <a:lnRef idx="2">
+                  <a:schemeClr val="accent1">
+                    <a:shade val="15000"/>
+                  </a:schemeClr>
+                </a:lnRef>
+                <a:fillRef idx="1">
+                  <a:schemeClr val="accent1"/>
+                </a:fillRef>
+                <a:effectRef idx="0">
+                  <a:schemeClr val="accent1"/>
+                </a:effectRef>
+                <a:fontRef idx="minor">
+                  <a:schemeClr val="lt1"/>
+                </a:fontRef>
+              </p:style>
+              <p:txBody>
+                <a:bodyPr rtlCol="0" anchor="ctr"/>
+                <a:lstStyle/>
+                <a:p>
+                  <a:pPr algn="ctr"/>
+                  <a:endParaRPr lang="es-ES"/>
+                </a:p>
+              </p:txBody>
+            </p:sp>
+            <p:sp>
+              <p:nvSpPr>
+                <p:cNvPr id="1070" name="Rectángulo 1069">
+                  <a:extLst>
+                    <a:ext uri="{FF2B5EF4-FFF2-40B4-BE49-F238E27FC236}">
+                      <a16:creationId xmlns:a16="http://schemas.microsoft.com/office/drawing/2014/main" id="{C0B00268-492D-DD73-312D-6D051C3E2F66}"/>
+                    </a:ext>
+                  </a:extLst>
+                </p:cNvPr>
+                <p:cNvSpPr/>
+                <p:nvPr/>
+              </p:nvSpPr>
+              <p:spPr>
+                <a:xfrm>
+                  <a:off x="3282953" y="3525100"/>
+                  <a:ext cx="133350" cy="83221"/>
+                </a:xfrm>
+                <a:prstGeom prst="rect">
+                  <a:avLst/>
+                </a:prstGeom>
+                <a:solidFill>
+                  <a:schemeClr val="bg1"/>
+                </a:solidFill>
+                <a:ln>
+                  <a:noFill/>
+                </a:ln>
+              </p:spPr>
+              <p:style>
+                <a:lnRef idx="2">
+                  <a:schemeClr val="accent1">
+                    <a:shade val="15000"/>
+                  </a:schemeClr>
+                </a:lnRef>
+                <a:fillRef idx="1">
+                  <a:schemeClr val="accent1"/>
+                </a:fillRef>
+                <a:effectRef idx="0">
+                  <a:schemeClr val="accent1"/>
+                </a:effectRef>
+                <a:fontRef idx="minor">
+                  <a:schemeClr val="lt1"/>
+                </a:fontRef>
+              </p:style>
+              <p:txBody>
+                <a:bodyPr rtlCol="0" anchor="ctr"/>
+                <a:lstStyle/>
+                <a:p>
+                  <a:pPr algn="ctr"/>
+                  <a:endParaRPr lang="es-ES"/>
+                </a:p>
+              </p:txBody>
+            </p:sp>
+          </p:grpSp>
+          <p:grpSp>
+            <p:nvGrpSpPr>
+              <p:cNvPr id="21" name="Grupo 20">
+                <a:extLst>
+                  <a:ext uri="{FF2B5EF4-FFF2-40B4-BE49-F238E27FC236}">
+                    <a16:creationId xmlns:a16="http://schemas.microsoft.com/office/drawing/2014/main" id="{9DCFB4E7-80C5-4DC6-33F5-48914EB0C1B6}"/>
+                  </a:ext>
+                </a:extLst>
+              </p:cNvPr>
+              <p:cNvGrpSpPr/>
+              <p:nvPr/>
+            </p:nvGrpSpPr>
+            <p:grpSpPr>
+              <a:xfrm>
+                <a:off x="3236418" y="2775438"/>
+                <a:ext cx="462207" cy="416753"/>
+                <a:chOff x="2968385" y="3207509"/>
+                <a:chExt cx="462207" cy="416753"/>
+              </a:xfrm>
+            </p:grpSpPr>
+            <p:sp>
+              <p:nvSpPr>
+                <p:cNvPr id="2" name="Rectángulo 1">
+                  <a:extLst>
+                    <a:ext uri="{FF2B5EF4-FFF2-40B4-BE49-F238E27FC236}">
+                      <a16:creationId xmlns:a16="http://schemas.microsoft.com/office/drawing/2014/main" id="{83BECDBF-2C3A-F8EA-4B59-99F9B76084F8}"/>
+                    </a:ext>
+                  </a:extLst>
+                </p:cNvPr>
+                <p:cNvSpPr/>
+                <p:nvPr/>
+              </p:nvSpPr>
+              <p:spPr>
+                <a:xfrm>
+                  <a:off x="2968385" y="3207509"/>
+                  <a:ext cx="462207" cy="416753"/>
+                </a:xfrm>
+                <a:prstGeom prst="rect">
+                  <a:avLst/>
+                </a:prstGeom>
+                <a:solidFill>
+                  <a:schemeClr val="accent2">
+                    <a:lumMod val="50000"/>
+                  </a:schemeClr>
+                </a:solidFill>
+                <a:ln>
+                  <a:noFill/>
+                </a:ln>
+              </p:spPr>
+              <p:style>
+                <a:lnRef idx="2">
+                  <a:schemeClr val="accent1">
+                    <a:shade val="15000"/>
+                  </a:schemeClr>
+                </a:lnRef>
+                <a:fillRef idx="1">
+                  <a:schemeClr val="accent1"/>
+                </a:fillRef>
+                <a:effectRef idx="0">
+                  <a:schemeClr val="accent1"/>
+                </a:effectRef>
+                <a:fontRef idx="minor">
+                  <a:schemeClr val="lt1"/>
+                </a:fontRef>
+              </p:style>
+              <p:txBody>
+                <a:bodyPr rtlCol="0" anchor="ctr"/>
+                <a:lstStyle/>
+                <a:p>
+                  <a:pPr algn="ctr"/>
+                  <a:endParaRPr lang="es-ES"/>
+                </a:p>
+              </p:txBody>
+            </p:sp>
+            <p:sp>
+              <p:nvSpPr>
+                <p:cNvPr id="3" name="Rectángulo 2">
+                  <a:extLst>
+                    <a:ext uri="{FF2B5EF4-FFF2-40B4-BE49-F238E27FC236}">
+                      <a16:creationId xmlns:a16="http://schemas.microsoft.com/office/drawing/2014/main" id="{16682349-DCE8-13FA-24EE-9E7F84E12F69}"/>
+                    </a:ext>
+                  </a:extLst>
+                </p:cNvPr>
+                <p:cNvSpPr/>
+                <p:nvPr/>
+              </p:nvSpPr>
+              <p:spPr>
+                <a:xfrm>
+                  <a:off x="2986882" y="3325885"/>
+                  <a:ext cx="133350" cy="83221"/>
+                </a:xfrm>
+                <a:prstGeom prst="rect">
+                  <a:avLst/>
+                </a:prstGeom>
+                <a:solidFill>
+                  <a:schemeClr val="bg1"/>
+                </a:solidFill>
+                <a:ln>
+                  <a:noFill/>
+                </a:ln>
+              </p:spPr>
+              <p:style>
+                <a:lnRef idx="2">
+                  <a:schemeClr val="accent1">
+                    <a:shade val="15000"/>
+                  </a:schemeClr>
+                </a:lnRef>
+                <a:fillRef idx="1">
+                  <a:schemeClr val="accent1"/>
+                </a:fillRef>
+                <a:effectRef idx="0">
+                  <a:schemeClr val="accent1"/>
+                </a:effectRef>
+                <a:fontRef idx="minor">
+                  <a:schemeClr val="lt1"/>
+                </a:fontRef>
+              </p:style>
+              <p:txBody>
+                <a:bodyPr rtlCol="0" anchor="ctr"/>
+                <a:lstStyle/>
+                <a:p>
+                  <a:pPr algn="ctr"/>
+                  <a:endParaRPr lang="es-ES"/>
+                </a:p>
+              </p:txBody>
+            </p:sp>
+            <p:sp>
+              <p:nvSpPr>
+                <p:cNvPr id="4" name="Rectángulo 3">
+                  <a:extLst>
+                    <a:ext uri="{FF2B5EF4-FFF2-40B4-BE49-F238E27FC236}">
+                      <a16:creationId xmlns:a16="http://schemas.microsoft.com/office/drawing/2014/main" id="{1947621A-6418-A05D-71E6-1470DA521D57}"/>
+                    </a:ext>
+                  </a:extLst>
+                </p:cNvPr>
+                <p:cNvSpPr/>
+                <p:nvPr/>
+              </p:nvSpPr>
+              <p:spPr>
+                <a:xfrm>
+                  <a:off x="2986882" y="3425801"/>
+                  <a:ext cx="133350" cy="83221"/>
+                </a:xfrm>
+                <a:prstGeom prst="rect">
+                  <a:avLst/>
+                </a:prstGeom>
+                <a:solidFill>
+                  <a:schemeClr val="bg1"/>
+                </a:solidFill>
+                <a:ln>
+                  <a:noFill/>
+                </a:ln>
+              </p:spPr>
+              <p:style>
+                <a:lnRef idx="2">
+                  <a:schemeClr val="accent1">
+                    <a:shade val="15000"/>
+                  </a:schemeClr>
+                </a:lnRef>
+                <a:fillRef idx="1">
+                  <a:schemeClr val="accent1"/>
+                </a:fillRef>
+                <a:effectRef idx="0">
+                  <a:schemeClr val="accent1"/>
+                </a:effectRef>
+                <a:fontRef idx="minor">
+                  <a:schemeClr val="lt1"/>
+                </a:fontRef>
+              </p:style>
+              <p:txBody>
+                <a:bodyPr rtlCol="0" anchor="ctr"/>
+                <a:lstStyle/>
+                <a:p>
+                  <a:pPr algn="ctr"/>
+                  <a:endParaRPr lang="es-ES"/>
+                </a:p>
+              </p:txBody>
+            </p:sp>
+            <p:sp>
+              <p:nvSpPr>
+                <p:cNvPr id="10" name="Rectángulo 9">
+                  <a:extLst>
+                    <a:ext uri="{FF2B5EF4-FFF2-40B4-BE49-F238E27FC236}">
+                      <a16:creationId xmlns:a16="http://schemas.microsoft.com/office/drawing/2014/main" id="{D3979F9F-AC98-139F-1E45-534C4BB20443}"/>
+                    </a:ext>
+                  </a:extLst>
+                </p:cNvPr>
+                <p:cNvSpPr/>
+                <p:nvPr/>
+              </p:nvSpPr>
+              <p:spPr>
+                <a:xfrm>
+                  <a:off x="3134918" y="3325885"/>
+                  <a:ext cx="133350" cy="83221"/>
+                </a:xfrm>
+                <a:prstGeom prst="rect">
+                  <a:avLst/>
+                </a:prstGeom>
+                <a:solidFill>
+                  <a:schemeClr val="bg1"/>
+                </a:solidFill>
+                <a:ln>
+                  <a:noFill/>
+                </a:ln>
+              </p:spPr>
+              <p:style>
+                <a:lnRef idx="2">
+                  <a:schemeClr val="accent1">
+                    <a:shade val="15000"/>
+                  </a:schemeClr>
+                </a:lnRef>
+                <a:fillRef idx="1">
+                  <a:schemeClr val="accent1"/>
+                </a:fillRef>
+                <a:effectRef idx="0">
+                  <a:schemeClr val="accent1"/>
+                </a:effectRef>
+                <a:fontRef idx="minor">
+                  <a:schemeClr val="lt1"/>
+                </a:fontRef>
+              </p:style>
+              <p:txBody>
+                <a:bodyPr rtlCol="0" anchor="ctr"/>
+                <a:lstStyle/>
+                <a:p>
+                  <a:pPr algn="ctr"/>
+                  <a:endParaRPr lang="es-ES"/>
+                </a:p>
+              </p:txBody>
+            </p:sp>
+            <p:sp>
+              <p:nvSpPr>
+                <p:cNvPr id="12" name="Rectángulo 11">
+                  <a:extLst>
+                    <a:ext uri="{FF2B5EF4-FFF2-40B4-BE49-F238E27FC236}">
+                      <a16:creationId xmlns:a16="http://schemas.microsoft.com/office/drawing/2014/main" id="{47C6C79A-5DFD-A513-3DFA-87711CD28A42}"/>
+                    </a:ext>
+                  </a:extLst>
+                </p:cNvPr>
+                <p:cNvSpPr/>
+                <p:nvPr/>
+              </p:nvSpPr>
+              <p:spPr>
+                <a:xfrm>
+                  <a:off x="3134918" y="3425801"/>
+                  <a:ext cx="133350" cy="83221"/>
+                </a:xfrm>
+                <a:prstGeom prst="rect">
+                  <a:avLst/>
+                </a:prstGeom>
+                <a:solidFill>
+                  <a:schemeClr val="bg1"/>
+                </a:solidFill>
+                <a:ln>
+                  <a:noFill/>
+                </a:ln>
+              </p:spPr>
+              <p:style>
+                <a:lnRef idx="2">
+                  <a:schemeClr val="accent1">
+                    <a:shade val="15000"/>
+                  </a:schemeClr>
+                </a:lnRef>
+                <a:fillRef idx="1">
+                  <a:schemeClr val="accent1"/>
+                </a:fillRef>
+                <a:effectRef idx="0">
+                  <a:schemeClr val="accent1"/>
+                </a:effectRef>
+                <a:fontRef idx="minor">
+                  <a:schemeClr val="lt1"/>
+                </a:fontRef>
+              </p:style>
+              <p:txBody>
+                <a:bodyPr rtlCol="0" anchor="ctr"/>
+                <a:lstStyle/>
+                <a:p>
+                  <a:pPr algn="ctr"/>
+                  <a:endParaRPr lang="es-ES"/>
+                </a:p>
+              </p:txBody>
+            </p:sp>
+            <p:sp>
+              <p:nvSpPr>
+                <p:cNvPr id="14" name="Rectángulo 13">
+                  <a:extLst>
+                    <a:ext uri="{FF2B5EF4-FFF2-40B4-BE49-F238E27FC236}">
+                      <a16:creationId xmlns:a16="http://schemas.microsoft.com/office/drawing/2014/main" id="{C3891F6F-C77E-5810-4C62-8AAC375B3ABA}"/>
+                    </a:ext>
+                  </a:extLst>
+                </p:cNvPr>
+                <p:cNvSpPr/>
+                <p:nvPr/>
+              </p:nvSpPr>
+              <p:spPr>
+                <a:xfrm>
+                  <a:off x="3282953" y="3325885"/>
+                  <a:ext cx="133350" cy="83221"/>
+                </a:xfrm>
+                <a:prstGeom prst="rect">
+                  <a:avLst/>
+                </a:prstGeom>
+                <a:solidFill>
+                  <a:schemeClr val="bg1"/>
+                </a:solidFill>
+                <a:ln>
+                  <a:noFill/>
+                </a:ln>
+              </p:spPr>
+              <p:style>
+                <a:lnRef idx="2">
+                  <a:schemeClr val="accent1">
+                    <a:shade val="15000"/>
+                  </a:schemeClr>
+                </a:lnRef>
+                <a:fillRef idx="1">
+                  <a:schemeClr val="accent1"/>
+                </a:fillRef>
+                <a:effectRef idx="0">
+                  <a:schemeClr val="accent1"/>
+                </a:effectRef>
+                <a:fontRef idx="minor">
+                  <a:schemeClr val="lt1"/>
+                </a:fontRef>
+              </p:style>
+              <p:txBody>
+                <a:bodyPr rtlCol="0" anchor="ctr"/>
+                <a:lstStyle/>
+                <a:p>
+                  <a:pPr algn="ctr"/>
+                  <a:endParaRPr lang="es-ES"/>
+                </a:p>
+              </p:txBody>
+            </p:sp>
+            <p:sp>
+              <p:nvSpPr>
+                <p:cNvPr id="15" name="Rectángulo 14">
+                  <a:extLst>
+                    <a:ext uri="{FF2B5EF4-FFF2-40B4-BE49-F238E27FC236}">
+                      <a16:creationId xmlns:a16="http://schemas.microsoft.com/office/drawing/2014/main" id="{58133A45-D612-A82D-57EE-F552CB97F7CA}"/>
+                    </a:ext>
+                  </a:extLst>
+                </p:cNvPr>
+                <p:cNvSpPr/>
+                <p:nvPr/>
+              </p:nvSpPr>
+              <p:spPr>
+                <a:xfrm>
+                  <a:off x="3282953" y="3425801"/>
+                  <a:ext cx="133350" cy="83221"/>
+                </a:xfrm>
+                <a:prstGeom prst="rect">
+                  <a:avLst/>
+                </a:prstGeom>
+                <a:solidFill>
+                  <a:schemeClr val="bg1"/>
+                </a:solidFill>
+                <a:ln>
+                  <a:noFill/>
+                </a:ln>
+              </p:spPr>
+              <p:style>
+                <a:lnRef idx="2">
+                  <a:schemeClr val="accent1">
+                    <a:shade val="15000"/>
+                  </a:schemeClr>
+                </a:lnRef>
+                <a:fillRef idx="1">
+                  <a:schemeClr val="accent1"/>
+                </a:fillRef>
+                <a:effectRef idx="0">
+                  <a:schemeClr val="accent1"/>
+                </a:effectRef>
+                <a:fontRef idx="minor">
+                  <a:schemeClr val="lt1"/>
+                </a:fontRef>
+              </p:style>
+              <p:txBody>
+                <a:bodyPr rtlCol="0" anchor="ctr"/>
+                <a:lstStyle/>
+                <a:p>
+                  <a:pPr algn="ctr"/>
+                  <a:endParaRPr lang="es-ES"/>
+                </a:p>
+              </p:txBody>
+            </p:sp>
+            <p:sp>
+              <p:nvSpPr>
+                <p:cNvPr id="17" name="Rectángulo 16">
+                  <a:extLst>
+                    <a:ext uri="{FF2B5EF4-FFF2-40B4-BE49-F238E27FC236}">
+                      <a16:creationId xmlns:a16="http://schemas.microsoft.com/office/drawing/2014/main" id="{6C897037-645E-FAA1-7CB0-A8D74FB172C4}"/>
+                    </a:ext>
+                  </a:extLst>
+                </p:cNvPr>
+                <p:cNvSpPr/>
+                <p:nvPr/>
+              </p:nvSpPr>
+              <p:spPr>
+                <a:xfrm>
+                  <a:off x="2986882" y="3525100"/>
+                  <a:ext cx="133350" cy="83221"/>
+                </a:xfrm>
+                <a:prstGeom prst="rect">
+                  <a:avLst/>
+                </a:prstGeom>
+                <a:solidFill>
+                  <a:schemeClr val="bg1"/>
+                </a:solidFill>
+                <a:ln>
+                  <a:noFill/>
+                </a:ln>
+              </p:spPr>
+              <p:style>
+                <a:lnRef idx="2">
+                  <a:schemeClr val="accent1">
+                    <a:shade val="15000"/>
+                  </a:schemeClr>
+                </a:lnRef>
+                <a:fillRef idx="1">
+                  <a:schemeClr val="accent1"/>
+                </a:fillRef>
+                <a:effectRef idx="0">
+                  <a:schemeClr val="accent1"/>
+                </a:effectRef>
+                <a:fontRef idx="minor">
+                  <a:schemeClr val="lt1"/>
+                </a:fontRef>
+              </p:style>
+              <p:txBody>
+                <a:bodyPr rtlCol="0" anchor="ctr"/>
+                <a:lstStyle/>
+                <a:p>
+                  <a:pPr algn="ctr"/>
+                  <a:endParaRPr lang="es-ES"/>
+                </a:p>
+              </p:txBody>
+            </p:sp>
+            <p:sp>
+              <p:nvSpPr>
+                <p:cNvPr id="18" name="Rectángulo 17">
+                  <a:extLst>
+                    <a:ext uri="{FF2B5EF4-FFF2-40B4-BE49-F238E27FC236}">
+                      <a16:creationId xmlns:a16="http://schemas.microsoft.com/office/drawing/2014/main" id="{FC2C9CF8-9535-6F45-01E0-5687816A4E12}"/>
+                    </a:ext>
+                  </a:extLst>
+                </p:cNvPr>
+                <p:cNvSpPr/>
+                <p:nvPr/>
+              </p:nvSpPr>
+              <p:spPr>
+                <a:xfrm>
+                  <a:off x="3134918" y="3525100"/>
+                  <a:ext cx="133350" cy="83221"/>
+                </a:xfrm>
+                <a:prstGeom prst="rect">
+                  <a:avLst/>
+                </a:prstGeom>
+                <a:solidFill>
+                  <a:schemeClr val="bg1"/>
+                </a:solidFill>
+                <a:ln>
+                  <a:noFill/>
+                </a:ln>
+              </p:spPr>
+              <p:style>
+                <a:lnRef idx="2">
+                  <a:schemeClr val="accent1">
+                    <a:shade val="15000"/>
+                  </a:schemeClr>
+                </a:lnRef>
+                <a:fillRef idx="1">
+                  <a:schemeClr val="accent1"/>
+                </a:fillRef>
+                <a:effectRef idx="0">
+                  <a:schemeClr val="accent1"/>
+                </a:effectRef>
+                <a:fontRef idx="minor">
+                  <a:schemeClr val="lt1"/>
+                </a:fontRef>
+              </p:style>
+              <p:txBody>
+                <a:bodyPr rtlCol="0" anchor="ctr"/>
+                <a:lstStyle/>
+                <a:p>
+                  <a:pPr algn="ctr"/>
+                  <a:endParaRPr lang="es-ES"/>
+                </a:p>
+              </p:txBody>
+            </p:sp>
+            <p:sp>
+              <p:nvSpPr>
+                <p:cNvPr id="20" name="Rectángulo 19">
+                  <a:extLst>
+                    <a:ext uri="{FF2B5EF4-FFF2-40B4-BE49-F238E27FC236}">
+                      <a16:creationId xmlns:a16="http://schemas.microsoft.com/office/drawing/2014/main" id="{5DE66F59-31FF-CEA4-5F58-499BCDFAC3FD}"/>
+                    </a:ext>
+                  </a:extLst>
+                </p:cNvPr>
+                <p:cNvSpPr/>
+                <p:nvPr/>
+              </p:nvSpPr>
+              <p:spPr>
+                <a:xfrm>
+                  <a:off x="3282953" y="3525100"/>
+                  <a:ext cx="133350" cy="83221"/>
+                </a:xfrm>
+                <a:prstGeom prst="rect">
+                  <a:avLst/>
+                </a:prstGeom>
+                <a:solidFill>
+                  <a:schemeClr val="bg1"/>
+                </a:solidFill>
+                <a:ln>
+                  <a:noFill/>
+                </a:ln>
+              </p:spPr>
+              <p:style>
+                <a:lnRef idx="2">
+                  <a:schemeClr val="accent1">
+                    <a:shade val="15000"/>
+                  </a:schemeClr>
+                </a:lnRef>
+                <a:fillRef idx="1">
+                  <a:schemeClr val="accent1"/>
+                </a:fillRef>
+                <a:effectRef idx="0">
+                  <a:schemeClr val="accent1"/>
+                </a:effectRef>
+                <a:fontRef idx="minor">
+                  <a:schemeClr val="lt1"/>
+                </a:fontRef>
+              </p:style>
+              <p:txBody>
+                <a:bodyPr rtlCol="0" anchor="ctr"/>
+                <a:lstStyle/>
+                <a:p>
+                  <a:pPr algn="ctr"/>
+                  <a:endParaRPr lang="es-ES"/>
+                </a:p>
+              </p:txBody>
+            </p:sp>
+          </p:grpSp>
+          <p:grpSp>
+            <p:nvGrpSpPr>
+              <p:cNvPr id="46" name="Grupo 45">
+                <a:extLst>
+                  <a:ext uri="{FF2B5EF4-FFF2-40B4-BE49-F238E27FC236}">
+                    <a16:creationId xmlns:a16="http://schemas.microsoft.com/office/drawing/2014/main" id="{7B0B4A00-5DC7-7BF4-1818-3040A0B589B2}"/>
+                  </a:ext>
+                </a:extLst>
+              </p:cNvPr>
+              <p:cNvGrpSpPr/>
+              <p:nvPr/>
+            </p:nvGrpSpPr>
+            <p:grpSpPr>
+              <a:xfrm>
+                <a:off x="3434930" y="2931698"/>
+                <a:ext cx="462207" cy="416753"/>
+                <a:chOff x="2968385" y="3207509"/>
+                <a:chExt cx="462207" cy="416753"/>
+              </a:xfrm>
+            </p:grpSpPr>
+            <p:sp>
+              <p:nvSpPr>
+                <p:cNvPr id="47" name="Rectángulo 46">
+                  <a:extLst>
+                    <a:ext uri="{FF2B5EF4-FFF2-40B4-BE49-F238E27FC236}">
+                      <a16:creationId xmlns:a16="http://schemas.microsoft.com/office/drawing/2014/main" id="{B097AE42-FB26-26D7-4F19-EE2D4DEC7744}"/>
+                    </a:ext>
+                  </a:extLst>
+                </p:cNvPr>
+                <p:cNvSpPr/>
+                <p:nvPr/>
+              </p:nvSpPr>
+              <p:spPr>
+                <a:xfrm>
+                  <a:off x="2968385" y="3207509"/>
+                  <a:ext cx="462207" cy="416753"/>
+                </a:xfrm>
+                <a:prstGeom prst="rect">
+                  <a:avLst/>
+                </a:prstGeom>
+                <a:solidFill>
+                  <a:srgbClr val="00B0F0"/>
+                </a:solidFill>
+                <a:ln>
+                  <a:noFill/>
+                </a:ln>
+              </p:spPr>
+              <p:style>
+                <a:lnRef idx="2">
+                  <a:schemeClr val="accent1">
+                    <a:shade val="15000"/>
+                  </a:schemeClr>
+                </a:lnRef>
+                <a:fillRef idx="1">
+                  <a:schemeClr val="accent1"/>
+                </a:fillRef>
+                <a:effectRef idx="0">
+                  <a:schemeClr val="accent1"/>
+                </a:effectRef>
+                <a:fontRef idx="minor">
+                  <a:schemeClr val="lt1"/>
+                </a:fontRef>
+              </p:style>
+              <p:txBody>
+                <a:bodyPr rtlCol="0" anchor="ctr"/>
+                <a:lstStyle/>
+                <a:p>
+                  <a:pPr algn="ctr"/>
+                  <a:endParaRPr lang="es-ES"/>
+                </a:p>
+              </p:txBody>
+            </p:sp>
+            <p:sp>
+              <p:nvSpPr>
+                <p:cNvPr id="49" name="Rectángulo 48">
+                  <a:extLst>
+                    <a:ext uri="{FF2B5EF4-FFF2-40B4-BE49-F238E27FC236}">
+                      <a16:creationId xmlns:a16="http://schemas.microsoft.com/office/drawing/2014/main" id="{BB14B059-C2A6-5961-7324-0A828DDB9B42}"/>
+                    </a:ext>
+                  </a:extLst>
+                </p:cNvPr>
+                <p:cNvSpPr/>
+                <p:nvPr/>
+              </p:nvSpPr>
+              <p:spPr>
+                <a:xfrm>
+                  <a:off x="2986882" y="3325885"/>
+                  <a:ext cx="133350" cy="83221"/>
+                </a:xfrm>
+                <a:prstGeom prst="rect">
+                  <a:avLst/>
+                </a:prstGeom>
+                <a:solidFill>
+                  <a:schemeClr val="bg1"/>
+                </a:solidFill>
+                <a:ln>
+                  <a:noFill/>
+                </a:ln>
+              </p:spPr>
+              <p:style>
+                <a:lnRef idx="2">
+                  <a:schemeClr val="accent1">
+                    <a:shade val="15000"/>
+                  </a:schemeClr>
+                </a:lnRef>
+                <a:fillRef idx="1">
+                  <a:schemeClr val="accent1"/>
+                </a:fillRef>
+                <a:effectRef idx="0">
+                  <a:schemeClr val="accent1"/>
+                </a:effectRef>
+                <a:fontRef idx="minor">
+                  <a:schemeClr val="lt1"/>
+                </a:fontRef>
+              </p:style>
+              <p:txBody>
+                <a:bodyPr rtlCol="0" anchor="ctr"/>
+                <a:lstStyle/>
+                <a:p>
+                  <a:pPr algn="ctr"/>
+                  <a:endParaRPr lang="es-ES"/>
+                </a:p>
+              </p:txBody>
+            </p:sp>
+            <p:sp>
+              <p:nvSpPr>
+                <p:cNvPr id="50" name="Rectángulo 49">
+                  <a:extLst>
+                    <a:ext uri="{FF2B5EF4-FFF2-40B4-BE49-F238E27FC236}">
+                      <a16:creationId xmlns:a16="http://schemas.microsoft.com/office/drawing/2014/main" id="{F081076D-DD10-F36A-3002-A88C8B78EF49}"/>
+                    </a:ext>
+                  </a:extLst>
+                </p:cNvPr>
+                <p:cNvSpPr/>
+                <p:nvPr/>
+              </p:nvSpPr>
+              <p:spPr>
+                <a:xfrm>
+                  <a:off x="2986882" y="3425801"/>
+                  <a:ext cx="133350" cy="83221"/>
+                </a:xfrm>
+                <a:prstGeom prst="rect">
+                  <a:avLst/>
+                </a:prstGeom>
+                <a:solidFill>
+                  <a:schemeClr val="bg1"/>
+                </a:solidFill>
+                <a:ln>
+                  <a:noFill/>
+                </a:ln>
+              </p:spPr>
+              <p:style>
+                <a:lnRef idx="2">
+                  <a:schemeClr val="accent1">
+                    <a:shade val="15000"/>
+                  </a:schemeClr>
+                </a:lnRef>
+                <a:fillRef idx="1">
+                  <a:schemeClr val="accent1"/>
+                </a:fillRef>
+                <a:effectRef idx="0">
+                  <a:schemeClr val="accent1"/>
+                </a:effectRef>
+                <a:fontRef idx="minor">
+                  <a:schemeClr val="lt1"/>
+                </a:fontRef>
+              </p:style>
+              <p:txBody>
+                <a:bodyPr rtlCol="0" anchor="ctr"/>
+                <a:lstStyle/>
+                <a:p>
+                  <a:pPr algn="ctr"/>
+                  <a:endParaRPr lang="es-ES"/>
+                </a:p>
+              </p:txBody>
+            </p:sp>
+            <p:sp>
+              <p:nvSpPr>
+                <p:cNvPr id="56" name="Rectángulo 55">
+                  <a:extLst>
+                    <a:ext uri="{FF2B5EF4-FFF2-40B4-BE49-F238E27FC236}">
+                      <a16:creationId xmlns:a16="http://schemas.microsoft.com/office/drawing/2014/main" id="{783A958D-27AF-A269-962A-50B9449CC5A3}"/>
+                    </a:ext>
+                  </a:extLst>
+                </p:cNvPr>
+                <p:cNvSpPr/>
+                <p:nvPr/>
+              </p:nvSpPr>
+              <p:spPr>
+                <a:xfrm>
+                  <a:off x="3134918" y="3325885"/>
+                  <a:ext cx="133350" cy="83221"/>
+                </a:xfrm>
+                <a:prstGeom prst="rect">
+                  <a:avLst/>
+                </a:prstGeom>
+                <a:solidFill>
+                  <a:schemeClr val="bg1"/>
+                </a:solidFill>
+                <a:ln>
+                  <a:noFill/>
+                </a:ln>
+              </p:spPr>
+              <p:style>
+                <a:lnRef idx="2">
+                  <a:schemeClr val="accent1">
+                    <a:shade val="15000"/>
+                  </a:schemeClr>
+                </a:lnRef>
+                <a:fillRef idx="1">
+                  <a:schemeClr val="accent1"/>
+                </a:fillRef>
+                <a:effectRef idx="0">
+                  <a:schemeClr val="accent1"/>
+                </a:effectRef>
+                <a:fontRef idx="minor">
+                  <a:schemeClr val="lt1"/>
+                </a:fontRef>
+              </p:style>
+              <p:txBody>
+                <a:bodyPr rtlCol="0" anchor="ctr"/>
+                <a:lstStyle/>
+                <a:p>
+                  <a:pPr algn="ctr"/>
+                  <a:endParaRPr lang="es-ES"/>
+                </a:p>
+              </p:txBody>
+            </p:sp>
+            <p:sp>
+              <p:nvSpPr>
+                <p:cNvPr id="57" name="Rectángulo 56">
+                  <a:extLst>
+                    <a:ext uri="{FF2B5EF4-FFF2-40B4-BE49-F238E27FC236}">
+                      <a16:creationId xmlns:a16="http://schemas.microsoft.com/office/drawing/2014/main" id="{60F886A0-B425-94FD-70F0-CA76D52686DC}"/>
+                    </a:ext>
+                  </a:extLst>
+                </p:cNvPr>
+                <p:cNvSpPr/>
+                <p:nvPr/>
+              </p:nvSpPr>
+              <p:spPr>
+                <a:xfrm>
+                  <a:off x="3134918" y="3425801"/>
+                  <a:ext cx="133350" cy="83221"/>
+                </a:xfrm>
+                <a:prstGeom prst="rect">
+                  <a:avLst/>
+                </a:prstGeom>
+                <a:solidFill>
+                  <a:schemeClr val="bg1"/>
+                </a:solidFill>
+                <a:ln>
+                  <a:noFill/>
+                </a:ln>
+              </p:spPr>
+              <p:style>
+                <a:lnRef idx="2">
+                  <a:schemeClr val="accent1">
+                    <a:shade val="15000"/>
+                  </a:schemeClr>
+                </a:lnRef>
+                <a:fillRef idx="1">
+                  <a:schemeClr val="accent1"/>
+                </a:fillRef>
+                <a:effectRef idx="0">
+                  <a:schemeClr val="accent1"/>
+                </a:effectRef>
+                <a:fontRef idx="minor">
+                  <a:schemeClr val="lt1"/>
+                </a:fontRef>
+              </p:style>
+              <p:txBody>
+                <a:bodyPr rtlCol="0" anchor="ctr"/>
+                <a:lstStyle/>
+                <a:p>
+                  <a:pPr algn="ctr"/>
+                  <a:endParaRPr lang="es-ES"/>
+                </a:p>
+              </p:txBody>
+            </p:sp>
+            <p:sp>
+              <p:nvSpPr>
+                <p:cNvPr id="59" name="Rectángulo 58">
+                  <a:extLst>
+                    <a:ext uri="{FF2B5EF4-FFF2-40B4-BE49-F238E27FC236}">
+                      <a16:creationId xmlns:a16="http://schemas.microsoft.com/office/drawing/2014/main" id="{3E2039BE-66C3-628C-0F1A-C66DDE53EDBC}"/>
+                    </a:ext>
+                  </a:extLst>
+                </p:cNvPr>
+                <p:cNvSpPr/>
+                <p:nvPr/>
+              </p:nvSpPr>
+              <p:spPr>
+                <a:xfrm>
+                  <a:off x="3282953" y="3325885"/>
+                  <a:ext cx="133350" cy="83221"/>
+                </a:xfrm>
+                <a:prstGeom prst="rect">
+                  <a:avLst/>
+                </a:prstGeom>
+                <a:solidFill>
+                  <a:schemeClr val="bg1"/>
+                </a:solidFill>
+                <a:ln>
+                  <a:noFill/>
+                </a:ln>
+              </p:spPr>
+              <p:style>
+                <a:lnRef idx="2">
+                  <a:schemeClr val="accent1">
+                    <a:shade val="15000"/>
+                  </a:schemeClr>
+                </a:lnRef>
+                <a:fillRef idx="1">
+                  <a:schemeClr val="accent1"/>
+                </a:fillRef>
+                <a:effectRef idx="0">
+                  <a:schemeClr val="accent1"/>
+                </a:effectRef>
+                <a:fontRef idx="minor">
+                  <a:schemeClr val="lt1"/>
+                </a:fontRef>
+              </p:style>
+              <p:txBody>
+                <a:bodyPr rtlCol="0" anchor="ctr"/>
+                <a:lstStyle/>
+                <a:p>
+                  <a:pPr algn="ctr"/>
+                  <a:endParaRPr lang="es-ES"/>
+                </a:p>
+              </p:txBody>
+            </p:sp>
+            <p:sp>
+              <p:nvSpPr>
+                <p:cNvPr id="60" name="Rectángulo 59">
+                  <a:extLst>
+                    <a:ext uri="{FF2B5EF4-FFF2-40B4-BE49-F238E27FC236}">
+                      <a16:creationId xmlns:a16="http://schemas.microsoft.com/office/drawing/2014/main" id="{CDB71E26-34A8-F24A-6A74-043131357306}"/>
+                    </a:ext>
+                  </a:extLst>
+                </p:cNvPr>
+                <p:cNvSpPr/>
+                <p:nvPr/>
+              </p:nvSpPr>
+              <p:spPr>
+                <a:xfrm>
+                  <a:off x="3282953" y="3425801"/>
+                  <a:ext cx="133350" cy="83221"/>
+                </a:xfrm>
+                <a:prstGeom prst="rect">
+                  <a:avLst/>
+                </a:prstGeom>
+                <a:solidFill>
+                  <a:schemeClr val="bg1"/>
+                </a:solidFill>
+                <a:ln>
+                  <a:noFill/>
+                </a:ln>
+              </p:spPr>
+              <p:style>
+                <a:lnRef idx="2">
+                  <a:schemeClr val="accent1">
+                    <a:shade val="15000"/>
+                  </a:schemeClr>
+                </a:lnRef>
+                <a:fillRef idx="1">
+                  <a:schemeClr val="accent1"/>
+                </a:fillRef>
+                <a:effectRef idx="0">
+                  <a:schemeClr val="accent1"/>
+                </a:effectRef>
+                <a:fontRef idx="minor">
+                  <a:schemeClr val="lt1"/>
+                </a:fontRef>
+              </p:style>
+              <p:txBody>
+                <a:bodyPr rtlCol="0" anchor="ctr"/>
+                <a:lstStyle/>
+                <a:p>
+                  <a:pPr algn="ctr"/>
+                  <a:endParaRPr lang="es-ES"/>
+                </a:p>
+              </p:txBody>
+            </p:sp>
+            <p:sp>
+              <p:nvSpPr>
+                <p:cNvPr id="61" name="Rectángulo 60">
+                  <a:extLst>
+                    <a:ext uri="{FF2B5EF4-FFF2-40B4-BE49-F238E27FC236}">
+                      <a16:creationId xmlns:a16="http://schemas.microsoft.com/office/drawing/2014/main" id="{35825268-6753-3DA5-DDC7-2404E7C94B5A}"/>
+                    </a:ext>
+                  </a:extLst>
+                </p:cNvPr>
+                <p:cNvSpPr/>
+                <p:nvPr/>
+              </p:nvSpPr>
+              <p:spPr>
+                <a:xfrm>
+                  <a:off x="2986882" y="3525100"/>
+                  <a:ext cx="133350" cy="83221"/>
+                </a:xfrm>
+                <a:prstGeom prst="rect">
+                  <a:avLst/>
+                </a:prstGeom>
+                <a:solidFill>
+                  <a:schemeClr val="bg1"/>
+                </a:solidFill>
+                <a:ln>
+                  <a:noFill/>
+                </a:ln>
+              </p:spPr>
+              <p:style>
+                <a:lnRef idx="2">
+                  <a:schemeClr val="accent1">
+                    <a:shade val="15000"/>
+                  </a:schemeClr>
+                </a:lnRef>
+                <a:fillRef idx="1">
+                  <a:schemeClr val="accent1"/>
+                </a:fillRef>
+                <a:effectRef idx="0">
+                  <a:schemeClr val="accent1"/>
+                </a:effectRef>
+                <a:fontRef idx="minor">
+                  <a:schemeClr val="lt1"/>
+                </a:fontRef>
+              </p:style>
+              <p:txBody>
+                <a:bodyPr rtlCol="0" anchor="ctr"/>
+                <a:lstStyle/>
+                <a:p>
+                  <a:pPr algn="ctr"/>
+                  <a:endParaRPr lang="es-ES"/>
+                </a:p>
+              </p:txBody>
+            </p:sp>
+            <p:sp>
+              <p:nvSpPr>
+                <p:cNvPr id="62" name="Rectángulo 61">
+                  <a:extLst>
+                    <a:ext uri="{FF2B5EF4-FFF2-40B4-BE49-F238E27FC236}">
+                      <a16:creationId xmlns:a16="http://schemas.microsoft.com/office/drawing/2014/main" id="{166F9CE0-B39E-CD48-3680-F4910161B058}"/>
+                    </a:ext>
+                  </a:extLst>
+                </p:cNvPr>
+                <p:cNvSpPr/>
+                <p:nvPr/>
+              </p:nvSpPr>
+              <p:spPr>
+                <a:xfrm>
+                  <a:off x="3134918" y="3525100"/>
+                  <a:ext cx="133350" cy="83221"/>
+                </a:xfrm>
+                <a:prstGeom prst="rect">
+                  <a:avLst/>
+                </a:prstGeom>
+                <a:solidFill>
+                  <a:schemeClr val="bg1"/>
+                </a:solidFill>
+                <a:ln>
+                  <a:noFill/>
+                </a:ln>
+              </p:spPr>
+              <p:style>
+                <a:lnRef idx="2">
+                  <a:schemeClr val="accent1">
+                    <a:shade val="15000"/>
+                  </a:schemeClr>
+                </a:lnRef>
+                <a:fillRef idx="1">
+                  <a:schemeClr val="accent1"/>
+                </a:fillRef>
+                <a:effectRef idx="0">
+                  <a:schemeClr val="accent1"/>
+                </a:effectRef>
+                <a:fontRef idx="minor">
+                  <a:schemeClr val="lt1"/>
+                </a:fontRef>
+              </p:style>
+              <p:txBody>
+                <a:bodyPr rtlCol="0" anchor="ctr"/>
+                <a:lstStyle/>
+                <a:p>
+                  <a:pPr algn="ctr"/>
+                  <a:endParaRPr lang="es-ES"/>
+                </a:p>
+              </p:txBody>
+            </p:sp>
+            <p:sp>
+              <p:nvSpPr>
+                <p:cNvPr id="63" name="Rectángulo 62">
+                  <a:extLst>
+                    <a:ext uri="{FF2B5EF4-FFF2-40B4-BE49-F238E27FC236}">
+                      <a16:creationId xmlns:a16="http://schemas.microsoft.com/office/drawing/2014/main" id="{F9BEF43A-BF0F-97FC-DE07-8C481CD8501D}"/>
+                    </a:ext>
+                  </a:extLst>
+                </p:cNvPr>
+                <p:cNvSpPr/>
+                <p:nvPr/>
+              </p:nvSpPr>
+              <p:spPr>
+                <a:xfrm>
+                  <a:off x="3282953" y="3525100"/>
+                  <a:ext cx="133350" cy="83221"/>
+                </a:xfrm>
+                <a:prstGeom prst="rect">
+                  <a:avLst/>
+                </a:prstGeom>
+                <a:solidFill>
+                  <a:schemeClr val="bg1"/>
+                </a:solidFill>
+                <a:ln>
+                  <a:noFill/>
+                </a:ln>
+              </p:spPr>
+              <p:style>
+                <a:lnRef idx="2">
+                  <a:schemeClr val="accent1">
+                    <a:shade val="15000"/>
+                  </a:schemeClr>
+                </a:lnRef>
+                <a:fillRef idx="1">
+                  <a:schemeClr val="accent1"/>
+                </a:fillRef>
+                <a:effectRef idx="0">
+                  <a:schemeClr val="accent1"/>
+                </a:effectRef>
+                <a:fontRef idx="minor">
+                  <a:schemeClr val="lt1"/>
+                </a:fontRef>
+              </p:style>
+              <p:txBody>
+                <a:bodyPr rtlCol="0" anchor="ctr"/>
+                <a:lstStyle/>
+                <a:p>
+                  <a:pPr algn="ctr"/>
+                  <a:endParaRPr lang="es-ES"/>
+                </a:p>
+              </p:txBody>
+            </p:sp>
+          </p:grpSp>
+          <p:grpSp>
+            <p:nvGrpSpPr>
+              <p:cNvPr id="1025" name="Grupo 1024">
+                <a:extLst>
+                  <a:ext uri="{FF2B5EF4-FFF2-40B4-BE49-F238E27FC236}">
+                    <a16:creationId xmlns:a16="http://schemas.microsoft.com/office/drawing/2014/main" id="{AE0BF3FF-8FE3-49DF-E9C8-84D727D69463}"/>
+                  </a:ext>
+                </a:extLst>
+              </p:cNvPr>
+              <p:cNvGrpSpPr/>
+              <p:nvPr/>
+            </p:nvGrpSpPr>
+            <p:grpSpPr>
+              <a:xfrm>
+                <a:off x="3027528" y="3125023"/>
+                <a:ext cx="462207" cy="416753"/>
+                <a:chOff x="2968385" y="3207509"/>
+                <a:chExt cx="462207" cy="416753"/>
+              </a:xfrm>
+            </p:grpSpPr>
+            <p:sp>
+              <p:nvSpPr>
+                <p:cNvPr id="1026" name="Rectángulo 1025">
+                  <a:extLst>
+                    <a:ext uri="{FF2B5EF4-FFF2-40B4-BE49-F238E27FC236}">
+                      <a16:creationId xmlns:a16="http://schemas.microsoft.com/office/drawing/2014/main" id="{C4338562-B64D-AE65-E3C1-9BE1DFD2FB04}"/>
+                    </a:ext>
+                  </a:extLst>
+                </p:cNvPr>
+                <p:cNvSpPr/>
+                <p:nvPr/>
+              </p:nvSpPr>
+              <p:spPr>
+                <a:xfrm>
+                  <a:off x="2968385" y="3207509"/>
+                  <a:ext cx="462207" cy="416753"/>
+                </a:xfrm>
+                <a:prstGeom prst="rect">
+                  <a:avLst/>
+                </a:prstGeom>
+                <a:solidFill>
+                  <a:schemeClr val="bg1">
+                    <a:lumMod val="50000"/>
+                  </a:schemeClr>
+                </a:solidFill>
+                <a:ln>
+                  <a:noFill/>
+                </a:ln>
+              </p:spPr>
+              <p:style>
+                <a:lnRef idx="2">
+                  <a:schemeClr val="accent1">
+                    <a:shade val="15000"/>
+                  </a:schemeClr>
+                </a:lnRef>
+                <a:fillRef idx="1">
+                  <a:schemeClr val="accent1"/>
+                </a:fillRef>
+                <a:effectRef idx="0">
+                  <a:schemeClr val="accent1"/>
+                </a:effectRef>
+                <a:fontRef idx="minor">
+                  <a:schemeClr val="lt1"/>
+                </a:fontRef>
+              </p:style>
+              <p:txBody>
+                <a:bodyPr rtlCol="0" anchor="ctr"/>
+                <a:lstStyle/>
+                <a:p>
+                  <a:pPr algn="ctr"/>
+                  <a:endParaRPr lang="es-ES"/>
+                </a:p>
+              </p:txBody>
+            </p:sp>
+            <p:sp>
+              <p:nvSpPr>
+                <p:cNvPr id="1027" name="Rectángulo 1026">
+                  <a:extLst>
+                    <a:ext uri="{FF2B5EF4-FFF2-40B4-BE49-F238E27FC236}">
+                      <a16:creationId xmlns:a16="http://schemas.microsoft.com/office/drawing/2014/main" id="{814A33E6-7CD7-FA70-CC23-29C3EEE99EA9}"/>
+                    </a:ext>
+                  </a:extLst>
+                </p:cNvPr>
+                <p:cNvSpPr/>
+                <p:nvPr/>
+              </p:nvSpPr>
+              <p:spPr>
+                <a:xfrm>
+                  <a:off x="2986882" y="3325885"/>
+                  <a:ext cx="133350" cy="83221"/>
+                </a:xfrm>
+                <a:prstGeom prst="rect">
+                  <a:avLst/>
+                </a:prstGeom>
+                <a:solidFill>
+                  <a:schemeClr val="bg1"/>
+                </a:solidFill>
+                <a:ln>
+                  <a:noFill/>
+                </a:ln>
+              </p:spPr>
+              <p:style>
+                <a:lnRef idx="2">
+                  <a:schemeClr val="accent1">
+                    <a:shade val="15000"/>
+                  </a:schemeClr>
+                </a:lnRef>
+                <a:fillRef idx="1">
+                  <a:schemeClr val="accent1"/>
+                </a:fillRef>
+                <a:effectRef idx="0">
+                  <a:schemeClr val="accent1"/>
+                </a:effectRef>
+                <a:fontRef idx="minor">
+                  <a:schemeClr val="lt1"/>
+                </a:fontRef>
+              </p:style>
+              <p:txBody>
+                <a:bodyPr rtlCol="0" anchor="ctr"/>
+                <a:lstStyle/>
+                <a:p>
+                  <a:pPr algn="ctr"/>
+                  <a:endParaRPr lang="es-ES"/>
+                </a:p>
+              </p:txBody>
+            </p:sp>
+            <p:sp>
+              <p:nvSpPr>
+                <p:cNvPr id="1029" name="Rectángulo 1028">
+                  <a:extLst>
+                    <a:ext uri="{FF2B5EF4-FFF2-40B4-BE49-F238E27FC236}">
+                      <a16:creationId xmlns:a16="http://schemas.microsoft.com/office/drawing/2014/main" id="{2A1BFD33-07F1-10F8-AD7D-560ADBE888E4}"/>
+                    </a:ext>
+                  </a:extLst>
+                </p:cNvPr>
+                <p:cNvSpPr/>
+                <p:nvPr/>
+              </p:nvSpPr>
+              <p:spPr>
+                <a:xfrm>
+                  <a:off x="2986882" y="3425801"/>
+                  <a:ext cx="133350" cy="83221"/>
+                </a:xfrm>
+                <a:prstGeom prst="rect">
+                  <a:avLst/>
+                </a:prstGeom>
+                <a:solidFill>
+                  <a:schemeClr val="bg1"/>
+                </a:solidFill>
+                <a:ln>
+                  <a:noFill/>
+                </a:ln>
+              </p:spPr>
+              <p:style>
+                <a:lnRef idx="2">
+                  <a:schemeClr val="accent1">
+                    <a:shade val="15000"/>
+                  </a:schemeClr>
+                </a:lnRef>
+                <a:fillRef idx="1">
+                  <a:schemeClr val="accent1"/>
+                </a:fillRef>
+                <a:effectRef idx="0">
+                  <a:schemeClr val="accent1"/>
+                </a:effectRef>
+                <a:fontRef idx="minor">
+                  <a:schemeClr val="lt1"/>
+                </a:fontRef>
+              </p:style>
+              <p:txBody>
+                <a:bodyPr rtlCol="0" anchor="ctr"/>
+                <a:lstStyle/>
+                <a:p>
+                  <a:pPr algn="ctr"/>
+                  <a:endParaRPr lang="es-ES"/>
+                </a:p>
+              </p:txBody>
+            </p:sp>
+            <p:sp>
+              <p:nvSpPr>
+                <p:cNvPr id="1035" name="Rectángulo 1034">
+                  <a:extLst>
+                    <a:ext uri="{FF2B5EF4-FFF2-40B4-BE49-F238E27FC236}">
+                      <a16:creationId xmlns:a16="http://schemas.microsoft.com/office/drawing/2014/main" id="{6084AC17-9AD5-A799-517A-CDB3AE81136C}"/>
+                    </a:ext>
+                  </a:extLst>
+                </p:cNvPr>
+                <p:cNvSpPr/>
+                <p:nvPr/>
+              </p:nvSpPr>
+              <p:spPr>
+                <a:xfrm>
+                  <a:off x="3134918" y="3325885"/>
+                  <a:ext cx="133350" cy="83221"/>
+                </a:xfrm>
+                <a:prstGeom prst="rect">
+                  <a:avLst/>
+                </a:prstGeom>
+                <a:solidFill>
+                  <a:schemeClr val="bg1"/>
+                </a:solidFill>
+                <a:ln>
+                  <a:noFill/>
+                </a:ln>
+              </p:spPr>
+              <p:style>
+                <a:lnRef idx="2">
+                  <a:schemeClr val="accent1">
+                    <a:shade val="15000"/>
+                  </a:schemeClr>
+                </a:lnRef>
+                <a:fillRef idx="1">
+                  <a:schemeClr val="accent1"/>
+                </a:fillRef>
+                <a:effectRef idx="0">
+                  <a:schemeClr val="accent1"/>
+                </a:effectRef>
+                <a:fontRef idx="minor">
+                  <a:schemeClr val="lt1"/>
+                </a:fontRef>
+              </p:style>
+              <p:txBody>
+                <a:bodyPr rtlCol="0" anchor="ctr"/>
+                <a:lstStyle/>
+                <a:p>
+                  <a:pPr algn="ctr"/>
+                  <a:endParaRPr lang="es-ES"/>
+                </a:p>
+              </p:txBody>
+            </p:sp>
+            <p:sp>
+              <p:nvSpPr>
+                <p:cNvPr id="1036" name="Rectángulo 1035">
+                  <a:extLst>
+                    <a:ext uri="{FF2B5EF4-FFF2-40B4-BE49-F238E27FC236}">
+                      <a16:creationId xmlns:a16="http://schemas.microsoft.com/office/drawing/2014/main" id="{7928EA7F-D57B-6690-4B73-BC6FC34A07F6}"/>
+                    </a:ext>
+                  </a:extLst>
+                </p:cNvPr>
+                <p:cNvSpPr/>
+                <p:nvPr/>
+              </p:nvSpPr>
+              <p:spPr>
+                <a:xfrm>
+                  <a:off x="3134918" y="3425801"/>
+                  <a:ext cx="133350" cy="83221"/>
+                </a:xfrm>
+                <a:prstGeom prst="rect">
+                  <a:avLst/>
+                </a:prstGeom>
+                <a:solidFill>
+                  <a:schemeClr val="bg1"/>
+                </a:solidFill>
+                <a:ln>
+                  <a:noFill/>
+                </a:ln>
+              </p:spPr>
+              <p:style>
+                <a:lnRef idx="2">
+                  <a:schemeClr val="accent1">
+                    <a:shade val="15000"/>
+                  </a:schemeClr>
+                </a:lnRef>
+                <a:fillRef idx="1">
+                  <a:schemeClr val="accent1"/>
+                </a:fillRef>
+                <a:effectRef idx="0">
+                  <a:schemeClr val="accent1"/>
+                </a:effectRef>
+                <a:fontRef idx="minor">
+                  <a:schemeClr val="lt1"/>
+                </a:fontRef>
+              </p:style>
+              <p:txBody>
+                <a:bodyPr rtlCol="0" anchor="ctr"/>
+                <a:lstStyle/>
+                <a:p>
+                  <a:pPr algn="ctr"/>
+                  <a:endParaRPr lang="es-ES"/>
+                </a:p>
+              </p:txBody>
+            </p:sp>
+            <p:sp>
+              <p:nvSpPr>
+                <p:cNvPr id="1037" name="Rectángulo 1036">
+                  <a:extLst>
+                    <a:ext uri="{FF2B5EF4-FFF2-40B4-BE49-F238E27FC236}">
+                      <a16:creationId xmlns:a16="http://schemas.microsoft.com/office/drawing/2014/main" id="{2BDC9005-68C9-0295-6419-71665EED8E96}"/>
+                    </a:ext>
+                  </a:extLst>
+                </p:cNvPr>
+                <p:cNvSpPr/>
+                <p:nvPr/>
+              </p:nvSpPr>
+              <p:spPr>
+                <a:xfrm>
+                  <a:off x="3282953" y="3325885"/>
+                  <a:ext cx="133350" cy="83221"/>
+                </a:xfrm>
+                <a:prstGeom prst="rect">
+                  <a:avLst/>
+                </a:prstGeom>
+                <a:solidFill>
+                  <a:schemeClr val="bg1"/>
+                </a:solidFill>
+                <a:ln>
+                  <a:noFill/>
+                </a:ln>
+              </p:spPr>
+              <p:style>
+                <a:lnRef idx="2">
+                  <a:schemeClr val="accent1">
+                    <a:shade val="15000"/>
+                  </a:schemeClr>
+                </a:lnRef>
+                <a:fillRef idx="1">
+                  <a:schemeClr val="accent1"/>
+                </a:fillRef>
+                <a:effectRef idx="0">
+                  <a:schemeClr val="accent1"/>
+                </a:effectRef>
+                <a:fontRef idx="minor">
+                  <a:schemeClr val="lt1"/>
+                </a:fontRef>
+              </p:style>
+              <p:txBody>
+                <a:bodyPr rtlCol="0" anchor="ctr"/>
+                <a:lstStyle/>
+                <a:p>
+                  <a:pPr algn="ctr"/>
+                  <a:endParaRPr lang="es-ES"/>
+                </a:p>
+              </p:txBody>
+            </p:sp>
+            <p:sp>
+              <p:nvSpPr>
+                <p:cNvPr id="1040" name="Rectángulo 1039">
+                  <a:extLst>
+                    <a:ext uri="{FF2B5EF4-FFF2-40B4-BE49-F238E27FC236}">
+                      <a16:creationId xmlns:a16="http://schemas.microsoft.com/office/drawing/2014/main" id="{A22FBC5A-E409-424D-6D45-BB97DF116865}"/>
+                    </a:ext>
+                  </a:extLst>
+                </p:cNvPr>
+                <p:cNvSpPr/>
+                <p:nvPr/>
+              </p:nvSpPr>
+              <p:spPr>
+                <a:xfrm>
+                  <a:off x="3282953" y="3425801"/>
+                  <a:ext cx="133350" cy="83221"/>
+                </a:xfrm>
+                <a:prstGeom prst="rect">
+                  <a:avLst/>
+                </a:prstGeom>
+                <a:solidFill>
+                  <a:schemeClr val="bg1"/>
+                </a:solidFill>
+                <a:ln>
+                  <a:noFill/>
+                </a:ln>
+              </p:spPr>
+              <p:style>
+                <a:lnRef idx="2">
+                  <a:schemeClr val="accent1">
+                    <a:shade val="15000"/>
+                  </a:schemeClr>
+                </a:lnRef>
+                <a:fillRef idx="1">
+                  <a:schemeClr val="accent1"/>
+                </a:fillRef>
+                <a:effectRef idx="0">
+                  <a:schemeClr val="accent1"/>
+                </a:effectRef>
+                <a:fontRef idx="minor">
+                  <a:schemeClr val="lt1"/>
+                </a:fontRef>
+              </p:style>
+              <p:txBody>
+                <a:bodyPr rtlCol="0" anchor="ctr"/>
+                <a:lstStyle/>
+                <a:p>
+                  <a:pPr algn="ctr"/>
+                  <a:endParaRPr lang="es-ES"/>
+                </a:p>
+              </p:txBody>
+            </p:sp>
+            <p:sp>
+              <p:nvSpPr>
+                <p:cNvPr id="1041" name="Rectángulo 1040">
+                  <a:extLst>
+                    <a:ext uri="{FF2B5EF4-FFF2-40B4-BE49-F238E27FC236}">
+                      <a16:creationId xmlns:a16="http://schemas.microsoft.com/office/drawing/2014/main" id="{F98E05F5-6310-76FD-A47B-AD85D3A739AB}"/>
+                    </a:ext>
+                  </a:extLst>
+                </p:cNvPr>
+                <p:cNvSpPr/>
+                <p:nvPr/>
+              </p:nvSpPr>
+              <p:spPr>
+                <a:xfrm>
+                  <a:off x="2986882" y="3525100"/>
+                  <a:ext cx="133350" cy="83221"/>
+                </a:xfrm>
+                <a:prstGeom prst="rect">
+                  <a:avLst/>
+                </a:prstGeom>
+                <a:solidFill>
+                  <a:schemeClr val="bg1"/>
+                </a:solidFill>
+                <a:ln>
+                  <a:noFill/>
+                </a:ln>
+              </p:spPr>
+              <p:style>
+                <a:lnRef idx="2">
+                  <a:schemeClr val="accent1">
+                    <a:shade val="15000"/>
+                  </a:schemeClr>
+                </a:lnRef>
+                <a:fillRef idx="1">
+                  <a:schemeClr val="accent1"/>
+                </a:fillRef>
+                <a:effectRef idx="0">
+                  <a:schemeClr val="accent1"/>
+                </a:effectRef>
+                <a:fontRef idx="minor">
+                  <a:schemeClr val="lt1"/>
+                </a:fontRef>
+              </p:style>
+              <p:txBody>
+                <a:bodyPr rtlCol="0" anchor="ctr"/>
+                <a:lstStyle/>
+                <a:p>
+                  <a:pPr algn="ctr"/>
+                  <a:endParaRPr lang="es-ES"/>
+                </a:p>
+              </p:txBody>
+            </p:sp>
+            <p:sp>
+              <p:nvSpPr>
+                <p:cNvPr id="1042" name="Rectángulo 1041">
+                  <a:extLst>
+                    <a:ext uri="{FF2B5EF4-FFF2-40B4-BE49-F238E27FC236}">
+                      <a16:creationId xmlns:a16="http://schemas.microsoft.com/office/drawing/2014/main" id="{FE32E296-768C-C76E-54BD-2F20BAA32EEE}"/>
+                    </a:ext>
+                  </a:extLst>
+                </p:cNvPr>
+                <p:cNvSpPr/>
+                <p:nvPr/>
+              </p:nvSpPr>
+              <p:spPr>
+                <a:xfrm>
+                  <a:off x="3134918" y="3525100"/>
+                  <a:ext cx="133350" cy="83221"/>
+                </a:xfrm>
+                <a:prstGeom prst="rect">
+                  <a:avLst/>
+                </a:prstGeom>
+                <a:solidFill>
+                  <a:schemeClr val="bg1"/>
+                </a:solidFill>
+                <a:ln>
+                  <a:noFill/>
+                </a:ln>
+              </p:spPr>
+              <p:style>
+                <a:lnRef idx="2">
+                  <a:schemeClr val="accent1">
+                    <a:shade val="15000"/>
+                  </a:schemeClr>
+                </a:lnRef>
+                <a:fillRef idx="1">
+                  <a:schemeClr val="accent1"/>
+                </a:fillRef>
+                <a:effectRef idx="0">
+                  <a:schemeClr val="accent1"/>
+                </a:effectRef>
+                <a:fontRef idx="minor">
+                  <a:schemeClr val="lt1"/>
+                </a:fontRef>
+              </p:style>
+              <p:txBody>
+                <a:bodyPr rtlCol="0" anchor="ctr"/>
+                <a:lstStyle/>
+                <a:p>
+                  <a:pPr algn="ctr"/>
+                  <a:endParaRPr lang="es-ES"/>
+                </a:p>
+              </p:txBody>
+            </p:sp>
+            <p:sp>
+              <p:nvSpPr>
+                <p:cNvPr id="1043" name="Rectángulo 1042">
+                  <a:extLst>
+                    <a:ext uri="{FF2B5EF4-FFF2-40B4-BE49-F238E27FC236}">
+                      <a16:creationId xmlns:a16="http://schemas.microsoft.com/office/drawing/2014/main" id="{715A840A-34FA-1136-5AC4-E57B17683BF1}"/>
+                    </a:ext>
+                  </a:extLst>
+                </p:cNvPr>
+                <p:cNvSpPr/>
+                <p:nvPr/>
+              </p:nvSpPr>
+              <p:spPr>
+                <a:xfrm>
+                  <a:off x="3282953" y="3525100"/>
+                  <a:ext cx="133350" cy="83221"/>
+                </a:xfrm>
+                <a:prstGeom prst="rect">
+                  <a:avLst/>
+                </a:prstGeom>
+                <a:solidFill>
+                  <a:schemeClr val="bg1"/>
+                </a:solidFill>
+                <a:ln>
+                  <a:noFill/>
+                </a:ln>
+              </p:spPr>
+              <p:style>
+                <a:lnRef idx="2">
+                  <a:schemeClr val="accent1">
+                    <a:shade val="15000"/>
+                  </a:schemeClr>
+                </a:lnRef>
+                <a:fillRef idx="1">
+                  <a:schemeClr val="accent1"/>
+                </a:fillRef>
+                <a:effectRef idx="0">
+                  <a:schemeClr val="accent1"/>
+                </a:effectRef>
+                <a:fontRef idx="minor">
+                  <a:schemeClr val="lt1"/>
+                </a:fontRef>
+              </p:style>
+              <p:txBody>
+                <a:bodyPr rtlCol="0" anchor="ctr"/>
+                <a:lstStyle/>
+                <a:p>
+                  <a:pPr algn="ctr"/>
+                  <a:endParaRPr lang="es-ES"/>
+                </a:p>
+              </p:txBody>
+            </p:sp>
+          </p:grpSp>
+          <p:grpSp>
+            <p:nvGrpSpPr>
+              <p:cNvPr id="1076" name="Grupo 1075">
+                <a:extLst>
+                  <a:ext uri="{FF2B5EF4-FFF2-40B4-BE49-F238E27FC236}">
+                    <a16:creationId xmlns:a16="http://schemas.microsoft.com/office/drawing/2014/main" id="{F1644F4A-5D4B-FA8B-B50A-E0FE2AD13648}"/>
+                  </a:ext>
+                </a:extLst>
+              </p:cNvPr>
+              <p:cNvGrpSpPr/>
+              <p:nvPr/>
+            </p:nvGrpSpPr>
+            <p:grpSpPr>
+              <a:xfrm>
+                <a:off x="3362062" y="3085725"/>
+                <a:ext cx="462207" cy="416753"/>
+                <a:chOff x="2968385" y="3207509"/>
+                <a:chExt cx="462207" cy="416753"/>
+              </a:xfrm>
+            </p:grpSpPr>
+            <p:sp>
+              <p:nvSpPr>
+                <p:cNvPr id="1077" name="Rectángulo 1076">
+                  <a:extLst>
+                    <a:ext uri="{FF2B5EF4-FFF2-40B4-BE49-F238E27FC236}">
+                      <a16:creationId xmlns:a16="http://schemas.microsoft.com/office/drawing/2014/main" id="{F19B34AD-4643-AEAC-0BD7-D5BE0781589D}"/>
+                    </a:ext>
+                  </a:extLst>
+                </p:cNvPr>
+                <p:cNvSpPr/>
+                <p:nvPr/>
+              </p:nvSpPr>
+              <p:spPr>
+                <a:xfrm>
+                  <a:off x="2968385" y="3207509"/>
+                  <a:ext cx="462207" cy="416753"/>
+                </a:xfrm>
+                <a:prstGeom prst="rect">
+                  <a:avLst/>
+                </a:prstGeom>
+                <a:solidFill>
+                  <a:srgbClr val="FFDF00"/>
+                </a:solidFill>
+                <a:ln>
+                  <a:noFill/>
+                </a:ln>
+              </p:spPr>
+              <p:style>
+                <a:lnRef idx="2">
+                  <a:schemeClr val="accent1">
+                    <a:shade val="15000"/>
+                  </a:schemeClr>
+                </a:lnRef>
+                <a:fillRef idx="1">
+                  <a:schemeClr val="accent1"/>
+                </a:fillRef>
+                <a:effectRef idx="0">
+                  <a:schemeClr val="accent1"/>
+                </a:effectRef>
+                <a:fontRef idx="minor">
+                  <a:schemeClr val="lt1"/>
+                </a:fontRef>
+              </p:style>
+              <p:txBody>
+                <a:bodyPr rtlCol="0" anchor="ctr"/>
+                <a:lstStyle/>
+                <a:p>
+                  <a:pPr algn="ctr"/>
+                  <a:endParaRPr lang="es-ES"/>
+                </a:p>
+              </p:txBody>
+            </p:sp>
+            <p:sp>
+              <p:nvSpPr>
+                <p:cNvPr id="1082" name="Rectángulo 1081">
+                  <a:extLst>
+                    <a:ext uri="{FF2B5EF4-FFF2-40B4-BE49-F238E27FC236}">
+                      <a16:creationId xmlns:a16="http://schemas.microsoft.com/office/drawing/2014/main" id="{350776D7-4580-2003-3F49-222D59D423C5}"/>
+                    </a:ext>
+                  </a:extLst>
+                </p:cNvPr>
+                <p:cNvSpPr/>
+                <p:nvPr/>
+              </p:nvSpPr>
+              <p:spPr>
+                <a:xfrm>
+                  <a:off x="2986882" y="3325885"/>
+                  <a:ext cx="133350" cy="83221"/>
+                </a:xfrm>
+                <a:prstGeom prst="rect">
+                  <a:avLst/>
+                </a:prstGeom>
+                <a:solidFill>
+                  <a:schemeClr val="bg1"/>
+                </a:solidFill>
+                <a:ln>
+                  <a:noFill/>
+                </a:ln>
+              </p:spPr>
+              <p:style>
+                <a:lnRef idx="2">
+                  <a:schemeClr val="accent1">
+                    <a:shade val="15000"/>
+                  </a:schemeClr>
+                </a:lnRef>
+                <a:fillRef idx="1">
+                  <a:schemeClr val="accent1"/>
+                </a:fillRef>
+                <a:effectRef idx="0">
+                  <a:schemeClr val="accent1"/>
+                </a:effectRef>
+                <a:fontRef idx="minor">
+                  <a:schemeClr val="lt1"/>
+                </a:fontRef>
+              </p:style>
+              <p:txBody>
+                <a:bodyPr rtlCol="0" anchor="ctr"/>
+                <a:lstStyle/>
+                <a:p>
+                  <a:pPr algn="ctr"/>
+                  <a:endParaRPr lang="es-ES"/>
+                </a:p>
+              </p:txBody>
+            </p:sp>
+            <p:sp>
+              <p:nvSpPr>
+                <p:cNvPr id="1084" name="Rectángulo 1083">
+                  <a:extLst>
+                    <a:ext uri="{FF2B5EF4-FFF2-40B4-BE49-F238E27FC236}">
+                      <a16:creationId xmlns:a16="http://schemas.microsoft.com/office/drawing/2014/main" id="{55CECC0C-61B4-439D-F8BA-5F77A18BFFD2}"/>
+                    </a:ext>
+                  </a:extLst>
+                </p:cNvPr>
+                <p:cNvSpPr/>
+                <p:nvPr/>
+              </p:nvSpPr>
+              <p:spPr>
+                <a:xfrm>
+                  <a:off x="2986882" y="3425801"/>
+                  <a:ext cx="133350" cy="83221"/>
+                </a:xfrm>
+                <a:prstGeom prst="rect">
+                  <a:avLst/>
+                </a:prstGeom>
+                <a:solidFill>
+                  <a:schemeClr val="bg1"/>
+                </a:solidFill>
+                <a:ln>
+                  <a:noFill/>
+                </a:ln>
+              </p:spPr>
+              <p:style>
+                <a:lnRef idx="2">
+                  <a:schemeClr val="accent1">
+                    <a:shade val="15000"/>
+                  </a:schemeClr>
+                </a:lnRef>
+                <a:fillRef idx="1">
+                  <a:schemeClr val="accent1"/>
+                </a:fillRef>
+                <a:effectRef idx="0">
+                  <a:schemeClr val="accent1"/>
+                </a:effectRef>
+                <a:fontRef idx="minor">
+                  <a:schemeClr val="lt1"/>
+                </a:fontRef>
+              </p:style>
+              <p:txBody>
+                <a:bodyPr rtlCol="0" anchor="ctr"/>
+                <a:lstStyle/>
+                <a:p>
+                  <a:pPr algn="ctr"/>
+                  <a:endParaRPr lang="es-ES"/>
+                </a:p>
+              </p:txBody>
+            </p:sp>
+            <p:sp>
+              <p:nvSpPr>
+                <p:cNvPr id="1085" name="Rectángulo 1084">
+                  <a:extLst>
+                    <a:ext uri="{FF2B5EF4-FFF2-40B4-BE49-F238E27FC236}">
+                      <a16:creationId xmlns:a16="http://schemas.microsoft.com/office/drawing/2014/main" id="{A48E6B47-09AA-0CEA-0F20-F330E771C1E0}"/>
+                    </a:ext>
+                  </a:extLst>
+                </p:cNvPr>
+                <p:cNvSpPr/>
+                <p:nvPr/>
+              </p:nvSpPr>
+              <p:spPr>
+                <a:xfrm>
+                  <a:off x="3134918" y="3325885"/>
+                  <a:ext cx="133350" cy="83221"/>
+                </a:xfrm>
+                <a:prstGeom prst="rect">
+                  <a:avLst/>
+                </a:prstGeom>
+                <a:solidFill>
+                  <a:schemeClr val="bg1"/>
+                </a:solidFill>
+                <a:ln>
+                  <a:noFill/>
+                </a:ln>
+              </p:spPr>
+              <p:style>
+                <a:lnRef idx="2">
+                  <a:schemeClr val="accent1">
+                    <a:shade val="15000"/>
+                  </a:schemeClr>
+                </a:lnRef>
+                <a:fillRef idx="1">
+                  <a:schemeClr val="accent1"/>
+                </a:fillRef>
+                <a:effectRef idx="0">
+                  <a:schemeClr val="accent1"/>
+                </a:effectRef>
+                <a:fontRef idx="minor">
+                  <a:schemeClr val="lt1"/>
+                </a:fontRef>
+              </p:style>
+              <p:txBody>
+                <a:bodyPr rtlCol="0" anchor="ctr"/>
+                <a:lstStyle/>
+                <a:p>
+                  <a:pPr algn="ctr"/>
+                  <a:endParaRPr lang="es-ES"/>
+                </a:p>
+              </p:txBody>
+            </p:sp>
+            <p:sp>
+              <p:nvSpPr>
+                <p:cNvPr id="1108" name="Rectángulo 1107">
+                  <a:extLst>
+                    <a:ext uri="{FF2B5EF4-FFF2-40B4-BE49-F238E27FC236}">
+                      <a16:creationId xmlns:a16="http://schemas.microsoft.com/office/drawing/2014/main" id="{FBCB6127-67C5-B2F5-F60E-2EAB15085288}"/>
+                    </a:ext>
+                  </a:extLst>
+                </p:cNvPr>
+                <p:cNvSpPr/>
+                <p:nvPr/>
+              </p:nvSpPr>
+              <p:spPr>
+                <a:xfrm>
+                  <a:off x="3134918" y="3425801"/>
+                  <a:ext cx="133350" cy="83221"/>
+                </a:xfrm>
+                <a:prstGeom prst="rect">
+                  <a:avLst/>
+                </a:prstGeom>
+                <a:solidFill>
+                  <a:schemeClr val="bg1"/>
+                </a:solidFill>
+                <a:ln>
+                  <a:noFill/>
+                </a:ln>
+              </p:spPr>
+              <p:style>
+                <a:lnRef idx="2">
+                  <a:schemeClr val="accent1">
+                    <a:shade val="15000"/>
+                  </a:schemeClr>
+                </a:lnRef>
+                <a:fillRef idx="1">
+                  <a:schemeClr val="accent1"/>
+                </a:fillRef>
+                <a:effectRef idx="0">
+                  <a:schemeClr val="accent1"/>
+                </a:effectRef>
+                <a:fontRef idx="minor">
+                  <a:schemeClr val="lt1"/>
+                </a:fontRef>
+              </p:style>
+              <p:txBody>
+                <a:bodyPr rtlCol="0" anchor="ctr"/>
+                <a:lstStyle/>
+                <a:p>
+                  <a:pPr algn="ctr"/>
+                  <a:endParaRPr lang="es-ES"/>
+                </a:p>
+              </p:txBody>
+            </p:sp>
+            <p:sp>
+              <p:nvSpPr>
+                <p:cNvPr id="1109" name="Rectángulo 1108">
+                  <a:extLst>
+                    <a:ext uri="{FF2B5EF4-FFF2-40B4-BE49-F238E27FC236}">
+                      <a16:creationId xmlns:a16="http://schemas.microsoft.com/office/drawing/2014/main" id="{15DF868F-0B03-DA03-181A-025A488C35AD}"/>
+                    </a:ext>
+                  </a:extLst>
+                </p:cNvPr>
+                <p:cNvSpPr/>
+                <p:nvPr/>
+              </p:nvSpPr>
+              <p:spPr>
+                <a:xfrm>
+                  <a:off x="3282953" y="3325885"/>
+                  <a:ext cx="133350" cy="83221"/>
+                </a:xfrm>
+                <a:prstGeom prst="rect">
+                  <a:avLst/>
+                </a:prstGeom>
+                <a:solidFill>
+                  <a:schemeClr val="bg1"/>
+                </a:solidFill>
+                <a:ln>
+                  <a:noFill/>
+                </a:ln>
+              </p:spPr>
+              <p:style>
+                <a:lnRef idx="2">
+                  <a:schemeClr val="accent1">
+                    <a:shade val="15000"/>
+                  </a:schemeClr>
+                </a:lnRef>
+                <a:fillRef idx="1">
+                  <a:schemeClr val="accent1"/>
+                </a:fillRef>
+                <a:effectRef idx="0">
+                  <a:schemeClr val="accent1"/>
+                </a:effectRef>
+                <a:fontRef idx="minor">
+                  <a:schemeClr val="lt1"/>
+                </a:fontRef>
+              </p:style>
+              <p:txBody>
+                <a:bodyPr rtlCol="0" anchor="ctr"/>
+                <a:lstStyle/>
+                <a:p>
+                  <a:pPr algn="ctr"/>
+                  <a:endParaRPr lang="es-ES"/>
+                </a:p>
+              </p:txBody>
+            </p:sp>
+            <p:sp>
+              <p:nvSpPr>
+                <p:cNvPr id="1113" name="Rectángulo 1112">
+                  <a:extLst>
+                    <a:ext uri="{FF2B5EF4-FFF2-40B4-BE49-F238E27FC236}">
+                      <a16:creationId xmlns:a16="http://schemas.microsoft.com/office/drawing/2014/main" id="{CBAEF046-9B44-E23C-6DDF-E35866BAC730}"/>
+                    </a:ext>
+                  </a:extLst>
+                </p:cNvPr>
+                <p:cNvSpPr/>
+                <p:nvPr/>
+              </p:nvSpPr>
+              <p:spPr>
+                <a:xfrm>
+                  <a:off x="3282953" y="3425801"/>
+                  <a:ext cx="133350" cy="83221"/>
+                </a:xfrm>
+                <a:prstGeom prst="rect">
+                  <a:avLst/>
+                </a:prstGeom>
+                <a:solidFill>
+                  <a:schemeClr val="bg1"/>
+                </a:solidFill>
+                <a:ln>
+                  <a:noFill/>
+                </a:ln>
+              </p:spPr>
+              <p:style>
+                <a:lnRef idx="2">
+                  <a:schemeClr val="accent1">
+                    <a:shade val="15000"/>
+                  </a:schemeClr>
+                </a:lnRef>
+                <a:fillRef idx="1">
+                  <a:schemeClr val="accent1"/>
+                </a:fillRef>
+                <a:effectRef idx="0">
+                  <a:schemeClr val="accent1"/>
+                </a:effectRef>
+                <a:fontRef idx="minor">
+                  <a:schemeClr val="lt1"/>
+                </a:fontRef>
+              </p:style>
+              <p:txBody>
+                <a:bodyPr rtlCol="0" anchor="ctr"/>
+                <a:lstStyle/>
+                <a:p>
+                  <a:pPr algn="ctr"/>
+                  <a:endParaRPr lang="es-ES"/>
+                </a:p>
+              </p:txBody>
+            </p:sp>
+            <p:sp>
+              <p:nvSpPr>
+                <p:cNvPr id="1115" name="Rectángulo 1114">
+                  <a:extLst>
+                    <a:ext uri="{FF2B5EF4-FFF2-40B4-BE49-F238E27FC236}">
+                      <a16:creationId xmlns:a16="http://schemas.microsoft.com/office/drawing/2014/main" id="{2F5629B2-B524-46D9-AEAE-DCB122F09ACE}"/>
+                    </a:ext>
+                  </a:extLst>
+                </p:cNvPr>
+                <p:cNvSpPr/>
+                <p:nvPr/>
+              </p:nvSpPr>
+              <p:spPr>
+                <a:xfrm>
+                  <a:off x="2986882" y="3525100"/>
+                  <a:ext cx="133350" cy="83221"/>
+                </a:xfrm>
+                <a:prstGeom prst="rect">
+                  <a:avLst/>
+                </a:prstGeom>
+                <a:solidFill>
+                  <a:schemeClr val="bg1"/>
+                </a:solidFill>
+                <a:ln>
+                  <a:noFill/>
+                </a:ln>
+              </p:spPr>
+              <p:style>
+                <a:lnRef idx="2">
+                  <a:schemeClr val="accent1">
+                    <a:shade val="15000"/>
+                  </a:schemeClr>
+                </a:lnRef>
+                <a:fillRef idx="1">
+                  <a:schemeClr val="accent1"/>
+                </a:fillRef>
+                <a:effectRef idx="0">
+                  <a:schemeClr val="accent1"/>
+                </a:effectRef>
+                <a:fontRef idx="minor">
+                  <a:schemeClr val="lt1"/>
+                </a:fontRef>
+              </p:style>
+              <p:txBody>
+                <a:bodyPr rtlCol="0" anchor="ctr"/>
+                <a:lstStyle/>
+                <a:p>
+                  <a:pPr algn="ctr"/>
+                  <a:endParaRPr lang="es-ES"/>
+                </a:p>
+              </p:txBody>
+            </p:sp>
+            <p:sp>
+              <p:nvSpPr>
+                <p:cNvPr id="1117" name="Rectángulo 1116">
+                  <a:extLst>
+                    <a:ext uri="{FF2B5EF4-FFF2-40B4-BE49-F238E27FC236}">
+                      <a16:creationId xmlns:a16="http://schemas.microsoft.com/office/drawing/2014/main" id="{BAE197D3-F10F-F677-0BA6-85587A898263}"/>
+                    </a:ext>
+                  </a:extLst>
+                </p:cNvPr>
+                <p:cNvSpPr/>
+                <p:nvPr/>
+              </p:nvSpPr>
+              <p:spPr>
+                <a:xfrm>
+                  <a:off x="3134918" y="3525100"/>
+                  <a:ext cx="133350" cy="83221"/>
+                </a:xfrm>
+                <a:prstGeom prst="rect">
+                  <a:avLst/>
+                </a:prstGeom>
+                <a:solidFill>
+                  <a:schemeClr val="bg1"/>
+                </a:solidFill>
+                <a:ln>
+                  <a:noFill/>
+                </a:ln>
+              </p:spPr>
+              <p:style>
+                <a:lnRef idx="2">
+                  <a:schemeClr val="accent1">
+                    <a:shade val="15000"/>
+                  </a:schemeClr>
+                </a:lnRef>
+                <a:fillRef idx="1">
+                  <a:schemeClr val="accent1"/>
+                </a:fillRef>
+                <a:effectRef idx="0">
+                  <a:schemeClr val="accent1"/>
+                </a:effectRef>
+                <a:fontRef idx="minor">
+                  <a:schemeClr val="lt1"/>
+                </a:fontRef>
+              </p:style>
+              <p:txBody>
+                <a:bodyPr rtlCol="0" anchor="ctr"/>
+                <a:lstStyle/>
+                <a:p>
+                  <a:pPr algn="ctr"/>
+                  <a:endParaRPr lang="es-ES"/>
+                </a:p>
+              </p:txBody>
+            </p:sp>
+            <p:sp>
+              <p:nvSpPr>
+                <p:cNvPr id="1122" name="Rectángulo 1121">
+                  <a:extLst>
+                    <a:ext uri="{FF2B5EF4-FFF2-40B4-BE49-F238E27FC236}">
+                      <a16:creationId xmlns:a16="http://schemas.microsoft.com/office/drawing/2014/main" id="{EFABF683-186B-68B3-D5F6-46F54A519D24}"/>
+                    </a:ext>
+                  </a:extLst>
+                </p:cNvPr>
+                <p:cNvSpPr/>
+                <p:nvPr/>
+              </p:nvSpPr>
+              <p:spPr>
+                <a:xfrm>
+                  <a:off x="3282953" y="3525100"/>
+                  <a:ext cx="133350" cy="83221"/>
+                </a:xfrm>
+                <a:prstGeom prst="rect">
+                  <a:avLst/>
+                </a:prstGeom>
+                <a:solidFill>
+                  <a:schemeClr val="bg1"/>
+                </a:solidFill>
+                <a:ln>
+                  <a:noFill/>
+                </a:ln>
+              </p:spPr>
+              <p:style>
+                <a:lnRef idx="2">
+                  <a:schemeClr val="accent1">
+                    <a:shade val="15000"/>
+                  </a:schemeClr>
+                </a:lnRef>
+                <a:fillRef idx="1">
+                  <a:schemeClr val="accent1"/>
+                </a:fillRef>
+                <a:effectRef idx="0">
+                  <a:schemeClr val="accent1"/>
+                </a:effectRef>
+                <a:fontRef idx="minor">
+                  <a:schemeClr val="lt1"/>
+                </a:fontRef>
+              </p:style>
+              <p:txBody>
+                <a:bodyPr rtlCol="0" anchor="ctr"/>
+                <a:lstStyle/>
+                <a:p>
+                  <a:pPr algn="ctr"/>
+                  <a:endParaRPr lang="es-ES"/>
+                </a:p>
+              </p:txBody>
+            </p:sp>
+          </p:grpSp>
+          <p:grpSp>
+            <p:nvGrpSpPr>
+              <p:cNvPr id="1123" name="Grupo 1122">
+                <a:extLst>
+                  <a:ext uri="{FF2B5EF4-FFF2-40B4-BE49-F238E27FC236}">
+                    <a16:creationId xmlns:a16="http://schemas.microsoft.com/office/drawing/2014/main" id="{9713DCDD-AA8B-877B-F2C4-F38B3F74AD89}"/>
+                  </a:ext>
+                </a:extLst>
+              </p:cNvPr>
+              <p:cNvGrpSpPr/>
+              <p:nvPr/>
+            </p:nvGrpSpPr>
+            <p:grpSpPr>
+              <a:xfrm>
+                <a:off x="3105522" y="3004325"/>
+                <a:ext cx="462207" cy="416753"/>
+                <a:chOff x="2968385" y="3207509"/>
+                <a:chExt cx="462207" cy="416753"/>
+              </a:xfrm>
+            </p:grpSpPr>
+            <p:sp>
+              <p:nvSpPr>
+                <p:cNvPr id="1124" name="Rectángulo 1123">
+                  <a:extLst>
+                    <a:ext uri="{FF2B5EF4-FFF2-40B4-BE49-F238E27FC236}">
+                      <a16:creationId xmlns:a16="http://schemas.microsoft.com/office/drawing/2014/main" id="{0971BED8-BA01-DC90-576D-D93C1647B7C5}"/>
+                    </a:ext>
+                  </a:extLst>
+                </p:cNvPr>
+                <p:cNvSpPr/>
+                <p:nvPr/>
+              </p:nvSpPr>
+              <p:spPr>
+                <a:xfrm>
+                  <a:off x="2968385" y="3207509"/>
+                  <a:ext cx="462207" cy="416753"/>
+                </a:xfrm>
+                <a:prstGeom prst="rect">
+                  <a:avLst/>
+                </a:prstGeom>
+                <a:solidFill>
+                  <a:schemeClr val="accent2"/>
+                </a:solidFill>
+                <a:ln>
+                  <a:noFill/>
+                </a:ln>
+              </p:spPr>
+              <p:style>
+                <a:lnRef idx="2">
+                  <a:schemeClr val="accent1">
+                    <a:shade val="15000"/>
+                  </a:schemeClr>
+                </a:lnRef>
+                <a:fillRef idx="1">
+                  <a:schemeClr val="accent1"/>
+                </a:fillRef>
+                <a:effectRef idx="0">
+                  <a:schemeClr val="accent1"/>
+                </a:effectRef>
+                <a:fontRef idx="minor">
+                  <a:schemeClr val="lt1"/>
+                </a:fontRef>
+              </p:style>
+              <p:txBody>
+                <a:bodyPr rtlCol="0" anchor="ctr"/>
+                <a:lstStyle/>
+                <a:p>
+                  <a:pPr algn="ctr"/>
+                  <a:endParaRPr lang="es-ES"/>
+                </a:p>
+              </p:txBody>
+            </p:sp>
+            <p:sp>
+              <p:nvSpPr>
+                <p:cNvPr id="1125" name="Rectángulo 1124">
+                  <a:extLst>
+                    <a:ext uri="{FF2B5EF4-FFF2-40B4-BE49-F238E27FC236}">
+                      <a16:creationId xmlns:a16="http://schemas.microsoft.com/office/drawing/2014/main" id="{C734F1BD-67E4-71E9-59E1-F9D12A246754}"/>
+                    </a:ext>
+                  </a:extLst>
+                </p:cNvPr>
+                <p:cNvSpPr/>
+                <p:nvPr/>
+              </p:nvSpPr>
+              <p:spPr>
+                <a:xfrm>
+                  <a:off x="2986882" y="3325885"/>
+                  <a:ext cx="133350" cy="83221"/>
+                </a:xfrm>
+                <a:prstGeom prst="rect">
+                  <a:avLst/>
+                </a:prstGeom>
+                <a:solidFill>
+                  <a:schemeClr val="bg1"/>
+                </a:solidFill>
+                <a:ln>
+                  <a:noFill/>
+                </a:ln>
+              </p:spPr>
+              <p:style>
+                <a:lnRef idx="2">
+                  <a:schemeClr val="accent1">
+                    <a:shade val="15000"/>
+                  </a:schemeClr>
+                </a:lnRef>
+                <a:fillRef idx="1">
+                  <a:schemeClr val="accent1"/>
+                </a:fillRef>
+                <a:effectRef idx="0">
+                  <a:schemeClr val="accent1"/>
+                </a:effectRef>
+                <a:fontRef idx="minor">
+                  <a:schemeClr val="lt1"/>
+                </a:fontRef>
+              </p:style>
+              <p:txBody>
+                <a:bodyPr rtlCol="0" anchor="ctr"/>
+                <a:lstStyle/>
+                <a:p>
+                  <a:pPr algn="ctr"/>
+                  <a:endParaRPr lang="es-ES"/>
+                </a:p>
+              </p:txBody>
+            </p:sp>
+            <p:sp>
+              <p:nvSpPr>
+                <p:cNvPr id="1126" name="Rectángulo 1125">
+                  <a:extLst>
+                    <a:ext uri="{FF2B5EF4-FFF2-40B4-BE49-F238E27FC236}">
+                      <a16:creationId xmlns:a16="http://schemas.microsoft.com/office/drawing/2014/main" id="{FE2B0D5F-9F65-C37E-E3D1-42F3690FF743}"/>
+                    </a:ext>
+                  </a:extLst>
+                </p:cNvPr>
+                <p:cNvSpPr/>
+                <p:nvPr/>
+              </p:nvSpPr>
+              <p:spPr>
+                <a:xfrm>
+                  <a:off x="2986882" y="3425801"/>
+                  <a:ext cx="133350" cy="83221"/>
+                </a:xfrm>
+                <a:prstGeom prst="rect">
+                  <a:avLst/>
+                </a:prstGeom>
+                <a:solidFill>
+                  <a:schemeClr val="bg1"/>
+                </a:solidFill>
+                <a:ln>
+                  <a:noFill/>
+                </a:ln>
+              </p:spPr>
+              <p:style>
+                <a:lnRef idx="2">
+                  <a:schemeClr val="accent1">
+                    <a:shade val="15000"/>
+                  </a:schemeClr>
+                </a:lnRef>
+                <a:fillRef idx="1">
+                  <a:schemeClr val="accent1"/>
+                </a:fillRef>
+                <a:effectRef idx="0">
+                  <a:schemeClr val="accent1"/>
+                </a:effectRef>
+                <a:fontRef idx="minor">
+                  <a:schemeClr val="lt1"/>
+                </a:fontRef>
+              </p:style>
+              <p:txBody>
+                <a:bodyPr rtlCol="0" anchor="ctr"/>
+                <a:lstStyle/>
+                <a:p>
+                  <a:pPr algn="ctr"/>
+                  <a:endParaRPr lang="es-ES"/>
+                </a:p>
+              </p:txBody>
+            </p:sp>
+            <p:sp>
+              <p:nvSpPr>
+                <p:cNvPr id="1127" name="Rectángulo 1126">
+                  <a:extLst>
+                    <a:ext uri="{FF2B5EF4-FFF2-40B4-BE49-F238E27FC236}">
+                      <a16:creationId xmlns:a16="http://schemas.microsoft.com/office/drawing/2014/main" id="{BD6724A9-D626-8059-772C-B97E6F8C1691}"/>
+                    </a:ext>
+                  </a:extLst>
+                </p:cNvPr>
+                <p:cNvSpPr/>
+                <p:nvPr/>
+              </p:nvSpPr>
+              <p:spPr>
+                <a:xfrm>
+                  <a:off x="3134918" y="3325885"/>
+                  <a:ext cx="133350" cy="83221"/>
+                </a:xfrm>
+                <a:prstGeom prst="rect">
+                  <a:avLst/>
+                </a:prstGeom>
+                <a:solidFill>
+                  <a:schemeClr val="bg1"/>
+                </a:solidFill>
+                <a:ln>
+                  <a:noFill/>
+                </a:ln>
+              </p:spPr>
+              <p:style>
+                <a:lnRef idx="2">
+                  <a:schemeClr val="accent1">
+                    <a:shade val="15000"/>
+                  </a:schemeClr>
+                </a:lnRef>
+                <a:fillRef idx="1">
+                  <a:schemeClr val="accent1"/>
+                </a:fillRef>
+                <a:effectRef idx="0">
+                  <a:schemeClr val="accent1"/>
+                </a:effectRef>
+                <a:fontRef idx="minor">
+                  <a:schemeClr val="lt1"/>
+                </a:fontRef>
+              </p:style>
+              <p:txBody>
+                <a:bodyPr rtlCol="0" anchor="ctr"/>
+                <a:lstStyle/>
+                <a:p>
+                  <a:pPr algn="ctr"/>
+                  <a:endParaRPr lang="es-ES"/>
+                </a:p>
+              </p:txBody>
+            </p:sp>
+            <p:sp>
+              <p:nvSpPr>
+                <p:cNvPr id="1128" name="Rectángulo 1127">
+                  <a:extLst>
+                    <a:ext uri="{FF2B5EF4-FFF2-40B4-BE49-F238E27FC236}">
+                      <a16:creationId xmlns:a16="http://schemas.microsoft.com/office/drawing/2014/main" id="{39DB424B-0569-2705-D50E-A8C6F360BC8E}"/>
+                    </a:ext>
+                  </a:extLst>
+                </p:cNvPr>
+                <p:cNvSpPr/>
+                <p:nvPr/>
+              </p:nvSpPr>
+              <p:spPr>
+                <a:xfrm>
+                  <a:off x="3134918" y="3425801"/>
+                  <a:ext cx="133350" cy="83221"/>
+                </a:xfrm>
+                <a:prstGeom prst="rect">
+                  <a:avLst/>
+                </a:prstGeom>
+                <a:solidFill>
+                  <a:schemeClr val="bg1"/>
+                </a:solidFill>
+                <a:ln>
+                  <a:noFill/>
+                </a:ln>
+              </p:spPr>
+              <p:style>
+                <a:lnRef idx="2">
+                  <a:schemeClr val="accent1">
+                    <a:shade val="15000"/>
+                  </a:schemeClr>
+                </a:lnRef>
+                <a:fillRef idx="1">
+                  <a:schemeClr val="accent1"/>
+                </a:fillRef>
+                <a:effectRef idx="0">
+                  <a:schemeClr val="accent1"/>
+                </a:effectRef>
+                <a:fontRef idx="minor">
+                  <a:schemeClr val="lt1"/>
+                </a:fontRef>
+              </p:style>
+              <p:txBody>
+                <a:bodyPr rtlCol="0" anchor="ctr"/>
+                <a:lstStyle/>
+                <a:p>
+                  <a:pPr algn="ctr"/>
+                  <a:endParaRPr lang="es-ES"/>
+                </a:p>
+              </p:txBody>
+            </p:sp>
+            <p:sp>
+              <p:nvSpPr>
+                <p:cNvPr id="1129" name="Rectángulo 1128">
+                  <a:extLst>
+                    <a:ext uri="{FF2B5EF4-FFF2-40B4-BE49-F238E27FC236}">
+                      <a16:creationId xmlns:a16="http://schemas.microsoft.com/office/drawing/2014/main" id="{8378AB81-2149-542B-B0E1-116604FFCD0E}"/>
+                    </a:ext>
+                  </a:extLst>
+                </p:cNvPr>
+                <p:cNvSpPr/>
+                <p:nvPr/>
+              </p:nvSpPr>
+              <p:spPr>
+                <a:xfrm>
+                  <a:off x="3282953" y="3325885"/>
+                  <a:ext cx="133350" cy="83221"/>
+                </a:xfrm>
+                <a:prstGeom prst="rect">
+                  <a:avLst/>
+                </a:prstGeom>
+                <a:solidFill>
+                  <a:schemeClr val="bg1"/>
+                </a:solidFill>
+                <a:ln>
+                  <a:noFill/>
+                </a:ln>
+              </p:spPr>
+              <p:style>
+                <a:lnRef idx="2">
+                  <a:schemeClr val="accent1">
+                    <a:shade val="15000"/>
+                  </a:schemeClr>
+                </a:lnRef>
+                <a:fillRef idx="1">
+                  <a:schemeClr val="accent1"/>
+                </a:fillRef>
+                <a:effectRef idx="0">
+                  <a:schemeClr val="accent1"/>
+                </a:effectRef>
+                <a:fontRef idx="minor">
+                  <a:schemeClr val="lt1"/>
+                </a:fontRef>
+              </p:style>
+              <p:txBody>
+                <a:bodyPr rtlCol="0" anchor="ctr"/>
+                <a:lstStyle/>
+                <a:p>
+                  <a:pPr algn="ctr"/>
+                  <a:endParaRPr lang="es-ES"/>
+                </a:p>
+              </p:txBody>
+            </p:sp>
+            <p:sp>
+              <p:nvSpPr>
+                <p:cNvPr id="1130" name="Rectángulo 1129">
+                  <a:extLst>
+                    <a:ext uri="{FF2B5EF4-FFF2-40B4-BE49-F238E27FC236}">
+                      <a16:creationId xmlns:a16="http://schemas.microsoft.com/office/drawing/2014/main" id="{F82700BA-7C24-F057-CF38-BA8692DC1B71}"/>
+                    </a:ext>
+                  </a:extLst>
+                </p:cNvPr>
+                <p:cNvSpPr/>
+                <p:nvPr/>
+              </p:nvSpPr>
+              <p:spPr>
+                <a:xfrm>
+                  <a:off x="3282953" y="3425801"/>
+                  <a:ext cx="133350" cy="83221"/>
+                </a:xfrm>
+                <a:prstGeom prst="rect">
+                  <a:avLst/>
+                </a:prstGeom>
+                <a:solidFill>
+                  <a:schemeClr val="bg1"/>
+                </a:solidFill>
+                <a:ln>
+                  <a:noFill/>
+                </a:ln>
+              </p:spPr>
+              <p:style>
+                <a:lnRef idx="2">
+                  <a:schemeClr val="accent1">
+                    <a:shade val="15000"/>
+                  </a:schemeClr>
+                </a:lnRef>
+                <a:fillRef idx="1">
+                  <a:schemeClr val="accent1"/>
+                </a:fillRef>
+                <a:effectRef idx="0">
+                  <a:schemeClr val="accent1"/>
+                </a:effectRef>
+                <a:fontRef idx="minor">
+                  <a:schemeClr val="lt1"/>
+                </a:fontRef>
+              </p:style>
+              <p:txBody>
+                <a:bodyPr rtlCol="0" anchor="ctr"/>
+                <a:lstStyle/>
+                <a:p>
+                  <a:pPr algn="ctr"/>
+                  <a:endParaRPr lang="es-ES"/>
+                </a:p>
+              </p:txBody>
+            </p:sp>
+            <p:sp>
+              <p:nvSpPr>
+                <p:cNvPr id="1131" name="Rectángulo 1130">
+                  <a:extLst>
+                    <a:ext uri="{FF2B5EF4-FFF2-40B4-BE49-F238E27FC236}">
+                      <a16:creationId xmlns:a16="http://schemas.microsoft.com/office/drawing/2014/main" id="{AD230283-D1B0-968E-A7C0-9E5CA1CDFA27}"/>
+                    </a:ext>
+                  </a:extLst>
+                </p:cNvPr>
+                <p:cNvSpPr/>
+                <p:nvPr/>
+              </p:nvSpPr>
+              <p:spPr>
+                <a:xfrm>
+                  <a:off x="2986882" y="3525100"/>
+                  <a:ext cx="133350" cy="83221"/>
+                </a:xfrm>
+                <a:prstGeom prst="rect">
+                  <a:avLst/>
+                </a:prstGeom>
+                <a:solidFill>
+                  <a:schemeClr val="bg1"/>
+                </a:solidFill>
+                <a:ln>
+                  <a:noFill/>
+                </a:ln>
+              </p:spPr>
+              <p:style>
+                <a:lnRef idx="2">
+                  <a:schemeClr val="accent1">
+                    <a:shade val="15000"/>
+                  </a:schemeClr>
+                </a:lnRef>
+                <a:fillRef idx="1">
+                  <a:schemeClr val="accent1"/>
+                </a:fillRef>
+                <a:effectRef idx="0">
+                  <a:schemeClr val="accent1"/>
+                </a:effectRef>
+                <a:fontRef idx="minor">
+                  <a:schemeClr val="lt1"/>
+                </a:fontRef>
+              </p:style>
+              <p:txBody>
+                <a:bodyPr rtlCol="0" anchor="ctr"/>
+                <a:lstStyle/>
+                <a:p>
+                  <a:pPr algn="ctr"/>
+                  <a:endParaRPr lang="es-ES"/>
+                </a:p>
+              </p:txBody>
+            </p:sp>
+            <p:sp>
+              <p:nvSpPr>
+                <p:cNvPr id="1132" name="Rectángulo 1131">
+                  <a:extLst>
+                    <a:ext uri="{FF2B5EF4-FFF2-40B4-BE49-F238E27FC236}">
+                      <a16:creationId xmlns:a16="http://schemas.microsoft.com/office/drawing/2014/main" id="{3D4722E6-57D3-5D3A-7720-F053B082CD93}"/>
+                    </a:ext>
+                  </a:extLst>
+                </p:cNvPr>
+                <p:cNvSpPr/>
+                <p:nvPr/>
+              </p:nvSpPr>
+              <p:spPr>
+                <a:xfrm>
+                  <a:off x="3134918" y="3525100"/>
+                  <a:ext cx="133350" cy="83221"/>
+                </a:xfrm>
+                <a:prstGeom prst="rect">
+                  <a:avLst/>
+                </a:prstGeom>
+                <a:solidFill>
+                  <a:schemeClr val="bg1"/>
+                </a:solidFill>
+                <a:ln>
+                  <a:noFill/>
+                </a:ln>
+              </p:spPr>
+              <p:style>
+                <a:lnRef idx="2">
+                  <a:schemeClr val="accent1">
+                    <a:shade val="15000"/>
+                  </a:schemeClr>
+                </a:lnRef>
+                <a:fillRef idx="1">
+                  <a:schemeClr val="accent1"/>
+                </a:fillRef>
+                <a:effectRef idx="0">
+                  <a:schemeClr val="accent1"/>
+                </a:effectRef>
+                <a:fontRef idx="minor">
+                  <a:schemeClr val="lt1"/>
+                </a:fontRef>
+              </p:style>
+              <p:txBody>
+                <a:bodyPr rtlCol="0" anchor="ctr"/>
+                <a:lstStyle/>
+                <a:p>
+                  <a:pPr algn="ctr"/>
+                  <a:endParaRPr lang="es-ES"/>
+                </a:p>
+              </p:txBody>
+            </p:sp>
+            <p:sp>
+              <p:nvSpPr>
+                <p:cNvPr id="1133" name="Rectángulo 1132">
+                  <a:extLst>
+                    <a:ext uri="{FF2B5EF4-FFF2-40B4-BE49-F238E27FC236}">
+                      <a16:creationId xmlns:a16="http://schemas.microsoft.com/office/drawing/2014/main" id="{2A447496-CAF4-0E7E-5300-6BF75E377624}"/>
+                    </a:ext>
+                  </a:extLst>
+                </p:cNvPr>
+                <p:cNvSpPr/>
+                <p:nvPr/>
+              </p:nvSpPr>
+              <p:spPr>
+                <a:xfrm>
+                  <a:off x="3282953" y="3525100"/>
+                  <a:ext cx="133350" cy="83221"/>
+                </a:xfrm>
+                <a:prstGeom prst="rect">
+                  <a:avLst/>
+                </a:prstGeom>
+                <a:solidFill>
+                  <a:schemeClr val="bg1"/>
+                </a:solidFill>
+                <a:ln>
+                  <a:noFill/>
+                </a:ln>
+              </p:spPr>
+              <p:style>
+                <a:lnRef idx="2">
+                  <a:schemeClr val="accent1">
+                    <a:shade val="15000"/>
+                  </a:schemeClr>
+                </a:lnRef>
+                <a:fillRef idx="1">
+                  <a:schemeClr val="accent1"/>
+                </a:fillRef>
+                <a:effectRef idx="0">
+                  <a:schemeClr val="accent1"/>
+                </a:effectRef>
+                <a:fontRef idx="minor">
+                  <a:schemeClr val="lt1"/>
+                </a:fontRef>
+              </p:style>
+              <p:txBody>
+                <a:bodyPr rtlCol="0" anchor="ctr"/>
+                <a:lstStyle/>
+                <a:p>
+                  <a:pPr algn="ctr"/>
+                  <a:endParaRPr lang="es-ES"/>
+                </a:p>
+              </p:txBody>
+            </p:sp>
+          </p:grpSp>
+        </p:grpSp>
+        <p:sp>
+          <p:nvSpPr>
+            <p:cNvPr id="1134" name="Cilindro 1133">
+              <a:extLst>
+                <a:ext uri="{FF2B5EF4-FFF2-40B4-BE49-F238E27FC236}">
+                  <a16:creationId xmlns:a16="http://schemas.microsoft.com/office/drawing/2014/main" id="{05EBD23E-8C5C-CFE2-538B-3E2EF4CA5724}"/>
+                </a:ext>
+              </a:extLst>
+            </p:cNvPr>
+            <p:cNvSpPr/>
+            <p:nvPr/>
+          </p:nvSpPr>
+          <p:spPr>
+            <a:xfrm>
+              <a:off x="4417557" y="2853803"/>
+              <a:ext cx="1278686" cy="1348496"/>
+            </a:xfrm>
+            <a:prstGeom prst="can">
+              <a:avLst/>
+            </a:prstGeom>
+            <a:noFill/>
+            <a:ln>
+              <a:solidFill>
+                <a:schemeClr val="accent1"/>
+              </a:solidFill>
+            </a:ln>
+          </p:spPr>
+          <p:style>
+            <a:lnRef idx="0">
+              <a:schemeClr val="accent1"/>
+            </a:lnRef>
+            <a:fillRef idx="3">
+              <a:schemeClr val="accent1"/>
+            </a:fillRef>
+            <a:effectRef idx="3">
+              <a:schemeClr val="accent1"/>
+            </a:effectRef>
+            <a:fontRef idx="minor">
+              <a:schemeClr val="lt1"/>
+            </a:fontRef>
+          </p:style>
+          <p:txBody>
+            <a:bodyPr rtlCol="0" anchor="ctr"/>
+            <a:lstStyle/>
+            <a:p>
+              <a:pPr algn="ctr"/>
+              <a:endParaRPr lang="es-ES" sz="1600" dirty="0">
+                <a:solidFill>
+                  <a:schemeClr val="tx2"/>
+                </a:solidFill>
+              </a:endParaRPr>
+            </a:p>
+          </p:txBody>
+        </p:sp>
+        <p:sp>
+          <p:nvSpPr>
+            <p:cNvPr id="1136" name="CuadroTexto 1135">
+              <a:extLst>
+                <a:ext uri="{FF2B5EF4-FFF2-40B4-BE49-F238E27FC236}">
+                  <a16:creationId xmlns:a16="http://schemas.microsoft.com/office/drawing/2014/main" id="{5B52911C-3C1C-A3F2-2CBE-C1A54D646127}"/>
+                </a:ext>
+              </a:extLst>
+            </p:cNvPr>
+            <p:cNvSpPr txBox="1"/>
+            <p:nvPr/>
+          </p:nvSpPr>
+          <p:spPr>
+            <a:xfrm>
+              <a:off x="4417557" y="2867155"/>
+              <a:ext cx="1278686" cy="261610"/>
+            </a:xfrm>
+            <a:prstGeom prst="rect">
+              <a:avLst/>
+            </a:prstGeom>
+            <a:noFill/>
+            <a:effectLst>
+              <a:outerShdw blurRad="50800" dist="38100" dir="2700000" algn="tl" rotWithShape="0">
+                <a:prstClr val="black">
+                  <a:alpha val="40000"/>
+                </a:prstClr>
+              </a:outerShdw>
+            </a:effectLst>
+          </p:spPr>
+          <p:txBody>
+            <a:bodyPr wrap="square" rtlCol="0">
+              <a:spAutoFit/>
+            </a:bodyPr>
+            <a:lstStyle/>
+            <a:p>
+              <a:pPr algn="ctr"/>
+              <a:r>
+                <a:rPr lang="es-ES" sz="1100" dirty="0">
+                  <a:solidFill>
+                    <a:schemeClr val="tx2"/>
+                  </a:solidFill>
+                </a:rPr>
+                <a:t>Base de Datos</a:t>
+              </a:r>
+            </a:p>
+          </p:txBody>
+        </p:sp>
+      </p:grpSp>
+      <p:cxnSp>
+        <p:nvCxnSpPr>
+          <p:cNvPr id="1140" name="Conector recto de flecha 1139">
+            <a:extLst>
+              <a:ext uri="{FF2B5EF4-FFF2-40B4-BE49-F238E27FC236}">
+                <a16:creationId xmlns:a16="http://schemas.microsoft.com/office/drawing/2014/main" id="{647BC005-6255-EA5F-5CDD-B5F69E055FC4}"/>
+              </a:ext>
+            </a:extLst>
+          </p:cNvPr>
+          <p:cNvCxnSpPr>
+            <a:cxnSpLocks/>
+          </p:cNvCxnSpPr>
+          <p:nvPr/>
+        </p:nvCxnSpPr>
+        <p:spPr>
+          <a:xfrm>
+            <a:off x="3409443" y="4728298"/>
+            <a:ext cx="0" cy="658063"/>
+          </a:xfrm>
+          <a:prstGeom prst="straightConnector1">
+            <a:avLst/>
+          </a:prstGeom>
+          <a:ln>
+            <a:headEnd type="arrow"/>
+          </a:ln>
+        </p:spPr>
+        <p:style>
+          <a:lnRef idx="2">
+            <a:schemeClr val="dk1"/>
+          </a:lnRef>
+          <a:fillRef idx="0">
+            <a:schemeClr val="dk1"/>
+          </a:fillRef>
+          <a:effectRef idx="1">
+            <a:schemeClr val="dk1"/>
+          </a:effectRef>
+          <a:fontRef idx="minor">
+            <a:schemeClr val="tx1"/>
+          </a:fontRef>
+        </p:style>
+      </p:cxnSp>
+      <p:cxnSp>
+        <p:nvCxnSpPr>
+          <p:cNvPr id="1141" name="Conector recto de flecha 1140">
+            <a:extLst>
+              <a:ext uri="{FF2B5EF4-FFF2-40B4-BE49-F238E27FC236}">
+                <a16:creationId xmlns:a16="http://schemas.microsoft.com/office/drawing/2014/main" id="{C0496A59-39D8-255F-7EFF-E68F0E33B569}"/>
+              </a:ext>
+            </a:extLst>
+          </p:cNvPr>
+          <p:cNvCxnSpPr>
+            <a:cxnSpLocks/>
+          </p:cNvCxnSpPr>
+          <p:nvPr/>
+        </p:nvCxnSpPr>
+        <p:spPr>
+          <a:xfrm flipH="1">
+            <a:off x="3405959" y="5379830"/>
+            <a:ext cx="1051560" cy="0"/>
+          </a:xfrm>
+          <a:prstGeom prst="straightConnector1">
+            <a:avLst/>
+          </a:prstGeom>
+          <a:ln>
+            <a:headEnd type="arrow"/>
+          </a:ln>
+        </p:spPr>
+        <p:style>
+          <a:lnRef idx="2">
+            <a:schemeClr val="dk1"/>
+          </a:lnRef>
+          <a:fillRef idx="0">
+            <a:schemeClr val="dk1"/>
+          </a:fillRef>
+          <a:effectRef idx="1">
+            <a:schemeClr val="dk1"/>
+          </a:effectRef>
+          <a:fontRef idx="minor">
+            <a:schemeClr val="tx1"/>
+          </a:fontRef>
+        </p:style>
+      </p:cxnSp>
       <p:sp>
         <p:nvSpPr>
-          <p:cNvPr id="1121" name="Flecha: a la derecha 1120">
+          <p:cNvPr id="1146" name="Rectángulo: esquinas redondeadas 1145">
             <a:extLst>
               <a:ext uri="{FF2B5EF4-FFF2-40B4-BE49-F238E27FC236}">
-                <a16:creationId xmlns:a16="http://schemas.microsoft.com/office/drawing/2014/main" id="{BCF9A931-B79B-CC37-A7FE-9217A8F7DF05}"/>
+                <a16:creationId xmlns:a16="http://schemas.microsoft.com/office/drawing/2014/main" id="{0363D619-43AC-7002-950D-2A7683B098B6}"/>
               </a:ext>
             </a:extLst>
           </p:cNvPr>
@@ -7055,8 +10969,1696 @@
           <p:nvPr/>
         </p:nvSpPr>
         <p:spPr>
-          <a:xfrm rot="10800000">
-            <a:off x="2132411" y="4749664"/>
+          <a:xfrm>
+            <a:off x="3159930" y="4419278"/>
+            <a:ext cx="1637889" cy="1087864"/>
+          </a:xfrm>
+          <a:prstGeom prst="roundRect">
+            <a:avLst/>
+          </a:prstGeom>
+          <a:noFill/>
+          <a:ln>
+            <a:solidFill>
+              <a:schemeClr val="accent1"/>
+            </a:solidFill>
+          </a:ln>
+        </p:spPr>
+        <p:style>
+          <a:lnRef idx="0">
+            <a:schemeClr val="accent1"/>
+          </a:lnRef>
+          <a:fillRef idx="3">
+            <a:schemeClr val="accent1"/>
+          </a:fillRef>
+          <a:effectRef idx="3">
+            <a:schemeClr val="accent1"/>
+          </a:effectRef>
+          <a:fontRef idx="minor">
+            <a:schemeClr val="lt1"/>
+          </a:fontRef>
+        </p:style>
+        <p:txBody>
+          <a:bodyPr rtlCol="0" anchor="ctr"/>
+          <a:lstStyle/>
+          <a:p>
+            <a:pPr algn="ctr"/>
+            <a:endParaRPr lang="es-ES" sz="1600" dirty="0">
+              <a:solidFill>
+                <a:schemeClr val="tx2"/>
+              </a:solidFill>
+            </a:endParaRPr>
+          </a:p>
+        </p:txBody>
+      </p:sp>
+      <p:sp>
+        <p:nvSpPr>
+          <p:cNvPr id="1147" name="CuadroTexto 1146">
+            <a:extLst>
+              <a:ext uri="{FF2B5EF4-FFF2-40B4-BE49-F238E27FC236}">
+                <a16:creationId xmlns:a16="http://schemas.microsoft.com/office/drawing/2014/main" id="{3B241663-D8EE-3ED2-CF2B-9D738D2989B3}"/>
+              </a:ext>
+            </a:extLst>
+          </p:cNvPr>
+          <p:cNvSpPr txBox="1"/>
+          <p:nvPr/>
+        </p:nvSpPr>
+        <p:spPr>
+          <a:xfrm>
+            <a:off x="3120600" y="4448012"/>
+            <a:ext cx="1724237" cy="261610"/>
+          </a:xfrm>
+          <a:prstGeom prst="rect">
+            <a:avLst/>
+          </a:prstGeom>
+          <a:noFill/>
+          <a:effectLst>
+            <a:outerShdw blurRad="50800" dist="38100" dir="2700000" algn="tl" rotWithShape="0">
+              <a:prstClr val="black">
+                <a:alpha val="40000"/>
+              </a:prstClr>
+            </a:outerShdw>
+          </a:effectLst>
+        </p:spPr>
+        <p:txBody>
+          <a:bodyPr wrap="square" rtlCol="0">
+            <a:spAutoFit/>
+          </a:bodyPr>
+          <a:lstStyle/>
+          <a:p>
+            <a:pPr algn="ctr"/>
+            <a:r>
+              <a:rPr lang="es-ES" sz="1100" dirty="0">
+                <a:solidFill>
+                  <a:schemeClr val="tx2"/>
+                </a:solidFill>
+              </a:rPr>
+              <a:t>Detección de Anomalías</a:t>
+            </a:r>
+            <a:endParaRPr lang="es-ES" sz="1200" dirty="0"/>
+          </a:p>
+        </p:txBody>
+      </p:sp>
+      <p:sp>
+        <p:nvSpPr>
+          <p:cNvPr id="1151" name="Elipse 1150">
+            <a:extLst>
+              <a:ext uri="{FF2B5EF4-FFF2-40B4-BE49-F238E27FC236}">
+                <a16:creationId xmlns:a16="http://schemas.microsoft.com/office/drawing/2014/main" id="{6634C7E7-F601-A7CE-C07B-8802008ED388}"/>
+              </a:ext>
+            </a:extLst>
+          </p:cNvPr>
+          <p:cNvSpPr/>
+          <p:nvPr/>
+        </p:nvSpPr>
+        <p:spPr>
+          <a:xfrm>
+            <a:off x="3503158" y="5129059"/>
+            <a:ext cx="81908" cy="81908"/>
+          </a:xfrm>
+          <a:prstGeom prst="ellipse">
+            <a:avLst/>
+          </a:prstGeom>
+          <a:solidFill>
+            <a:srgbClr val="002060"/>
+          </a:solidFill>
+          <a:ln>
+            <a:noFill/>
+          </a:ln>
+        </p:spPr>
+        <p:style>
+          <a:lnRef idx="2">
+            <a:schemeClr val="accent1">
+              <a:shade val="15000"/>
+            </a:schemeClr>
+          </a:lnRef>
+          <a:fillRef idx="1">
+            <a:schemeClr val="accent1"/>
+          </a:fillRef>
+          <a:effectRef idx="0">
+            <a:schemeClr val="accent1"/>
+          </a:effectRef>
+          <a:fontRef idx="minor">
+            <a:schemeClr val="lt1"/>
+          </a:fontRef>
+        </p:style>
+        <p:txBody>
+          <a:bodyPr rtlCol="0" anchor="ctr"/>
+          <a:lstStyle/>
+          <a:p>
+            <a:pPr algn="ctr"/>
+            <a:endParaRPr lang="es-ES"/>
+          </a:p>
+        </p:txBody>
+      </p:sp>
+      <p:sp>
+        <p:nvSpPr>
+          <p:cNvPr id="1152" name="Elipse 1151">
+            <a:extLst>
+              <a:ext uri="{FF2B5EF4-FFF2-40B4-BE49-F238E27FC236}">
+                <a16:creationId xmlns:a16="http://schemas.microsoft.com/office/drawing/2014/main" id="{6CC8593A-E82A-85C8-EDF4-2D84183E413F}"/>
+              </a:ext>
+            </a:extLst>
+          </p:cNvPr>
+          <p:cNvSpPr/>
+          <p:nvPr/>
+        </p:nvSpPr>
+        <p:spPr>
+          <a:xfrm>
+            <a:off x="3741721" y="5193638"/>
+            <a:ext cx="81908" cy="81908"/>
+          </a:xfrm>
+          <a:prstGeom prst="ellipse">
+            <a:avLst/>
+          </a:prstGeom>
+          <a:solidFill>
+            <a:srgbClr val="002060"/>
+          </a:solidFill>
+          <a:ln>
+            <a:noFill/>
+          </a:ln>
+        </p:spPr>
+        <p:style>
+          <a:lnRef idx="2">
+            <a:schemeClr val="accent1">
+              <a:shade val="15000"/>
+            </a:schemeClr>
+          </a:lnRef>
+          <a:fillRef idx="1">
+            <a:schemeClr val="accent1"/>
+          </a:fillRef>
+          <a:effectRef idx="0">
+            <a:schemeClr val="accent1"/>
+          </a:effectRef>
+          <a:fontRef idx="minor">
+            <a:schemeClr val="lt1"/>
+          </a:fontRef>
+        </p:style>
+        <p:txBody>
+          <a:bodyPr rtlCol="0" anchor="ctr"/>
+          <a:lstStyle/>
+          <a:p>
+            <a:pPr algn="ctr"/>
+            <a:endParaRPr lang="es-ES"/>
+          </a:p>
+        </p:txBody>
+      </p:sp>
+      <p:sp>
+        <p:nvSpPr>
+          <p:cNvPr id="1153" name="Elipse 1152">
+            <a:extLst>
+              <a:ext uri="{FF2B5EF4-FFF2-40B4-BE49-F238E27FC236}">
+                <a16:creationId xmlns:a16="http://schemas.microsoft.com/office/drawing/2014/main" id="{77927314-9631-336C-A876-D9A1FA5F2E9F}"/>
+              </a:ext>
+            </a:extLst>
+          </p:cNvPr>
+          <p:cNvSpPr/>
+          <p:nvPr/>
+        </p:nvSpPr>
+        <p:spPr>
+          <a:xfrm>
+            <a:off x="3567020" y="4925618"/>
+            <a:ext cx="81908" cy="81908"/>
+          </a:xfrm>
+          <a:prstGeom prst="ellipse">
+            <a:avLst/>
+          </a:prstGeom>
+          <a:solidFill>
+            <a:srgbClr val="002060"/>
+          </a:solidFill>
+          <a:ln>
+            <a:noFill/>
+          </a:ln>
+        </p:spPr>
+        <p:style>
+          <a:lnRef idx="2">
+            <a:schemeClr val="accent1">
+              <a:shade val="15000"/>
+            </a:schemeClr>
+          </a:lnRef>
+          <a:fillRef idx="1">
+            <a:schemeClr val="accent1"/>
+          </a:fillRef>
+          <a:effectRef idx="0">
+            <a:schemeClr val="accent1"/>
+          </a:effectRef>
+          <a:fontRef idx="minor">
+            <a:schemeClr val="lt1"/>
+          </a:fontRef>
+        </p:style>
+        <p:txBody>
+          <a:bodyPr rtlCol="0" anchor="ctr"/>
+          <a:lstStyle/>
+          <a:p>
+            <a:pPr algn="ctr"/>
+            <a:endParaRPr lang="es-ES"/>
+          </a:p>
+        </p:txBody>
+      </p:sp>
+      <p:sp>
+        <p:nvSpPr>
+          <p:cNvPr id="1156" name="Elipse 1155">
+            <a:extLst>
+              <a:ext uri="{FF2B5EF4-FFF2-40B4-BE49-F238E27FC236}">
+                <a16:creationId xmlns:a16="http://schemas.microsoft.com/office/drawing/2014/main" id="{7B7716F9-2A20-9C36-D8C3-F3C9C6D5EFF5}"/>
+              </a:ext>
+            </a:extLst>
+          </p:cNvPr>
+          <p:cNvSpPr/>
+          <p:nvPr/>
+        </p:nvSpPr>
+        <p:spPr>
+          <a:xfrm>
+            <a:off x="3588417" y="5047151"/>
+            <a:ext cx="81908" cy="81908"/>
+          </a:xfrm>
+          <a:prstGeom prst="ellipse">
+            <a:avLst/>
+          </a:prstGeom>
+          <a:solidFill>
+            <a:srgbClr val="002060"/>
+          </a:solidFill>
+          <a:ln>
+            <a:noFill/>
+          </a:ln>
+        </p:spPr>
+        <p:style>
+          <a:lnRef idx="2">
+            <a:schemeClr val="accent1">
+              <a:shade val="15000"/>
+            </a:schemeClr>
+          </a:lnRef>
+          <a:fillRef idx="1">
+            <a:schemeClr val="accent1"/>
+          </a:fillRef>
+          <a:effectRef idx="0">
+            <a:schemeClr val="accent1"/>
+          </a:effectRef>
+          <a:fontRef idx="minor">
+            <a:schemeClr val="lt1"/>
+          </a:fontRef>
+        </p:style>
+        <p:txBody>
+          <a:bodyPr rtlCol="0" anchor="ctr"/>
+          <a:lstStyle/>
+          <a:p>
+            <a:pPr algn="ctr"/>
+            <a:endParaRPr lang="es-ES"/>
+          </a:p>
+        </p:txBody>
+      </p:sp>
+      <p:sp>
+        <p:nvSpPr>
+          <p:cNvPr id="1157" name="Elipse 1156">
+            <a:extLst>
+              <a:ext uri="{FF2B5EF4-FFF2-40B4-BE49-F238E27FC236}">
+                <a16:creationId xmlns:a16="http://schemas.microsoft.com/office/drawing/2014/main" id="{B5B802EE-8B07-F545-A540-E357488B99AC}"/>
+              </a:ext>
+            </a:extLst>
+          </p:cNvPr>
+          <p:cNvSpPr/>
+          <p:nvPr/>
+        </p:nvSpPr>
+        <p:spPr>
+          <a:xfrm>
+            <a:off x="3617904" y="5177431"/>
+            <a:ext cx="81908" cy="81908"/>
+          </a:xfrm>
+          <a:prstGeom prst="ellipse">
+            <a:avLst/>
+          </a:prstGeom>
+          <a:solidFill>
+            <a:srgbClr val="002060"/>
+          </a:solidFill>
+          <a:ln>
+            <a:noFill/>
+          </a:ln>
+        </p:spPr>
+        <p:style>
+          <a:lnRef idx="2">
+            <a:schemeClr val="accent1">
+              <a:shade val="15000"/>
+            </a:schemeClr>
+          </a:lnRef>
+          <a:fillRef idx="1">
+            <a:schemeClr val="accent1"/>
+          </a:fillRef>
+          <a:effectRef idx="0">
+            <a:schemeClr val="accent1"/>
+          </a:effectRef>
+          <a:fontRef idx="minor">
+            <a:schemeClr val="lt1"/>
+          </a:fontRef>
+        </p:style>
+        <p:txBody>
+          <a:bodyPr rtlCol="0" anchor="ctr"/>
+          <a:lstStyle/>
+          <a:p>
+            <a:pPr algn="ctr"/>
+            <a:endParaRPr lang="es-ES"/>
+          </a:p>
+        </p:txBody>
+      </p:sp>
+      <p:sp>
+        <p:nvSpPr>
+          <p:cNvPr id="1160" name="Elipse 1159">
+            <a:extLst>
+              <a:ext uri="{FF2B5EF4-FFF2-40B4-BE49-F238E27FC236}">
+                <a16:creationId xmlns:a16="http://schemas.microsoft.com/office/drawing/2014/main" id="{7DA1757A-61ED-F44F-9BE7-F2EA7846EBB2}"/>
+              </a:ext>
+            </a:extLst>
+          </p:cNvPr>
+          <p:cNvSpPr/>
+          <p:nvPr/>
+        </p:nvSpPr>
+        <p:spPr>
+          <a:xfrm>
+            <a:off x="3711709" y="5089056"/>
+            <a:ext cx="81908" cy="81908"/>
+          </a:xfrm>
+          <a:prstGeom prst="ellipse">
+            <a:avLst/>
+          </a:prstGeom>
+          <a:solidFill>
+            <a:srgbClr val="002060"/>
+          </a:solidFill>
+          <a:ln>
+            <a:noFill/>
+          </a:ln>
+        </p:spPr>
+        <p:style>
+          <a:lnRef idx="2">
+            <a:schemeClr val="accent1">
+              <a:shade val="15000"/>
+            </a:schemeClr>
+          </a:lnRef>
+          <a:fillRef idx="1">
+            <a:schemeClr val="accent1"/>
+          </a:fillRef>
+          <a:effectRef idx="0">
+            <a:schemeClr val="accent1"/>
+          </a:effectRef>
+          <a:fontRef idx="minor">
+            <a:schemeClr val="lt1"/>
+          </a:fontRef>
+        </p:style>
+        <p:txBody>
+          <a:bodyPr rtlCol="0" anchor="ctr"/>
+          <a:lstStyle/>
+          <a:p>
+            <a:pPr algn="ctr"/>
+            <a:endParaRPr lang="es-ES"/>
+          </a:p>
+        </p:txBody>
+      </p:sp>
+      <p:sp>
+        <p:nvSpPr>
+          <p:cNvPr id="1162" name="Elipse 1161">
+            <a:extLst>
+              <a:ext uri="{FF2B5EF4-FFF2-40B4-BE49-F238E27FC236}">
+                <a16:creationId xmlns:a16="http://schemas.microsoft.com/office/drawing/2014/main" id="{23FF7498-4A80-282E-6ACF-394F9B814DEF}"/>
+              </a:ext>
+            </a:extLst>
+          </p:cNvPr>
+          <p:cNvSpPr/>
+          <p:nvPr/>
+        </p:nvSpPr>
+        <p:spPr>
+          <a:xfrm>
+            <a:off x="3830657" y="5111730"/>
+            <a:ext cx="81908" cy="81908"/>
+          </a:xfrm>
+          <a:prstGeom prst="ellipse">
+            <a:avLst/>
+          </a:prstGeom>
+          <a:solidFill>
+            <a:srgbClr val="002060"/>
+          </a:solidFill>
+          <a:ln>
+            <a:noFill/>
+          </a:ln>
+        </p:spPr>
+        <p:style>
+          <a:lnRef idx="2">
+            <a:schemeClr val="accent1">
+              <a:shade val="15000"/>
+            </a:schemeClr>
+          </a:lnRef>
+          <a:fillRef idx="1">
+            <a:schemeClr val="accent1"/>
+          </a:fillRef>
+          <a:effectRef idx="0">
+            <a:schemeClr val="accent1"/>
+          </a:effectRef>
+          <a:fontRef idx="minor">
+            <a:schemeClr val="lt1"/>
+          </a:fontRef>
+        </p:style>
+        <p:txBody>
+          <a:bodyPr rtlCol="0" anchor="ctr"/>
+          <a:lstStyle/>
+          <a:p>
+            <a:pPr algn="ctr"/>
+            <a:endParaRPr lang="es-ES"/>
+          </a:p>
+        </p:txBody>
+      </p:sp>
+      <p:sp>
+        <p:nvSpPr>
+          <p:cNvPr id="1167" name="Elipse 1166">
+            <a:extLst>
+              <a:ext uri="{FF2B5EF4-FFF2-40B4-BE49-F238E27FC236}">
+                <a16:creationId xmlns:a16="http://schemas.microsoft.com/office/drawing/2014/main" id="{B2573811-BC3E-DD19-A6BE-B18DBD8EDB76}"/>
+              </a:ext>
+            </a:extLst>
+          </p:cNvPr>
+          <p:cNvSpPr/>
+          <p:nvPr/>
+        </p:nvSpPr>
+        <p:spPr>
+          <a:xfrm>
+            <a:off x="4236832" y="4784235"/>
+            <a:ext cx="81908" cy="81908"/>
+          </a:xfrm>
+          <a:prstGeom prst="ellipse">
+            <a:avLst/>
+          </a:prstGeom>
+          <a:solidFill>
+            <a:srgbClr val="C00000"/>
+          </a:solidFill>
+          <a:ln>
+            <a:noFill/>
+          </a:ln>
+        </p:spPr>
+        <p:style>
+          <a:lnRef idx="2">
+            <a:schemeClr val="accent1">
+              <a:shade val="15000"/>
+            </a:schemeClr>
+          </a:lnRef>
+          <a:fillRef idx="1">
+            <a:schemeClr val="accent1"/>
+          </a:fillRef>
+          <a:effectRef idx="0">
+            <a:schemeClr val="accent1"/>
+          </a:effectRef>
+          <a:fontRef idx="minor">
+            <a:schemeClr val="lt1"/>
+          </a:fontRef>
+        </p:style>
+        <p:txBody>
+          <a:bodyPr rtlCol="0" anchor="ctr"/>
+          <a:lstStyle/>
+          <a:p>
+            <a:pPr algn="ctr"/>
+            <a:endParaRPr lang="es-ES"/>
+          </a:p>
+        </p:txBody>
+      </p:sp>
+      <p:grpSp>
+        <p:nvGrpSpPr>
+          <p:cNvPr id="1197" name="Grupo 1196">
+            <a:extLst>
+              <a:ext uri="{FF2B5EF4-FFF2-40B4-BE49-F238E27FC236}">
+                <a16:creationId xmlns:a16="http://schemas.microsoft.com/office/drawing/2014/main" id="{4510FC5C-BBE3-DB17-10C6-9459C2B96183}"/>
+              </a:ext>
+            </a:extLst>
+          </p:cNvPr>
+          <p:cNvGrpSpPr/>
+          <p:nvPr/>
+        </p:nvGrpSpPr>
+        <p:grpSpPr>
+          <a:xfrm>
+            <a:off x="1517453" y="4391170"/>
+            <a:ext cx="840495" cy="1121174"/>
+            <a:chOff x="1134058" y="5620643"/>
+            <a:chExt cx="840495" cy="1121174"/>
+          </a:xfrm>
+        </p:grpSpPr>
+        <p:grpSp>
+          <p:nvGrpSpPr>
+            <p:cNvPr id="1194" name="Grupo 1193">
+              <a:extLst>
+                <a:ext uri="{FF2B5EF4-FFF2-40B4-BE49-F238E27FC236}">
+                  <a16:creationId xmlns:a16="http://schemas.microsoft.com/office/drawing/2014/main" id="{F286A00C-26D6-9B23-1D2B-2A1C77C6E1D9}"/>
+                </a:ext>
+              </a:extLst>
+            </p:cNvPr>
+            <p:cNvGrpSpPr/>
+            <p:nvPr/>
+          </p:nvGrpSpPr>
+          <p:grpSpPr>
+            <a:xfrm>
+              <a:off x="1290753" y="5855013"/>
+              <a:ext cx="535666" cy="776768"/>
+              <a:chOff x="1290753" y="5855013"/>
+              <a:chExt cx="535666" cy="776768"/>
+            </a:xfrm>
+          </p:grpSpPr>
+          <p:sp>
+            <p:nvSpPr>
+              <p:cNvPr id="1173" name="Rectángulo: esquinas redondeadas 1172">
+                <a:extLst>
+                  <a:ext uri="{FF2B5EF4-FFF2-40B4-BE49-F238E27FC236}">
+                    <a16:creationId xmlns:a16="http://schemas.microsoft.com/office/drawing/2014/main" id="{6D5C9320-F767-8A79-4C33-3C5C9BE3518F}"/>
+                  </a:ext>
+                </a:extLst>
+              </p:cNvPr>
+              <p:cNvSpPr/>
+              <p:nvPr/>
+            </p:nvSpPr>
+            <p:spPr>
+              <a:xfrm>
+                <a:off x="1585112" y="6223519"/>
+                <a:ext cx="203739" cy="28388"/>
+              </a:xfrm>
+              <a:prstGeom prst="roundRect">
+                <a:avLst/>
+              </a:prstGeom>
+              <a:solidFill>
+                <a:schemeClr val="tx1"/>
+              </a:solidFill>
+              <a:ln>
+                <a:noFill/>
+              </a:ln>
+            </p:spPr>
+            <p:style>
+              <a:lnRef idx="2">
+                <a:schemeClr val="accent1">
+                  <a:shade val="15000"/>
+                </a:schemeClr>
+              </a:lnRef>
+              <a:fillRef idx="1">
+                <a:schemeClr val="accent1"/>
+              </a:fillRef>
+              <a:effectRef idx="0">
+                <a:schemeClr val="accent1"/>
+              </a:effectRef>
+              <a:fontRef idx="minor">
+                <a:schemeClr val="lt1"/>
+              </a:fontRef>
+            </p:style>
+            <p:txBody>
+              <a:bodyPr rtlCol="0" anchor="ctr"/>
+              <a:lstStyle/>
+              <a:p>
+                <a:pPr algn="ctr"/>
+                <a:endParaRPr lang="es-ES"/>
+              </a:p>
+            </p:txBody>
+          </p:sp>
+          <p:sp>
+            <p:nvSpPr>
+              <p:cNvPr id="1174" name="Rectángulo: esquinas redondeadas 1173">
+                <a:extLst>
+                  <a:ext uri="{FF2B5EF4-FFF2-40B4-BE49-F238E27FC236}">
+                    <a16:creationId xmlns:a16="http://schemas.microsoft.com/office/drawing/2014/main" id="{7E7B06F4-6129-9FA8-7C4F-C350607F820B}"/>
+                  </a:ext>
+                </a:extLst>
+              </p:cNvPr>
+              <p:cNvSpPr/>
+              <p:nvPr/>
+            </p:nvSpPr>
+            <p:spPr>
+              <a:xfrm>
+                <a:off x="1585112" y="6261619"/>
+                <a:ext cx="203739" cy="28388"/>
+              </a:xfrm>
+              <a:prstGeom prst="roundRect">
+                <a:avLst/>
+              </a:prstGeom>
+              <a:solidFill>
+                <a:schemeClr val="tx1"/>
+              </a:solidFill>
+              <a:ln>
+                <a:noFill/>
+              </a:ln>
+            </p:spPr>
+            <p:style>
+              <a:lnRef idx="2">
+                <a:schemeClr val="accent1">
+                  <a:shade val="15000"/>
+                </a:schemeClr>
+              </a:lnRef>
+              <a:fillRef idx="1">
+                <a:schemeClr val="accent1"/>
+              </a:fillRef>
+              <a:effectRef idx="0">
+                <a:schemeClr val="accent1"/>
+              </a:effectRef>
+              <a:fontRef idx="minor">
+                <a:schemeClr val="lt1"/>
+              </a:fontRef>
+            </p:style>
+            <p:txBody>
+              <a:bodyPr rtlCol="0" anchor="ctr"/>
+              <a:lstStyle/>
+              <a:p>
+                <a:pPr algn="ctr"/>
+                <a:endParaRPr lang="es-ES"/>
+              </a:p>
+            </p:txBody>
+          </p:sp>
+          <p:sp>
+            <p:nvSpPr>
+              <p:cNvPr id="1175" name="Rectángulo: esquinas redondeadas 1174">
+                <a:extLst>
+                  <a:ext uri="{FF2B5EF4-FFF2-40B4-BE49-F238E27FC236}">
+                    <a16:creationId xmlns:a16="http://schemas.microsoft.com/office/drawing/2014/main" id="{7FE99D6E-1FF6-5390-197A-072FCF4EA074}"/>
+                  </a:ext>
+                </a:extLst>
+              </p:cNvPr>
+              <p:cNvSpPr/>
+              <p:nvPr/>
+            </p:nvSpPr>
+            <p:spPr>
+              <a:xfrm>
+                <a:off x="1585112" y="6299719"/>
+                <a:ext cx="203739" cy="28388"/>
+              </a:xfrm>
+              <a:prstGeom prst="roundRect">
+                <a:avLst/>
+              </a:prstGeom>
+              <a:solidFill>
+                <a:schemeClr val="tx1"/>
+              </a:solidFill>
+              <a:ln>
+                <a:noFill/>
+              </a:ln>
+            </p:spPr>
+            <p:style>
+              <a:lnRef idx="2">
+                <a:schemeClr val="accent1">
+                  <a:shade val="15000"/>
+                </a:schemeClr>
+              </a:lnRef>
+              <a:fillRef idx="1">
+                <a:schemeClr val="accent1"/>
+              </a:fillRef>
+              <a:effectRef idx="0">
+                <a:schemeClr val="accent1"/>
+              </a:effectRef>
+              <a:fontRef idx="minor">
+                <a:schemeClr val="lt1"/>
+              </a:fontRef>
+            </p:style>
+            <p:txBody>
+              <a:bodyPr rtlCol="0" anchor="ctr"/>
+              <a:lstStyle/>
+              <a:p>
+                <a:pPr algn="ctr"/>
+                <a:endParaRPr lang="es-ES"/>
+              </a:p>
+            </p:txBody>
+          </p:sp>
+          <p:sp>
+            <p:nvSpPr>
+              <p:cNvPr id="1176" name="Rectángulo: esquinas redondeadas 1175">
+                <a:extLst>
+                  <a:ext uri="{FF2B5EF4-FFF2-40B4-BE49-F238E27FC236}">
+                    <a16:creationId xmlns:a16="http://schemas.microsoft.com/office/drawing/2014/main" id="{DC804FAC-848B-3277-C683-4C06982367DE}"/>
+                  </a:ext>
+                </a:extLst>
+              </p:cNvPr>
+              <p:cNvSpPr/>
+              <p:nvPr/>
+            </p:nvSpPr>
+            <p:spPr>
+              <a:xfrm>
+                <a:off x="1329839" y="6452119"/>
+                <a:ext cx="246524" cy="28388"/>
+              </a:xfrm>
+              <a:prstGeom prst="roundRect">
+                <a:avLst/>
+              </a:prstGeom>
+              <a:solidFill>
+                <a:schemeClr val="tx1"/>
+              </a:solidFill>
+              <a:ln>
+                <a:noFill/>
+              </a:ln>
+            </p:spPr>
+            <p:style>
+              <a:lnRef idx="2">
+                <a:schemeClr val="accent1">
+                  <a:shade val="15000"/>
+                </a:schemeClr>
+              </a:lnRef>
+              <a:fillRef idx="1">
+                <a:schemeClr val="accent1"/>
+              </a:fillRef>
+              <a:effectRef idx="0">
+                <a:schemeClr val="accent1"/>
+              </a:effectRef>
+              <a:fontRef idx="minor">
+                <a:schemeClr val="lt1"/>
+              </a:fontRef>
+            </p:style>
+            <p:txBody>
+              <a:bodyPr rtlCol="0" anchor="ctr"/>
+              <a:lstStyle/>
+              <a:p>
+                <a:pPr algn="ctr"/>
+                <a:endParaRPr lang="es-ES"/>
+              </a:p>
+            </p:txBody>
+          </p:sp>
+          <p:sp>
+            <p:nvSpPr>
+              <p:cNvPr id="1177" name="Rectángulo: esquinas redondeadas 1176">
+                <a:extLst>
+                  <a:ext uri="{FF2B5EF4-FFF2-40B4-BE49-F238E27FC236}">
+                    <a16:creationId xmlns:a16="http://schemas.microsoft.com/office/drawing/2014/main" id="{870497B9-69CF-C3F4-0A98-CF0C661F3AAE}"/>
+                  </a:ext>
+                </a:extLst>
+              </p:cNvPr>
+              <p:cNvSpPr/>
+              <p:nvPr/>
+            </p:nvSpPr>
+            <p:spPr>
+              <a:xfrm>
+                <a:off x="1329839" y="6490219"/>
+                <a:ext cx="246524" cy="28388"/>
+              </a:xfrm>
+              <a:prstGeom prst="roundRect">
+                <a:avLst/>
+              </a:prstGeom>
+              <a:solidFill>
+                <a:schemeClr val="tx1"/>
+              </a:solidFill>
+              <a:ln>
+                <a:noFill/>
+              </a:ln>
+            </p:spPr>
+            <p:style>
+              <a:lnRef idx="2">
+                <a:schemeClr val="accent1">
+                  <a:shade val="15000"/>
+                </a:schemeClr>
+              </a:lnRef>
+              <a:fillRef idx="1">
+                <a:schemeClr val="accent1"/>
+              </a:fillRef>
+              <a:effectRef idx="0">
+                <a:schemeClr val="accent1"/>
+              </a:effectRef>
+              <a:fontRef idx="minor">
+                <a:schemeClr val="lt1"/>
+              </a:fontRef>
+            </p:style>
+            <p:txBody>
+              <a:bodyPr rtlCol="0" anchor="ctr"/>
+              <a:lstStyle/>
+              <a:p>
+                <a:pPr algn="ctr"/>
+                <a:endParaRPr lang="es-ES"/>
+              </a:p>
+            </p:txBody>
+          </p:sp>
+          <p:sp>
+            <p:nvSpPr>
+              <p:cNvPr id="1178" name="Rectángulo: esquinas redondeadas 1177">
+                <a:extLst>
+                  <a:ext uri="{FF2B5EF4-FFF2-40B4-BE49-F238E27FC236}">
+                    <a16:creationId xmlns:a16="http://schemas.microsoft.com/office/drawing/2014/main" id="{0D69C648-A0E9-0C20-FE73-EA69E6F1EF7D}"/>
+                  </a:ext>
+                </a:extLst>
+              </p:cNvPr>
+              <p:cNvSpPr/>
+              <p:nvPr/>
+            </p:nvSpPr>
+            <p:spPr>
+              <a:xfrm>
+                <a:off x="1329839" y="6528319"/>
+                <a:ext cx="246524" cy="28388"/>
+              </a:xfrm>
+              <a:prstGeom prst="roundRect">
+                <a:avLst/>
+              </a:prstGeom>
+              <a:solidFill>
+                <a:schemeClr val="tx1"/>
+              </a:solidFill>
+              <a:ln>
+                <a:noFill/>
+              </a:ln>
+            </p:spPr>
+            <p:style>
+              <a:lnRef idx="2">
+                <a:schemeClr val="accent1">
+                  <a:shade val="15000"/>
+                </a:schemeClr>
+              </a:lnRef>
+              <a:fillRef idx="1">
+                <a:schemeClr val="accent1"/>
+              </a:fillRef>
+              <a:effectRef idx="0">
+                <a:schemeClr val="accent1"/>
+              </a:effectRef>
+              <a:fontRef idx="minor">
+                <a:schemeClr val="lt1"/>
+              </a:fontRef>
+            </p:style>
+            <p:txBody>
+              <a:bodyPr rtlCol="0" anchor="ctr"/>
+              <a:lstStyle/>
+              <a:p>
+                <a:pPr algn="ctr"/>
+                <a:endParaRPr lang="es-ES"/>
+              </a:p>
+            </p:txBody>
+          </p:sp>
+          <p:sp>
+            <p:nvSpPr>
+              <p:cNvPr id="1179" name="Elipse 1178">
+                <a:extLst>
+                  <a:ext uri="{FF2B5EF4-FFF2-40B4-BE49-F238E27FC236}">
+                    <a16:creationId xmlns:a16="http://schemas.microsoft.com/office/drawing/2014/main" id="{95A33951-C534-10EE-314B-2C3FB9B601D9}"/>
+                  </a:ext>
+                </a:extLst>
+              </p:cNvPr>
+              <p:cNvSpPr/>
+              <p:nvPr/>
+            </p:nvSpPr>
+            <p:spPr>
+              <a:xfrm>
+                <a:off x="1373734" y="6197885"/>
+                <a:ext cx="164269" cy="164269"/>
+              </a:xfrm>
+              <a:prstGeom prst="ellipse">
+                <a:avLst/>
+              </a:prstGeom>
+              <a:solidFill>
+                <a:schemeClr val="accent2"/>
+              </a:solidFill>
+              <a:ln>
+                <a:noFill/>
+              </a:ln>
+            </p:spPr>
+            <p:style>
+              <a:lnRef idx="2">
+                <a:schemeClr val="accent1">
+                  <a:shade val="15000"/>
+                </a:schemeClr>
+              </a:lnRef>
+              <a:fillRef idx="1">
+                <a:schemeClr val="accent1"/>
+              </a:fillRef>
+              <a:effectRef idx="0">
+                <a:schemeClr val="accent1"/>
+              </a:effectRef>
+              <a:fontRef idx="minor">
+                <a:schemeClr val="lt1"/>
+              </a:fontRef>
+            </p:style>
+            <p:txBody>
+              <a:bodyPr rtlCol="0" anchor="ctr"/>
+              <a:lstStyle/>
+              <a:p>
+                <a:pPr algn="ctr"/>
+                <a:endParaRPr lang="es-ES"/>
+              </a:p>
+            </p:txBody>
+          </p:sp>
+          <p:sp>
+            <p:nvSpPr>
+              <p:cNvPr id="1180" name="Círculo parcial 1179">
+                <a:extLst>
+                  <a:ext uri="{FF2B5EF4-FFF2-40B4-BE49-F238E27FC236}">
+                    <a16:creationId xmlns:a16="http://schemas.microsoft.com/office/drawing/2014/main" id="{99AB11FE-8966-D318-E1E7-B7C5374694DC}"/>
+                  </a:ext>
+                </a:extLst>
+              </p:cNvPr>
+              <p:cNvSpPr/>
+              <p:nvPr/>
+            </p:nvSpPr>
+            <p:spPr>
+              <a:xfrm>
+                <a:off x="1329839" y="6178678"/>
+                <a:ext cx="228199" cy="228199"/>
+              </a:xfrm>
+              <a:prstGeom prst="pie">
+                <a:avLst/>
+              </a:prstGeom>
+              <a:solidFill>
+                <a:srgbClr val="FFC000"/>
+              </a:solidFill>
+              <a:ln>
+                <a:noFill/>
+              </a:ln>
+            </p:spPr>
+            <p:style>
+              <a:lnRef idx="2">
+                <a:schemeClr val="accent1">
+                  <a:shade val="15000"/>
+                </a:schemeClr>
+              </a:lnRef>
+              <a:fillRef idx="1">
+                <a:schemeClr val="accent1"/>
+              </a:fillRef>
+              <a:effectRef idx="0">
+                <a:schemeClr val="accent1"/>
+              </a:effectRef>
+              <a:fontRef idx="minor">
+                <a:schemeClr val="lt1"/>
+              </a:fontRef>
+            </p:style>
+            <p:txBody>
+              <a:bodyPr rtlCol="0" anchor="ctr"/>
+              <a:lstStyle/>
+              <a:p>
+                <a:pPr algn="ctr"/>
+                <a:endParaRPr lang="es-ES">
+                  <a:solidFill>
+                    <a:schemeClr val="tx1"/>
+                  </a:solidFill>
+                </a:endParaRPr>
+              </a:p>
+            </p:txBody>
+          </p:sp>
+          <p:sp>
+            <p:nvSpPr>
+              <p:cNvPr id="1181" name="Rectángulo: esquinas redondeadas 1180">
+                <a:extLst>
+                  <a:ext uri="{FF2B5EF4-FFF2-40B4-BE49-F238E27FC236}">
+                    <a16:creationId xmlns:a16="http://schemas.microsoft.com/office/drawing/2014/main" id="{E6387666-068E-0C18-1434-2299FB8ABFDC}"/>
+                  </a:ext>
+                </a:extLst>
+              </p:cNvPr>
+              <p:cNvSpPr/>
+              <p:nvPr/>
+            </p:nvSpPr>
+            <p:spPr>
+              <a:xfrm>
+                <a:off x="1585112" y="6337819"/>
+                <a:ext cx="203739" cy="28388"/>
+              </a:xfrm>
+              <a:prstGeom prst="roundRect">
+                <a:avLst/>
+              </a:prstGeom>
+              <a:solidFill>
+                <a:schemeClr val="tx1"/>
+              </a:solidFill>
+              <a:ln>
+                <a:noFill/>
+              </a:ln>
+            </p:spPr>
+            <p:style>
+              <a:lnRef idx="2">
+                <a:schemeClr val="accent1">
+                  <a:shade val="15000"/>
+                </a:schemeClr>
+              </a:lnRef>
+              <a:fillRef idx="1">
+                <a:schemeClr val="accent1"/>
+              </a:fillRef>
+              <a:effectRef idx="0">
+                <a:schemeClr val="accent1"/>
+              </a:effectRef>
+              <a:fontRef idx="minor">
+                <a:schemeClr val="lt1"/>
+              </a:fontRef>
+            </p:style>
+            <p:txBody>
+              <a:bodyPr rtlCol="0" anchor="ctr"/>
+              <a:lstStyle/>
+              <a:p>
+                <a:pPr algn="ctr"/>
+                <a:endParaRPr lang="es-ES"/>
+              </a:p>
+            </p:txBody>
+          </p:sp>
+          <p:sp>
+            <p:nvSpPr>
+              <p:cNvPr id="1183" name="Rectángulo: esquinas redondeadas 1182">
+                <a:extLst>
+                  <a:ext uri="{FF2B5EF4-FFF2-40B4-BE49-F238E27FC236}">
+                    <a16:creationId xmlns:a16="http://schemas.microsoft.com/office/drawing/2014/main" id="{0E818C7C-1308-2C1C-269A-6A176BE501E0}"/>
+                  </a:ext>
+                </a:extLst>
+              </p:cNvPr>
+              <p:cNvSpPr/>
+              <p:nvPr/>
+            </p:nvSpPr>
+            <p:spPr>
+              <a:xfrm>
+                <a:off x="1672092" y="6437414"/>
+                <a:ext cx="39515" cy="171546"/>
+              </a:xfrm>
+              <a:prstGeom prst="roundRect">
+                <a:avLst/>
+              </a:prstGeom>
+              <a:solidFill>
+                <a:srgbClr val="00B0F0"/>
+              </a:solidFill>
+              <a:ln>
+                <a:noFill/>
+              </a:ln>
+            </p:spPr>
+            <p:style>
+              <a:lnRef idx="2">
+                <a:schemeClr val="accent1">
+                  <a:shade val="15000"/>
+                </a:schemeClr>
+              </a:lnRef>
+              <a:fillRef idx="1">
+                <a:schemeClr val="accent1"/>
+              </a:fillRef>
+              <a:effectRef idx="0">
+                <a:schemeClr val="accent1"/>
+              </a:effectRef>
+              <a:fontRef idx="minor">
+                <a:schemeClr val="lt1"/>
+              </a:fontRef>
+            </p:style>
+            <p:txBody>
+              <a:bodyPr rtlCol="0" anchor="ctr"/>
+              <a:lstStyle/>
+              <a:p>
+                <a:pPr algn="ctr"/>
+                <a:endParaRPr lang="es-ES"/>
+              </a:p>
+            </p:txBody>
+          </p:sp>
+          <p:sp>
+            <p:nvSpPr>
+              <p:cNvPr id="1184" name="Rectángulo: esquinas redondeadas 1183">
+                <a:extLst>
+                  <a:ext uri="{FF2B5EF4-FFF2-40B4-BE49-F238E27FC236}">
+                    <a16:creationId xmlns:a16="http://schemas.microsoft.com/office/drawing/2014/main" id="{E5998CA0-3FED-C9A6-71DF-CACD0B929CB0}"/>
+                  </a:ext>
+                </a:extLst>
+              </p:cNvPr>
+              <p:cNvSpPr/>
+              <p:nvPr/>
+            </p:nvSpPr>
+            <p:spPr>
+              <a:xfrm>
+                <a:off x="1730352" y="6380632"/>
+                <a:ext cx="39515" cy="228328"/>
+              </a:xfrm>
+              <a:prstGeom prst="roundRect">
+                <a:avLst/>
+              </a:prstGeom>
+              <a:solidFill>
+                <a:schemeClr val="accent6">
+                  <a:lumMod val="75000"/>
+                </a:schemeClr>
+              </a:solidFill>
+              <a:ln>
+                <a:noFill/>
+              </a:ln>
+            </p:spPr>
+            <p:style>
+              <a:lnRef idx="2">
+                <a:schemeClr val="accent1">
+                  <a:shade val="15000"/>
+                </a:schemeClr>
+              </a:lnRef>
+              <a:fillRef idx="1">
+                <a:schemeClr val="accent1"/>
+              </a:fillRef>
+              <a:effectRef idx="0">
+                <a:schemeClr val="accent1"/>
+              </a:effectRef>
+              <a:fontRef idx="minor">
+                <a:schemeClr val="lt1"/>
+              </a:fontRef>
+            </p:style>
+            <p:txBody>
+              <a:bodyPr rtlCol="0" anchor="ctr"/>
+              <a:lstStyle/>
+              <a:p>
+                <a:pPr algn="ctr"/>
+                <a:endParaRPr lang="es-ES"/>
+              </a:p>
+            </p:txBody>
+          </p:sp>
+          <p:sp>
+            <p:nvSpPr>
+              <p:cNvPr id="1186" name="Rectángulo: esquinas redondeadas 1185">
+                <a:extLst>
+                  <a:ext uri="{FF2B5EF4-FFF2-40B4-BE49-F238E27FC236}">
+                    <a16:creationId xmlns:a16="http://schemas.microsoft.com/office/drawing/2014/main" id="{2A193B1E-F564-4165-BCB9-A711891EADFF}"/>
+                  </a:ext>
+                </a:extLst>
+              </p:cNvPr>
+              <p:cNvSpPr/>
+              <p:nvPr/>
+            </p:nvSpPr>
+            <p:spPr>
+              <a:xfrm>
+                <a:off x="1610626" y="6491792"/>
+                <a:ext cx="39515" cy="117168"/>
+              </a:xfrm>
+              <a:prstGeom prst="roundRect">
+                <a:avLst/>
+              </a:prstGeom>
+              <a:solidFill>
+                <a:srgbClr val="C00000"/>
+              </a:solidFill>
+              <a:ln>
+                <a:noFill/>
+              </a:ln>
+            </p:spPr>
+            <p:style>
+              <a:lnRef idx="2">
+                <a:schemeClr val="accent1">
+                  <a:shade val="15000"/>
+                </a:schemeClr>
+              </a:lnRef>
+              <a:fillRef idx="1">
+                <a:schemeClr val="accent1"/>
+              </a:fillRef>
+              <a:effectRef idx="0">
+                <a:schemeClr val="accent1"/>
+              </a:effectRef>
+              <a:fontRef idx="minor">
+                <a:schemeClr val="lt1"/>
+              </a:fontRef>
+            </p:style>
+            <p:txBody>
+              <a:bodyPr rtlCol="0" anchor="ctr"/>
+              <a:lstStyle/>
+              <a:p>
+                <a:pPr algn="ctr"/>
+                <a:endParaRPr lang="es-ES"/>
+              </a:p>
+            </p:txBody>
+          </p:sp>
+          <p:sp>
+            <p:nvSpPr>
+              <p:cNvPr id="1187" name="Rectángulo: esquinas redondeadas 1186">
+                <a:extLst>
+                  <a:ext uri="{FF2B5EF4-FFF2-40B4-BE49-F238E27FC236}">
+                    <a16:creationId xmlns:a16="http://schemas.microsoft.com/office/drawing/2014/main" id="{3DA19A3D-A68E-9E2E-41DD-2BB8ED34D344}"/>
+                  </a:ext>
+                </a:extLst>
+              </p:cNvPr>
+              <p:cNvSpPr/>
+              <p:nvPr/>
+            </p:nvSpPr>
+            <p:spPr>
+              <a:xfrm>
+                <a:off x="1329839" y="6566419"/>
+                <a:ext cx="246524" cy="28388"/>
+              </a:xfrm>
+              <a:prstGeom prst="roundRect">
+                <a:avLst/>
+              </a:prstGeom>
+              <a:solidFill>
+                <a:schemeClr val="tx1"/>
+              </a:solidFill>
+              <a:ln>
+                <a:noFill/>
+              </a:ln>
+            </p:spPr>
+            <p:style>
+              <a:lnRef idx="2">
+                <a:schemeClr val="accent1">
+                  <a:shade val="15000"/>
+                </a:schemeClr>
+              </a:lnRef>
+              <a:fillRef idx="1">
+                <a:schemeClr val="accent1"/>
+              </a:fillRef>
+              <a:effectRef idx="0">
+                <a:schemeClr val="accent1"/>
+              </a:effectRef>
+              <a:fontRef idx="minor">
+                <a:schemeClr val="lt1"/>
+              </a:fontRef>
+            </p:style>
+            <p:txBody>
+              <a:bodyPr rtlCol="0" anchor="ctr"/>
+              <a:lstStyle/>
+              <a:p>
+                <a:pPr algn="ctr"/>
+                <a:endParaRPr lang="es-ES"/>
+              </a:p>
+            </p:txBody>
+          </p:sp>
+          <p:sp>
+            <p:nvSpPr>
+              <p:cNvPr id="1189" name="Rectángulo: esquinas redondeadas 1188">
+                <a:extLst>
+                  <a:ext uri="{FF2B5EF4-FFF2-40B4-BE49-F238E27FC236}">
+                    <a16:creationId xmlns:a16="http://schemas.microsoft.com/office/drawing/2014/main" id="{64CDBB1E-B2B3-EF88-2022-C3716A5AFC95}"/>
+                  </a:ext>
+                </a:extLst>
+              </p:cNvPr>
+              <p:cNvSpPr/>
+              <p:nvPr/>
+            </p:nvSpPr>
+            <p:spPr>
+              <a:xfrm>
+                <a:off x="1329838" y="6123435"/>
+                <a:ext cx="455145" cy="29038"/>
+              </a:xfrm>
+              <a:prstGeom prst="roundRect">
+                <a:avLst/>
+              </a:prstGeom>
+              <a:solidFill>
+                <a:schemeClr val="tx1"/>
+              </a:solidFill>
+              <a:ln>
+                <a:noFill/>
+              </a:ln>
+            </p:spPr>
+            <p:style>
+              <a:lnRef idx="2">
+                <a:schemeClr val="accent1">
+                  <a:shade val="15000"/>
+                </a:schemeClr>
+              </a:lnRef>
+              <a:fillRef idx="1">
+                <a:schemeClr val="accent1"/>
+              </a:fillRef>
+              <a:effectRef idx="0">
+                <a:schemeClr val="accent1"/>
+              </a:effectRef>
+              <a:fontRef idx="minor">
+                <a:schemeClr val="lt1"/>
+              </a:fontRef>
+            </p:style>
+            <p:txBody>
+              <a:bodyPr rtlCol="0" anchor="ctr"/>
+              <a:lstStyle/>
+              <a:p>
+                <a:pPr algn="ctr"/>
+                <a:endParaRPr lang="es-ES"/>
+              </a:p>
+            </p:txBody>
+          </p:sp>
+          <p:sp>
+            <p:nvSpPr>
+              <p:cNvPr id="1190" name="Rectángulo: esquinas redondeadas 1189">
+                <a:extLst>
+                  <a:ext uri="{FF2B5EF4-FFF2-40B4-BE49-F238E27FC236}">
+                    <a16:creationId xmlns:a16="http://schemas.microsoft.com/office/drawing/2014/main" id="{D36E56AD-6158-76DB-3BDC-045BBF81EDBF}"/>
+                  </a:ext>
+                </a:extLst>
+              </p:cNvPr>
+              <p:cNvSpPr/>
+              <p:nvPr/>
+            </p:nvSpPr>
+            <p:spPr>
+              <a:xfrm>
+                <a:off x="1329837" y="6079055"/>
+                <a:ext cx="455145" cy="29038"/>
+              </a:xfrm>
+              <a:prstGeom prst="roundRect">
+                <a:avLst/>
+              </a:prstGeom>
+              <a:solidFill>
+                <a:schemeClr val="tx1"/>
+              </a:solidFill>
+              <a:ln>
+                <a:noFill/>
+              </a:ln>
+            </p:spPr>
+            <p:style>
+              <a:lnRef idx="2">
+                <a:schemeClr val="accent1">
+                  <a:shade val="15000"/>
+                </a:schemeClr>
+              </a:lnRef>
+              <a:fillRef idx="1">
+                <a:schemeClr val="accent1"/>
+              </a:fillRef>
+              <a:effectRef idx="0">
+                <a:schemeClr val="accent1"/>
+              </a:effectRef>
+              <a:fontRef idx="minor">
+                <a:schemeClr val="lt1"/>
+              </a:fontRef>
+            </p:style>
+            <p:txBody>
+              <a:bodyPr rtlCol="0" anchor="ctr"/>
+              <a:lstStyle/>
+              <a:p>
+                <a:pPr algn="ctr"/>
+                <a:endParaRPr lang="es-ES"/>
+              </a:p>
+            </p:txBody>
+          </p:sp>
+          <p:sp>
+            <p:nvSpPr>
+              <p:cNvPr id="1191" name="Rectángulo: esquinas redondeadas 1190">
+                <a:extLst>
+                  <a:ext uri="{FF2B5EF4-FFF2-40B4-BE49-F238E27FC236}">
+                    <a16:creationId xmlns:a16="http://schemas.microsoft.com/office/drawing/2014/main" id="{27341B8F-8D86-09B0-1285-18530E803E41}"/>
+                  </a:ext>
+                </a:extLst>
+              </p:cNvPr>
+              <p:cNvSpPr/>
+              <p:nvPr/>
+            </p:nvSpPr>
+            <p:spPr>
+              <a:xfrm>
+                <a:off x="1329837" y="6034675"/>
+                <a:ext cx="455145" cy="29038"/>
+              </a:xfrm>
+              <a:prstGeom prst="roundRect">
+                <a:avLst/>
+              </a:prstGeom>
+              <a:solidFill>
+                <a:schemeClr val="tx1"/>
+              </a:solidFill>
+              <a:ln>
+                <a:noFill/>
+              </a:ln>
+            </p:spPr>
+            <p:style>
+              <a:lnRef idx="2">
+                <a:schemeClr val="accent1">
+                  <a:shade val="15000"/>
+                </a:schemeClr>
+              </a:lnRef>
+              <a:fillRef idx="1">
+                <a:schemeClr val="accent1"/>
+              </a:fillRef>
+              <a:effectRef idx="0">
+                <a:schemeClr val="accent1"/>
+              </a:effectRef>
+              <a:fontRef idx="minor">
+                <a:schemeClr val="lt1"/>
+              </a:fontRef>
+            </p:style>
+            <p:txBody>
+              <a:bodyPr rtlCol="0" anchor="ctr"/>
+              <a:lstStyle/>
+              <a:p>
+                <a:pPr algn="ctr"/>
+                <a:endParaRPr lang="es-ES"/>
+              </a:p>
+            </p:txBody>
+          </p:sp>
+          <p:sp>
+            <p:nvSpPr>
+              <p:cNvPr id="1192" name="Rectángulo 1191">
+                <a:extLst>
+                  <a:ext uri="{FF2B5EF4-FFF2-40B4-BE49-F238E27FC236}">
+                    <a16:creationId xmlns:a16="http://schemas.microsoft.com/office/drawing/2014/main" id="{18233BF7-D7B6-B3A8-191E-CF40F272B2C6}"/>
+                  </a:ext>
+                </a:extLst>
+              </p:cNvPr>
+              <p:cNvSpPr/>
+              <p:nvPr/>
+            </p:nvSpPr>
+            <p:spPr>
+              <a:xfrm>
+                <a:off x="1336502" y="5896678"/>
+                <a:ext cx="448480" cy="102394"/>
+              </a:xfrm>
+              <a:prstGeom prst="rect">
+                <a:avLst/>
+              </a:prstGeom>
+            </p:spPr>
+            <p:style>
+              <a:lnRef idx="2">
+                <a:schemeClr val="accent4">
+                  <a:shade val="15000"/>
+                </a:schemeClr>
+              </a:lnRef>
+              <a:fillRef idx="1">
+                <a:schemeClr val="accent4"/>
+              </a:fillRef>
+              <a:effectRef idx="0">
+                <a:schemeClr val="accent4"/>
+              </a:effectRef>
+              <a:fontRef idx="minor">
+                <a:schemeClr val="lt1"/>
+              </a:fontRef>
+            </p:style>
+            <p:txBody>
+              <a:bodyPr rtlCol="0" anchor="ctr"/>
+              <a:lstStyle/>
+              <a:p>
+                <a:pPr algn="ctr"/>
+                <a:endParaRPr lang="es-ES"/>
+              </a:p>
+            </p:txBody>
+          </p:sp>
+          <p:sp>
+            <p:nvSpPr>
+              <p:cNvPr id="1193" name="Rectángulo 1192">
+                <a:extLst>
+                  <a:ext uri="{FF2B5EF4-FFF2-40B4-BE49-F238E27FC236}">
+                    <a16:creationId xmlns:a16="http://schemas.microsoft.com/office/drawing/2014/main" id="{9DE3A7E7-8949-888A-E7CC-4620F059CBDD}"/>
+                  </a:ext>
+                </a:extLst>
+              </p:cNvPr>
+              <p:cNvSpPr/>
+              <p:nvPr/>
+            </p:nvSpPr>
+            <p:spPr>
+              <a:xfrm>
+                <a:off x="1290753" y="5855013"/>
+                <a:ext cx="535666" cy="776768"/>
+              </a:xfrm>
+              <a:prstGeom prst="rect">
+                <a:avLst/>
+              </a:prstGeom>
+              <a:noFill/>
+            </p:spPr>
+            <p:style>
+              <a:lnRef idx="2">
+                <a:schemeClr val="accent1">
+                  <a:shade val="15000"/>
+                </a:schemeClr>
+              </a:lnRef>
+              <a:fillRef idx="1">
+                <a:schemeClr val="accent1"/>
+              </a:fillRef>
+              <a:effectRef idx="0">
+                <a:schemeClr val="accent1"/>
+              </a:effectRef>
+              <a:fontRef idx="minor">
+                <a:schemeClr val="lt1"/>
+              </a:fontRef>
+            </p:style>
+            <p:txBody>
+              <a:bodyPr rtlCol="0" anchor="ctr"/>
+              <a:lstStyle/>
+              <a:p>
+                <a:pPr algn="ctr"/>
+                <a:endParaRPr lang="es-ES"/>
+              </a:p>
+            </p:txBody>
+          </p:sp>
+        </p:grpSp>
+        <p:sp>
+          <p:nvSpPr>
+            <p:cNvPr id="1195" name="Rectángulo: esquinas redondeadas 1194">
+              <a:extLst>
+                <a:ext uri="{FF2B5EF4-FFF2-40B4-BE49-F238E27FC236}">
+                  <a16:creationId xmlns:a16="http://schemas.microsoft.com/office/drawing/2014/main" id="{6CB42B3D-77C6-B420-E414-7067DA9FB5DA}"/>
+                </a:ext>
+              </a:extLst>
+            </p:cNvPr>
+            <p:cNvSpPr/>
+            <p:nvPr/>
+          </p:nvSpPr>
+          <p:spPr>
+            <a:xfrm>
+              <a:off x="1134058" y="5653953"/>
+              <a:ext cx="840495" cy="1087864"/>
+            </a:xfrm>
+            <a:prstGeom prst="roundRect">
+              <a:avLst/>
+            </a:prstGeom>
+            <a:noFill/>
+            <a:ln>
+              <a:solidFill>
+                <a:schemeClr val="accent1"/>
+              </a:solidFill>
+            </a:ln>
+          </p:spPr>
+          <p:style>
+            <a:lnRef idx="0">
+              <a:schemeClr val="accent1"/>
+            </a:lnRef>
+            <a:fillRef idx="3">
+              <a:schemeClr val="accent1"/>
+            </a:fillRef>
+            <a:effectRef idx="3">
+              <a:schemeClr val="accent1"/>
+            </a:effectRef>
+            <a:fontRef idx="minor">
+              <a:schemeClr val="lt1"/>
+            </a:fontRef>
+          </p:style>
+          <p:txBody>
+            <a:bodyPr rtlCol="0" anchor="ctr"/>
+            <a:lstStyle/>
+            <a:p>
+              <a:pPr algn="ctr"/>
+              <a:endParaRPr lang="es-ES" sz="1600" dirty="0">
+                <a:solidFill>
+                  <a:schemeClr val="tx2"/>
+                </a:solidFill>
+              </a:endParaRPr>
+            </a:p>
+          </p:txBody>
+        </p:sp>
+        <p:sp>
+          <p:nvSpPr>
+            <p:cNvPr id="1196" name="CuadroTexto 1195">
+              <a:extLst>
+                <a:ext uri="{FF2B5EF4-FFF2-40B4-BE49-F238E27FC236}">
+                  <a16:creationId xmlns:a16="http://schemas.microsoft.com/office/drawing/2014/main" id="{2991E1E8-8006-B95A-CE75-CC8760398D8E}"/>
+                </a:ext>
+              </a:extLst>
+            </p:cNvPr>
+            <p:cNvSpPr txBox="1"/>
+            <p:nvPr/>
+          </p:nvSpPr>
+          <p:spPr>
+            <a:xfrm>
+              <a:off x="1212234" y="5620643"/>
+              <a:ext cx="697016" cy="261610"/>
+            </a:xfrm>
+            <a:prstGeom prst="rect">
+              <a:avLst/>
+            </a:prstGeom>
+            <a:noFill/>
+            <a:effectLst>
+              <a:outerShdw blurRad="50800" dist="38100" dir="2700000" algn="tl" rotWithShape="0">
+                <a:prstClr val="black">
+                  <a:alpha val="40000"/>
+                </a:prstClr>
+              </a:outerShdw>
+            </a:effectLst>
+          </p:spPr>
+          <p:txBody>
+            <a:bodyPr wrap="square" rtlCol="0">
+              <a:spAutoFit/>
+            </a:bodyPr>
+            <a:lstStyle/>
+            <a:p>
+              <a:pPr algn="ctr"/>
+              <a:r>
+                <a:rPr lang="es-ES" sz="1100" dirty="0">
+                  <a:solidFill>
+                    <a:schemeClr val="tx2"/>
+                  </a:solidFill>
+                </a:rPr>
+                <a:t>Informe</a:t>
+              </a:r>
+              <a:endParaRPr lang="es-ES" sz="1200" dirty="0"/>
+            </a:p>
+          </p:txBody>
+        </p:sp>
+      </p:grpSp>
+      <p:sp>
+        <p:nvSpPr>
+          <p:cNvPr id="1198" name="Rectángulo 1197">
+            <a:extLst>
+              <a:ext uri="{FF2B5EF4-FFF2-40B4-BE49-F238E27FC236}">
+                <a16:creationId xmlns:a16="http://schemas.microsoft.com/office/drawing/2014/main" id="{B1C6FA34-1207-B3B0-6B38-FCF420F62B28}"/>
+              </a:ext>
+            </a:extLst>
+          </p:cNvPr>
+          <p:cNvSpPr/>
+          <p:nvPr/>
+        </p:nvSpPr>
+        <p:spPr>
+          <a:xfrm>
+            <a:off x="2897403" y="537130"/>
+            <a:ext cx="8040670" cy="5870020"/>
+          </a:xfrm>
+          <a:prstGeom prst="rect">
+            <a:avLst/>
+          </a:prstGeom>
+          <a:noFill/>
+        </p:spPr>
+        <p:style>
+          <a:lnRef idx="2">
+            <a:schemeClr val="accent1">
+              <a:shade val="15000"/>
+            </a:schemeClr>
+          </a:lnRef>
+          <a:fillRef idx="1">
+            <a:schemeClr val="accent1"/>
+          </a:fillRef>
+          <a:effectRef idx="0">
+            <a:schemeClr val="accent1"/>
+          </a:effectRef>
+          <a:fontRef idx="minor">
+            <a:schemeClr val="lt1"/>
+          </a:fontRef>
+        </p:style>
+        <p:txBody>
+          <a:bodyPr rtlCol="0" anchor="ctr"/>
+          <a:lstStyle/>
+          <a:p>
+            <a:pPr algn="ctr"/>
+            <a:endParaRPr lang="es-ES"/>
+          </a:p>
+        </p:txBody>
+      </p:sp>
+      <p:sp>
+        <p:nvSpPr>
+          <p:cNvPr id="1203" name="CuadroTexto 1202">
+            <a:extLst>
+              <a:ext uri="{FF2B5EF4-FFF2-40B4-BE49-F238E27FC236}">
+                <a16:creationId xmlns:a16="http://schemas.microsoft.com/office/drawing/2014/main" id="{09199DEA-2CFF-14DF-5123-9073C37DD472}"/>
+              </a:ext>
+            </a:extLst>
+          </p:cNvPr>
+          <p:cNvSpPr txBox="1"/>
+          <p:nvPr/>
+        </p:nvSpPr>
+        <p:spPr>
+          <a:xfrm>
+            <a:off x="1427721" y="1987390"/>
+            <a:ext cx="1724237" cy="261610"/>
+          </a:xfrm>
+          <a:prstGeom prst="rect">
+            <a:avLst/>
+          </a:prstGeom>
+          <a:noFill/>
+          <a:effectLst>
+            <a:outerShdw blurRad="50800" dist="38100" dir="2700000" algn="tl" rotWithShape="0">
+              <a:prstClr val="black">
+                <a:alpha val="40000"/>
+              </a:prstClr>
+            </a:outerShdw>
+          </a:effectLst>
+        </p:spPr>
+        <p:txBody>
+          <a:bodyPr wrap="square" rtlCol="0">
+            <a:spAutoFit/>
+          </a:bodyPr>
+          <a:lstStyle/>
+          <a:p>
+            <a:pPr algn="ctr"/>
+            <a:r>
+              <a:rPr lang="es-ES" sz="1100" dirty="0">
+                <a:solidFill>
+                  <a:schemeClr val="tx2"/>
+                </a:solidFill>
+              </a:rPr>
+              <a:t>Código Fuente</a:t>
+            </a:r>
+            <a:endParaRPr lang="es-ES" sz="1200" dirty="0"/>
+          </a:p>
+        </p:txBody>
+      </p:sp>
+      <p:sp>
+        <p:nvSpPr>
+          <p:cNvPr id="5" name="Flecha: a la derecha 4">
+            <a:extLst>
+              <a:ext uri="{FF2B5EF4-FFF2-40B4-BE49-F238E27FC236}">
+                <a16:creationId xmlns:a16="http://schemas.microsoft.com/office/drawing/2014/main" id="{A23139AA-5035-E8D1-3BF8-2BA8B8084885}"/>
+              </a:ext>
+            </a:extLst>
+          </p:cNvPr>
+          <p:cNvSpPr/>
+          <p:nvPr/>
+        </p:nvSpPr>
+        <p:spPr>
+          <a:xfrm>
+            <a:off x="2667208" y="1631337"/>
             <a:ext cx="587395" cy="409148"/>
           </a:xfrm>
           <a:prstGeom prst="rightArrow">
@@ -7086,6 +12688,212 @@
           </a:p>
         </p:txBody>
       </p:sp>
+      <p:sp>
+        <p:nvSpPr>
+          <p:cNvPr id="1121" name="Flecha: a la derecha 1120">
+            <a:extLst>
+              <a:ext uri="{FF2B5EF4-FFF2-40B4-BE49-F238E27FC236}">
+                <a16:creationId xmlns:a16="http://schemas.microsoft.com/office/drawing/2014/main" id="{BCF9A931-B79B-CC37-A7FE-9217A8F7DF05}"/>
+              </a:ext>
+            </a:extLst>
+          </p:cNvPr>
+          <p:cNvSpPr/>
+          <p:nvPr/>
+        </p:nvSpPr>
+        <p:spPr>
+          <a:xfrm rot="10800000">
+            <a:off x="2451181" y="4749664"/>
+            <a:ext cx="587395" cy="409148"/>
+          </a:xfrm>
+          <a:prstGeom prst="rightArrow">
+            <a:avLst/>
+          </a:prstGeom>
+        </p:spPr>
+        <p:style>
+          <a:lnRef idx="0">
+            <a:schemeClr val="accent1"/>
+          </a:lnRef>
+          <a:fillRef idx="3">
+            <a:schemeClr val="accent1"/>
+          </a:fillRef>
+          <a:effectRef idx="3">
+            <a:schemeClr val="accent1"/>
+          </a:effectRef>
+          <a:fontRef idx="minor">
+            <a:schemeClr val="lt1"/>
+          </a:fontRef>
+        </p:style>
+        <p:txBody>
+          <a:bodyPr rtlCol="0" anchor="ctr"/>
+          <a:lstStyle/>
+          <a:p>
+            <a:pPr algn="ctr"/>
+            <a:endParaRPr lang="es-ES"/>
+          </a:p>
+        </p:txBody>
+      </p:sp>
+      <p:grpSp>
+        <p:nvGrpSpPr>
+          <p:cNvPr id="1212" name="Grupo 1211">
+            <a:extLst>
+              <a:ext uri="{FF2B5EF4-FFF2-40B4-BE49-F238E27FC236}">
+                <a16:creationId xmlns:a16="http://schemas.microsoft.com/office/drawing/2014/main" id="{05DBF8EF-2AC4-21DD-D75D-4EC3E933D7E1}"/>
+              </a:ext>
+            </a:extLst>
+          </p:cNvPr>
+          <p:cNvGrpSpPr/>
+          <p:nvPr/>
+        </p:nvGrpSpPr>
+        <p:grpSpPr>
+          <a:xfrm>
+            <a:off x="1848683" y="1299354"/>
+            <a:ext cx="783604" cy="714213"/>
+            <a:chOff x="1373206" y="1106820"/>
+            <a:chExt cx="1147274" cy="1045679"/>
+          </a:xfrm>
+        </p:grpSpPr>
+        <p:pic>
+          <p:nvPicPr>
+            <p:cNvPr id="1210" name="Picture 8">
+              <a:extLst>
+                <a:ext uri="{FF2B5EF4-FFF2-40B4-BE49-F238E27FC236}">
+                  <a16:creationId xmlns:a16="http://schemas.microsoft.com/office/drawing/2014/main" id="{F4A8501D-CFD5-0D81-0564-17008E5A06D9}"/>
+                </a:ext>
+              </a:extLst>
+            </p:cNvPr>
+            <p:cNvPicPr>
+              <a:picLocks noChangeAspect="1" noChangeArrowheads="1"/>
+            </p:cNvPicPr>
+            <p:nvPr/>
+          </p:nvPicPr>
+          <p:blipFill>
+            <a:blip r:embed="rId4">
+              <a:extLst>
+                <a:ext uri="{28A0092B-C50C-407E-A947-70E740481C1C}">
+                  <a14:useLocalDpi xmlns:a14="http://schemas.microsoft.com/office/drawing/2010/main" val="0"/>
+                </a:ext>
+              </a:extLst>
+            </a:blip>
+            <a:srcRect/>
+            <a:stretch>
+              <a:fillRect/>
+            </a:stretch>
+          </p:blipFill>
+          <p:spPr bwMode="auto">
+            <a:xfrm>
+              <a:off x="1373206" y="1106820"/>
+              <a:ext cx="914416" cy="914416"/>
+            </a:xfrm>
+            <a:prstGeom prst="rect">
+              <a:avLst/>
+            </a:prstGeom>
+            <a:noFill/>
+            <a:extLst>
+              <a:ext uri="{909E8E84-426E-40DD-AFC4-6F175D3DCCD1}">
+                <a14:hiddenFill xmlns:a14="http://schemas.microsoft.com/office/drawing/2010/main">
+                  <a:solidFill>
+                    <a:srgbClr val="FFFFFF"/>
+                  </a:solidFill>
+                </a14:hiddenFill>
+              </a:ext>
+            </a:extLst>
+          </p:spPr>
+        </p:pic>
+        <p:pic>
+          <p:nvPicPr>
+            <p:cNvPr id="1209" name="Picture 8">
+              <a:extLst>
+                <a:ext uri="{FF2B5EF4-FFF2-40B4-BE49-F238E27FC236}">
+                  <a16:creationId xmlns:a16="http://schemas.microsoft.com/office/drawing/2014/main" id="{2ECFF195-EE2F-DCC5-F6FF-C7D87AA4D305}"/>
+                </a:ext>
+              </a:extLst>
+            </p:cNvPr>
+            <p:cNvPicPr>
+              <a:picLocks noChangeAspect="1" noChangeArrowheads="1"/>
+            </p:cNvPicPr>
+            <p:nvPr/>
+          </p:nvPicPr>
+          <p:blipFill>
+            <a:blip r:embed="rId4">
+              <a:extLst>
+                <a:ext uri="{28A0092B-C50C-407E-A947-70E740481C1C}">
+                  <a14:useLocalDpi xmlns:a14="http://schemas.microsoft.com/office/drawing/2010/main" val="0"/>
+                </a:ext>
+              </a:extLst>
+            </a:blip>
+            <a:srcRect/>
+            <a:stretch>
+              <a:fillRect/>
+            </a:stretch>
+          </p:blipFill>
+          <p:spPr bwMode="auto">
+            <a:xfrm>
+              <a:off x="1495760" y="1178218"/>
+              <a:ext cx="914416" cy="914416"/>
+            </a:xfrm>
+            <a:prstGeom prst="rect">
+              <a:avLst/>
+            </a:prstGeom>
+            <a:noFill/>
+            <a:extLst>
+              <a:ext uri="{909E8E84-426E-40DD-AFC4-6F175D3DCCD1}">
+                <a14:hiddenFill xmlns:a14="http://schemas.microsoft.com/office/drawing/2010/main">
+                  <a:solidFill>
+                    <a:srgbClr val="FFFFFF"/>
+                  </a:solidFill>
+                </a14:hiddenFill>
+              </a:ext>
+            </a:extLst>
+          </p:spPr>
+        </p:pic>
+        <p:pic>
+          <p:nvPicPr>
+            <p:cNvPr id="1208" name="Picture 8">
+              <a:extLst>
+                <a:ext uri="{FF2B5EF4-FFF2-40B4-BE49-F238E27FC236}">
+                  <a16:creationId xmlns:a16="http://schemas.microsoft.com/office/drawing/2014/main" id="{5C717B50-53A5-E9B9-AF9B-85C1872C19D1}"/>
+                </a:ext>
+              </a:extLst>
+            </p:cNvPr>
+            <p:cNvPicPr>
+              <a:picLocks noChangeAspect="1" noChangeArrowheads="1"/>
+            </p:cNvPicPr>
+            <p:nvPr/>
+          </p:nvPicPr>
+          <p:blipFill>
+            <a:blip r:embed="rId4">
+              <a:extLst>
+                <a:ext uri="{28A0092B-C50C-407E-A947-70E740481C1C}">
+                  <a14:useLocalDpi xmlns:a14="http://schemas.microsoft.com/office/drawing/2010/main" val="0"/>
+                </a:ext>
+              </a:extLst>
+            </a:blip>
+            <a:srcRect/>
+            <a:stretch>
+              <a:fillRect/>
+            </a:stretch>
+          </p:blipFill>
+          <p:spPr bwMode="auto">
+            <a:xfrm>
+              <a:off x="1606064" y="1238083"/>
+              <a:ext cx="914416" cy="914416"/>
+            </a:xfrm>
+            <a:prstGeom prst="rect">
+              <a:avLst/>
+            </a:prstGeom>
+            <a:noFill/>
+            <a:extLst>
+              <a:ext uri="{909E8E84-426E-40DD-AFC4-6F175D3DCCD1}">
+                <a14:hiddenFill xmlns:a14="http://schemas.microsoft.com/office/drawing/2010/main">
+                  <a:solidFill>
+                    <a:srgbClr val="FFFFFF"/>
+                  </a:solidFill>
+                </a14:hiddenFill>
+              </a:ext>
+            </a:extLst>
+          </p:spPr>
+        </p:pic>
+      </p:grpSp>
     </p:spTree>
     <p:extLst>
       <p:ext uri="{BB962C8B-B14F-4D97-AF65-F5344CB8AC3E}">

--- a/documentation/Sistema.pptx
+++ b/documentation/Sistema.pptx
@@ -5,8 +5,8 @@
     <p:sldMasterId id="2147483648" r:id="rId1"/>
   </p:sldMasterIdLst>
   <p:sldIdLst>
-    <p:sldId id="256" r:id="rId2"/>
-    <p:sldId id="258" r:id="rId3"/>
+    <p:sldId id="258" r:id="rId2"/>
+    <p:sldId id="259" r:id="rId3"/>
   </p:sldIdLst>
   <p:sldSz cx="12192000" cy="6858000"/>
   <p:notesSz cx="6858000" cy="9144000"/>
@@ -3311,9604 +3311,6 @@
 </file>
 
 <file path=ppt/slides/slide1.xml><?xml version="1.0" encoding="utf-8"?>
-<p:sld xmlns:a="http://schemas.openxmlformats.org/drawingml/2006/main" xmlns:r="http://schemas.openxmlformats.org/officeDocument/2006/relationships" xmlns:p="http://schemas.openxmlformats.org/presentationml/2006/main">
-  <p:cSld>
-    <p:spTree>
-      <p:nvGrpSpPr>
-        <p:cNvPr id="1" name=""/>
-        <p:cNvGrpSpPr/>
-        <p:nvPr/>
-      </p:nvGrpSpPr>
-      <p:grpSpPr>
-        <a:xfrm>
-          <a:off x="0" y="0"/>
-          <a:ext cx="0" cy="0"/>
-          <a:chOff x="0" y="0"/>
-          <a:chExt cx="0" cy="0"/>
-        </a:xfrm>
-      </p:grpSpPr>
-      <p:pic>
-        <p:nvPicPr>
-          <p:cNvPr id="1028" name="Picture 4" descr="GitHub Logo and symbol, meaning, history, PNG, brand">
-            <a:extLst>
-              <a:ext uri="{FF2B5EF4-FFF2-40B4-BE49-F238E27FC236}">
-                <a16:creationId xmlns:a16="http://schemas.microsoft.com/office/drawing/2014/main" id="{E1208C75-3AA0-3DD3-49CB-3FB9D8E27B26}"/>
-              </a:ext>
-            </a:extLst>
-          </p:cNvPr>
-          <p:cNvPicPr>
-            <a:picLocks noChangeAspect="1" noChangeArrowheads="1"/>
-          </p:cNvPicPr>
-          <p:nvPr/>
-        </p:nvPicPr>
-        <p:blipFill>
-          <a:blip r:embed="rId2">
-            <a:extLst>
-              <a:ext uri="{28A0092B-C50C-407E-A947-70E740481C1C}">
-                <a14:useLocalDpi xmlns:a14="http://schemas.microsoft.com/office/drawing/2010/main" val="0"/>
-              </a:ext>
-            </a:extLst>
-          </a:blip>
-          <a:srcRect/>
-          <a:stretch>
-            <a:fillRect/>
-          </a:stretch>
-        </p:blipFill>
-        <p:spPr bwMode="auto">
-          <a:xfrm>
-            <a:off x="418140" y="921970"/>
-            <a:ext cx="1203495" cy="676966"/>
-          </a:xfrm>
-          <a:prstGeom prst="rect">
-            <a:avLst/>
-          </a:prstGeom>
-          <a:noFill/>
-          <a:extLst>
-            <a:ext uri="{909E8E84-426E-40DD-AFC4-6F175D3DCCD1}">
-              <a14:hiddenFill xmlns:a14="http://schemas.microsoft.com/office/drawing/2010/main">
-                <a:solidFill>
-                  <a:srgbClr val="FFFFFF"/>
-                </a:solidFill>
-              </a14:hiddenFill>
-            </a:ext>
-          </a:extLst>
-        </p:spPr>
-      </p:pic>
-      <p:pic>
-        <p:nvPicPr>
-          <p:cNvPr id="1030" name="Picture 6" descr="Escuela de Ingeniería Informática - Inicio">
-            <a:extLst>
-              <a:ext uri="{FF2B5EF4-FFF2-40B4-BE49-F238E27FC236}">
-                <a16:creationId xmlns:a16="http://schemas.microsoft.com/office/drawing/2014/main" id="{93B7C3E1-13C7-D097-FCCF-AE484D597CFC}"/>
-              </a:ext>
-            </a:extLst>
-          </p:cNvPr>
-          <p:cNvPicPr>
-            <a:picLocks noChangeAspect="1" noChangeArrowheads="1"/>
-          </p:cNvPicPr>
-          <p:nvPr/>
-        </p:nvPicPr>
-        <p:blipFill>
-          <a:blip r:embed="rId3">
-            <a:extLst>
-              <a:ext uri="{28A0092B-C50C-407E-A947-70E740481C1C}">
-                <a14:useLocalDpi xmlns:a14="http://schemas.microsoft.com/office/drawing/2010/main" val="0"/>
-              </a:ext>
-            </a:extLst>
-          </a:blip>
-          <a:srcRect/>
-          <a:stretch>
-            <a:fillRect/>
-          </a:stretch>
-        </p:blipFill>
-        <p:spPr bwMode="auto">
-          <a:xfrm>
-            <a:off x="407239" y="1960040"/>
-            <a:ext cx="1225296" cy="612648"/>
-          </a:xfrm>
-          <a:prstGeom prst="rect">
-            <a:avLst/>
-          </a:prstGeom>
-          <a:noFill/>
-          <a:extLst>
-            <a:ext uri="{909E8E84-426E-40DD-AFC4-6F175D3DCCD1}">
-              <a14:hiddenFill xmlns:a14="http://schemas.microsoft.com/office/drawing/2010/main">
-                <a:solidFill>
-                  <a:srgbClr val="FFFFFF"/>
-                </a:solidFill>
-              </a14:hiddenFill>
-            </a:ext>
-          </a:extLst>
-        </p:spPr>
-      </p:pic>
-      <p:sp>
-        <p:nvSpPr>
-          <p:cNvPr id="6" name="Rectángulo: esquinas redondeadas 5">
-            <a:extLst>
-              <a:ext uri="{FF2B5EF4-FFF2-40B4-BE49-F238E27FC236}">
-                <a16:creationId xmlns:a16="http://schemas.microsoft.com/office/drawing/2014/main" id="{52896A0A-D3A1-E6E2-75AF-408064B1C5A2}"/>
-              </a:ext>
-            </a:extLst>
-          </p:cNvPr>
-          <p:cNvSpPr/>
-          <p:nvPr/>
-        </p:nvSpPr>
-        <p:spPr>
-          <a:xfrm>
-            <a:off x="3328953" y="1266379"/>
-            <a:ext cx="2857500" cy="1139063"/>
-          </a:xfrm>
-          <a:prstGeom prst="roundRect">
-            <a:avLst/>
-          </a:prstGeom>
-          <a:noFill/>
-          <a:ln>
-            <a:solidFill>
-              <a:schemeClr val="accent1"/>
-            </a:solidFill>
-          </a:ln>
-        </p:spPr>
-        <p:style>
-          <a:lnRef idx="0">
-            <a:schemeClr val="accent1"/>
-          </a:lnRef>
-          <a:fillRef idx="3">
-            <a:schemeClr val="accent1"/>
-          </a:fillRef>
-          <a:effectRef idx="3">
-            <a:schemeClr val="accent1"/>
-          </a:effectRef>
-          <a:fontRef idx="minor">
-            <a:schemeClr val="lt1"/>
-          </a:fontRef>
-        </p:style>
-        <p:txBody>
-          <a:bodyPr rtlCol="0" anchor="ctr"/>
-          <a:lstStyle/>
-          <a:p>
-            <a:pPr algn="ctr"/>
-            <a:r>
-              <a:rPr lang="es-ES" sz="1600" dirty="0" err="1">
-                <a:solidFill>
-                  <a:schemeClr val="tx2"/>
-                </a:solidFill>
-              </a:rPr>
-              <a:t>The</a:t>
-            </a:r>
-            <a:r>
-              <a:rPr lang="es-ES" sz="1600" dirty="0">
-                <a:solidFill>
-                  <a:schemeClr val="tx2"/>
-                </a:solidFill>
-              </a:rPr>
-              <a:t> Python Standard Library</a:t>
-            </a:r>
-            <a:br>
-              <a:rPr lang="es-ES" sz="1600" dirty="0">
-                <a:solidFill>
-                  <a:schemeClr val="tx2"/>
-                </a:solidFill>
-              </a:rPr>
-            </a:br>
-            <a:r>
-              <a:rPr lang="es-ES" sz="1200" dirty="0">
-                <a:solidFill>
-                  <a:schemeClr val="tx2"/>
-                </a:solidFill>
-              </a:rPr>
-              <a:t>(AST Module)</a:t>
-            </a:r>
-            <a:endParaRPr lang="es-ES" sz="1600" dirty="0">
-              <a:solidFill>
-                <a:schemeClr val="tx2"/>
-              </a:solidFill>
-            </a:endParaRPr>
-          </a:p>
-        </p:txBody>
-      </p:sp>
-      <p:sp>
-        <p:nvSpPr>
-          <p:cNvPr id="7" name="Rectángulo: esquinas redondeadas 6">
-            <a:extLst>
-              <a:ext uri="{FF2B5EF4-FFF2-40B4-BE49-F238E27FC236}">
-                <a16:creationId xmlns:a16="http://schemas.microsoft.com/office/drawing/2014/main" id="{02F10FB2-560B-77EF-F183-8C4F8E89F42F}"/>
-              </a:ext>
-            </a:extLst>
-          </p:cNvPr>
-          <p:cNvSpPr/>
-          <p:nvPr/>
-        </p:nvSpPr>
-        <p:spPr>
-          <a:xfrm>
-            <a:off x="6991350" y="673860"/>
-            <a:ext cx="3800194" cy="2324100"/>
-          </a:xfrm>
-          <a:prstGeom prst="roundRect">
-            <a:avLst/>
-          </a:prstGeom>
-          <a:noFill/>
-          <a:ln>
-            <a:solidFill>
-              <a:schemeClr val="accent1"/>
-            </a:solidFill>
-          </a:ln>
-        </p:spPr>
-        <p:style>
-          <a:lnRef idx="0">
-            <a:schemeClr val="accent1"/>
-          </a:lnRef>
-          <a:fillRef idx="3">
-            <a:schemeClr val="accent1"/>
-          </a:fillRef>
-          <a:effectRef idx="3">
-            <a:schemeClr val="accent1"/>
-          </a:effectRef>
-          <a:fontRef idx="minor">
-            <a:schemeClr val="lt1"/>
-          </a:fontRef>
-        </p:style>
-        <p:txBody>
-          <a:bodyPr rtlCol="0" anchor="ctr"/>
-          <a:lstStyle/>
-          <a:p>
-            <a:pPr algn="ctr"/>
-            <a:endParaRPr lang="es-ES" sz="1600" dirty="0">
-              <a:solidFill>
-                <a:schemeClr val="tx2"/>
-              </a:solidFill>
-            </a:endParaRPr>
-          </a:p>
-        </p:txBody>
-      </p:sp>
-      <p:sp>
-        <p:nvSpPr>
-          <p:cNvPr id="51" name="CuadroTexto 50">
-            <a:extLst>
-              <a:ext uri="{FF2B5EF4-FFF2-40B4-BE49-F238E27FC236}">
-                <a16:creationId xmlns:a16="http://schemas.microsoft.com/office/drawing/2014/main" id="{C766D12E-407C-3AE4-7D37-1C4F91369604}"/>
-              </a:ext>
-            </a:extLst>
-          </p:cNvPr>
-          <p:cNvSpPr txBox="1"/>
-          <p:nvPr/>
-        </p:nvSpPr>
-        <p:spPr>
-          <a:xfrm>
-            <a:off x="7603630" y="750061"/>
-            <a:ext cx="3033713" cy="261610"/>
-          </a:xfrm>
-          <a:prstGeom prst="rect">
-            <a:avLst/>
-          </a:prstGeom>
-          <a:noFill/>
-          <a:effectLst>
-            <a:outerShdw blurRad="50800" dist="38100" dir="2700000" algn="tl" rotWithShape="0">
-              <a:prstClr val="black">
-                <a:alpha val="40000"/>
-              </a:prstClr>
-            </a:outerShdw>
-          </a:effectLst>
-        </p:spPr>
-        <p:txBody>
-          <a:bodyPr wrap="square" rtlCol="0">
-            <a:spAutoFit/>
-          </a:bodyPr>
-          <a:lstStyle/>
-          <a:p>
-            <a:pPr algn="r"/>
-            <a:r>
-              <a:rPr lang="es-ES" sz="1100" dirty="0">
-                <a:solidFill>
-                  <a:schemeClr val="tx2"/>
-                </a:solidFill>
-              </a:rPr>
-              <a:t>Árbol de Sintaxis Abstracta (AST)</a:t>
-            </a:r>
-            <a:endParaRPr lang="es-ES" sz="1200" dirty="0"/>
-          </a:p>
-        </p:txBody>
-      </p:sp>
-      <p:cxnSp>
-        <p:nvCxnSpPr>
-          <p:cNvPr id="11" name="Conector recto 10">
-            <a:extLst>
-              <a:ext uri="{FF2B5EF4-FFF2-40B4-BE49-F238E27FC236}">
-                <a16:creationId xmlns:a16="http://schemas.microsoft.com/office/drawing/2014/main" id="{801E50FD-8B38-7FAB-0C7C-23AD412A1FA7}"/>
-              </a:ext>
-            </a:extLst>
-          </p:cNvPr>
-          <p:cNvCxnSpPr>
-            <a:cxnSpLocks/>
-            <a:stCxn id="8" idx="4"/>
-            <a:endCxn id="19" idx="0"/>
-          </p:cNvCxnSpPr>
-          <p:nvPr/>
-        </p:nvCxnSpPr>
-        <p:spPr>
-          <a:xfrm>
-            <a:off x="8269253" y="1045783"/>
-            <a:ext cx="235039" cy="462748"/>
-          </a:xfrm>
-          <a:prstGeom prst="line">
-            <a:avLst/>
-          </a:prstGeom>
-        </p:spPr>
-        <p:style>
-          <a:lnRef idx="2">
-            <a:schemeClr val="accent1"/>
-          </a:lnRef>
-          <a:fillRef idx="0">
-            <a:schemeClr val="accent1"/>
-          </a:fillRef>
-          <a:effectRef idx="1">
-            <a:schemeClr val="accent1"/>
-          </a:effectRef>
-          <a:fontRef idx="minor">
-            <a:schemeClr val="tx1"/>
-          </a:fontRef>
-        </p:style>
-      </p:cxnSp>
-      <p:cxnSp>
-        <p:nvCxnSpPr>
-          <p:cNvPr id="13" name="Conector recto 12">
-            <a:extLst>
-              <a:ext uri="{FF2B5EF4-FFF2-40B4-BE49-F238E27FC236}">
-                <a16:creationId xmlns:a16="http://schemas.microsoft.com/office/drawing/2014/main" id="{43835F27-195E-B7C1-E0E5-6DF527705A3A}"/>
-              </a:ext>
-            </a:extLst>
-          </p:cNvPr>
-          <p:cNvCxnSpPr>
-            <a:cxnSpLocks/>
-            <a:stCxn id="8" idx="4"/>
-            <a:endCxn id="9" idx="0"/>
-          </p:cNvCxnSpPr>
-          <p:nvPr/>
-        </p:nvCxnSpPr>
-        <p:spPr>
-          <a:xfrm>
-            <a:off x="8269253" y="1045783"/>
-            <a:ext cx="719804" cy="462748"/>
-          </a:xfrm>
-          <a:prstGeom prst="line">
-            <a:avLst/>
-          </a:prstGeom>
-        </p:spPr>
-        <p:style>
-          <a:lnRef idx="2">
-            <a:schemeClr val="accent1"/>
-          </a:lnRef>
-          <a:fillRef idx="0">
-            <a:schemeClr val="accent1"/>
-          </a:fillRef>
-          <a:effectRef idx="1">
-            <a:schemeClr val="accent1"/>
-          </a:effectRef>
-          <a:fontRef idx="minor">
-            <a:schemeClr val="tx1"/>
-          </a:fontRef>
-        </p:style>
-      </p:cxnSp>
-      <p:cxnSp>
-        <p:nvCxnSpPr>
-          <p:cNvPr id="24" name="Conector recto 23">
-            <a:extLst>
-              <a:ext uri="{FF2B5EF4-FFF2-40B4-BE49-F238E27FC236}">
-                <a16:creationId xmlns:a16="http://schemas.microsoft.com/office/drawing/2014/main" id="{DF12AB02-C730-0E47-D240-D6C5FE0C2439}"/>
-              </a:ext>
-            </a:extLst>
-          </p:cNvPr>
-          <p:cNvCxnSpPr>
-            <a:cxnSpLocks/>
-            <a:stCxn id="8" idx="4"/>
-            <a:endCxn id="22" idx="0"/>
-          </p:cNvCxnSpPr>
-          <p:nvPr/>
-        </p:nvCxnSpPr>
-        <p:spPr>
-          <a:xfrm flipH="1">
-            <a:off x="8019529" y="1045783"/>
-            <a:ext cx="249724" cy="462748"/>
-          </a:xfrm>
-          <a:prstGeom prst="line">
-            <a:avLst/>
-          </a:prstGeom>
-        </p:spPr>
-        <p:style>
-          <a:lnRef idx="2">
-            <a:schemeClr val="accent1"/>
-          </a:lnRef>
-          <a:fillRef idx="0">
-            <a:schemeClr val="accent1"/>
-          </a:fillRef>
-          <a:effectRef idx="1">
-            <a:schemeClr val="accent1"/>
-          </a:effectRef>
-          <a:fontRef idx="minor">
-            <a:schemeClr val="tx1"/>
-          </a:fontRef>
-        </p:style>
-      </p:cxnSp>
-      <p:cxnSp>
-        <p:nvCxnSpPr>
-          <p:cNvPr id="27" name="Conector recto 26">
-            <a:extLst>
-              <a:ext uri="{FF2B5EF4-FFF2-40B4-BE49-F238E27FC236}">
-                <a16:creationId xmlns:a16="http://schemas.microsoft.com/office/drawing/2014/main" id="{EF784ED5-6BF7-AC6A-F2DA-D9D9CF0CE1A0}"/>
-              </a:ext>
-            </a:extLst>
-          </p:cNvPr>
-          <p:cNvCxnSpPr>
-            <a:cxnSpLocks/>
-            <a:stCxn id="8" idx="4"/>
-            <a:endCxn id="23" idx="0"/>
-          </p:cNvCxnSpPr>
-          <p:nvPr/>
-        </p:nvCxnSpPr>
-        <p:spPr>
-          <a:xfrm flipH="1">
-            <a:off x="7534766" y="1045783"/>
-            <a:ext cx="734487" cy="462748"/>
-          </a:xfrm>
-          <a:prstGeom prst="line">
-            <a:avLst/>
-          </a:prstGeom>
-        </p:spPr>
-        <p:style>
-          <a:lnRef idx="2">
-            <a:schemeClr val="accent1"/>
-          </a:lnRef>
-          <a:fillRef idx="0">
-            <a:schemeClr val="accent1"/>
-          </a:fillRef>
-          <a:effectRef idx="1">
-            <a:schemeClr val="accent1"/>
-          </a:effectRef>
-          <a:fontRef idx="minor">
-            <a:schemeClr val="tx1"/>
-          </a:fontRef>
-        </p:style>
-      </p:cxnSp>
-      <p:sp>
-        <p:nvSpPr>
-          <p:cNvPr id="8" name="Elipse 7">
-            <a:extLst>
-              <a:ext uri="{FF2B5EF4-FFF2-40B4-BE49-F238E27FC236}">
-                <a16:creationId xmlns:a16="http://schemas.microsoft.com/office/drawing/2014/main" id="{A5FD0CE7-0960-A7BB-239C-1FDF2136810D}"/>
-              </a:ext>
-            </a:extLst>
-          </p:cNvPr>
-          <p:cNvSpPr/>
-          <p:nvPr/>
-        </p:nvSpPr>
-        <p:spPr>
-          <a:xfrm>
-            <a:off x="8132728" y="772733"/>
-            <a:ext cx="273050" cy="273050"/>
-          </a:xfrm>
-          <a:prstGeom prst="ellipse">
-            <a:avLst/>
-          </a:prstGeom>
-          <a:solidFill>
-            <a:srgbClr val="FFDF00"/>
-          </a:solidFill>
-        </p:spPr>
-        <p:style>
-          <a:lnRef idx="2">
-            <a:schemeClr val="accent4">
-              <a:shade val="15000"/>
-            </a:schemeClr>
-          </a:lnRef>
-          <a:fillRef idx="1">
-            <a:schemeClr val="accent4"/>
-          </a:fillRef>
-          <a:effectRef idx="0">
-            <a:schemeClr val="accent4"/>
-          </a:effectRef>
-          <a:fontRef idx="minor">
-            <a:schemeClr val="lt1"/>
-          </a:fontRef>
-        </p:style>
-        <p:txBody>
-          <a:bodyPr rtlCol="0" anchor="ctr"/>
-          <a:lstStyle/>
-          <a:p>
-            <a:pPr algn="ctr"/>
-            <a:endParaRPr lang="es-ES"/>
-          </a:p>
-        </p:txBody>
-      </p:sp>
-      <p:cxnSp>
-        <p:nvCxnSpPr>
-          <p:cNvPr id="35" name="Conector recto 34">
-            <a:extLst>
-              <a:ext uri="{FF2B5EF4-FFF2-40B4-BE49-F238E27FC236}">
-                <a16:creationId xmlns:a16="http://schemas.microsoft.com/office/drawing/2014/main" id="{ECE49CB1-E3E5-74D5-AEFD-CFBFEFB0DCD7}"/>
-              </a:ext>
-            </a:extLst>
-          </p:cNvPr>
-          <p:cNvCxnSpPr>
-            <a:cxnSpLocks/>
-            <a:stCxn id="22" idx="4"/>
-            <a:endCxn id="32" idx="0"/>
-          </p:cNvCxnSpPr>
-          <p:nvPr/>
-        </p:nvCxnSpPr>
-        <p:spPr>
-          <a:xfrm>
-            <a:off x="8019529" y="1781581"/>
-            <a:ext cx="189702" cy="342934"/>
-          </a:xfrm>
-          <a:prstGeom prst="line">
-            <a:avLst/>
-          </a:prstGeom>
-        </p:spPr>
-        <p:style>
-          <a:lnRef idx="2">
-            <a:schemeClr val="accent1"/>
-          </a:lnRef>
-          <a:fillRef idx="0">
-            <a:schemeClr val="accent1"/>
-          </a:fillRef>
-          <a:effectRef idx="1">
-            <a:schemeClr val="accent1"/>
-          </a:effectRef>
-          <a:fontRef idx="minor">
-            <a:schemeClr val="tx1"/>
-          </a:fontRef>
-        </p:style>
-      </p:cxnSp>
-      <p:cxnSp>
-        <p:nvCxnSpPr>
-          <p:cNvPr id="38" name="Conector recto 37">
-            <a:extLst>
-              <a:ext uri="{FF2B5EF4-FFF2-40B4-BE49-F238E27FC236}">
-                <a16:creationId xmlns:a16="http://schemas.microsoft.com/office/drawing/2014/main" id="{ADB99F9B-D92F-8179-D520-9E4313C26C80}"/>
-              </a:ext>
-            </a:extLst>
-          </p:cNvPr>
-          <p:cNvCxnSpPr>
-            <a:cxnSpLocks/>
-            <a:stCxn id="19" idx="4"/>
-            <a:endCxn id="31" idx="0"/>
-          </p:cNvCxnSpPr>
-          <p:nvPr/>
-        </p:nvCxnSpPr>
-        <p:spPr>
-          <a:xfrm>
-            <a:off x="8504292" y="1781581"/>
-            <a:ext cx="188699" cy="342934"/>
-          </a:xfrm>
-          <a:prstGeom prst="line">
-            <a:avLst/>
-          </a:prstGeom>
-        </p:spPr>
-        <p:style>
-          <a:lnRef idx="2">
-            <a:schemeClr val="accent1"/>
-          </a:lnRef>
-          <a:fillRef idx="0">
-            <a:schemeClr val="accent1"/>
-          </a:fillRef>
-          <a:effectRef idx="1">
-            <a:schemeClr val="accent1"/>
-          </a:effectRef>
-          <a:fontRef idx="minor">
-            <a:schemeClr val="tx1"/>
-          </a:fontRef>
-        </p:style>
-      </p:cxnSp>
-      <p:cxnSp>
-        <p:nvCxnSpPr>
-          <p:cNvPr id="41" name="Conector recto 40">
-            <a:extLst>
-              <a:ext uri="{FF2B5EF4-FFF2-40B4-BE49-F238E27FC236}">
-                <a16:creationId xmlns:a16="http://schemas.microsoft.com/office/drawing/2014/main" id="{8891EACC-6013-7C7C-0BB5-72292273721A}"/>
-              </a:ext>
-            </a:extLst>
-          </p:cNvPr>
-          <p:cNvCxnSpPr>
-            <a:cxnSpLocks/>
-            <a:stCxn id="22" idx="4"/>
-            <a:endCxn id="33" idx="0"/>
-          </p:cNvCxnSpPr>
-          <p:nvPr/>
-        </p:nvCxnSpPr>
-        <p:spPr>
-          <a:xfrm flipH="1">
-            <a:off x="7725471" y="1781581"/>
-            <a:ext cx="294058" cy="342934"/>
-          </a:xfrm>
-          <a:prstGeom prst="line">
-            <a:avLst/>
-          </a:prstGeom>
-        </p:spPr>
-        <p:style>
-          <a:lnRef idx="2">
-            <a:schemeClr val="accent1"/>
-          </a:lnRef>
-          <a:fillRef idx="0">
-            <a:schemeClr val="accent1"/>
-          </a:fillRef>
-          <a:effectRef idx="1">
-            <a:schemeClr val="accent1"/>
-          </a:effectRef>
-          <a:fontRef idx="minor">
-            <a:schemeClr val="tx1"/>
-          </a:fontRef>
-        </p:style>
-      </p:cxnSp>
-      <p:cxnSp>
-        <p:nvCxnSpPr>
-          <p:cNvPr id="44" name="Conector recto 43">
-            <a:extLst>
-              <a:ext uri="{FF2B5EF4-FFF2-40B4-BE49-F238E27FC236}">
-                <a16:creationId xmlns:a16="http://schemas.microsoft.com/office/drawing/2014/main" id="{B3D72FAB-4BE4-53DA-257E-3923EBC7A6C7}"/>
-              </a:ext>
-            </a:extLst>
-          </p:cNvPr>
-          <p:cNvCxnSpPr>
-            <a:cxnSpLocks/>
-            <a:stCxn id="9" idx="4"/>
-            <a:endCxn id="30" idx="0"/>
-          </p:cNvCxnSpPr>
-          <p:nvPr/>
-        </p:nvCxnSpPr>
-        <p:spPr>
-          <a:xfrm>
-            <a:off x="8989057" y="1781582"/>
-            <a:ext cx="187695" cy="342933"/>
-          </a:xfrm>
-          <a:prstGeom prst="line">
-            <a:avLst/>
-          </a:prstGeom>
-        </p:spPr>
-        <p:style>
-          <a:lnRef idx="2">
-            <a:schemeClr val="accent1"/>
-          </a:lnRef>
-          <a:fillRef idx="0">
-            <a:schemeClr val="accent1"/>
-          </a:fillRef>
-          <a:effectRef idx="1">
-            <a:schemeClr val="accent1"/>
-          </a:effectRef>
-          <a:fontRef idx="minor">
-            <a:schemeClr val="tx1"/>
-          </a:fontRef>
-        </p:style>
-      </p:cxnSp>
-      <p:cxnSp>
-        <p:nvCxnSpPr>
-          <p:cNvPr id="48" name="Conector recto 47">
-            <a:extLst>
-              <a:ext uri="{FF2B5EF4-FFF2-40B4-BE49-F238E27FC236}">
-                <a16:creationId xmlns:a16="http://schemas.microsoft.com/office/drawing/2014/main" id="{4013DC9E-4CA3-E491-CBD1-BD19344A0A14}"/>
-              </a:ext>
-            </a:extLst>
-          </p:cNvPr>
-          <p:cNvCxnSpPr>
-            <a:cxnSpLocks/>
-            <a:stCxn id="23" idx="4"/>
-            <a:endCxn id="34" idx="0"/>
-          </p:cNvCxnSpPr>
-          <p:nvPr/>
-        </p:nvCxnSpPr>
-        <p:spPr>
-          <a:xfrm flipH="1">
-            <a:off x="7241710" y="1781582"/>
-            <a:ext cx="293056" cy="342933"/>
-          </a:xfrm>
-          <a:prstGeom prst="line">
-            <a:avLst/>
-          </a:prstGeom>
-        </p:spPr>
-        <p:style>
-          <a:lnRef idx="2">
-            <a:schemeClr val="accent1"/>
-          </a:lnRef>
-          <a:fillRef idx="0">
-            <a:schemeClr val="accent1"/>
-          </a:fillRef>
-          <a:effectRef idx="1">
-            <a:schemeClr val="accent1"/>
-          </a:effectRef>
-          <a:fontRef idx="minor">
-            <a:schemeClr val="tx1"/>
-          </a:fontRef>
-        </p:style>
-      </p:cxnSp>
-      <p:sp>
-        <p:nvSpPr>
-          <p:cNvPr id="9" name="Elipse 8">
-            <a:extLst>
-              <a:ext uri="{FF2B5EF4-FFF2-40B4-BE49-F238E27FC236}">
-                <a16:creationId xmlns:a16="http://schemas.microsoft.com/office/drawing/2014/main" id="{FB63FF8E-C0D1-0C6F-AF98-56A8286E7F1F}"/>
-              </a:ext>
-            </a:extLst>
-          </p:cNvPr>
-          <p:cNvSpPr/>
-          <p:nvPr/>
-        </p:nvSpPr>
-        <p:spPr>
-          <a:xfrm>
-            <a:off x="8852531" y="1508531"/>
-            <a:ext cx="273051" cy="273051"/>
-          </a:xfrm>
-          <a:prstGeom prst="ellipse">
-            <a:avLst/>
-          </a:prstGeom>
-          <a:solidFill>
-            <a:srgbClr val="FFDF00"/>
-          </a:solidFill>
-        </p:spPr>
-        <p:style>
-          <a:lnRef idx="2">
-            <a:schemeClr val="accent4">
-              <a:shade val="15000"/>
-            </a:schemeClr>
-          </a:lnRef>
-          <a:fillRef idx="1">
-            <a:schemeClr val="accent4"/>
-          </a:fillRef>
-          <a:effectRef idx="0">
-            <a:schemeClr val="accent4"/>
-          </a:effectRef>
-          <a:fontRef idx="minor">
-            <a:schemeClr val="lt1"/>
-          </a:fontRef>
-        </p:style>
-        <p:txBody>
-          <a:bodyPr rtlCol="0" anchor="ctr"/>
-          <a:lstStyle/>
-          <a:p>
-            <a:pPr algn="ctr"/>
-            <a:endParaRPr lang="es-ES"/>
-          </a:p>
-        </p:txBody>
-      </p:sp>
-      <p:sp>
-        <p:nvSpPr>
-          <p:cNvPr id="19" name="Elipse 18">
-            <a:extLst>
-              <a:ext uri="{FF2B5EF4-FFF2-40B4-BE49-F238E27FC236}">
-                <a16:creationId xmlns:a16="http://schemas.microsoft.com/office/drawing/2014/main" id="{D85EC623-2BDC-A1FC-677F-347D876C099E}"/>
-              </a:ext>
-            </a:extLst>
-          </p:cNvPr>
-          <p:cNvSpPr/>
-          <p:nvPr/>
-        </p:nvSpPr>
-        <p:spPr>
-          <a:xfrm>
-            <a:off x="8367767" y="1508531"/>
-            <a:ext cx="273050" cy="273050"/>
-          </a:xfrm>
-          <a:prstGeom prst="ellipse">
-            <a:avLst/>
-          </a:prstGeom>
-          <a:solidFill>
-            <a:srgbClr val="FFDF00"/>
-          </a:solidFill>
-        </p:spPr>
-        <p:style>
-          <a:lnRef idx="2">
-            <a:schemeClr val="accent4">
-              <a:shade val="15000"/>
-            </a:schemeClr>
-          </a:lnRef>
-          <a:fillRef idx="1">
-            <a:schemeClr val="accent4"/>
-          </a:fillRef>
-          <a:effectRef idx="0">
-            <a:schemeClr val="accent4"/>
-          </a:effectRef>
-          <a:fontRef idx="minor">
-            <a:schemeClr val="lt1"/>
-          </a:fontRef>
-        </p:style>
-        <p:txBody>
-          <a:bodyPr rtlCol="0" anchor="ctr"/>
-          <a:lstStyle/>
-          <a:p>
-            <a:pPr algn="ctr"/>
-            <a:endParaRPr lang="es-ES"/>
-          </a:p>
-        </p:txBody>
-      </p:sp>
-      <p:sp>
-        <p:nvSpPr>
-          <p:cNvPr id="22" name="Elipse 21">
-            <a:extLst>
-              <a:ext uri="{FF2B5EF4-FFF2-40B4-BE49-F238E27FC236}">
-                <a16:creationId xmlns:a16="http://schemas.microsoft.com/office/drawing/2014/main" id="{0FFCCA60-F1FD-2EC2-2AF0-6AB6323F67F9}"/>
-              </a:ext>
-            </a:extLst>
-          </p:cNvPr>
-          <p:cNvSpPr/>
-          <p:nvPr/>
-        </p:nvSpPr>
-        <p:spPr>
-          <a:xfrm>
-            <a:off x="7883004" y="1508531"/>
-            <a:ext cx="273050" cy="273050"/>
-          </a:xfrm>
-          <a:prstGeom prst="ellipse">
-            <a:avLst/>
-          </a:prstGeom>
-          <a:solidFill>
-            <a:srgbClr val="FFDF00"/>
-          </a:solidFill>
-        </p:spPr>
-        <p:style>
-          <a:lnRef idx="2">
-            <a:schemeClr val="accent4">
-              <a:shade val="15000"/>
-            </a:schemeClr>
-          </a:lnRef>
-          <a:fillRef idx="1">
-            <a:schemeClr val="accent4"/>
-          </a:fillRef>
-          <a:effectRef idx="0">
-            <a:schemeClr val="accent4"/>
-          </a:effectRef>
-          <a:fontRef idx="minor">
-            <a:schemeClr val="lt1"/>
-          </a:fontRef>
-        </p:style>
-        <p:txBody>
-          <a:bodyPr rtlCol="0" anchor="ctr"/>
-          <a:lstStyle/>
-          <a:p>
-            <a:pPr algn="ctr"/>
-            <a:endParaRPr lang="es-ES"/>
-          </a:p>
-        </p:txBody>
-      </p:sp>
-      <p:sp>
-        <p:nvSpPr>
-          <p:cNvPr id="23" name="Elipse 22">
-            <a:extLst>
-              <a:ext uri="{FF2B5EF4-FFF2-40B4-BE49-F238E27FC236}">
-                <a16:creationId xmlns:a16="http://schemas.microsoft.com/office/drawing/2014/main" id="{66A1FB35-4259-CB09-B547-C5C39E60FF18}"/>
-              </a:ext>
-            </a:extLst>
-          </p:cNvPr>
-          <p:cNvSpPr/>
-          <p:nvPr/>
-        </p:nvSpPr>
-        <p:spPr>
-          <a:xfrm>
-            <a:off x="7398240" y="1508531"/>
-            <a:ext cx="273051" cy="273051"/>
-          </a:xfrm>
-          <a:prstGeom prst="ellipse">
-            <a:avLst/>
-          </a:prstGeom>
-          <a:solidFill>
-            <a:srgbClr val="FFDF00"/>
-          </a:solidFill>
-        </p:spPr>
-        <p:style>
-          <a:lnRef idx="2">
-            <a:schemeClr val="accent4">
-              <a:shade val="15000"/>
-            </a:schemeClr>
-          </a:lnRef>
-          <a:fillRef idx="1">
-            <a:schemeClr val="accent4"/>
-          </a:fillRef>
-          <a:effectRef idx="0">
-            <a:schemeClr val="accent4"/>
-          </a:effectRef>
-          <a:fontRef idx="minor">
-            <a:schemeClr val="lt1"/>
-          </a:fontRef>
-        </p:style>
-        <p:txBody>
-          <a:bodyPr rtlCol="0" anchor="ctr"/>
-          <a:lstStyle/>
-          <a:p>
-            <a:pPr algn="ctr"/>
-            <a:endParaRPr lang="es-ES"/>
-          </a:p>
-        </p:txBody>
-      </p:sp>
-      <p:sp>
-        <p:nvSpPr>
-          <p:cNvPr id="30" name="Elipse 29">
-            <a:extLst>
-              <a:ext uri="{FF2B5EF4-FFF2-40B4-BE49-F238E27FC236}">
-                <a16:creationId xmlns:a16="http://schemas.microsoft.com/office/drawing/2014/main" id="{C2AFF7DD-6F40-C49B-7272-0028E677DF2F}"/>
-              </a:ext>
-            </a:extLst>
-          </p:cNvPr>
-          <p:cNvSpPr/>
-          <p:nvPr/>
-        </p:nvSpPr>
-        <p:spPr>
-          <a:xfrm>
-            <a:off x="9040226" y="2124515"/>
-            <a:ext cx="273051" cy="273051"/>
-          </a:xfrm>
-          <a:prstGeom prst="ellipse">
-            <a:avLst/>
-          </a:prstGeom>
-          <a:solidFill>
-            <a:srgbClr val="FFDF00"/>
-          </a:solidFill>
-        </p:spPr>
-        <p:style>
-          <a:lnRef idx="2">
-            <a:schemeClr val="accent4">
-              <a:shade val="15000"/>
-            </a:schemeClr>
-          </a:lnRef>
-          <a:fillRef idx="1">
-            <a:schemeClr val="accent4"/>
-          </a:fillRef>
-          <a:effectRef idx="0">
-            <a:schemeClr val="accent4"/>
-          </a:effectRef>
-          <a:fontRef idx="minor">
-            <a:schemeClr val="lt1"/>
-          </a:fontRef>
-        </p:style>
-        <p:txBody>
-          <a:bodyPr rtlCol="0" anchor="ctr"/>
-          <a:lstStyle/>
-          <a:p>
-            <a:pPr algn="ctr"/>
-            <a:endParaRPr lang="es-ES"/>
-          </a:p>
-        </p:txBody>
-      </p:sp>
-      <p:sp>
-        <p:nvSpPr>
-          <p:cNvPr id="31" name="Elipse 30">
-            <a:extLst>
-              <a:ext uri="{FF2B5EF4-FFF2-40B4-BE49-F238E27FC236}">
-                <a16:creationId xmlns:a16="http://schemas.microsoft.com/office/drawing/2014/main" id="{62194CBB-33FF-3FD8-42B8-601C7D2361AE}"/>
-              </a:ext>
-            </a:extLst>
-          </p:cNvPr>
-          <p:cNvSpPr/>
-          <p:nvPr/>
-        </p:nvSpPr>
-        <p:spPr>
-          <a:xfrm>
-            <a:off x="8556466" y="2124515"/>
-            <a:ext cx="273050" cy="273050"/>
-          </a:xfrm>
-          <a:prstGeom prst="ellipse">
-            <a:avLst/>
-          </a:prstGeom>
-          <a:solidFill>
-            <a:srgbClr val="326499"/>
-          </a:solidFill>
-          <a:ln>
-            <a:solidFill>
-              <a:srgbClr val="002060"/>
-            </a:solidFill>
-          </a:ln>
-        </p:spPr>
-        <p:style>
-          <a:lnRef idx="2">
-            <a:schemeClr val="accent4">
-              <a:shade val="15000"/>
-            </a:schemeClr>
-          </a:lnRef>
-          <a:fillRef idx="1">
-            <a:schemeClr val="accent4"/>
-          </a:fillRef>
-          <a:effectRef idx="0">
-            <a:schemeClr val="accent4"/>
-          </a:effectRef>
-          <a:fontRef idx="minor">
-            <a:schemeClr val="lt1"/>
-          </a:fontRef>
-        </p:style>
-        <p:txBody>
-          <a:bodyPr rtlCol="0" anchor="ctr"/>
-          <a:lstStyle/>
-          <a:p>
-            <a:pPr algn="ctr"/>
-            <a:endParaRPr lang="es-ES"/>
-          </a:p>
-        </p:txBody>
-      </p:sp>
-      <p:sp>
-        <p:nvSpPr>
-          <p:cNvPr id="32" name="Elipse 31">
-            <a:extLst>
-              <a:ext uri="{FF2B5EF4-FFF2-40B4-BE49-F238E27FC236}">
-                <a16:creationId xmlns:a16="http://schemas.microsoft.com/office/drawing/2014/main" id="{1D3F9DCD-2DE0-5E00-4D0F-1BD4656C0BCC}"/>
-              </a:ext>
-            </a:extLst>
-          </p:cNvPr>
-          <p:cNvSpPr/>
-          <p:nvPr/>
-        </p:nvSpPr>
-        <p:spPr>
-          <a:xfrm>
-            <a:off x="8072706" y="2124515"/>
-            <a:ext cx="273050" cy="273050"/>
-          </a:xfrm>
-          <a:prstGeom prst="ellipse">
-            <a:avLst/>
-          </a:prstGeom>
-          <a:solidFill>
-            <a:srgbClr val="FFDF00"/>
-          </a:solidFill>
-        </p:spPr>
-        <p:style>
-          <a:lnRef idx="2">
-            <a:schemeClr val="accent4">
-              <a:shade val="15000"/>
-            </a:schemeClr>
-          </a:lnRef>
-          <a:fillRef idx="1">
-            <a:schemeClr val="accent4"/>
-          </a:fillRef>
-          <a:effectRef idx="0">
-            <a:schemeClr val="accent4"/>
-          </a:effectRef>
-          <a:fontRef idx="minor">
-            <a:schemeClr val="lt1"/>
-          </a:fontRef>
-        </p:style>
-        <p:txBody>
-          <a:bodyPr rtlCol="0" anchor="ctr"/>
-          <a:lstStyle/>
-          <a:p>
-            <a:pPr algn="ctr"/>
-            <a:endParaRPr lang="es-ES"/>
-          </a:p>
-        </p:txBody>
-      </p:sp>
-      <p:sp>
-        <p:nvSpPr>
-          <p:cNvPr id="33" name="Elipse 32">
-            <a:extLst>
-              <a:ext uri="{FF2B5EF4-FFF2-40B4-BE49-F238E27FC236}">
-                <a16:creationId xmlns:a16="http://schemas.microsoft.com/office/drawing/2014/main" id="{B2D8A65A-B2CA-5B7B-0946-D0EDFD418983}"/>
-              </a:ext>
-            </a:extLst>
-          </p:cNvPr>
-          <p:cNvSpPr/>
-          <p:nvPr/>
-        </p:nvSpPr>
-        <p:spPr>
-          <a:xfrm>
-            <a:off x="7588945" y="2124515"/>
-            <a:ext cx="273051" cy="273051"/>
-          </a:xfrm>
-          <a:prstGeom prst="ellipse">
-            <a:avLst/>
-          </a:prstGeom>
-          <a:solidFill>
-            <a:srgbClr val="326499"/>
-          </a:solidFill>
-          <a:ln>
-            <a:solidFill>
-              <a:srgbClr val="002060"/>
-            </a:solidFill>
-          </a:ln>
-        </p:spPr>
-        <p:style>
-          <a:lnRef idx="2">
-            <a:schemeClr val="accent4">
-              <a:shade val="15000"/>
-            </a:schemeClr>
-          </a:lnRef>
-          <a:fillRef idx="1">
-            <a:schemeClr val="accent4"/>
-          </a:fillRef>
-          <a:effectRef idx="0">
-            <a:schemeClr val="accent4"/>
-          </a:effectRef>
-          <a:fontRef idx="minor">
-            <a:schemeClr val="lt1"/>
-          </a:fontRef>
-        </p:style>
-        <p:txBody>
-          <a:bodyPr rtlCol="0" anchor="ctr"/>
-          <a:lstStyle/>
-          <a:p>
-            <a:pPr algn="ctr"/>
-            <a:endParaRPr lang="es-ES"/>
-          </a:p>
-        </p:txBody>
-      </p:sp>
-      <p:sp>
-        <p:nvSpPr>
-          <p:cNvPr id="34" name="Elipse 33">
-            <a:extLst>
-              <a:ext uri="{FF2B5EF4-FFF2-40B4-BE49-F238E27FC236}">
-                <a16:creationId xmlns:a16="http://schemas.microsoft.com/office/drawing/2014/main" id="{C562F1AD-C227-6E14-022D-643C3582097C}"/>
-              </a:ext>
-            </a:extLst>
-          </p:cNvPr>
-          <p:cNvSpPr/>
-          <p:nvPr/>
-        </p:nvSpPr>
-        <p:spPr>
-          <a:xfrm>
-            <a:off x="7105185" y="2124515"/>
-            <a:ext cx="273050" cy="273050"/>
-          </a:xfrm>
-          <a:prstGeom prst="ellipse">
-            <a:avLst/>
-          </a:prstGeom>
-          <a:solidFill>
-            <a:srgbClr val="FFDF00"/>
-          </a:solidFill>
-        </p:spPr>
-        <p:style>
-          <a:lnRef idx="2">
-            <a:schemeClr val="accent4">
-              <a:shade val="15000"/>
-            </a:schemeClr>
-          </a:lnRef>
-          <a:fillRef idx="1">
-            <a:schemeClr val="accent4"/>
-          </a:fillRef>
-          <a:effectRef idx="0">
-            <a:schemeClr val="accent4"/>
-          </a:effectRef>
-          <a:fontRef idx="minor">
-            <a:schemeClr val="lt1"/>
-          </a:fontRef>
-        </p:style>
-        <p:txBody>
-          <a:bodyPr rtlCol="0" anchor="ctr"/>
-          <a:lstStyle/>
-          <a:p>
-            <a:pPr algn="ctr"/>
-            <a:endParaRPr lang="es-ES"/>
-          </a:p>
-        </p:txBody>
-      </p:sp>
-      <p:cxnSp>
-        <p:nvCxnSpPr>
-          <p:cNvPr id="55" name="Conector recto 54">
-            <a:extLst>
-              <a:ext uri="{FF2B5EF4-FFF2-40B4-BE49-F238E27FC236}">
-                <a16:creationId xmlns:a16="http://schemas.microsoft.com/office/drawing/2014/main" id="{D386D656-1845-6696-B0EB-D95571A868B3}"/>
-              </a:ext>
-            </a:extLst>
-          </p:cNvPr>
-          <p:cNvCxnSpPr>
-            <a:cxnSpLocks/>
-            <a:stCxn id="34" idx="4"/>
-            <a:endCxn id="54" idx="0"/>
-          </p:cNvCxnSpPr>
-          <p:nvPr/>
-        </p:nvCxnSpPr>
-        <p:spPr>
-          <a:xfrm>
-            <a:off x="7241710" y="2397565"/>
-            <a:ext cx="283054" cy="241348"/>
-          </a:xfrm>
-          <a:prstGeom prst="line">
-            <a:avLst/>
-          </a:prstGeom>
-        </p:spPr>
-        <p:style>
-          <a:lnRef idx="2">
-            <a:schemeClr val="accent1"/>
-          </a:lnRef>
-          <a:fillRef idx="0">
-            <a:schemeClr val="accent1"/>
-          </a:fillRef>
-          <a:effectRef idx="1">
-            <a:schemeClr val="accent1"/>
-          </a:effectRef>
-          <a:fontRef idx="minor">
-            <a:schemeClr val="tx1"/>
-          </a:fontRef>
-        </p:style>
-      </p:cxnSp>
-      <p:cxnSp>
-        <p:nvCxnSpPr>
-          <p:cNvPr id="58" name="Conector recto 57">
-            <a:extLst>
-              <a:ext uri="{FF2B5EF4-FFF2-40B4-BE49-F238E27FC236}">
-                <a16:creationId xmlns:a16="http://schemas.microsoft.com/office/drawing/2014/main" id="{33A54588-85C9-DB2A-DCF7-4E996BE50BB4}"/>
-              </a:ext>
-            </a:extLst>
-          </p:cNvPr>
-          <p:cNvCxnSpPr>
-            <a:cxnSpLocks/>
-            <a:stCxn id="31" idx="4"/>
-            <a:endCxn id="52" idx="0"/>
-          </p:cNvCxnSpPr>
-          <p:nvPr/>
-        </p:nvCxnSpPr>
-        <p:spPr>
-          <a:xfrm flipH="1">
-            <a:off x="8382523" y="2397565"/>
-            <a:ext cx="310468" cy="241348"/>
-          </a:xfrm>
-          <a:prstGeom prst="line">
-            <a:avLst/>
-          </a:prstGeom>
-        </p:spPr>
-        <p:style>
-          <a:lnRef idx="2">
-            <a:schemeClr val="accent1"/>
-          </a:lnRef>
-          <a:fillRef idx="0">
-            <a:schemeClr val="accent1"/>
-          </a:fillRef>
-          <a:effectRef idx="1">
-            <a:schemeClr val="accent1"/>
-          </a:effectRef>
-          <a:fontRef idx="minor">
-            <a:schemeClr val="tx1"/>
-          </a:fontRef>
-        </p:style>
-      </p:cxnSp>
-      <p:cxnSp>
-        <p:nvCxnSpPr>
-          <p:cNvPr id="1024" name="Conector recto 1023">
-            <a:extLst>
-              <a:ext uri="{FF2B5EF4-FFF2-40B4-BE49-F238E27FC236}">
-                <a16:creationId xmlns:a16="http://schemas.microsoft.com/office/drawing/2014/main" id="{E4B5DA30-865B-7527-9C52-1FD453BBC1CD}"/>
-              </a:ext>
-            </a:extLst>
-          </p:cNvPr>
-          <p:cNvCxnSpPr>
-            <a:cxnSpLocks/>
-            <a:stCxn id="33" idx="4"/>
-            <a:endCxn id="53" idx="0"/>
-          </p:cNvCxnSpPr>
-          <p:nvPr/>
-        </p:nvCxnSpPr>
-        <p:spPr>
-          <a:xfrm>
-            <a:off x="7725471" y="2397566"/>
-            <a:ext cx="228172" cy="241347"/>
-          </a:xfrm>
-          <a:prstGeom prst="line">
-            <a:avLst/>
-          </a:prstGeom>
-        </p:spPr>
-        <p:style>
-          <a:lnRef idx="2">
-            <a:schemeClr val="accent1"/>
-          </a:lnRef>
-          <a:fillRef idx="0">
-            <a:schemeClr val="accent1"/>
-          </a:fillRef>
-          <a:effectRef idx="1">
-            <a:schemeClr val="accent1"/>
-          </a:effectRef>
-          <a:fontRef idx="minor">
-            <a:schemeClr val="tx1"/>
-          </a:fontRef>
-        </p:style>
-      </p:cxnSp>
-      <p:sp>
-        <p:nvSpPr>
-          <p:cNvPr id="52" name="Elipse 51">
-            <a:extLst>
-              <a:ext uri="{FF2B5EF4-FFF2-40B4-BE49-F238E27FC236}">
-                <a16:creationId xmlns:a16="http://schemas.microsoft.com/office/drawing/2014/main" id="{6D2D0F39-DC90-3BA8-32C8-5FD13654ED3D}"/>
-              </a:ext>
-            </a:extLst>
-          </p:cNvPr>
-          <p:cNvSpPr/>
-          <p:nvPr/>
-        </p:nvSpPr>
-        <p:spPr>
-          <a:xfrm>
-            <a:off x="8245997" y="2638913"/>
-            <a:ext cx="273051" cy="273051"/>
-          </a:xfrm>
-          <a:prstGeom prst="ellipse">
-            <a:avLst/>
-          </a:prstGeom>
-          <a:solidFill>
-            <a:srgbClr val="FFDF00"/>
-          </a:solidFill>
-        </p:spPr>
-        <p:style>
-          <a:lnRef idx="2">
-            <a:schemeClr val="accent4">
-              <a:shade val="15000"/>
-            </a:schemeClr>
-          </a:lnRef>
-          <a:fillRef idx="1">
-            <a:schemeClr val="accent4"/>
-          </a:fillRef>
-          <a:effectRef idx="0">
-            <a:schemeClr val="accent4"/>
-          </a:effectRef>
-          <a:fontRef idx="minor">
-            <a:schemeClr val="lt1"/>
-          </a:fontRef>
-        </p:style>
-        <p:txBody>
-          <a:bodyPr rtlCol="0" anchor="ctr"/>
-          <a:lstStyle/>
-          <a:p>
-            <a:pPr algn="ctr"/>
-            <a:endParaRPr lang="es-ES"/>
-          </a:p>
-        </p:txBody>
-      </p:sp>
-      <p:sp>
-        <p:nvSpPr>
-          <p:cNvPr id="53" name="Elipse 52">
-            <a:extLst>
-              <a:ext uri="{FF2B5EF4-FFF2-40B4-BE49-F238E27FC236}">
-                <a16:creationId xmlns:a16="http://schemas.microsoft.com/office/drawing/2014/main" id="{1730F3BF-AE1B-20BD-7B87-75B612C4CF76}"/>
-              </a:ext>
-            </a:extLst>
-          </p:cNvPr>
-          <p:cNvSpPr/>
-          <p:nvPr/>
-        </p:nvSpPr>
-        <p:spPr>
-          <a:xfrm>
-            <a:off x="7817118" y="2638913"/>
-            <a:ext cx="273050" cy="273050"/>
-          </a:xfrm>
-          <a:prstGeom prst="ellipse">
-            <a:avLst/>
-          </a:prstGeom>
-          <a:solidFill>
-            <a:srgbClr val="FFDF00"/>
-          </a:solidFill>
-        </p:spPr>
-        <p:style>
-          <a:lnRef idx="2">
-            <a:schemeClr val="accent4">
-              <a:shade val="15000"/>
-            </a:schemeClr>
-          </a:lnRef>
-          <a:fillRef idx="1">
-            <a:schemeClr val="accent4"/>
-          </a:fillRef>
-          <a:effectRef idx="0">
-            <a:schemeClr val="accent4"/>
-          </a:effectRef>
-          <a:fontRef idx="minor">
-            <a:schemeClr val="lt1"/>
-          </a:fontRef>
-        </p:style>
-        <p:txBody>
-          <a:bodyPr rtlCol="0" anchor="ctr"/>
-          <a:lstStyle/>
-          <a:p>
-            <a:pPr algn="ctr"/>
-            <a:endParaRPr lang="es-ES"/>
-          </a:p>
-        </p:txBody>
-      </p:sp>
-      <p:sp>
-        <p:nvSpPr>
-          <p:cNvPr id="54" name="Elipse 53">
-            <a:extLst>
-              <a:ext uri="{FF2B5EF4-FFF2-40B4-BE49-F238E27FC236}">
-                <a16:creationId xmlns:a16="http://schemas.microsoft.com/office/drawing/2014/main" id="{53411556-0364-8E9B-5E7D-4BF478E79507}"/>
-              </a:ext>
-            </a:extLst>
-          </p:cNvPr>
-          <p:cNvSpPr/>
-          <p:nvPr/>
-        </p:nvSpPr>
-        <p:spPr>
-          <a:xfrm>
-            <a:off x="7388238" y="2638913"/>
-            <a:ext cx="273051" cy="273051"/>
-          </a:xfrm>
-          <a:prstGeom prst="ellipse">
-            <a:avLst/>
-          </a:prstGeom>
-          <a:solidFill>
-            <a:srgbClr val="FFDF00"/>
-          </a:solidFill>
-        </p:spPr>
-        <p:style>
-          <a:lnRef idx="2">
-            <a:schemeClr val="accent4">
-              <a:shade val="15000"/>
-            </a:schemeClr>
-          </a:lnRef>
-          <a:fillRef idx="1">
-            <a:schemeClr val="accent4"/>
-          </a:fillRef>
-          <a:effectRef idx="0">
-            <a:schemeClr val="accent4"/>
-          </a:effectRef>
-          <a:fontRef idx="minor">
-            <a:schemeClr val="lt1"/>
-          </a:fontRef>
-        </p:style>
-        <p:txBody>
-          <a:bodyPr rtlCol="0" anchor="ctr"/>
-          <a:lstStyle/>
-          <a:p>
-            <a:pPr algn="ctr"/>
-            <a:endParaRPr lang="es-ES"/>
-          </a:p>
-        </p:txBody>
-      </p:sp>
-      <p:sp>
-        <p:nvSpPr>
-          <p:cNvPr id="1031" name="Flecha: a la derecha 1030">
-            <a:extLst>
-              <a:ext uri="{FF2B5EF4-FFF2-40B4-BE49-F238E27FC236}">
-                <a16:creationId xmlns:a16="http://schemas.microsoft.com/office/drawing/2014/main" id="{BD298A78-8667-EB6A-88F7-146E7E7779C8}"/>
-              </a:ext>
-            </a:extLst>
-          </p:cNvPr>
-          <p:cNvSpPr/>
-          <p:nvPr/>
-        </p:nvSpPr>
-        <p:spPr>
-          <a:xfrm>
-            <a:off x="6316618" y="1631336"/>
-            <a:ext cx="587395" cy="409148"/>
-          </a:xfrm>
-          <a:prstGeom prst="rightArrow">
-            <a:avLst/>
-          </a:prstGeom>
-        </p:spPr>
-        <p:style>
-          <a:lnRef idx="0">
-            <a:schemeClr val="accent1"/>
-          </a:lnRef>
-          <a:fillRef idx="3">
-            <a:schemeClr val="accent1"/>
-          </a:fillRef>
-          <a:effectRef idx="3">
-            <a:schemeClr val="accent1"/>
-          </a:effectRef>
-          <a:fontRef idx="minor">
-            <a:schemeClr val="lt1"/>
-          </a:fontRef>
-        </p:style>
-        <p:txBody>
-          <a:bodyPr rtlCol="0" anchor="ctr"/>
-          <a:lstStyle/>
-          <a:p>
-            <a:pPr algn="ctr"/>
-            <a:endParaRPr lang="es-ES"/>
-          </a:p>
-        </p:txBody>
-      </p:sp>
-      <p:sp>
-        <p:nvSpPr>
-          <p:cNvPr id="1032" name="Flecha: a la derecha 1031">
-            <a:extLst>
-              <a:ext uri="{FF2B5EF4-FFF2-40B4-BE49-F238E27FC236}">
-                <a16:creationId xmlns:a16="http://schemas.microsoft.com/office/drawing/2014/main" id="{FF052FFD-32C3-F80A-D392-D8A9DCFFBD0D}"/>
-              </a:ext>
-            </a:extLst>
-          </p:cNvPr>
-          <p:cNvSpPr/>
-          <p:nvPr/>
-        </p:nvSpPr>
-        <p:spPr>
-          <a:xfrm rot="5400000">
-            <a:off x="8999205" y="3249855"/>
-            <a:ext cx="587395" cy="409148"/>
-          </a:xfrm>
-          <a:prstGeom prst="rightArrow">
-            <a:avLst/>
-          </a:prstGeom>
-        </p:spPr>
-        <p:style>
-          <a:lnRef idx="0">
-            <a:schemeClr val="accent1"/>
-          </a:lnRef>
-          <a:fillRef idx="3">
-            <a:schemeClr val="accent1"/>
-          </a:fillRef>
-          <a:effectRef idx="3">
-            <a:schemeClr val="accent1"/>
-          </a:effectRef>
-          <a:fontRef idx="minor">
-            <a:schemeClr val="lt1"/>
-          </a:fontRef>
-        </p:style>
-        <p:txBody>
-          <a:bodyPr rtlCol="0" anchor="ctr"/>
-          <a:lstStyle/>
-          <a:p>
-            <a:pPr algn="ctr"/>
-            <a:endParaRPr lang="es-ES"/>
-          </a:p>
-        </p:txBody>
-      </p:sp>
-      <p:sp>
-        <p:nvSpPr>
-          <p:cNvPr id="1078" name="Elipse 1077">
-            <a:extLst>
-              <a:ext uri="{FF2B5EF4-FFF2-40B4-BE49-F238E27FC236}">
-                <a16:creationId xmlns:a16="http://schemas.microsoft.com/office/drawing/2014/main" id="{B5DEB6EF-C82E-DABA-F9CC-0E49DCFB7078}"/>
-              </a:ext>
-            </a:extLst>
-          </p:cNvPr>
-          <p:cNvSpPr/>
-          <p:nvPr/>
-        </p:nvSpPr>
-        <p:spPr>
-          <a:xfrm>
-            <a:off x="9276352" y="1256939"/>
-            <a:ext cx="186496" cy="186496"/>
-          </a:xfrm>
-          <a:prstGeom prst="ellipse">
-            <a:avLst/>
-          </a:prstGeom>
-          <a:solidFill>
-            <a:srgbClr val="FFDF00"/>
-          </a:solidFill>
-        </p:spPr>
-        <p:style>
-          <a:lnRef idx="2">
-            <a:schemeClr val="accent4">
-              <a:shade val="15000"/>
-            </a:schemeClr>
-          </a:lnRef>
-          <a:fillRef idx="1">
-            <a:schemeClr val="accent4"/>
-          </a:fillRef>
-          <a:effectRef idx="0">
-            <a:schemeClr val="accent4"/>
-          </a:effectRef>
-          <a:fontRef idx="minor">
-            <a:schemeClr val="lt1"/>
-          </a:fontRef>
-        </p:style>
-        <p:txBody>
-          <a:bodyPr rtlCol="0" anchor="ctr"/>
-          <a:lstStyle/>
-          <a:p>
-            <a:pPr algn="ctr"/>
-            <a:endParaRPr lang="es-ES"/>
-          </a:p>
-        </p:txBody>
-      </p:sp>
-      <p:sp>
-        <p:nvSpPr>
-          <p:cNvPr id="1079" name="CuadroTexto 1078">
-            <a:extLst>
-              <a:ext uri="{FF2B5EF4-FFF2-40B4-BE49-F238E27FC236}">
-                <a16:creationId xmlns:a16="http://schemas.microsoft.com/office/drawing/2014/main" id="{86A8D339-EF04-5CC3-CB4C-39C5C8C28CEE}"/>
-              </a:ext>
-            </a:extLst>
-          </p:cNvPr>
-          <p:cNvSpPr txBox="1"/>
-          <p:nvPr/>
-        </p:nvSpPr>
-        <p:spPr>
-          <a:xfrm>
-            <a:off x="9444887" y="1234771"/>
-            <a:ext cx="1333500" cy="230832"/>
-          </a:xfrm>
-          <a:prstGeom prst="rect">
-            <a:avLst/>
-          </a:prstGeom>
-          <a:noFill/>
-        </p:spPr>
-        <p:txBody>
-          <a:bodyPr wrap="square" rtlCol="0">
-            <a:spAutoFit/>
-          </a:bodyPr>
-          <a:lstStyle/>
-          <a:p>
-            <a:r>
-              <a:rPr lang="es-ES" sz="900" dirty="0"/>
-              <a:t>Nodos del AST del PSL</a:t>
-            </a:r>
-          </a:p>
-        </p:txBody>
-      </p:sp>
-      <p:sp>
-        <p:nvSpPr>
-          <p:cNvPr id="1080" name="Elipse 1079">
-            <a:extLst>
-              <a:ext uri="{FF2B5EF4-FFF2-40B4-BE49-F238E27FC236}">
-                <a16:creationId xmlns:a16="http://schemas.microsoft.com/office/drawing/2014/main" id="{6BC18414-6CBB-296A-81F9-B126D2E0BB97}"/>
-              </a:ext>
-            </a:extLst>
-          </p:cNvPr>
-          <p:cNvSpPr/>
-          <p:nvPr/>
-        </p:nvSpPr>
-        <p:spPr>
-          <a:xfrm>
-            <a:off x="9270043" y="1545385"/>
-            <a:ext cx="186496" cy="186496"/>
-          </a:xfrm>
-          <a:prstGeom prst="ellipse">
-            <a:avLst/>
-          </a:prstGeom>
-          <a:solidFill>
-            <a:srgbClr val="326499"/>
-          </a:solidFill>
-          <a:ln>
-            <a:solidFill>
-              <a:srgbClr val="002060"/>
-            </a:solidFill>
-          </a:ln>
-        </p:spPr>
-        <p:style>
-          <a:lnRef idx="2">
-            <a:schemeClr val="accent4">
-              <a:shade val="15000"/>
-            </a:schemeClr>
-          </a:lnRef>
-          <a:fillRef idx="1">
-            <a:schemeClr val="accent4"/>
-          </a:fillRef>
-          <a:effectRef idx="0">
-            <a:schemeClr val="accent4"/>
-          </a:effectRef>
-          <a:fontRef idx="minor">
-            <a:schemeClr val="lt1"/>
-          </a:fontRef>
-        </p:style>
-        <p:txBody>
-          <a:bodyPr rtlCol="0" anchor="ctr"/>
-          <a:lstStyle/>
-          <a:p>
-            <a:pPr algn="ctr"/>
-            <a:endParaRPr lang="es-ES"/>
-          </a:p>
-        </p:txBody>
-      </p:sp>
-      <p:sp>
-        <p:nvSpPr>
-          <p:cNvPr id="1081" name="CuadroTexto 1080">
-            <a:extLst>
-              <a:ext uri="{FF2B5EF4-FFF2-40B4-BE49-F238E27FC236}">
-                <a16:creationId xmlns:a16="http://schemas.microsoft.com/office/drawing/2014/main" id="{0412BC91-47FE-BD03-0CAB-5E2210D2E21B}"/>
-              </a:ext>
-            </a:extLst>
-          </p:cNvPr>
-          <p:cNvSpPr txBox="1"/>
-          <p:nvPr/>
-        </p:nvSpPr>
-        <p:spPr>
-          <a:xfrm>
-            <a:off x="9444887" y="1529640"/>
-            <a:ext cx="1333500" cy="230832"/>
-          </a:xfrm>
-          <a:prstGeom prst="rect">
-            <a:avLst/>
-          </a:prstGeom>
-          <a:noFill/>
-        </p:spPr>
-        <p:txBody>
-          <a:bodyPr wrap="square" rtlCol="0">
-            <a:spAutoFit/>
-          </a:bodyPr>
-          <a:lstStyle/>
-          <a:p>
-            <a:r>
-              <a:rPr lang="es-ES" sz="900" dirty="0"/>
-              <a:t>Nuevos nodos del AST</a:t>
-            </a:r>
-          </a:p>
-        </p:txBody>
-      </p:sp>
-      <p:grpSp>
-        <p:nvGrpSpPr>
-          <p:cNvPr id="1150" name="Grupo 1149">
-            <a:extLst>
-              <a:ext uri="{FF2B5EF4-FFF2-40B4-BE49-F238E27FC236}">
-                <a16:creationId xmlns:a16="http://schemas.microsoft.com/office/drawing/2014/main" id="{6D922FFA-DA80-AC2E-73AE-C2B64C5879C7}"/>
-              </a:ext>
-            </a:extLst>
-          </p:cNvPr>
-          <p:cNvGrpSpPr/>
-          <p:nvPr/>
-        </p:nvGrpSpPr>
-        <p:grpSpPr>
-          <a:xfrm>
-            <a:off x="7652254" y="3886766"/>
-            <a:ext cx="3285818" cy="2324100"/>
-            <a:chOff x="7006159" y="3886623"/>
-            <a:chExt cx="3285818" cy="2324100"/>
-          </a:xfrm>
-        </p:grpSpPr>
-        <p:sp>
-          <p:nvSpPr>
-            <p:cNvPr id="1033" name="Rectángulo: esquinas redondeadas 1032">
-              <a:extLst>
-                <a:ext uri="{FF2B5EF4-FFF2-40B4-BE49-F238E27FC236}">
-                  <a16:creationId xmlns:a16="http://schemas.microsoft.com/office/drawing/2014/main" id="{2A497DF9-6C20-4F11-78F8-69E157DD9DA8}"/>
-                </a:ext>
-              </a:extLst>
-            </p:cNvPr>
-            <p:cNvSpPr/>
-            <p:nvPr/>
-          </p:nvSpPr>
-          <p:spPr>
-            <a:xfrm>
-              <a:off x="7006159" y="3886623"/>
-              <a:ext cx="3140656" cy="2324100"/>
-            </a:xfrm>
-            <a:prstGeom prst="roundRect">
-              <a:avLst/>
-            </a:prstGeom>
-            <a:noFill/>
-            <a:ln>
-              <a:solidFill>
-                <a:schemeClr val="accent1"/>
-              </a:solidFill>
-            </a:ln>
-          </p:spPr>
-          <p:style>
-            <a:lnRef idx="0">
-              <a:schemeClr val="accent1"/>
-            </a:lnRef>
-            <a:fillRef idx="3">
-              <a:schemeClr val="accent1"/>
-            </a:fillRef>
-            <a:effectRef idx="3">
-              <a:schemeClr val="accent1"/>
-            </a:effectRef>
-            <a:fontRef idx="minor">
-              <a:schemeClr val="lt1"/>
-            </a:fontRef>
-          </p:style>
-          <p:txBody>
-            <a:bodyPr rtlCol="0" anchor="ctr"/>
-            <a:lstStyle/>
-            <a:p>
-              <a:pPr algn="ctr"/>
-              <a:endParaRPr lang="es-ES" sz="1600" dirty="0">
-                <a:solidFill>
-                  <a:schemeClr val="tx2"/>
-                </a:solidFill>
-              </a:endParaRPr>
-            </a:p>
-          </p:txBody>
-        </p:sp>
-        <p:sp>
-          <p:nvSpPr>
-            <p:cNvPr id="1034" name="CuadroTexto 1033">
-              <a:extLst>
-                <a:ext uri="{FF2B5EF4-FFF2-40B4-BE49-F238E27FC236}">
-                  <a16:creationId xmlns:a16="http://schemas.microsoft.com/office/drawing/2014/main" id="{7AC1E5DD-A32F-292B-7D1F-E0B2A3D8CC83}"/>
-                </a:ext>
-              </a:extLst>
-            </p:cNvPr>
-            <p:cNvSpPr txBox="1"/>
-            <p:nvPr/>
-          </p:nvSpPr>
-          <p:spPr>
-            <a:xfrm>
-              <a:off x="8592403" y="3962824"/>
-              <a:ext cx="1257717" cy="261610"/>
-            </a:xfrm>
-            <a:prstGeom prst="rect">
-              <a:avLst/>
-            </a:prstGeom>
-            <a:noFill/>
-            <a:effectLst>
-              <a:outerShdw blurRad="50800" dist="38100" dir="2700000" algn="tl" rotWithShape="0">
-                <a:prstClr val="black">
-                  <a:alpha val="40000"/>
-                </a:prstClr>
-              </a:outerShdw>
-            </a:effectLst>
-          </p:spPr>
-          <p:txBody>
-            <a:bodyPr wrap="square" rtlCol="0">
-              <a:spAutoFit/>
-            </a:bodyPr>
-            <a:lstStyle/>
-            <a:p>
-              <a:pPr algn="r"/>
-              <a:r>
-                <a:rPr lang="es-ES" sz="1100" dirty="0">
-                  <a:solidFill>
-                    <a:schemeClr val="tx2"/>
-                  </a:solidFill>
-                </a:rPr>
-                <a:t>Recorrido del AST</a:t>
-              </a:r>
-              <a:endParaRPr lang="es-ES" sz="1200" dirty="0"/>
-            </a:p>
-          </p:txBody>
-        </p:sp>
-        <p:cxnSp>
-          <p:nvCxnSpPr>
-            <p:cNvPr id="1061" name="Conector recto 1060">
-              <a:extLst>
-                <a:ext uri="{FF2B5EF4-FFF2-40B4-BE49-F238E27FC236}">
-                  <a16:creationId xmlns:a16="http://schemas.microsoft.com/office/drawing/2014/main" id="{AE541972-9D86-CF5E-25FD-4EFD1DA51102}"/>
-                </a:ext>
-              </a:extLst>
-            </p:cNvPr>
-            <p:cNvCxnSpPr>
-              <a:cxnSpLocks/>
-            </p:cNvCxnSpPr>
-            <p:nvPr/>
-          </p:nvCxnSpPr>
-          <p:spPr>
-            <a:xfrm flipH="1">
-              <a:off x="8592404" y="4378544"/>
-              <a:ext cx="150173" cy="0"/>
-            </a:xfrm>
-            <a:prstGeom prst="line">
-              <a:avLst/>
-            </a:prstGeom>
-            <a:noFill/>
-            <a:ln>
-              <a:solidFill>
-                <a:schemeClr val="accent2">
-                  <a:lumMod val="50000"/>
-                </a:schemeClr>
-              </a:solidFill>
-            </a:ln>
-          </p:spPr>
-          <p:style>
-            <a:lnRef idx="2">
-              <a:schemeClr val="accent4">
-                <a:shade val="15000"/>
-              </a:schemeClr>
-            </a:lnRef>
-            <a:fillRef idx="1">
-              <a:schemeClr val="accent4"/>
-            </a:fillRef>
-            <a:effectRef idx="0">
-              <a:schemeClr val="accent4"/>
-            </a:effectRef>
-            <a:fontRef idx="minor">
-              <a:schemeClr val="lt1"/>
-            </a:fontRef>
-          </p:style>
-        </p:cxnSp>
-        <p:sp>
-          <p:nvSpPr>
-            <p:cNvPr id="1064" name="CuadroTexto 1063">
-              <a:extLst>
-                <a:ext uri="{FF2B5EF4-FFF2-40B4-BE49-F238E27FC236}">
-                  <a16:creationId xmlns:a16="http://schemas.microsoft.com/office/drawing/2014/main" id="{8E24B186-E65F-D6BA-3C4D-05DD21723570}"/>
-                </a:ext>
-              </a:extLst>
-            </p:cNvPr>
-            <p:cNvSpPr txBox="1"/>
-            <p:nvPr/>
-          </p:nvSpPr>
-          <p:spPr>
-            <a:xfrm>
-              <a:off x="8742577" y="4263128"/>
-              <a:ext cx="1333500" cy="230832"/>
-            </a:xfrm>
-            <a:prstGeom prst="rect">
-              <a:avLst/>
-            </a:prstGeom>
-            <a:noFill/>
-          </p:spPr>
-          <p:txBody>
-            <a:bodyPr wrap="square" rtlCol="0">
-              <a:spAutoFit/>
-            </a:bodyPr>
-            <a:lstStyle/>
-            <a:p>
-              <a:r>
-                <a:rPr lang="es-ES" sz="900" dirty="0"/>
-                <a:t>Visita de Programa</a:t>
-              </a:r>
-            </a:p>
-          </p:txBody>
-        </p:sp>
-        <p:cxnSp>
-          <p:nvCxnSpPr>
-            <p:cNvPr id="1067" name="Conector recto 1066">
-              <a:extLst>
-                <a:ext uri="{FF2B5EF4-FFF2-40B4-BE49-F238E27FC236}">
-                  <a16:creationId xmlns:a16="http://schemas.microsoft.com/office/drawing/2014/main" id="{36C68C56-1103-1415-4D78-47FB64A32323}"/>
-                </a:ext>
-              </a:extLst>
-            </p:cNvPr>
-            <p:cNvCxnSpPr>
-              <a:cxnSpLocks/>
-            </p:cNvCxnSpPr>
-            <p:nvPr/>
-          </p:nvCxnSpPr>
-          <p:spPr>
-            <a:xfrm flipH="1">
-              <a:off x="8592404" y="4538585"/>
-              <a:ext cx="150173" cy="0"/>
-            </a:xfrm>
-            <a:prstGeom prst="line">
-              <a:avLst/>
-            </a:prstGeom>
-            <a:noFill/>
-            <a:ln>
-              <a:solidFill>
-                <a:schemeClr val="accent6"/>
-              </a:solidFill>
-            </a:ln>
-          </p:spPr>
-          <p:style>
-            <a:lnRef idx="2">
-              <a:schemeClr val="accent4">
-                <a:shade val="15000"/>
-              </a:schemeClr>
-            </a:lnRef>
-            <a:fillRef idx="1">
-              <a:schemeClr val="accent4"/>
-            </a:fillRef>
-            <a:effectRef idx="0">
-              <a:schemeClr val="accent4"/>
-            </a:effectRef>
-            <a:fontRef idx="minor">
-              <a:schemeClr val="lt1"/>
-            </a:fontRef>
-          </p:style>
-        </p:cxnSp>
-        <p:sp>
-          <p:nvSpPr>
-            <p:cNvPr id="1071" name="CuadroTexto 1070">
-              <a:extLst>
-                <a:ext uri="{FF2B5EF4-FFF2-40B4-BE49-F238E27FC236}">
-                  <a16:creationId xmlns:a16="http://schemas.microsoft.com/office/drawing/2014/main" id="{CE3E236B-E25F-3C7A-411F-6BD0AFE4B8E6}"/>
-                </a:ext>
-              </a:extLst>
-            </p:cNvPr>
-            <p:cNvSpPr txBox="1"/>
-            <p:nvPr/>
-          </p:nvSpPr>
-          <p:spPr>
-            <a:xfrm>
-              <a:off x="8742577" y="4423169"/>
-              <a:ext cx="1333500" cy="230832"/>
-            </a:xfrm>
-            <a:prstGeom prst="rect">
-              <a:avLst/>
-            </a:prstGeom>
-            <a:noFill/>
-          </p:spPr>
-          <p:txBody>
-            <a:bodyPr wrap="square" rtlCol="0">
-              <a:spAutoFit/>
-            </a:bodyPr>
-            <a:lstStyle/>
-            <a:p>
-              <a:r>
-                <a:rPr lang="es-ES" sz="900" dirty="0"/>
-                <a:t>Visita de Módulo</a:t>
-              </a:r>
-            </a:p>
-          </p:txBody>
-        </p:sp>
-        <p:cxnSp>
-          <p:nvCxnSpPr>
-            <p:cNvPr id="1086" name="Conector recto 1085">
-              <a:extLst>
-                <a:ext uri="{FF2B5EF4-FFF2-40B4-BE49-F238E27FC236}">
-                  <a16:creationId xmlns:a16="http://schemas.microsoft.com/office/drawing/2014/main" id="{DD1A8A6E-D5AE-C586-D66E-93FD388133A1}"/>
-                </a:ext>
-              </a:extLst>
-            </p:cNvPr>
-            <p:cNvCxnSpPr>
-              <a:cxnSpLocks/>
-            </p:cNvCxnSpPr>
-            <p:nvPr/>
-          </p:nvCxnSpPr>
-          <p:spPr>
-            <a:xfrm flipH="1">
-              <a:off x="8592404" y="4698626"/>
-              <a:ext cx="150173" cy="0"/>
-            </a:xfrm>
-            <a:prstGeom prst="line">
-              <a:avLst/>
-            </a:prstGeom>
-            <a:noFill/>
-            <a:ln>
-              <a:solidFill>
-                <a:schemeClr val="accent2"/>
-              </a:solidFill>
-            </a:ln>
-          </p:spPr>
-          <p:style>
-            <a:lnRef idx="2">
-              <a:schemeClr val="accent4">
-                <a:shade val="15000"/>
-              </a:schemeClr>
-            </a:lnRef>
-            <a:fillRef idx="1">
-              <a:schemeClr val="accent4"/>
-            </a:fillRef>
-            <a:effectRef idx="0">
-              <a:schemeClr val="accent4"/>
-            </a:effectRef>
-            <a:fontRef idx="minor">
-              <a:schemeClr val="lt1"/>
-            </a:fontRef>
-          </p:style>
-        </p:cxnSp>
-        <p:sp>
-          <p:nvSpPr>
-            <p:cNvPr id="1087" name="CuadroTexto 1086">
-              <a:extLst>
-                <a:ext uri="{FF2B5EF4-FFF2-40B4-BE49-F238E27FC236}">
-                  <a16:creationId xmlns:a16="http://schemas.microsoft.com/office/drawing/2014/main" id="{28305744-CCCC-30F9-794C-7BF6CEB8251C}"/>
-                </a:ext>
-              </a:extLst>
-            </p:cNvPr>
-            <p:cNvSpPr txBox="1"/>
-            <p:nvPr/>
-          </p:nvSpPr>
-          <p:spPr>
-            <a:xfrm>
-              <a:off x="8742577" y="4583210"/>
-              <a:ext cx="1200151" cy="230832"/>
-            </a:xfrm>
-            <a:prstGeom prst="rect">
-              <a:avLst/>
-            </a:prstGeom>
-            <a:noFill/>
-          </p:spPr>
-          <p:txBody>
-            <a:bodyPr wrap="square" rtlCol="0">
-              <a:spAutoFit/>
-            </a:bodyPr>
-            <a:lstStyle/>
-            <a:p>
-              <a:r>
-                <a:rPr lang="es-ES" sz="900" dirty="0"/>
-                <a:t>Visita de Clase</a:t>
-              </a:r>
-            </a:p>
-          </p:txBody>
-        </p:sp>
-        <p:cxnSp>
-          <p:nvCxnSpPr>
-            <p:cNvPr id="1088" name="Conector recto 1087">
-              <a:extLst>
-                <a:ext uri="{FF2B5EF4-FFF2-40B4-BE49-F238E27FC236}">
-                  <a16:creationId xmlns:a16="http://schemas.microsoft.com/office/drawing/2014/main" id="{7ED274B3-FB79-6F3D-E87E-FBA003904306}"/>
-                </a:ext>
-              </a:extLst>
-            </p:cNvPr>
-            <p:cNvCxnSpPr>
-              <a:cxnSpLocks/>
-            </p:cNvCxnSpPr>
-            <p:nvPr/>
-          </p:nvCxnSpPr>
-          <p:spPr>
-            <a:xfrm flipH="1">
-              <a:off x="8592404" y="4858667"/>
-              <a:ext cx="150173" cy="0"/>
-            </a:xfrm>
-            <a:prstGeom prst="line">
-              <a:avLst/>
-            </a:prstGeom>
-            <a:noFill/>
-            <a:ln>
-              <a:solidFill>
-                <a:schemeClr val="accent1">
-                  <a:lumMod val="60000"/>
-                  <a:lumOff val="40000"/>
-                </a:schemeClr>
-              </a:solidFill>
-            </a:ln>
-          </p:spPr>
-          <p:style>
-            <a:lnRef idx="2">
-              <a:schemeClr val="accent4">
-                <a:shade val="15000"/>
-              </a:schemeClr>
-            </a:lnRef>
-            <a:fillRef idx="1">
-              <a:schemeClr val="accent4"/>
-            </a:fillRef>
-            <a:effectRef idx="0">
-              <a:schemeClr val="accent4"/>
-            </a:effectRef>
-            <a:fontRef idx="minor">
-              <a:schemeClr val="lt1"/>
-            </a:fontRef>
-          </p:style>
-        </p:cxnSp>
-        <p:sp>
-          <p:nvSpPr>
-            <p:cNvPr id="1089" name="CuadroTexto 1088">
-              <a:extLst>
-                <a:ext uri="{FF2B5EF4-FFF2-40B4-BE49-F238E27FC236}">
-                  <a16:creationId xmlns:a16="http://schemas.microsoft.com/office/drawing/2014/main" id="{5EBF4466-ED10-3528-CD10-C53366E5F497}"/>
-                </a:ext>
-              </a:extLst>
-            </p:cNvPr>
-            <p:cNvSpPr txBox="1"/>
-            <p:nvPr/>
-          </p:nvSpPr>
-          <p:spPr>
-            <a:xfrm>
-              <a:off x="8742577" y="4743251"/>
-              <a:ext cx="1333500" cy="230832"/>
-            </a:xfrm>
-            <a:prstGeom prst="rect">
-              <a:avLst/>
-            </a:prstGeom>
-            <a:noFill/>
-          </p:spPr>
-          <p:txBody>
-            <a:bodyPr wrap="square" rtlCol="0">
-              <a:spAutoFit/>
-            </a:bodyPr>
-            <a:lstStyle/>
-            <a:p>
-              <a:r>
-                <a:rPr lang="es-ES" sz="900" dirty="0"/>
-                <a:t>Visita de Función</a:t>
-              </a:r>
-            </a:p>
-          </p:txBody>
-        </p:sp>
-        <p:cxnSp>
-          <p:nvCxnSpPr>
-            <p:cNvPr id="1093" name="Conector recto 1092">
-              <a:extLst>
-                <a:ext uri="{FF2B5EF4-FFF2-40B4-BE49-F238E27FC236}">
-                  <a16:creationId xmlns:a16="http://schemas.microsoft.com/office/drawing/2014/main" id="{5EAE7443-4F4C-4DCC-47E8-C2A3C68266F6}"/>
-                </a:ext>
-              </a:extLst>
-            </p:cNvPr>
-            <p:cNvCxnSpPr>
-              <a:cxnSpLocks/>
-            </p:cNvCxnSpPr>
-            <p:nvPr/>
-          </p:nvCxnSpPr>
-          <p:spPr>
-            <a:xfrm flipH="1">
-              <a:off x="8592404" y="5018708"/>
-              <a:ext cx="150173" cy="0"/>
-            </a:xfrm>
-            <a:prstGeom prst="line">
-              <a:avLst/>
-            </a:prstGeom>
-            <a:noFill/>
-            <a:ln>
-              <a:solidFill>
-                <a:srgbClr val="FFD144"/>
-              </a:solidFill>
-            </a:ln>
-          </p:spPr>
-          <p:style>
-            <a:lnRef idx="2">
-              <a:schemeClr val="accent4">
-                <a:shade val="15000"/>
-              </a:schemeClr>
-            </a:lnRef>
-            <a:fillRef idx="1">
-              <a:schemeClr val="accent4"/>
-            </a:fillRef>
-            <a:effectRef idx="0">
-              <a:schemeClr val="accent4"/>
-            </a:effectRef>
-            <a:fontRef idx="minor">
-              <a:schemeClr val="lt1"/>
-            </a:fontRef>
-          </p:style>
-        </p:cxnSp>
-        <p:sp>
-          <p:nvSpPr>
-            <p:cNvPr id="1094" name="CuadroTexto 1093">
-              <a:extLst>
-                <a:ext uri="{FF2B5EF4-FFF2-40B4-BE49-F238E27FC236}">
-                  <a16:creationId xmlns:a16="http://schemas.microsoft.com/office/drawing/2014/main" id="{DD9ACFE4-B1D2-D7CE-232B-7E2713F15F2F}"/>
-                </a:ext>
-              </a:extLst>
-            </p:cNvPr>
-            <p:cNvSpPr txBox="1"/>
-            <p:nvPr/>
-          </p:nvSpPr>
-          <p:spPr>
-            <a:xfrm>
-              <a:off x="8742577" y="4903292"/>
-              <a:ext cx="1333499" cy="230832"/>
-            </a:xfrm>
-            <a:prstGeom prst="rect">
-              <a:avLst/>
-            </a:prstGeom>
-            <a:noFill/>
-          </p:spPr>
-          <p:txBody>
-            <a:bodyPr wrap="square" rtlCol="0">
-              <a:spAutoFit/>
-            </a:bodyPr>
-            <a:lstStyle/>
-            <a:p>
-              <a:r>
-                <a:rPr lang="es-ES" sz="900" dirty="0"/>
-                <a:t>Visita de Método</a:t>
-              </a:r>
-            </a:p>
-          </p:txBody>
-        </p:sp>
-        <p:cxnSp>
-          <p:nvCxnSpPr>
-            <p:cNvPr id="1095" name="Conector recto 1094">
-              <a:extLst>
-                <a:ext uri="{FF2B5EF4-FFF2-40B4-BE49-F238E27FC236}">
-                  <a16:creationId xmlns:a16="http://schemas.microsoft.com/office/drawing/2014/main" id="{436621F8-5ACD-EA60-F886-DE27F0227A6F}"/>
-                </a:ext>
-              </a:extLst>
-            </p:cNvPr>
-            <p:cNvCxnSpPr>
-              <a:cxnSpLocks/>
-            </p:cNvCxnSpPr>
-            <p:nvPr/>
-          </p:nvCxnSpPr>
-          <p:spPr>
-            <a:xfrm flipH="1">
-              <a:off x="8592404" y="5178749"/>
-              <a:ext cx="150173" cy="0"/>
-            </a:xfrm>
-            <a:prstGeom prst="line">
-              <a:avLst/>
-            </a:prstGeom>
-            <a:noFill/>
-            <a:ln>
-              <a:solidFill>
-                <a:schemeClr val="bg1">
-                  <a:lumMod val="50000"/>
-                </a:schemeClr>
-              </a:solidFill>
-            </a:ln>
-          </p:spPr>
-          <p:style>
-            <a:lnRef idx="2">
-              <a:schemeClr val="accent4">
-                <a:shade val="15000"/>
-              </a:schemeClr>
-            </a:lnRef>
-            <a:fillRef idx="1">
-              <a:schemeClr val="accent4"/>
-            </a:fillRef>
-            <a:effectRef idx="0">
-              <a:schemeClr val="accent4"/>
-            </a:effectRef>
-            <a:fontRef idx="minor">
-              <a:schemeClr val="lt1"/>
-            </a:fontRef>
-          </p:style>
-        </p:cxnSp>
-        <p:sp>
-          <p:nvSpPr>
-            <p:cNvPr id="1096" name="CuadroTexto 1095">
-              <a:extLst>
-                <a:ext uri="{FF2B5EF4-FFF2-40B4-BE49-F238E27FC236}">
-                  <a16:creationId xmlns:a16="http://schemas.microsoft.com/office/drawing/2014/main" id="{E97AB40F-51D5-3BF9-C360-5ED84FFD9008}"/>
-                </a:ext>
-              </a:extLst>
-            </p:cNvPr>
-            <p:cNvSpPr txBox="1"/>
-            <p:nvPr/>
-          </p:nvSpPr>
-          <p:spPr>
-            <a:xfrm>
-              <a:off x="8742577" y="5063333"/>
-              <a:ext cx="1549400" cy="230832"/>
-            </a:xfrm>
-            <a:prstGeom prst="rect">
-              <a:avLst/>
-            </a:prstGeom>
-            <a:noFill/>
-          </p:spPr>
-          <p:txBody>
-            <a:bodyPr wrap="square" rtlCol="0">
-              <a:spAutoFit/>
-            </a:bodyPr>
-            <a:lstStyle/>
-            <a:p>
-              <a:r>
-                <a:rPr lang="es-ES" sz="900" dirty="0"/>
-                <a:t>Visita de Sentencia</a:t>
-              </a:r>
-            </a:p>
-          </p:txBody>
-        </p:sp>
-        <p:cxnSp>
-          <p:nvCxnSpPr>
-            <p:cNvPr id="1101" name="Conector recto 1100">
-              <a:extLst>
-                <a:ext uri="{FF2B5EF4-FFF2-40B4-BE49-F238E27FC236}">
-                  <a16:creationId xmlns:a16="http://schemas.microsoft.com/office/drawing/2014/main" id="{1262D737-02C0-585D-BE75-397AD4D5656B}"/>
-                </a:ext>
-              </a:extLst>
-            </p:cNvPr>
-            <p:cNvCxnSpPr>
-              <a:cxnSpLocks/>
-            </p:cNvCxnSpPr>
-            <p:nvPr/>
-          </p:nvCxnSpPr>
-          <p:spPr>
-            <a:xfrm flipH="1">
-              <a:off x="8592404" y="5338792"/>
-              <a:ext cx="150173" cy="0"/>
-            </a:xfrm>
-            <a:prstGeom prst="line">
-              <a:avLst/>
-            </a:prstGeom>
-            <a:noFill/>
-            <a:ln>
-              <a:solidFill>
-                <a:srgbClr val="326499"/>
-              </a:solidFill>
-            </a:ln>
-          </p:spPr>
-          <p:style>
-            <a:lnRef idx="2">
-              <a:schemeClr val="accent4">
-                <a:shade val="15000"/>
-              </a:schemeClr>
-            </a:lnRef>
-            <a:fillRef idx="1">
-              <a:schemeClr val="accent4"/>
-            </a:fillRef>
-            <a:effectRef idx="0">
-              <a:schemeClr val="accent4"/>
-            </a:effectRef>
-            <a:fontRef idx="minor">
-              <a:schemeClr val="lt1"/>
-            </a:fontRef>
-          </p:style>
-        </p:cxnSp>
-        <p:sp>
-          <p:nvSpPr>
-            <p:cNvPr id="1102" name="CuadroTexto 1101">
-              <a:extLst>
-                <a:ext uri="{FF2B5EF4-FFF2-40B4-BE49-F238E27FC236}">
-                  <a16:creationId xmlns:a16="http://schemas.microsoft.com/office/drawing/2014/main" id="{1EC58D41-47DC-F05A-FE04-9BE1FD19EE13}"/>
-                </a:ext>
-              </a:extLst>
-            </p:cNvPr>
-            <p:cNvSpPr txBox="1"/>
-            <p:nvPr/>
-          </p:nvSpPr>
-          <p:spPr>
-            <a:xfrm>
-              <a:off x="8742577" y="5223376"/>
-              <a:ext cx="1200151" cy="230832"/>
-            </a:xfrm>
-            <a:prstGeom prst="rect">
-              <a:avLst/>
-            </a:prstGeom>
-            <a:noFill/>
-          </p:spPr>
-          <p:txBody>
-            <a:bodyPr wrap="square" rtlCol="0">
-              <a:spAutoFit/>
-            </a:bodyPr>
-            <a:lstStyle/>
-            <a:p>
-              <a:r>
-                <a:rPr lang="es-ES" sz="900" dirty="0"/>
-                <a:t>Visita de Expresión</a:t>
-              </a:r>
-            </a:p>
-          </p:txBody>
-        </p:sp>
-        <p:cxnSp>
-          <p:nvCxnSpPr>
-            <p:cNvPr id="1038" name="Conector recto 1037">
-              <a:extLst>
-                <a:ext uri="{FF2B5EF4-FFF2-40B4-BE49-F238E27FC236}">
-                  <a16:creationId xmlns:a16="http://schemas.microsoft.com/office/drawing/2014/main" id="{DD5AD840-2397-F694-134D-169253241DAC}"/>
-                </a:ext>
-              </a:extLst>
-            </p:cNvPr>
-            <p:cNvCxnSpPr>
-              <a:cxnSpLocks/>
-              <a:stCxn id="1039" idx="4"/>
-              <a:endCxn id="1048" idx="0"/>
-            </p:cNvCxnSpPr>
-            <p:nvPr/>
-          </p:nvCxnSpPr>
-          <p:spPr>
-            <a:xfrm flipH="1">
-              <a:off x="7902560" y="4193751"/>
-              <a:ext cx="1" cy="154536"/>
-            </a:xfrm>
-            <a:prstGeom prst="line">
-              <a:avLst/>
-            </a:prstGeom>
-            <a:noFill/>
-            <a:ln>
-              <a:solidFill>
-                <a:schemeClr val="accent2">
-                  <a:lumMod val="50000"/>
-                </a:schemeClr>
-              </a:solidFill>
-            </a:ln>
-          </p:spPr>
-          <p:style>
-            <a:lnRef idx="2">
-              <a:schemeClr val="accent4">
-                <a:shade val="15000"/>
-              </a:schemeClr>
-            </a:lnRef>
-            <a:fillRef idx="1">
-              <a:schemeClr val="accent4"/>
-            </a:fillRef>
-            <a:effectRef idx="0">
-              <a:schemeClr val="accent4"/>
-            </a:effectRef>
-            <a:fontRef idx="minor">
-              <a:schemeClr val="lt1"/>
-            </a:fontRef>
-          </p:style>
-        </p:cxnSp>
-        <p:sp>
-          <p:nvSpPr>
-            <p:cNvPr id="1039" name="Elipse 1038">
-              <a:extLst>
-                <a:ext uri="{FF2B5EF4-FFF2-40B4-BE49-F238E27FC236}">
-                  <a16:creationId xmlns:a16="http://schemas.microsoft.com/office/drawing/2014/main" id="{319F9CE4-CF6A-5FEC-32FE-DBA017D0D88A}"/>
-                </a:ext>
-              </a:extLst>
-            </p:cNvPr>
-            <p:cNvSpPr/>
-            <p:nvPr/>
-          </p:nvSpPr>
-          <p:spPr>
-            <a:xfrm>
-              <a:off x="7789730" y="3968090"/>
-              <a:ext cx="225661" cy="225661"/>
-            </a:xfrm>
-            <a:prstGeom prst="ellipse">
-              <a:avLst/>
-            </a:prstGeom>
-            <a:noFill/>
-            <a:ln>
-              <a:solidFill>
-                <a:schemeClr val="accent2">
-                  <a:lumMod val="50000"/>
-                </a:schemeClr>
-              </a:solidFill>
-            </a:ln>
-          </p:spPr>
-          <p:style>
-            <a:lnRef idx="2">
-              <a:schemeClr val="accent4">
-                <a:shade val="15000"/>
-              </a:schemeClr>
-            </a:lnRef>
-            <a:fillRef idx="1">
-              <a:schemeClr val="accent4"/>
-            </a:fillRef>
-            <a:effectRef idx="0">
-              <a:schemeClr val="accent4"/>
-            </a:effectRef>
-            <a:fontRef idx="minor">
-              <a:schemeClr val="lt1"/>
-            </a:fontRef>
-          </p:style>
-          <p:txBody>
-            <a:bodyPr rtlCol="0" anchor="ctr"/>
-            <a:lstStyle/>
-            <a:p>
-              <a:pPr algn="ctr"/>
-              <a:endParaRPr lang="es-ES"/>
-            </a:p>
-          </p:txBody>
-        </p:sp>
-        <p:sp>
-          <p:nvSpPr>
-            <p:cNvPr id="1048" name="Elipse 1047">
-              <a:extLst>
-                <a:ext uri="{FF2B5EF4-FFF2-40B4-BE49-F238E27FC236}">
-                  <a16:creationId xmlns:a16="http://schemas.microsoft.com/office/drawing/2014/main" id="{BAD76D1A-074E-10F3-E97F-BA01C17F395F}"/>
-                </a:ext>
-              </a:extLst>
-            </p:cNvPr>
-            <p:cNvSpPr/>
-            <p:nvPr/>
-          </p:nvSpPr>
-          <p:spPr>
-            <a:xfrm>
-              <a:off x="7789729" y="4348287"/>
-              <a:ext cx="225662" cy="225662"/>
-            </a:xfrm>
-            <a:prstGeom prst="ellipse">
-              <a:avLst/>
-            </a:prstGeom>
-            <a:noFill/>
-            <a:ln>
-              <a:solidFill>
-                <a:schemeClr val="accent6"/>
-              </a:solidFill>
-            </a:ln>
-          </p:spPr>
-          <p:style>
-            <a:lnRef idx="2">
-              <a:schemeClr val="accent4">
-                <a:shade val="15000"/>
-              </a:schemeClr>
-            </a:lnRef>
-            <a:fillRef idx="1">
-              <a:schemeClr val="accent4"/>
-            </a:fillRef>
-            <a:effectRef idx="0">
-              <a:schemeClr val="accent4"/>
-            </a:effectRef>
-            <a:fontRef idx="minor">
-              <a:schemeClr val="lt1"/>
-            </a:fontRef>
-          </p:style>
-          <p:txBody>
-            <a:bodyPr rtlCol="0" anchor="ctr"/>
-            <a:lstStyle/>
-            <a:p>
-              <a:pPr algn="ctr"/>
-              <a:endParaRPr lang="es-ES"/>
-            </a:p>
-          </p:txBody>
-        </p:sp>
-        <p:cxnSp>
-          <p:nvCxnSpPr>
-            <p:cNvPr id="1066" name="Conector recto 1065">
-              <a:extLst>
-                <a:ext uri="{FF2B5EF4-FFF2-40B4-BE49-F238E27FC236}">
-                  <a16:creationId xmlns:a16="http://schemas.microsoft.com/office/drawing/2014/main" id="{24B4E3A5-4EF1-B258-AFC5-0CD14496DA37}"/>
-                </a:ext>
-              </a:extLst>
-            </p:cNvPr>
-            <p:cNvCxnSpPr>
-              <a:cxnSpLocks/>
-            </p:cNvCxnSpPr>
-            <p:nvPr/>
-          </p:nvCxnSpPr>
-          <p:spPr>
-            <a:xfrm flipH="1">
-              <a:off x="7902560" y="4570129"/>
-              <a:ext cx="1" cy="154536"/>
-            </a:xfrm>
-            <a:prstGeom prst="line">
-              <a:avLst/>
-            </a:prstGeom>
-            <a:noFill/>
-            <a:ln>
-              <a:solidFill>
-                <a:schemeClr val="accent6"/>
-              </a:solidFill>
-            </a:ln>
-          </p:spPr>
-          <p:style>
-            <a:lnRef idx="2">
-              <a:schemeClr val="accent4">
-                <a:shade val="15000"/>
-              </a:schemeClr>
-            </a:lnRef>
-            <a:fillRef idx="1">
-              <a:schemeClr val="accent4"/>
-            </a:fillRef>
-            <a:effectRef idx="0">
-              <a:schemeClr val="accent4"/>
-            </a:effectRef>
-            <a:fontRef idx="minor">
-              <a:schemeClr val="lt1"/>
-            </a:fontRef>
-          </p:style>
-        </p:cxnSp>
-        <p:sp>
-          <p:nvSpPr>
-            <p:cNvPr id="1072" name="Elipse 1071">
-              <a:extLst>
-                <a:ext uri="{FF2B5EF4-FFF2-40B4-BE49-F238E27FC236}">
-                  <a16:creationId xmlns:a16="http://schemas.microsoft.com/office/drawing/2014/main" id="{8566F3F2-736B-42E2-166B-E5DC809804E8}"/>
-                </a:ext>
-              </a:extLst>
-            </p:cNvPr>
-            <p:cNvSpPr/>
-            <p:nvPr/>
-          </p:nvSpPr>
-          <p:spPr>
-            <a:xfrm>
-              <a:off x="7371728" y="4722190"/>
-              <a:ext cx="225662" cy="225662"/>
-            </a:xfrm>
-            <a:prstGeom prst="ellipse">
-              <a:avLst/>
-            </a:prstGeom>
-            <a:noFill/>
-            <a:ln>
-              <a:solidFill>
-                <a:schemeClr val="bg1">
-                  <a:lumMod val="50000"/>
-                </a:schemeClr>
-              </a:solidFill>
-            </a:ln>
-          </p:spPr>
-          <p:style>
-            <a:lnRef idx="2">
-              <a:schemeClr val="accent4">
-                <a:shade val="15000"/>
-              </a:schemeClr>
-            </a:lnRef>
-            <a:fillRef idx="1">
-              <a:schemeClr val="accent4"/>
-            </a:fillRef>
-            <a:effectRef idx="0">
-              <a:schemeClr val="accent4"/>
-            </a:effectRef>
-            <a:fontRef idx="minor">
-              <a:schemeClr val="lt1"/>
-            </a:fontRef>
-          </p:style>
-          <p:txBody>
-            <a:bodyPr rtlCol="0" anchor="ctr"/>
-            <a:lstStyle/>
-            <a:p>
-              <a:pPr algn="ctr"/>
-              <a:endParaRPr lang="es-ES"/>
-            </a:p>
-          </p:txBody>
-        </p:sp>
-        <p:sp>
-          <p:nvSpPr>
-            <p:cNvPr id="1073" name="Elipse 1072">
-              <a:extLst>
-                <a:ext uri="{FF2B5EF4-FFF2-40B4-BE49-F238E27FC236}">
-                  <a16:creationId xmlns:a16="http://schemas.microsoft.com/office/drawing/2014/main" id="{19492F2A-543D-1B0C-85E4-2428693C1178}"/>
-                </a:ext>
-              </a:extLst>
-            </p:cNvPr>
-            <p:cNvSpPr/>
-            <p:nvPr/>
-          </p:nvSpPr>
-          <p:spPr>
-            <a:xfrm>
-              <a:off x="7789729" y="4721767"/>
-              <a:ext cx="225662" cy="225662"/>
-            </a:xfrm>
-            <a:prstGeom prst="ellipse">
-              <a:avLst/>
-            </a:prstGeom>
-            <a:noFill/>
-            <a:ln>
-              <a:solidFill>
-                <a:schemeClr val="accent2"/>
-              </a:solidFill>
-            </a:ln>
-          </p:spPr>
-          <p:style>
-            <a:lnRef idx="2">
-              <a:schemeClr val="accent4">
-                <a:shade val="15000"/>
-              </a:schemeClr>
-            </a:lnRef>
-            <a:fillRef idx="1">
-              <a:schemeClr val="accent4"/>
-            </a:fillRef>
-            <a:effectRef idx="0">
-              <a:schemeClr val="accent4"/>
-            </a:effectRef>
-            <a:fontRef idx="minor">
-              <a:schemeClr val="lt1"/>
-            </a:fontRef>
-          </p:style>
-          <p:txBody>
-            <a:bodyPr rtlCol="0" anchor="ctr"/>
-            <a:lstStyle/>
-            <a:p>
-              <a:pPr algn="ctr"/>
-              <a:endParaRPr lang="es-ES"/>
-            </a:p>
-          </p:txBody>
-        </p:sp>
-        <p:sp>
-          <p:nvSpPr>
-            <p:cNvPr id="1074" name="Elipse 1073">
-              <a:extLst>
-                <a:ext uri="{FF2B5EF4-FFF2-40B4-BE49-F238E27FC236}">
-                  <a16:creationId xmlns:a16="http://schemas.microsoft.com/office/drawing/2014/main" id="{12C994E1-75C3-074F-2573-D39A930E26F2}"/>
-                </a:ext>
-              </a:extLst>
-            </p:cNvPr>
-            <p:cNvSpPr/>
-            <p:nvPr/>
-          </p:nvSpPr>
-          <p:spPr>
-            <a:xfrm>
-              <a:off x="8153989" y="4721767"/>
-              <a:ext cx="225662" cy="225662"/>
-            </a:xfrm>
-            <a:prstGeom prst="ellipse">
-              <a:avLst/>
-            </a:prstGeom>
-            <a:noFill/>
-            <a:ln>
-              <a:solidFill>
-                <a:schemeClr val="accent1">
-                  <a:lumMod val="60000"/>
-                  <a:lumOff val="40000"/>
-                </a:schemeClr>
-              </a:solidFill>
-            </a:ln>
-          </p:spPr>
-          <p:style>
-            <a:lnRef idx="2">
-              <a:schemeClr val="accent4">
-                <a:shade val="15000"/>
-              </a:schemeClr>
-            </a:lnRef>
-            <a:fillRef idx="1">
-              <a:schemeClr val="accent4"/>
-            </a:fillRef>
-            <a:effectRef idx="0">
-              <a:schemeClr val="accent4"/>
-            </a:effectRef>
-            <a:fontRef idx="minor">
-              <a:schemeClr val="lt1"/>
-            </a:fontRef>
-          </p:style>
-          <p:txBody>
-            <a:bodyPr rtlCol="0" anchor="ctr"/>
-            <a:lstStyle/>
-            <a:p>
-              <a:pPr algn="ctr"/>
-              <a:endParaRPr lang="es-ES"/>
-            </a:p>
-          </p:txBody>
-        </p:sp>
-        <p:cxnSp>
-          <p:nvCxnSpPr>
-            <p:cNvPr id="1075" name="Conector recto 1074">
-              <a:extLst>
-                <a:ext uri="{FF2B5EF4-FFF2-40B4-BE49-F238E27FC236}">
-                  <a16:creationId xmlns:a16="http://schemas.microsoft.com/office/drawing/2014/main" id="{D1D02C34-0200-7B74-30FA-53C3A4D3E450}"/>
-                </a:ext>
-              </a:extLst>
-            </p:cNvPr>
-            <p:cNvCxnSpPr>
-              <a:cxnSpLocks/>
-              <a:stCxn id="1048" idx="3"/>
-              <a:endCxn id="1072" idx="7"/>
-            </p:cNvCxnSpPr>
-            <p:nvPr/>
-          </p:nvCxnSpPr>
-          <p:spPr>
-            <a:xfrm flipH="1">
-              <a:off x="7564343" y="4540902"/>
-              <a:ext cx="258433" cy="214335"/>
-            </a:xfrm>
-            <a:prstGeom prst="line">
-              <a:avLst/>
-            </a:prstGeom>
-            <a:noFill/>
-            <a:ln>
-              <a:solidFill>
-                <a:schemeClr val="accent6"/>
-              </a:solidFill>
-            </a:ln>
-          </p:spPr>
-          <p:style>
-            <a:lnRef idx="2">
-              <a:schemeClr val="accent4">
-                <a:shade val="15000"/>
-              </a:schemeClr>
-            </a:lnRef>
-            <a:fillRef idx="1">
-              <a:schemeClr val="accent4"/>
-            </a:fillRef>
-            <a:effectRef idx="0">
-              <a:schemeClr val="accent4"/>
-            </a:effectRef>
-            <a:fontRef idx="minor">
-              <a:schemeClr val="lt1"/>
-            </a:fontRef>
-          </p:style>
-        </p:cxnSp>
-        <p:cxnSp>
-          <p:nvCxnSpPr>
-            <p:cNvPr id="1083" name="Conector recto 1082">
-              <a:extLst>
-                <a:ext uri="{FF2B5EF4-FFF2-40B4-BE49-F238E27FC236}">
-                  <a16:creationId xmlns:a16="http://schemas.microsoft.com/office/drawing/2014/main" id="{582C7375-0079-1B1C-655F-6CF14C728D69}"/>
-                </a:ext>
-              </a:extLst>
-            </p:cNvPr>
-            <p:cNvCxnSpPr>
-              <a:cxnSpLocks/>
-              <a:stCxn id="1048" idx="5"/>
-              <a:endCxn id="1074" idx="0"/>
-            </p:cNvCxnSpPr>
-            <p:nvPr/>
-          </p:nvCxnSpPr>
-          <p:spPr>
-            <a:xfrm>
-              <a:off x="7982344" y="4540902"/>
-              <a:ext cx="284476" cy="180865"/>
-            </a:xfrm>
-            <a:prstGeom prst="line">
-              <a:avLst/>
-            </a:prstGeom>
-            <a:noFill/>
-            <a:ln>
-              <a:solidFill>
-                <a:schemeClr val="accent6"/>
-              </a:solidFill>
-            </a:ln>
-          </p:spPr>
-          <p:style>
-            <a:lnRef idx="2">
-              <a:schemeClr val="accent4">
-                <a:shade val="15000"/>
-              </a:schemeClr>
-            </a:lnRef>
-            <a:fillRef idx="1">
-              <a:schemeClr val="accent4"/>
-            </a:fillRef>
-            <a:effectRef idx="0">
-              <a:schemeClr val="accent4"/>
-            </a:effectRef>
-            <a:fontRef idx="minor">
-              <a:schemeClr val="lt1"/>
-            </a:fontRef>
-          </p:style>
-        </p:cxnSp>
-        <p:sp>
-          <p:nvSpPr>
-            <p:cNvPr id="1090" name="Elipse 1089">
-              <a:extLst>
-                <a:ext uri="{FF2B5EF4-FFF2-40B4-BE49-F238E27FC236}">
-                  <a16:creationId xmlns:a16="http://schemas.microsoft.com/office/drawing/2014/main" id="{EC2039CE-691B-3B7D-372D-1F10320A1AA2}"/>
-                </a:ext>
-              </a:extLst>
-            </p:cNvPr>
-            <p:cNvSpPr/>
-            <p:nvPr/>
-          </p:nvSpPr>
-          <p:spPr>
-            <a:xfrm>
-              <a:off x="7789729" y="5095247"/>
-              <a:ext cx="225662" cy="225662"/>
-            </a:xfrm>
-            <a:prstGeom prst="ellipse">
-              <a:avLst/>
-            </a:prstGeom>
-            <a:noFill/>
-            <a:ln>
-              <a:solidFill>
-                <a:srgbClr val="FFD144"/>
-              </a:solidFill>
-            </a:ln>
-          </p:spPr>
-          <p:style>
-            <a:lnRef idx="2">
-              <a:schemeClr val="accent4">
-                <a:shade val="15000"/>
-              </a:schemeClr>
-            </a:lnRef>
-            <a:fillRef idx="1">
-              <a:schemeClr val="accent4"/>
-            </a:fillRef>
-            <a:effectRef idx="0">
-              <a:schemeClr val="accent4"/>
-            </a:effectRef>
-            <a:fontRef idx="minor">
-              <a:schemeClr val="lt1"/>
-            </a:fontRef>
-          </p:style>
-          <p:txBody>
-            <a:bodyPr rtlCol="0" anchor="ctr"/>
-            <a:lstStyle/>
-            <a:p>
-              <a:pPr algn="ctr"/>
-              <a:endParaRPr lang="es-ES"/>
-            </a:p>
-          </p:txBody>
-        </p:sp>
-        <p:sp>
-          <p:nvSpPr>
-            <p:cNvPr id="1091" name="Elipse 1090">
-              <a:extLst>
-                <a:ext uri="{FF2B5EF4-FFF2-40B4-BE49-F238E27FC236}">
-                  <a16:creationId xmlns:a16="http://schemas.microsoft.com/office/drawing/2014/main" id="{146AD6AF-00F3-450E-EADB-38E3B1EFF65C}"/>
-                </a:ext>
-              </a:extLst>
-            </p:cNvPr>
-            <p:cNvSpPr/>
-            <p:nvPr/>
-          </p:nvSpPr>
-          <p:spPr>
-            <a:xfrm>
-              <a:off x="8153989" y="5098272"/>
-              <a:ext cx="225662" cy="225662"/>
-            </a:xfrm>
-            <a:prstGeom prst="ellipse">
-              <a:avLst/>
-            </a:prstGeom>
-            <a:noFill/>
-            <a:ln>
-              <a:solidFill>
-                <a:schemeClr val="bg1">
-                  <a:lumMod val="50000"/>
-                </a:schemeClr>
-              </a:solidFill>
-            </a:ln>
-          </p:spPr>
-          <p:style>
-            <a:lnRef idx="2">
-              <a:schemeClr val="accent4">
-                <a:shade val="15000"/>
-              </a:schemeClr>
-            </a:lnRef>
-            <a:fillRef idx="1">
-              <a:schemeClr val="accent4"/>
-            </a:fillRef>
-            <a:effectRef idx="0">
-              <a:schemeClr val="accent4"/>
-            </a:effectRef>
-            <a:fontRef idx="minor">
-              <a:schemeClr val="lt1"/>
-            </a:fontRef>
-          </p:style>
-          <p:txBody>
-            <a:bodyPr rtlCol="0" anchor="ctr"/>
-            <a:lstStyle/>
-            <a:p>
-              <a:pPr algn="ctr"/>
-              <a:endParaRPr lang="es-ES"/>
-            </a:p>
-          </p:txBody>
-        </p:sp>
-        <p:cxnSp>
-          <p:nvCxnSpPr>
-            <p:cNvPr id="1092" name="Conector recto 1091">
-              <a:extLst>
-                <a:ext uri="{FF2B5EF4-FFF2-40B4-BE49-F238E27FC236}">
-                  <a16:creationId xmlns:a16="http://schemas.microsoft.com/office/drawing/2014/main" id="{CC7BBA52-699F-5589-CEF6-271432E1E3EE}"/>
-                </a:ext>
-              </a:extLst>
-            </p:cNvPr>
-            <p:cNvCxnSpPr>
-              <a:cxnSpLocks/>
-            </p:cNvCxnSpPr>
-            <p:nvPr/>
-          </p:nvCxnSpPr>
-          <p:spPr>
-            <a:xfrm flipH="1">
-              <a:off x="7902559" y="4944070"/>
-              <a:ext cx="1" cy="154536"/>
-            </a:xfrm>
-            <a:prstGeom prst="line">
-              <a:avLst/>
-            </a:prstGeom>
-            <a:noFill/>
-            <a:ln>
-              <a:solidFill>
-                <a:schemeClr val="accent2"/>
-              </a:solidFill>
-            </a:ln>
-          </p:spPr>
-          <p:style>
-            <a:lnRef idx="2">
-              <a:schemeClr val="accent4">
-                <a:shade val="15000"/>
-              </a:schemeClr>
-            </a:lnRef>
-            <a:fillRef idx="1">
-              <a:schemeClr val="accent4"/>
-            </a:fillRef>
-            <a:effectRef idx="0">
-              <a:schemeClr val="accent4"/>
-            </a:effectRef>
-            <a:fontRef idx="minor">
-              <a:schemeClr val="lt1"/>
-            </a:fontRef>
-          </p:style>
-        </p:cxnSp>
-        <p:cxnSp>
-          <p:nvCxnSpPr>
-            <p:cNvPr id="1097" name="Conector recto 1096">
-              <a:extLst>
-                <a:ext uri="{FF2B5EF4-FFF2-40B4-BE49-F238E27FC236}">
-                  <a16:creationId xmlns:a16="http://schemas.microsoft.com/office/drawing/2014/main" id="{553555EA-9801-1983-2716-1B8CFD534856}"/>
-                </a:ext>
-              </a:extLst>
-            </p:cNvPr>
-            <p:cNvCxnSpPr>
-              <a:cxnSpLocks/>
-            </p:cNvCxnSpPr>
-            <p:nvPr/>
-          </p:nvCxnSpPr>
-          <p:spPr>
-            <a:xfrm flipH="1">
-              <a:off x="8262449" y="4944070"/>
-              <a:ext cx="1" cy="154536"/>
-            </a:xfrm>
-            <a:prstGeom prst="line">
-              <a:avLst/>
-            </a:prstGeom>
-            <a:noFill/>
-            <a:ln>
-              <a:solidFill>
-                <a:schemeClr val="accent1">
-                  <a:lumMod val="60000"/>
-                  <a:lumOff val="40000"/>
-                </a:schemeClr>
-              </a:solidFill>
-            </a:ln>
-          </p:spPr>
-          <p:style>
-            <a:lnRef idx="2">
-              <a:schemeClr val="accent4">
-                <a:shade val="15000"/>
-              </a:schemeClr>
-            </a:lnRef>
-            <a:fillRef idx="1">
-              <a:schemeClr val="accent4"/>
-            </a:fillRef>
-            <a:effectRef idx="0">
-              <a:schemeClr val="accent4"/>
-            </a:effectRef>
-            <a:fontRef idx="minor">
-              <a:schemeClr val="lt1"/>
-            </a:fontRef>
-          </p:style>
-        </p:cxnSp>
-        <p:cxnSp>
-          <p:nvCxnSpPr>
-            <p:cNvPr id="1099" name="Conector recto 1098">
-              <a:extLst>
-                <a:ext uri="{FF2B5EF4-FFF2-40B4-BE49-F238E27FC236}">
-                  <a16:creationId xmlns:a16="http://schemas.microsoft.com/office/drawing/2014/main" id="{3E03D597-D300-BB97-9AE1-1B91689559E9}"/>
-                </a:ext>
-              </a:extLst>
-            </p:cNvPr>
-            <p:cNvCxnSpPr>
-              <a:cxnSpLocks/>
-            </p:cNvCxnSpPr>
-            <p:nvPr/>
-          </p:nvCxnSpPr>
-          <p:spPr>
-            <a:xfrm flipH="1">
-              <a:off x="7902559" y="5323934"/>
-              <a:ext cx="1" cy="154536"/>
-            </a:xfrm>
-            <a:prstGeom prst="line">
-              <a:avLst/>
-            </a:prstGeom>
-            <a:noFill/>
-            <a:ln>
-              <a:solidFill>
-                <a:srgbClr val="FFD144"/>
-              </a:solidFill>
-            </a:ln>
-          </p:spPr>
-          <p:style>
-            <a:lnRef idx="2">
-              <a:schemeClr val="accent4">
-                <a:shade val="15000"/>
-              </a:schemeClr>
-            </a:lnRef>
-            <a:fillRef idx="1">
-              <a:schemeClr val="accent4"/>
-            </a:fillRef>
-            <a:effectRef idx="0">
-              <a:schemeClr val="accent4"/>
-            </a:effectRef>
-            <a:fontRef idx="minor">
-              <a:schemeClr val="lt1"/>
-            </a:fontRef>
-          </p:style>
-        </p:cxnSp>
-        <p:sp>
-          <p:nvSpPr>
-            <p:cNvPr id="1098" name="Elipse 1097">
-              <a:extLst>
-                <a:ext uri="{FF2B5EF4-FFF2-40B4-BE49-F238E27FC236}">
-                  <a16:creationId xmlns:a16="http://schemas.microsoft.com/office/drawing/2014/main" id="{A9F4A144-DC74-FAAE-3311-675538E1D372}"/>
-                </a:ext>
-              </a:extLst>
-            </p:cNvPr>
-            <p:cNvSpPr/>
-            <p:nvPr/>
-          </p:nvSpPr>
-          <p:spPr>
-            <a:xfrm>
-              <a:off x="7791499" y="5468727"/>
-              <a:ext cx="225662" cy="225662"/>
-            </a:xfrm>
-            <a:prstGeom prst="ellipse">
-              <a:avLst/>
-            </a:prstGeom>
-            <a:noFill/>
-            <a:ln>
-              <a:solidFill>
-                <a:srgbClr val="326499"/>
-              </a:solidFill>
-            </a:ln>
-          </p:spPr>
-          <p:style>
-            <a:lnRef idx="2">
-              <a:schemeClr val="accent4">
-                <a:shade val="15000"/>
-              </a:schemeClr>
-            </a:lnRef>
-            <a:fillRef idx="1">
-              <a:schemeClr val="accent4"/>
-            </a:fillRef>
-            <a:effectRef idx="0">
-              <a:schemeClr val="accent4"/>
-            </a:effectRef>
-            <a:fontRef idx="minor">
-              <a:schemeClr val="lt1"/>
-            </a:fontRef>
-          </p:style>
-          <p:txBody>
-            <a:bodyPr rtlCol="0" anchor="ctr"/>
-            <a:lstStyle/>
-            <a:p>
-              <a:pPr algn="ctr"/>
-              <a:endParaRPr lang="es-ES"/>
-            </a:p>
-          </p:txBody>
-        </p:sp>
-        <p:sp>
-          <p:nvSpPr>
-            <p:cNvPr id="1100" name="Elipse 1099">
-              <a:extLst>
-                <a:ext uri="{FF2B5EF4-FFF2-40B4-BE49-F238E27FC236}">
-                  <a16:creationId xmlns:a16="http://schemas.microsoft.com/office/drawing/2014/main" id="{F8D580A7-D355-7B38-58C2-6A0234118B8B}"/>
-                </a:ext>
-              </a:extLst>
-            </p:cNvPr>
-            <p:cNvSpPr/>
-            <p:nvPr/>
-          </p:nvSpPr>
-          <p:spPr>
-            <a:xfrm>
-              <a:off x="7371728" y="5095247"/>
-              <a:ext cx="225662" cy="225662"/>
-            </a:xfrm>
-            <a:prstGeom prst="ellipse">
-              <a:avLst/>
-            </a:prstGeom>
-            <a:noFill/>
-            <a:ln>
-              <a:solidFill>
-                <a:srgbClr val="326499"/>
-              </a:solidFill>
-            </a:ln>
-          </p:spPr>
-          <p:style>
-            <a:lnRef idx="2">
-              <a:schemeClr val="accent4">
-                <a:shade val="15000"/>
-              </a:schemeClr>
-            </a:lnRef>
-            <a:fillRef idx="1">
-              <a:schemeClr val="accent4"/>
-            </a:fillRef>
-            <a:effectRef idx="0">
-              <a:schemeClr val="accent4"/>
-            </a:effectRef>
-            <a:fontRef idx="minor">
-              <a:schemeClr val="lt1"/>
-            </a:fontRef>
-          </p:style>
-          <p:txBody>
-            <a:bodyPr rtlCol="0" anchor="ctr"/>
-            <a:lstStyle/>
-            <a:p>
-              <a:pPr algn="ctr"/>
-              <a:endParaRPr lang="es-ES"/>
-            </a:p>
-          </p:txBody>
-        </p:sp>
-        <p:cxnSp>
-          <p:nvCxnSpPr>
-            <p:cNvPr id="1103" name="Conector recto 1102">
-              <a:extLst>
-                <a:ext uri="{FF2B5EF4-FFF2-40B4-BE49-F238E27FC236}">
-                  <a16:creationId xmlns:a16="http://schemas.microsoft.com/office/drawing/2014/main" id="{797CB05D-F17C-07D3-5B71-74A1551F6A47}"/>
-                </a:ext>
-              </a:extLst>
-            </p:cNvPr>
-            <p:cNvCxnSpPr>
-              <a:cxnSpLocks/>
-            </p:cNvCxnSpPr>
-            <p:nvPr/>
-          </p:nvCxnSpPr>
-          <p:spPr>
-            <a:xfrm flipH="1">
-              <a:off x="7481054" y="4948498"/>
-              <a:ext cx="1" cy="140487"/>
-            </a:xfrm>
-            <a:prstGeom prst="line">
-              <a:avLst/>
-            </a:prstGeom>
-            <a:noFill/>
-            <a:ln>
-              <a:solidFill>
-                <a:schemeClr val="bg1">
-                  <a:lumMod val="50000"/>
-                </a:schemeClr>
-              </a:solidFill>
-            </a:ln>
-          </p:spPr>
-          <p:style>
-            <a:lnRef idx="2">
-              <a:schemeClr val="accent4">
-                <a:shade val="15000"/>
-              </a:schemeClr>
-            </a:lnRef>
-            <a:fillRef idx="1">
-              <a:schemeClr val="accent4"/>
-            </a:fillRef>
-            <a:effectRef idx="0">
-              <a:schemeClr val="accent4"/>
-            </a:effectRef>
-            <a:fontRef idx="minor">
-              <a:schemeClr val="lt1"/>
-            </a:fontRef>
-          </p:style>
-        </p:cxnSp>
-        <p:sp>
-          <p:nvSpPr>
-            <p:cNvPr id="1104" name="Elipse 1103">
-              <a:extLst>
-                <a:ext uri="{FF2B5EF4-FFF2-40B4-BE49-F238E27FC236}">
-                  <a16:creationId xmlns:a16="http://schemas.microsoft.com/office/drawing/2014/main" id="{12E38CB7-64CC-2D18-1BD5-76C861B85EEC}"/>
-                </a:ext>
-              </a:extLst>
-            </p:cNvPr>
-            <p:cNvSpPr/>
-            <p:nvPr/>
-          </p:nvSpPr>
-          <p:spPr>
-            <a:xfrm>
-              <a:off x="8149618" y="5478470"/>
-              <a:ext cx="225662" cy="225662"/>
-            </a:xfrm>
-            <a:prstGeom prst="ellipse">
-              <a:avLst/>
-            </a:prstGeom>
-            <a:noFill/>
-            <a:ln>
-              <a:solidFill>
-                <a:srgbClr val="326499"/>
-              </a:solidFill>
-            </a:ln>
-          </p:spPr>
-          <p:style>
-            <a:lnRef idx="2">
-              <a:schemeClr val="accent4">
-                <a:shade val="15000"/>
-              </a:schemeClr>
-            </a:lnRef>
-            <a:fillRef idx="1">
-              <a:schemeClr val="accent4"/>
-            </a:fillRef>
-            <a:effectRef idx="0">
-              <a:schemeClr val="accent4"/>
-            </a:effectRef>
-            <a:fontRef idx="minor">
-              <a:schemeClr val="lt1"/>
-            </a:fontRef>
-          </p:style>
-          <p:txBody>
-            <a:bodyPr rtlCol="0" anchor="ctr"/>
-            <a:lstStyle/>
-            <a:p>
-              <a:pPr algn="ctr"/>
-              <a:endParaRPr lang="es-ES"/>
-            </a:p>
-          </p:txBody>
-        </p:sp>
-        <p:sp>
-          <p:nvSpPr>
-            <p:cNvPr id="1105" name="Elipse 1104">
-              <a:extLst>
-                <a:ext uri="{FF2B5EF4-FFF2-40B4-BE49-F238E27FC236}">
-                  <a16:creationId xmlns:a16="http://schemas.microsoft.com/office/drawing/2014/main" id="{17B18DEC-E374-61B5-7468-918FEE4AB4FF}"/>
-                </a:ext>
-              </a:extLst>
-            </p:cNvPr>
-            <p:cNvSpPr/>
-            <p:nvPr/>
-          </p:nvSpPr>
-          <p:spPr>
-            <a:xfrm>
-              <a:off x="7380153" y="5468304"/>
-              <a:ext cx="225662" cy="225662"/>
-            </a:xfrm>
-            <a:prstGeom prst="ellipse">
-              <a:avLst/>
-            </a:prstGeom>
-            <a:noFill/>
-            <a:ln>
-              <a:solidFill>
-                <a:schemeClr val="bg1">
-                  <a:lumMod val="50000"/>
-                </a:schemeClr>
-              </a:solidFill>
-            </a:ln>
-          </p:spPr>
-          <p:style>
-            <a:lnRef idx="2">
-              <a:schemeClr val="accent4">
-                <a:shade val="15000"/>
-              </a:schemeClr>
-            </a:lnRef>
-            <a:fillRef idx="1">
-              <a:schemeClr val="accent4"/>
-            </a:fillRef>
-            <a:effectRef idx="0">
-              <a:schemeClr val="accent4"/>
-            </a:effectRef>
-            <a:fontRef idx="minor">
-              <a:schemeClr val="lt1"/>
-            </a:fontRef>
-          </p:style>
-          <p:txBody>
-            <a:bodyPr rtlCol="0" anchor="ctr"/>
-            <a:lstStyle/>
-            <a:p>
-              <a:pPr algn="ctr"/>
-              <a:endParaRPr lang="es-ES"/>
-            </a:p>
-          </p:txBody>
-        </p:sp>
-        <p:cxnSp>
-          <p:nvCxnSpPr>
-            <p:cNvPr id="1106" name="Conector recto 1105">
-              <a:extLst>
-                <a:ext uri="{FF2B5EF4-FFF2-40B4-BE49-F238E27FC236}">
-                  <a16:creationId xmlns:a16="http://schemas.microsoft.com/office/drawing/2014/main" id="{E973D0FB-DB89-05FC-A81E-57EF55E86E7F}"/>
-                </a:ext>
-              </a:extLst>
-            </p:cNvPr>
-            <p:cNvCxnSpPr>
-              <a:cxnSpLocks/>
-            </p:cNvCxnSpPr>
-            <p:nvPr/>
-          </p:nvCxnSpPr>
-          <p:spPr>
-            <a:xfrm flipH="1">
-              <a:off x="8260035" y="5320234"/>
-              <a:ext cx="1" cy="154536"/>
-            </a:xfrm>
-            <a:prstGeom prst="line">
-              <a:avLst/>
-            </a:prstGeom>
-            <a:noFill/>
-            <a:ln>
-              <a:solidFill>
-                <a:schemeClr val="bg1">
-                  <a:lumMod val="50000"/>
-                </a:schemeClr>
-              </a:solidFill>
-            </a:ln>
-          </p:spPr>
-          <p:style>
-            <a:lnRef idx="2">
-              <a:schemeClr val="accent4">
-                <a:shade val="15000"/>
-              </a:schemeClr>
-            </a:lnRef>
-            <a:fillRef idx="1">
-              <a:schemeClr val="accent4"/>
-            </a:fillRef>
-            <a:effectRef idx="0">
-              <a:schemeClr val="accent4"/>
-            </a:effectRef>
-            <a:fontRef idx="minor">
-              <a:schemeClr val="lt1"/>
-            </a:fontRef>
-          </p:style>
-        </p:cxnSp>
-        <p:cxnSp>
-          <p:nvCxnSpPr>
-            <p:cNvPr id="1107" name="Conector recto 1106">
-              <a:extLst>
-                <a:ext uri="{FF2B5EF4-FFF2-40B4-BE49-F238E27FC236}">
-                  <a16:creationId xmlns:a16="http://schemas.microsoft.com/office/drawing/2014/main" id="{BC7D255C-CC20-8805-A35A-8B34C5F1C86D}"/>
-                </a:ext>
-              </a:extLst>
-            </p:cNvPr>
-            <p:cNvCxnSpPr>
-              <a:cxnSpLocks/>
-              <a:stCxn id="1090" idx="3"/>
-              <a:endCxn id="1105" idx="7"/>
-            </p:cNvCxnSpPr>
-            <p:nvPr/>
-          </p:nvCxnSpPr>
-          <p:spPr>
-            <a:xfrm flipH="1">
-              <a:off x="7572768" y="5287862"/>
-              <a:ext cx="250008" cy="213489"/>
-            </a:xfrm>
-            <a:prstGeom prst="line">
-              <a:avLst/>
-            </a:prstGeom>
-            <a:noFill/>
-            <a:ln>
-              <a:solidFill>
-                <a:srgbClr val="FFD144"/>
-              </a:solidFill>
-            </a:ln>
-          </p:spPr>
-          <p:style>
-            <a:lnRef idx="2">
-              <a:schemeClr val="accent4">
-                <a:shade val="15000"/>
-              </a:schemeClr>
-            </a:lnRef>
-            <a:fillRef idx="1">
-              <a:schemeClr val="accent4"/>
-            </a:fillRef>
-            <a:effectRef idx="0">
-              <a:schemeClr val="accent4"/>
-            </a:effectRef>
-            <a:fontRef idx="minor">
-              <a:schemeClr val="lt1"/>
-            </a:fontRef>
-          </p:style>
-        </p:cxnSp>
-        <p:sp>
-          <p:nvSpPr>
-            <p:cNvPr id="1110" name="Elipse 1109">
-              <a:extLst>
-                <a:ext uri="{FF2B5EF4-FFF2-40B4-BE49-F238E27FC236}">
-                  <a16:creationId xmlns:a16="http://schemas.microsoft.com/office/drawing/2014/main" id="{EB1C632C-037F-3486-0787-0385A703D4F8}"/>
-                </a:ext>
-              </a:extLst>
-            </p:cNvPr>
-            <p:cNvSpPr/>
-            <p:nvPr/>
-          </p:nvSpPr>
-          <p:spPr>
-            <a:xfrm>
-              <a:off x="7380513" y="5843663"/>
-              <a:ext cx="225662" cy="225662"/>
-            </a:xfrm>
-            <a:prstGeom prst="ellipse">
-              <a:avLst/>
-            </a:prstGeom>
-            <a:noFill/>
-            <a:ln>
-              <a:solidFill>
-                <a:srgbClr val="326499"/>
-              </a:solidFill>
-            </a:ln>
-          </p:spPr>
-          <p:style>
-            <a:lnRef idx="2">
-              <a:schemeClr val="accent4">
-                <a:shade val="15000"/>
-              </a:schemeClr>
-            </a:lnRef>
-            <a:fillRef idx="1">
-              <a:schemeClr val="accent4"/>
-            </a:fillRef>
-            <a:effectRef idx="0">
-              <a:schemeClr val="accent4"/>
-            </a:effectRef>
-            <a:fontRef idx="minor">
-              <a:schemeClr val="lt1"/>
-            </a:fontRef>
-          </p:style>
-          <p:txBody>
-            <a:bodyPr rtlCol="0" anchor="ctr"/>
-            <a:lstStyle/>
-            <a:p>
-              <a:pPr algn="ctr"/>
-              <a:endParaRPr lang="es-ES"/>
-            </a:p>
-          </p:txBody>
-        </p:sp>
-        <p:cxnSp>
-          <p:nvCxnSpPr>
-            <p:cNvPr id="1111" name="Conector recto 1110">
-              <a:extLst>
-                <a:ext uri="{FF2B5EF4-FFF2-40B4-BE49-F238E27FC236}">
-                  <a16:creationId xmlns:a16="http://schemas.microsoft.com/office/drawing/2014/main" id="{36569CDC-2A03-8A28-A065-F62B91202686}"/>
-                </a:ext>
-              </a:extLst>
-            </p:cNvPr>
-            <p:cNvCxnSpPr>
-              <a:cxnSpLocks/>
-            </p:cNvCxnSpPr>
-            <p:nvPr/>
-          </p:nvCxnSpPr>
-          <p:spPr>
-            <a:xfrm flipH="1">
-              <a:off x="7490930" y="5685427"/>
-              <a:ext cx="1" cy="154536"/>
-            </a:xfrm>
-            <a:prstGeom prst="line">
-              <a:avLst/>
-            </a:prstGeom>
-            <a:noFill/>
-            <a:ln>
-              <a:solidFill>
-                <a:schemeClr val="bg1">
-                  <a:lumMod val="50000"/>
-                </a:schemeClr>
-              </a:solidFill>
-            </a:ln>
-          </p:spPr>
-          <p:style>
-            <a:lnRef idx="2">
-              <a:schemeClr val="accent4">
-                <a:shade val="15000"/>
-              </a:schemeClr>
-            </a:lnRef>
-            <a:fillRef idx="1">
-              <a:schemeClr val="accent4"/>
-            </a:fillRef>
-            <a:effectRef idx="0">
-              <a:schemeClr val="accent4"/>
-            </a:effectRef>
-            <a:fontRef idx="minor">
-              <a:schemeClr val="lt1"/>
-            </a:fontRef>
-          </p:style>
-        </p:cxnSp>
-      </p:grpSp>
-      <p:sp>
-        <p:nvSpPr>
-          <p:cNvPr id="1119" name="Flecha: a la derecha 1118">
-            <a:extLst>
-              <a:ext uri="{FF2B5EF4-FFF2-40B4-BE49-F238E27FC236}">
-                <a16:creationId xmlns:a16="http://schemas.microsoft.com/office/drawing/2014/main" id="{3C7051E5-DC9E-F860-372D-EC02BC9B03B7}"/>
-              </a:ext>
-            </a:extLst>
-          </p:cNvPr>
-          <p:cNvSpPr/>
-          <p:nvPr/>
-        </p:nvSpPr>
-        <p:spPr>
-          <a:xfrm rot="10800000">
-            <a:off x="6962290" y="4798930"/>
-            <a:ext cx="587395" cy="409148"/>
-          </a:xfrm>
-          <a:prstGeom prst="rightArrow">
-            <a:avLst/>
-          </a:prstGeom>
-        </p:spPr>
-        <p:style>
-          <a:lnRef idx="0">
-            <a:schemeClr val="accent1"/>
-          </a:lnRef>
-          <a:fillRef idx="3">
-            <a:schemeClr val="accent1"/>
-          </a:fillRef>
-          <a:effectRef idx="3">
-            <a:schemeClr val="accent1"/>
-          </a:effectRef>
-          <a:fontRef idx="minor">
-            <a:schemeClr val="lt1"/>
-          </a:fontRef>
-        </p:style>
-        <p:txBody>
-          <a:bodyPr rtlCol="0" anchor="ctr"/>
-          <a:lstStyle/>
-          <a:p>
-            <a:pPr algn="ctr"/>
-            <a:endParaRPr lang="es-ES"/>
-          </a:p>
-        </p:txBody>
-      </p:sp>
-      <p:sp>
-        <p:nvSpPr>
-          <p:cNvPr id="1120" name="Flecha: a la derecha 1119">
-            <a:extLst>
-              <a:ext uri="{FF2B5EF4-FFF2-40B4-BE49-F238E27FC236}">
-                <a16:creationId xmlns:a16="http://schemas.microsoft.com/office/drawing/2014/main" id="{CE2B85B8-6D5F-555C-7D15-7DF9E1A145E7}"/>
-              </a:ext>
-            </a:extLst>
-          </p:cNvPr>
-          <p:cNvSpPr/>
-          <p:nvPr/>
-        </p:nvSpPr>
-        <p:spPr>
-          <a:xfrm rot="10800000">
-            <a:off x="4962497" y="4769509"/>
-            <a:ext cx="587395" cy="409148"/>
-          </a:xfrm>
-          <a:prstGeom prst="rightArrow">
-            <a:avLst/>
-          </a:prstGeom>
-        </p:spPr>
-        <p:style>
-          <a:lnRef idx="0">
-            <a:schemeClr val="accent1"/>
-          </a:lnRef>
-          <a:fillRef idx="3">
-            <a:schemeClr val="accent1"/>
-          </a:fillRef>
-          <a:effectRef idx="3">
-            <a:schemeClr val="accent1"/>
-          </a:effectRef>
-          <a:fontRef idx="minor">
-            <a:schemeClr val="lt1"/>
-          </a:fontRef>
-        </p:style>
-        <p:txBody>
-          <a:bodyPr rtlCol="0" anchor="ctr"/>
-          <a:lstStyle/>
-          <a:p>
-            <a:pPr algn="ctr"/>
-            <a:endParaRPr lang="es-ES"/>
-          </a:p>
-        </p:txBody>
-      </p:sp>
-      <p:grpSp>
-        <p:nvGrpSpPr>
-          <p:cNvPr id="1137" name="Grupo 1136">
-            <a:extLst>
-              <a:ext uri="{FF2B5EF4-FFF2-40B4-BE49-F238E27FC236}">
-                <a16:creationId xmlns:a16="http://schemas.microsoft.com/office/drawing/2014/main" id="{C42B5EA0-D64F-C849-EA2C-CA0B7EA330FB}"/>
-              </a:ext>
-            </a:extLst>
-          </p:cNvPr>
-          <p:cNvGrpSpPr/>
-          <p:nvPr/>
-        </p:nvGrpSpPr>
-        <p:grpSpPr>
-          <a:xfrm>
-            <a:off x="5614761" y="4329256"/>
-            <a:ext cx="1278686" cy="1348496"/>
-            <a:chOff x="4417557" y="2853803"/>
-            <a:chExt cx="1278686" cy="1348496"/>
-          </a:xfrm>
-        </p:grpSpPr>
-        <p:grpSp>
-          <p:nvGrpSpPr>
-            <p:cNvPr id="1135" name="Grupo 1134">
-              <a:extLst>
-                <a:ext uri="{FF2B5EF4-FFF2-40B4-BE49-F238E27FC236}">
-                  <a16:creationId xmlns:a16="http://schemas.microsoft.com/office/drawing/2014/main" id="{707189CC-F596-5091-811E-257E2EC047B9}"/>
-                </a:ext>
-              </a:extLst>
-            </p:cNvPr>
-            <p:cNvGrpSpPr/>
-            <p:nvPr/>
-          </p:nvGrpSpPr>
-          <p:grpSpPr>
-            <a:xfrm>
-              <a:off x="4546633" y="3261725"/>
-              <a:ext cx="1016692" cy="804282"/>
-              <a:chOff x="2966278" y="2775438"/>
-              <a:chExt cx="1016692" cy="804282"/>
-            </a:xfrm>
-          </p:grpSpPr>
-          <p:grpSp>
-            <p:nvGrpSpPr>
-              <p:cNvPr id="1044" name="Grupo 1043">
-                <a:extLst>
-                  <a:ext uri="{FF2B5EF4-FFF2-40B4-BE49-F238E27FC236}">
-                    <a16:creationId xmlns:a16="http://schemas.microsoft.com/office/drawing/2014/main" id="{E4011A74-B043-4163-652D-2748B1C96776}"/>
-                  </a:ext>
-                </a:extLst>
-              </p:cNvPr>
-              <p:cNvGrpSpPr/>
-              <p:nvPr/>
-            </p:nvGrpSpPr>
-            <p:grpSpPr>
-              <a:xfrm>
-                <a:off x="3520763" y="3162967"/>
-                <a:ext cx="462207" cy="416753"/>
-                <a:chOff x="2968385" y="3207509"/>
-                <a:chExt cx="462207" cy="416753"/>
-              </a:xfrm>
-            </p:grpSpPr>
-            <p:sp>
-              <p:nvSpPr>
-                <p:cNvPr id="1045" name="Rectángulo 1044">
-                  <a:extLst>
-                    <a:ext uri="{FF2B5EF4-FFF2-40B4-BE49-F238E27FC236}">
-                      <a16:creationId xmlns:a16="http://schemas.microsoft.com/office/drawing/2014/main" id="{2139F8F6-523B-536C-E12B-F81A884E2380}"/>
-                    </a:ext>
-                  </a:extLst>
-                </p:cNvPr>
-                <p:cNvSpPr/>
-                <p:nvPr/>
-              </p:nvSpPr>
-              <p:spPr>
-                <a:xfrm>
-                  <a:off x="2968385" y="3207509"/>
-                  <a:ext cx="462207" cy="416753"/>
-                </a:xfrm>
-                <a:prstGeom prst="rect">
-                  <a:avLst/>
-                </a:prstGeom>
-                <a:solidFill>
-                  <a:schemeClr val="accent6"/>
-                </a:solidFill>
-                <a:ln>
-                  <a:noFill/>
-                </a:ln>
-              </p:spPr>
-              <p:style>
-                <a:lnRef idx="2">
-                  <a:schemeClr val="accent1">
-                    <a:shade val="15000"/>
-                  </a:schemeClr>
-                </a:lnRef>
-                <a:fillRef idx="1">
-                  <a:schemeClr val="accent1"/>
-                </a:fillRef>
-                <a:effectRef idx="0">
-                  <a:schemeClr val="accent1"/>
-                </a:effectRef>
-                <a:fontRef idx="minor">
-                  <a:schemeClr val="lt1"/>
-                </a:fontRef>
-              </p:style>
-              <p:txBody>
-                <a:bodyPr rtlCol="0" anchor="ctr"/>
-                <a:lstStyle/>
-                <a:p>
-                  <a:pPr algn="ctr"/>
-                  <a:endParaRPr lang="es-ES"/>
-                </a:p>
-              </p:txBody>
-            </p:sp>
-            <p:sp>
-              <p:nvSpPr>
-                <p:cNvPr id="1046" name="Rectángulo 1045">
-                  <a:extLst>
-                    <a:ext uri="{FF2B5EF4-FFF2-40B4-BE49-F238E27FC236}">
-                      <a16:creationId xmlns:a16="http://schemas.microsoft.com/office/drawing/2014/main" id="{65DB3B87-D862-3933-548E-E91F374B00AA}"/>
-                    </a:ext>
-                  </a:extLst>
-                </p:cNvPr>
-                <p:cNvSpPr/>
-                <p:nvPr/>
-              </p:nvSpPr>
-              <p:spPr>
-                <a:xfrm>
-                  <a:off x="2986882" y="3325885"/>
-                  <a:ext cx="133350" cy="83221"/>
-                </a:xfrm>
-                <a:prstGeom prst="rect">
-                  <a:avLst/>
-                </a:prstGeom>
-                <a:solidFill>
-                  <a:schemeClr val="bg1"/>
-                </a:solidFill>
-                <a:ln>
-                  <a:noFill/>
-                </a:ln>
-              </p:spPr>
-              <p:style>
-                <a:lnRef idx="2">
-                  <a:schemeClr val="accent1">
-                    <a:shade val="15000"/>
-                  </a:schemeClr>
-                </a:lnRef>
-                <a:fillRef idx="1">
-                  <a:schemeClr val="accent1"/>
-                </a:fillRef>
-                <a:effectRef idx="0">
-                  <a:schemeClr val="accent1"/>
-                </a:effectRef>
-                <a:fontRef idx="minor">
-                  <a:schemeClr val="lt1"/>
-                </a:fontRef>
-              </p:style>
-              <p:txBody>
-                <a:bodyPr rtlCol="0" anchor="ctr"/>
-                <a:lstStyle/>
-                <a:p>
-                  <a:pPr algn="ctr"/>
-                  <a:endParaRPr lang="es-ES"/>
-                </a:p>
-              </p:txBody>
-            </p:sp>
-            <p:sp>
-              <p:nvSpPr>
-                <p:cNvPr id="1047" name="Rectángulo 1046">
-                  <a:extLst>
-                    <a:ext uri="{FF2B5EF4-FFF2-40B4-BE49-F238E27FC236}">
-                      <a16:creationId xmlns:a16="http://schemas.microsoft.com/office/drawing/2014/main" id="{A5F13F14-B271-D483-6A6E-1FEED5A1351F}"/>
-                    </a:ext>
-                  </a:extLst>
-                </p:cNvPr>
-                <p:cNvSpPr/>
-                <p:nvPr/>
-              </p:nvSpPr>
-              <p:spPr>
-                <a:xfrm>
-                  <a:off x="2986882" y="3425801"/>
-                  <a:ext cx="133350" cy="83221"/>
-                </a:xfrm>
-                <a:prstGeom prst="rect">
-                  <a:avLst/>
-                </a:prstGeom>
-                <a:solidFill>
-                  <a:schemeClr val="bg1"/>
-                </a:solidFill>
-                <a:ln>
-                  <a:noFill/>
-                </a:ln>
-              </p:spPr>
-              <p:style>
-                <a:lnRef idx="2">
-                  <a:schemeClr val="accent1">
-                    <a:shade val="15000"/>
-                  </a:schemeClr>
-                </a:lnRef>
-                <a:fillRef idx="1">
-                  <a:schemeClr val="accent1"/>
-                </a:fillRef>
-                <a:effectRef idx="0">
-                  <a:schemeClr val="accent1"/>
-                </a:effectRef>
-                <a:fontRef idx="minor">
-                  <a:schemeClr val="lt1"/>
-                </a:fontRef>
-              </p:style>
-              <p:txBody>
-                <a:bodyPr rtlCol="0" anchor="ctr"/>
-                <a:lstStyle/>
-                <a:p>
-                  <a:pPr algn="ctr"/>
-                  <a:endParaRPr lang="es-ES"/>
-                </a:p>
-              </p:txBody>
-            </p:sp>
-            <p:sp>
-              <p:nvSpPr>
-                <p:cNvPr id="1049" name="Rectángulo 1048">
-                  <a:extLst>
-                    <a:ext uri="{FF2B5EF4-FFF2-40B4-BE49-F238E27FC236}">
-                      <a16:creationId xmlns:a16="http://schemas.microsoft.com/office/drawing/2014/main" id="{3ABDC1BD-81DE-D2FF-6BA7-9E43D81D74FB}"/>
-                    </a:ext>
-                  </a:extLst>
-                </p:cNvPr>
-                <p:cNvSpPr/>
-                <p:nvPr/>
-              </p:nvSpPr>
-              <p:spPr>
-                <a:xfrm>
-                  <a:off x="3134918" y="3325885"/>
-                  <a:ext cx="133350" cy="83221"/>
-                </a:xfrm>
-                <a:prstGeom prst="rect">
-                  <a:avLst/>
-                </a:prstGeom>
-                <a:solidFill>
-                  <a:schemeClr val="bg1"/>
-                </a:solidFill>
-                <a:ln>
-                  <a:noFill/>
-                </a:ln>
-              </p:spPr>
-              <p:style>
-                <a:lnRef idx="2">
-                  <a:schemeClr val="accent1">
-                    <a:shade val="15000"/>
-                  </a:schemeClr>
-                </a:lnRef>
-                <a:fillRef idx="1">
-                  <a:schemeClr val="accent1"/>
-                </a:fillRef>
-                <a:effectRef idx="0">
-                  <a:schemeClr val="accent1"/>
-                </a:effectRef>
-                <a:fontRef idx="minor">
-                  <a:schemeClr val="lt1"/>
-                </a:fontRef>
-              </p:style>
-              <p:txBody>
-                <a:bodyPr rtlCol="0" anchor="ctr"/>
-                <a:lstStyle/>
-                <a:p>
-                  <a:pPr algn="ctr"/>
-                  <a:endParaRPr lang="es-ES"/>
-                </a:p>
-              </p:txBody>
-            </p:sp>
-            <p:sp>
-              <p:nvSpPr>
-                <p:cNvPr id="1050" name="Rectángulo 1049">
-                  <a:extLst>
-                    <a:ext uri="{FF2B5EF4-FFF2-40B4-BE49-F238E27FC236}">
-                      <a16:creationId xmlns:a16="http://schemas.microsoft.com/office/drawing/2014/main" id="{AC6C3A36-4943-BAFE-6498-8764DCDBE3A8}"/>
-                    </a:ext>
-                  </a:extLst>
-                </p:cNvPr>
-                <p:cNvSpPr/>
-                <p:nvPr/>
-              </p:nvSpPr>
-              <p:spPr>
-                <a:xfrm>
-                  <a:off x="3134918" y="3425801"/>
-                  <a:ext cx="133350" cy="83221"/>
-                </a:xfrm>
-                <a:prstGeom prst="rect">
-                  <a:avLst/>
-                </a:prstGeom>
-                <a:solidFill>
-                  <a:schemeClr val="bg1"/>
-                </a:solidFill>
-                <a:ln>
-                  <a:noFill/>
-                </a:ln>
-              </p:spPr>
-              <p:style>
-                <a:lnRef idx="2">
-                  <a:schemeClr val="accent1">
-                    <a:shade val="15000"/>
-                  </a:schemeClr>
-                </a:lnRef>
-                <a:fillRef idx="1">
-                  <a:schemeClr val="accent1"/>
-                </a:fillRef>
-                <a:effectRef idx="0">
-                  <a:schemeClr val="accent1"/>
-                </a:effectRef>
-                <a:fontRef idx="minor">
-                  <a:schemeClr val="lt1"/>
-                </a:fontRef>
-              </p:style>
-              <p:txBody>
-                <a:bodyPr rtlCol="0" anchor="ctr"/>
-                <a:lstStyle/>
-                <a:p>
-                  <a:pPr algn="ctr"/>
-                  <a:endParaRPr lang="es-ES"/>
-                </a:p>
-              </p:txBody>
-            </p:sp>
-            <p:sp>
-              <p:nvSpPr>
-                <p:cNvPr id="1051" name="Rectángulo 1050">
-                  <a:extLst>
-                    <a:ext uri="{FF2B5EF4-FFF2-40B4-BE49-F238E27FC236}">
-                      <a16:creationId xmlns:a16="http://schemas.microsoft.com/office/drawing/2014/main" id="{9E627181-7986-7096-C9E7-C8571B9AA48D}"/>
-                    </a:ext>
-                  </a:extLst>
-                </p:cNvPr>
-                <p:cNvSpPr/>
-                <p:nvPr/>
-              </p:nvSpPr>
-              <p:spPr>
-                <a:xfrm>
-                  <a:off x="3282953" y="3325885"/>
-                  <a:ext cx="133350" cy="83221"/>
-                </a:xfrm>
-                <a:prstGeom prst="rect">
-                  <a:avLst/>
-                </a:prstGeom>
-                <a:solidFill>
-                  <a:schemeClr val="bg1"/>
-                </a:solidFill>
-                <a:ln>
-                  <a:noFill/>
-                </a:ln>
-              </p:spPr>
-              <p:style>
-                <a:lnRef idx="2">
-                  <a:schemeClr val="accent1">
-                    <a:shade val="15000"/>
-                  </a:schemeClr>
-                </a:lnRef>
-                <a:fillRef idx="1">
-                  <a:schemeClr val="accent1"/>
-                </a:fillRef>
-                <a:effectRef idx="0">
-                  <a:schemeClr val="accent1"/>
-                </a:effectRef>
-                <a:fontRef idx="minor">
-                  <a:schemeClr val="lt1"/>
-                </a:fontRef>
-              </p:style>
-              <p:txBody>
-                <a:bodyPr rtlCol="0" anchor="ctr"/>
-                <a:lstStyle/>
-                <a:p>
-                  <a:pPr algn="ctr"/>
-                  <a:endParaRPr lang="es-ES"/>
-                </a:p>
-              </p:txBody>
-            </p:sp>
-            <p:sp>
-              <p:nvSpPr>
-                <p:cNvPr id="1052" name="Rectángulo 1051">
-                  <a:extLst>
-                    <a:ext uri="{FF2B5EF4-FFF2-40B4-BE49-F238E27FC236}">
-                      <a16:creationId xmlns:a16="http://schemas.microsoft.com/office/drawing/2014/main" id="{16DF42F8-2119-8F74-13BA-A24A0136B79D}"/>
-                    </a:ext>
-                  </a:extLst>
-                </p:cNvPr>
-                <p:cNvSpPr/>
-                <p:nvPr/>
-              </p:nvSpPr>
-              <p:spPr>
-                <a:xfrm>
-                  <a:off x="3282953" y="3425801"/>
-                  <a:ext cx="133350" cy="83221"/>
-                </a:xfrm>
-                <a:prstGeom prst="rect">
-                  <a:avLst/>
-                </a:prstGeom>
-                <a:solidFill>
-                  <a:schemeClr val="bg1"/>
-                </a:solidFill>
-                <a:ln>
-                  <a:noFill/>
-                </a:ln>
-              </p:spPr>
-              <p:style>
-                <a:lnRef idx="2">
-                  <a:schemeClr val="accent1">
-                    <a:shade val="15000"/>
-                  </a:schemeClr>
-                </a:lnRef>
-                <a:fillRef idx="1">
-                  <a:schemeClr val="accent1"/>
-                </a:fillRef>
-                <a:effectRef idx="0">
-                  <a:schemeClr val="accent1"/>
-                </a:effectRef>
-                <a:fontRef idx="minor">
-                  <a:schemeClr val="lt1"/>
-                </a:fontRef>
-              </p:style>
-              <p:txBody>
-                <a:bodyPr rtlCol="0" anchor="ctr"/>
-                <a:lstStyle/>
-                <a:p>
-                  <a:pPr algn="ctr"/>
-                  <a:endParaRPr lang="es-ES"/>
-                </a:p>
-              </p:txBody>
-            </p:sp>
-            <p:sp>
-              <p:nvSpPr>
-                <p:cNvPr id="1053" name="Rectángulo 1052">
-                  <a:extLst>
-                    <a:ext uri="{FF2B5EF4-FFF2-40B4-BE49-F238E27FC236}">
-                      <a16:creationId xmlns:a16="http://schemas.microsoft.com/office/drawing/2014/main" id="{05A8947D-B6D7-DC2B-BCAB-6FB191D49D3D}"/>
-                    </a:ext>
-                  </a:extLst>
-                </p:cNvPr>
-                <p:cNvSpPr/>
-                <p:nvPr/>
-              </p:nvSpPr>
-              <p:spPr>
-                <a:xfrm>
-                  <a:off x="2986882" y="3525100"/>
-                  <a:ext cx="133350" cy="83221"/>
-                </a:xfrm>
-                <a:prstGeom prst="rect">
-                  <a:avLst/>
-                </a:prstGeom>
-                <a:solidFill>
-                  <a:schemeClr val="bg1"/>
-                </a:solidFill>
-                <a:ln>
-                  <a:noFill/>
-                </a:ln>
-              </p:spPr>
-              <p:style>
-                <a:lnRef idx="2">
-                  <a:schemeClr val="accent1">
-                    <a:shade val="15000"/>
-                  </a:schemeClr>
-                </a:lnRef>
-                <a:fillRef idx="1">
-                  <a:schemeClr val="accent1"/>
-                </a:fillRef>
-                <a:effectRef idx="0">
-                  <a:schemeClr val="accent1"/>
-                </a:effectRef>
-                <a:fontRef idx="minor">
-                  <a:schemeClr val="lt1"/>
-                </a:fontRef>
-              </p:style>
-              <p:txBody>
-                <a:bodyPr rtlCol="0" anchor="ctr"/>
-                <a:lstStyle/>
-                <a:p>
-                  <a:pPr algn="ctr"/>
-                  <a:endParaRPr lang="es-ES"/>
-                </a:p>
-              </p:txBody>
-            </p:sp>
-            <p:sp>
-              <p:nvSpPr>
-                <p:cNvPr id="1054" name="Rectángulo 1053">
-                  <a:extLst>
-                    <a:ext uri="{FF2B5EF4-FFF2-40B4-BE49-F238E27FC236}">
-                      <a16:creationId xmlns:a16="http://schemas.microsoft.com/office/drawing/2014/main" id="{7FBB9EB8-D5D1-16B2-8F83-1BB58E3FAAE6}"/>
-                    </a:ext>
-                  </a:extLst>
-                </p:cNvPr>
-                <p:cNvSpPr/>
-                <p:nvPr/>
-              </p:nvSpPr>
-              <p:spPr>
-                <a:xfrm>
-                  <a:off x="3134918" y="3525100"/>
-                  <a:ext cx="133350" cy="83221"/>
-                </a:xfrm>
-                <a:prstGeom prst="rect">
-                  <a:avLst/>
-                </a:prstGeom>
-                <a:solidFill>
-                  <a:schemeClr val="bg1"/>
-                </a:solidFill>
-                <a:ln>
-                  <a:noFill/>
-                </a:ln>
-              </p:spPr>
-              <p:style>
-                <a:lnRef idx="2">
-                  <a:schemeClr val="accent1">
-                    <a:shade val="15000"/>
-                  </a:schemeClr>
-                </a:lnRef>
-                <a:fillRef idx="1">
-                  <a:schemeClr val="accent1"/>
-                </a:fillRef>
-                <a:effectRef idx="0">
-                  <a:schemeClr val="accent1"/>
-                </a:effectRef>
-                <a:fontRef idx="minor">
-                  <a:schemeClr val="lt1"/>
-                </a:fontRef>
-              </p:style>
-              <p:txBody>
-                <a:bodyPr rtlCol="0" anchor="ctr"/>
-                <a:lstStyle/>
-                <a:p>
-                  <a:pPr algn="ctr"/>
-                  <a:endParaRPr lang="es-ES"/>
-                </a:p>
-              </p:txBody>
-            </p:sp>
-            <p:sp>
-              <p:nvSpPr>
-                <p:cNvPr id="1055" name="Rectángulo 1054">
-                  <a:extLst>
-                    <a:ext uri="{FF2B5EF4-FFF2-40B4-BE49-F238E27FC236}">
-                      <a16:creationId xmlns:a16="http://schemas.microsoft.com/office/drawing/2014/main" id="{81EE7E7A-9BDF-87BA-D632-9FBD1B1C478D}"/>
-                    </a:ext>
-                  </a:extLst>
-                </p:cNvPr>
-                <p:cNvSpPr/>
-                <p:nvPr/>
-              </p:nvSpPr>
-              <p:spPr>
-                <a:xfrm>
-                  <a:off x="3282953" y="3525100"/>
-                  <a:ext cx="133350" cy="83221"/>
-                </a:xfrm>
-                <a:prstGeom prst="rect">
-                  <a:avLst/>
-                </a:prstGeom>
-                <a:solidFill>
-                  <a:schemeClr val="bg1"/>
-                </a:solidFill>
-                <a:ln>
-                  <a:noFill/>
-                </a:ln>
-              </p:spPr>
-              <p:style>
-                <a:lnRef idx="2">
-                  <a:schemeClr val="accent1">
-                    <a:shade val="15000"/>
-                  </a:schemeClr>
-                </a:lnRef>
-                <a:fillRef idx="1">
-                  <a:schemeClr val="accent1"/>
-                </a:fillRef>
-                <a:effectRef idx="0">
-                  <a:schemeClr val="accent1"/>
-                </a:effectRef>
-                <a:fontRef idx="minor">
-                  <a:schemeClr val="lt1"/>
-                </a:fontRef>
-              </p:style>
-              <p:txBody>
-                <a:bodyPr rtlCol="0" anchor="ctr"/>
-                <a:lstStyle/>
-                <a:p>
-                  <a:pPr algn="ctr"/>
-                  <a:endParaRPr lang="es-ES"/>
-                </a:p>
-              </p:txBody>
-            </p:sp>
-          </p:grpSp>
-          <p:grpSp>
-            <p:nvGrpSpPr>
-              <p:cNvPr id="1056" name="Grupo 1055">
-                <a:extLst>
-                  <a:ext uri="{FF2B5EF4-FFF2-40B4-BE49-F238E27FC236}">
-                    <a16:creationId xmlns:a16="http://schemas.microsoft.com/office/drawing/2014/main" id="{DD05AA23-B1D7-A30D-7E58-62A5EC703CCA}"/>
-                  </a:ext>
-                </a:extLst>
-              </p:cNvPr>
-              <p:cNvGrpSpPr/>
-              <p:nvPr/>
-            </p:nvGrpSpPr>
-            <p:grpSpPr>
-              <a:xfrm>
-                <a:off x="2966278" y="2840300"/>
-                <a:ext cx="462207" cy="416753"/>
-                <a:chOff x="2968385" y="3207509"/>
-                <a:chExt cx="462207" cy="416753"/>
-              </a:xfrm>
-            </p:grpSpPr>
-            <p:sp>
-              <p:nvSpPr>
-                <p:cNvPr id="1057" name="Rectángulo 1056">
-                  <a:extLst>
-                    <a:ext uri="{FF2B5EF4-FFF2-40B4-BE49-F238E27FC236}">
-                      <a16:creationId xmlns:a16="http://schemas.microsoft.com/office/drawing/2014/main" id="{2776AE49-182C-9F0B-CBFB-849B347A3FF3}"/>
-                    </a:ext>
-                  </a:extLst>
-                </p:cNvPr>
-                <p:cNvSpPr/>
-                <p:nvPr/>
-              </p:nvSpPr>
-              <p:spPr>
-                <a:xfrm>
-                  <a:off x="2968385" y="3207509"/>
-                  <a:ext cx="462207" cy="416753"/>
-                </a:xfrm>
-                <a:prstGeom prst="rect">
-                  <a:avLst/>
-                </a:prstGeom>
-                <a:solidFill>
-                  <a:srgbClr val="326499"/>
-                </a:solidFill>
-                <a:ln>
-                  <a:noFill/>
-                </a:ln>
-              </p:spPr>
-              <p:style>
-                <a:lnRef idx="2">
-                  <a:schemeClr val="accent1">
-                    <a:shade val="15000"/>
-                  </a:schemeClr>
-                </a:lnRef>
-                <a:fillRef idx="1">
-                  <a:schemeClr val="accent1"/>
-                </a:fillRef>
-                <a:effectRef idx="0">
-                  <a:schemeClr val="accent1"/>
-                </a:effectRef>
-                <a:fontRef idx="minor">
-                  <a:schemeClr val="lt1"/>
-                </a:fontRef>
-              </p:style>
-              <p:txBody>
-                <a:bodyPr rtlCol="0" anchor="ctr"/>
-                <a:lstStyle/>
-                <a:p>
-                  <a:pPr algn="ctr"/>
-                  <a:endParaRPr lang="es-ES"/>
-                </a:p>
-              </p:txBody>
-            </p:sp>
-            <p:sp>
-              <p:nvSpPr>
-                <p:cNvPr id="1058" name="Rectángulo 1057">
-                  <a:extLst>
-                    <a:ext uri="{FF2B5EF4-FFF2-40B4-BE49-F238E27FC236}">
-                      <a16:creationId xmlns:a16="http://schemas.microsoft.com/office/drawing/2014/main" id="{3A0EE747-6FCD-2B7C-8078-28B58BBDBC71}"/>
-                    </a:ext>
-                  </a:extLst>
-                </p:cNvPr>
-                <p:cNvSpPr/>
-                <p:nvPr/>
-              </p:nvSpPr>
-              <p:spPr>
-                <a:xfrm>
-                  <a:off x="2986882" y="3325885"/>
-                  <a:ext cx="133350" cy="83221"/>
-                </a:xfrm>
-                <a:prstGeom prst="rect">
-                  <a:avLst/>
-                </a:prstGeom>
-                <a:solidFill>
-                  <a:schemeClr val="bg1"/>
-                </a:solidFill>
-                <a:ln>
-                  <a:noFill/>
-                </a:ln>
-              </p:spPr>
-              <p:style>
-                <a:lnRef idx="2">
-                  <a:schemeClr val="accent1">
-                    <a:shade val="15000"/>
-                  </a:schemeClr>
-                </a:lnRef>
-                <a:fillRef idx="1">
-                  <a:schemeClr val="accent1"/>
-                </a:fillRef>
-                <a:effectRef idx="0">
-                  <a:schemeClr val="accent1"/>
-                </a:effectRef>
-                <a:fontRef idx="minor">
-                  <a:schemeClr val="lt1"/>
-                </a:fontRef>
-              </p:style>
-              <p:txBody>
-                <a:bodyPr rtlCol="0" anchor="ctr"/>
-                <a:lstStyle/>
-                <a:p>
-                  <a:pPr algn="ctr"/>
-                  <a:endParaRPr lang="es-ES"/>
-                </a:p>
-              </p:txBody>
-            </p:sp>
-            <p:sp>
-              <p:nvSpPr>
-                <p:cNvPr id="1059" name="Rectángulo 1058">
-                  <a:extLst>
-                    <a:ext uri="{FF2B5EF4-FFF2-40B4-BE49-F238E27FC236}">
-                      <a16:creationId xmlns:a16="http://schemas.microsoft.com/office/drawing/2014/main" id="{21527D7D-2FB1-B990-2BB6-CB23E5743C45}"/>
-                    </a:ext>
-                  </a:extLst>
-                </p:cNvPr>
-                <p:cNvSpPr/>
-                <p:nvPr/>
-              </p:nvSpPr>
-              <p:spPr>
-                <a:xfrm>
-                  <a:off x="2986882" y="3425801"/>
-                  <a:ext cx="133350" cy="83221"/>
-                </a:xfrm>
-                <a:prstGeom prst="rect">
-                  <a:avLst/>
-                </a:prstGeom>
-                <a:solidFill>
-                  <a:schemeClr val="bg1"/>
-                </a:solidFill>
-                <a:ln>
-                  <a:noFill/>
-                </a:ln>
-              </p:spPr>
-              <p:style>
-                <a:lnRef idx="2">
-                  <a:schemeClr val="accent1">
-                    <a:shade val="15000"/>
-                  </a:schemeClr>
-                </a:lnRef>
-                <a:fillRef idx="1">
-                  <a:schemeClr val="accent1"/>
-                </a:fillRef>
-                <a:effectRef idx="0">
-                  <a:schemeClr val="accent1"/>
-                </a:effectRef>
-                <a:fontRef idx="minor">
-                  <a:schemeClr val="lt1"/>
-                </a:fontRef>
-              </p:style>
-              <p:txBody>
-                <a:bodyPr rtlCol="0" anchor="ctr"/>
-                <a:lstStyle/>
-                <a:p>
-                  <a:pPr algn="ctr"/>
-                  <a:endParaRPr lang="es-ES"/>
-                </a:p>
-              </p:txBody>
-            </p:sp>
-            <p:sp>
-              <p:nvSpPr>
-                <p:cNvPr id="1060" name="Rectángulo 1059">
-                  <a:extLst>
-                    <a:ext uri="{FF2B5EF4-FFF2-40B4-BE49-F238E27FC236}">
-                      <a16:creationId xmlns:a16="http://schemas.microsoft.com/office/drawing/2014/main" id="{25365AB0-B45F-6EAF-BCEB-6108027F584D}"/>
-                    </a:ext>
-                  </a:extLst>
-                </p:cNvPr>
-                <p:cNvSpPr/>
-                <p:nvPr/>
-              </p:nvSpPr>
-              <p:spPr>
-                <a:xfrm>
-                  <a:off x="3134918" y="3325885"/>
-                  <a:ext cx="133350" cy="83221"/>
-                </a:xfrm>
-                <a:prstGeom prst="rect">
-                  <a:avLst/>
-                </a:prstGeom>
-                <a:solidFill>
-                  <a:schemeClr val="bg1"/>
-                </a:solidFill>
-                <a:ln>
-                  <a:noFill/>
-                </a:ln>
-              </p:spPr>
-              <p:style>
-                <a:lnRef idx="2">
-                  <a:schemeClr val="accent1">
-                    <a:shade val="15000"/>
-                  </a:schemeClr>
-                </a:lnRef>
-                <a:fillRef idx="1">
-                  <a:schemeClr val="accent1"/>
-                </a:fillRef>
-                <a:effectRef idx="0">
-                  <a:schemeClr val="accent1"/>
-                </a:effectRef>
-                <a:fontRef idx="minor">
-                  <a:schemeClr val="lt1"/>
-                </a:fontRef>
-              </p:style>
-              <p:txBody>
-                <a:bodyPr rtlCol="0" anchor="ctr"/>
-                <a:lstStyle/>
-                <a:p>
-                  <a:pPr algn="ctr"/>
-                  <a:endParaRPr lang="es-ES"/>
-                </a:p>
-              </p:txBody>
-            </p:sp>
-            <p:sp>
-              <p:nvSpPr>
-                <p:cNvPr id="1062" name="Rectángulo 1061">
-                  <a:extLst>
-                    <a:ext uri="{FF2B5EF4-FFF2-40B4-BE49-F238E27FC236}">
-                      <a16:creationId xmlns:a16="http://schemas.microsoft.com/office/drawing/2014/main" id="{9B944E7A-AD5F-2730-ED5D-4121D11FCE0E}"/>
-                    </a:ext>
-                  </a:extLst>
-                </p:cNvPr>
-                <p:cNvSpPr/>
-                <p:nvPr/>
-              </p:nvSpPr>
-              <p:spPr>
-                <a:xfrm>
-                  <a:off x="3134918" y="3425801"/>
-                  <a:ext cx="133350" cy="83221"/>
-                </a:xfrm>
-                <a:prstGeom prst="rect">
-                  <a:avLst/>
-                </a:prstGeom>
-                <a:solidFill>
-                  <a:schemeClr val="bg1"/>
-                </a:solidFill>
-                <a:ln>
-                  <a:noFill/>
-                </a:ln>
-              </p:spPr>
-              <p:style>
-                <a:lnRef idx="2">
-                  <a:schemeClr val="accent1">
-                    <a:shade val="15000"/>
-                  </a:schemeClr>
-                </a:lnRef>
-                <a:fillRef idx="1">
-                  <a:schemeClr val="accent1"/>
-                </a:fillRef>
-                <a:effectRef idx="0">
-                  <a:schemeClr val="accent1"/>
-                </a:effectRef>
-                <a:fontRef idx="minor">
-                  <a:schemeClr val="lt1"/>
-                </a:fontRef>
-              </p:style>
-              <p:txBody>
-                <a:bodyPr rtlCol="0" anchor="ctr"/>
-                <a:lstStyle/>
-                <a:p>
-                  <a:pPr algn="ctr"/>
-                  <a:endParaRPr lang="es-ES"/>
-                </a:p>
-              </p:txBody>
-            </p:sp>
-            <p:sp>
-              <p:nvSpPr>
-                <p:cNvPr id="1063" name="Rectángulo 1062">
-                  <a:extLst>
-                    <a:ext uri="{FF2B5EF4-FFF2-40B4-BE49-F238E27FC236}">
-                      <a16:creationId xmlns:a16="http://schemas.microsoft.com/office/drawing/2014/main" id="{A3D02F6D-B14E-42D1-3693-489CE4E9CADB}"/>
-                    </a:ext>
-                  </a:extLst>
-                </p:cNvPr>
-                <p:cNvSpPr/>
-                <p:nvPr/>
-              </p:nvSpPr>
-              <p:spPr>
-                <a:xfrm>
-                  <a:off x="3282953" y="3325885"/>
-                  <a:ext cx="133350" cy="83221"/>
-                </a:xfrm>
-                <a:prstGeom prst="rect">
-                  <a:avLst/>
-                </a:prstGeom>
-                <a:solidFill>
-                  <a:schemeClr val="bg1"/>
-                </a:solidFill>
-                <a:ln>
-                  <a:noFill/>
-                </a:ln>
-              </p:spPr>
-              <p:style>
-                <a:lnRef idx="2">
-                  <a:schemeClr val="accent1">
-                    <a:shade val="15000"/>
-                  </a:schemeClr>
-                </a:lnRef>
-                <a:fillRef idx="1">
-                  <a:schemeClr val="accent1"/>
-                </a:fillRef>
-                <a:effectRef idx="0">
-                  <a:schemeClr val="accent1"/>
-                </a:effectRef>
-                <a:fontRef idx="minor">
-                  <a:schemeClr val="lt1"/>
-                </a:fontRef>
-              </p:style>
-              <p:txBody>
-                <a:bodyPr rtlCol="0" anchor="ctr"/>
-                <a:lstStyle/>
-                <a:p>
-                  <a:pPr algn="ctr"/>
-                  <a:endParaRPr lang="es-ES"/>
-                </a:p>
-              </p:txBody>
-            </p:sp>
-            <p:sp>
-              <p:nvSpPr>
-                <p:cNvPr id="1065" name="Rectángulo 1064">
-                  <a:extLst>
-                    <a:ext uri="{FF2B5EF4-FFF2-40B4-BE49-F238E27FC236}">
-                      <a16:creationId xmlns:a16="http://schemas.microsoft.com/office/drawing/2014/main" id="{074E9289-EB17-957C-8832-A40EC6353B28}"/>
-                    </a:ext>
-                  </a:extLst>
-                </p:cNvPr>
-                <p:cNvSpPr/>
-                <p:nvPr/>
-              </p:nvSpPr>
-              <p:spPr>
-                <a:xfrm>
-                  <a:off x="3282953" y="3425801"/>
-                  <a:ext cx="133350" cy="83221"/>
-                </a:xfrm>
-                <a:prstGeom prst="rect">
-                  <a:avLst/>
-                </a:prstGeom>
-                <a:solidFill>
-                  <a:schemeClr val="bg1"/>
-                </a:solidFill>
-                <a:ln>
-                  <a:noFill/>
-                </a:ln>
-              </p:spPr>
-              <p:style>
-                <a:lnRef idx="2">
-                  <a:schemeClr val="accent1">
-                    <a:shade val="15000"/>
-                  </a:schemeClr>
-                </a:lnRef>
-                <a:fillRef idx="1">
-                  <a:schemeClr val="accent1"/>
-                </a:fillRef>
-                <a:effectRef idx="0">
-                  <a:schemeClr val="accent1"/>
-                </a:effectRef>
-                <a:fontRef idx="minor">
-                  <a:schemeClr val="lt1"/>
-                </a:fontRef>
-              </p:style>
-              <p:txBody>
-                <a:bodyPr rtlCol="0" anchor="ctr"/>
-                <a:lstStyle/>
-                <a:p>
-                  <a:pPr algn="ctr"/>
-                  <a:endParaRPr lang="es-ES"/>
-                </a:p>
-              </p:txBody>
-            </p:sp>
-            <p:sp>
-              <p:nvSpPr>
-                <p:cNvPr id="1068" name="Rectángulo 1067">
-                  <a:extLst>
-                    <a:ext uri="{FF2B5EF4-FFF2-40B4-BE49-F238E27FC236}">
-                      <a16:creationId xmlns:a16="http://schemas.microsoft.com/office/drawing/2014/main" id="{32FCC55F-130E-EB63-235F-C1D787898B1D}"/>
-                    </a:ext>
-                  </a:extLst>
-                </p:cNvPr>
-                <p:cNvSpPr/>
-                <p:nvPr/>
-              </p:nvSpPr>
-              <p:spPr>
-                <a:xfrm>
-                  <a:off x="2986882" y="3525100"/>
-                  <a:ext cx="133350" cy="83221"/>
-                </a:xfrm>
-                <a:prstGeom prst="rect">
-                  <a:avLst/>
-                </a:prstGeom>
-                <a:solidFill>
-                  <a:schemeClr val="bg1"/>
-                </a:solidFill>
-                <a:ln>
-                  <a:noFill/>
-                </a:ln>
-              </p:spPr>
-              <p:style>
-                <a:lnRef idx="2">
-                  <a:schemeClr val="accent1">
-                    <a:shade val="15000"/>
-                  </a:schemeClr>
-                </a:lnRef>
-                <a:fillRef idx="1">
-                  <a:schemeClr val="accent1"/>
-                </a:fillRef>
-                <a:effectRef idx="0">
-                  <a:schemeClr val="accent1"/>
-                </a:effectRef>
-                <a:fontRef idx="minor">
-                  <a:schemeClr val="lt1"/>
-                </a:fontRef>
-              </p:style>
-              <p:txBody>
-                <a:bodyPr rtlCol="0" anchor="ctr"/>
-                <a:lstStyle/>
-                <a:p>
-                  <a:pPr algn="ctr"/>
-                  <a:endParaRPr lang="es-ES"/>
-                </a:p>
-              </p:txBody>
-            </p:sp>
-            <p:sp>
-              <p:nvSpPr>
-                <p:cNvPr id="1069" name="Rectángulo 1068">
-                  <a:extLst>
-                    <a:ext uri="{FF2B5EF4-FFF2-40B4-BE49-F238E27FC236}">
-                      <a16:creationId xmlns:a16="http://schemas.microsoft.com/office/drawing/2014/main" id="{8955CE59-775D-558E-3247-B436EE26149D}"/>
-                    </a:ext>
-                  </a:extLst>
-                </p:cNvPr>
-                <p:cNvSpPr/>
-                <p:nvPr/>
-              </p:nvSpPr>
-              <p:spPr>
-                <a:xfrm>
-                  <a:off x="3134918" y="3525100"/>
-                  <a:ext cx="133350" cy="83221"/>
-                </a:xfrm>
-                <a:prstGeom prst="rect">
-                  <a:avLst/>
-                </a:prstGeom>
-                <a:solidFill>
-                  <a:schemeClr val="bg1"/>
-                </a:solidFill>
-                <a:ln>
-                  <a:noFill/>
-                </a:ln>
-              </p:spPr>
-              <p:style>
-                <a:lnRef idx="2">
-                  <a:schemeClr val="accent1">
-                    <a:shade val="15000"/>
-                  </a:schemeClr>
-                </a:lnRef>
-                <a:fillRef idx="1">
-                  <a:schemeClr val="accent1"/>
-                </a:fillRef>
-                <a:effectRef idx="0">
-                  <a:schemeClr val="accent1"/>
-                </a:effectRef>
-                <a:fontRef idx="minor">
-                  <a:schemeClr val="lt1"/>
-                </a:fontRef>
-              </p:style>
-              <p:txBody>
-                <a:bodyPr rtlCol="0" anchor="ctr"/>
-                <a:lstStyle/>
-                <a:p>
-                  <a:pPr algn="ctr"/>
-                  <a:endParaRPr lang="es-ES"/>
-                </a:p>
-              </p:txBody>
-            </p:sp>
-            <p:sp>
-              <p:nvSpPr>
-                <p:cNvPr id="1070" name="Rectángulo 1069">
-                  <a:extLst>
-                    <a:ext uri="{FF2B5EF4-FFF2-40B4-BE49-F238E27FC236}">
-                      <a16:creationId xmlns:a16="http://schemas.microsoft.com/office/drawing/2014/main" id="{C0B00268-492D-DD73-312D-6D051C3E2F66}"/>
-                    </a:ext>
-                  </a:extLst>
-                </p:cNvPr>
-                <p:cNvSpPr/>
-                <p:nvPr/>
-              </p:nvSpPr>
-              <p:spPr>
-                <a:xfrm>
-                  <a:off x="3282953" y="3525100"/>
-                  <a:ext cx="133350" cy="83221"/>
-                </a:xfrm>
-                <a:prstGeom prst="rect">
-                  <a:avLst/>
-                </a:prstGeom>
-                <a:solidFill>
-                  <a:schemeClr val="bg1"/>
-                </a:solidFill>
-                <a:ln>
-                  <a:noFill/>
-                </a:ln>
-              </p:spPr>
-              <p:style>
-                <a:lnRef idx="2">
-                  <a:schemeClr val="accent1">
-                    <a:shade val="15000"/>
-                  </a:schemeClr>
-                </a:lnRef>
-                <a:fillRef idx="1">
-                  <a:schemeClr val="accent1"/>
-                </a:fillRef>
-                <a:effectRef idx="0">
-                  <a:schemeClr val="accent1"/>
-                </a:effectRef>
-                <a:fontRef idx="minor">
-                  <a:schemeClr val="lt1"/>
-                </a:fontRef>
-              </p:style>
-              <p:txBody>
-                <a:bodyPr rtlCol="0" anchor="ctr"/>
-                <a:lstStyle/>
-                <a:p>
-                  <a:pPr algn="ctr"/>
-                  <a:endParaRPr lang="es-ES"/>
-                </a:p>
-              </p:txBody>
-            </p:sp>
-          </p:grpSp>
-          <p:grpSp>
-            <p:nvGrpSpPr>
-              <p:cNvPr id="21" name="Grupo 20">
-                <a:extLst>
-                  <a:ext uri="{FF2B5EF4-FFF2-40B4-BE49-F238E27FC236}">
-                    <a16:creationId xmlns:a16="http://schemas.microsoft.com/office/drawing/2014/main" id="{9DCFB4E7-80C5-4DC6-33F5-48914EB0C1B6}"/>
-                  </a:ext>
-                </a:extLst>
-              </p:cNvPr>
-              <p:cNvGrpSpPr/>
-              <p:nvPr/>
-            </p:nvGrpSpPr>
-            <p:grpSpPr>
-              <a:xfrm>
-                <a:off x="3236418" y="2775438"/>
-                <a:ext cx="462207" cy="416753"/>
-                <a:chOff x="2968385" y="3207509"/>
-                <a:chExt cx="462207" cy="416753"/>
-              </a:xfrm>
-            </p:grpSpPr>
-            <p:sp>
-              <p:nvSpPr>
-                <p:cNvPr id="2" name="Rectángulo 1">
-                  <a:extLst>
-                    <a:ext uri="{FF2B5EF4-FFF2-40B4-BE49-F238E27FC236}">
-                      <a16:creationId xmlns:a16="http://schemas.microsoft.com/office/drawing/2014/main" id="{83BECDBF-2C3A-F8EA-4B59-99F9B76084F8}"/>
-                    </a:ext>
-                  </a:extLst>
-                </p:cNvPr>
-                <p:cNvSpPr/>
-                <p:nvPr/>
-              </p:nvSpPr>
-              <p:spPr>
-                <a:xfrm>
-                  <a:off x="2968385" y="3207509"/>
-                  <a:ext cx="462207" cy="416753"/>
-                </a:xfrm>
-                <a:prstGeom prst="rect">
-                  <a:avLst/>
-                </a:prstGeom>
-                <a:solidFill>
-                  <a:schemeClr val="accent2">
-                    <a:lumMod val="50000"/>
-                  </a:schemeClr>
-                </a:solidFill>
-                <a:ln>
-                  <a:noFill/>
-                </a:ln>
-              </p:spPr>
-              <p:style>
-                <a:lnRef idx="2">
-                  <a:schemeClr val="accent1">
-                    <a:shade val="15000"/>
-                  </a:schemeClr>
-                </a:lnRef>
-                <a:fillRef idx="1">
-                  <a:schemeClr val="accent1"/>
-                </a:fillRef>
-                <a:effectRef idx="0">
-                  <a:schemeClr val="accent1"/>
-                </a:effectRef>
-                <a:fontRef idx="minor">
-                  <a:schemeClr val="lt1"/>
-                </a:fontRef>
-              </p:style>
-              <p:txBody>
-                <a:bodyPr rtlCol="0" anchor="ctr"/>
-                <a:lstStyle/>
-                <a:p>
-                  <a:pPr algn="ctr"/>
-                  <a:endParaRPr lang="es-ES"/>
-                </a:p>
-              </p:txBody>
-            </p:sp>
-            <p:sp>
-              <p:nvSpPr>
-                <p:cNvPr id="3" name="Rectángulo 2">
-                  <a:extLst>
-                    <a:ext uri="{FF2B5EF4-FFF2-40B4-BE49-F238E27FC236}">
-                      <a16:creationId xmlns:a16="http://schemas.microsoft.com/office/drawing/2014/main" id="{16682349-DCE8-13FA-24EE-9E7F84E12F69}"/>
-                    </a:ext>
-                  </a:extLst>
-                </p:cNvPr>
-                <p:cNvSpPr/>
-                <p:nvPr/>
-              </p:nvSpPr>
-              <p:spPr>
-                <a:xfrm>
-                  <a:off x="2986882" y="3325885"/>
-                  <a:ext cx="133350" cy="83221"/>
-                </a:xfrm>
-                <a:prstGeom prst="rect">
-                  <a:avLst/>
-                </a:prstGeom>
-                <a:solidFill>
-                  <a:schemeClr val="bg1"/>
-                </a:solidFill>
-                <a:ln>
-                  <a:noFill/>
-                </a:ln>
-              </p:spPr>
-              <p:style>
-                <a:lnRef idx="2">
-                  <a:schemeClr val="accent1">
-                    <a:shade val="15000"/>
-                  </a:schemeClr>
-                </a:lnRef>
-                <a:fillRef idx="1">
-                  <a:schemeClr val="accent1"/>
-                </a:fillRef>
-                <a:effectRef idx="0">
-                  <a:schemeClr val="accent1"/>
-                </a:effectRef>
-                <a:fontRef idx="minor">
-                  <a:schemeClr val="lt1"/>
-                </a:fontRef>
-              </p:style>
-              <p:txBody>
-                <a:bodyPr rtlCol="0" anchor="ctr"/>
-                <a:lstStyle/>
-                <a:p>
-                  <a:pPr algn="ctr"/>
-                  <a:endParaRPr lang="es-ES"/>
-                </a:p>
-              </p:txBody>
-            </p:sp>
-            <p:sp>
-              <p:nvSpPr>
-                <p:cNvPr id="4" name="Rectángulo 3">
-                  <a:extLst>
-                    <a:ext uri="{FF2B5EF4-FFF2-40B4-BE49-F238E27FC236}">
-                      <a16:creationId xmlns:a16="http://schemas.microsoft.com/office/drawing/2014/main" id="{1947621A-6418-A05D-71E6-1470DA521D57}"/>
-                    </a:ext>
-                  </a:extLst>
-                </p:cNvPr>
-                <p:cNvSpPr/>
-                <p:nvPr/>
-              </p:nvSpPr>
-              <p:spPr>
-                <a:xfrm>
-                  <a:off x="2986882" y="3425801"/>
-                  <a:ext cx="133350" cy="83221"/>
-                </a:xfrm>
-                <a:prstGeom prst="rect">
-                  <a:avLst/>
-                </a:prstGeom>
-                <a:solidFill>
-                  <a:schemeClr val="bg1"/>
-                </a:solidFill>
-                <a:ln>
-                  <a:noFill/>
-                </a:ln>
-              </p:spPr>
-              <p:style>
-                <a:lnRef idx="2">
-                  <a:schemeClr val="accent1">
-                    <a:shade val="15000"/>
-                  </a:schemeClr>
-                </a:lnRef>
-                <a:fillRef idx="1">
-                  <a:schemeClr val="accent1"/>
-                </a:fillRef>
-                <a:effectRef idx="0">
-                  <a:schemeClr val="accent1"/>
-                </a:effectRef>
-                <a:fontRef idx="minor">
-                  <a:schemeClr val="lt1"/>
-                </a:fontRef>
-              </p:style>
-              <p:txBody>
-                <a:bodyPr rtlCol="0" anchor="ctr"/>
-                <a:lstStyle/>
-                <a:p>
-                  <a:pPr algn="ctr"/>
-                  <a:endParaRPr lang="es-ES"/>
-                </a:p>
-              </p:txBody>
-            </p:sp>
-            <p:sp>
-              <p:nvSpPr>
-                <p:cNvPr id="10" name="Rectángulo 9">
-                  <a:extLst>
-                    <a:ext uri="{FF2B5EF4-FFF2-40B4-BE49-F238E27FC236}">
-                      <a16:creationId xmlns:a16="http://schemas.microsoft.com/office/drawing/2014/main" id="{D3979F9F-AC98-139F-1E45-534C4BB20443}"/>
-                    </a:ext>
-                  </a:extLst>
-                </p:cNvPr>
-                <p:cNvSpPr/>
-                <p:nvPr/>
-              </p:nvSpPr>
-              <p:spPr>
-                <a:xfrm>
-                  <a:off x="3134918" y="3325885"/>
-                  <a:ext cx="133350" cy="83221"/>
-                </a:xfrm>
-                <a:prstGeom prst="rect">
-                  <a:avLst/>
-                </a:prstGeom>
-                <a:solidFill>
-                  <a:schemeClr val="bg1"/>
-                </a:solidFill>
-                <a:ln>
-                  <a:noFill/>
-                </a:ln>
-              </p:spPr>
-              <p:style>
-                <a:lnRef idx="2">
-                  <a:schemeClr val="accent1">
-                    <a:shade val="15000"/>
-                  </a:schemeClr>
-                </a:lnRef>
-                <a:fillRef idx="1">
-                  <a:schemeClr val="accent1"/>
-                </a:fillRef>
-                <a:effectRef idx="0">
-                  <a:schemeClr val="accent1"/>
-                </a:effectRef>
-                <a:fontRef idx="minor">
-                  <a:schemeClr val="lt1"/>
-                </a:fontRef>
-              </p:style>
-              <p:txBody>
-                <a:bodyPr rtlCol="0" anchor="ctr"/>
-                <a:lstStyle/>
-                <a:p>
-                  <a:pPr algn="ctr"/>
-                  <a:endParaRPr lang="es-ES"/>
-                </a:p>
-              </p:txBody>
-            </p:sp>
-            <p:sp>
-              <p:nvSpPr>
-                <p:cNvPr id="12" name="Rectángulo 11">
-                  <a:extLst>
-                    <a:ext uri="{FF2B5EF4-FFF2-40B4-BE49-F238E27FC236}">
-                      <a16:creationId xmlns:a16="http://schemas.microsoft.com/office/drawing/2014/main" id="{47C6C79A-5DFD-A513-3DFA-87711CD28A42}"/>
-                    </a:ext>
-                  </a:extLst>
-                </p:cNvPr>
-                <p:cNvSpPr/>
-                <p:nvPr/>
-              </p:nvSpPr>
-              <p:spPr>
-                <a:xfrm>
-                  <a:off x="3134918" y="3425801"/>
-                  <a:ext cx="133350" cy="83221"/>
-                </a:xfrm>
-                <a:prstGeom prst="rect">
-                  <a:avLst/>
-                </a:prstGeom>
-                <a:solidFill>
-                  <a:schemeClr val="bg1"/>
-                </a:solidFill>
-                <a:ln>
-                  <a:noFill/>
-                </a:ln>
-              </p:spPr>
-              <p:style>
-                <a:lnRef idx="2">
-                  <a:schemeClr val="accent1">
-                    <a:shade val="15000"/>
-                  </a:schemeClr>
-                </a:lnRef>
-                <a:fillRef idx="1">
-                  <a:schemeClr val="accent1"/>
-                </a:fillRef>
-                <a:effectRef idx="0">
-                  <a:schemeClr val="accent1"/>
-                </a:effectRef>
-                <a:fontRef idx="minor">
-                  <a:schemeClr val="lt1"/>
-                </a:fontRef>
-              </p:style>
-              <p:txBody>
-                <a:bodyPr rtlCol="0" anchor="ctr"/>
-                <a:lstStyle/>
-                <a:p>
-                  <a:pPr algn="ctr"/>
-                  <a:endParaRPr lang="es-ES"/>
-                </a:p>
-              </p:txBody>
-            </p:sp>
-            <p:sp>
-              <p:nvSpPr>
-                <p:cNvPr id="14" name="Rectángulo 13">
-                  <a:extLst>
-                    <a:ext uri="{FF2B5EF4-FFF2-40B4-BE49-F238E27FC236}">
-                      <a16:creationId xmlns:a16="http://schemas.microsoft.com/office/drawing/2014/main" id="{C3891F6F-C77E-5810-4C62-8AAC375B3ABA}"/>
-                    </a:ext>
-                  </a:extLst>
-                </p:cNvPr>
-                <p:cNvSpPr/>
-                <p:nvPr/>
-              </p:nvSpPr>
-              <p:spPr>
-                <a:xfrm>
-                  <a:off x="3282953" y="3325885"/>
-                  <a:ext cx="133350" cy="83221"/>
-                </a:xfrm>
-                <a:prstGeom prst="rect">
-                  <a:avLst/>
-                </a:prstGeom>
-                <a:solidFill>
-                  <a:schemeClr val="bg1"/>
-                </a:solidFill>
-                <a:ln>
-                  <a:noFill/>
-                </a:ln>
-              </p:spPr>
-              <p:style>
-                <a:lnRef idx="2">
-                  <a:schemeClr val="accent1">
-                    <a:shade val="15000"/>
-                  </a:schemeClr>
-                </a:lnRef>
-                <a:fillRef idx="1">
-                  <a:schemeClr val="accent1"/>
-                </a:fillRef>
-                <a:effectRef idx="0">
-                  <a:schemeClr val="accent1"/>
-                </a:effectRef>
-                <a:fontRef idx="minor">
-                  <a:schemeClr val="lt1"/>
-                </a:fontRef>
-              </p:style>
-              <p:txBody>
-                <a:bodyPr rtlCol="0" anchor="ctr"/>
-                <a:lstStyle/>
-                <a:p>
-                  <a:pPr algn="ctr"/>
-                  <a:endParaRPr lang="es-ES"/>
-                </a:p>
-              </p:txBody>
-            </p:sp>
-            <p:sp>
-              <p:nvSpPr>
-                <p:cNvPr id="15" name="Rectángulo 14">
-                  <a:extLst>
-                    <a:ext uri="{FF2B5EF4-FFF2-40B4-BE49-F238E27FC236}">
-                      <a16:creationId xmlns:a16="http://schemas.microsoft.com/office/drawing/2014/main" id="{58133A45-D612-A82D-57EE-F552CB97F7CA}"/>
-                    </a:ext>
-                  </a:extLst>
-                </p:cNvPr>
-                <p:cNvSpPr/>
-                <p:nvPr/>
-              </p:nvSpPr>
-              <p:spPr>
-                <a:xfrm>
-                  <a:off x="3282953" y="3425801"/>
-                  <a:ext cx="133350" cy="83221"/>
-                </a:xfrm>
-                <a:prstGeom prst="rect">
-                  <a:avLst/>
-                </a:prstGeom>
-                <a:solidFill>
-                  <a:schemeClr val="bg1"/>
-                </a:solidFill>
-                <a:ln>
-                  <a:noFill/>
-                </a:ln>
-              </p:spPr>
-              <p:style>
-                <a:lnRef idx="2">
-                  <a:schemeClr val="accent1">
-                    <a:shade val="15000"/>
-                  </a:schemeClr>
-                </a:lnRef>
-                <a:fillRef idx="1">
-                  <a:schemeClr val="accent1"/>
-                </a:fillRef>
-                <a:effectRef idx="0">
-                  <a:schemeClr val="accent1"/>
-                </a:effectRef>
-                <a:fontRef idx="minor">
-                  <a:schemeClr val="lt1"/>
-                </a:fontRef>
-              </p:style>
-              <p:txBody>
-                <a:bodyPr rtlCol="0" anchor="ctr"/>
-                <a:lstStyle/>
-                <a:p>
-                  <a:pPr algn="ctr"/>
-                  <a:endParaRPr lang="es-ES"/>
-                </a:p>
-              </p:txBody>
-            </p:sp>
-            <p:sp>
-              <p:nvSpPr>
-                <p:cNvPr id="17" name="Rectángulo 16">
-                  <a:extLst>
-                    <a:ext uri="{FF2B5EF4-FFF2-40B4-BE49-F238E27FC236}">
-                      <a16:creationId xmlns:a16="http://schemas.microsoft.com/office/drawing/2014/main" id="{6C897037-645E-FAA1-7CB0-A8D74FB172C4}"/>
-                    </a:ext>
-                  </a:extLst>
-                </p:cNvPr>
-                <p:cNvSpPr/>
-                <p:nvPr/>
-              </p:nvSpPr>
-              <p:spPr>
-                <a:xfrm>
-                  <a:off x="2986882" y="3525100"/>
-                  <a:ext cx="133350" cy="83221"/>
-                </a:xfrm>
-                <a:prstGeom prst="rect">
-                  <a:avLst/>
-                </a:prstGeom>
-                <a:solidFill>
-                  <a:schemeClr val="bg1"/>
-                </a:solidFill>
-                <a:ln>
-                  <a:noFill/>
-                </a:ln>
-              </p:spPr>
-              <p:style>
-                <a:lnRef idx="2">
-                  <a:schemeClr val="accent1">
-                    <a:shade val="15000"/>
-                  </a:schemeClr>
-                </a:lnRef>
-                <a:fillRef idx="1">
-                  <a:schemeClr val="accent1"/>
-                </a:fillRef>
-                <a:effectRef idx="0">
-                  <a:schemeClr val="accent1"/>
-                </a:effectRef>
-                <a:fontRef idx="minor">
-                  <a:schemeClr val="lt1"/>
-                </a:fontRef>
-              </p:style>
-              <p:txBody>
-                <a:bodyPr rtlCol="0" anchor="ctr"/>
-                <a:lstStyle/>
-                <a:p>
-                  <a:pPr algn="ctr"/>
-                  <a:endParaRPr lang="es-ES"/>
-                </a:p>
-              </p:txBody>
-            </p:sp>
-            <p:sp>
-              <p:nvSpPr>
-                <p:cNvPr id="18" name="Rectángulo 17">
-                  <a:extLst>
-                    <a:ext uri="{FF2B5EF4-FFF2-40B4-BE49-F238E27FC236}">
-                      <a16:creationId xmlns:a16="http://schemas.microsoft.com/office/drawing/2014/main" id="{FC2C9CF8-9535-6F45-01E0-5687816A4E12}"/>
-                    </a:ext>
-                  </a:extLst>
-                </p:cNvPr>
-                <p:cNvSpPr/>
-                <p:nvPr/>
-              </p:nvSpPr>
-              <p:spPr>
-                <a:xfrm>
-                  <a:off x="3134918" y="3525100"/>
-                  <a:ext cx="133350" cy="83221"/>
-                </a:xfrm>
-                <a:prstGeom prst="rect">
-                  <a:avLst/>
-                </a:prstGeom>
-                <a:solidFill>
-                  <a:schemeClr val="bg1"/>
-                </a:solidFill>
-                <a:ln>
-                  <a:noFill/>
-                </a:ln>
-              </p:spPr>
-              <p:style>
-                <a:lnRef idx="2">
-                  <a:schemeClr val="accent1">
-                    <a:shade val="15000"/>
-                  </a:schemeClr>
-                </a:lnRef>
-                <a:fillRef idx="1">
-                  <a:schemeClr val="accent1"/>
-                </a:fillRef>
-                <a:effectRef idx="0">
-                  <a:schemeClr val="accent1"/>
-                </a:effectRef>
-                <a:fontRef idx="minor">
-                  <a:schemeClr val="lt1"/>
-                </a:fontRef>
-              </p:style>
-              <p:txBody>
-                <a:bodyPr rtlCol="0" anchor="ctr"/>
-                <a:lstStyle/>
-                <a:p>
-                  <a:pPr algn="ctr"/>
-                  <a:endParaRPr lang="es-ES"/>
-                </a:p>
-              </p:txBody>
-            </p:sp>
-            <p:sp>
-              <p:nvSpPr>
-                <p:cNvPr id="20" name="Rectángulo 19">
-                  <a:extLst>
-                    <a:ext uri="{FF2B5EF4-FFF2-40B4-BE49-F238E27FC236}">
-                      <a16:creationId xmlns:a16="http://schemas.microsoft.com/office/drawing/2014/main" id="{5DE66F59-31FF-CEA4-5F58-499BCDFAC3FD}"/>
-                    </a:ext>
-                  </a:extLst>
-                </p:cNvPr>
-                <p:cNvSpPr/>
-                <p:nvPr/>
-              </p:nvSpPr>
-              <p:spPr>
-                <a:xfrm>
-                  <a:off x="3282953" y="3525100"/>
-                  <a:ext cx="133350" cy="83221"/>
-                </a:xfrm>
-                <a:prstGeom prst="rect">
-                  <a:avLst/>
-                </a:prstGeom>
-                <a:solidFill>
-                  <a:schemeClr val="bg1"/>
-                </a:solidFill>
-                <a:ln>
-                  <a:noFill/>
-                </a:ln>
-              </p:spPr>
-              <p:style>
-                <a:lnRef idx="2">
-                  <a:schemeClr val="accent1">
-                    <a:shade val="15000"/>
-                  </a:schemeClr>
-                </a:lnRef>
-                <a:fillRef idx="1">
-                  <a:schemeClr val="accent1"/>
-                </a:fillRef>
-                <a:effectRef idx="0">
-                  <a:schemeClr val="accent1"/>
-                </a:effectRef>
-                <a:fontRef idx="minor">
-                  <a:schemeClr val="lt1"/>
-                </a:fontRef>
-              </p:style>
-              <p:txBody>
-                <a:bodyPr rtlCol="0" anchor="ctr"/>
-                <a:lstStyle/>
-                <a:p>
-                  <a:pPr algn="ctr"/>
-                  <a:endParaRPr lang="es-ES"/>
-                </a:p>
-              </p:txBody>
-            </p:sp>
-          </p:grpSp>
-          <p:grpSp>
-            <p:nvGrpSpPr>
-              <p:cNvPr id="46" name="Grupo 45">
-                <a:extLst>
-                  <a:ext uri="{FF2B5EF4-FFF2-40B4-BE49-F238E27FC236}">
-                    <a16:creationId xmlns:a16="http://schemas.microsoft.com/office/drawing/2014/main" id="{7B0B4A00-5DC7-7BF4-1818-3040A0B589B2}"/>
-                  </a:ext>
-                </a:extLst>
-              </p:cNvPr>
-              <p:cNvGrpSpPr/>
-              <p:nvPr/>
-            </p:nvGrpSpPr>
-            <p:grpSpPr>
-              <a:xfrm>
-                <a:off x="3434930" y="2931698"/>
-                <a:ext cx="462207" cy="416753"/>
-                <a:chOff x="2968385" y="3207509"/>
-                <a:chExt cx="462207" cy="416753"/>
-              </a:xfrm>
-            </p:grpSpPr>
-            <p:sp>
-              <p:nvSpPr>
-                <p:cNvPr id="47" name="Rectángulo 46">
-                  <a:extLst>
-                    <a:ext uri="{FF2B5EF4-FFF2-40B4-BE49-F238E27FC236}">
-                      <a16:creationId xmlns:a16="http://schemas.microsoft.com/office/drawing/2014/main" id="{B097AE42-FB26-26D7-4F19-EE2D4DEC7744}"/>
-                    </a:ext>
-                  </a:extLst>
-                </p:cNvPr>
-                <p:cNvSpPr/>
-                <p:nvPr/>
-              </p:nvSpPr>
-              <p:spPr>
-                <a:xfrm>
-                  <a:off x="2968385" y="3207509"/>
-                  <a:ext cx="462207" cy="416753"/>
-                </a:xfrm>
-                <a:prstGeom prst="rect">
-                  <a:avLst/>
-                </a:prstGeom>
-                <a:solidFill>
-                  <a:srgbClr val="00B0F0"/>
-                </a:solidFill>
-                <a:ln>
-                  <a:noFill/>
-                </a:ln>
-              </p:spPr>
-              <p:style>
-                <a:lnRef idx="2">
-                  <a:schemeClr val="accent1">
-                    <a:shade val="15000"/>
-                  </a:schemeClr>
-                </a:lnRef>
-                <a:fillRef idx="1">
-                  <a:schemeClr val="accent1"/>
-                </a:fillRef>
-                <a:effectRef idx="0">
-                  <a:schemeClr val="accent1"/>
-                </a:effectRef>
-                <a:fontRef idx="minor">
-                  <a:schemeClr val="lt1"/>
-                </a:fontRef>
-              </p:style>
-              <p:txBody>
-                <a:bodyPr rtlCol="0" anchor="ctr"/>
-                <a:lstStyle/>
-                <a:p>
-                  <a:pPr algn="ctr"/>
-                  <a:endParaRPr lang="es-ES"/>
-                </a:p>
-              </p:txBody>
-            </p:sp>
-            <p:sp>
-              <p:nvSpPr>
-                <p:cNvPr id="49" name="Rectángulo 48">
-                  <a:extLst>
-                    <a:ext uri="{FF2B5EF4-FFF2-40B4-BE49-F238E27FC236}">
-                      <a16:creationId xmlns:a16="http://schemas.microsoft.com/office/drawing/2014/main" id="{BB14B059-C2A6-5961-7324-0A828DDB9B42}"/>
-                    </a:ext>
-                  </a:extLst>
-                </p:cNvPr>
-                <p:cNvSpPr/>
-                <p:nvPr/>
-              </p:nvSpPr>
-              <p:spPr>
-                <a:xfrm>
-                  <a:off x="2986882" y="3325885"/>
-                  <a:ext cx="133350" cy="83221"/>
-                </a:xfrm>
-                <a:prstGeom prst="rect">
-                  <a:avLst/>
-                </a:prstGeom>
-                <a:solidFill>
-                  <a:schemeClr val="bg1"/>
-                </a:solidFill>
-                <a:ln>
-                  <a:noFill/>
-                </a:ln>
-              </p:spPr>
-              <p:style>
-                <a:lnRef idx="2">
-                  <a:schemeClr val="accent1">
-                    <a:shade val="15000"/>
-                  </a:schemeClr>
-                </a:lnRef>
-                <a:fillRef idx="1">
-                  <a:schemeClr val="accent1"/>
-                </a:fillRef>
-                <a:effectRef idx="0">
-                  <a:schemeClr val="accent1"/>
-                </a:effectRef>
-                <a:fontRef idx="minor">
-                  <a:schemeClr val="lt1"/>
-                </a:fontRef>
-              </p:style>
-              <p:txBody>
-                <a:bodyPr rtlCol="0" anchor="ctr"/>
-                <a:lstStyle/>
-                <a:p>
-                  <a:pPr algn="ctr"/>
-                  <a:endParaRPr lang="es-ES"/>
-                </a:p>
-              </p:txBody>
-            </p:sp>
-            <p:sp>
-              <p:nvSpPr>
-                <p:cNvPr id="50" name="Rectángulo 49">
-                  <a:extLst>
-                    <a:ext uri="{FF2B5EF4-FFF2-40B4-BE49-F238E27FC236}">
-                      <a16:creationId xmlns:a16="http://schemas.microsoft.com/office/drawing/2014/main" id="{F081076D-DD10-F36A-3002-A88C8B78EF49}"/>
-                    </a:ext>
-                  </a:extLst>
-                </p:cNvPr>
-                <p:cNvSpPr/>
-                <p:nvPr/>
-              </p:nvSpPr>
-              <p:spPr>
-                <a:xfrm>
-                  <a:off x="2986882" y="3425801"/>
-                  <a:ext cx="133350" cy="83221"/>
-                </a:xfrm>
-                <a:prstGeom prst="rect">
-                  <a:avLst/>
-                </a:prstGeom>
-                <a:solidFill>
-                  <a:schemeClr val="bg1"/>
-                </a:solidFill>
-                <a:ln>
-                  <a:noFill/>
-                </a:ln>
-              </p:spPr>
-              <p:style>
-                <a:lnRef idx="2">
-                  <a:schemeClr val="accent1">
-                    <a:shade val="15000"/>
-                  </a:schemeClr>
-                </a:lnRef>
-                <a:fillRef idx="1">
-                  <a:schemeClr val="accent1"/>
-                </a:fillRef>
-                <a:effectRef idx="0">
-                  <a:schemeClr val="accent1"/>
-                </a:effectRef>
-                <a:fontRef idx="minor">
-                  <a:schemeClr val="lt1"/>
-                </a:fontRef>
-              </p:style>
-              <p:txBody>
-                <a:bodyPr rtlCol="0" anchor="ctr"/>
-                <a:lstStyle/>
-                <a:p>
-                  <a:pPr algn="ctr"/>
-                  <a:endParaRPr lang="es-ES"/>
-                </a:p>
-              </p:txBody>
-            </p:sp>
-            <p:sp>
-              <p:nvSpPr>
-                <p:cNvPr id="56" name="Rectángulo 55">
-                  <a:extLst>
-                    <a:ext uri="{FF2B5EF4-FFF2-40B4-BE49-F238E27FC236}">
-                      <a16:creationId xmlns:a16="http://schemas.microsoft.com/office/drawing/2014/main" id="{783A958D-27AF-A269-962A-50B9449CC5A3}"/>
-                    </a:ext>
-                  </a:extLst>
-                </p:cNvPr>
-                <p:cNvSpPr/>
-                <p:nvPr/>
-              </p:nvSpPr>
-              <p:spPr>
-                <a:xfrm>
-                  <a:off x="3134918" y="3325885"/>
-                  <a:ext cx="133350" cy="83221"/>
-                </a:xfrm>
-                <a:prstGeom prst="rect">
-                  <a:avLst/>
-                </a:prstGeom>
-                <a:solidFill>
-                  <a:schemeClr val="bg1"/>
-                </a:solidFill>
-                <a:ln>
-                  <a:noFill/>
-                </a:ln>
-              </p:spPr>
-              <p:style>
-                <a:lnRef idx="2">
-                  <a:schemeClr val="accent1">
-                    <a:shade val="15000"/>
-                  </a:schemeClr>
-                </a:lnRef>
-                <a:fillRef idx="1">
-                  <a:schemeClr val="accent1"/>
-                </a:fillRef>
-                <a:effectRef idx="0">
-                  <a:schemeClr val="accent1"/>
-                </a:effectRef>
-                <a:fontRef idx="minor">
-                  <a:schemeClr val="lt1"/>
-                </a:fontRef>
-              </p:style>
-              <p:txBody>
-                <a:bodyPr rtlCol="0" anchor="ctr"/>
-                <a:lstStyle/>
-                <a:p>
-                  <a:pPr algn="ctr"/>
-                  <a:endParaRPr lang="es-ES"/>
-                </a:p>
-              </p:txBody>
-            </p:sp>
-            <p:sp>
-              <p:nvSpPr>
-                <p:cNvPr id="57" name="Rectángulo 56">
-                  <a:extLst>
-                    <a:ext uri="{FF2B5EF4-FFF2-40B4-BE49-F238E27FC236}">
-                      <a16:creationId xmlns:a16="http://schemas.microsoft.com/office/drawing/2014/main" id="{60F886A0-B425-94FD-70F0-CA76D52686DC}"/>
-                    </a:ext>
-                  </a:extLst>
-                </p:cNvPr>
-                <p:cNvSpPr/>
-                <p:nvPr/>
-              </p:nvSpPr>
-              <p:spPr>
-                <a:xfrm>
-                  <a:off x="3134918" y="3425801"/>
-                  <a:ext cx="133350" cy="83221"/>
-                </a:xfrm>
-                <a:prstGeom prst="rect">
-                  <a:avLst/>
-                </a:prstGeom>
-                <a:solidFill>
-                  <a:schemeClr val="bg1"/>
-                </a:solidFill>
-                <a:ln>
-                  <a:noFill/>
-                </a:ln>
-              </p:spPr>
-              <p:style>
-                <a:lnRef idx="2">
-                  <a:schemeClr val="accent1">
-                    <a:shade val="15000"/>
-                  </a:schemeClr>
-                </a:lnRef>
-                <a:fillRef idx="1">
-                  <a:schemeClr val="accent1"/>
-                </a:fillRef>
-                <a:effectRef idx="0">
-                  <a:schemeClr val="accent1"/>
-                </a:effectRef>
-                <a:fontRef idx="minor">
-                  <a:schemeClr val="lt1"/>
-                </a:fontRef>
-              </p:style>
-              <p:txBody>
-                <a:bodyPr rtlCol="0" anchor="ctr"/>
-                <a:lstStyle/>
-                <a:p>
-                  <a:pPr algn="ctr"/>
-                  <a:endParaRPr lang="es-ES"/>
-                </a:p>
-              </p:txBody>
-            </p:sp>
-            <p:sp>
-              <p:nvSpPr>
-                <p:cNvPr id="59" name="Rectángulo 58">
-                  <a:extLst>
-                    <a:ext uri="{FF2B5EF4-FFF2-40B4-BE49-F238E27FC236}">
-                      <a16:creationId xmlns:a16="http://schemas.microsoft.com/office/drawing/2014/main" id="{3E2039BE-66C3-628C-0F1A-C66DDE53EDBC}"/>
-                    </a:ext>
-                  </a:extLst>
-                </p:cNvPr>
-                <p:cNvSpPr/>
-                <p:nvPr/>
-              </p:nvSpPr>
-              <p:spPr>
-                <a:xfrm>
-                  <a:off x="3282953" y="3325885"/>
-                  <a:ext cx="133350" cy="83221"/>
-                </a:xfrm>
-                <a:prstGeom prst="rect">
-                  <a:avLst/>
-                </a:prstGeom>
-                <a:solidFill>
-                  <a:schemeClr val="bg1"/>
-                </a:solidFill>
-                <a:ln>
-                  <a:noFill/>
-                </a:ln>
-              </p:spPr>
-              <p:style>
-                <a:lnRef idx="2">
-                  <a:schemeClr val="accent1">
-                    <a:shade val="15000"/>
-                  </a:schemeClr>
-                </a:lnRef>
-                <a:fillRef idx="1">
-                  <a:schemeClr val="accent1"/>
-                </a:fillRef>
-                <a:effectRef idx="0">
-                  <a:schemeClr val="accent1"/>
-                </a:effectRef>
-                <a:fontRef idx="minor">
-                  <a:schemeClr val="lt1"/>
-                </a:fontRef>
-              </p:style>
-              <p:txBody>
-                <a:bodyPr rtlCol="0" anchor="ctr"/>
-                <a:lstStyle/>
-                <a:p>
-                  <a:pPr algn="ctr"/>
-                  <a:endParaRPr lang="es-ES"/>
-                </a:p>
-              </p:txBody>
-            </p:sp>
-            <p:sp>
-              <p:nvSpPr>
-                <p:cNvPr id="60" name="Rectángulo 59">
-                  <a:extLst>
-                    <a:ext uri="{FF2B5EF4-FFF2-40B4-BE49-F238E27FC236}">
-                      <a16:creationId xmlns:a16="http://schemas.microsoft.com/office/drawing/2014/main" id="{CDB71E26-34A8-F24A-6A74-043131357306}"/>
-                    </a:ext>
-                  </a:extLst>
-                </p:cNvPr>
-                <p:cNvSpPr/>
-                <p:nvPr/>
-              </p:nvSpPr>
-              <p:spPr>
-                <a:xfrm>
-                  <a:off x="3282953" y="3425801"/>
-                  <a:ext cx="133350" cy="83221"/>
-                </a:xfrm>
-                <a:prstGeom prst="rect">
-                  <a:avLst/>
-                </a:prstGeom>
-                <a:solidFill>
-                  <a:schemeClr val="bg1"/>
-                </a:solidFill>
-                <a:ln>
-                  <a:noFill/>
-                </a:ln>
-              </p:spPr>
-              <p:style>
-                <a:lnRef idx="2">
-                  <a:schemeClr val="accent1">
-                    <a:shade val="15000"/>
-                  </a:schemeClr>
-                </a:lnRef>
-                <a:fillRef idx="1">
-                  <a:schemeClr val="accent1"/>
-                </a:fillRef>
-                <a:effectRef idx="0">
-                  <a:schemeClr val="accent1"/>
-                </a:effectRef>
-                <a:fontRef idx="minor">
-                  <a:schemeClr val="lt1"/>
-                </a:fontRef>
-              </p:style>
-              <p:txBody>
-                <a:bodyPr rtlCol="0" anchor="ctr"/>
-                <a:lstStyle/>
-                <a:p>
-                  <a:pPr algn="ctr"/>
-                  <a:endParaRPr lang="es-ES"/>
-                </a:p>
-              </p:txBody>
-            </p:sp>
-            <p:sp>
-              <p:nvSpPr>
-                <p:cNvPr id="61" name="Rectángulo 60">
-                  <a:extLst>
-                    <a:ext uri="{FF2B5EF4-FFF2-40B4-BE49-F238E27FC236}">
-                      <a16:creationId xmlns:a16="http://schemas.microsoft.com/office/drawing/2014/main" id="{35825268-6753-3DA5-DDC7-2404E7C94B5A}"/>
-                    </a:ext>
-                  </a:extLst>
-                </p:cNvPr>
-                <p:cNvSpPr/>
-                <p:nvPr/>
-              </p:nvSpPr>
-              <p:spPr>
-                <a:xfrm>
-                  <a:off x="2986882" y="3525100"/>
-                  <a:ext cx="133350" cy="83221"/>
-                </a:xfrm>
-                <a:prstGeom prst="rect">
-                  <a:avLst/>
-                </a:prstGeom>
-                <a:solidFill>
-                  <a:schemeClr val="bg1"/>
-                </a:solidFill>
-                <a:ln>
-                  <a:noFill/>
-                </a:ln>
-              </p:spPr>
-              <p:style>
-                <a:lnRef idx="2">
-                  <a:schemeClr val="accent1">
-                    <a:shade val="15000"/>
-                  </a:schemeClr>
-                </a:lnRef>
-                <a:fillRef idx="1">
-                  <a:schemeClr val="accent1"/>
-                </a:fillRef>
-                <a:effectRef idx="0">
-                  <a:schemeClr val="accent1"/>
-                </a:effectRef>
-                <a:fontRef idx="minor">
-                  <a:schemeClr val="lt1"/>
-                </a:fontRef>
-              </p:style>
-              <p:txBody>
-                <a:bodyPr rtlCol="0" anchor="ctr"/>
-                <a:lstStyle/>
-                <a:p>
-                  <a:pPr algn="ctr"/>
-                  <a:endParaRPr lang="es-ES"/>
-                </a:p>
-              </p:txBody>
-            </p:sp>
-            <p:sp>
-              <p:nvSpPr>
-                <p:cNvPr id="62" name="Rectángulo 61">
-                  <a:extLst>
-                    <a:ext uri="{FF2B5EF4-FFF2-40B4-BE49-F238E27FC236}">
-                      <a16:creationId xmlns:a16="http://schemas.microsoft.com/office/drawing/2014/main" id="{166F9CE0-B39E-CD48-3680-F4910161B058}"/>
-                    </a:ext>
-                  </a:extLst>
-                </p:cNvPr>
-                <p:cNvSpPr/>
-                <p:nvPr/>
-              </p:nvSpPr>
-              <p:spPr>
-                <a:xfrm>
-                  <a:off x="3134918" y="3525100"/>
-                  <a:ext cx="133350" cy="83221"/>
-                </a:xfrm>
-                <a:prstGeom prst="rect">
-                  <a:avLst/>
-                </a:prstGeom>
-                <a:solidFill>
-                  <a:schemeClr val="bg1"/>
-                </a:solidFill>
-                <a:ln>
-                  <a:noFill/>
-                </a:ln>
-              </p:spPr>
-              <p:style>
-                <a:lnRef idx="2">
-                  <a:schemeClr val="accent1">
-                    <a:shade val="15000"/>
-                  </a:schemeClr>
-                </a:lnRef>
-                <a:fillRef idx="1">
-                  <a:schemeClr val="accent1"/>
-                </a:fillRef>
-                <a:effectRef idx="0">
-                  <a:schemeClr val="accent1"/>
-                </a:effectRef>
-                <a:fontRef idx="minor">
-                  <a:schemeClr val="lt1"/>
-                </a:fontRef>
-              </p:style>
-              <p:txBody>
-                <a:bodyPr rtlCol="0" anchor="ctr"/>
-                <a:lstStyle/>
-                <a:p>
-                  <a:pPr algn="ctr"/>
-                  <a:endParaRPr lang="es-ES"/>
-                </a:p>
-              </p:txBody>
-            </p:sp>
-            <p:sp>
-              <p:nvSpPr>
-                <p:cNvPr id="63" name="Rectángulo 62">
-                  <a:extLst>
-                    <a:ext uri="{FF2B5EF4-FFF2-40B4-BE49-F238E27FC236}">
-                      <a16:creationId xmlns:a16="http://schemas.microsoft.com/office/drawing/2014/main" id="{F9BEF43A-BF0F-97FC-DE07-8C481CD8501D}"/>
-                    </a:ext>
-                  </a:extLst>
-                </p:cNvPr>
-                <p:cNvSpPr/>
-                <p:nvPr/>
-              </p:nvSpPr>
-              <p:spPr>
-                <a:xfrm>
-                  <a:off x="3282953" y="3525100"/>
-                  <a:ext cx="133350" cy="83221"/>
-                </a:xfrm>
-                <a:prstGeom prst="rect">
-                  <a:avLst/>
-                </a:prstGeom>
-                <a:solidFill>
-                  <a:schemeClr val="bg1"/>
-                </a:solidFill>
-                <a:ln>
-                  <a:noFill/>
-                </a:ln>
-              </p:spPr>
-              <p:style>
-                <a:lnRef idx="2">
-                  <a:schemeClr val="accent1">
-                    <a:shade val="15000"/>
-                  </a:schemeClr>
-                </a:lnRef>
-                <a:fillRef idx="1">
-                  <a:schemeClr val="accent1"/>
-                </a:fillRef>
-                <a:effectRef idx="0">
-                  <a:schemeClr val="accent1"/>
-                </a:effectRef>
-                <a:fontRef idx="minor">
-                  <a:schemeClr val="lt1"/>
-                </a:fontRef>
-              </p:style>
-              <p:txBody>
-                <a:bodyPr rtlCol="0" anchor="ctr"/>
-                <a:lstStyle/>
-                <a:p>
-                  <a:pPr algn="ctr"/>
-                  <a:endParaRPr lang="es-ES"/>
-                </a:p>
-              </p:txBody>
-            </p:sp>
-          </p:grpSp>
-          <p:grpSp>
-            <p:nvGrpSpPr>
-              <p:cNvPr id="1025" name="Grupo 1024">
-                <a:extLst>
-                  <a:ext uri="{FF2B5EF4-FFF2-40B4-BE49-F238E27FC236}">
-                    <a16:creationId xmlns:a16="http://schemas.microsoft.com/office/drawing/2014/main" id="{AE0BF3FF-8FE3-49DF-E9C8-84D727D69463}"/>
-                  </a:ext>
-                </a:extLst>
-              </p:cNvPr>
-              <p:cNvGrpSpPr/>
-              <p:nvPr/>
-            </p:nvGrpSpPr>
-            <p:grpSpPr>
-              <a:xfrm>
-                <a:off x="3027528" y="3125023"/>
-                <a:ext cx="462207" cy="416753"/>
-                <a:chOff x="2968385" y="3207509"/>
-                <a:chExt cx="462207" cy="416753"/>
-              </a:xfrm>
-            </p:grpSpPr>
-            <p:sp>
-              <p:nvSpPr>
-                <p:cNvPr id="1026" name="Rectángulo 1025">
-                  <a:extLst>
-                    <a:ext uri="{FF2B5EF4-FFF2-40B4-BE49-F238E27FC236}">
-                      <a16:creationId xmlns:a16="http://schemas.microsoft.com/office/drawing/2014/main" id="{C4338562-B64D-AE65-E3C1-9BE1DFD2FB04}"/>
-                    </a:ext>
-                  </a:extLst>
-                </p:cNvPr>
-                <p:cNvSpPr/>
-                <p:nvPr/>
-              </p:nvSpPr>
-              <p:spPr>
-                <a:xfrm>
-                  <a:off x="2968385" y="3207509"/>
-                  <a:ext cx="462207" cy="416753"/>
-                </a:xfrm>
-                <a:prstGeom prst="rect">
-                  <a:avLst/>
-                </a:prstGeom>
-                <a:solidFill>
-                  <a:schemeClr val="bg1">
-                    <a:lumMod val="50000"/>
-                  </a:schemeClr>
-                </a:solidFill>
-                <a:ln>
-                  <a:noFill/>
-                </a:ln>
-              </p:spPr>
-              <p:style>
-                <a:lnRef idx="2">
-                  <a:schemeClr val="accent1">
-                    <a:shade val="15000"/>
-                  </a:schemeClr>
-                </a:lnRef>
-                <a:fillRef idx="1">
-                  <a:schemeClr val="accent1"/>
-                </a:fillRef>
-                <a:effectRef idx="0">
-                  <a:schemeClr val="accent1"/>
-                </a:effectRef>
-                <a:fontRef idx="minor">
-                  <a:schemeClr val="lt1"/>
-                </a:fontRef>
-              </p:style>
-              <p:txBody>
-                <a:bodyPr rtlCol="0" anchor="ctr"/>
-                <a:lstStyle/>
-                <a:p>
-                  <a:pPr algn="ctr"/>
-                  <a:endParaRPr lang="es-ES"/>
-                </a:p>
-              </p:txBody>
-            </p:sp>
-            <p:sp>
-              <p:nvSpPr>
-                <p:cNvPr id="1027" name="Rectángulo 1026">
-                  <a:extLst>
-                    <a:ext uri="{FF2B5EF4-FFF2-40B4-BE49-F238E27FC236}">
-                      <a16:creationId xmlns:a16="http://schemas.microsoft.com/office/drawing/2014/main" id="{814A33E6-7CD7-FA70-CC23-29C3EEE99EA9}"/>
-                    </a:ext>
-                  </a:extLst>
-                </p:cNvPr>
-                <p:cNvSpPr/>
-                <p:nvPr/>
-              </p:nvSpPr>
-              <p:spPr>
-                <a:xfrm>
-                  <a:off x="2986882" y="3325885"/>
-                  <a:ext cx="133350" cy="83221"/>
-                </a:xfrm>
-                <a:prstGeom prst="rect">
-                  <a:avLst/>
-                </a:prstGeom>
-                <a:solidFill>
-                  <a:schemeClr val="bg1"/>
-                </a:solidFill>
-                <a:ln>
-                  <a:noFill/>
-                </a:ln>
-              </p:spPr>
-              <p:style>
-                <a:lnRef idx="2">
-                  <a:schemeClr val="accent1">
-                    <a:shade val="15000"/>
-                  </a:schemeClr>
-                </a:lnRef>
-                <a:fillRef idx="1">
-                  <a:schemeClr val="accent1"/>
-                </a:fillRef>
-                <a:effectRef idx="0">
-                  <a:schemeClr val="accent1"/>
-                </a:effectRef>
-                <a:fontRef idx="minor">
-                  <a:schemeClr val="lt1"/>
-                </a:fontRef>
-              </p:style>
-              <p:txBody>
-                <a:bodyPr rtlCol="0" anchor="ctr"/>
-                <a:lstStyle/>
-                <a:p>
-                  <a:pPr algn="ctr"/>
-                  <a:endParaRPr lang="es-ES"/>
-                </a:p>
-              </p:txBody>
-            </p:sp>
-            <p:sp>
-              <p:nvSpPr>
-                <p:cNvPr id="1029" name="Rectángulo 1028">
-                  <a:extLst>
-                    <a:ext uri="{FF2B5EF4-FFF2-40B4-BE49-F238E27FC236}">
-                      <a16:creationId xmlns:a16="http://schemas.microsoft.com/office/drawing/2014/main" id="{2A1BFD33-07F1-10F8-AD7D-560ADBE888E4}"/>
-                    </a:ext>
-                  </a:extLst>
-                </p:cNvPr>
-                <p:cNvSpPr/>
-                <p:nvPr/>
-              </p:nvSpPr>
-              <p:spPr>
-                <a:xfrm>
-                  <a:off x="2986882" y="3425801"/>
-                  <a:ext cx="133350" cy="83221"/>
-                </a:xfrm>
-                <a:prstGeom prst="rect">
-                  <a:avLst/>
-                </a:prstGeom>
-                <a:solidFill>
-                  <a:schemeClr val="bg1"/>
-                </a:solidFill>
-                <a:ln>
-                  <a:noFill/>
-                </a:ln>
-              </p:spPr>
-              <p:style>
-                <a:lnRef idx="2">
-                  <a:schemeClr val="accent1">
-                    <a:shade val="15000"/>
-                  </a:schemeClr>
-                </a:lnRef>
-                <a:fillRef idx="1">
-                  <a:schemeClr val="accent1"/>
-                </a:fillRef>
-                <a:effectRef idx="0">
-                  <a:schemeClr val="accent1"/>
-                </a:effectRef>
-                <a:fontRef idx="minor">
-                  <a:schemeClr val="lt1"/>
-                </a:fontRef>
-              </p:style>
-              <p:txBody>
-                <a:bodyPr rtlCol="0" anchor="ctr"/>
-                <a:lstStyle/>
-                <a:p>
-                  <a:pPr algn="ctr"/>
-                  <a:endParaRPr lang="es-ES"/>
-                </a:p>
-              </p:txBody>
-            </p:sp>
-            <p:sp>
-              <p:nvSpPr>
-                <p:cNvPr id="1035" name="Rectángulo 1034">
-                  <a:extLst>
-                    <a:ext uri="{FF2B5EF4-FFF2-40B4-BE49-F238E27FC236}">
-                      <a16:creationId xmlns:a16="http://schemas.microsoft.com/office/drawing/2014/main" id="{6084AC17-9AD5-A799-517A-CDB3AE81136C}"/>
-                    </a:ext>
-                  </a:extLst>
-                </p:cNvPr>
-                <p:cNvSpPr/>
-                <p:nvPr/>
-              </p:nvSpPr>
-              <p:spPr>
-                <a:xfrm>
-                  <a:off x="3134918" y="3325885"/>
-                  <a:ext cx="133350" cy="83221"/>
-                </a:xfrm>
-                <a:prstGeom prst="rect">
-                  <a:avLst/>
-                </a:prstGeom>
-                <a:solidFill>
-                  <a:schemeClr val="bg1"/>
-                </a:solidFill>
-                <a:ln>
-                  <a:noFill/>
-                </a:ln>
-              </p:spPr>
-              <p:style>
-                <a:lnRef idx="2">
-                  <a:schemeClr val="accent1">
-                    <a:shade val="15000"/>
-                  </a:schemeClr>
-                </a:lnRef>
-                <a:fillRef idx="1">
-                  <a:schemeClr val="accent1"/>
-                </a:fillRef>
-                <a:effectRef idx="0">
-                  <a:schemeClr val="accent1"/>
-                </a:effectRef>
-                <a:fontRef idx="minor">
-                  <a:schemeClr val="lt1"/>
-                </a:fontRef>
-              </p:style>
-              <p:txBody>
-                <a:bodyPr rtlCol="0" anchor="ctr"/>
-                <a:lstStyle/>
-                <a:p>
-                  <a:pPr algn="ctr"/>
-                  <a:endParaRPr lang="es-ES"/>
-                </a:p>
-              </p:txBody>
-            </p:sp>
-            <p:sp>
-              <p:nvSpPr>
-                <p:cNvPr id="1036" name="Rectángulo 1035">
-                  <a:extLst>
-                    <a:ext uri="{FF2B5EF4-FFF2-40B4-BE49-F238E27FC236}">
-                      <a16:creationId xmlns:a16="http://schemas.microsoft.com/office/drawing/2014/main" id="{7928EA7F-D57B-6690-4B73-BC6FC34A07F6}"/>
-                    </a:ext>
-                  </a:extLst>
-                </p:cNvPr>
-                <p:cNvSpPr/>
-                <p:nvPr/>
-              </p:nvSpPr>
-              <p:spPr>
-                <a:xfrm>
-                  <a:off x="3134918" y="3425801"/>
-                  <a:ext cx="133350" cy="83221"/>
-                </a:xfrm>
-                <a:prstGeom prst="rect">
-                  <a:avLst/>
-                </a:prstGeom>
-                <a:solidFill>
-                  <a:schemeClr val="bg1"/>
-                </a:solidFill>
-                <a:ln>
-                  <a:noFill/>
-                </a:ln>
-              </p:spPr>
-              <p:style>
-                <a:lnRef idx="2">
-                  <a:schemeClr val="accent1">
-                    <a:shade val="15000"/>
-                  </a:schemeClr>
-                </a:lnRef>
-                <a:fillRef idx="1">
-                  <a:schemeClr val="accent1"/>
-                </a:fillRef>
-                <a:effectRef idx="0">
-                  <a:schemeClr val="accent1"/>
-                </a:effectRef>
-                <a:fontRef idx="minor">
-                  <a:schemeClr val="lt1"/>
-                </a:fontRef>
-              </p:style>
-              <p:txBody>
-                <a:bodyPr rtlCol="0" anchor="ctr"/>
-                <a:lstStyle/>
-                <a:p>
-                  <a:pPr algn="ctr"/>
-                  <a:endParaRPr lang="es-ES"/>
-                </a:p>
-              </p:txBody>
-            </p:sp>
-            <p:sp>
-              <p:nvSpPr>
-                <p:cNvPr id="1037" name="Rectángulo 1036">
-                  <a:extLst>
-                    <a:ext uri="{FF2B5EF4-FFF2-40B4-BE49-F238E27FC236}">
-                      <a16:creationId xmlns:a16="http://schemas.microsoft.com/office/drawing/2014/main" id="{2BDC9005-68C9-0295-6419-71665EED8E96}"/>
-                    </a:ext>
-                  </a:extLst>
-                </p:cNvPr>
-                <p:cNvSpPr/>
-                <p:nvPr/>
-              </p:nvSpPr>
-              <p:spPr>
-                <a:xfrm>
-                  <a:off x="3282953" y="3325885"/>
-                  <a:ext cx="133350" cy="83221"/>
-                </a:xfrm>
-                <a:prstGeom prst="rect">
-                  <a:avLst/>
-                </a:prstGeom>
-                <a:solidFill>
-                  <a:schemeClr val="bg1"/>
-                </a:solidFill>
-                <a:ln>
-                  <a:noFill/>
-                </a:ln>
-              </p:spPr>
-              <p:style>
-                <a:lnRef idx="2">
-                  <a:schemeClr val="accent1">
-                    <a:shade val="15000"/>
-                  </a:schemeClr>
-                </a:lnRef>
-                <a:fillRef idx="1">
-                  <a:schemeClr val="accent1"/>
-                </a:fillRef>
-                <a:effectRef idx="0">
-                  <a:schemeClr val="accent1"/>
-                </a:effectRef>
-                <a:fontRef idx="minor">
-                  <a:schemeClr val="lt1"/>
-                </a:fontRef>
-              </p:style>
-              <p:txBody>
-                <a:bodyPr rtlCol="0" anchor="ctr"/>
-                <a:lstStyle/>
-                <a:p>
-                  <a:pPr algn="ctr"/>
-                  <a:endParaRPr lang="es-ES"/>
-                </a:p>
-              </p:txBody>
-            </p:sp>
-            <p:sp>
-              <p:nvSpPr>
-                <p:cNvPr id="1040" name="Rectángulo 1039">
-                  <a:extLst>
-                    <a:ext uri="{FF2B5EF4-FFF2-40B4-BE49-F238E27FC236}">
-                      <a16:creationId xmlns:a16="http://schemas.microsoft.com/office/drawing/2014/main" id="{A22FBC5A-E409-424D-6D45-BB97DF116865}"/>
-                    </a:ext>
-                  </a:extLst>
-                </p:cNvPr>
-                <p:cNvSpPr/>
-                <p:nvPr/>
-              </p:nvSpPr>
-              <p:spPr>
-                <a:xfrm>
-                  <a:off x="3282953" y="3425801"/>
-                  <a:ext cx="133350" cy="83221"/>
-                </a:xfrm>
-                <a:prstGeom prst="rect">
-                  <a:avLst/>
-                </a:prstGeom>
-                <a:solidFill>
-                  <a:schemeClr val="bg1"/>
-                </a:solidFill>
-                <a:ln>
-                  <a:noFill/>
-                </a:ln>
-              </p:spPr>
-              <p:style>
-                <a:lnRef idx="2">
-                  <a:schemeClr val="accent1">
-                    <a:shade val="15000"/>
-                  </a:schemeClr>
-                </a:lnRef>
-                <a:fillRef idx="1">
-                  <a:schemeClr val="accent1"/>
-                </a:fillRef>
-                <a:effectRef idx="0">
-                  <a:schemeClr val="accent1"/>
-                </a:effectRef>
-                <a:fontRef idx="minor">
-                  <a:schemeClr val="lt1"/>
-                </a:fontRef>
-              </p:style>
-              <p:txBody>
-                <a:bodyPr rtlCol="0" anchor="ctr"/>
-                <a:lstStyle/>
-                <a:p>
-                  <a:pPr algn="ctr"/>
-                  <a:endParaRPr lang="es-ES"/>
-                </a:p>
-              </p:txBody>
-            </p:sp>
-            <p:sp>
-              <p:nvSpPr>
-                <p:cNvPr id="1041" name="Rectángulo 1040">
-                  <a:extLst>
-                    <a:ext uri="{FF2B5EF4-FFF2-40B4-BE49-F238E27FC236}">
-                      <a16:creationId xmlns:a16="http://schemas.microsoft.com/office/drawing/2014/main" id="{F98E05F5-6310-76FD-A47B-AD85D3A739AB}"/>
-                    </a:ext>
-                  </a:extLst>
-                </p:cNvPr>
-                <p:cNvSpPr/>
-                <p:nvPr/>
-              </p:nvSpPr>
-              <p:spPr>
-                <a:xfrm>
-                  <a:off x="2986882" y="3525100"/>
-                  <a:ext cx="133350" cy="83221"/>
-                </a:xfrm>
-                <a:prstGeom prst="rect">
-                  <a:avLst/>
-                </a:prstGeom>
-                <a:solidFill>
-                  <a:schemeClr val="bg1"/>
-                </a:solidFill>
-                <a:ln>
-                  <a:noFill/>
-                </a:ln>
-              </p:spPr>
-              <p:style>
-                <a:lnRef idx="2">
-                  <a:schemeClr val="accent1">
-                    <a:shade val="15000"/>
-                  </a:schemeClr>
-                </a:lnRef>
-                <a:fillRef idx="1">
-                  <a:schemeClr val="accent1"/>
-                </a:fillRef>
-                <a:effectRef idx="0">
-                  <a:schemeClr val="accent1"/>
-                </a:effectRef>
-                <a:fontRef idx="minor">
-                  <a:schemeClr val="lt1"/>
-                </a:fontRef>
-              </p:style>
-              <p:txBody>
-                <a:bodyPr rtlCol="0" anchor="ctr"/>
-                <a:lstStyle/>
-                <a:p>
-                  <a:pPr algn="ctr"/>
-                  <a:endParaRPr lang="es-ES"/>
-                </a:p>
-              </p:txBody>
-            </p:sp>
-            <p:sp>
-              <p:nvSpPr>
-                <p:cNvPr id="1042" name="Rectángulo 1041">
-                  <a:extLst>
-                    <a:ext uri="{FF2B5EF4-FFF2-40B4-BE49-F238E27FC236}">
-                      <a16:creationId xmlns:a16="http://schemas.microsoft.com/office/drawing/2014/main" id="{FE32E296-768C-C76E-54BD-2F20BAA32EEE}"/>
-                    </a:ext>
-                  </a:extLst>
-                </p:cNvPr>
-                <p:cNvSpPr/>
-                <p:nvPr/>
-              </p:nvSpPr>
-              <p:spPr>
-                <a:xfrm>
-                  <a:off x="3134918" y="3525100"/>
-                  <a:ext cx="133350" cy="83221"/>
-                </a:xfrm>
-                <a:prstGeom prst="rect">
-                  <a:avLst/>
-                </a:prstGeom>
-                <a:solidFill>
-                  <a:schemeClr val="bg1"/>
-                </a:solidFill>
-                <a:ln>
-                  <a:noFill/>
-                </a:ln>
-              </p:spPr>
-              <p:style>
-                <a:lnRef idx="2">
-                  <a:schemeClr val="accent1">
-                    <a:shade val="15000"/>
-                  </a:schemeClr>
-                </a:lnRef>
-                <a:fillRef idx="1">
-                  <a:schemeClr val="accent1"/>
-                </a:fillRef>
-                <a:effectRef idx="0">
-                  <a:schemeClr val="accent1"/>
-                </a:effectRef>
-                <a:fontRef idx="minor">
-                  <a:schemeClr val="lt1"/>
-                </a:fontRef>
-              </p:style>
-              <p:txBody>
-                <a:bodyPr rtlCol="0" anchor="ctr"/>
-                <a:lstStyle/>
-                <a:p>
-                  <a:pPr algn="ctr"/>
-                  <a:endParaRPr lang="es-ES"/>
-                </a:p>
-              </p:txBody>
-            </p:sp>
-            <p:sp>
-              <p:nvSpPr>
-                <p:cNvPr id="1043" name="Rectángulo 1042">
-                  <a:extLst>
-                    <a:ext uri="{FF2B5EF4-FFF2-40B4-BE49-F238E27FC236}">
-                      <a16:creationId xmlns:a16="http://schemas.microsoft.com/office/drawing/2014/main" id="{715A840A-34FA-1136-5AC4-E57B17683BF1}"/>
-                    </a:ext>
-                  </a:extLst>
-                </p:cNvPr>
-                <p:cNvSpPr/>
-                <p:nvPr/>
-              </p:nvSpPr>
-              <p:spPr>
-                <a:xfrm>
-                  <a:off x="3282953" y="3525100"/>
-                  <a:ext cx="133350" cy="83221"/>
-                </a:xfrm>
-                <a:prstGeom prst="rect">
-                  <a:avLst/>
-                </a:prstGeom>
-                <a:solidFill>
-                  <a:schemeClr val="bg1"/>
-                </a:solidFill>
-                <a:ln>
-                  <a:noFill/>
-                </a:ln>
-              </p:spPr>
-              <p:style>
-                <a:lnRef idx="2">
-                  <a:schemeClr val="accent1">
-                    <a:shade val="15000"/>
-                  </a:schemeClr>
-                </a:lnRef>
-                <a:fillRef idx="1">
-                  <a:schemeClr val="accent1"/>
-                </a:fillRef>
-                <a:effectRef idx="0">
-                  <a:schemeClr val="accent1"/>
-                </a:effectRef>
-                <a:fontRef idx="minor">
-                  <a:schemeClr val="lt1"/>
-                </a:fontRef>
-              </p:style>
-              <p:txBody>
-                <a:bodyPr rtlCol="0" anchor="ctr"/>
-                <a:lstStyle/>
-                <a:p>
-                  <a:pPr algn="ctr"/>
-                  <a:endParaRPr lang="es-ES"/>
-                </a:p>
-              </p:txBody>
-            </p:sp>
-          </p:grpSp>
-          <p:grpSp>
-            <p:nvGrpSpPr>
-              <p:cNvPr id="1076" name="Grupo 1075">
-                <a:extLst>
-                  <a:ext uri="{FF2B5EF4-FFF2-40B4-BE49-F238E27FC236}">
-                    <a16:creationId xmlns:a16="http://schemas.microsoft.com/office/drawing/2014/main" id="{F1644F4A-5D4B-FA8B-B50A-E0FE2AD13648}"/>
-                  </a:ext>
-                </a:extLst>
-              </p:cNvPr>
-              <p:cNvGrpSpPr/>
-              <p:nvPr/>
-            </p:nvGrpSpPr>
-            <p:grpSpPr>
-              <a:xfrm>
-                <a:off x="3362062" y="3085725"/>
-                <a:ext cx="462207" cy="416753"/>
-                <a:chOff x="2968385" y="3207509"/>
-                <a:chExt cx="462207" cy="416753"/>
-              </a:xfrm>
-            </p:grpSpPr>
-            <p:sp>
-              <p:nvSpPr>
-                <p:cNvPr id="1077" name="Rectángulo 1076">
-                  <a:extLst>
-                    <a:ext uri="{FF2B5EF4-FFF2-40B4-BE49-F238E27FC236}">
-                      <a16:creationId xmlns:a16="http://schemas.microsoft.com/office/drawing/2014/main" id="{F19B34AD-4643-AEAC-0BD7-D5BE0781589D}"/>
-                    </a:ext>
-                  </a:extLst>
-                </p:cNvPr>
-                <p:cNvSpPr/>
-                <p:nvPr/>
-              </p:nvSpPr>
-              <p:spPr>
-                <a:xfrm>
-                  <a:off x="2968385" y="3207509"/>
-                  <a:ext cx="462207" cy="416753"/>
-                </a:xfrm>
-                <a:prstGeom prst="rect">
-                  <a:avLst/>
-                </a:prstGeom>
-                <a:solidFill>
-                  <a:srgbClr val="FFDF00"/>
-                </a:solidFill>
-                <a:ln>
-                  <a:noFill/>
-                </a:ln>
-              </p:spPr>
-              <p:style>
-                <a:lnRef idx="2">
-                  <a:schemeClr val="accent1">
-                    <a:shade val="15000"/>
-                  </a:schemeClr>
-                </a:lnRef>
-                <a:fillRef idx="1">
-                  <a:schemeClr val="accent1"/>
-                </a:fillRef>
-                <a:effectRef idx="0">
-                  <a:schemeClr val="accent1"/>
-                </a:effectRef>
-                <a:fontRef idx="minor">
-                  <a:schemeClr val="lt1"/>
-                </a:fontRef>
-              </p:style>
-              <p:txBody>
-                <a:bodyPr rtlCol="0" anchor="ctr"/>
-                <a:lstStyle/>
-                <a:p>
-                  <a:pPr algn="ctr"/>
-                  <a:endParaRPr lang="es-ES"/>
-                </a:p>
-              </p:txBody>
-            </p:sp>
-            <p:sp>
-              <p:nvSpPr>
-                <p:cNvPr id="1082" name="Rectángulo 1081">
-                  <a:extLst>
-                    <a:ext uri="{FF2B5EF4-FFF2-40B4-BE49-F238E27FC236}">
-                      <a16:creationId xmlns:a16="http://schemas.microsoft.com/office/drawing/2014/main" id="{350776D7-4580-2003-3F49-222D59D423C5}"/>
-                    </a:ext>
-                  </a:extLst>
-                </p:cNvPr>
-                <p:cNvSpPr/>
-                <p:nvPr/>
-              </p:nvSpPr>
-              <p:spPr>
-                <a:xfrm>
-                  <a:off x="2986882" y="3325885"/>
-                  <a:ext cx="133350" cy="83221"/>
-                </a:xfrm>
-                <a:prstGeom prst="rect">
-                  <a:avLst/>
-                </a:prstGeom>
-                <a:solidFill>
-                  <a:schemeClr val="bg1"/>
-                </a:solidFill>
-                <a:ln>
-                  <a:noFill/>
-                </a:ln>
-              </p:spPr>
-              <p:style>
-                <a:lnRef idx="2">
-                  <a:schemeClr val="accent1">
-                    <a:shade val="15000"/>
-                  </a:schemeClr>
-                </a:lnRef>
-                <a:fillRef idx="1">
-                  <a:schemeClr val="accent1"/>
-                </a:fillRef>
-                <a:effectRef idx="0">
-                  <a:schemeClr val="accent1"/>
-                </a:effectRef>
-                <a:fontRef idx="minor">
-                  <a:schemeClr val="lt1"/>
-                </a:fontRef>
-              </p:style>
-              <p:txBody>
-                <a:bodyPr rtlCol="0" anchor="ctr"/>
-                <a:lstStyle/>
-                <a:p>
-                  <a:pPr algn="ctr"/>
-                  <a:endParaRPr lang="es-ES"/>
-                </a:p>
-              </p:txBody>
-            </p:sp>
-            <p:sp>
-              <p:nvSpPr>
-                <p:cNvPr id="1084" name="Rectángulo 1083">
-                  <a:extLst>
-                    <a:ext uri="{FF2B5EF4-FFF2-40B4-BE49-F238E27FC236}">
-                      <a16:creationId xmlns:a16="http://schemas.microsoft.com/office/drawing/2014/main" id="{55CECC0C-61B4-439D-F8BA-5F77A18BFFD2}"/>
-                    </a:ext>
-                  </a:extLst>
-                </p:cNvPr>
-                <p:cNvSpPr/>
-                <p:nvPr/>
-              </p:nvSpPr>
-              <p:spPr>
-                <a:xfrm>
-                  <a:off x="2986882" y="3425801"/>
-                  <a:ext cx="133350" cy="83221"/>
-                </a:xfrm>
-                <a:prstGeom prst="rect">
-                  <a:avLst/>
-                </a:prstGeom>
-                <a:solidFill>
-                  <a:schemeClr val="bg1"/>
-                </a:solidFill>
-                <a:ln>
-                  <a:noFill/>
-                </a:ln>
-              </p:spPr>
-              <p:style>
-                <a:lnRef idx="2">
-                  <a:schemeClr val="accent1">
-                    <a:shade val="15000"/>
-                  </a:schemeClr>
-                </a:lnRef>
-                <a:fillRef idx="1">
-                  <a:schemeClr val="accent1"/>
-                </a:fillRef>
-                <a:effectRef idx="0">
-                  <a:schemeClr val="accent1"/>
-                </a:effectRef>
-                <a:fontRef idx="minor">
-                  <a:schemeClr val="lt1"/>
-                </a:fontRef>
-              </p:style>
-              <p:txBody>
-                <a:bodyPr rtlCol="0" anchor="ctr"/>
-                <a:lstStyle/>
-                <a:p>
-                  <a:pPr algn="ctr"/>
-                  <a:endParaRPr lang="es-ES"/>
-                </a:p>
-              </p:txBody>
-            </p:sp>
-            <p:sp>
-              <p:nvSpPr>
-                <p:cNvPr id="1085" name="Rectángulo 1084">
-                  <a:extLst>
-                    <a:ext uri="{FF2B5EF4-FFF2-40B4-BE49-F238E27FC236}">
-                      <a16:creationId xmlns:a16="http://schemas.microsoft.com/office/drawing/2014/main" id="{A48E6B47-09AA-0CEA-0F20-F330E771C1E0}"/>
-                    </a:ext>
-                  </a:extLst>
-                </p:cNvPr>
-                <p:cNvSpPr/>
-                <p:nvPr/>
-              </p:nvSpPr>
-              <p:spPr>
-                <a:xfrm>
-                  <a:off x="3134918" y="3325885"/>
-                  <a:ext cx="133350" cy="83221"/>
-                </a:xfrm>
-                <a:prstGeom prst="rect">
-                  <a:avLst/>
-                </a:prstGeom>
-                <a:solidFill>
-                  <a:schemeClr val="bg1"/>
-                </a:solidFill>
-                <a:ln>
-                  <a:noFill/>
-                </a:ln>
-              </p:spPr>
-              <p:style>
-                <a:lnRef idx="2">
-                  <a:schemeClr val="accent1">
-                    <a:shade val="15000"/>
-                  </a:schemeClr>
-                </a:lnRef>
-                <a:fillRef idx="1">
-                  <a:schemeClr val="accent1"/>
-                </a:fillRef>
-                <a:effectRef idx="0">
-                  <a:schemeClr val="accent1"/>
-                </a:effectRef>
-                <a:fontRef idx="minor">
-                  <a:schemeClr val="lt1"/>
-                </a:fontRef>
-              </p:style>
-              <p:txBody>
-                <a:bodyPr rtlCol="0" anchor="ctr"/>
-                <a:lstStyle/>
-                <a:p>
-                  <a:pPr algn="ctr"/>
-                  <a:endParaRPr lang="es-ES"/>
-                </a:p>
-              </p:txBody>
-            </p:sp>
-            <p:sp>
-              <p:nvSpPr>
-                <p:cNvPr id="1108" name="Rectángulo 1107">
-                  <a:extLst>
-                    <a:ext uri="{FF2B5EF4-FFF2-40B4-BE49-F238E27FC236}">
-                      <a16:creationId xmlns:a16="http://schemas.microsoft.com/office/drawing/2014/main" id="{FBCB6127-67C5-B2F5-F60E-2EAB15085288}"/>
-                    </a:ext>
-                  </a:extLst>
-                </p:cNvPr>
-                <p:cNvSpPr/>
-                <p:nvPr/>
-              </p:nvSpPr>
-              <p:spPr>
-                <a:xfrm>
-                  <a:off x="3134918" y="3425801"/>
-                  <a:ext cx="133350" cy="83221"/>
-                </a:xfrm>
-                <a:prstGeom prst="rect">
-                  <a:avLst/>
-                </a:prstGeom>
-                <a:solidFill>
-                  <a:schemeClr val="bg1"/>
-                </a:solidFill>
-                <a:ln>
-                  <a:noFill/>
-                </a:ln>
-              </p:spPr>
-              <p:style>
-                <a:lnRef idx="2">
-                  <a:schemeClr val="accent1">
-                    <a:shade val="15000"/>
-                  </a:schemeClr>
-                </a:lnRef>
-                <a:fillRef idx="1">
-                  <a:schemeClr val="accent1"/>
-                </a:fillRef>
-                <a:effectRef idx="0">
-                  <a:schemeClr val="accent1"/>
-                </a:effectRef>
-                <a:fontRef idx="minor">
-                  <a:schemeClr val="lt1"/>
-                </a:fontRef>
-              </p:style>
-              <p:txBody>
-                <a:bodyPr rtlCol="0" anchor="ctr"/>
-                <a:lstStyle/>
-                <a:p>
-                  <a:pPr algn="ctr"/>
-                  <a:endParaRPr lang="es-ES"/>
-                </a:p>
-              </p:txBody>
-            </p:sp>
-            <p:sp>
-              <p:nvSpPr>
-                <p:cNvPr id="1109" name="Rectángulo 1108">
-                  <a:extLst>
-                    <a:ext uri="{FF2B5EF4-FFF2-40B4-BE49-F238E27FC236}">
-                      <a16:creationId xmlns:a16="http://schemas.microsoft.com/office/drawing/2014/main" id="{15DF868F-0B03-DA03-181A-025A488C35AD}"/>
-                    </a:ext>
-                  </a:extLst>
-                </p:cNvPr>
-                <p:cNvSpPr/>
-                <p:nvPr/>
-              </p:nvSpPr>
-              <p:spPr>
-                <a:xfrm>
-                  <a:off x="3282953" y="3325885"/>
-                  <a:ext cx="133350" cy="83221"/>
-                </a:xfrm>
-                <a:prstGeom prst="rect">
-                  <a:avLst/>
-                </a:prstGeom>
-                <a:solidFill>
-                  <a:schemeClr val="bg1"/>
-                </a:solidFill>
-                <a:ln>
-                  <a:noFill/>
-                </a:ln>
-              </p:spPr>
-              <p:style>
-                <a:lnRef idx="2">
-                  <a:schemeClr val="accent1">
-                    <a:shade val="15000"/>
-                  </a:schemeClr>
-                </a:lnRef>
-                <a:fillRef idx="1">
-                  <a:schemeClr val="accent1"/>
-                </a:fillRef>
-                <a:effectRef idx="0">
-                  <a:schemeClr val="accent1"/>
-                </a:effectRef>
-                <a:fontRef idx="minor">
-                  <a:schemeClr val="lt1"/>
-                </a:fontRef>
-              </p:style>
-              <p:txBody>
-                <a:bodyPr rtlCol="0" anchor="ctr"/>
-                <a:lstStyle/>
-                <a:p>
-                  <a:pPr algn="ctr"/>
-                  <a:endParaRPr lang="es-ES"/>
-                </a:p>
-              </p:txBody>
-            </p:sp>
-            <p:sp>
-              <p:nvSpPr>
-                <p:cNvPr id="1113" name="Rectángulo 1112">
-                  <a:extLst>
-                    <a:ext uri="{FF2B5EF4-FFF2-40B4-BE49-F238E27FC236}">
-                      <a16:creationId xmlns:a16="http://schemas.microsoft.com/office/drawing/2014/main" id="{CBAEF046-9B44-E23C-6DDF-E35866BAC730}"/>
-                    </a:ext>
-                  </a:extLst>
-                </p:cNvPr>
-                <p:cNvSpPr/>
-                <p:nvPr/>
-              </p:nvSpPr>
-              <p:spPr>
-                <a:xfrm>
-                  <a:off x="3282953" y="3425801"/>
-                  <a:ext cx="133350" cy="83221"/>
-                </a:xfrm>
-                <a:prstGeom prst="rect">
-                  <a:avLst/>
-                </a:prstGeom>
-                <a:solidFill>
-                  <a:schemeClr val="bg1"/>
-                </a:solidFill>
-                <a:ln>
-                  <a:noFill/>
-                </a:ln>
-              </p:spPr>
-              <p:style>
-                <a:lnRef idx="2">
-                  <a:schemeClr val="accent1">
-                    <a:shade val="15000"/>
-                  </a:schemeClr>
-                </a:lnRef>
-                <a:fillRef idx="1">
-                  <a:schemeClr val="accent1"/>
-                </a:fillRef>
-                <a:effectRef idx="0">
-                  <a:schemeClr val="accent1"/>
-                </a:effectRef>
-                <a:fontRef idx="minor">
-                  <a:schemeClr val="lt1"/>
-                </a:fontRef>
-              </p:style>
-              <p:txBody>
-                <a:bodyPr rtlCol="0" anchor="ctr"/>
-                <a:lstStyle/>
-                <a:p>
-                  <a:pPr algn="ctr"/>
-                  <a:endParaRPr lang="es-ES"/>
-                </a:p>
-              </p:txBody>
-            </p:sp>
-            <p:sp>
-              <p:nvSpPr>
-                <p:cNvPr id="1115" name="Rectángulo 1114">
-                  <a:extLst>
-                    <a:ext uri="{FF2B5EF4-FFF2-40B4-BE49-F238E27FC236}">
-                      <a16:creationId xmlns:a16="http://schemas.microsoft.com/office/drawing/2014/main" id="{2F5629B2-B524-46D9-AEAE-DCB122F09ACE}"/>
-                    </a:ext>
-                  </a:extLst>
-                </p:cNvPr>
-                <p:cNvSpPr/>
-                <p:nvPr/>
-              </p:nvSpPr>
-              <p:spPr>
-                <a:xfrm>
-                  <a:off x="2986882" y="3525100"/>
-                  <a:ext cx="133350" cy="83221"/>
-                </a:xfrm>
-                <a:prstGeom prst="rect">
-                  <a:avLst/>
-                </a:prstGeom>
-                <a:solidFill>
-                  <a:schemeClr val="bg1"/>
-                </a:solidFill>
-                <a:ln>
-                  <a:noFill/>
-                </a:ln>
-              </p:spPr>
-              <p:style>
-                <a:lnRef idx="2">
-                  <a:schemeClr val="accent1">
-                    <a:shade val="15000"/>
-                  </a:schemeClr>
-                </a:lnRef>
-                <a:fillRef idx="1">
-                  <a:schemeClr val="accent1"/>
-                </a:fillRef>
-                <a:effectRef idx="0">
-                  <a:schemeClr val="accent1"/>
-                </a:effectRef>
-                <a:fontRef idx="minor">
-                  <a:schemeClr val="lt1"/>
-                </a:fontRef>
-              </p:style>
-              <p:txBody>
-                <a:bodyPr rtlCol="0" anchor="ctr"/>
-                <a:lstStyle/>
-                <a:p>
-                  <a:pPr algn="ctr"/>
-                  <a:endParaRPr lang="es-ES"/>
-                </a:p>
-              </p:txBody>
-            </p:sp>
-            <p:sp>
-              <p:nvSpPr>
-                <p:cNvPr id="1117" name="Rectángulo 1116">
-                  <a:extLst>
-                    <a:ext uri="{FF2B5EF4-FFF2-40B4-BE49-F238E27FC236}">
-                      <a16:creationId xmlns:a16="http://schemas.microsoft.com/office/drawing/2014/main" id="{BAE197D3-F10F-F677-0BA6-85587A898263}"/>
-                    </a:ext>
-                  </a:extLst>
-                </p:cNvPr>
-                <p:cNvSpPr/>
-                <p:nvPr/>
-              </p:nvSpPr>
-              <p:spPr>
-                <a:xfrm>
-                  <a:off x="3134918" y="3525100"/>
-                  <a:ext cx="133350" cy="83221"/>
-                </a:xfrm>
-                <a:prstGeom prst="rect">
-                  <a:avLst/>
-                </a:prstGeom>
-                <a:solidFill>
-                  <a:schemeClr val="bg1"/>
-                </a:solidFill>
-                <a:ln>
-                  <a:noFill/>
-                </a:ln>
-              </p:spPr>
-              <p:style>
-                <a:lnRef idx="2">
-                  <a:schemeClr val="accent1">
-                    <a:shade val="15000"/>
-                  </a:schemeClr>
-                </a:lnRef>
-                <a:fillRef idx="1">
-                  <a:schemeClr val="accent1"/>
-                </a:fillRef>
-                <a:effectRef idx="0">
-                  <a:schemeClr val="accent1"/>
-                </a:effectRef>
-                <a:fontRef idx="minor">
-                  <a:schemeClr val="lt1"/>
-                </a:fontRef>
-              </p:style>
-              <p:txBody>
-                <a:bodyPr rtlCol="0" anchor="ctr"/>
-                <a:lstStyle/>
-                <a:p>
-                  <a:pPr algn="ctr"/>
-                  <a:endParaRPr lang="es-ES"/>
-                </a:p>
-              </p:txBody>
-            </p:sp>
-            <p:sp>
-              <p:nvSpPr>
-                <p:cNvPr id="1122" name="Rectángulo 1121">
-                  <a:extLst>
-                    <a:ext uri="{FF2B5EF4-FFF2-40B4-BE49-F238E27FC236}">
-                      <a16:creationId xmlns:a16="http://schemas.microsoft.com/office/drawing/2014/main" id="{EFABF683-186B-68B3-D5F6-46F54A519D24}"/>
-                    </a:ext>
-                  </a:extLst>
-                </p:cNvPr>
-                <p:cNvSpPr/>
-                <p:nvPr/>
-              </p:nvSpPr>
-              <p:spPr>
-                <a:xfrm>
-                  <a:off x="3282953" y="3525100"/>
-                  <a:ext cx="133350" cy="83221"/>
-                </a:xfrm>
-                <a:prstGeom prst="rect">
-                  <a:avLst/>
-                </a:prstGeom>
-                <a:solidFill>
-                  <a:schemeClr val="bg1"/>
-                </a:solidFill>
-                <a:ln>
-                  <a:noFill/>
-                </a:ln>
-              </p:spPr>
-              <p:style>
-                <a:lnRef idx="2">
-                  <a:schemeClr val="accent1">
-                    <a:shade val="15000"/>
-                  </a:schemeClr>
-                </a:lnRef>
-                <a:fillRef idx="1">
-                  <a:schemeClr val="accent1"/>
-                </a:fillRef>
-                <a:effectRef idx="0">
-                  <a:schemeClr val="accent1"/>
-                </a:effectRef>
-                <a:fontRef idx="minor">
-                  <a:schemeClr val="lt1"/>
-                </a:fontRef>
-              </p:style>
-              <p:txBody>
-                <a:bodyPr rtlCol="0" anchor="ctr"/>
-                <a:lstStyle/>
-                <a:p>
-                  <a:pPr algn="ctr"/>
-                  <a:endParaRPr lang="es-ES"/>
-                </a:p>
-              </p:txBody>
-            </p:sp>
-          </p:grpSp>
-          <p:grpSp>
-            <p:nvGrpSpPr>
-              <p:cNvPr id="1123" name="Grupo 1122">
-                <a:extLst>
-                  <a:ext uri="{FF2B5EF4-FFF2-40B4-BE49-F238E27FC236}">
-                    <a16:creationId xmlns:a16="http://schemas.microsoft.com/office/drawing/2014/main" id="{9713DCDD-AA8B-877B-F2C4-F38B3F74AD89}"/>
-                  </a:ext>
-                </a:extLst>
-              </p:cNvPr>
-              <p:cNvGrpSpPr/>
-              <p:nvPr/>
-            </p:nvGrpSpPr>
-            <p:grpSpPr>
-              <a:xfrm>
-                <a:off x="3105522" y="3004325"/>
-                <a:ext cx="462207" cy="416753"/>
-                <a:chOff x="2968385" y="3207509"/>
-                <a:chExt cx="462207" cy="416753"/>
-              </a:xfrm>
-            </p:grpSpPr>
-            <p:sp>
-              <p:nvSpPr>
-                <p:cNvPr id="1124" name="Rectángulo 1123">
-                  <a:extLst>
-                    <a:ext uri="{FF2B5EF4-FFF2-40B4-BE49-F238E27FC236}">
-                      <a16:creationId xmlns:a16="http://schemas.microsoft.com/office/drawing/2014/main" id="{0971BED8-BA01-DC90-576D-D93C1647B7C5}"/>
-                    </a:ext>
-                  </a:extLst>
-                </p:cNvPr>
-                <p:cNvSpPr/>
-                <p:nvPr/>
-              </p:nvSpPr>
-              <p:spPr>
-                <a:xfrm>
-                  <a:off x="2968385" y="3207509"/>
-                  <a:ext cx="462207" cy="416753"/>
-                </a:xfrm>
-                <a:prstGeom prst="rect">
-                  <a:avLst/>
-                </a:prstGeom>
-                <a:solidFill>
-                  <a:schemeClr val="accent2"/>
-                </a:solidFill>
-                <a:ln>
-                  <a:noFill/>
-                </a:ln>
-              </p:spPr>
-              <p:style>
-                <a:lnRef idx="2">
-                  <a:schemeClr val="accent1">
-                    <a:shade val="15000"/>
-                  </a:schemeClr>
-                </a:lnRef>
-                <a:fillRef idx="1">
-                  <a:schemeClr val="accent1"/>
-                </a:fillRef>
-                <a:effectRef idx="0">
-                  <a:schemeClr val="accent1"/>
-                </a:effectRef>
-                <a:fontRef idx="minor">
-                  <a:schemeClr val="lt1"/>
-                </a:fontRef>
-              </p:style>
-              <p:txBody>
-                <a:bodyPr rtlCol="0" anchor="ctr"/>
-                <a:lstStyle/>
-                <a:p>
-                  <a:pPr algn="ctr"/>
-                  <a:endParaRPr lang="es-ES"/>
-                </a:p>
-              </p:txBody>
-            </p:sp>
-            <p:sp>
-              <p:nvSpPr>
-                <p:cNvPr id="1125" name="Rectángulo 1124">
-                  <a:extLst>
-                    <a:ext uri="{FF2B5EF4-FFF2-40B4-BE49-F238E27FC236}">
-                      <a16:creationId xmlns:a16="http://schemas.microsoft.com/office/drawing/2014/main" id="{C734F1BD-67E4-71E9-59E1-F9D12A246754}"/>
-                    </a:ext>
-                  </a:extLst>
-                </p:cNvPr>
-                <p:cNvSpPr/>
-                <p:nvPr/>
-              </p:nvSpPr>
-              <p:spPr>
-                <a:xfrm>
-                  <a:off x="2986882" y="3325885"/>
-                  <a:ext cx="133350" cy="83221"/>
-                </a:xfrm>
-                <a:prstGeom prst="rect">
-                  <a:avLst/>
-                </a:prstGeom>
-                <a:solidFill>
-                  <a:schemeClr val="bg1"/>
-                </a:solidFill>
-                <a:ln>
-                  <a:noFill/>
-                </a:ln>
-              </p:spPr>
-              <p:style>
-                <a:lnRef idx="2">
-                  <a:schemeClr val="accent1">
-                    <a:shade val="15000"/>
-                  </a:schemeClr>
-                </a:lnRef>
-                <a:fillRef idx="1">
-                  <a:schemeClr val="accent1"/>
-                </a:fillRef>
-                <a:effectRef idx="0">
-                  <a:schemeClr val="accent1"/>
-                </a:effectRef>
-                <a:fontRef idx="minor">
-                  <a:schemeClr val="lt1"/>
-                </a:fontRef>
-              </p:style>
-              <p:txBody>
-                <a:bodyPr rtlCol="0" anchor="ctr"/>
-                <a:lstStyle/>
-                <a:p>
-                  <a:pPr algn="ctr"/>
-                  <a:endParaRPr lang="es-ES"/>
-                </a:p>
-              </p:txBody>
-            </p:sp>
-            <p:sp>
-              <p:nvSpPr>
-                <p:cNvPr id="1126" name="Rectángulo 1125">
-                  <a:extLst>
-                    <a:ext uri="{FF2B5EF4-FFF2-40B4-BE49-F238E27FC236}">
-                      <a16:creationId xmlns:a16="http://schemas.microsoft.com/office/drawing/2014/main" id="{FE2B0D5F-9F65-C37E-E3D1-42F3690FF743}"/>
-                    </a:ext>
-                  </a:extLst>
-                </p:cNvPr>
-                <p:cNvSpPr/>
-                <p:nvPr/>
-              </p:nvSpPr>
-              <p:spPr>
-                <a:xfrm>
-                  <a:off x="2986882" y="3425801"/>
-                  <a:ext cx="133350" cy="83221"/>
-                </a:xfrm>
-                <a:prstGeom prst="rect">
-                  <a:avLst/>
-                </a:prstGeom>
-                <a:solidFill>
-                  <a:schemeClr val="bg1"/>
-                </a:solidFill>
-                <a:ln>
-                  <a:noFill/>
-                </a:ln>
-              </p:spPr>
-              <p:style>
-                <a:lnRef idx="2">
-                  <a:schemeClr val="accent1">
-                    <a:shade val="15000"/>
-                  </a:schemeClr>
-                </a:lnRef>
-                <a:fillRef idx="1">
-                  <a:schemeClr val="accent1"/>
-                </a:fillRef>
-                <a:effectRef idx="0">
-                  <a:schemeClr val="accent1"/>
-                </a:effectRef>
-                <a:fontRef idx="minor">
-                  <a:schemeClr val="lt1"/>
-                </a:fontRef>
-              </p:style>
-              <p:txBody>
-                <a:bodyPr rtlCol="0" anchor="ctr"/>
-                <a:lstStyle/>
-                <a:p>
-                  <a:pPr algn="ctr"/>
-                  <a:endParaRPr lang="es-ES"/>
-                </a:p>
-              </p:txBody>
-            </p:sp>
-            <p:sp>
-              <p:nvSpPr>
-                <p:cNvPr id="1127" name="Rectángulo 1126">
-                  <a:extLst>
-                    <a:ext uri="{FF2B5EF4-FFF2-40B4-BE49-F238E27FC236}">
-                      <a16:creationId xmlns:a16="http://schemas.microsoft.com/office/drawing/2014/main" id="{BD6724A9-D626-8059-772C-B97E6F8C1691}"/>
-                    </a:ext>
-                  </a:extLst>
-                </p:cNvPr>
-                <p:cNvSpPr/>
-                <p:nvPr/>
-              </p:nvSpPr>
-              <p:spPr>
-                <a:xfrm>
-                  <a:off x="3134918" y="3325885"/>
-                  <a:ext cx="133350" cy="83221"/>
-                </a:xfrm>
-                <a:prstGeom prst="rect">
-                  <a:avLst/>
-                </a:prstGeom>
-                <a:solidFill>
-                  <a:schemeClr val="bg1"/>
-                </a:solidFill>
-                <a:ln>
-                  <a:noFill/>
-                </a:ln>
-              </p:spPr>
-              <p:style>
-                <a:lnRef idx="2">
-                  <a:schemeClr val="accent1">
-                    <a:shade val="15000"/>
-                  </a:schemeClr>
-                </a:lnRef>
-                <a:fillRef idx="1">
-                  <a:schemeClr val="accent1"/>
-                </a:fillRef>
-                <a:effectRef idx="0">
-                  <a:schemeClr val="accent1"/>
-                </a:effectRef>
-                <a:fontRef idx="minor">
-                  <a:schemeClr val="lt1"/>
-                </a:fontRef>
-              </p:style>
-              <p:txBody>
-                <a:bodyPr rtlCol="0" anchor="ctr"/>
-                <a:lstStyle/>
-                <a:p>
-                  <a:pPr algn="ctr"/>
-                  <a:endParaRPr lang="es-ES"/>
-                </a:p>
-              </p:txBody>
-            </p:sp>
-            <p:sp>
-              <p:nvSpPr>
-                <p:cNvPr id="1128" name="Rectángulo 1127">
-                  <a:extLst>
-                    <a:ext uri="{FF2B5EF4-FFF2-40B4-BE49-F238E27FC236}">
-                      <a16:creationId xmlns:a16="http://schemas.microsoft.com/office/drawing/2014/main" id="{39DB424B-0569-2705-D50E-A8C6F360BC8E}"/>
-                    </a:ext>
-                  </a:extLst>
-                </p:cNvPr>
-                <p:cNvSpPr/>
-                <p:nvPr/>
-              </p:nvSpPr>
-              <p:spPr>
-                <a:xfrm>
-                  <a:off x="3134918" y="3425801"/>
-                  <a:ext cx="133350" cy="83221"/>
-                </a:xfrm>
-                <a:prstGeom prst="rect">
-                  <a:avLst/>
-                </a:prstGeom>
-                <a:solidFill>
-                  <a:schemeClr val="bg1"/>
-                </a:solidFill>
-                <a:ln>
-                  <a:noFill/>
-                </a:ln>
-              </p:spPr>
-              <p:style>
-                <a:lnRef idx="2">
-                  <a:schemeClr val="accent1">
-                    <a:shade val="15000"/>
-                  </a:schemeClr>
-                </a:lnRef>
-                <a:fillRef idx="1">
-                  <a:schemeClr val="accent1"/>
-                </a:fillRef>
-                <a:effectRef idx="0">
-                  <a:schemeClr val="accent1"/>
-                </a:effectRef>
-                <a:fontRef idx="minor">
-                  <a:schemeClr val="lt1"/>
-                </a:fontRef>
-              </p:style>
-              <p:txBody>
-                <a:bodyPr rtlCol="0" anchor="ctr"/>
-                <a:lstStyle/>
-                <a:p>
-                  <a:pPr algn="ctr"/>
-                  <a:endParaRPr lang="es-ES"/>
-                </a:p>
-              </p:txBody>
-            </p:sp>
-            <p:sp>
-              <p:nvSpPr>
-                <p:cNvPr id="1129" name="Rectángulo 1128">
-                  <a:extLst>
-                    <a:ext uri="{FF2B5EF4-FFF2-40B4-BE49-F238E27FC236}">
-                      <a16:creationId xmlns:a16="http://schemas.microsoft.com/office/drawing/2014/main" id="{8378AB81-2149-542B-B0E1-116604FFCD0E}"/>
-                    </a:ext>
-                  </a:extLst>
-                </p:cNvPr>
-                <p:cNvSpPr/>
-                <p:nvPr/>
-              </p:nvSpPr>
-              <p:spPr>
-                <a:xfrm>
-                  <a:off x="3282953" y="3325885"/>
-                  <a:ext cx="133350" cy="83221"/>
-                </a:xfrm>
-                <a:prstGeom prst="rect">
-                  <a:avLst/>
-                </a:prstGeom>
-                <a:solidFill>
-                  <a:schemeClr val="bg1"/>
-                </a:solidFill>
-                <a:ln>
-                  <a:noFill/>
-                </a:ln>
-              </p:spPr>
-              <p:style>
-                <a:lnRef idx="2">
-                  <a:schemeClr val="accent1">
-                    <a:shade val="15000"/>
-                  </a:schemeClr>
-                </a:lnRef>
-                <a:fillRef idx="1">
-                  <a:schemeClr val="accent1"/>
-                </a:fillRef>
-                <a:effectRef idx="0">
-                  <a:schemeClr val="accent1"/>
-                </a:effectRef>
-                <a:fontRef idx="minor">
-                  <a:schemeClr val="lt1"/>
-                </a:fontRef>
-              </p:style>
-              <p:txBody>
-                <a:bodyPr rtlCol="0" anchor="ctr"/>
-                <a:lstStyle/>
-                <a:p>
-                  <a:pPr algn="ctr"/>
-                  <a:endParaRPr lang="es-ES"/>
-                </a:p>
-              </p:txBody>
-            </p:sp>
-            <p:sp>
-              <p:nvSpPr>
-                <p:cNvPr id="1130" name="Rectángulo 1129">
-                  <a:extLst>
-                    <a:ext uri="{FF2B5EF4-FFF2-40B4-BE49-F238E27FC236}">
-                      <a16:creationId xmlns:a16="http://schemas.microsoft.com/office/drawing/2014/main" id="{F82700BA-7C24-F057-CF38-BA8692DC1B71}"/>
-                    </a:ext>
-                  </a:extLst>
-                </p:cNvPr>
-                <p:cNvSpPr/>
-                <p:nvPr/>
-              </p:nvSpPr>
-              <p:spPr>
-                <a:xfrm>
-                  <a:off x="3282953" y="3425801"/>
-                  <a:ext cx="133350" cy="83221"/>
-                </a:xfrm>
-                <a:prstGeom prst="rect">
-                  <a:avLst/>
-                </a:prstGeom>
-                <a:solidFill>
-                  <a:schemeClr val="bg1"/>
-                </a:solidFill>
-                <a:ln>
-                  <a:noFill/>
-                </a:ln>
-              </p:spPr>
-              <p:style>
-                <a:lnRef idx="2">
-                  <a:schemeClr val="accent1">
-                    <a:shade val="15000"/>
-                  </a:schemeClr>
-                </a:lnRef>
-                <a:fillRef idx="1">
-                  <a:schemeClr val="accent1"/>
-                </a:fillRef>
-                <a:effectRef idx="0">
-                  <a:schemeClr val="accent1"/>
-                </a:effectRef>
-                <a:fontRef idx="minor">
-                  <a:schemeClr val="lt1"/>
-                </a:fontRef>
-              </p:style>
-              <p:txBody>
-                <a:bodyPr rtlCol="0" anchor="ctr"/>
-                <a:lstStyle/>
-                <a:p>
-                  <a:pPr algn="ctr"/>
-                  <a:endParaRPr lang="es-ES"/>
-                </a:p>
-              </p:txBody>
-            </p:sp>
-            <p:sp>
-              <p:nvSpPr>
-                <p:cNvPr id="1131" name="Rectángulo 1130">
-                  <a:extLst>
-                    <a:ext uri="{FF2B5EF4-FFF2-40B4-BE49-F238E27FC236}">
-                      <a16:creationId xmlns:a16="http://schemas.microsoft.com/office/drawing/2014/main" id="{AD230283-D1B0-968E-A7C0-9E5CA1CDFA27}"/>
-                    </a:ext>
-                  </a:extLst>
-                </p:cNvPr>
-                <p:cNvSpPr/>
-                <p:nvPr/>
-              </p:nvSpPr>
-              <p:spPr>
-                <a:xfrm>
-                  <a:off x="2986882" y="3525100"/>
-                  <a:ext cx="133350" cy="83221"/>
-                </a:xfrm>
-                <a:prstGeom prst="rect">
-                  <a:avLst/>
-                </a:prstGeom>
-                <a:solidFill>
-                  <a:schemeClr val="bg1"/>
-                </a:solidFill>
-                <a:ln>
-                  <a:noFill/>
-                </a:ln>
-              </p:spPr>
-              <p:style>
-                <a:lnRef idx="2">
-                  <a:schemeClr val="accent1">
-                    <a:shade val="15000"/>
-                  </a:schemeClr>
-                </a:lnRef>
-                <a:fillRef idx="1">
-                  <a:schemeClr val="accent1"/>
-                </a:fillRef>
-                <a:effectRef idx="0">
-                  <a:schemeClr val="accent1"/>
-                </a:effectRef>
-                <a:fontRef idx="minor">
-                  <a:schemeClr val="lt1"/>
-                </a:fontRef>
-              </p:style>
-              <p:txBody>
-                <a:bodyPr rtlCol="0" anchor="ctr"/>
-                <a:lstStyle/>
-                <a:p>
-                  <a:pPr algn="ctr"/>
-                  <a:endParaRPr lang="es-ES"/>
-                </a:p>
-              </p:txBody>
-            </p:sp>
-            <p:sp>
-              <p:nvSpPr>
-                <p:cNvPr id="1132" name="Rectángulo 1131">
-                  <a:extLst>
-                    <a:ext uri="{FF2B5EF4-FFF2-40B4-BE49-F238E27FC236}">
-                      <a16:creationId xmlns:a16="http://schemas.microsoft.com/office/drawing/2014/main" id="{3D4722E6-57D3-5D3A-7720-F053B082CD93}"/>
-                    </a:ext>
-                  </a:extLst>
-                </p:cNvPr>
-                <p:cNvSpPr/>
-                <p:nvPr/>
-              </p:nvSpPr>
-              <p:spPr>
-                <a:xfrm>
-                  <a:off x="3134918" y="3525100"/>
-                  <a:ext cx="133350" cy="83221"/>
-                </a:xfrm>
-                <a:prstGeom prst="rect">
-                  <a:avLst/>
-                </a:prstGeom>
-                <a:solidFill>
-                  <a:schemeClr val="bg1"/>
-                </a:solidFill>
-                <a:ln>
-                  <a:noFill/>
-                </a:ln>
-              </p:spPr>
-              <p:style>
-                <a:lnRef idx="2">
-                  <a:schemeClr val="accent1">
-                    <a:shade val="15000"/>
-                  </a:schemeClr>
-                </a:lnRef>
-                <a:fillRef idx="1">
-                  <a:schemeClr val="accent1"/>
-                </a:fillRef>
-                <a:effectRef idx="0">
-                  <a:schemeClr val="accent1"/>
-                </a:effectRef>
-                <a:fontRef idx="minor">
-                  <a:schemeClr val="lt1"/>
-                </a:fontRef>
-              </p:style>
-              <p:txBody>
-                <a:bodyPr rtlCol="0" anchor="ctr"/>
-                <a:lstStyle/>
-                <a:p>
-                  <a:pPr algn="ctr"/>
-                  <a:endParaRPr lang="es-ES"/>
-                </a:p>
-              </p:txBody>
-            </p:sp>
-            <p:sp>
-              <p:nvSpPr>
-                <p:cNvPr id="1133" name="Rectángulo 1132">
-                  <a:extLst>
-                    <a:ext uri="{FF2B5EF4-FFF2-40B4-BE49-F238E27FC236}">
-                      <a16:creationId xmlns:a16="http://schemas.microsoft.com/office/drawing/2014/main" id="{2A447496-CAF4-0E7E-5300-6BF75E377624}"/>
-                    </a:ext>
-                  </a:extLst>
-                </p:cNvPr>
-                <p:cNvSpPr/>
-                <p:nvPr/>
-              </p:nvSpPr>
-              <p:spPr>
-                <a:xfrm>
-                  <a:off x="3282953" y="3525100"/>
-                  <a:ext cx="133350" cy="83221"/>
-                </a:xfrm>
-                <a:prstGeom prst="rect">
-                  <a:avLst/>
-                </a:prstGeom>
-                <a:solidFill>
-                  <a:schemeClr val="bg1"/>
-                </a:solidFill>
-                <a:ln>
-                  <a:noFill/>
-                </a:ln>
-              </p:spPr>
-              <p:style>
-                <a:lnRef idx="2">
-                  <a:schemeClr val="accent1">
-                    <a:shade val="15000"/>
-                  </a:schemeClr>
-                </a:lnRef>
-                <a:fillRef idx="1">
-                  <a:schemeClr val="accent1"/>
-                </a:fillRef>
-                <a:effectRef idx="0">
-                  <a:schemeClr val="accent1"/>
-                </a:effectRef>
-                <a:fontRef idx="minor">
-                  <a:schemeClr val="lt1"/>
-                </a:fontRef>
-              </p:style>
-              <p:txBody>
-                <a:bodyPr rtlCol="0" anchor="ctr"/>
-                <a:lstStyle/>
-                <a:p>
-                  <a:pPr algn="ctr"/>
-                  <a:endParaRPr lang="es-ES"/>
-                </a:p>
-              </p:txBody>
-            </p:sp>
-          </p:grpSp>
-        </p:grpSp>
-        <p:sp>
-          <p:nvSpPr>
-            <p:cNvPr id="1134" name="Cilindro 1133">
-              <a:extLst>
-                <a:ext uri="{FF2B5EF4-FFF2-40B4-BE49-F238E27FC236}">
-                  <a16:creationId xmlns:a16="http://schemas.microsoft.com/office/drawing/2014/main" id="{05EBD23E-8C5C-CFE2-538B-3E2EF4CA5724}"/>
-                </a:ext>
-              </a:extLst>
-            </p:cNvPr>
-            <p:cNvSpPr/>
-            <p:nvPr/>
-          </p:nvSpPr>
-          <p:spPr>
-            <a:xfrm>
-              <a:off x="4417557" y="2853803"/>
-              <a:ext cx="1278686" cy="1348496"/>
-            </a:xfrm>
-            <a:prstGeom prst="can">
-              <a:avLst/>
-            </a:prstGeom>
-            <a:noFill/>
-            <a:ln>
-              <a:solidFill>
-                <a:schemeClr val="accent1"/>
-              </a:solidFill>
-            </a:ln>
-          </p:spPr>
-          <p:style>
-            <a:lnRef idx="0">
-              <a:schemeClr val="accent1"/>
-            </a:lnRef>
-            <a:fillRef idx="3">
-              <a:schemeClr val="accent1"/>
-            </a:fillRef>
-            <a:effectRef idx="3">
-              <a:schemeClr val="accent1"/>
-            </a:effectRef>
-            <a:fontRef idx="minor">
-              <a:schemeClr val="lt1"/>
-            </a:fontRef>
-          </p:style>
-          <p:txBody>
-            <a:bodyPr rtlCol="0" anchor="ctr"/>
-            <a:lstStyle/>
-            <a:p>
-              <a:pPr algn="ctr"/>
-              <a:endParaRPr lang="es-ES" sz="1600" dirty="0">
-                <a:solidFill>
-                  <a:schemeClr val="tx2"/>
-                </a:solidFill>
-              </a:endParaRPr>
-            </a:p>
-          </p:txBody>
-        </p:sp>
-        <p:sp>
-          <p:nvSpPr>
-            <p:cNvPr id="1136" name="CuadroTexto 1135">
-              <a:extLst>
-                <a:ext uri="{FF2B5EF4-FFF2-40B4-BE49-F238E27FC236}">
-                  <a16:creationId xmlns:a16="http://schemas.microsoft.com/office/drawing/2014/main" id="{5B52911C-3C1C-A3F2-2CBE-C1A54D646127}"/>
-                </a:ext>
-              </a:extLst>
-            </p:cNvPr>
-            <p:cNvSpPr txBox="1"/>
-            <p:nvPr/>
-          </p:nvSpPr>
-          <p:spPr>
-            <a:xfrm>
-              <a:off x="4417557" y="2867155"/>
-              <a:ext cx="1278686" cy="261610"/>
-            </a:xfrm>
-            <a:prstGeom prst="rect">
-              <a:avLst/>
-            </a:prstGeom>
-            <a:noFill/>
-            <a:effectLst>
-              <a:outerShdw blurRad="50800" dist="38100" dir="2700000" algn="tl" rotWithShape="0">
-                <a:prstClr val="black">
-                  <a:alpha val="40000"/>
-                </a:prstClr>
-              </a:outerShdw>
-            </a:effectLst>
-          </p:spPr>
-          <p:txBody>
-            <a:bodyPr wrap="square" rtlCol="0">
-              <a:spAutoFit/>
-            </a:bodyPr>
-            <a:lstStyle/>
-            <a:p>
-              <a:pPr algn="ctr"/>
-              <a:r>
-                <a:rPr lang="es-ES" sz="1100" dirty="0">
-                  <a:solidFill>
-                    <a:schemeClr val="tx2"/>
-                  </a:solidFill>
-                </a:rPr>
-                <a:t>Base de Datos</a:t>
-              </a:r>
-            </a:p>
-          </p:txBody>
-        </p:sp>
-      </p:grpSp>
-      <p:cxnSp>
-        <p:nvCxnSpPr>
-          <p:cNvPr id="1140" name="Conector recto de flecha 1139">
-            <a:extLst>
-              <a:ext uri="{FF2B5EF4-FFF2-40B4-BE49-F238E27FC236}">
-                <a16:creationId xmlns:a16="http://schemas.microsoft.com/office/drawing/2014/main" id="{647BC005-6255-EA5F-5CDD-B5F69E055FC4}"/>
-              </a:ext>
-            </a:extLst>
-          </p:cNvPr>
-          <p:cNvCxnSpPr>
-            <a:cxnSpLocks/>
-          </p:cNvCxnSpPr>
-          <p:nvPr/>
-        </p:nvCxnSpPr>
-        <p:spPr>
-          <a:xfrm>
-            <a:off x="3409443" y="4728298"/>
-            <a:ext cx="0" cy="658063"/>
-          </a:xfrm>
-          <a:prstGeom prst="straightConnector1">
-            <a:avLst/>
-          </a:prstGeom>
-          <a:ln>
-            <a:headEnd type="arrow"/>
-          </a:ln>
-        </p:spPr>
-        <p:style>
-          <a:lnRef idx="2">
-            <a:schemeClr val="dk1"/>
-          </a:lnRef>
-          <a:fillRef idx="0">
-            <a:schemeClr val="dk1"/>
-          </a:fillRef>
-          <a:effectRef idx="1">
-            <a:schemeClr val="dk1"/>
-          </a:effectRef>
-          <a:fontRef idx="minor">
-            <a:schemeClr val="tx1"/>
-          </a:fontRef>
-        </p:style>
-      </p:cxnSp>
-      <p:cxnSp>
-        <p:nvCxnSpPr>
-          <p:cNvPr id="1141" name="Conector recto de flecha 1140">
-            <a:extLst>
-              <a:ext uri="{FF2B5EF4-FFF2-40B4-BE49-F238E27FC236}">
-                <a16:creationId xmlns:a16="http://schemas.microsoft.com/office/drawing/2014/main" id="{C0496A59-39D8-255F-7EFF-E68F0E33B569}"/>
-              </a:ext>
-            </a:extLst>
-          </p:cNvPr>
-          <p:cNvCxnSpPr>
-            <a:cxnSpLocks/>
-          </p:cNvCxnSpPr>
-          <p:nvPr/>
-        </p:nvCxnSpPr>
-        <p:spPr>
-          <a:xfrm flipH="1">
-            <a:off x="3405959" y="5379830"/>
-            <a:ext cx="1051560" cy="0"/>
-          </a:xfrm>
-          <a:prstGeom prst="straightConnector1">
-            <a:avLst/>
-          </a:prstGeom>
-          <a:ln>
-            <a:headEnd type="arrow"/>
-          </a:ln>
-        </p:spPr>
-        <p:style>
-          <a:lnRef idx="2">
-            <a:schemeClr val="dk1"/>
-          </a:lnRef>
-          <a:fillRef idx="0">
-            <a:schemeClr val="dk1"/>
-          </a:fillRef>
-          <a:effectRef idx="1">
-            <a:schemeClr val="dk1"/>
-          </a:effectRef>
-          <a:fontRef idx="minor">
-            <a:schemeClr val="tx1"/>
-          </a:fontRef>
-        </p:style>
-      </p:cxnSp>
-      <p:sp>
-        <p:nvSpPr>
-          <p:cNvPr id="1146" name="Rectángulo: esquinas redondeadas 1145">
-            <a:extLst>
-              <a:ext uri="{FF2B5EF4-FFF2-40B4-BE49-F238E27FC236}">
-                <a16:creationId xmlns:a16="http://schemas.microsoft.com/office/drawing/2014/main" id="{0363D619-43AC-7002-950D-2A7683B098B6}"/>
-              </a:ext>
-            </a:extLst>
-          </p:cNvPr>
-          <p:cNvSpPr/>
-          <p:nvPr/>
-        </p:nvSpPr>
-        <p:spPr>
-          <a:xfrm>
-            <a:off x="3159930" y="4419278"/>
-            <a:ext cx="1637889" cy="1087864"/>
-          </a:xfrm>
-          <a:prstGeom prst="roundRect">
-            <a:avLst/>
-          </a:prstGeom>
-          <a:noFill/>
-          <a:ln>
-            <a:solidFill>
-              <a:schemeClr val="accent1"/>
-            </a:solidFill>
-          </a:ln>
-        </p:spPr>
-        <p:style>
-          <a:lnRef idx="0">
-            <a:schemeClr val="accent1"/>
-          </a:lnRef>
-          <a:fillRef idx="3">
-            <a:schemeClr val="accent1"/>
-          </a:fillRef>
-          <a:effectRef idx="3">
-            <a:schemeClr val="accent1"/>
-          </a:effectRef>
-          <a:fontRef idx="minor">
-            <a:schemeClr val="lt1"/>
-          </a:fontRef>
-        </p:style>
-        <p:txBody>
-          <a:bodyPr rtlCol="0" anchor="ctr"/>
-          <a:lstStyle/>
-          <a:p>
-            <a:pPr algn="ctr"/>
-            <a:endParaRPr lang="es-ES" sz="1600" dirty="0">
-              <a:solidFill>
-                <a:schemeClr val="tx2"/>
-              </a:solidFill>
-            </a:endParaRPr>
-          </a:p>
-        </p:txBody>
-      </p:sp>
-      <p:sp>
-        <p:nvSpPr>
-          <p:cNvPr id="1147" name="CuadroTexto 1146">
-            <a:extLst>
-              <a:ext uri="{FF2B5EF4-FFF2-40B4-BE49-F238E27FC236}">
-                <a16:creationId xmlns:a16="http://schemas.microsoft.com/office/drawing/2014/main" id="{3B241663-D8EE-3ED2-CF2B-9D738D2989B3}"/>
-              </a:ext>
-            </a:extLst>
-          </p:cNvPr>
-          <p:cNvSpPr txBox="1"/>
-          <p:nvPr/>
-        </p:nvSpPr>
-        <p:spPr>
-          <a:xfrm>
-            <a:off x="3120600" y="4448012"/>
-            <a:ext cx="1724237" cy="261610"/>
-          </a:xfrm>
-          <a:prstGeom prst="rect">
-            <a:avLst/>
-          </a:prstGeom>
-          <a:noFill/>
-          <a:effectLst>
-            <a:outerShdw blurRad="50800" dist="38100" dir="2700000" algn="tl" rotWithShape="0">
-              <a:prstClr val="black">
-                <a:alpha val="40000"/>
-              </a:prstClr>
-            </a:outerShdw>
-          </a:effectLst>
-        </p:spPr>
-        <p:txBody>
-          <a:bodyPr wrap="square" rtlCol="0">
-            <a:spAutoFit/>
-          </a:bodyPr>
-          <a:lstStyle/>
-          <a:p>
-            <a:pPr algn="ctr"/>
-            <a:r>
-              <a:rPr lang="es-ES" sz="1100" dirty="0">
-                <a:solidFill>
-                  <a:schemeClr val="tx2"/>
-                </a:solidFill>
-              </a:rPr>
-              <a:t>Detección de Anomalías</a:t>
-            </a:r>
-            <a:endParaRPr lang="es-ES" sz="1200" dirty="0"/>
-          </a:p>
-        </p:txBody>
-      </p:sp>
-      <p:sp>
-        <p:nvSpPr>
-          <p:cNvPr id="1151" name="Elipse 1150">
-            <a:extLst>
-              <a:ext uri="{FF2B5EF4-FFF2-40B4-BE49-F238E27FC236}">
-                <a16:creationId xmlns:a16="http://schemas.microsoft.com/office/drawing/2014/main" id="{6634C7E7-F601-A7CE-C07B-8802008ED388}"/>
-              </a:ext>
-            </a:extLst>
-          </p:cNvPr>
-          <p:cNvSpPr/>
-          <p:nvPr/>
-        </p:nvSpPr>
-        <p:spPr>
-          <a:xfrm>
-            <a:off x="3503158" y="5129059"/>
-            <a:ext cx="81908" cy="81908"/>
-          </a:xfrm>
-          <a:prstGeom prst="ellipse">
-            <a:avLst/>
-          </a:prstGeom>
-          <a:solidFill>
-            <a:srgbClr val="002060"/>
-          </a:solidFill>
-          <a:ln>
-            <a:noFill/>
-          </a:ln>
-        </p:spPr>
-        <p:style>
-          <a:lnRef idx="2">
-            <a:schemeClr val="accent1">
-              <a:shade val="15000"/>
-            </a:schemeClr>
-          </a:lnRef>
-          <a:fillRef idx="1">
-            <a:schemeClr val="accent1"/>
-          </a:fillRef>
-          <a:effectRef idx="0">
-            <a:schemeClr val="accent1"/>
-          </a:effectRef>
-          <a:fontRef idx="minor">
-            <a:schemeClr val="lt1"/>
-          </a:fontRef>
-        </p:style>
-        <p:txBody>
-          <a:bodyPr rtlCol="0" anchor="ctr"/>
-          <a:lstStyle/>
-          <a:p>
-            <a:pPr algn="ctr"/>
-            <a:endParaRPr lang="es-ES"/>
-          </a:p>
-        </p:txBody>
-      </p:sp>
-      <p:sp>
-        <p:nvSpPr>
-          <p:cNvPr id="1152" name="Elipse 1151">
-            <a:extLst>
-              <a:ext uri="{FF2B5EF4-FFF2-40B4-BE49-F238E27FC236}">
-                <a16:creationId xmlns:a16="http://schemas.microsoft.com/office/drawing/2014/main" id="{6CC8593A-E82A-85C8-EDF4-2D84183E413F}"/>
-              </a:ext>
-            </a:extLst>
-          </p:cNvPr>
-          <p:cNvSpPr/>
-          <p:nvPr/>
-        </p:nvSpPr>
-        <p:spPr>
-          <a:xfrm>
-            <a:off x="3741721" y="5193638"/>
-            <a:ext cx="81908" cy="81908"/>
-          </a:xfrm>
-          <a:prstGeom prst="ellipse">
-            <a:avLst/>
-          </a:prstGeom>
-          <a:solidFill>
-            <a:srgbClr val="002060"/>
-          </a:solidFill>
-          <a:ln>
-            <a:noFill/>
-          </a:ln>
-        </p:spPr>
-        <p:style>
-          <a:lnRef idx="2">
-            <a:schemeClr val="accent1">
-              <a:shade val="15000"/>
-            </a:schemeClr>
-          </a:lnRef>
-          <a:fillRef idx="1">
-            <a:schemeClr val="accent1"/>
-          </a:fillRef>
-          <a:effectRef idx="0">
-            <a:schemeClr val="accent1"/>
-          </a:effectRef>
-          <a:fontRef idx="minor">
-            <a:schemeClr val="lt1"/>
-          </a:fontRef>
-        </p:style>
-        <p:txBody>
-          <a:bodyPr rtlCol="0" anchor="ctr"/>
-          <a:lstStyle/>
-          <a:p>
-            <a:pPr algn="ctr"/>
-            <a:endParaRPr lang="es-ES"/>
-          </a:p>
-        </p:txBody>
-      </p:sp>
-      <p:sp>
-        <p:nvSpPr>
-          <p:cNvPr id="1153" name="Elipse 1152">
-            <a:extLst>
-              <a:ext uri="{FF2B5EF4-FFF2-40B4-BE49-F238E27FC236}">
-                <a16:creationId xmlns:a16="http://schemas.microsoft.com/office/drawing/2014/main" id="{77927314-9631-336C-A876-D9A1FA5F2E9F}"/>
-              </a:ext>
-            </a:extLst>
-          </p:cNvPr>
-          <p:cNvSpPr/>
-          <p:nvPr/>
-        </p:nvSpPr>
-        <p:spPr>
-          <a:xfrm>
-            <a:off x="3567020" y="4925618"/>
-            <a:ext cx="81908" cy="81908"/>
-          </a:xfrm>
-          <a:prstGeom prst="ellipse">
-            <a:avLst/>
-          </a:prstGeom>
-          <a:solidFill>
-            <a:srgbClr val="002060"/>
-          </a:solidFill>
-          <a:ln>
-            <a:noFill/>
-          </a:ln>
-        </p:spPr>
-        <p:style>
-          <a:lnRef idx="2">
-            <a:schemeClr val="accent1">
-              <a:shade val="15000"/>
-            </a:schemeClr>
-          </a:lnRef>
-          <a:fillRef idx="1">
-            <a:schemeClr val="accent1"/>
-          </a:fillRef>
-          <a:effectRef idx="0">
-            <a:schemeClr val="accent1"/>
-          </a:effectRef>
-          <a:fontRef idx="minor">
-            <a:schemeClr val="lt1"/>
-          </a:fontRef>
-        </p:style>
-        <p:txBody>
-          <a:bodyPr rtlCol="0" anchor="ctr"/>
-          <a:lstStyle/>
-          <a:p>
-            <a:pPr algn="ctr"/>
-            <a:endParaRPr lang="es-ES"/>
-          </a:p>
-        </p:txBody>
-      </p:sp>
-      <p:sp>
-        <p:nvSpPr>
-          <p:cNvPr id="1156" name="Elipse 1155">
-            <a:extLst>
-              <a:ext uri="{FF2B5EF4-FFF2-40B4-BE49-F238E27FC236}">
-                <a16:creationId xmlns:a16="http://schemas.microsoft.com/office/drawing/2014/main" id="{7B7716F9-2A20-9C36-D8C3-F3C9C6D5EFF5}"/>
-              </a:ext>
-            </a:extLst>
-          </p:cNvPr>
-          <p:cNvSpPr/>
-          <p:nvPr/>
-        </p:nvSpPr>
-        <p:spPr>
-          <a:xfrm>
-            <a:off x="3588417" y="5047151"/>
-            <a:ext cx="81908" cy="81908"/>
-          </a:xfrm>
-          <a:prstGeom prst="ellipse">
-            <a:avLst/>
-          </a:prstGeom>
-          <a:solidFill>
-            <a:srgbClr val="002060"/>
-          </a:solidFill>
-          <a:ln>
-            <a:noFill/>
-          </a:ln>
-        </p:spPr>
-        <p:style>
-          <a:lnRef idx="2">
-            <a:schemeClr val="accent1">
-              <a:shade val="15000"/>
-            </a:schemeClr>
-          </a:lnRef>
-          <a:fillRef idx="1">
-            <a:schemeClr val="accent1"/>
-          </a:fillRef>
-          <a:effectRef idx="0">
-            <a:schemeClr val="accent1"/>
-          </a:effectRef>
-          <a:fontRef idx="minor">
-            <a:schemeClr val="lt1"/>
-          </a:fontRef>
-        </p:style>
-        <p:txBody>
-          <a:bodyPr rtlCol="0" anchor="ctr"/>
-          <a:lstStyle/>
-          <a:p>
-            <a:pPr algn="ctr"/>
-            <a:endParaRPr lang="es-ES"/>
-          </a:p>
-        </p:txBody>
-      </p:sp>
-      <p:sp>
-        <p:nvSpPr>
-          <p:cNvPr id="1157" name="Elipse 1156">
-            <a:extLst>
-              <a:ext uri="{FF2B5EF4-FFF2-40B4-BE49-F238E27FC236}">
-                <a16:creationId xmlns:a16="http://schemas.microsoft.com/office/drawing/2014/main" id="{B5B802EE-8B07-F545-A540-E357488B99AC}"/>
-              </a:ext>
-            </a:extLst>
-          </p:cNvPr>
-          <p:cNvSpPr/>
-          <p:nvPr/>
-        </p:nvSpPr>
-        <p:spPr>
-          <a:xfrm>
-            <a:off x="3617904" y="5177431"/>
-            <a:ext cx="81908" cy="81908"/>
-          </a:xfrm>
-          <a:prstGeom prst="ellipse">
-            <a:avLst/>
-          </a:prstGeom>
-          <a:solidFill>
-            <a:srgbClr val="002060"/>
-          </a:solidFill>
-          <a:ln>
-            <a:noFill/>
-          </a:ln>
-        </p:spPr>
-        <p:style>
-          <a:lnRef idx="2">
-            <a:schemeClr val="accent1">
-              <a:shade val="15000"/>
-            </a:schemeClr>
-          </a:lnRef>
-          <a:fillRef idx="1">
-            <a:schemeClr val="accent1"/>
-          </a:fillRef>
-          <a:effectRef idx="0">
-            <a:schemeClr val="accent1"/>
-          </a:effectRef>
-          <a:fontRef idx="minor">
-            <a:schemeClr val="lt1"/>
-          </a:fontRef>
-        </p:style>
-        <p:txBody>
-          <a:bodyPr rtlCol="0" anchor="ctr"/>
-          <a:lstStyle/>
-          <a:p>
-            <a:pPr algn="ctr"/>
-            <a:endParaRPr lang="es-ES"/>
-          </a:p>
-        </p:txBody>
-      </p:sp>
-      <p:sp>
-        <p:nvSpPr>
-          <p:cNvPr id="1160" name="Elipse 1159">
-            <a:extLst>
-              <a:ext uri="{FF2B5EF4-FFF2-40B4-BE49-F238E27FC236}">
-                <a16:creationId xmlns:a16="http://schemas.microsoft.com/office/drawing/2014/main" id="{7DA1757A-61ED-F44F-9BE7-F2EA7846EBB2}"/>
-              </a:ext>
-            </a:extLst>
-          </p:cNvPr>
-          <p:cNvSpPr/>
-          <p:nvPr/>
-        </p:nvSpPr>
-        <p:spPr>
-          <a:xfrm>
-            <a:off x="3711709" y="5089056"/>
-            <a:ext cx="81908" cy="81908"/>
-          </a:xfrm>
-          <a:prstGeom prst="ellipse">
-            <a:avLst/>
-          </a:prstGeom>
-          <a:solidFill>
-            <a:srgbClr val="002060"/>
-          </a:solidFill>
-          <a:ln>
-            <a:noFill/>
-          </a:ln>
-        </p:spPr>
-        <p:style>
-          <a:lnRef idx="2">
-            <a:schemeClr val="accent1">
-              <a:shade val="15000"/>
-            </a:schemeClr>
-          </a:lnRef>
-          <a:fillRef idx="1">
-            <a:schemeClr val="accent1"/>
-          </a:fillRef>
-          <a:effectRef idx="0">
-            <a:schemeClr val="accent1"/>
-          </a:effectRef>
-          <a:fontRef idx="minor">
-            <a:schemeClr val="lt1"/>
-          </a:fontRef>
-        </p:style>
-        <p:txBody>
-          <a:bodyPr rtlCol="0" anchor="ctr"/>
-          <a:lstStyle/>
-          <a:p>
-            <a:pPr algn="ctr"/>
-            <a:endParaRPr lang="es-ES"/>
-          </a:p>
-        </p:txBody>
-      </p:sp>
-      <p:sp>
-        <p:nvSpPr>
-          <p:cNvPr id="1162" name="Elipse 1161">
-            <a:extLst>
-              <a:ext uri="{FF2B5EF4-FFF2-40B4-BE49-F238E27FC236}">
-                <a16:creationId xmlns:a16="http://schemas.microsoft.com/office/drawing/2014/main" id="{23FF7498-4A80-282E-6ACF-394F9B814DEF}"/>
-              </a:ext>
-            </a:extLst>
-          </p:cNvPr>
-          <p:cNvSpPr/>
-          <p:nvPr/>
-        </p:nvSpPr>
-        <p:spPr>
-          <a:xfrm>
-            <a:off x="3830657" y="5111730"/>
-            <a:ext cx="81908" cy="81908"/>
-          </a:xfrm>
-          <a:prstGeom prst="ellipse">
-            <a:avLst/>
-          </a:prstGeom>
-          <a:solidFill>
-            <a:srgbClr val="002060"/>
-          </a:solidFill>
-          <a:ln>
-            <a:noFill/>
-          </a:ln>
-        </p:spPr>
-        <p:style>
-          <a:lnRef idx="2">
-            <a:schemeClr val="accent1">
-              <a:shade val="15000"/>
-            </a:schemeClr>
-          </a:lnRef>
-          <a:fillRef idx="1">
-            <a:schemeClr val="accent1"/>
-          </a:fillRef>
-          <a:effectRef idx="0">
-            <a:schemeClr val="accent1"/>
-          </a:effectRef>
-          <a:fontRef idx="minor">
-            <a:schemeClr val="lt1"/>
-          </a:fontRef>
-        </p:style>
-        <p:txBody>
-          <a:bodyPr rtlCol="0" anchor="ctr"/>
-          <a:lstStyle/>
-          <a:p>
-            <a:pPr algn="ctr"/>
-            <a:endParaRPr lang="es-ES"/>
-          </a:p>
-        </p:txBody>
-      </p:sp>
-      <p:sp>
-        <p:nvSpPr>
-          <p:cNvPr id="1167" name="Elipse 1166">
-            <a:extLst>
-              <a:ext uri="{FF2B5EF4-FFF2-40B4-BE49-F238E27FC236}">
-                <a16:creationId xmlns:a16="http://schemas.microsoft.com/office/drawing/2014/main" id="{B2573811-BC3E-DD19-A6BE-B18DBD8EDB76}"/>
-              </a:ext>
-            </a:extLst>
-          </p:cNvPr>
-          <p:cNvSpPr/>
-          <p:nvPr/>
-        </p:nvSpPr>
-        <p:spPr>
-          <a:xfrm>
-            <a:off x="4236832" y="4784235"/>
-            <a:ext cx="81908" cy="81908"/>
-          </a:xfrm>
-          <a:prstGeom prst="ellipse">
-            <a:avLst/>
-          </a:prstGeom>
-          <a:solidFill>
-            <a:srgbClr val="C00000"/>
-          </a:solidFill>
-          <a:ln>
-            <a:noFill/>
-          </a:ln>
-        </p:spPr>
-        <p:style>
-          <a:lnRef idx="2">
-            <a:schemeClr val="accent1">
-              <a:shade val="15000"/>
-            </a:schemeClr>
-          </a:lnRef>
-          <a:fillRef idx="1">
-            <a:schemeClr val="accent1"/>
-          </a:fillRef>
-          <a:effectRef idx="0">
-            <a:schemeClr val="accent1"/>
-          </a:effectRef>
-          <a:fontRef idx="minor">
-            <a:schemeClr val="lt1"/>
-          </a:fontRef>
-        </p:style>
-        <p:txBody>
-          <a:bodyPr rtlCol="0" anchor="ctr"/>
-          <a:lstStyle/>
-          <a:p>
-            <a:pPr algn="ctr"/>
-            <a:endParaRPr lang="es-ES"/>
-          </a:p>
-        </p:txBody>
-      </p:sp>
-      <p:grpSp>
-        <p:nvGrpSpPr>
-          <p:cNvPr id="1197" name="Grupo 1196">
-            <a:extLst>
-              <a:ext uri="{FF2B5EF4-FFF2-40B4-BE49-F238E27FC236}">
-                <a16:creationId xmlns:a16="http://schemas.microsoft.com/office/drawing/2014/main" id="{4510FC5C-BBE3-DB17-10C6-9459C2B96183}"/>
-              </a:ext>
-            </a:extLst>
-          </p:cNvPr>
-          <p:cNvGrpSpPr/>
-          <p:nvPr/>
-        </p:nvGrpSpPr>
-        <p:grpSpPr>
-          <a:xfrm>
-            <a:off x="1517453" y="4391170"/>
-            <a:ext cx="840495" cy="1121174"/>
-            <a:chOff x="1134058" y="5620643"/>
-            <a:chExt cx="840495" cy="1121174"/>
-          </a:xfrm>
-        </p:grpSpPr>
-        <p:grpSp>
-          <p:nvGrpSpPr>
-            <p:cNvPr id="1194" name="Grupo 1193">
-              <a:extLst>
-                <a:ext uri="{FF2B5EF4-FFF2-40B4-BE49-F238E27FC236}">
-                  <a16:creationId xmlns:a16="http://schemas.microsoft.com/office/drawing/2014/main" id="{F286A00C-26D6-9B23-1D2B-2A1C77C6E1D9}"/>
-                </a:ext>
-              </a:extLst>
-            </p:cNvPr>
-            <p:cNvGrpSpPr/>
-            <p:nvPr/>
-          </p:nvGrpSpPr>
-          <p:grpSpPr>
-            <a:xfrm>
-              <a:off x="1290753" y="5855013"/>
-              <a:ext cx="535666" cy="776768"/>
-              <a:chOff x="1290753" y="5855013"/>
-              <a:chExt cx="535666" cy="776768"/>
-            </a:xfrm>
-          </p:grpSpPr>
-          <p:sp>
-            <p:nvSpPr>
-              <p:cNvPr id="1173" name="Rectángulo: esquinas redondeadas 1172">
-                <a:extLst>
-                  <a:ext uri="{FF2B5EF4-FFF2-40B4-BE49-F238E27FC236}">
-                    <a16:creationId xmlns:a16="http://schemas.microsoft.com/office/drawing/2014/main" id="{6D5C9320-F767-8A79-4C33-3C5C9BE3518F}"/>
-                  </a:ext>
-                </a:extLst>
-              </p:cNvPr>
-              <p:cNvSpPr/>
-              <p:nvPr/>
-            </p:nvSpPr>
-            <p:spPr>
-              <a:xfrm>
-                <a:off x="1585112" y="6223519"/>
-                <a:ext cx="203739" cy="28388"/>
-              </a:xfrm>
-              <a:prstGeom prst="roundRect">
-                <a:avLst/>
-              </a:prstGeom>
-              <a:solidFill>
-                <a:schemeClr val="tx1"/>
-              </a:solidFill>
-              <a:ln>
-                <a:noFill/>
-              </a:ln>
-            </p:spPr>
-            <p:style>
-              <a:lnRef idx="2">
-                <a:schemeClr val="accent1">
-                  <a:shade val="15000"/>
-                </a:schemeClr>
-              </a:lnRef>
-              <a:fillRef idx="1">
-                <a:schemeClr val="accent1"/>
-              </a:fillRef>
-              <a:effectRef idx="0">
-                <a:schemeClr val="accent1"/>
-              </a:effectRef>
-              <a:fontRef idx="minor">
-                <a:schemeClr val="lt1"/>
-              </a:fontRef>
-            </p:style>
-            <p:txBody>
-              <a:bodyPr rtlCol="0" anchor="ctr"/>
-              <a:lstStyle/>
-              <a:p>
-                <a:pPr algn="ctr"/>
-                <a:endParaRPr lang="es-ES"/>
-              </a:p>
-            </p:txBody>
-          </p:sp>
-          <p:sp>
-            <p:nvSpPr>
-              <p:cNvPr id="1174" name="Rectángulo: esquinas redondeadas 1173">
-                <a:extLst>
-                  <a:ext uri="{FF2B5EF4-FFF2-40B4-BE49-F238E27FC236}">
-                    <a16:creationId xmlns:a16="http://schemas.microsoft.com/office/drawing/2014/main" id="{7E7B06F4-6129-9FA8-7C4F-C350607F820B}"/>
-                  </a:ext>
-                </a:extLst>
-              </p:cNvPr>
-              <p:cNvSpPr/>
-              <p:nvPr/>
-            </p:nvSpPr>
-            <p:spPr>
-              <a:xfrm>
-                <a:off x="1585112" y="6261619"/>
-                <a:ext cx="203739" cy="28388"/>
-              </a:xfrm>
-              <a:prstGeom prst="roundRect">
-                <a:avLst/>
-              </a:prstGeom>
-              <a:solidFill>
-                <a:schemeClr val="tx1"/>
-              </a:solidFill>
-              <a:ln>
-                <a:noFill/>
-              </a:ln>
-            </p:spPr>
-            <p:style>
-              <a:lnRef idx="2">
-                <a:schemeClr val="accent1">
-                  <a:shade val="15000"/>
-                </a:schemeClr>
-              </a:lnRef>
-              <a:fillRef idx="1">
-                <a:schemeClr val="accent1"/>
-              </a:fillRef>
-              <a:effectRef idx="0">
-                <a:schemeClr val="accent1"/>
-              </a:effectRef>
-              <a:fontRef idx="minor">
-                <a:schemeClr val="lt1"/>
-              </a:fontRef>
-            </p:style>
-            <p:txBody>
-              <a:bodyPr rtlCol="0" anchor="ctr"/>
-              <a:lstStyle/>
-              <a:p>
-                <a:pPr algn="ctr"/>
-                <a:endParaRPr lang="es-ES"/>
-              </a:p>
-            </p:txBody>
-          </p:sp>
-          <p:sp>
-            <p:nvSpPr>
-              <p:cNvPr id="1175" name="Rectángulo: esquinas redondeadas 1174">
-                <a:extLst>
-                  <a:ext uri="{FF2B5EF4-FFF2-40B4-BE49-F238E27FC236}">
-                    <a16:creationId xmlns:a16="http://schemas.microsoft.com/office/drawing/2014/main" id="{7FE99D6E-1FF6-5390-197A-072FCF4EA074}"/>
-                  </a:ext>
-                </a:extLst>
-              </p:cNvPr>
-              <p:cNvSpPr/>
-              <p:nvPr/>
-            </p:nvSpPr>
-            <p:spPr>
-              <a:xfrm>
-                <a:off x="1585112" y="6299719"/>
-                <a:ext cx="203739" cy="28388"/>
-              </a:xfrm>
-              <a:prstGeom prst="roundRect">
-                <a:avLst/>
-              </a:prstGeom>
-              <a:solidFill>
-                <a:schemeClr val="tx1"/>
-              </a:solidFill>
-              <a:ln>
-                <a:noFill/>
-              </a:ln>
-            </p:spPr>
-            <p:style>
-              <a:lnRef idx="2">
-                <a:schemeClr val="accent1">
-                  <a:shade val="15000"/>
-                </a:schemeClr>
-              </a:lnRef>
-              <a:fillRef idx="1">
-                <a:schemeClr val="accent1"/>
-              </a:fillRef>
-              <a:effectRef idx="0">
-                <a:schemeClr val="accent1"/>
-              </a:effectRef>
-              <a:fontRef idx="minor">
-                <a:schemeClr val="lt1"/>
-              </a:fontRef>
-            </p:style>
-            <p:txBody>
-              <a:bodyPr rtlCol="0" anchor="ctr"/>
-              <a:lstStyle/>
-              <a:p>
-                <a:pPr algn="ctr"/>
-                <a:endParaRPr lang="es-ES"/>
-              </a:p>
-            </p:txBody>
-          </p:sp>
-          <p:sp>
-            <p:nvSpPr>
-              <p:cNvPr id="1176" name="Rectángulo: esquinas redondeadas 1175">
-                <a:extLst>
-                  <a:ext uri="{FF2B5EF4-FFF2-40B4-BE49-F238E27FC236}">
-                    <a16:creationId xmlns:a16="http://schemas.microsoft.com/office/drawing/2014/main" id="{DC804FAC-848B-3277-C683-4C06982367DE}"/>
-                  </a:ext>
-                </a:extLst>
-              </p:cNvPr>
-              <p:cNvSpPr/>
-              <p:nvPr/>
-            </p:nvSpPr>
-            <p:spPr>
-              <a:xfrm>
-                <a:off x="1329839" y="6452119"/>
-                <a:ext cx="246524" cy="28388"/>
-              </a:xfrm>
-              <a:prstGeom prst="roundRect">
-                <a:avLst/>
-              </a:prstGeom>
-              <a:solidFill>
-                <a:schemeClr val="tx1"/>
-              </a:solidFill>
-              <a:ln>
-                <a:noFill/>
-              </a:ln>
-            </p:spPr>
-            <p:style>
-              <a:lnRef idx="2">
-                <a:schemeClr val="accent1">
-                  <a:shade val="15000"/>
-                </a:schemeClr>
-              </a:lnRef>
-              <a:fillRef idx="1">
-                <a:schemeClr val="accent1"/>
-              </a:fillRef>
-              <a:effectRef idx="0">
-                <a:schemeClr val="accent1"/>
-              </a:effectRef>
-              <a:fontRef idx="minor">
-                <a:schemeClr val="lt1"/>
-              </a:fontRef>
-            </p:style>
-            <p:txBody>
-              <a:bodyPr rtlCol="0" anchor="ctr"/>
-              <a:lstStyle/>
-              <a:p>
-                <a:pPr algn="ctr"/>
-                <a:endParaRPr lang="es-ES"/>
-              </a:p>
-            </p:txBody>
-          </p:sp>
-          <p:sp>
-            <p:nvSpPr>
-              <p:cNvPr id="1177" name="Rectángulo: esquinas redondeadas 1176">
-                <a:extLst>
-                  <a:ext uri="{FF2B5EF4-FFF2-40B4-BE49-F238E27FC236}">
-                    <a16:creationId xmlns:a16="http://schemas.microsoft.com/office/drawing/2014/main" id="{870497B9-69CF-C3F4-0A98-CF0C661F3AAE}"/>
-                  </a:ext>
-                </a:extLst>
-              </p:cNvPr>
-              <p:cNvSpPr/>
-              <p:nvPr/>
-            </p:nvSpPr>
-            <p:spPr>
-              <a:xfrm>
-                <a:off x="1329839" y="6490219"/>
-                <a:ext cx="246524" cy="28388"/>
-              </a:xfrm>
-              <a:prstGeom prst="roundRect">
-                <a:avLst/>
-              </a:prstGeom>
-              <a:solidFill>
-                <a:schemeClr val="tx1"/>
-              </a:solidFill>
-              <a:ln>
-                <a:noFill/>
-              </a:ln>
-            </p:spPr>
-            <p:style>
-              <a:lnRef idx="2">
-                <a:schemeClr val="accent1">
-                  <a:shade val="15000"/>
-                </a:schemeClr>
-              </a:lnRef>
-              <a:fillRef idx="1">
-                <a:schemeClr val="accent1"/>
-              </a:fillRef>
-              <a:effectRef idx="0">
-                <a:schemeClr val="accent1"/>
-              </a:effectRef>
-              <a:fontRef idx="minor">
-                <a:schemeClr val="lt1"/>
-              </a:fontRef>
-            </p:style>
-            <p:txBody>
-              <a:bodyPr rtlCol="0" anchor="ctr"/>
-              <a:lstStyle/>
-              <a:p>
-                <a:pPr algn="ctr"/>
-                <a:endParaRPr lang="es-ES"/>
-              </a:p>
-            </p:txBody>
-          </p:sp>
-          <p:sp>
-            <p:nvSpPr>
-              <p:cNvPr id="1178" name="Rectángulo: esquinas redondeadas 1177">
-                <a:extLst>
-                  <a:ext uri="{FF2B5EF4-FFF2-40B4-BE49-F238E27FC236}">
-                    <a16:creationId xmlns:a16="http://schemas.microsoft.com/office/drawing/2014/main" id="{0D69C648-A0E9-0C20-FE73-EA69E6F1EF7D}"/>
-                  </a:ext>
-                </a:extLst>
-              </p:cNvPr>
-              <p:cNvSpPr/>
-              <p:nvPr/>
-            </p:nvSpPr>
-            <p:spPr>
-              <a:xfrm>
-                <a:off x="1329839" y="6528319"/>
-                <a:ext cx="246524" cy="28388"/>
-              </a:xfrm>
-              <a:prstGeom prst="roundRect">
-                <a:avLst/>
-              </a:prstGeom>
-              <a:solidFill>
-                <a:schemeClr val="tx1"/>
-              </a:solidFill>
-              <a:ln>
-                <a:noFill/>
-              </a:ln>
-            </p:spPr>
-            <p:style>
-              <a:lnRef idx="2">
-                <a:schemeClr val="accent1">
-                  <a:shade val="15000"/>
-                </a:schemeClr>
-              </a:lnRef>
-              <a:fillRef idx="1">
-                <a:schemeClr val="accent1"/>
-              </a:fillRef>
-              <a:effectRef idx="0">
-                <a:schemeClr val="accent1"/>
-              </a:effectRef>
-              <a:fontRef idx="minor">
-                <a:schemeClr val="lt1"/>
-              </a:fontRef>
-            </p:style>
-            <p:txBody>
-              <a:bodyPr rtlCol="0" anchor="ctr"/>
-              <a:lstStyle/>
-              <a:p>
-                <a:pPr algn="ctr"/>
-                <a:endParaRPr lang="es-ES"/>
-              </a:p>
-            </p:txBody>
-          </p:sp>
-          <p:sp>
-            <p:nvSpPr>
-              <p:cNvPr id="1179" name="Elipse 1178">
-                <a:extLst>
-                  <a:ext uri="{FF2B5EF4-FFF2-40B4-BE49-F238E27FC236}">
-                    <a16:creationId xmlns:a16="http://schemas.microsoft.com/office/drawing/2014/main" id="{95A33951-C534-10EE-314B-2C3FB9B601D9}"/>
-                  </a:ext>
-                </a:extLst>
-              </p:cNvPr>
-              <p:cNvSpPr/>
-              <p:nvPr/>
-            </p:nvSpPr>
-            <p:spPr>
-              <a:xfrm>
-                <a:off x="1373734" y="6197885"/>
-                <a:ext cx="164269" cy="164269"/>
-              </a:xfrm>
-              <a:prstGeom prst="ellipse">
-                <a:avLst/>
-              </a:prstGeom>
-              <a:solidFill>
-                <a:schemeClr val="accent2"/>
-              </a:solidFill>
-              <a:ln>
-                <a:noFill/>
-              </a:ln>
-            </p:spPr>
-            <p:style>
-              <a:lnRef idx="2">
-                <a:schemeClr val="accent1">
-                  <a:shade val="15000"/>
-                </a:schemeClr>
-              </a:lnRef>
-              <a:fillRef idx="1">
-                <a:schemeClr val="accent1"/>
-              </a:fillRef>
-              <a:effectRef idx="0">
-                <a:schemeClr val="accent1"/>
-              </a:effectRef>
-              <a:fontRef idx="minor">
-                <a:schemeClr val="lt1"/>
-              </a:fontRef>
-            </p:style>
-            <p:txBody>
-              <a:bodyPr rtlCol="0" anchor="ctr"/>
-              <a:lstStyle/>
-              <a:p>
-                <a:pPr algn="ctr"/>
-                <a:endParaRPr lang="es-ES"/>
-              </a:p>
-            </p:txBody>
-          </p:sp>
-          <p:sp>
-            <p:nvSpPr>
-              <p:cNvPr id="1180" name="Círculo parcial 1179">
-                <a:extLst>
-                  <a:ext uri="{FF2B5EF4-FFF2-40B4-BE49-F238E27FC236}">
-                    <a16:creationId xmlns:a16="http://schemas.microsoft.com/office/drawing/2014/main" id="{99AB11FE-8966-D318-E1E7-B7C5374694DC}"/>
-                  </a:ext>
-                </a:extLst>
-              </p:cNvPr>
-              <p:cNvSpPr/>
-              <p:nvPr/>
-            </p:nvSpPr>
-            <p:spPr>
-              <a:xfrm>
-                <a:off x="1329839" y="6178678"/>
-                <a:ext cx="228199" cy="228199"/>
-              </a:xfrm>
-              <a:prstGeom prst="pie">
-                <a:avLst/>
-              </a:prstGeom>
-              <a:solidFill>
-                <a:srgbClr val="FFC000"/>
-              </a:solidFill>
-              <a:ln>
-                <a:noFill/>
-              </a:ln>
-            </p:spPr>
-            <p:style>
-              <a:lnRef idx="2">
-                <a:schemeClr val="accent1">
-                  <a:shade val="15000"/>
-                </a:schemeClr>
-              </a:lnRef>
-              <a:fillRef idx="1">
-                <a:schemeClr val="accent1"/>
-              </a:fillRef>
-              <a:effectRef idx="0">
-                <a:schemeClr val="accent1"/>
-              </a:effectRef>
-              <a:fontRef idx="minor">
-                <a:schemeClr val="lt1"/>
-              </a:fontRef>
-            </p:style>
-            <p:txBody>
-              <a:bodyPr rtlCol="0" anchor="ctr"/>
-              <a:lstStyle/>
-              <a:p>
-                <a:pPr algn="ctr"/>
-                <a:endParaRPr lang="es-ES">
-                  <a:solidFill>
-                    <a:schemeClr val="tx1"/>
-                  </a:solidFill>
-                </a:endParaRPr>
-              </a:p>
-            </p:txBody>
-          </p:sp>
-          <p:sp>
-            <p:nvSpPr>
-              <p:cNvPr id="1181" name="Rectángulo: esquinas redondeadas 1180">
-                <a:extLst>
-                  <a:ext uri="{FF2B5EF4-FFF2-40B4-BE49-F238E27FC236}">
-                    <a16:creationId xmlns:a16="http://schemas.microsoft.com/office/drawing/2014/main" id="{E6387666-068E-0C18-1434-2299FB8ABFDC}"/>
-                  </a:ext>
-                </a:extLst>
-              </p:cNvPr>
-              <p:cNvSpPr/>
-              <p:nvPr/>
-            </p:nvSpPr>
-            <p:spPr>
-              <a:xfrm>
-                <a:off x="1585112" y="6337819"/>
-                <a:ext cx="203739" cy="28388"/>
-              </a:xfrm>
-              <a:prstGeom prst="roundRect">
-                <a:avLst/>
-              </a:prstGeom>
-              <a:solidFill>
-                <a:schemeClr val="tx1"/>
-              </a:solidFill>
-              <a:ln>
-                <a:noFill/>
-              </a:ln>
-            </p:spPr>
-            <p:style>
-              <a:lnRef idx="2">
-                <a:schemeClr val="accent1">
-                  <a:shade val="15000"/>
-                </a:schemeClr>
-              </a:lnRef>
-              <a:fillRef idx="1">
-                <a:schemeClr val="accent1"/>
-              </a:fillRef>
-              <a:effectRef idx="0">
-                <a:schemeClr val="accent1"/>
-              </a:effectRef>
-              <a:fontRef idx="minor">
-                <a:schemeClr val="lt1"/>
-              </a:fontRef>
-            </p:style>
-            <p:txBody>
-              <a:bodyPr rtlCol="0" anchor="ctr"/>
-              <a:lstStyle/>
-              <a:p>
-                <a:pPr algn="ctr"/>
-                <a:endParaRPr lang="es-ES"/>
-              </a:p>
-            </p:txBody>
-          </p:sp>
-          <p:sp>
-            <p:nvSpPr>
-              <p:cNvPr id="1183" name="Rectángulo: esquinas redondeadas 1182">
-                <a:extLst>
-                  <a:ext uri="{FF2B5EF4-FFF2-40B4-BE49-F238E27FC236}">
-                    <a16:creationId xmlns:a16="http://schemas.microsoft.com/office/drawing/2014/main" id="{0E818C7C-1308-2C1C-269A-6A176BE501E0}"/>
-                  </a:ext>
-                </a:extLst>
-              </p:cNvPr>
-              <p:cNvSpPr/>
-              <p:nvPr/>
-            </p:nvSpPr>
-            <p:spPr>
-              <a:xfrm>
-                <a:off x="1672092" y="6437414"/>
-                <a:ext cx="39515" cy="171546"/>
-              </a:xfrm>
-              <a:prstGeom prst="roundRect">
-                <a:avLst/>
-              </a:prstGeom>
-              <a:solidFill>
-                <a:srgbClr val="00B0F0"/>
-              </a:solidFill>
-              <a:ln>
-                <a:noFill/>
-              </a:ln>
-            </p:spPr>
-            <p:style>
-              <a:lnRef idx="2">
-                <a:schemeClr val="accent1">
-                  <a:shade val="15000"/>
-                </a:schemeClr>
-              </a:lnRef>
-              <a:fillRef idx="1">
-                <a:schemeClr val="accent1"/>
-              </a:fillRef>
-              <a:effectRef idx="0">
-                <a:schemeClr val="accent1"/>
-              </a:effectRef>
-              <a:fontRef idx="minor">
-                <a:schemeClr val="lt1"/>
-              </a:fontRef>
-            </p:style>
-            <p:txBody>
-              <a:bodyPr rtlCol="0" anchor="ctr"/>
-              <a:lstStyle/>
-              <a:p>
-                <a:pPr algn="ctr"/>
-                <a:endParaRPr lang="es-ES"/>
-              </a:p>
-            </p:txBody>
-          </p:sp>
-          <p:sp>
-            <p:nvSpPr>
-              <p:cNvPr id="1184" name="Rectángulo: esquinas redondeadas 1183">
-                <a:extLst>
-                  <a:ext uri="{FF2B5EF4-FFF2-40B4-BE49-F238E27FC236}">
-                    <a16:creationId xmlns:a16="http://schemas.microsoft.com/office/drawing/2014/main" id="{E5998CA0-3FED-C9A6-71DF-CACD0B929CB0}"/>
-                  </a:ext>
-                </a:extLst>
-              </p:cNvPr>
-              <p:cNvSpPr/>
-              <p:nvPr/>
-            </p:nvSpPr>
-            <p:spPr>
-              <a:xfrm>
-                <a:off x="1730352" y="6380632"/>
-                <a:ext cx="39515" cy="228328"/>
-              </a:xfrm>
-              <a:prstGeom prst="roundRect">
-                <a:avLst/>
-              </a:prstGeom>
-              <a:solidFill>
-                <a:schemeClr val="accent6">
-                  <a:lumMod val="75000"/>
-                </a:schemeClr>
-              </a:solidFill>
-              <a:ln>
-                <a:noFill/>
-              </a:ln>
-            </p:spPr>
-            <p:style>
-              <a:lnRef idx="2">
-                <a:schemeClr val="accent1">
-                  <a:shade val="15000"/>
-                </a:schemeClr>
-              </a:lnRef>
-              <a:fillRef idx="1">
-                <a:schemeClr val="accent1"/>
-              </a:fillRef>
-              <a:effectRef idx="0">
-                <a:schemeClr val="accent1"/>
-              </a:effectRef>
-              <a:fontRef idx="minor">
-                <a:schemeClr val="lt1"/>
-              </a:fontRef>
-            </p:style>
-            <p:txBody>
-              <a:bodyPr rtlCol="0" anchor="ctr"/>
-              <a:lstStyle/>
-              <a:p>
-                <a:pPr algn="ctr"/>
-                <a:endParaRPr lang="es-ES"/>
-              </a:p>
-            </p:txBody>
-          </p:sp>
-          <p:sp>
-            <p:nvSpPr>
-              <p:cNvPr id="1186" name="Rectángulo: esquinas redondeadas 1185">
-                <a:extLst>
-                  <a:ext uri="{FF2B5EF4-FFF2-40B4-BE49-F238E27FC236}">
-                    <a16:creationId xmlns:a16="http://schemas.microsoft.com/office/drawing/2014/main" id="{2A193B1E-F564-4165-BCB9-A711891EADFF}"/>
-                  </a:ext>
-                </a:extLst>
-              </p:cNvPr>
-              <p:cNvSpPr/>
-              <p:nvPr/>
-            </p:nvSpPr>
-            <p:spPr>
-              <a:xfrm>
-                <a:off x="1610626" y="6491792"/>
-                <a:ext cx="39515" cy="117168"/>
-              </a:xfrm>
-              <a:prstGeom prst="roundRect">
-                <a:avLst/>
-              </a:prstGeom>
-              <a:solidFill>
-                <a:srgbClr val="C00000"/>
-              </a:solidFill>
-              <a:ln>
-                <a:noFill/>
-              </a:ln>
-            </p:spPr>
-            <p:style>
-              <a:lnRef idx="2">
-                <a:schemeClr val="accent1">
-                  <a:shade val="15000"/>
-                </a:schemeClr>
-              </a:lnRef>
-              <a:fillRef idx="1">
-                <a:schemeClr val="accent1"/>
-              </a:fillRef>
-              <a:effectRef idx="0">
-                <a:schemeClr val="accent1"/>
-              </a:effectRef>
-              <a:fontRef idx="minor">
-                <a:schemeClr val="lt1"/>
-              </a:fontRef>
-            </p:style>
-            <p:txBody>
-              <a:bodyPr rtlCol="0" anchor="ctr"/>
-              <a:lstStyle/>
-              <a:p>
-                <a:pPr algn="ctr"/>
-                <a:endParaRPr lang="es-ES"/>
-              </a:p>
-            </p:txBody>
-          </p:sp>
-          <p:sp>
-            <p:nvSpPr>
-              <p:cNvPr id="1187" name="Rectángulo: esquinas redondeadas 1186">
-                <a:extLst>
-                  <a:ext uri="{FF2B5EF4-FFF2-40B4-BE49-F238E27FC236}">
-                    <a16:creationId xmlns:a16="http://schemas.microsoft.com/office/drawing/2014/main" id="{3DA19A3D-A68E-9E2E-41DD-2BB8ED34D344}"/>
-                  </a:ext>
-                </a:extLst>
-              </p:cNvPr>
-              <p:cNvSpPr/>
-              <p:nvPr/>
-            </p:nvSpPr>
-            <p:spPr>
-              <a:xfrm>
-                <a:off x="1329839" y="6566419"/>
-                <a:ext cx="246524" cy="28388"/>
-              </a:xfrm>
-              <a:prstGeom prst="roundRect">
-                <a:avLst/>
-              </a:prstGeom>
-              <a:solidFill>
-                <a:schemeClr val="tx1"/>
-              </a:solidFill>
-              <a:ln>
-                <a:noFill/>
-              </a:ln>
-            </p:spPr>
-            <p:style>
-              <a:lnRef idx="2">
-                <a:schemeClr val="accent1">
-                  <a:shade val="15000"/>
-                </a:schemeClr>
-              </a:lnRef>
-              <a:fillRef idx="1">
-                <a:schemeClr val="accent1"/>
-              </a:fillRef>
-              <a:effectRef idx="0">
-                <a:schemeClr val="accent1"/>
-              </a:effectRef>
-              <a:fontRef idx="minor">
-                <a:schemeClr val="lt1"/>
-              </a:fontRef>
-            </p:style>
-            <p:txBody>
-              <a:bodyPr rtlCol="0" anchor="ctr"/>
-              <a:lstStyle/>
-              <a:p>
-                <a:pPr algn="ctr"/>
-                <a:endParaRPr lang="es-ES"/>
-              </a:p>
-            </p:txBody>
-          </p:sp>
-          <p:sp>
-            <p:nvSpPr>
-              <p:cNvPr id="1189" name="Rectángulo: esquinas redondeadas 1188">
-                <a:extLst>
-                  <a:ext uri="{FF2B5EF4-FFF2-40B4-BE49-F238E27FC236}">
-                    <a16:creationId xmlns:a16="http://schemas.microsoft.com/office/drawing/2014/main" id="{64CDBB1E-B2B3-EF88-2022-C3716A5AFC95}"/>
-                  </a:ext>
-                </a:extLst>
-              </p:cNvPr>
-              <p:cNvSpPr/>
-              <p:nvPr/>
-            </p:nvSpPr>
-            <p:spPr>
-              <a:xfrm>
-                <a:off x="1329838" y="6123435"/>
-                <a:ext cx="455145" cy="29038"/>
-              </a:xfrm>
-              <a:prstGeom prst="roundRect">
-                <a:avLst/>
-              </a:prstGeom>
-              <a:solidFill>
-                <a:schemeClr val="tx1"/>
-              </a:solidFill>
-              <a:ln>
-                <a:noFill/>
-              </a:ln>
-            </p:spPr>
-            <p:style>
-              <a:lnRef idx="2">
-                <a:schemeClr val="accent1">
-                  <a:shade val="15000"/>
-                </a:schemeClr>
-              </a:lnRef>
-              <a:fillRef idx="1">
-                <a:schemeClr val="accent1"/>
-              </a:fillRef>
-              <a:effectRef idx="0">
-                <a:schemeClr val="accent1"/>
-              </a:effectRef>
-              <a:fontRef idx="minor">
-                <a:schemeClr val="lt1"/>
-              </a:fontRef>
-            </p:style>
-            <p:txBody>
-              <a:bodyPr rtlCol="0" anchor="ctr"/>
-              <a:lstStyle/>
-              <a:p>
-                <a:pPr algn="ctr"/>
-                <a:endParaRPr lang="es-ES"/>
-              </a:p>
-            </p:txBody>
-          </p:sp>
-          <p:sp>
-            <p:nvSpPr>
-              <p:cNvPr id="1190" name="Rectángulo: esquinas redondeadas 1189">
-                <a:extLst>
-                  <a:ext uri="{FF2B5EF4-FFF2-40B4-BE49-F238E27FC236}">
-                    <a16:creationId xmlns:a16="http://schemas.microsoft.com/office/drawing/2014/main" id="{D36E56AD-6158-76DB-3BDC-045BBF81EDBF}"/>
-                  </a:ext>
-                </a:extLst>
-              </p:cNvPr>
-              <p:cNvSpPr/>
-              <p:nvPr/>
-            </p:nvSpPr>
-            <p:spPr>
-              <a:xfrm>
-                <a:off x="1329837" y="6079055"/>
-                <a:ext cx="455145" cy="29038"/>
-              </a:xfrm>
-              <a:prstGeom prst="roundRect">
-                <a:avLst/>
-              </a:prstGeom>
-              <a:solidFill>
-                <a:schemeClr val="tx1"/>
-              </a:solidFill>
-              <a:ln>
-                <a:noFill/>
-              </a:ln>
-            </p:spPr>
-            <p:style>
-              <a:lnRef idx="2">
-                <a:schemeClr val="accent1">
-                  <a:shade val="15000"/>
-                </a:schemeClr>
-              </a:lnRef>
-              <a:fillRef idx="1">
-                <a:schemeClr val="accent1"/>
-              </a:fillRef>
-              <a:effectRef idx="0">
-                <a:schemeClr val="accent1"/>
-              </a:effectRef>
-              <a:fontRef idx="minor">
-                <a:schemeClr val="lt1"/>
-              </a:fontRef>
-            </p:style>
-            <p:txBody>
-              <a:bodyPr rtlCol="0" anchor="ctr"/>
-              <a:lstStyle/>
-              <a:p>
-                <a:pPr algn="ctr"/>
-                <a:endParaRPr lang="es-ES"/>
-              </a:p>
-            </p:txBody>
-          </p:sp>
-          <p:sp>
-            <p:nvSpPr>
-              <p:cNvPr id="1191" name="Rectángulo: esquinas redondeadas 1190">
-                <a:extLst>
-                  <a:ext uri="{FF2B5EF4-FFF2-40B4-BE49-F238E27FC236}">
-                    <a16:creationId xmlns:a16="http://schemas.microsoft.com/office/drawing/2014/main" id="{27341B8F-8D86-09B0-1285-18530E803E41}"/>
-                  </a:ext>
-                </a:extLst>
-              </p:cNvPr>
-              <p:cNvSpPr/>
-              <p:nvPr/>
-            </p:nvSpPr>
-            <p:spPr>
-              <a:xfrm>
-                <a:off x="1329837" y="6034675"/>
-                <a:ext cx="455145" cy="29038"/>
-              </a:xfrm>
-              <a:prstGeom prst="roundRect">
-                <a:avLst/>
-              </a:prstGeom>
-              <a:solidFill>
-                <a:schemeClr val="tx1"/>
-              </a:solidFill>
-              <a:ln>
-                <a:noFill/>
-              </a:ln>
-            </p:spPr>
-            <p:style>
-              <a:lnRef idx="2">
-                <a:schemeClr val="accent1">
-                  <a:shade val="15000"/>
-                </a:schemeClr>
-              </a:lnRef>
-              <a:fillRef idx="1">
-                <a:schemeClr val="accent1"/>
-              </a:fillRef>
-              <a:effectRef idx="0">
-                <a:schemeClr val="accent1"/>
-              </a:effectRef>
-              <a:fontRef idx="minor">
-                <a:schemeClr val="lt1"/>
-              </a:fontRef>
-            </p:style>
-            <p:txBody>
-              <a:bodyPr rtlCol="0" anchor="ctr"/>
-              <a:lstStyle/>
-              <a:p>
-                <a:pPr algn="ctr"/>
-                <a:endParaRPr lang="es-ES"/>
-              </a:p>
-            </p:txBody>
-          </p:sp>
-          <p:sp>
-            <p:nvSpPr>
-              <p:cNvPr id="1192" name="Rectángulo 1191">
-                <a:extLst>
-                  <a:ext uri="{FF2B5EF4-FFF2-40B4-BE49-F238E27FC236}">
-                    <a16:creationId xmlns:a16="http://schemas.microsoft.com/office/drawing/2014/main" id="{18233BF7-D7B6-B3A8-191E-CF40F272B2C6}"/>
-                  </a:ext>
-                </a:extLst>
-              </p:cNvPr>
-              <p:cNvSpPr/>
-              <p:nvPr/>
-            </p:nvSpPr>
-            <p:spPr>
-              <a:xfrm>
-                <a:off x="1336502" y="5896678"/>
-                <a:ext cx="448480" cy="102394"/>
-              </a:xfrm>
-              <a:prstGeom prst="rect">
-                <a:avLst/>
-              </a:prstGeom>
-            </p:spPr>
-            <p:style>
-              <a:lnRef idx="2">
-                <a:schemeClr val="accent4">
-                  <a:shade val="15000"/>
-                </a:schemeClr>
-              </a:lnRef>
-              <a:fillRef idx="1">
-                <a:schemeClr val="accent4"/>
-              </a:fillRef>
-              <a:effectRef idx="0">
-                <a:schemeClr val="accent4"/>
-              </a:effectRef>
-              <a:fontRef idx="minor">
-                <a:schemeClr val="lt1"/>
-              </a:fontRef>
-            </p:style>
-            <p:txBody>
-              <a:bodyPr rtlCol="0" anchor="ctr"/>
-              <a:lstStyle/>
-              <a:p>
-                <a:pPr algn="ctr"/>
-                <a:endParaRPr lang="es-ES"/>
-              </a:p>
-            </p:txBody>
-          </p:sp>
-          <p:sp>
-            <p:nvSpPr>
-              <p:cNvPr id="1193" name="Rectángulo 1192">
-                <a:extLst>
-                  <a:ext uri="{FF2B5EF4-FFF2-40B4-BE49-F238E27FC236}">
-                    <a16:creationId xmlns:a16="http://schemas.microsoft.com/office/drawing/2014/main" id="{9DE3A7E7-8949-888A-E7CC-4620F059CBDD}"/>
-                  </a:ext>
-                </a:extLst>
-              </p:cNvPr>
-              <p:cNvSpPr/>
-              <p:nvPr/>
-            </p:nvSpPr>
-            <p:spPr>
-              <a:xfrm>
-                <a:off x="1290753" y="5855013"/>
-                <a:ext cx="535666" cy="776768"/>
-              </a:xfrm>
-              <a:prstGeom prst="rect">
-                <a:avLst/>
-              </a:prstGeom>
-              <a:noFill/>
-            </p:spPr>
-            <p:style>
-              <a:lnRef idx="2">
-                <a:schemeClr val="accent1">
-                  <a:shade val="15000"/>
-                </a:schemeClr>
-              </a:lnRef>
-              <a:fillRef idx="1">
-                <a:schemeClr val="accent1"/>
-              </a:fillRef>
-              <a:effectRef idx="0">
-                <a:schemeClr val="accent1"/>
-              </a:effectRef>
-              <a:fontRef idx="minor">
-                <a:schemeClr val="lt1"/>
-              </a:fontRef>
-            </p:style>
-            <p:txBody>
-              <a:bodyPr rtlCol="0" anchor="ctr"/>
-              <a:lstStyle/>
-              <a:p>
-                <a:pPr algn="ctr"/>
-                <a:endParaRPr lang="es-ES"/>
-              </a:p>
-            </p:txBody>
-          </p:sp>
-        </p:grpSp>
-        <p:sp>
-          <p:nvSpPr>
-            <p:cNvPr id="1195" name="Rectángulo: esquinas redondeadas 1194">
-              <a:extLst>
-                <a:ext uri="{FF2B5EF4-FFF2-40B4-BE49-F238E27FC236}">
-                  <a16:creationId xmlns:a16="http://schemas.microsoft.com/office/drawing/2014/main" id="{6CB42B3D-77C6-B420-E414-7067DA9FB5DA}"/>
-                </a:ext>
-              </a:extLst>
-            </p:cNvPr>
-            <p:cNvSpPr/>
-            <p:nvPr/>
-          </p:nvSpPr>
-          <p:spPr>
-            <a:xfrm>
-              <a:off x="1134058" y="5653953"/>
-              <a:ext cx="840495" cy="1087864"/>
-            </a:xfrm>
-            <a:prstGeom prst="roundRect">
-              <a:avLst/>
-            </a:prstGeom>
-            <a:noFill/>
-            <a:ln>
-              <a:solidFill>
-                <a:schemeClr val="accent1"/>
-              </a:solidFill>
-            </a:ln>
-          </p:spPr>
-          <p:style>
-            <a:lnRef idx="0">
-              <a:schemeClr val="accent1"/>
-            </a:lnRef>
-            <a:fillRef idx="3">
-              <a:schemeClr val="accent1"/>
-            </a:fillRef>
-            <a:effectRef idx="3">
-              <a:schemeClr val="accent1"/>
-            </a:effectRef>
-            <a:fontRef idx="minor">
-              <a:schemeClr val="lt1"/>
-            </a:fontRef>
-          </p:style>
-          <p:txBody>
-            <a:bodyPr rtlCol="0" anchor="ctr"/>
-            <a:lstStyle/>
-            <a:p>
-              <a:pPr algn="ctr"/>
-              <a:endParaRPr lang="es-ES" sz="1600" dirty="0">
-                <a:solidFill>
-                  <a:schemeClr val="tx2"/>
-                </a:solidFill>
-              </a:endParaRPr>
-            </a:p>
-          </p:txBody>
-        </p:sp>
-        <p:sp>
-          <p:nvSpPr>
-            <p:cNvPr id="1196" name="CuadroTexto 1195">
-              <a:extLst>
-                <a:ext uri="{FF2B5EF4-FFF2-40B4-BE49-F238E27FC236}">
-                  <a16:creationId xmlns:a16="http://schemas.microsoft.com/office/drawing/2014/main" id="{2991E1E8-8006-B95A-CE75-CC8760398D8E}"/>
-                </a:ext>
-              </a:extLst>
-            </p:cNvPr>
-            <p:cNvSpPr txBox="1"/>
-            <p:nvPr/>
-          </p:nvSpPr>
-          <p:spPr>
-            <a:xfrm>
-              <a:off x="1212234" y="5620643"/>
-              <a:ext cx="697016" cy="261610"/>
-            </a:xfrm>
-            <a:prstGeom prst="rect">
-              <a:avLst/>
-            </a:prstGeom>
-            <a:noFill/>
-            <a:effectLst>
-              <a:outerShdw blurRad="50800" dist="38100" dir="2700000" algn="tl" rotWithShape="0">
-                <a:prstClr val="black">
-                  <a:alpha val="40000"/>
-                </a:prstClr>
-              </a:outerShdw>
-            </a:effectLst>
-          </p:spPr>
-          <p:txBody>
-            <a:bodyPr wrap="square" rtlCol="0">
-              <a:spAutoFit/>
-            </a:bodyPr>
-            <a:lstStyle/>
-            <a:p>
-              <a:pPr algn="ctr"/>
-              <a:r>
-                <a:rPr lang="es-ES" sz="1100" dirty="0">
-                  <a:solidFill>
-                    <a:schemeClr val="tx2"/>
-                  </a:solidFill>
-                </a:rPr>
-                <a:t>Informe</a:t>
-              </a:r>
-              <a:endParaRPr lang="es-ES" sz="1200" dirty="0"/>
-            </a:p>
-          </p:txBody>
-        </p:sp>
-      </p:grpSp>
-      <p:sp>
-        <p:nvSpPr>
-          <p:cNvPr id="1198" name="Rectángulo 1197">
-            <a:extLst>
-              <a:ext uri="{FF2B5EF4-FFF2-40B4-BE49-F238E27FC236}">
-                <a16:creationId xmlns:a16="http://schemas.microsoft.com/office/drawing/2014/main" id="{B1C6FA34-1207-B3B0-6B38-FCF420F62B28}"/>
-              </a:ext>
-            </a:extLst>
-          </p:cNvPr>
-          <p:cNvSpPr/>
-          <p:nvPr/>
-        </p:nvSpPr>
-        <p:spPr>
-          <a:xfrm>
-            <a:off x="2897403" y="537130"/>
-            <a:ext cx="8128738" cy="5870020"/>
-          </a:xfrm>
-          <a:prstGeom prst="rect">
-            <a:avLst/>
-          </a:prstGeom>
-          <a:noFill/>
-        </p:spPr>
-        <p:style>
-          <a:lnRef idx="2">
-            <a:schemeClr val="accent1">
-              <a:shade val="15000"/>
-            </a:schemeClr>
-          </a:lnRef>
-          <a:fillRef idx="1">
-            <a:schemeClr val="accent1"/>
-          </a:fillRef>
-          <a:effectRef idx="0">
-            <a:schemeClr val="accent1"/>
-          </a:effectRef>
-          <a:fontRef idx="minor">
-            <a:schemeClr val="lt1"/>
-          </a:fontRef>
-        </p:style>
-        <p:txBody>
-          <a:bodyPr rtlCol="0" anchor="ctr"/>
-          <a:lstStyle/>
-          <a:p>
-            <a:pPr algn="ctr"/>
-            <a:endParaRPr lang="es-ES"/>
-          </a:p>
-        </p:txBody>
-      </p:sp>
-      <p:sp>
-        <p:nvSpPr>
-          <p:cNvPr id="1203" name="CuadroTexto 1202">
-            <a:extLst>
-              <a:ext uri="{FF2B5EF4-FFF2-40B4-BE49-F238E27FC236}">
-                <a16:creationId xmlns:a16="http://schemas.microsoft.com/office/drawing/2014/main" id="{09199DEA-2CFF-14DF-5123-9073C37DD472}"/>
-              </a:ext>
-            </a:extLst>
-          </p:cNvPr>
-          <p:cNvSpPr txBox="1"/>
-          <p:nvPr/>
-        </p:nvSpPr>
-        <p:spPr>
-          <a:xfrm>
-            <a:off x="1427721" y="1987390"/>
-            <a:ext cx="1724237" cy="261610"/>
-          </a:xfrm>
-          <a:prstGeom prst="rect">
-            <a:avLst/>
-          </a:prstGeom>
-          <a:noFill/>
-          <a:effectLst>
-            <a:outerShdw blurRad="50800" dist="38100" dir="2700000" algn="tl" rotWithShape="0">
-              <a:prstClr val="black">
-                <a:alpha val="40000"/>
-              </a:prstClr>
-            </a:outerShdw>
-          </a:effectLst>
-        </p:spPr>
-        <p:txBody>
-          <a:bodyPr wrap="square" rtlCol="0">
-            <a:spAutoFit/>
-          </a:bodyPr>
-          <a:lstStyle/>
-          <a:p>
-            <a:pPr algn="ctr"/>
-            <a:r>
-              <a:rPr lang="es-ES" sz="1100" dirty="0">
-                <a:solidFill>
-                  <a:schemeClr val="tx2"/>
-                </a:solidFill>
-              </a:rPr>
-              <a:t>Código Fuente</a:t>
-            </a:r>
-            <a:endParaRPr lang="es-ES" sz="1200" dirty="0"/>
-          </a:p>
-        </p:txBody>
-      </p:sp>
-      <p:sp>
-        <p:nvSpPr>
-          <p:cNvPr id="5" name="Flecha: a la derecha 4">
-            <a:extLst>
-              <a:ext uri="{FF2B5EF4-FFF2-40B4-BE49-F238E27FC236}">
-                <a16:creationId xmlns:a16="http://schemas.microsoft.com/office/drawing/2014/main" id="{A23139AA-5035-E8D1-3BF8-2BA8B8084885}"/>
-              </a:ext>
-            </a:extLst>
-          </p:cNvPr>
-          <p:cNvSpPr/>
-          <p:nvPr/>
-        </p:nvSpPr>
-        <p:spPr>
-          <a:xfrm>
-            <a:off x="2667208" y="1631337"/>
-            <a:ext cx="587395" cy="409148"/>
-          </a:xfrm>
-          <a:prstGeom prst="rightArrow">
-            <a:avLst/>
-          </a:prstGeom>
-        </p:spPr>
-        <p:style>
-          <a:lnRef idx="0">
-            <a:schemeClr val="accent1"/>
-          </a:lnRef>
-          <a:fillRef idx="3">
-            <a:schemeClr val="accent1"/>
-          </a:fillRef>
-          <a:effectRef idx="3">
-            <a:schemeClr val="accent1"/>
-          </a:effectRef>
-          <a:fontRef idx="minor">
-            <a:schemeClr val="lt1"/>
-          </a:fontRef>
-        </p:style>
-        <p:txBody>
-          <a:bodyPr rtlCol="0" anchor="ctr"/>
-          <a:lstStyle/>
-          <a:p>
-            <a:pPr algn="ctr"/>
-            <a:endParaRPr lang="es-ES"/>
-          </a:p>
-        </p:txBody>
-      </p:sp>
-      <p:sp>
-        <p:nvSpPr>
-          <p:cNvPr id="1121" name="Flecha: a la derecha 1120">
-            <a:extLst>
-              <a:ext uri="{FF2B5EF4-FFF2-40B4-BE49-F238E27FC236}">
-                <a16:creationId xmlns:a16="http://schemas.microsoft.com/office/drawing/2014/main" id="{BCF9A931-B79B-CC37-A7FE-9217A8F7DF05}"/>
-              </a:ext>
-            </a:extLst>
-          </p:cNvPr>
-          <p:cNvSpPr/>
-          <p:nvPr/>
-        </p:nvSpPr>
-        <p:spPr>
-          <a:xfrm rot="10800000">
-            <a:off x="2451181" y="4749664"/>
-            <a:ext cx="587395" cy="409148"/>
-          </a:xfrm>
-          <a:prstGeom prst="rightArrow">
-            <a:avLst/>
-          </a:prstGeom>
-        </p:spPr>
-        <p:style>
-          <a:lnRef idx="0">
-            <a:schemeClr val="accent1"/>
-          </a:lnRef>
-          <a:fillRef idx="3">
-            <a:schemeClr val="accent1"/>
-          </a:fillRef>
-          <a:effectRef idx="3">
-            <a:schemeClr val="accent1"/>
-          </a:effectRef>
-          <a:fontRef idx="minor">
-            <a:schemeClr val="lt1"/>
-          </a:fontRef>
-        </p:style>
-        <p:txBody>
-          <a:bodyPr rtlCol="0" anchor="ctr"/>
-          <a:lstStyle/>
-          <a:p>
-            <a:pPr algn="ctr"/>
-            <a:endParaRPr lang="es-ES"/>
-          </a:p>
-        </p:txBody>
-      </p:sp>
-      <p:grpSp>
-        <p:nvGrpSpPr>
-          <p:cNvPr id="1212" name="Grupo 1211">
-            <a:extLst>
-              <a:ext uri="{FF2B5EF4-FFF2-40B4-BE49-F238E27FC236}">
-                <a16:creationId xmlns:a16="http://schemas.microsoft.com/office/drawing/2014/main" id="{05DBF8EF-2AC4-21DD-D75D-4EC3E933D7E1}"/>
-              </a:ext>
-            </a:extLst>
-          </p:cNvPr>
-          <p:cNvGrpSpPr/>
-          <p:nvPr/>
-        </p:nvGrpSpPr>
-        <p:grpSpPr>
-          <a:xfrm>
-            <a:off x="1848683" y="1299354"/>
-            <a:ext cx="783604" cy="714213"/>
-            <a:chOff x="1373206" y="1106820"/>
-            <a:chExt cx="1147274" cy="1045679"/>
-          </a:xfrm>
-        </p:grpSpPr>
-        <p:pic>
-          <p:nvPicPr>
-            <p:cNvPr id="1210" name="Picture 8">
-              <a:extLst>
-                <a:ext uri="{FF2B5EF4-FFF2-40B4-BE49-F238E27FC236}">
-                  <a16:creationId xmlns:a16="http://schemas.microsoft.com/office/drawing/2014/main" id="{F4A8501D-CFD5-0D81-0564-17008E5A06D9}"/>
-                </a:ext>
-              </a:extLst>
-            </p:cNvPr>
-            <p:cNvPicPr>
-              <a:picLocks noChangeAspect="1" noChangeArrowheads="1"/>
-            </p:cNvPicPr>
-            <p:nvPr/>
-          </p:nvPicPr>
-          <p:blipFill>
-            <a:blip r:embed="rId4">
-              <a:extLst>
-                <a:ext uri="{28A0092B-C50C-407E-A947-70E740481C1C}">
-                  <a14:useLocalDpi xmlns:a14="http://schemas.microsoft.com/office/drawing/2010/main" val="0"/>
-                </a:ext>
-              </a:extLst>
-            </a:blip>
-            <a:srcRect/>
-            <a:stretch>
-              <a:fillRect/>
-            </a:stretch>
-          </p:blipFill>
-          <p:spPr bwMode="auto">
-            <a:xfrm>
-              <a:off x="1373206" y="1106820"/>
-              <a:ext cx="914416" cy="914416"/>
-            </a:xfrm>
-            <a:prstGeom prst="rect">
-              <a:avLst/>
-            </a:prstGeom>
-            <a:noFill/>
-            <a:extLst>
-              <a:ext uri="{909E8E84-426E-40DD-AFC4-6F175D3DCCD1}">
-                <a14:hiddenFill xmlns:a14="http://schemas.microsoft.com/office/drawing/2010/main">
-                  <a:solidFill>
-                    <a:srgbClr val="FFFFFF"/>
-                  </a:solidFill>
-                </a14:hiddenFill>
-              </a:ext>
-            </a:extLst>
-          </p:spPr>
-        </p:pic>
-        <p:pic>
-          <p:nvPicPr>
-            <p:cNvPr id="1209" name="Picture 8">
-              <a:extLst>
-                <a:ext uri="{FF2B5EF4-FFF2-40B4-BE49-F238E27FC236}">
-                  <a16:creationId xmlns:a16="http://schemas.microsoft.com/office/drawing/2014/main" id="{2ECFF195-EE2F-DCC5-F6FF-C7D87AA4D305}"/>
-                </a:ext>
-              </a:extLst>
-            </p:cNvPr>
-            <p:cNvPicPr>
-              <a:picLocks noChangeAspect="1" noChangeArrowheads="1"/>
-            </p:cNvPicPr>
-            <p:nvPr/>
-          </p:nvPicPr>
-          <p:blipFill>
-            <a:blip r:embed="rId4">
-              <a:extLst>
-                <a:ext uri="{28A0092B-C50C-407E-A947-70E740481C1C}">
-                  <a14:useLocalDpi xmlns:a14="http://schemas.microsoft.com/office/drawing/2010/main" val="0"/>
-                </a:ext>
-              </a:extLst>
-            </a:blip>
-            <a:srcRect/>
-            <a:stretch>
-              <a:fillRect/>
-            </a:stretch>
-          </p:blipFill>
-          <p:spPr bwMode="auto">
-            <a:xfrm>
-              <a:off x="1495760" y="1178218"/>
-              <a:ext cx="914416" cy="914416"/>
-            </a:xfrm>
-            <a:prstGeom prst="rect">
-              <a:avLst/>
-            </a:prstGeom>
-            <a:noFill/>
-            <a:extLst>
-              <a:ext uri="{909E8E84-426E-40DD-AFC4-6F175D3DCCD1}">
-                <a14:hiddenFill xmlns:a14="http://schemas.microsoft.com/office/drawing/2010/main">
-                  <a:solidFill>
-                    <a:srgbClr val="FFFFFF"/>
-                  </a:solidFill>
-                </a14:hiddenFill>
-              </a:ext>
-            </a:extLst>
-          </p:spPr>
-        </p:pic>
-        <p:pic>
-          <p:nvPicPr>
-            <p:cNvPr id="1208" name="Picture 8">
-              <a:extLst>
-                <a:ext uri="{FF2B5EF4-FFF2-40B4-BE49-F238E27FC236}">
-                  <a16:creationId xmlns:a16="http://schemas.microsoft.com/office/drawing/2014/main" id="{5C717B50-53A5-E9B9-AF9B-85C1872C19D1}"/>
-                </a:ext>
-              </a:extLst>
-            </p:cNvPr>
-            <p:cNvPicPr>
-              <a:picLocks noChangeAspect="1" noChangeArrowheads="1"/>
-            </p:cNvPicPr>
-            <p:nvPr/>
-          </p:nvPicPr>
-          <p:blipFill>
-            <a:blip r:embed="rId4">
-              <a:extLst>
-                <a:ext uri="{28A0092B-C50C-407E-A947-70E740481C1C}">
-                  <a14:useLocalDpi xmlns:a14="http://schemas.microsoft.com/office/drawing/2010/main" val="0"/>
-                </a:ext>
-              </a:extLst>
-            </a:blip>
-            <a:srcRect/>
-            <a:stretch>
-              <a:fillRect/>
-            </a:stretch>
-          </p:blipFill>
-          <p:spPr bwMode="auto">
-            <a:xfrm>
-              <a:off x="1606064" y="1238083"/>
-              <a:ext cx="914416" cy="914416"/>
-            </a:xfrm>
-            <a:prstGeom prst="rect">
-              <a:avLst/>
-            </a:prstGeom>
-            <a:noFill/>
-            <a:extLst>
-              <a:ext uri="{909E8E84-426E-40DD-AFC4-6F175D3DCCD1}">
-                <a14:hiddenFill xmlns:a14="http://schemas.microsoft.com/office/drawing/2010/main">
-                  <a:solidFill>
-                    <a:srgbClr val="FFFFFF"/>
-                  </a:solidFill>
-                </a14:hiddenFill>
-              </a:ext>
-            </a:extLst>
-          </p:spPr>
-        </p:pic>
-      </p:grpSp>
-    </p:spTree>
-    <p:extLst>
-      <p:ext uri="{BB962C8B-B14F-4D97-AF65-F5344CB8AC3E}">
-        <p14:creationId xmlns:p14="http://schemas.microsoft.com/office/powerpoint/2010/main" val="2218545206"/>
-      </p:ext>
-    </p:extLst>
-  </p:cSld>
-  <p:clrMapOvr>
-    <a:masterClrMapping/>
-  </p:clrMapOvr>
-</p:sld>
-</file>
-
-<file path=ppt/slides/slide2.xml><?xml version="1.0" encoding="utf-8"?>
 <p:sld xmlns:a="http://schemas.openxmlformats.org/drawingml/2006/main" xmlns:r="http://schemas.openxmlformats.org/officeDocument/2006/relationships" xmlns:p="http://schemas.openxmlformats.org/presentationml/2006/main">
   <p:cSld>
     <p:spTree>
@@ -22780,6 +13182,83 @@
 </p:sld>
 </file>
 
+<file path=ppt/slides/slide2.xml><?xml version="1.0" encoding="utf-8"?>
+<p:sld xmlns:a="http://schemas.openxmlformats.org/drawingml/2006/main" xmlns:r="http://schemas.openxmlformats.org/officeDocument/2006/relationships" xmlns:p="http://schemas.openxmlformats.org/presentationml/2006/main">
+  <p:cSld>
+    <p:spTree>
+      <p:nvGrpSpPr>
+        <p:cNvPr id="1" name=""/>
+        <p:cNvGrpSpPr/>
+        <p:nvPr/>
+      </p:nvGrpSpPr>
+      <p:grpSpPr>
+        <a:xfrm>
+          <a:off x="0" y="0"/>
+          <a:ext cx="0" cy="0"/>
+          <a:chOff x="0" y="0"/>
+          <a:chExt cx="0" cy="0"/>
+        </a:xfrm>
+      </p:grpSpPr>
+      <p:pic>
+        <p:nvPicPr>
+          <p:cNvPr id="1026" name="Picture 2" descr="Python Standard Library">
+            <a:extLst>
+              <a:ext uri="{FF2B5EF4-FFF2-40B4-BE49-F238E27FC236}">
+                <a16:creationId xmlns:a16="http://schemas.microsoft.com/office/drawing/2014/main" id="{D19261AD-1780-C9F8-0F9E-C884D3391343}"/>
+              </a:ext>
+            </a:extLst>
+          </p:cNvPr>
+          <p:cNvPicPr>
+            <a:picLocks noChangeAspect="1" noChangeArrowheads="1"/>
+          </p:cNvPicPr>
+          <p:nvPr/>
+        </p:nvPicPr>
+        <p:blipFill>
+          <a:blip r:embed="rId2">
+            <a:extLst>
+              <a:ext uri="{28A0092B-C50C-407E-A947-70E740481C1C}">
+                <a14:useLocalDpi xmlns:a14="http://schemas.microsoft.com/office/drawing/2010/main" val="0"/>
+              </a:ext>
+            </a:extLst>
+          </a:blip>
+          <a:srcRect/>
+          <a:stretch>
+            <a:fillRect/>
+          </a:stretch>
+        </p:blipFill>
+        <p:spPr bwMode="auto">
+          <a:xfrm>
+            <a:off x="1941967" y="708148"/>
+            <a:ext cx="2687582" cy="1636982"/>
+          </a:xfrm>
+          <a:prstGeom prst="rect">
+            <a:avLst/>
+          </a:prstGeom>
+          <a:noFill/>
+          <a:extLst>
+            <a:ext uri="{909E8E84-426E-40DD-AFC4-6F175D3DCCD1}">
+              <a14:hiddenFill xmlns:a14="http://schemas.microsoft.com/office/drawing/2010/main">
+                <a:solidFill>
+                  <a:srgbClr val="FFFFFF"/>
+                </a:solidFill>
+              </a14:hiddenFill>
+            </a:ext>
+          </a:extLst>
+        </p:spPr>
+      </p:pic>
+    </p:spTree>
+    <p:extLst>
+      <p:ext uri="{BB962C8B-B14F-4D97-AF65-F5344CB8AC3E}">
+        <p14:creationId xmlns:p14="http://schemas.microsoft.com/office/powerpoint/2010/main" val="467697236"/>
+      </p:ext>
+    </p:extLst>
+  </p:cSld>
+  <p:clrMapOvr>
+    <a:masterClrMapping/>
+  </p:clrMapOvr>
+</p:sld>
+</file>
+
 <file path=ppt/theme/theme1.xml><?xml version="1.0" encoding="utf-8"?>
 <a:theme xmlns:a="http://schemas.openxmlformats.org/drawingml/2006/main" name="Tema de Office">
   <a:themeElements>

--- a/documentation/Sistema.pptx
+++ b/documentation/Sistema.pptx
@@ -7,6 +7,8 @@
   <p:sldIdLst>
     <p:sldId id="258" r:id="rId2"/>
     <p:sldId id="259" r:id="rId3"/>
+    <p:sldId id="260" r:id="rId4"/>
+    <p:sldId id="261" r:id="rId5"/>
   </p:sldIdLst>
   <p:sldSz cx="12192000" cy="6858000"/>
   <p:notesSz cx="6858000" cy="9144000"/>
@@ -260,7 +262,7 @@
           <a:p>
             <a:fld id="{4EF764C9-331E-4AFA-A688-A41E7ACE5E79}" type="datetimeFigureOut">
               <a:rPr lang="es-ES" smtClean="0"/>
-              <a:t>04/06/2024</a:t>
+              <a:t>10/06/2024</a:t>
             </a:fld>
             <a:endParaRPr lang="es-ES"/>
           </a:p>
@@ -458,7 +460,7 @@
           <a:p>
             <a:fld id="{4EF764C9-331E-4AFA-A688-A41E7ACE5E79}" type="datetimeFigureOut">
               <a:rPr lang="es-ES" smtClean="0"/>
-              <a:t>04/06/2024</a:t>
+              <a:t>10/06/2024</a:t>
             </a:fld>
             <a:endParaRPr lang="es-ES"/>
           </a:p>
@@ -666,7 +668,7 @@
           <a:p>
             <a:fld id="{4EF764C9-331E-4AFA-A688-A41E7ACE5E79}" type="datetimeFigureOut">
               <a:rPr lang="es-ES" smtClean="0"/>
-              <a:t>04/06/2024</a:t>
+              <a:t>10/06/2024</a:t>
             </a:fld>
             <a:endParaRPr lang="es-ES"/>
           </a:p>
@@ -864,7 +866,7 @@
           <a:p>
             <a:fld id="{4EF764C9-331E-4AFA-A688-A41E7ACE5E79}" type="datetimeFigureOut">
               <a:rPr lang="es-ES" smtClean="0"/>
-              <a:t>04/06/2024</a:t>
+              <a:t>10/06/2024</a:t>
             </a:fld>
             <a:endParaRPr lang="es-ES"/>
           </a:p>
@@ -1139,7 +1141,7 @@
           <a:p>
             <a:fld id="{4EF764C9-331E-4AFA-A688-A41E7ACE5E79}" type="datetimeFigureOut">
               <a:rPr lang="es-ES" smtClean="0"/>
-              <a:t>04/06/2024</a:t>
+              <a:t>10/06/2024</a:t>
             </a:fld>
             <a:endParaRPr lang="es-ES"/>
           </a:p>
@@ -1404,7 +1406,7 @@
           <a:p>
             <a:fld id="{4EF764C9-331E-4AFA-A688-A41E7ACE5E79}" type="datetimeFigureOut">
               <a:rPr lang="es-ES" smtClean="0"/>
-              <a:t>04/06/2024</a:t>
+              <a:t>10/06/2024</a:t>
             </a:fld>
             <a:endParaRPr lang="es-ES"/>
           </a:p>
@@ -1816,7 +1818,7 @@
           <a:p>
             <a:fld id="{4EF764C9-331E-4AFA-A688-A41E7ACE5E79}" type="datetimeFigureOut">
               <a:rPr lang="es-ES" smtClean="0"/>
-              <a:t>04/06/2024</a:t>
+              <a:t>10/06/2024</a:t>
             </a:fld>
             <a:endParaRPr lang="es-ES"/>
           </a:p>
@@ -1957,7 +1959,7 @@
           <a:p>
             <a:fld id="{4EF764C9-331E-4AFA-A688-A41E7ACE5E79}" type="datetimeFigureOut">
               <a:rPr lang="es-ES" smtClean="0"/>
-              <a:t>04/06/2024</a:t>
+              <a:t>10/06/2024</a:t>
             </a:fld>
             <a:endParaRPr lang="es-ES"/>
           </a:p>
@@ -2070,7 +2072,7 @@
           <a:p>
             <a:fld id="{4EF764C9-331E-4AFA-A688-A41E7ACE5E79}" type="datetimeFigureOut">
               <a:rPr lang="es-ES" smtClean="0"/>
-              <a:t>04/06/2024</a:t>
+              <a:t>10/06/2024</a:t>
             </a:fld>
             <a:endParaRPr lang="es-ES"/>
           </a:p>
@@ -2381,7 +2383,7 @@
           <a:p>
             <a:fld id="{4EF764C9-331E-4AFA-A688-A41E7ACE5E79}" type="datetimeFigureOut">
               <a:rPr lang="es-ES" smtClean="0"/>
-              <a:t>04/06/2024</a:t>
+              <a:t>10/06/2024</a:t>
             </a:fld>
             <a:endParaRPr lang="es-ES"/>
           </a:p>
@@ -2669,7 +2671,7 @@
           <a:p>
             <a:fld id="{4EF764C9-331E-4AFA-A688-A41E7ACE5E79}" type="datetimeFigureOut">
               <a:rPr lang="es-ES" smtClean="0"/>
-              <a:t>04/06/2024</a:t>
+              <a:t>10/06/2024</a:t>
             </a:fld>
             <a:endParaRPr lang="es-ES"/>
           </a:p>
@@ -2910,7 +2912,7 @@
           <a:p>
             <a:fld id="{4EF764C9-331E-4AFA-A688-A41E7ACE5E79}" type="datetimeFigureOut">
               <a:rPr lang="es-ES" smtClean="0"/>
-              <a:t>04/06/2024</a:t>
+              <a:t>10/06/2024</a:t>
             </a:fld>
             <a:endParaRPr lang="es-ES"/>
           </a:p>
@@ -13228,7 +13230,7 @@
         </p:blipFill>
         <p:spPr bwMode="auto">
           <a:xfrm>
-            <a:off x="1941967" y="708148"/>
+            <a:off x="0" y="2025650"/>
             <a:ext cx="2687582" cy="1636982"/>
           </a:xfrm>
           <a:prstGeom prst="rect">
@@ -13246,10 +13248,7966 @@
           </a:extLst>
         </p:spPr>
       </p:pic>
+      <p:sp>
+        <p:nvSpPr>
+          <p:cNvPr id="2" name="CuadroTexto 1">
+            <a:extLst>
+              <a:ext uri="{FF2B5EF4-FFF2-40B4-BE49-F238E27FC236}">
+                <a16:creationId xmlns:a16="http://schemas.microsoft.com/office/drawing/2014/main" id="{902B1BD0-0E96-7CBA-9C8F-2E9660BFC819}"/>
+              </a:ext>
+            </a:extLst>
+          </p:cNvPr>
+          <p:cNvSpPr txBox="1"/>
+          <p:nvPr/>
+        </p:nvSpPr>
+        <p:spPr>
+          <a:xfrm>
+            <a:off x="2317248" y="463156"/>
+            <a:ext cx="880138" cy="276999"/>
+          </a:xfrm>
+          <a:prstGeom prst="rect">
+            <a:avLst/>
+          </a:prstGeom>
+          <a:noFill/>
+        </p:spPr>
+        <p:txBody>
+          <a:bodyPr wrap="square" rtlCol="0">
+            <a:spAutoFit/>
+          </a:bodyPr>
+          <a:lstStyle/>
+          <a:p>
+            <a:pPr algn="ctr"/>
+            <a:r>
+              <a:rPr lang="es-ES" sz="1200" dirty="0" err="1"/>
+              <a:t>Tree</a:t>
+            </a:r>
+            <a:endParaRPr lang="es-ES" sz="1400" dirty="0"/>
+          </a:p>
+        </p:txBody>
+      </p:sp>
+      <p:sp>
+        <p:nvSpPr>
+          <p:cNvPr id="3" name="CuadroTexto 2">
+            <a:extLst>
+              <a:ext uri="{FF2B5EF4-FFF2-40B4-BE49-F238E27FC236}">
+                <a16:creationId xmlns:a16="http://schemas.microsoft.com/office/drawing/2014/main" id="{5565A808-FDCD-3F38-3421-6A9FCC6FEABA}"/>
+              </a:ext>
+            </a:extLst>
+          </p:cNvPr>
+          <p:cNvSpPr txBox="1"/>
+          <p:nvPr/>
+        </p:nvSpPr>
+        <p:spPr>
+          <a:xfrm>
+            <a:off x="2171585" y="1326454"/>
+            <a:ext cx="1171464" cy="276999"/>
+          </a:xfrm>
+          <a:prstGeom prst="rect">
+            <a:avLst/>
+          </a:prstGeom>
+          <a:noFill/>
+        </p:spPr>
+        <p:txBody>
+          <a:bodyPr wrap="square" rtlCol="0" anchor="ctr">
+            <a:spAutoFit/>
+          </a:bodyPr>
+          <a:lstStyle/>
+          <a:p>
+            <a:pPr algn="ctr"/>
+            <a:r>
+              <a:rPr lang="es-ES" sz="1200" dirty="0" err="1"/>
+              <a:t>Statement</a:t>
+            </a:r>
+            <a:endParaRPr lang="es-ES" sz="1200" dirty="0"/>
+          </a:p>
+        </p:txBody>
+      </p:sp>
+      <p:sp>
+        <p:nvSpPr>
+          <p:cNvPr id="4" name="CuadroTexto 3">
+            <a:extLst>
+              <a:ext uri="{FF2B5EF4-FFF2-40B4-BE49-F238E27FC236}">
+                <a16:creationId xmlns:a16="http://schemas.microsoft.com/office/drawing/2014/main" id="{A30E7578-918E-44D0-ADA2-A664E713EA59}"/>
+              </a:ext>
+            </a:extLst>
+          </p:cNvPr>
+          <p:cNvSpPr txBox="1"/>
+          <p:nvPr/>
+        </p:nvSpPr>
+        <p:spPr>
+          <a:xfrm>
+            <a:off x="864148" y="1324357"/>
+            <a:ext cx="1171464" cy="276999"/>
+          </a:xfrm>
+          <a:prstGeom prst="rect">
+            <a:avLst/>
+          </a:prstGeom>
+          <a:noFill/>
+        </p:spPr>
+        <p:txBody>
+          <a:bodyPr wrap="square" rtlCol="0">
+            <a:spAutoFit/>
+          </a:bodyPr>
+          <a:lstStyle/>
+          <a:p>
+            <a:pPr algn="ctr"/>
+            <a:r>
+              <a:rPr lang="es-ES" sz="1200" dirty="0"/>
+              <a:t>Module</a:t>
+            </a:r>
+            <a:endParaRPr lang="es-ES" sz="1400" dirty="0"/>
+          </a:p>
+        </p:txBody>
+      </p:sp>
+      <p:sp>
+        <p:nvSpPr>
+          <p:cNvPr id="5" name="CuadroTexto 4">
+            <a:extLst>
+              <a:ext uri="{FF2B5EF4-FFF2-40B4-BE49-F238E27FC236}">
+                <a16:creationId xmlns:a16="http://schemas.microsoft.com/office/drawing/2014/main" id="{9E19197F-922F-7660-69E0-218393537A92}"/>
+              </a:ext>
+            </a:extLst>
+          </p:cNvPr>
+          <p:cNvSpPr txBox="1"/>
+          <p:nvPr/>
+        </p:nvSpPr>
+        <p:spPr>
+          <a:xfrm>
+            <a:off x="2385842" y="1708488"/>
+            <a:ext cx="1673222" cy="5262979"/>
+          </a:xfrm>
+          <a:prstGeom prst="rect">
+            <a:avLst/>
+          </a:prstGeom>
+          <a:noFill/>
+        </p:spPr>
+        <p:txBody>
+          <a:bodyPr wrap="square" rtlCol="0">
+            <a:spAutoFit/>
+          </a:bodyPr>
+          <a:lstStyle/>
+          <a:p>
+            <a:r>
+              <a:rPr lang="es-ES" sz="1200" dirty="0">
+                <a:sym typeface="Symbol" panose="05050102010706020507" pitchFamily="18" charset="2"/>
+              </a:rPr>
+              <a:t> </a:t>
+            </a:r>
+            <a:r>
+              <a:rPr lang="es-ES" sz="1200" dirty="0" err="1"/>
+              <a:t>AnnAssign</a:t>
+            </a:r>
+            <a:endParaRPr lang="es-ES" sz="1200" dirty="0"/>
+          </a:p>
+          <a:p>
+            <a:r>
+              <a:rPr lang="es-ES" sz="1200" dirty="0">
+                <a:sym typeface="Symbol" panose="05050102010706020507" pitchFamily="18" charset="2"/>
+              </a:rPr>
+              <a:t> </a:t>
+            </a:r>
+            <a:r>
+              <a:rPr lang="es-ES" sz="1200" dirty="0" err="1"/>
+              <a:t>Assert</a:t>
+            </a:r>
+            <a:endParaRPr lang="es-ES" sz="1200" dirty="0"/>
+          </a:p>
+          <a:p>
+            <a:r>
+              <a:rPr lang="es-ES" sz="1200" dirty="0">
+                <a:sym typeface="Symbol" panose="05050102010706020507" pitchFamily="18" charset="2"/>
+              </a:rPr>
+              <a:t> </a:t>
+            </a:r>
+            <a:r>
+              <a:rPr lang="es-ES" sz="1200" dirty="0" err="1"/>
+              <a:t>Assign</a:t>
+            </a:r>
+            <a:endParaRPr lang="es-ES" sz="1200" dirty="0"/>
+          </a:p>
+          <a:p>
+            <a:r>
+              <a:rPr lang="es-ES" sz="1200" dirty="0">
+                <a:sym typeface="Symbol" panose="05050102010706020507" pitchFamily="18" charset="2"/>
+              </a:rPr>
+              <a:t> </a:t>
+            </a:r>
+            <a:r>
+              <a:rPr lang="es-ES" sz="1200" dirty="0" err="1"/>
+              <a:t>AsyncFor</a:t>
+            </a:r>
+            <a:endParaRPr lang="es-ES" sz="1200" dirty="0"/>
+          </a:p>
+          <a:p>
+            <a:r>
+              <a:rPr lang="es-ES" sz="1200" dirty="0">
+                <a:sym typeface="Symbol" panose="05050102010706020507" pitchFamily="18" charset="2"/>
+              </a:rPr>
+              <a:t> </a:t>
+            </a:r>
+            <a:r>
+              <a:rPr lang="es-ES" sz="1200" dirty="0" err="1"/>
+              <a:t>AsyncFunctionDef</a:t>
+            </a:r>
+            <a:endParaRPr lang="es-ES" sz="1200" dirty="0"/>
+          </a:p>
+          <a:p>
+            <a:r>
+              <a:rPr lang="es-ES" sz="1200" dirty="0">
+                <a:sym typeface="Symbol" panose="05050102010706020507" pitchFamily="18" charset="2"/>
+              </a:rPr>
+              <a:t> </a:t>
+            </a:r>
+            <a:r>
+              <a:rPr lang="es-ES" sz="1200" dirty="0" err="1"/>
+              <a:t>AsyncWith</a:t>
+            </a:r>
+            <a:endParaRPr lang="es-ES" sz="1200" dirty="0"/>
+          </a:p>
+          <a:p>
+            <a:r>
+              <a:rPr lang="es-ES" sz="1200" dirty="0">
+                <a:sym typeface="Symbol" panose="05050102010706020507" pitchFamily="18" charset="2"/>
+              </a:rPr>
+              <a:t> </a:t>
+            </a:r>
+            <a:r>
+              <a:rPr lang="es-ES" sz="1200" dirty="0" err="1"/>
+              <a:t>AugAssign</a:t>
+            </a:r>
+            <a:endParaRPr lang="es-ES" sz="1200" dirty="0"/>
+          </a:p>
+          <a:p>
+            <a:r>
+              <a:rPr lang="es-ES" sz="1200" dirty="0">
+                <a:sym typeface="Symbol" panose="05050102010706020507" pitchFamily="18" charset="2"/>
+              </a:rPr>
+              <a:t> </a:t>
+            </a:r>
+            <a:r>
+              <a:rPr lang="es-ES" sz="1200" dirty="0"/>
+              <a:t>Break</a:t>
+            </a:r>
+          </a:p>
+          <a:p>
+            <a:r>
+              <a:rPr lang="es-ES" sz="1200" dirty="0">
+                <a:sym typeface="Symbol" panose="05050102010706020507" pitchFamily="18" charset="2"/>
+              </a:rPr>
+              <a:t> </a:t>
+            </a:r>
+            <a:r>
+              <a:rPr lang="es-ES" sz="1200" dirty="0" err="1"/>
+              <a:t>ClassDef</a:t>
+            </a:r>
+            <a:endParaRPr lang="es-ES" sz="1200" dirty="0"/>
+          </a:p>
+          <a:p>
+            <a:r>
+              <a:rPr lang="es-ES" sz="1200" dirty="0">
+                <a:sym typeface="Symbol" panose="05050102010706020507" pitchFamily="18" charset="2"/>
+              </a:rPr>
+              <a:t> </a:t>
+            </a:r>
+            <a:r>
+              <a:rPr lang="es-ES" sz="1200" dirty="0"/>
+              <a:t>Continue</a:t>
+            </a:r>
+          </a:p>
+          <a:p>
+            <a:r>
+              <a:rPr lang="es-ES" sz="1200" dirty="0">
+                <a:sym typeface="Symbol" panose="05050102010706020507" pitchFamily="18" charset="2"/>
+              </a:rPr>
+              <a:t> </a:t>
+            </a:r>
+            <a:r>
+              <a:rPr lang="es-ES" sz="1200" dirty="0" err="1"/>
+              <a:t>Delete</a:t>
+            </a:r>
+            <a:endParaRPr lang="es-ES" sz="1200" dirty="0"/>
+          </a:p>
+          <a:p>
+            <a:r>
+              <a:rPr lang="es-ES" sz="1200" dirty="0">
+                <a:sym typeface="Symbol" panose="05050102010706020507" pitchFamily="18" charset="2"/>
+              </a:rPr>
+              <a:t> </a:t>
+            </a:r>
+            <a:r>
+              <a:rPr lang="es-ES" sz="1200" dirty="0" err="1"/>
+              <a:t>For</a:t>
+            </a:r>
+            <a:endParaRPr lang="es-ES" sz="1200" dirty="0"/>
+          </a:p>
+          <a:p>
+            <a:r>
+              <a:rPr lang="es-ES" sz="1200" dirty="0">
+                <a:sym typeface="Symbol" panose="05050102010706020507" pitchFamily="18" charset="2"/>
+              </a:rPr>
+              <a:t> </a:t>
+            </a:r>
+            <a:r>
+              <a:rPr lang="es-ES" sz="1200" dirty="0" err="1"/>
+              <a:t>FunctionDef</a:t>
+            </a:r>
+            <a:endParaRPr lang="es-ES" sz="1200" dirty="0"/>
+          </a:p>
+          <a:p>
+            <a:r>
+              <a:rPr lang="es-ES" sz="1200" dirty="0">
+                <a:sym typeface="Symbol" panose="05050102010706020507" pitchFamily="18" charset="2"/>
+              </a:rPr>
+              <a:t> </a:t>
+            </a:r>
+            <a:r>
+              <a:rPr lang="es-ES" sz="1200" dirty="0"/>
+              <a:t>Global</a:t>
+            </a:r>
+          </a:p>
+          <a:p>
+            <a:r>
+              <a:rPr lang="es-ES" sz="1200" dirty="0">
+                <a:sym typeface="Symbol" panose="05050102010706020507" pitchFamily="18" charset="2"/>
+              </a:rPr>
+              <a:t> </a:t>
+            </a:r>
+            <a:r>
+              <a:rPr lang="es-ES" sz="1200" dirty="0" err="1"/>
+              <a:t>If</a:t>
+            </a:r>
+            <a:endParaRPr lang="es-ES" sz="1200" dirty="0"/>
+          </a:p>
+          <a:p>
+            <a:r>
+              <a:rPr lang="es-ES" sz="1200" dirty="0">
+                <a:sym typeface="Symbol" panose="05050102010706020507" pitchFamily="18" charset="2"/>
+              </a:rPr>
+              <a:t> </a:t>
+            </a:r>
+            <a:r>
+              <a:rPr lang="es-ES" sz="1200" dirty="0" err="1"/>
+              <a:t>Import</a:t>
+            </a:r>
+            <a:endParaRPr lang="es-ES" sz="1200" dirty="0"/>
+          </a:p>
+          <a:p>
+            <a:r>
+              <a:rPr lang="es-ES" sz="1200" dirty="0">
+                <a:sym typeface="Symbol" panose="05050102010706020507" pitchFamily="18" charset="2"/>
+              </a:rPr>
+              <a:t> </a:t>
+            </a:r>
+            <a:r>
+              <a:rPr lang="es-ES" sz="1200" dirty="0" err="1"/>
+              <a:t>ImportFrom</a:t>
+            </a:r>
+            <a:endParaRPr lang="es-ES" sz="1200" dirty="0"/>
+          </a:p>
+          <a:p>
+            <a:r>
+              <a:rPr lang="es-ES" sz="1200" dirty="0">
+                <a:sym typeface="Symbol" panose="05050102010706020507" pitchFamily="18" charset="2"/>
+              </a:rPr>
+              <a:t> </a:t>
+            </a:r>
+            <a:r>
+              <a:rPr lang="es-ES" sz="1200" dirty="0"/>
+              <a:t>Match</a:t>
+            </a:r>
+          </a:p>
+          <a:p>
+            <a:r>
+              <a:rPr lang="es-ES" sz="1200" dirty="0">
+                <a:sym typeface="Symbol" panose="05050102010706020507" pitchFamily="18" charset="2"/>
+              </a:rPr>
+              <a:t> </a:t>
+            </a:r>
+            <a:r>
+              <a:rPr lang="es-ES" sz="1200" dirty="0" err="1"/>
+              <a:t>Nonlocal</a:t>
+            </a:r>
+            <a:endParaRPr lang="es-ES" sz="1200" dirty="0"/>
+          </a:p>
+          <a:p>
+            <a:r>
+              <a:rPr lang="es-ES" sz="1200" dirty="0">
+                <a:sym typeface="Symbol" panose="05050102010706020507" pitchFamily="18" charset="2"/>
+              </a:rPr>
+              <a:t> </a:t>
+            </a:r>
+            <a:r>
+              <a:rPr lang="es-ES" sz="1200" dirty="0"/>
+              <a:t>Pass</a:t>
+            </a:r>
+          </a:p>
+          <a:p>
+            <a:r>
+              <a:rPr lang="es-ES" sz="1200" dirty="0">
+                <a:sym typeface="Symbol" panose="05050102010706020507" pitchFamily="18" charset="2"/>
+              </a:rPr>
+              <a:t> </a:t>
+            </a:r>
+            <a:r>
+              <a:rPr lang="es-ES" sz="1200" dirty="0" err="1"/>
+              <a:t>Raise</a:t>
+            </a:r>
+            <a:endParaRPr lang="es-ES" sz="1200" dirty="0"/>
+          </a:p>
+          <a:p>
+            <a:r>
+              <a:rPr lang="es-ES" sz="1200" dirty="0">
+                <a:sym typeface="Symbol" panose="05050102010706020507" pitchFamily="18" charset="2"/>
+              </a:rPr>
+              <a:t> </a:t>
+            </a:r>
+            <a:r>
+              <a:rPr lang="es-ES" sz="1200" dirty="0" err="1"/>
+              <a:t>Return</a:t>
+            </a:r>
+            <a:endParaRPr lang="es-ES" sz="1200" dirty="0"/>
+          </a:p>
+          <a:p>
+            <a:r>
+              <a:rPr lang="es-ES" sz="1200" dirty="0">
+                <a:sym typeface="Symbol" panose="05050102010706020507" pitchFamily="18" charset="2"/>
+              </a:rPr>
+              <a:t> </a:t>
+            </a:r>
+            <a:r>
+              <a:rPr lang="es-ES" sz="1200" dirty="0"/>
+              <a:t>Try</a:t>
+            </a:r>
+          </a:p>
+          <a:p>
+            <a:r>
+              <a:rPr lang="es-ES" sz="1200" dirty="0">
+                <a:sym typeface="Symbol" panose="05050102010706020507" pitchFamily="18" charset="2"/>
+              </a:rPr>
+              <a:t> </a:t>
+            </a:r>
+            <a:r>
+              <a:rPr lang="es-ES" sz="1200" dirty="0" err="1"/>
+              <a:t>TryStar</a:t>
+            </a:r>
+            <a:endParaRPr lang="es-ES" sz="1200" dirty="0"/>
+          </a:p>
+          <a:p>
+            <a:r>
+              <a:rPr lang="es-ES" sz="1200" dirty="0">
+                <a:sym typeface="Symbol" panose="05050102010706020507" pitchFamily="18" charset="2"/>
+              </a:rPr>
+              <a:t> </a:t>
+            </a:r>
+            <a:r>
+              <a:rPr lang="es-ES" sz="1200" dirty="0" err="1"/>
+              <a:t>TypeAlias</a:t>
+            </a:r>
+            <a:endParaRPr lang="es-ES" sz="1200" dirty="0"/>
+          </a:p>
+          <a:p>
+            <a:r>
+              <a:rPr lang="es-ES" sz="1200" dirty="0">
+                <a:sym typeface="Symbol" panose="05050102010706020507" pitchFamily="18" charset="2"/>
+              </a:rPr>
+              <a:t> </a:t>
+            </a:r>
+            <a:r>
+              <a:rPr lang="es-ES" sz="1200" dirty="0" err="1"/>
+              <a:t>While</a:t>
+            </a:r>
+            <a:endParaRPr lang="es-ES" sz="1200" dirty="0"/>
+          </a:p>
+          <a:p>
+            <a:r>
+              <a:rPr lang="es-ES" sz="1200" dirty="0">
+                <a:sym typeface="Symbol" panose="05050102010706020507" pitchFamily="18" charset="2"/>
+              </a:rPr>
+              <a:t> </a:t>
+            </a:r>
+            <a:r>
+              <a:rPr lang="es-ES" sz="1200" dirty="0" err="1"/>
+              <a:t>With</a:t>
+            </a:r>
+            <a:endParaRPr lang="es-ES" sz="1200" dirty="0"/>
+          </a:p>
+          <a:p>
+            <a:endParaRPr lang="es-ES" sz="1200" dirty="0"/>
+          </a:p>
+        </p:txBody>
+      </p:sp>
+      <p:cxnSp>
+        <p:nvCxnSpPr>
+          <p:cNvPr id="7" name="Conector recto 6">
+            <a:extLst>
+              <a:ext uri="{FF2B5EF4-FFF2-40B4-BE49-F238E27FC236}">
+                <a16:creationId xmlns:a16="http://schemas.microsoft.com/office/drawing/2014/main" id="{736B01AA-6F30-FF79-C09A-59ED5920E2BD}"/>
+              </a:ext>
+            </a:extLst>
+          </p:cNvPr>
+          <p:cNvCxnSpPr>
+            <a:cxnSpLocks/>
+          </p:cNvCxnSpPr>
+          <p:nvPr/>
+        </p:nvCxnSpPr>
+        <p:spPr>
+          <a:xfrm flipV="1">
+            <a:off x="2479715" y="1548249"/>
+            <a:ext cx="0" cy="5062835"/>
+          </a:xfrm>
+          <a:prstGeom prst="line">
+            <a:avLst/>
+          </a:prstGeom>
+          <a:ln w="9525">
+            <a:headEnd type="none"/>
+            <a:tailEnd type="triangle"/>
+          </a:ln>
+        </p:spPr>
+        <p:style>
+          <a:lnRef idx="2">
+            <a:schemeClr val="dk1"/>
+          </a:lnRef>
+          <a:fillRef idx="0">
+            <a:schemeClr val="dk1"/>
+          </a:fillRef>
+          <a:effectRef idx="1">
+            <a:schemeClr val="dk1"/>
+          </a:effectRef>
+          <a:fontRef idx="minor">
+            <a:schemeClr val="tx1"/>
+          </a:fontRef>
+        </p:style>
+      </p:cxnSp>
+      <p:sp>
+        <p:nvSpPr>
+          <p:cNvPr id="11" name="CuadroTexto 10">
+            <a:extLst>
+              <a:ext uri="{FF2B5EF4-FFF2-40B4-BE49-F238E27FC236}">
+                <a16:creationId xmlns:a16="http://schemas.microsoft.com/office/drawing/2014/main" id="{7A25226F-0165-342E-C45D-7D11849E38C1}"/>
+              </a:ext>
+            </a:extLst>
+          </p:cNvPr>
+          <p:cNvSpPr txBox="1"/>
+          <p:nvPr/>
+        </p:nvSpPr>
+        <p:spPr>
+          <a:xfrm>
+            <a:off x="3959919" y="1324357"/>
+            <a:ext cx="1171464" cy="276999"/>
+          </a:xfrm>
+          <a:prstGeom prst="rect">
+            <a:avLst/>
+          </a:prstGeom>
+          <a:noFill/>
+        </p:spPr>
+        <p:txBody>
+          <a:bodyPr wrap="square" rtlCol="0" anchor="ctr">
+            <a:spAutoFit/>
+          </a:bodyPr>
+          <a:lstStyle/>
+          <a:p>
+            <a:pPr algn="ctr"/>
+            <a:r>
+              <a:rPr lang="es-ES" sz="1200" dirty="0" err="1"/>
+              <a:t>Expression</a:t>
+            </a:r>
+            <a:endParaRPr lang="es-ES" sz="1200" dirty="0"/>
+          </a:p>
+        </p:txBody>
+      </p:sp>
+      <p:cxnSp>
+        <p:nvCxnSpPr>
+          <p:cNvPr id="12" name="Conector recto 11">
+            <a:extLst>
+              <a:ext uri="{FF2B5EF4-FFF2-40B4-BE49-F238E27FC236}">
+                <a16:creationId xmlns:a16="http://schemas.microsoft.com/office/drawing/2014/main" id="{FAC1FAD7-4C8D-830D-3976-1087E05B0817}"/>
+              </a:ext>
+            </a:extLst>
+          </p:cNvPr>
+          <p:cNvCxnSpPr>
+            <a:cxnSpLocks/>
+          </p:cNvCxnSpPr>
+          <p:nvPr/>
+        </p:nvCxnSpPr>
+        <p:spPr>
+          <a:xfrm flipH="1" flipV="1">
+            <a:off x="3270595" y="1469250"/>
+            <a:ext cx="778843" cy="1"/>
+          </a:xfrm>
+          <a:prstGeom prst="line">
+            <a:avLst/>
+          </a:prstGeom>
+          <a:ln w="9525">
+            <a:headEnd type="none"/>
+            <a:tailEnd type="triangle"/>
+          </a:ln>
+        </p:spPr>
+        <p:style>
+          <a:lnRef idx="2">
+            <a:schemeClr val="dk1"/>
+          </a:lnRef>
+          <a:fillRef idx="0">
+            <a:schemeClr val="dk1"/>
+          </a:fillRef>
+          <a:effectRef idx="1">
+            <a:schemeClr val="dk1"/>
+          </a:effectRef>
+          <a:fontRef idx="minor">
+            <a:schemeClr val="tx1"/>
+          </a:fontRef>
+        </p:style>
+      </p:cxnSp>
+      <p:sp>
+        <p:nvSpPr>
+          <p:cNvPr id="21" name="CuadroTexto 20">
+            <a:extLst>
+              <a:ext uri="{FF2B5EF4-FFF2-40B4-BE49-F238E27FC236}">
+                <a16:creationId xmlns:a16="http://schemas.microsoft.com/office/drawing/2014/main" id="{A3C450F8-8679-BB62-3AA4-759C2F97CD14}"/>
+              </a:ext>
+            </a:extLst>
+          </p:cNvPr>
+          <p:cNvSpPr txBox="1"/>
+          <p:nvPr/>
+        </p:nvSpPr>
+        <p:spPr>
+          <a:xfrm>
+            <a:off x="4214075" y="1708334"/>
+            <a:ext cx="1416617" cy="5078313"/>
+          </a:xfrm>
+          <a:prstGeom prst="rect">
+            <a:avLst/>
+          </a:prstGeom>
+          <a:noFill/>
+        </p:spPr>
+        <p:txBody>
+          <a:bodyPr wrap="square" rtlCol="0">
+            <a:spAutoFit/>
+          </a:bodyPr>
+          <a:lstStyle/>
+          <a:p>
+            <a:r>
+              <a:rPr lang="es-ES" sz="1200" dirty="0">
+                <a:sym typeface="Symbol" panose="05050102010706020507" pitchFamily="18" charset="2"/>
+              </a:rPr>
+              <a:t></a:t>
+            </a:r>
+            <a:r>
+              <a:rPr lang="es-ES" sz="1200" dirty="0"/>
+              <a:t> </a:t>
+            </a:r>
+            <a:r>
+              <a:rPr lang="es-ES" sz="1200" dirty="0" err="1">
+                <a:sym typeface="Symbol" panose="05050102010706020507" pitchFamily="18" charset="2"/>
+              </a:rPr>
+              <a:t>Await</a:t>
+            </a:r>
+            <a:endParaRPr lang="es-ES" sz="1200" dirty="0">
+              <a:sym typeface="Symbol" panose="05050102010706020507" pitchFamily="18" charset="2"/>
+            </a:endParaRPr>
+          </a:p>
+          <a:p>
+            <a:r>
+              <a:rPr lang="es-ES" sz="1200" dirty="0">
+                <a:sym typeface="Symbol" panose="05050102010706020507" pitchFamily="18" charset="2"/>
+              </a:rPr>
+              <a:t></a:t>
+            </a:r>
+            <a:r>
+              <a:rPr lang="es-ES" sz="1200" dirty="0"/>
+              <a:t> </a:t>
+            </a:r>
+            <a:r>
+              <a:rPr lang="es-ES" sz="1200" dirty="0" err="1">
+                <a:sym typeface="Symbol" panose="05050102010706020507" pitchFamily="18" charset="2"/>
+              </a:rPr>
+              <a:t>Attribute</a:t>
+            </a:r>
+            <a:endParaRPr lang="es-ES" sz="1200" dirty="0">
+              <a:sym typeface="Symbol" panose="05050102010706020507" pitchFamily="18" charset="2"/>
+            </a:endParaRPr>
+          </a:p>
+          <a:p>
+            <a:r>
+              <a:rPr lang="es-ES" sz="1200" dirty="0">
+                <a:sym typeface="Symbol" panose="05050102010706020507" pitchFamily="18" charset="2"/>
+              </a:rPr>
+              <a:t></a:t>
+            </a:r>
+            <a:r>
+              <a:rPr lang="es-ES" sz="1200" dirty="0"/>
+              <a:t> </a:t>
+            </a:r>
+            <a:r>
+              <a:rPr lang="es-ES" sz="1200" dirty="0" err="1">
+                <a:sym typeface="Symbol" panose="05050102010706020507" pitchFamily="18" charset="2"/>
+              </a:rPr>
+              <a:t>BinOp</a:t>
+            </a:r>
+            <a:endParaRPr lang="es-ES" sz="1200" dirty="0">
+              <a:sym typeface="Symbol" panose="05050102010706020507" pitchFamily="18" charset="2"/>
+            </a:endParaRPr>
+          </a:p>
+          <a:p>
+            <a:r>
+              <a:rPr lang="es-ES" sz="1200" dirty="0">
+                <a:sym typeface="Symbol" panose="05050102010706020507" pitchFamily="18" charset="2"/>
+              </a:rPr>
+              <a:t></a:t>
+            </a:r>
+            <a:r>
+              <a:rPr lang="es-ES" sz="1200" dirty="0"/>
+              <a:t> </a:t>
+            </a:r>
+            <a:r>
+              <a:rPr lang="es-ES" sz="1200" dirty="0" err="1">
+                <a:sym typeface="Symbol" panose="05050102010706020507" pitchFamily="18" charset="2"/>
+              </a:rPr>
+              <a:t>BollOp</a:t>
+            </a:r>
+            <a:endParaRPr lang="es-ES" sz="1200" dirty="0">
+              <a:sym typeface="Symbol" panose="05050102010706020507" pitchFamily="18" charset="2"/>
+            </a:endParaRPr>
+          </a:p>
+          <a:p>
+            <a:r>
+              <a:rPr lang="es-ES" sz="1200" dirty="0">
+                <a:sym typeface="Symbol" panose="05050102010706020507" pitchFamily="18" charset="2"/>
+              </a:rPr>
+              <a:t></a:t>
+            </a:r>
+            <a:r>
+              <a:rPr lang="es-ES" sz="1200" dirty="0"/>
+              <a:t> </a:t>
+            </a:r>
+            <a:r>
+              <a:rPr lang="es-ES" sz="1200" dirty="0" err="1">
+                <a:sym typeface="Symbol" panose="05050102010706020507" pitchFamily="18" charset="2"/>
+              </a:rPr>
+              <a:t>Call</a:t>
+            </a:r>
+            <a:endParaRPr lang="es-ES" sz="1200" dirty="0">
+              <a:sym typeface="Symbol" panose="05050102010706020507" pitchFamily="18" charset="2"/>
+            </a:endParaRPr>
+          </a:p>
+          <a:p>
+            <a:r>
+              <a:rPr lang="es-ES" sz="1200" dirty="0">
+                <a:sym typeface="Symbol" panose="05050102010706020507" pitchFamily="18" charset="2"/>
+              </a:rPr>
+              <a:t></a:t>
+            </a:r>
+            <a:r>
+              <a:rPr lang="es-ES" sz="1200" dirty="0"/>
+              <a:t> </a:t>
+            </a:r>
+            <a:r>
+              <a:rPr lang="es-ES" sz="1200" dirty="0">
+                <a:sym typeface="Symbol" panose="05050102010706020507" pitchFamily="18" charset="2"/>
+              </a:rPr>
+              <a:t>Compare</a:t>
+            </a:r>
+          </a:p>
+          <a:p>
+            <a:r>
+              <a:rPr lang="es-ES" sz="1200" dirty="0">
+                <a:sym typeface="Symbol" panose="05050102010706020507" pitchFamily="18" charset="2"/>
+              </a:rPr>
+              <a:t></a:t>
+            </a:r>
+            <a:r>
+              <a:rPr lang="es-ES" sz="1200" dirty="0"/>
+              <a:t> </a:t>
+            </a:r>
+            <a:r>
+              <a:rPr lang="es-ES" sz="1200" dirty="0" err="1">
+                <a:sym typeface="Symbol" panose="05050102010706020507" pitchFamily="18" charset="2"/>
+              </a:rPr>
+              <a:t>Constant</a:t>
+            </a:r>
+            <a:endParaRPr lang="es-ES" sz="1200" dirty="0">
+              <a:sym typeface="Symbol" panose="05050102010706020507" pitchFamily="18" charset="2"/>
+            </a:endParaRPr>
+          </a:p>
+          <a:p>
+            <a:r>
+              <a:rPr lang="es-ES" sz="1200" dirty="0">
+                <a:sym typeface="Symbol" panose="05050102010706020507" pitchFamily="18" charset="2"/>
+              </a:rPr>
+              <a:t></a:t>
+            </a:r>
+            <a:r>
+              <a:rPr lang="es-ES" sz="1200" dirty="0"/>
+              <a:t> </a:t>
+            </a:r>
+            <a:r>
+              <a:rPr lang="es-ES" sz="1200" dirty="0" err="1">
+                <a:sym typeface="Symbol" panose="05050102010706020507" pitchFamily="18" charset="2"/>
+              </a:rPr>
+              <a:t>Dict</a:t>
+            </a:r>
+            <a:endParaRPr lang="es-ES" sz="1200" dirty="0">
+              <a:sym typeface="Symbol" panose="05050102010706020507" pitchFamily="18" charset="2"/>
+            </a:endParaRPr>
+          </a:p>
+          <a:p>
+            <a:r>
+              <a:rPr lang="es-ES" sz="1200" dirty="0">
+                <a:sym typeface="Symbol" panose="05050102010706020507" pitchFamily="18" charset="2"/>
+              </a:rPr>
+              <a:t></a:t>
+            </a:r>
+            <a:r>
+              <a:rPr lang="es-ES" sz="1200" dirty="0"/>
+              <a:t> </a:t>
+            </a:r>
+            <a:r>
+              <a:rPr lang="es-ES" sz="1200" dirty="0" err="1">
+                <a:sym typeface="Symbol" panose="05050102010706020507" pitchFamily="18" charset="2"/>
+              </a:rPr>
+              <a:t>DictComp</a:t>
+            </a:r>
+            <a:endParaRPr lang="es-ES" sz="1200" dirty="0">
+              <a:sym typeface="Symbol" panose="05050102010706020507" pitchFamily="18" charset="2"/>
+            </a:endParaRPr>
+          </a:p>
+          <a:p>
+            <a:r>
+              <a:rPr lang="es-ES" sz="1200" dirty="0">
+                <a:sym typeface="Symbol" panose="05050102010706020507" pitchFamily="18" charset="2"/>
+              </a:rPr>
+              <a:t></a:t>
+            </a:r>
+            <a:r>
+              <a:rPr lang="es-ES" sz="1200" dirty="0"/>
+              <a:t> </a:t>
+            </a:r>
+            <a:r>
+              <a:rPr lang="es-ES" sz="1200" dirty="0" err="1">
+                <a:sym typeface="Symbol" panose="05050102010706020507" pitchFamily="18" charset="2"/>
+              </a:rPr>
+              <a:t>FormattedValue</a:t>
+            </a:r>
+            <a:endParaRPr lang="es-ES" sz="1200" dirty="0">
+              <a:sym typeface="Symbol" panose="05050102010706020507" pitchFamily="18" charset="2"/>
+            </a:endParaRPr>
+          </a:p>
+          <a:p>
+            <a:r>
+              <a:rPr lang="es-ES" sz="1200" dirty="0">
+                <a:sym typeface="Symbol" panose="05050102010706020507" pitchFamily="18" charset="2"/>
+              </a:rPr>
+              <a:t></a:t>
+            </a:r>
+            <a:r>
+              <a:rPr lang="es-ES" sz="1200" dirty="0"/>
+              <a:t> </a:t>
+            </a:r>
+            <a:r>
+              <a:rPr lang="es-ES" sz="1200" dirty="0" err="1">
+                <a:sym typeface="Symbol" panose="05050102010706020507" pitchFamily="18" charset="2"/>
+              </a:rPr>
+              <a:t>GeneratorExp</a:t>
+            </a:r>
+            <a:endParaRPr lang="es-ES" sz="1200" dirty="0">
+              <a:sym typeface="Symbol" panose="05050102010706020507" pitchFamily="18" charset="2"/>
+            </a:endParaRPr>
+          </a:p>
+          <a:p>
+            <a:r>
+              <a:rPr lang="es-ES" sz="1200" dirty="0">
+                <a:sym typeface="Symbol" panose="05050102010706020507" pitchFamily="18" charset="2"/>
+              </a:rPr>
+              <a:t></a:t>
+            </a:r>
+            <a:r>
+              <a:rPr lang="es-ES" sz="1200" dirty="0"/>
+              <a:t> </a:t>
+            </a:r>
+            <a:r>
+              <a:rPr lang="es-ES" sz="1200" dirty="0" err="1">
+                <a:sym typeface="Symbol" panose="05050102010706020507" pitchFamily="18" charset="2"/>
+              </a:rPr>
+              <a:t>IfExp</a:t>
+            </a:r>
+            <a:endParaRPr lang="es-ES" sz="1200" dirty="0">
+              <a:sym typeface="Symbol" panose="05050102010706020507" pitchFamily="18" charset="2"/>
+            </a:endParaRPr>
+          </a:p>
+          <a:p>
+            <a:r>
+              <a:rPr lang="es-ES" sz="1200" dirty="0">
+                <a:sym typeface="Symbol" panose="05050102010706020507" pitchFamily="18" charset="2"/>
+              </a:rPr>
+              <a:t></a:t>
+            </a:r>
+            <a:r>
+              <a:rPr lang="es-ES" sz="1200" dirty="0"/>
+              <a:t> </a:t>
+            </a:r>
+            <a:r>
+              <a:rPr lang="es-ES" sz="1200" dirty="0" err="1">
+                <a:sym typeface="Symbol" panose="05050102010706020507" pitchFamily="18" charset="2"/>
+              </a:rPr>
+              <a:t>JoinedStr</a:t>
+            </a:r>
+            <a:endParaRPr lang="es-ES" sz="1200" dirty="0">
+              <a:sym typeface="Symbol" panose="05050102010706020507" pitchFamily="18" charset="2"/>
+            </a:endParaRPr>
+          </a:p>
+          <a:p>
+            <a:r>
+              <a:rPr lang="es-ES" sz="1200" dirty="0">
+                <a:sym typeface="Symbol" panose="05050102010706020507" pitchFamily="18" charset="2"/>
+              </a:rPr>
+              <a:t></a:t>
+            </a:r>
+            <a:r>
+              <a:rPr lang="es-ES" sz="1200" dirty="0"/>
+              <a:t> </a:t>
+            </a:r>
+            <a:r>
+              <a:rPr lang="es-ES" sz="1200" dirty="0">
+                <a:sym typeface="Symbol" panose="05050102010706020507" pitchFamily="18" charset="2"/>
+              </a:rPr>
+              <a:t>Lambda</a:t>
+            </a:r>
+          </a:p>
+          <a:p>
+            <a:r>
+              <a:rPr lang="es-ES" sz="1200" dirty="0">
+                <a:sym typeface="Symbol" panose="05050102010706020507" pitchFamily="18" charset="2"/>
+              </a:rPr>
+              <a:t></a:t>
+            </a:r>
+            <a:r>
+              <a:rPr lang="es-ES" sz="1200" dirty="0"/>
+              <a:t> </a:t>
+            </a:r>
+            <a:r>
+              <a:rPr lang="es-ES" sz="1200" dirty="0" err="1">
+                <a:sym typeface="Symbol" panose="05050102010706020507" pitchFamily="18" charset="2"/>
+              </a:rPr>
+              <a:t>List</a:t>
+            </a:r>
+            <a:endParaRPr lang="es-ES" sz="1200" dirty="0">
+              <a:sym typeface="Symbol" panose="05050102010706020507" pitchFamily="18" charset="2"/>
+            </a:endParaRPr>
+          </a:p>
+          <a:p>
+            <a:r>
+              <a:rPr lang="es-ES" sz="1200" dirty="0">
+                <a:sym typeface="Symbol" panose="05050102010706020507" pitchFamily="18" charset="2"/>
+              </a:rPr>
+              <a:t></a:t>
+            </a:r>
+            <a:r>
+              <a:rPr lang="es-ES" sz="1200" dirty="0"/>
+              <a:t> </a:t>
+            </a:r>
+            <a:r>
+              <a:rPr lang="es-ES" sz="1200" dirty="0" err="1">
+                <a:sym typeface="Symbol" panose="05050102010706020507" pitchFamily="18" charset="2"/>
+              </a:rPr>
+              <a:t>ListComp</a:t>
+            </a:r>
+            <a:endParaRPr lang="es-ES" sz="1200" dirty="0">
+              <a:sym typeface="Symbol" panose="05050102010706020507" pitchFamily="18" charset="2"/>
+            </a:endParaRPr>
+          </a:p>
+          <a:p>
+            <a:r>
+              <a:rPr lang="es-ES" sz="1200" dirty="0">
+                <a:sym typeface="Symbol" panose="05050102010706020507" pitchFamily="18" charset="2"/>
+              </a:rPr>
+              <a:t></a:t>
+            </a:r>
+            <a:r>
+              <a:rPr lang="es-ES" sz="1200" dirty="0"/>
+              <a:t> </a:t>
+            </a:r>
+            <a:r>
+              <a:rPr lang="es-ES" sz="1200" dirty="0" err="1">
+                <a:sym typeface="Symbol" panose="05050102010706020507" pitchFamily="18" charset="2"/>
+              </a:rPr>
+              <a:t>Name</a:t>
+            </a:r>
+            <a:endParaRPr lang="es-ES" sz="1200" dirty="0">
+              <a:sym typeface="Symbol" panose="05050102010706020507" pitchFamily="18" charset="2"/>
+            </a:endParaRPr>
+          </a:p>
+          <a:p>
+            <a:r>
+              <a:rPr lang="es-ES" sz="1200" dirty="0">
+                <a:sym typeface="Symbol" panose="05050102010706020507" pitchFamily="18" charset="2"/>
+              </a:rPr>
+              <a:t></a:t>
+            </a:r>
+            <a:r>
+              <a:rPr lang="es-ES" sz="1200" dirty="0"/>
+              <a:t> </a:t>
+            </a:r>
+            <a:r>
+              <a:rPr lang="es-ES" sz="1200" dirty="0" err="1">
+                <a:sym typeface="Symbol" panose="05050102010706020507" pitchFamily="18" charset="2"/>
+              </a:rPr>
+              <a:t>NamedExp</a:t>
+            </a:r>
+            <a:endParaRPr lang="es-ES" sz="1200" dirty="0">
+              <a:sym typeface="Symbol" panose="05050102010706020507" pitchFamily="18" charset="2"/>
+            </a:endParaRPr>
+          </a:p>
+          <a:p>
+            <a:r>
+              <a:rPr lang="es-ES" sz="1200" dirty="0">
+                <a:sym typeface="Symbol" panose="05050102010706020507" pitchFamily="18" charset="2"/>
+              </a:rPr>
+              <a:t></a:t>
+            </a:r>
+            <a:r>
+              <a:rPr lang="es-ES" sz="1200" dirty="0"/>
+              <a:t> </a:t>
+            </a:r>
+            <a:r>
+              <a:rPr lang="es-ES" sz="1200" dirty="0">
+                <a:sym typeface="Symbol" panose="05050102010706020507" pitchFamily="18" charset="2"/>
+              </a:rPr>
+              <a:t>Set</a:t>
+            </a:r>
+          </a:p>
+          <a:p>
+            <a:r>
+              <a:rPr lang="es-ES" sz="1200" dirty="0">
+                <a:sym typeface="Symbol" panose="05050102010706020507" pitchFamily="18" charset="2"/>
+              </a:rPr>
+              <a:t></a:t>
+            </a:r>
+            <a:r>
+              <a:rPr lang="es-ES" sz="1200" dirty="0"/>
+              <a:t> </a:t>
+            </a:r>
+            <a:r>
+              <a:rPr lang="es-ES" sz="1200" dirty="0" err="1">
+                <a:sym typeface="Symbol" panose="05050102010706020507" pitchFamily="18" charset="2"/>
+              </a:rPr>
+              <a:t>SetComp</a:t>
+            </a:r>
+            <a:endParaRPr lang="es-ES" sz="1200" dirty="0">
+              <a:sym typeface="Symbol" panose="05050102010706020507" pitchFamily="18" charset="2"/>
+            </a:endParaRPr>
+          </a:p>
+          <a:p>
+            <a:r>
+              <a:rPr lang="es-ES" sz="1200" dirty="0">
+                <a:sym typeface="Symbol" panose="05050102010706020507" pitchFamily="18" charset="2"/>
+              </a:rPr>
+              <a:t></a:t>
+            </a:r>
+            <a:r>
+              <a:rPr lang="es-ES" sz="1200" dirty="0"/>
+              <a:t> </a:t>
+            </a:r>
+            <a:r>
+              <a:rPr lang="es-ES" sz="1200" dirty="0" err="1">
+                <a:sym typeface="Symbol" panose="05050102010706020507" pitchFamily="18" charset="2"/>
+              </a:rPr>
+              <a:t>Slice</a:t>
+            </a:r>
+            <a:endParaRPr lang="es-ES" sz="1200" dirty="0">
+              <a:sym typeface="Symbol" panose="05050102010706020507" pitchFamily="18" charset="2"/>
+            </a:endParaRPr>
+          </a:p>
+          <a:p>
+            <a:r>
+              <a:rPr lang="es-ES" sz="1200" dirty="0">
+                <a:sym typeface="Symbol" panose="05050102010706020507" pitchFamily="18" charset="2"/>
+              </a:rPr>
+              <a:t></a:t>
+            </a:r>
+            <a:r>
+              <a:rPr lang="es-ES" sz="1200" dirty="0"/>
+              <a:t> </a:t>
+            </a:r>
+            <a:r>
+              <a:rPr lang="es-ES" sz="1200" dirty="0" err="1">
+                <a:sym typeface="Symbol" panose="05050102010706020507" pitchFamily="18" charset="2"/>
+              </a:rPr>
+              <a:t>Starred</a:t>
+            </a:r>
+            <a:endParaRPr lang="es-ES" sz="1200" dirty="0">
+              <a:sym typeface="Symbol" panose="05050102010706020507" pitchFamily="18" charset="2"/>
+            </a:endParaRPr>
+          </a:p>
+          <a:p>
+            <a:r>
+              <a:rPr lang="es-ES" sz="1200" dirty="0">
+                <a:sym typeface="Symbol" panose="05050102010706020507" pitchFamily="18" charset="2"/>
+              </a:rPr>
+              <a:t></a:t>
+            </a:r>
+            <a:r>
+              <a:rPr lang="es-ES" sz="1200" dirty="0"/>
+              <a:t> </a:t>
+            </a:r>
+            <a:r>
+              <a:rPr lang="es-ES" sz="1200" dirty="0" err="1">
+                <a:sym typeface="Symbol" panose="05050102010706020507" pitchFamily="18" charset="2"/>
+              </a:rPr>
+              <a:t>Subscript</a:t>
+            </a:r>
+            <a:endParaRPr lang="es-ES" sz="1200" dirty="0">
+              <a:sym typeface="Symbol" panose="05050102010706020507" pitchFamily="18" charset="2"/>
+            </a:endParaRPr>
+          </a:p>
+          <a:p>
+            <a:r>
+              <a:rPr lang="es-ES" sz="1200" dirty="0">
+                <a:sym typeface="Symbol" panose="05050102010706020507" pitchFamily="18" charset="2"/>
+              </a:rPr>
+              <a:t></a:t>
+            </a:r>
+            <a:r>
+              <a:rPr lang="es-ES" sz="1200" dirty="0"/>
+              <a:t> </a:t>
+            </a:r>
+            <a:r>
+              <a:rPr lang="es-ES" sz="1200" dirty="0" err="1">
+                <a:sym typeface="Symbol" panose="05050102010706020507" pitchFamily="18" charset="2"/>
+              </a:rPr>
+              <a:t>Tuple</a:t>
+            </a:r>
+            <a:endParaRPr lang="es-ES" sz="1200" dirty="0">
+              <a:sym typeface="Symbol" panose="05050102010706020507" pitchFamily="18" charset="2"/>
+            </a:endParaRPr>
+          </a:p>
+          <a:p>
+            <a:r>
+              <a:rPr lang="es-ES" sz="1200" dirty="0">
+                <a:sym typeface="Symbol" panose="05050102010706020507" pitchFamily="18" charset="2"/>
+              </a:rPr>
+              <a:t></a:t>
+            </a:r>
+            <a:r>
+              <a:rPr lang="es-ES" sz="1200" dirty="0"/>
+              <a:t> </a:t>
+            </a:r>
+            <a:r>
+              <a:rPr lang="es-ES" sz="1200" dirty="0" err="1">
+                <a:sym typeface="Symbol" panose="05050102010706020507" pitchFamily="18" charset="2"/>
+              </a:rPr>
+              <a:t>UnaryOp</a:t>
+            </a:r>
+            <a:endParaRPr lang="es-ES" sz="1200" dirty="0">
+              <a:sym typeface="Symbol" panose="05050102010706020507" pitchFamily="18" charset="2"/>
+            </a:endParaRPr>
+          </a:p>
+          <a:p>
+            <a:r>
+              <a:rPr lang="es-ES" sz="1200" dirty="0">
+                <a:sym typeface="Symbol" panose="05050102010706020507" pitchFamily="18" charset="2"/>
+              </a:rPr>
+              <a:t></a:t>
+            </a:r>
+            <a:r>
+              <a:rPr lang="es-ES" sz="1200" dirty="0"/>
+              <a:t> </a:t>
+            </a:r>
+            <a:r>
+              <a:rPr lang="es-ES" sz="1200" dirty="0" err="1">
+                <a:sym typeface="Symbol" panose="05050102010706020507" pitchFamily="18" charset="2"/>
+              </a:rPr>
+              <a:t>Yield</a:t>
+            </a:r>
+            <a:endParaRPr lang="es-ES" sz="1200" dirty="0">
+              <a:sym typeface="Symbol" panose="05050102010706020507" pitchFamily="18" charset="2"/>
+            </a:endParaRPr>
+          </a:p>
+          <a:p>
+            <a:r>
+              <a:rPr lang="es-ES" sz="1200" dirty="0">
+                <a:sym typeface="Symbol" panose="05050102010706020507" pitchFamily="18" charset="2"/>
+              </a:rPr>
+              <a:t></a:t>
+            </a:r>
+            <a:r>
+              <a:rPr lang="es-ES" sz="1200" dirty="0"/>
+              <a:t> </a:t>
+            </a:r>
+            <a:r>
+              <a:rPr lang="es-ES" sz="1200" dirty="0" err="1">
+                <a:sym typeface="Symbol" panose="05050102010706020507" pitchFamily="18" charset="2"/>
+              </a:rPr>
+              <a:t>YieldFrom</a:t>
+            </a:r>
+            <a:endParaRPr lang="es-ES" sz="1200" dirty="0">
+              <a:sym typeface="Symbol" panose="05050102010706020507" pitchFamily="18" charset="2"/>
+            </a:endParaRPr>
+          </a:p>
+        </p:txBody>
+      </p:sp>
+      <p:cxnSp>
+        <p:nvCxnSpPr>
+          <p:cNvPr id="22" name="Conector recto 21">
+            <a:extLst>
+              <a:ext uri="{FF2B5EF4-FFF2-40B4-BE49-F238E27FC236}">
+                <a16:creationId xmlns:a16="http://schemas.microsoft.com/office/drawing/2014/main" id="{9D8D8E84-22C7-1BD0-553C-A81D314411B2}"/>
+              </a:ext>
+            </a:extLst>
+          </p:cNvPr>
+          <p:cNvCxnSpPr>
+            <a:cxnSpLocks/>
+          </p:cNvCxnSpPr>
+          <p:nvPr/>
+        </p:nvCxnSpPr>
+        <p:spPr>
+          <a:xfrm flipV="1">
+            <a:off x="4302165" y="1550556"/>
+            <a:ext cx="0" cy="5062835"/>
+          </a:xfrm>
+          <a:prstGeom prst="line">
+            <a:avLst/>
+          </a:prstGeom>
+          <a:ln w="9525">
+            <a:headEnd type="none"/>
+            <a:tailEnd type="triangle"/>
+          </a:ln>
+        </p:spPr>
+        <p:style>
+          <a:lnRef idx="2">
+            <a:schemeClr val="dk1"/>
+          </a:lnRef>
+          <a:fillRef idx="0">
+            <a:schemeClr val="dk1"/>
+          </a:fillRef>
+          <a:effectRef idx="1">
+            <a:schemeClr val="dk1"/>
+          </a:effectRef>
+          <a:fontRef idx="minor">
+            <a:schemeClr val="tx1"/>
+          </a:fontRef>
+        </p:style>
+      </p:cxnSp>
+      <p:cxnSp>
+        <p:nvCxnSpPr>
+          <p:cNvPr id="23" name="Conector recto 22">
+            <a:extLst>
+              <a:ext uri="{FF2B5EF4-FFF2-40B4-BE49-F238E27FC236}">
+                <a16:creationId xmlns:a16="http://schemas.microsoft.com/office/drawing/2014/main" id="{9B0FE13E-5E5F-61AE-2212-536C7C9CCB02}"/>
+              </a:ext>
+            </a:extLst>
+          </p:cNvPr>
+          <p:cNvCxnSpPr>
+            <a:cxnSpLocks/>
+            <a:stCxn id="3" idx="0"/>
+            <a:endCxn id="2" idx="2"/>
+          </p:cNvCxnSpPr>
+          <p:nvPr/>
+        </p:nvCxnSpPr>
+        <p:spPr>
+          <a:xfrm flipV="1">
+            <a:off x="2757317" y="740155"/>
+            <a:ext cx="0" cy="586299"/>
+          </a:xfrm>
+          <a:prstGeom prst="line">
+            <a:avLst/>
+          </a:prstGeom>
+          <a:ln w="9525">
+            <a:headEnd type="none"/>
+            <a:tailEnd type="triangle"/>
+          </a:ln>
+        </p:spPr>
+        <p:style>
+          <a:lnRef idx="2">
+            <a:schemeClr val="dk1"/>
+          </a:lnRef>
+          <a:fillRef idx="0">
+            <a:schemeClr val="dk1"/>
+          </a:fillRef>
+          <a:effectRef idx="1">
+            <a:schemeClr val="dk1"/>
+          </a:effectRef>
+          <a:fontRef idx="minor">
+            <a:schemeClr val="tx1"/>
+          </a:fontRef>
+        </p:style>
+      </p:cxnSp>
+      <p:cxnSp>
+        <p:nvCxnSpPr>
+          <p:cNvPr id="39" name="Conector recto 38">
+            <a:extLst>
+              <a:ext uri="{FF2B5EF4-FFF2-40B4-BE49-F238E27FC236}">
+                <a16:creationId xmlns:a16="http://schemas.microsoft.com/office/drawing/2014/main" id="{CDDFA510-D4C7-6DBB-5E2E-640F28E6317F}"/>
+              </a:ext>
+            </a:extLst>
+          </p:cNvPr>
+          <p:cNvCxnSpPr>
+            <a:cxnSpLocks/>
+          </p:cNvCxnSpPr>
+          <p:nvPr/>
+        </p:nvCxnSpPr>
+        <p:spPr>
+          <a:xfrm>
+            <a:off x="1449880" y="1084104"/>
+            <a:ext cx="1307437" cy="0"/>
+          </a:xfrm>
+          <a:prstGeom prst="line">
+            <a:avLst/>
+          </a:prstGeom>
+          <a:ln w="9525">
+            <a:headEnd type="none"/>
+            <a:tailEnd type="none"/>
+          </a:ln>
+        </p:spPr>
+        <p:style>
+          <a:lnRef idx="2">
+            <a:schemeClr val="dk1"/>
+          </a:lnRef>
+          <a:fillRef idx="0">
+            <a:schemeClr val="dk1"/>
+          </a:fillRef>
+          <a:effectRef idx="1">
+            <a:schemeClr val="dk1"/>
+          </a:effectRef>
+          <a:fontRef idx="minor">
+            <a:schemeClr val="tx1"/>
+          </a:fontRef>
+        </p:style>
+      </p:cxnSp>
+      <p:cxnSp>
+        <p:nvCxnSpPr>
+          <p:cNvPr id="43" name="Conector recto 42">
+            <a:extLst>
+              <a:ext uri="{FF2B5EF4-FFF2-40B4-BE49-F238E27FC236}">
+                <a16:creationId xmlns:a16="http://schemas.microsoft.com/office/drawing/2014/main" id="{B16A7F1F-3491-4BBA-CE50-3A8193131EAB}"/>
+              </a:ext>
+            </a:extLst>
+          </p:cNvPr>
+          <p:cNvCxnSpPr>
+            <a:cxnSpLocks/>
+            <a:stCxn id="4" idx="0"/>
+          </p:cNvCxnSpPr>
+          <p:nvPr/>
+        </p:nvCxnSpPr>
+        <p:spPr>
+          <a:xfrm flipV="1">
+            <a:off x="1449880" y="1084104"/>
+            <a:ext cx="0" cy="240253"/>
+          </a:xfrm>
+          <a:prstGeom prst="line">
+            <a:avLst/>
+          </a:prstGeom>
+          <a:ln w="9525">
+            <a:headEnd type="none"/>
+            <a:tailEnd type="none"/>
+          </a:ln>
+        </p:spPr>
+        <p:style>
+          <a:lnRef idx="2">
+            <a:schemeClr val="dk1"/>
+          </a:lnRef>
+          <a:fillRef idx="0">
+            <a:schemeClr val="dk1"/>
+          </a:fillRef>
+          <a:effectRef idx="1">
+            <a:schemeClr val="dk1"/>
+          </a:effectRef>
+          <a:fontRef idx="minor">
+            <a:schemeClr val="tx1"/>
+          </a:fontRef>
+        </p:style>
+      </p:cxnSp>
+      <p:cxnSp>
+        <p:nvCxnSpPr>
+          <p:cNvPr id="48" name="Conector recto 47">
+            <a:extLst>
+              <a:ext uri="{FF2B5EF4-FFF2-40B4-BE49-F238E27FC236}">
+                <a16:creationId xmlns:a16="http://schemas.microsoft.com/office/drawing/2014/main" id="{D7266F86-81CC-3858-F2BC-F1E47C6AA428}"/>
+              </a:ext>
+            </a:extLst>
+          </p:cNvPr>
+          <p:cNvCxnSpPr>
+            <a:cxnSpLocks/>
+          </p:cNvCxnSpPr>
+          <p:nvPr/>
+        </p:nvCxnSpPr>
+        <p:spPr>
+          <a:xfrm flipV="1">
+            <a:off x="4545651" y="1084104"/>
+            <a:ext cx="0" cy="240253"/>
+          </a:xfrm>
+          <a:prstGeom prst="line">
+            <a:avLst/>
+          </a:prstGeom>
+          <a:ln w="9525">
+            <a:headEnd type="none"/>
+            <a:tailEnd type="none"/>
+          </a:ln>
+        </p:spPr>
+        <p:style>
+          <a:lnRef idx="2">
+            <a:schemeClr val="dk1"/>
+          </a:lnRef>
+          <a:fillRef idx="0">
+            <a:schemeClr val="dk1"/>
+          </a:fillRef>
+          <a:effectRef idx="1">
+            <a:schemeClr val="dk1"/>
+          </a:effectRef>
+          <a:fontRef idx="minor">
+            <a:schemeClr val="tx1"/>
+          </a:fontRef>
+        </p:style>
+      </p:cxnSp>
+      <p:cxnSp>
+        <p:nvCxnSpPr>
+          <p:cNvPr id="49" name="Conector recto 48">
+            <a:extLst>
+              <a:ext uri="{FF2B5EF4-FFF2-40B4-BE49-F238E27FC236}">
+                <a16:creationId xmlns:a16="http://schemas.microsoft.com/office/drawing/2014/main" id="{8444E217-9CBD-E479-DF33-19B45142C258}"/>
+              </a:ext>
+            </a:extLst>
+          </p:cNvPr>
+          <p:cNvCxnSpPr>
+            <a:cxnSpLocks/>
+          </p:cNvCxnSpPr>
+          <p:nvPr/>
+        </p:nvCxnSpPr>
+        <p:spPr>
+          <a:xfrm>
+            <a:off x="2689330" y="1084104"/>
+            <a:ext cx="1856321" cy="0"/>
+          </a:xfrm>
+          <a:prstGeom prst="line">
+            <a:avLst/>
+          </a:prstGeom>
+          <a:ln w="9525">
+            <a:headEnd type="none"/>
+            <a:tailEnd type="none"/>
+          </a:ln>
+        </p:spPr>
+        <p:style>
+          <a:lnRef idx="2">
+            <a:schemeClr val="dk1"/>
+          </a:lnRef>
+          <a:fillRef idx="0">
+            <a:schemeClr val="dk1"/>
+          </a:fillRef>
+          <a:effectRef idx="1">
+            <a:schemeClr val="dk1"/>
+          </a:effectRef>
+          <a:fontRef idx="minor">
+            <a:schemeClr val="tx1"/>
+          </a:fontRef>
+        </p:style>
+      </p:cxnSp>
     </p:spTree>
     <p:extLst>
       <p:ext uri="{BB962C8B-B14F-4D97-AF65-F5344CB8AC3E}">
         <p14:creationId xmlns:p14="http://schemas.microsoft.com/office/powerpoint/2010/main" val="467697236"/>
+      </p:ext>
+    </p:extLst>
+  </p:cSld>
+  <p:clrMapOvr>
+    <a:masterClrMapping/>
+  </p:clrMapOvr>
+</p:sld>
+</file>
+
+<file path=ppt/slides/slide3.xml><?xml version="1.0" encoding="utf-8"?>
+<p:sld xmlns:a="http://schemas.openxmlformats.org/drawingml/2006/main" xmlns:r="http://schemas.openxmlformats.org/officeDocument/2006/relationships" xmlns:p="http://schemas.openxmlformats.org/presentationml/2006/main">
+  <p:cSld>
+    <p:spTree>
+      <p:nvGrpSpPr>
+        <p:cNvPr id="1" name=""/>
+        <p:cNvGrpSpPr/>
+        <p:nvPr/>
+      </p:nvGrpSpPr>
+      <p:grpSpPr>
+        <a:xfrm>
+          <a:off x="0" y="0"/>
+          <a:ext cx="0" cy="0"/>
+          <a:chOff x="0" y="0"/>
+          <a:chExt cx="0" cy="0"/>
+        </a:xfrm>
+      </p:grpSpPr>
+      <p:sp>
+        <p:nvSpPr>
+          <p:cNvPr id="2" name="CuadroTexto 1">
+            <a:extLst>
+              <a:ext uri="{FF2B5EF4-FFF2-40B4-BE49-F238E27FC236}">
+                <a16:creationId xmlns:a16="http://schemas.microsoft.com/office/drawing/2014/main" id="{902B1BD0-0E96-7CBA-9C8F-2E9660BFC819}"/>
+              </a:ext>
+            </a:extLst>
+          </p:cNvPr>
+          <p:cNvSpPr txBox="1"/>
+          <p:nvPr/>
+        </p:nvSpPr>
+        <p:spPr>
+          <a:xfrm>
+            <a:off x="2888748" y="463156"/>
+            <a:ext cx="880138" cy="276999"/>
+          </a:xfrm>
+          <a:prstGeom prst="rect">
+            <a:avLst/>
+          </a:prstGeom>
+          <a:noFill/>
+        </p:spPr>
+        <p:txBody>
+          <a:bodyPr wrap="square" rtlCol="0">
+            <a:spAutoFit/>
+          </a:bodyPr>
+          <a:lstStyle/>
+          <a:p>
+            <a:pPr algn="ctr"/>
+            <a:r>
+              <a:rPr lang="es-ES" sz="1200" dirty="0" err="1"/>
+              <a:t>Tree</a:t>
+            </a:r>
+            <a:endParaRPr lang="es-ES" sz="1400" dirty="0"/>
+          </a:p>
+        </p:txBody>
+      </p:sp>
+      <p:sp>
+        <p:nvSpPr>
+          <p:cNvPr id="3" name="CuadroTexto 2">
+            <a:extLst>
+              <a:ext uri="{FF2B5EF4-FFF2-40B4-BE49-F238E27FC236}">
+                <a16:creationId xmlns:a16="http://schemas.microsoft.com/office/drawing/2014/main" id="{5565A808-FDCD-3F38-3421-6A9FCC6FEABA}"/>
+              </a:ext>
+            </a:extLst>
+          </p:cNvPr>
+          <p:cNvSpPr txBox="1"/>
+          <p:nvPr/>
+        </p:nvSpPr>
+        <p:spPr>
+          <a:xfrm>
+            <a:off x="2743085" y="1310581"/>
+            <a:ext cx="1171464" cy="276999"/>
+          </a:xfrm>
+          <a:prstGeom prst="rect">
+            <a:avLst/>
+          </a:prstGeom>
+          <a:noFill/>
+        </p:spPr>
+        <p:txBody>
+          <a:bodyPr wrap="square" rtlCol="0" anchor="ctr">
+            <a:spAutoFit/>
+          </a:bodyPr>
+          <a:lstStyle/>
+          <a:p>
+            <a:pPr algn="ctr"/>
+            <a:r>
+              <a:rPr lang="es-ES" sz="1200" dirty="0" err="1"/>
+              <a:t>Statement</a:t>
+            </a:r>
+            <a:endParaRPr lang="es-ES" sz="1200" dirty="0"/>
+          </a:p>
+        </p:txBody>
+      </p:sp>
+      <p:sp>
+        <p:nvSpPr>
+          <p:cNvPr id="5" name="CuadroTexto 4">
+            <a:extLst>
+              <a:ext uri="{FF2B5EF4-FFF2-40B4-BE49-F238E27FC236}">
+                <a16:creationId xmlns:a16="http://schemas.microsoft.com/office/drawing/2014/main" id="{9E19197F-922F-7660-69E0-218393537A92}"/>
+              </a:ext>
+            </a:extLst>
+          </p:cNvPr>
+          <p:cNvSpPr txBox="1"/>
+          <p:nvPr/>
+        </p:nvSpPr>
+        <p:spPr>
+          <a:xfrm>
+            <a:off x="2957341" y="1632288"/>
+            <a:ext cx="1916321" cy="4524315"/>
+          </a:xfrm>
+          <a:prstGeom prst="rect">
+            <a:avLst/>
+          </a:prstGeom>
+          <a:noFill/>
+        </p:spPr>
+        <p:txBody>
+          <a:bodyPr wrap="square" rtlCol="0">
+            <a:spAutoFit/>
+          </a:bodyPr>
+          <a:lstStyle/>
+          <a:p>
+            <a:r>
+              <a:rPr lang="es-ES" sz="1200" dirty="0">
+                <a:sym typeface="Symbol" panose="05050102010706020507" pitchFamily="18" charset="2"/>
+              </a:rPr>
+              <a:t></a:t>
+            </a:r>
+            <a:r>
+              <a:rPr lang="es-ES" sz="1200" dirty="0"/>
+              <a:t> </a:t>
+            </a:r>
+            <a:r>
+              <a:rPr lang="es-ES" sz="1200" dirty="0" err="1">
+                <a:sym typeface="Symbol" panose="05050102010706020507" pitchFamily="18" charset="2"/>
+              </a:rPr>
+              <a:t>AnnotatedAssignment</a:t>
+            </a:r>
+            <a:endParaRPr lang="es-ES" sz="1200" dirty="0">
+              <a:sym typeface="Symbol" panose="05050102010706020507" pitchFamily="18" charset="2"/>
+            </a:endParaRPr>
+          </a:p>
+          <a:p>
+            <a:r>
+              <a:rPr lang="es-ES" sz="1200" dirty="0">
+                <a:sym typeface="Symbol" panose="05050102010706020507" pitchFamily="18" charset="2"/>
+              </a:rPr>
+              <a:t></a:t>
+            </a:r>
+            <a:r>
+              <a:rPr lang="es-ES" sz="1200" dirty="0"/>
+              <a:t> </a:t>
+            </a:r>
+            <a:r>
+              <a:rPr lang="es-ES" sz="1200" dirty="0" err="1">
+                <a:sym typeface="Symbol" panose="05050102010706020507" pitchFamily="18" charset="2"/>
+              </a:rPr>
+              <a:t>Assert</a:t>
+            </a:r>
+            <a:endParaRPr lang="es-ES" sz="1200" dirty="0">
+              <a:sym typeface="Symbol" panose="05050102010706020507" pitchFamily="18" charset="2"/>
+            </a:endParaRPr>
+          </a:p>
+          <a:p>
+            <a:r>
+              <a:rPr lang="es-ES" sz="1200" dirty="0">
+                <a:sym typeface="Symbol" panose="05050102010706020507" pitchFamily="18" charset="2"/>
+              </a:rPr>
+              <a:t></a:t>
+            </a:r>
+            <a:r>
+              <a:rPr lang="es-ES" sz="1200" dirty="0"/>
+              <a:t> </a:t>
+            </a:r>
+            <a:r>
+              <a:rPr lang="es-ES" sz="1200" dirty="0" err="1">
+                <a:sym typeface="Symbol" panose="05050102010706020507" pitchFamily="18" charset="2"/>
+              </a:rPr>
+              <a:t>AssignmentStmt</a:t>
+            </a:r>
+            <a:endParaRPr lang="es-ES" sz="1200" dirty="0">
+              <a:sym typeface="Symbol" panose="05050102010706020507" pitchFamily="18" charset="2"/>
+            </a:endParaRPr>
+          </a:p>
+          <a:p>
+            <a:r>
+              <a:rPr lang="es-ES" sz="1200" dirty="0">
+                <a:sym typeface="Symbol" panose="05050102010706020507" pitchFamily="18" charset="2"/>
+              </a:rPr>
+              <a:t></a:t>
+            </a:r>
+            <a:r>
+              <a:rPr lang="es-ES" sz="1200" dirty="0"/>
+              <a:t> </a:t>
+            </a:r>
+            <a:r>
+              <a:rPr lang="es-ES" sz="1200" dirty="0" err="1">
+                <a:sym typeface="Symbol" panose="05050102010706020507" pitchFamily="18" charset="2"/>
+              </a:rPr>
+              <a:t>AsyncFor</a:t>
+            </a:r>
+            <a:endParaRPr lang="es-ES" sz="1200" dirty="0">
+              <a:sym typeface="Symbol" panose="05050102010706020507" pitchFamily="18" charset="2"/>
+            </a:endParaRPr>
+          </a:p>
+          <a:p>
+            <a:r>
+              <a:rPr lang="es-ES" sz="1200" dirty="0">
+                <a:sym typeface="Symbol" panose="05050102010706020507" pitchFamily="18" charset="2"/>
+              </a:rPr>
+              <a:t></a:t>
+            </a:r>
+            <a:r>
+              <a:rPr lang="es-ES" sz="1200" dirty="0"/>
+              <a:t> </a:t>
+            </a:r>
+            <a:r>
+              <a:rPr lang="es-ES" sz="1200" dirty="0" err="1">
+                <a:sym typeface="Symbol" panose="05050102010706020507" pitchFamily="18" charset="2"/>
+              </a:rPr>
+              <a:t>AsyncWith</a:t>
+            </a:r>
+            <a:endParaRPr lang="es-ES" sz="1200" dirty="0">
+              <a:sym typeface="Symbol" panose="05050102010706020507" pitchFamily="18" charset="2"/>
+            </a:endParaRPr>
+          </a:p>
+          <a:p>
+            <a:r>
+              <a:rPr lang="es-ES" sz="1200" dirty="0">
+                <a:sym typeface="Symbol" panose="05050102010706020507" pitchFamily="18" charset="2"/>
+              </a:rPr>
+              <a:t></a:t>
+            </a:r>
+            <a:r>
+              <a:rPr lang="es-ES" sz="1200" dirty="0"/>
+              <a:t> </a:t>
+            </a:r>
+            <a:r>
+              <a:rPr lang="es-ES" sz="1200" dirty="0" err="1">
+                <a:sym typeface="Symbol" panose="05050102010706020507" pitchFamily="18" charset="2"/>
+              </a:rPr>
+              <a:t>AugmentedAssignment</a:t>
+            </a:r>
+            <a:endParaRPr lang="es-ES" sz="1200" dirty="0">
+              <a:sym typeface="Symbol" panose="05050102010706020507" pitchFamily="18" charset="2"/>
+            </a:endParaRPr>
+          </a:p>
+          <a:p>
+            <a:r>
+              <a:rPr lang="es-ES" sz="1200" dirty="0">
+                <a:sym typeface="Symbol" panose="05050102010706020507" pitchFamily="18" charset="2"/>
+              </a:rPr>
+              <a:t></a:t>
+            </a:r>
+            <a:r>
+              <a:rPr lang="es-ES" sz="1200" dirty="0"/>
+              <a:t> </a:t>
+            </a:r>
+            <a:r>
+              <a:rPr lang="es-ES" sz="1200" dirty="0">
+                <a:sym typeface="Symbol" panose="05050102010706020507" pitchFamily="18" charset="2"/>
+              </a:rPr>
+              <a:t>Break</a:t>
+            </a:r>
+          </a:p>
+          <a:p>
+            <a:r>
+              <a:rPr lang="es-ES" sz="1200" dirty="0">
+                <a:sym typeface="Symbol" panose="05050102010706020507" pitchFamily="18" charset="2"/>
+              </a:rPr>
+              <a:t></a:t>
+            </a:r>
+            <a:r>
+              <a:rPr lang="es-ES" sz="1200" dirty="0"/>
+              <a:t> </a:t>
+            </a:r>
+            <a:r>
+              <a:rPr lang="es-ES" sz="1200" dirty="0">
+                <a:sym typeface="Symbol" panose="05050102010706020507" pitchFamily="18" charset="2"/>
+              </a:rPr>
+              <a:t>Continue</a:t>
+            </a:r>
+          </a:p>
+          <a:p>
+            <a:r>
+              <a:rPr lang="es-ES" sz="1200" dirty="0">
+                <a:sym typeface="Symbol" panose="05050102010706020507" pitchFamily="18" charset="2"/>
+              </a:rPr>
+              <a:t></a:t>
+            </a:r>
+            <a:r>
+              <a:rPr lang="es-ES" sz="1200" dirty="0"/>
+              <a:t> </a:t>
+            </a:r>
+            <a:r>
+              <a:rPr lang="es-ES" sz="1200" dirty="0" err="1">
+                <a:sym typeface="Symbol" panose="05050102010706020507" pitchFamily="18" charset="2"/>
+              </a:rPr>
+              <a:t>Delete</a:t>
+            </a:r>
+            <a:endParaRPr lang="es-ES" sz="1200" dirty="0">
+              <a:sym typeface="Symbol" panose="05050102010706020507" pitchFamily="18" charset="2"/>
+            </a:endParaRPr>
+          </a:p>
+          <a:p>
+            <a:r>
+              <a:rPr lang="es-ES" sz="1200" dirty="0">
+                <a:sym typeface="Symbol" panose="05050102010706020507" pitchFamily="18" charset="2"/>
+              </a:rPr>
+              <a:t></a:t>
+            </a:r>
+            <a:r>
+              <a:rPr lang="es-ES" sz="1200" dirty="0"/>
+              <a:t> </a:t>
+            </a:r>
+            <a:r>
+              <a:rPr lang="es-ES" sz="1200" dirty="0" err="1">
+                <a:sym typeface="Symbol" panose="05050102010706020507" pitchFamily="18" charset="2"/>
+              </a:rPr>
+              <a:t>ExceptHandler</a:t>
+            </a:r>
+            <a:endParaRPr lang="es-ES" sz="1200" dirty="0">
+              <a:sym typeface="Symbol" panose="05050102010706020507" pitchFamily="18" charset="2"/>
+            </a:endParaRPr>
+          </a:p>
+          <a:p>
+            <a:r>
+              <a:rPr lang="es-ES" sz="1200" dirty="0">
+                <a:sym typeface="Symbol" panose="05050102010706020507" pitchFamily="18" charset="2"/>
+              </a:rPr>
+              <a:t></a:t>
+            </a:r>
+            <a:r>
+              <a:rPr lang="es-ES" sz="1200" dirty="0"/>
+              <a:t> </a:t>
+            </a:r>
+            <a:r>
+              <a:rPr lang="es-ES" sz="1200" dirty="0" err="1">
+                <a:sym typeface="Symbol" panose="05050102010706020507" pitchFamily="18" charset="2"/>
+              </a:rPr>
+              <a:t>For</a:t>
+            </a:r>
+            <a:endParaRPr lang="es-ES" sz="1200" dirty="0">
+              <a:sym typeface="Symbol" panose="05050102010706020507" pitchFamily="18" charset="2"/>
+            </a:endParaRPr>
+          </a:p>
+          <a:p>
+            <a:r>
+              <a:rPr lang="es-ES" sz="1200" dirty="0">
+                <a:sym typeface="Symbol" panose="05050102010706020507" pitchFamily="18" charset="2"/>
+              </a:rPr>
+              <a:t></a:t>
+            </a:r>
+            <a:r>
+              <a:rPr lang="es-ES" sz="1200" dirty="0"/>
+              <a:t> </a:t>
+            </a:r>
+            <a:r>
+              <a:rPr lang="es-ES" sz="1200" dirty="0">
+                <a:sym typeface="Symbol" panose="05050102010706020507" pitchFamily="18" charset="2"/>
+              </a:rPr>
+              <a:t>Global</a:t>
+            </a:r>
+          </a:p>
+          <a:p>
+            <a:r>
+              <a:rPr lang="es-ES" sz="1200" dirty="0">
+                <a:sym typeface="Symbol" panose="05050102010706020507" pitchFamily="18" charset="2"/>
+              </a:rPr>
+              <a:t></a:t>
+            </a:r>
+            <a:r>
+              <a:rPr lang="es-ES" sz="1200" dirty="0"/>
+              <a:t> </a:t>
+            </a:r>
+            <a:r>
+              <a:rPr lang="es-ES" sz="1200" dirty="0" err="1">
+                <a:sym typeface="Symbol" panose="05050102010706020507" pitchFamily="18" charset="2"/>
+              </a:rPr>
+              <a:t>If</a:t>
+            </a:r>
+            <a:endParaRPr lang="es-ES" sz="1200" dirty="0">
+              <a:sym typeface="Symbol" panose="05050102010706020507" pitchFamily="18" charset="2"/>
+            </a:endParaRPr>
+          </a:p>
+          <a:p>
+            <a:r>
+              <a:rPr lang="es-ES" sz="1200" dirty="0">
+                <a:sym typeface="Symbol" panose="05050102010706020507" pitchFamily="18" charset="2"/>
+              </a:rPr>
+              <a:t></a:t>
+            </a:r>
+            <a:r>
+              <a:rPr lang="es-ES" sz="1200" dirty="0"/>
+              <a:t> </a:t>
+            </a:r>
+            <a:r>
+              <a:rPr lang="es-ES" sz="1200" dirty="0" err="1">
+                <a:sym typeface="Symbol" panose="05050102010706020507" pitchFamily="18" charset="2"/>
+              </a:rPr>
+              <a:t>Import</a:t>
+            </a:r>
+            <a:endParaRPr lang="es-ES" sz="1200" dirty="0">
+              <a:sym typeface="Symbol" panose="05050102010706020507" pitchFamily="18" charset="2"/>
+            </a:endParaRPr>
+          </a:p>
+          <a:p>
+            <a:r>
+              <a:rPr lang="es-ES" sz="1200" dirty="0">
+                <a:sym typeface="Symbol" panose="05050102010706020507" pitchFamily="18" charset="2"/>
+              </a:rPr>
+              <a:t></a:t>
+            </a:r>
+            <a:r>
+              <a:rPr lang="es-ES" sz="1200" dirty="0"/>
+              <a:t> </a:t>
+            </a:r>
+            <a:r>
+              <a:rPr lang="es-ES" sz="1200" dirty="0" err="1">
+                <a:sym typeface="Symbol" panose="05050102010706020507" pitchFamily="18" charset="2"/>
+              </a:rPr>
+              <a:t>ImportFrom</a:t>
+            </a:r>
+            <a:endParaRPr lang="es-ES" sz="1200" dirty="0">
+              <a:sym typeface="Symbol" panose="05050102010706020507" pitchFamily="18" charset="2"/>
+            </a:endParaRPr>
+          </a:p>
+          <a:p>
+            <a:r>
+              <a:rPr lang="es-ES" sz="1200" dirty="0">
+                <a:sym typeface="Symbol" panose="05050102010706020507" pitchFamily="18" charset="2"/>
+              </a:rPr>
+              <a:t></a:t>
+            </a:r>
+            <a:r>
+              <a:rPr lang="es-ES" sz="1200" dirty="0"/>
+              <a:t> </a:t>
+            </a:r>
+            <a:r>
+              <a:rPr lang="es-ES" sz="1200" dirty="0">
+                <a:sym typeface="Symbol" panose="05050102010706020507" pitchFamily="18" charset="2"/>
+              </a:rPr>
+              <a:t>Match</a:t>
+            </a:r>
+          </a:p>
+          <a:p>
+            <a:r>
+              <a:rPr lang="es-ES" sz="1200" dirty="0">
+                <a:sym typeface="Symbol" panose="05050102010706020507" pitchFamily="18" charset="2"/>
+              </a:rPr>
+              <a:t></a:t>
+            </a:r>
+            <a:r>
+              <a:rPr lang="es-ES" sz="1200" dirty="0"/>
+              <a:t> </a:t>
+            </a:r>
+            <a:r>
+              <a:rPr lang="es-ES" sz="1200" dirty="0" err="1">
+                <a:sym typeface="Symbol" panose="05050102010706020507" pitchFamily="18" charset="2"/>
+              </a:rPr>
+              <a:t>Nonlocal</a:t>
+            </a:r>
+            <a:endParaRPr lang="es-ES" sz="1200" dirty="0">
+              <a:sym typeface="Symbol" panose="05050102010706020507" pitchFamily="18" charset="2"/>
+            </a:endParaRPr>
+          </a:p>
+          <a:p>
+            <a:r>
+              <a:rPr lang="es-ES" sz="1200" dirty="0">
+                <a:sym typeface="Symbol" panose="05050102010706020507" pitchFamily="18" charset="2"/>
+              </a:rPr>
+              <a:t></a:t>
+            </a:r>
+            <a:r>
+              <a:rPr lang="es-ES" sz="1200" dirty="0"/>
+              <a:t> </a:t>
+            </a:r>
+            <a:r>
+              <a:rPr lang="es-ES" sz="1200" dirty="0">
+                <a:sym typeface="Symbol" panose="05050102010706020507" pitchFamily="18" charset="2"/>
+              </a:rPr>
+              <a:t>Pass</a:t>
+            </a:r>
+          </a:p>
+          <a:p>
+            <a:r>
+              <a:rPr lang="es-ES" sz="1200" dirty="0">
+                <a:sym typeface="Symbol" panose="05050102010706020507" pitchFamily="18" charset="2"/>
+              </a:rPr>
+              <a:t></a:t>
+            </a:r>
+            <a:r>
+              <a:rPr lang="es-ES" sz="1200" dirty="0"/>
+              <a:t> </a:t>
+            </a:r>
+            <a:r>
+              <a:rPr lang="es-ES" sz="1200" dirty="0" err="1">
+                <a:sym typeface="Symbol" panose="05050102010706020507" pitchFamily="18" charset="2"/>
+              </a:rPr>
+              <a:t>Raise</a:t>
+            </a:r>
+            <a:endParaRPr lang="es-ES" sz="1200" dirty="0">
+              <a:sym typeface="Symbol" panose="05050102010706020507" pitchFamily="18" charset="2"/>
+            </a:endParaRPr>
+          </a:p>
+          <a:p>
+            <a:r>
+              <a:rPr lang="es-ES" sz="1200" dirty="0">
+                <a:sym typeface="Symbol" panose="05050102010706020507" pitchFamily="18" charset="2"/>
+              </a:rPr>
+              <a:t></a:t>
+            </a:r>
+            <a:r>
+              <a:rPr lang="es-ES" sz="1200" dirty="0"/>
+              <a:t> </a:t>
+            </a:r>
+            <a:r>
+              <a:rPr lang="es-ES" sz="1200" dirty="0" err="1">
+                <a:sym typeface="Symbol" panose="05050102010706020507" pitchFamily="18" charset="2"/>
+              </a:rPr>
+              <a:t>Return</a:t>
+            </a:r>
+            <a:endParaRPr lang="es-ES" sz="1200" dirty="0">
+              <a:sym typeface="Symbol" panose="05050102010706020507" pitchFamily="18" charset="2"/>
+            </a:endParaRPr>
+          </a:p>
+          <a:p>
+            <a:r>
+              <a:rPr lang="es-ES" sz="1200" dirty="0">
+                <a:sym typeface="Symbol" panose="05050102010706020507" pitchFamily="18" charset="2"/>
+              </a:rPr>
+              <a:t></a:t>
+            </a:r>
+            <a:r>
+              <a:rPr lang="es-ES" sz="1200" dirty="0"/>
+              <a:t> </a:t>
+            </a:r>
+            <a:r>
+              <a:rPr lang="es-ES" sz="1200" dirty="0">
+                <a:sym typeface="Symbol" panose="05050102010706020507" pitchFamily="18" charset="2"/>
+              </a:rPr>
+              <a:t>Try</a:t>
+            </a:r>
+          </a:p>
+          <a:p>
+            <a:r>
+              <a:rPr lang="es-ES" sz="1200" dirty="0">
+                <a:sym typeface="Symbol" panose="05050102010706020507" pitchFamily="18" charset="2"/>
+              </a:rPr>
+              <a:t></a:t>
+            </a:r>
+            <a:r>
+              <a:rPr lang="es-ES" sz="1200" dirty="0"/>
+              <a:t> </a:t>
+            </a:r>
+            <a:r>
+              <a:rPr lang="es-ES" sz="1200" dirty="0" err="1">
+                <a:sym typeface="Symbol" panose="05050102010706020507" pitchFamily="18" charset="2"/>
+              </a:rPr>
+              <a:t>TypeAlias</a:t>
+            </a:r>
+            <a:endParaRPr lang="es-ES" sz="1200" dirty="0">
+              <a:sym typeface="Symbol" panose="05050102010706020507" pitchFamily="18" charset="2"/>
+            </a:endParaRPr>
+          </a:p>
+          <a:p>
+            <a:r>
+              <a:rPr lang="es-ES" sz="1200" dirty="0">
+                <a:sym typeface="Symbol" panose="05050102010706020507" pitchFamily="18" charset="2"/>
+              </a:rPr>
+              <a:t></a:t>
+            </a:r>
+            <a:r>
+              <a:rPr lang="es-ES" sz="1200" dirty="0"/>
+              <a:t> </a:t>
+            </a:r>
+            <a:r>
+              <a:rPr lang="es-ES" sz="1200" dirty="0" err="1">
+                <a:sym typeface="Symbol" panose="05050102010706020507" pitchFamily="18" charset="2"/>
+              </a:rPr>
+              <a:t>While</a:t>
+            </a:r>
+            <a:endParaRPr lang="es-ES" sz="1200" dirty="0">
+              <a:sym typeface="Symbol" panose="05050102010706020507" pitchFamily="18" charset="2"/>
+            </a:endParaRPr>
+          </a:p>
+          <a:p>
+            <a:r>
+              <a:rPr lang="es-ES" sz="1200" dirty="0">
+                <a:sym typeface="Symbol" panose="05050102010706020507" pitchFamily="18" charset="2"/>
+              </a:rPr>
+              <a:t></a:t>
+            </a:r>
+            <a:r>
+              <a:rPr lang="es-ES" sz="1200" dirty="0"/>
+              <a:t> </a:t>
+            </a:r>
+            <a:r>
+              <a:rPr lang="es-ES" sz="1200" dirty="0" err="1">
+                <a:sym typeface="Symbol" panose="05050102010706020507" pitchFamily="18" charset="2"/>
+              </a:rPr>
+              <a:t>With</a:t>
+            </a:r>
+            <a:endParaRPr lang="es-ES" sz="1200" dirty="0">
+              <a:sym typeface="Symbol" panose="05050102010706020507" pitchFamily="18" charset="2"/>
+            </a:endParaRPr>
+          </a:p>
+        </p:txBody>
+      </p:sp>
+      <p:cxnSp>
+        <p:nvCxnSpPr>
+          <p:cNvPr id="7" name="Conector recto 6">
+            <a:extLst>
+              <a:ext uri="{FF2B5EF4-FFF2-40B4-BE49-F238E27FC236}">
+                <a16:creationId xmlns:a16="http://schemas.microsoft.com/office/drawing/2014/main" id="{736B01AA-6F30-FF79-C09A-59ED5920E2BD}"/>
+              </a:ext>
+            </a:extLst>
+          </p:cNvPr>
+          <p:cNvCxnSpPr>
+            <a:cxnSpLocks/>
+          </p:cNvCxnSpPr>
+          <p:nvPr/>
+        </p:nvCxnSpPr>
+        <p:spPr>
+          <a:xfrm flipV="1">
+            <a:off x="3051215" y="1548249"/>
+            <a:ext cx="0" cy="4435832"/>
+          </a:xfrm>
+          <a:prstGeom prst="line">
+            <a:avLst/>
+          </a:prstGeom>
+          <a:ln w="9525">
+            <a:headEnd type="none"/>
+            <a:tailEnd type="triangle"/>
+          </a:ln>
+        </p:spPr>
+        <p:style>
+          <a:lnRef idx="2">
+            <a:schemeClr val="dk1"/>
+          </a:lnRef>
+          <a:fillRef idx="0">
+            <a:schemeClr val="dk1"/>
+          </a:fillRef>
+          <a:effectRef idx="1">
+            <a:schemeClr val="dk1"/>
+          </a:effectRef>
+          <a:fontRef idx="minor">
+            <a:schemeClr val="tx1"/>
+          </a:fontRef>
+        </p:style>
+      </p:cxnSp>
+      <p:sp>
+        <p:nvSpPr>
+          <p:cNvPr id="11" name="CuadroTexto 10">
+            <a:extLst>
+              <a:ext uri="{FF2B5EF4-FFF2-40B4-BE49-F238E27FC236}">
+                <a16:creationId xmlns:a16="http://schemas.microsoft.com/office/drawing/2014/main" id="{7A25226F-0165-342E-C45D-7D11849E38C1}"/>
+              </a:ext>
+            </a:extLst>
+          </p:cNvPr>
+          <p:cNvSpPr txBox="1"/>
+          <p:nvPr/>
+        </p:nvSpPr>
+        <p:spPr>
+          <a:xfrm>
+            <a:off x="568454" y="1310581"/>
+            <a:ext cx="1171464" cy="276999"/>
+          </a:xfrm>
+          <a:prstGeom prst="rect">
+            <a:avLst/>
+          </a:prstGeom>
+          <a:noFill/>
+        </p:spPr>
+        <p:txBody>
+          <a:bodyPr wrap="square" rtlCol="0" anchor="ctr">
+            <a:spAutoFit/>
+          </a:bodyPr>
+          <a:lstStyle/>
+          <a:p>
+            <a:pPr algn="ctr"/>
+            <a:r>
+              <a:rPr lang="es-ES" sz="1200" dirty="0" err="1"/>
+              <a:t>Expression</a:t>
+            </a:r>
+            <a:endParaRPr lang="es-ES" sz="1200" dirty="0"/>
+          </a:p>
+        </p:txBody>
+      </p:sp>
+      <p:cxnSp>
+        <p:nvCxnSpPr>
+          <p:cNvPr id="12" name="Conector recto 11">
+            <a:extLst>
+              <a:ext uri="{FF2B5EF4-FFF2-40B4-BE49-F238E27FC236}">
+                <a16:creationId xmlns:a16="http://schemas.microsoft.com/office/drawing/2014/main" id="{FAC1FAD7-4C8D-830D-3976-1087E05B0817}"/>
+              </a:ext>
+            </a:extLst>
+          </p:cNvPr>
+          <p:cNvCxnSpPr>
+            <a:cxnSpLocks/>
+            <a:stCxn id="11" idx="3"/>
+            <a:endCxn id="3" idx="1"/>
+          </p:cNvCxnSpPr>
+          <p:nvPr/>
+        </p:nvCxnSpPr>
+        <p:spPr>
+          <a:xfrm>
+            <a:off x="1739918" y="1449081"/>
+            <a:ext cx="1003167" cy="0"/>
+          </a:xfrm>
+          <a:prstGeom prst="line">
+            <a:avLst/>
+          </a:prstGeom>
+          <a:ln w="9525">
+            <a:headEnd type="none"/>
+            <a:tailEnd type="triangle"/>
+          </a:ln>
+        </p:spPr>
+        <p:style>
+          <a:lnRef idx="2">
+            <a:schemeClr val="dk1"/>
+          </a:lnRef>
+          <a:fillRef idx="0">
+            <a:schemeClr val="dk1"/>
+          </a:fillRef>
+          <a:effectRef idx="1">
+            <a:schemeClr val="dk1"/>
+          </a:effectRef>
+          <a:fontRef idx="minor">
+            <a:schemeClr val="tx1"/>
+          </a:fontRef>
+        </p:style>
+      </p:cxnSp>
+      <p:cxnSp>
+        <p:nvCxnSpPr>
+          <p:cNvPr id="23" name="Conector recto 22">
+            <a:extLst>
+              <a:ext uri="{FF2B5EF4-FFF2-40B4-BE49-F238E27FC236}">
+                <a16:creationId xmlns:a16="http://schemas.microsoft.com/office/drawing/2014/main" id="{9B0FE13E-5E5F-61AE-2212-536C7C9CCB02}"/>
+              </a:ext>
+            </a:extLst>
+          </p:cNvPr>
+          <p:cNvCxnSpPr>
+            <a:cxnSpLocks/>
+            <a:stCxn id="3" idx="0"/>
+            <a:endCxn id="2" idx="2"/>
+          </p:cNvCxnSpPr>
+          <p:nvPr/>
+        </p:nvCxnSpPr>
+        <p:spPr>
+          <a:xfrm flipV="1">
+            <a:off x="3328817" y="740155"/>
+            <a:ext cx="0" cy="570426"/>
+          </a:xfrm>
+          <a:prstGeom prst="line">
+            <a:avLst/>
+          </a:prstGeom>
+          <a:ln w="9525">
+            <a:headEnd type="none"/>
+            <a:tailEnd type="triangle"/>
+          </a:ln>
+        </p:spPr>
+        <p:style>
+          <a:lnRef idx="2">
+            <a:schemeClr val="dk1"/>
+          </a:lnRef>
+          <a:fillRef idx="0">
+            <a:schemeClr val="dk1"/>
+          </a:fillRef>
+          <a:effectRef idx="1">
+            <a:schemeClr val="dk1"/>
+          </a:effectRef>
+          <a:fontRef idx="minor">
+            <a:schemeClr val="tx1"/>
+          </a:fontRef>
+        </p:style>
+      </p:cxnSp>
+      <p:cxnSp>
+        <p:nvCxnSpPr>
+          <p:cNvPr id="39" name="Conector recto 38">
+            <a:extLst>
+              <a:ext uri="{FF2B5EF4-FFF2-40B4-BE49-F238E27FC236}">
+                <a16:creationId xmlns:a16="http://schemas.microsoft.com/office/drawing/2014/main" id="{CDDFA510-D4C7-6DBB-5E2E-640F28E6317F}"/>
+              </a:ext>
+            </a:extLst>
+          </p:cNvPr>
+          <p:cNvCxnSpPr>
+            <a:cxnSpLocks/>
+          </p:cNvCxnSpPr>
+          <p:nvPr/>
+        </p:nvCxnSpPr>
+        <p:spPr>
+          <a:xfrm>
+            <a:off x="1149384" y="1084104"/>
+            <a:ext cx="1607933" cy="0"/>
+          </a:xfrm>
+          <a:prstGeom prst="line">
+            <a:avLst/>
+          </a:prstGeom>
+          <a:ln w="9525">
+            <a:headEnd type="none"/>
+            <a:tailEnd type="none"/>
+          </a:ln>
+        </p:spPr>
+        <p:style>
+          <a:lnRef idx="2">
+            <a:schemeClr val="dk1"/>
+          </a:lnRef>
+          <a:fillRef idx="0">
+            <a:schemeClr val="dk1"/>
+          </a:fillRef>
+          <a:effectRef idx="1">
+            <a:schemeClr val="dk1"/>
+          </a:effectRef>
+          <a:fontRef idx="minor">
+            <a:schemeClr val="tx1"/>
+          </a:fontRef>
+        </p:style>
+      </p:cxnSp>
+      <p:cxnSp>
+        <p:nvCxnSpPr>
+          <p:cNvPr id="43" name="Conector recto 42">
+            <a:extLst>
+              <a:ext uri="{FF2B5EF4-FFF2-40B4-BE49-F238E27FC236}">
+                <a16:creationId xmlns:a16="http://schemas.microsoft.com/office/drawing/2014/main" id="{B16A7F1F-3491-4BBA-CE50-3A8193131EAB}"/>
+              </a:ext>
+            </a:extLst>
+          </p:cNvPr>
+          <p:cNvCxnSpPr>
+            <a:cxnSpLocks/>
+          </p:cNvCxnSpPr>
+          <p:nvPr/>
+        </p:nvCxnSpPr>
+        <p:spPr>
+          <a:xfrm flipV="1">
+            <a:off x="1149384" y="1084104"/>
+            <a:ext cx="0" cy="205450"/>
+          </a:xfrm>
+          <a:prstGeom prst="line">
+            <a:avLst/>
+          </a:prstGeom>
+          <a:ln w="9525">
+            <a:headEnd type="none"/>
+            <a:tailEnd type="none"/>
+          </a:ln>
+        </p:spPr>
+        <p:style>
+          <a:lnRef idx="2">
+            <a:schemeClr val="dk1"/>
+          </a:lnRef>
+          <a:fillRef idx="0">
+            <a:schemeClr val="dk1"/>
+          </a:fillRef>
+          <a:effectRef idx="1">
+            <a:schemeClr val="dk1"/>
+          </a:effectRef>
+          <a:fontRef idx="minor">
+            <a:schemeClr val="tx1"/>
+          </a:fontRef>
+        </p:style>
+      </p:cxnSp>
+      <p:cxnSp>
+        <p:nvCxnSpPr>
+          <p:cNvPr id="48" name="Conector recto 47">
+            <a:extLst>
+              <a:ext uri="{FF2B5EF4-FFF2-40B4-BE49-F238E27FC236}">
+                <a16:creationId xmlns:a16="http://schemas.microsoft.com/office/drawing/2014/main" id="{D7266F86-81CC-3858-F2BC-F1E47C6AA428}"/>
+              </a:ext>
+            </a:extLst>
+          </p:cNvPr>
+          <p:cNvCxnSpPr>
+            <a:cxnSpLocks/>
+            <a:stCxn id="30" idx="0"/>
+          </p:cNvCxnSpPr>
+          <p:nvPr/>
+        </p:nvCxnSpPr>
+        <p:spPr>
+          <a:xfrm flipV="1">
+            <a:off x="4928643" y="1084104"/>
+            <a:ext cx="0" cy="226477"/>
+          </a:xfrm>
+          <a:prstGeom prst="line">
+            <a:avLst/>
+          </a:prstGeom>
+          <a:ln w="9525">
+            <a:headEnd type="none"/>
+            <a:tailEnd type="none"/>
+          </a:ln>
+        </p:spPr>
+        <p:style>
+          <a:lnRef idx="2">
+            <a:schemeClr val="dk1"/>
+          </a:lnRef>
+          <a:fillRef idx="0">
+            <a:schemeClr val="dk1"/>
+          </a:fillRef>
+          <a:effectRef idx="1">
+            <a:schemeClr val="dk1"/>
+          </a:effectRef>
+          <a:fontRef idx="minor">
+            <a:schemeClr val="tx1"/>
+          </a:fontRef>
+        </p:style>
+      </p:cxnSp>
+      <p:cxnSp>
+        <p:nvCxnSpPr>
+          <p:cNvPr id="49" name="Conector recto 48">
+            <a:extLst>
+              <a:ext uri="{FF2B5EF4-FFF2-40B4-BE49-F238E27FC236}">
+                <a16:creationId xmlns:a16="http://schemas.microsoft.com/office/drawing/2014/main" id="{8444E217-9CBD-E479-DF33-19B45142C258}"/>
+              </a:ext>
+            </a:extLst>
+          </p:cNvPr>
+          <p:cNvCxnSpPr>
+            <a:cxnSpLocks/>
+          </p:cNvCxnSpPr>
+          <p:nvPr/>
+        </p:nvCxnSpPr>
+        <p:spPr>
+          <a:xfrm>
+            <a:off x="2743085" y="1084104"/>
+            <a:ext cx="3211954" cy="0"/>
+          </a:xfrm>
+          <a:prstGeom prst="line">
+            <a:avLst/>
+          </a:prstGeom>
+          <a:ln w="9525">
+            <a:headEnd type="none"/>
+            <a:tailEnd type="none"/>
+          </a:ln>
+        </p:spPr>
+        <p:style>
+          <a:lnRef idx="2">
+            <a:schemeClr val="dk1"/>
+          </a:lnRef>
+          <a:fillRef idx="0">
+            <a:schemeClr val="dk1"/>
+          </a:fillRef>
+          <a:effectRef idx="1">
+            <a:schemeClr val="dk1"/>
+          </a:effectRef>
+          <a:fontRef idx="minor">
+            <a:schemeClr val="tx1"/>
+          </a:fontRef>
+        </p:style>
+      </p:cxnSp>
+      <p:sp>
+        <p:nvSpPr>
+          <p:cNvPr id="30" name="CuadroTexto 29">
+            <a:extLst>
+              <a:ext uri="{FF2B5EF4-FFF2-40B4-BE49-F238E27FC236}">
+                <a16:creationId xmlns:a16="http://schemas.microsoft.com/office/drawing/2014/main" id="{A1DF8E81-D3EF-DD80-2240-4F254897D0B6}"/>
+              </a:ext>
+            </a:extLst>
+          </p:cNvPr>
+          <p:cNvSpPr txBox="1"/>
+          <p:nvPr/>
+        </p:nvSpPr>
+        <p:spPr>
+          <a:xfrm>
+            <a:off x="4503135" y="1310581"/>
+            <a:ext cx="851015" cy="276999"/>
+          </a:xfrm>
+          <a:prstGeom prst="rect">
+            <a:avLst/>
+          </a:prstGeom>
+          <a:noFill/>
+        </p:spPr>
+        <p:txBody>
+          <a:bodyPr wrap="square" rtlCol="0" anchor="ctr">
+            <a:spAutoFit/>
+          </a:bodyPr>
+          <a:lstStyle/>
+          <a:p>
+            <a:pPr algn="ctr"/>
+            <a:r>
+              <a:rPr lang="es-ES" sz="1200" dirty="0" err="1"/>
+              <a:t>Definition</a:t>
+            </a:r>
+            <a:endParaRPr lang="es-ES" sz="1200" dirty="0"/>
+          </a:p>
+        </p:txBody>
+      </p:sp>
+      <p:grpSp>
+        <p:nvGrpSpPr>
+          <p:cNvPr id="1042" name="Grupo 1041">
+            <a:extLst>
+              <a:ext uri="{FF2B5EF4-FFF2-40B4-BE49-F238E27FC236}">
+                <a16:creationId xmlns:a16="http://schemas.microsoft.com/office/drawing/2014/main" id="{509D3D09-F0D9-DAB9-E04A-3C68686C7767}"/>
+              </a:ext>
+            </a:extLst>
+          </p:cNvPr>
+          <p:cNvGrpSpPr/>
+          <p:nvPr/>
+        </p:nvGrpSpPr>
+        <p:grpSpPr>
+          <a:xfrm>
+            <a:off x="4484085" y="1561525"/>
+            <a:ext cx="2365615" cy="1900715"/>
+            <a:chOff x="4484085" y="1561525"/>
+            <a:chExt cx="2365615" cy="1900715"/>
+          </a:xfrm>
+        </p:grpSpPr>
+        <p:sp>
+          <p:nvSpPr>
+            <p:cNvPr id="8" name="CuadroTexto 7">
+              <a:extLst>
+                <a:ext uri="{FF2B5EF4-FFF2-40B4-BE49-F238E27FC236}">
+                  <a16:creationId xmlns:a16="http://schemas.microsoft.com/office/drawing/2014/main" id="{3F4E76AB-EB02-7963-B6A9-0C52AEFD04F4}"/>
+                </a:ext>
+              </a:extLst>
+            </p:cNvPr>
+            <p:cNvSpPr txBox="1"/>
+            <p:nvPr/>
+          </p:nvSpPr>
+          <p:spPr>
+            <a:xfrm>
+              <a:off x="4607910" y="2494613"/>
+              <a:ext cx="1657465" cy="276999"/>
+            </a:xfrm>
+            <a:prstGeom prst="rect">
+              <a:avLst/>
+            </a:prstGeom>
+            <a:noFill/>
+          </p:spPr>
+          <p:txBody>
+            <a:bodyPr wrap="square" rtlCol="0" anchor="ctr">
+              <a:spAutoFit/>
+            </a:bodyPr>
+            <a:lstStyle/>
+            <a:p>
+              <a:pPr algn="ctr"/>
+              <a:r>
+                <a:rPr lang="es-ES" sz="1200" dirty="0">
+                  <a:sym typeface="Symbol" panose="05050102010706020507" pitchFamily="18" charset="2"/>
+                </a:rPr>
+                <a:t></a:t>
+              </a:r>
+              <a:r>
+                <a:rPr lang="es-ES" sz="1200" dirty="0"/>
+                <a:t> </a:t>
+              </a:r>
+              <a:r>
+                <a:rPr lang="es-ES" sz="1200" dirty="0" err="1"/>
+                <a:t>CallableDefinition</a:t>
+              </a:r>
+              <a:endParaRPr lang="es-ES" sz="1200" dirty="0"/>
+            </a:p>
+          </p:txBody>
+        </p:sp>
+        <p:sp>
+          <p:nvSpPr>
+            <p:cNvPr id="13" name="CuadroTexto 12">
+              <a:extLst>
+                <a:ext uri="{FF2B5EF4-FFF2-40B4-BE49-F238E27FC236}">
+                  <a16:creationId xmlns:a16="http://schemas.microsoft.com/office/drawing/2014/main" id="{EDD7D4C3-C96F-D257-331C-7AE91D7B6A14}"/>
+                </a:ext>
+              </a:extLst>
+            </p:cNvPr>
+            <p:cNvSpPr txBox="1"/>
+            <p:nvPr/>
+          </p:nvSpPr>
+          <p:spPr>
+            <a:xfrm>
+              <a:off x="4904803" y="2091234"/>
+              <a:ext cx="1916321" cy="461665"/>
+            </a:xfrm>
+            <a:prstGeom prst="rect">
+              <a:avLst/>
+            </a:prstGeom>
+            <a:noFill/>
+          </p:spPr>
+          <p:txBody>
+            <a:bodyPr wrap="square" rtlCol="0">
+              <a:spAutoFit/>
+            </a:bodyPr>
+            <a:lstStyle/>
+            <a:p>
+              <a:r>
+                <a:rPr lang="es-ES" sz="1200" dirty="0">
+                  <a:sym typeface="Symbol" panose="05050102010706020507" pitchFamily="18" charset="2"/>
+                </a:rPr>
+                <a:t></a:t>
+              </a:r>
+              <a:r>
+                <a:rPr lang="es-ES" sz="1200" dirty="0"/>
+                <a:t> </a:t>
+              </a:r>
+              <a:r>
+                <a:rPr lang="es-ES" sz="1200" dirty="0" err="1"/>
+                <a:t>ClassDefinition</a:t>
+              </a:r>
+              <a:endParaRPr lang="es-ES" sz="1200" dirty="0"/>
+            </a:p>
+            <a:p>
+              <a:r>
+                <a:rPr lang="es-ES" sz="1200" dirty="0">
+                  <a:sym typeface="Symbol" panose="05050102010706020507" pitchFamily="18" charset="2"/>
+                </a:rPr>
+                <a:t></a:t>
+              </a:r>
+              <a:r>
+                <a:rPr lang="es-ES" sz="1200" dirty="0"/>
+                <a:t> </a:t>
+              </a:r>
+              <a:r>
+                <a:rPr lang="es-ES" sz="1200" dirty="0" err="1"/>
+                <a:t>EnumDefinition</a:t>
+              </a:r>
+              <a:endParaRPr lang="es-ES" sz="1200" dirty="0"/>
+            </a:p>
+          </p:txBody>
+        </p:sp>
+        <p:sp>
+          <p:nvSpPr>
+            <p:cNvPr id="14" name="CuadroTexto 13">
+              <a:extLst>
+                <a:ext uri="{FF2B5EF4-FFF2-40B4-BE49-F238E27FC236}">
+                  <a16:creationId xmlns:a16="http://schemas.microsoft.com/office/drawing/2014/main" id="{EF8F421E-90D7-9C5A-1709-30B02151F188}"/>
+                </a:ext>
+              </a:extLst>
+            </p:cNvPr>
+            <p:cNvSpPr txBox="1"/>
+            <p:nvPr/>
+          </p:nvSpPr>
+          <p:spPr>
+            <a:xfrm>
+              <a:off x="4933379" y="2815909"/>
+              <a:ext cx="1916321" cy="646331"/>
+            </a:xfrm>
+            <a:prstGeom prst="rect">
+              <a:avLst/>
+            </a:prstGeom>
+            <a:noFill/>
+          </p:spPr>
+          <p:txBody>
+            <a:bodyPr wrap="square" rtlCol="0">
+              <a:spAutoFit/>
+            </a:bodyPr>
+            <a:lstStyle/>
+            <a:p>
+              <a:r>
+                <a:rPr lang="es-ES" sz="1200" dirty="0">
+                  <a:sym typeface="Symbol" panose="05050102010706020507" pitchFamily="18" charset="2"/>
+                </a:rPr>
+                <a:t></a:t>
+              </a:r>
+              <a:r>
+                <a:rPr lang="es-ES" sz="1200" dirty="0"/>
+                <a:t> </a:t>
+              </a:r>
+              <a:r>
+                <a:rPr lang="es-ES" sz="1200" dirty="0" err="1"/>
+                <a:t>MethodDefinition</a:t>
+              </a:r>
+              <a:endParaRPr lang="es-ES" sz="1200" dirty="0"/>
+            </a:p>
+            <a:p>
+              <a:r>
+                <a:rPr lang="es-ES" sz="1200" dirty="0">
+                  <a:sym typeface="Symbol" panose="05050102010706020507" pitchFamily="18" charset="2"/>
+                </a:rPr>
+                <a:t></a:t>
+              </a:r>
+              <a:r>
+                <a:rPr lang="es-ES" sz="1200" dirty="0"/>
+                <a:t> </a:t>
+              </a:r>
+              <a:r>
+                <a:rPr lang="es-ES" sz="1200" dirty="0" err="1"/>
+                <a:t>ConstructorDefinition</a:t>
+              </a:r>
+              <a:endParaRPr lang="es-ES" sz="1200" dirty="0"/>
+            </a:p>
+            <a:p>
+              <a:r>
+                <a:rPr lang="es-ES" sz="1200" dirty="0">
+                  <a:sym typeface="Symbol" panose="05050102010706020507" pitchFamily="18" charset="2"/>
+                </a:rPr>
+                <a:t> </a:t>
+              </a:r>
+              <a:r>
+                <a:rPr lang="es-ES" sz="1200" dirty="0" err="1">
+                  <a:sym typeface="Symbol" panose="05050102010706020507" pitchFamily="18" charset="2"/>
+                </a:rPr>
+                <a:t>FunctionDefinition</a:t>
+              </a:r>
+              <a:endParaRPr lang="es-ES" sz="1200" dirty="0"/>
+            </a:p>
+          </p:txBody>
+        </p:sp>
+        <p:cxnSp>
+          <p:nvCxnSpPr>
+            <p:cNvPr id="15" name="Conector recto 14">
+              <a:extLst>
+                <a:ext uri="{FF2B5EF4-FFF2-40B4-BE49-F238E27FC236}">
+                  <a16:creationId xmlns:a16="http://schemas.microsoft.com/office/drawing/2014/main" id="{92818F47-788C-7ABC-4409-28016E761E83}"/>
+                </a:ext>
+              </a:extLst>
+            </p:cNvPr>
+            <p:cNvCxnSpPr>
+              <a:cxnSpLocks/>
+            </p:cNvCxnSpPr>
+            <p:nvPr/>
+          </p:nvCxnSpPr>
+          <p:spPr>
+            <a:xfrm flipV="1">
+              <a:off x="5023991" y="2729684"/>
+              <a:ext cx="0" cy="603826"/>
+            </a:xfrm>
+            <a:prstGeom prst="line">
+              <a:avLst/>
+            </a:prstGeom>
+            <a:ln w="9525">
+              <a:headEnd type="none"/>
+              <a:tailEnd type="triangle"/>
+            </a:ln>
+          </p:spPr>
+          <p:style>
+            <a:lnRef idx="2">
+              <a:schemeClr val="dk1"/>
+            </a:lnRef>
+            <a:fillRef idx="0">
+              <a:schemeClr val="dk1"/>
+            </a:fillRef>
+            <a:effectRef idx="1">
+              <a:schemeClr val="dk1"/>
+            </a:effectRef>
+            <a:fontRef idx="minor">
+              <a:schemeClr val="tx1"/>
+            </a:fontRef>
+          </p:style>
+        </p:cxnSp>
+        <p:sp>
+          <p:nvSpPr>
+            <p:cNvPr id="27" name="CuadroTexto 26">
+              <a:extLst>
+                <a:ext uri="{FF2B5EF4-FFF2-40B4-BE49-F238E27FC236}">
+                  <a16:creationId xmlns:a16="http://schemas.microsoft.com/office/drawing/2014/main" id="{C567A11B-09E5-7C01-DADB-D1CE371684C1}"/>
+                </a:ext>
+              </a:extLst>
+            </p:cNvPr>
+            <p:cNvSpPr txBox="1"/>
+            <p:nvPr/>
+          </p:nvSpPr>
+          <p:spPr>
+            <a:xfrm>
+              <a:off x="4484085" y="1773888"/>
+              <a:ext cx="1657465" cy="276999"/>
+            </a:xfrm>
+            <a:prstGeom prst="rect">
+              <a:avLst/>
+            </a:prstGeom>
+            <a:noFill/>
+          </p:spPr>
+          <p:txBody>
+            <a:bodyPr wrap="square" rtlCol="0" anchor="ctr">
+              <a:spAutoFit/>
+            </a:bodyPr>
+            <a:lstStyle/>
+            <a:p>
+              <a:pPr algn="ctr"/>
+              <a:r>
+                <a:rPr lang="es-ES" sz="1200" dirty="0">
+                  <a:sym typeface="Symbol" panose="05050102010706020507" pitchFamily="18" charset="2"/>
+                </a:rPr>
+                <a:t></a:t>
+              </a:r>
+              <a:r>
+                <a:rPr lang="es-ES" sz="1200" dirty="0"/>
+                <a:t> </a:t>
+              </a:r>
+              <a:r>
+                <a:rPr lang="es-ES" sz="1200" dirty="0" err="1"/>
+                <a:t>TypeDefinition</a:t>
+              </a:r>
+              <a:endParaRPr lang="es-ES" sz="1200" dirty="0"/>
+            </a:p>
+          </p:txBody>
+        </p:sp>
+        <p:cxnSp>
+          <p:nvCxnSpPr>
+            <p:cNvPr id="28" name="Conector recto 27">
+              <a:extLst>
+                <a:ext uri="{FF2B5EF4-FFF2-40B4-BE49-F238E27FC236}">
+                  <a16:creationId xmlns:a16="http://schemas.microsoft.com/office/drawing/2014/main" id="{750A3A88-49F4-E3F6-5C6E-83222502A023}"/>
+                </a:ext>
+              </a:extLst>
+            </p:cNvPr>
+            <p:cNvCxnSpPr>
+              <a:cxnSpLocks/>
+            </p:cNvCxnSpPr>
+            <p:nvPr/>
+          </p:nvCxnSpPr>
+          <p:spPr>
+            <a:xfrm flipV="1">
+              <a:off x="4995416" y="2008959"/>
+              <a:ext cx="0" cy="416501"/>
+            </a:xfrm>
+            <a:prstGeom prst="line">
+              <a:avLst/>
+            </a:prstGeom>
+            <a:ln w="9525">
+              <a:headEnd type="none"/>
+              <a:tailEnd type="triangle"/>
+            </a:ln>
+          </p:spPr>
+          <p:style>
+            <a:lnRef idx="2">
+              <a:schemeClr val="dk1"/>
+            </a:lnRef>
+            <a:fillRef idx="0">
+              <a:schemeClr val="dk1"/>
+            </a:fillRef>
+            <a:effectRef idx="1">
+              <a:schemeClr val="dk1"/>
+            </a:effectRef>
+            <a:fontRef idx="minor">
+              <a:schemeClr val="tx1"/>
+            </a:fontRef>
+          </p:style>
+        </p:cxnSp>
+        <p:cxnSp>
+          <p:nvCxnSpPr>
+            <p:cNvPr id="31" name="Conector recto 30">
+              <a:extLst>
+                <a:ext uri="{FF2B5EF4-FFF2-40B4-BE49-F238E27FC236}">
+                  <a16:creationId xmlns:a16="http://schemas.microsoft.com/office/drawing/2014/main" id="{1086F83E-140F-D240-8ED4-36536D7F6EEB}"/>
+                </a:ext>
+              </a:extLst>
+            </p:cNvPr>
+            <p:cNvCxnSpPr>
+              <a:cxnSpLocks/>
+            </p:cNvCxnSpPr>
+            <p:nvPr/>
+          </p:nvCxnSpPr>
+          <p:spPr>
+            <a:xfrm flipV="1">
+              <a:off x="4779516" y="1561525"/>
+              <a:ext cx="0" cy="1086185"/>
+            </a:xfrm>
+            <a:prstGeom prst="line">
+              <a:avLst/>
+            </a:prstGeom>
+            <a:ln w="9525">
+              <a:headEnd type="none"/>
+              <a:tailEnd type="triangle"/>
+            </a:ln>
+          </p:spPr>
+          <p:style>
+            <a:lnRef idx="2">
+              <a:schemeClr val="dk1"/>
+            </a:lnRef>
+            <a:fillRef idx="0">
+              <a:schemeClr val="dk1"/>
+            </a:fillRef>
+            <a:effectRef idx="1">
+              <a:schemeClr val="dk1"/>
+            </a:effectRef>
+            <a:fontRef idx="minor">
+              <a:schemeClr val="tx1"/>
+            </a:fontRef>
+          </p:style>
+        </p:cxnSp>
+      </p:grpSp>
+      <p:sp>
+        <p:nvSpPr>
+          <p:cNvPr id="54" name="CuadroTexto 53">
+            <a:extLst>
+              <a:ext uri="{FF2B5EF4-FFF2-40B4-BE49-F238E27FC236}">
+                <a16:creationId xmlns:a16="http://schemas.microsoft.com/office/drawing/2014/main" id="{5BD0B351-3029-CFC2-735A-43CEFBD4C540}"/>
+              </a:ext>
+            </a:extLst>
+          </p:cNvPr>
+          <p:cNvSpPr txBox="1"/>
+          <p:nvPr/>
+        </p:nvSpPr>
+        <p:spPr>
+          <a:xfrm>
+            <a:off x="5530304" y="1310581"/>
+            <a:ext cx="851015" cy="276999"/>
+          </a:xfrm>
+          <a:prstGeom prst="rect">
+            <a:avLst/>
+          </a:prstGeom>
+          <a:noFill/>
+        </p:spPr>
+        <p:txBody>
+          <a:bodyPr wrap="square" rtlCol="0" anchor="ctr">
+            <a:spAutoFit/>
+          </a:bodyPr>
+          <a:lstStyle/>
+          <a:p>
+            <a:pPr algn="ctr"/>
+            <a:r>
+              <a:rPr lang="es-ES" sz="1200" dirty="0"/>
+              <a:t>Module</a:t>
+            </a:r>
+          </a:p>
+        </p:txBody>
+      </p:sp>
+      <p:cxnSp>
+        <p:nvCxnSpPr>
+          <p:cNvPr id="55" name="Conector recto 54">
+            <a:extLst>
+              <a:ext uri="{FF2B5EF4-FFF2-40B4-BE49-F238E27FC236}">
+                <a16:creationId xmlns:a16="http://schemas.microsoft.com/office/drawing/2014/main" id="{DFE4F830-409F-3971-4310-776966C1828B}"/>
+              </a:ext>
+            </a:extLst>
+          </p:cNvPr>
+          <p:cNvCxnSpPr>
+            <a:cxnSpLocks/>
+          </p:cNvCxnSpPr>
+          <p:nvPr/>
+        </p:nvCxnSpPr>
+        <p:spPr>
+          <a:xfrm flipV="1">
+            <a:off x="5955039" y="1082092"/>
+            <a:ext cx="0" cy="242350"/>
+          </a:xfrm>
+          <a:prstGeom prst="line">
+            <a:avLst/>
+          </a:prstGeom>
+          <a:ln w="9525">
+            <a:headEnd type="none"/>
+            <a:tailEnd type="none"/>
+          </a:ln>
+        </p:spPr>
+        <p:style>
+          <a:lnRef idx="2">
+            <a:schemeClr val="dk1"/>
+          </a:lnRef>
+          <a:fillRef idx="0">
+            <a:schemeClr val="dk1"/>
+          </a:fillRef>
+          <a:effectRef idx="1">
+            <a:schemeClr val="dk1"/>
+          </a:effectRef>
+          <a:fontRef idx="minor">
+            <a:schemeClr val="tx1"/>
+          </a:fontRef>
+        </p:style>
+      </p:cxnSp>
+      <p:grpSp>
+        <p:nvGrpSpPr>
+          <p:cNvPr id="1034" name="Grupo 1033">
+            <a:extLst>
+              <a:ext uri="{FF2B5EF4-FFF2-40B4-BE49-F238E27FC236}">
+                <a16:creationId xmlns:a16="http://schemas.microsoft.com/office/drawing/2014/main" id="{602615C9-D446-CC05-4065-743172754F74}"/>
+              </a:ext>
+            </a:extLst>
+          </p:cNvPr>
+          <p:cNvGrpSpPr/>
+          <p:nvPr/>
+        </p:nvGrpSpPr>
+        <p:grpSpPr>
+          <a:xfrm>
+            <a:off x="818952" y="1632288"/>
+            <a:ext cx="2288266" cy="8710077"/>
+            <a:chOff x="866577" y="1632288"/>
+            <a:chExt cx="2288266" cy="8710077"/>
+          </a:xfrm>
+        </p:grpSpPr>
+        <p:sp>
+          <p:nvSpPr>
+            <p:cNvPr id="60" name="CuadroTexto 59">
+              <a:extLst>
+                <a:ext uri="{FF2B5EF4-FFF2-40B4-BE49-F238E27FC236}">
+                  <a16:creationId xmlns:a16="http://schemas.microsoft.com/office/drawing/2014/main" id="{37F3CA8A-C49C-0C89-558A-58C607B690D9}"/>
+                </a:ext>
+              </a:extLst>
+            </p:cNvPr>
+            <p:cNvSpPr txBox="1"/>
+            <p:nvPr/>
+          </p:nvSpPr>
+          <p:spPr>
+            <a:xfrm>
+              <a:off x="866577" y="1632288"/>
+              <a:ext cx="2288266" cy="8710077"/>
+            </a:xfrm>
+            <a:prstGeom prst="rect">
+              <a:avLst/>
+            </a:prstGeom>
+            <a:noFill/>
+          </p:spPr>
+          <p:txBody>
+            <a:bodyPr wrap="square" rtlCol="0">
+              <a:spAutoFit/>
+            </a:bodyPr>
+            <a:lstStyle/>
+            <a:p>
+              <a:r>
+                <a:rPr lang="es-ES" sz="1200" dirty="0">
+                  <a:sym typeface="Symbol" panose="05050102010706020507" pitchFamily="18" charset="2"/>
+                </a:rPr>
+                <a:t> </a:t>
+              </a:r>
+              <a:r>
+                <a:rPr lang="es-ES" sz="1200" dirty="0" err="1">
+                  <a:sym typeface="Symbol" panose="05050102010706020507" pitchFamily="18" charset="2"/>
+                </a:rPr>
+                <a:t>AssignmentExp</a:t>
+              </a:r>
+              <a:endParaRPr lang="es-ES" sz="1200" dirty="0">
+                <a:sym typeface="Symbol" panose="05050102010706020507" pitchFamily="18" charset="2"/>
+              </a:endParaRPr>
+            </a:p>
+            <a:p>
+              <a:r>
+                <a:rPr lang="es-ES" sz="1200" dirty="0">
+                  <a:sym typeface="Symbol" panose="05050102010706020507" pitchFamily="18" charset="2"/>
+                </a:rPr>
+                <a:t> </a:t>
+              </a:r>
+              <a:r>
+                <a:rPr lang="es-ES" sz="1200" dirty="0" err="1">
+                  <a:sym typeface="Symbol" panose="05050102010706020507" pitchFamily="18" charset="2"/>
+                </a:rPr>
+                <a:t>Await</a:t>
+              </a:r>
+              <a:endParaRPr lang="es-ES" sz="1200" dirty="0">
+                <a:sym typeface="Symbol" panose="05050102010706020507" pitchFamily="18" charset="2"/>
+              </a:endParaRPr>
+            </a:p>
+            <a:p>
+              <a:r>
+                <a:rPr lang="es-ES" sz="1200" dirty="0">
+                  <a:sym typeface="Symbol" panose="05050102010706020507" pitchFamily="18" charset="2"/>
+                </a:rPr>
+                <a:t> </a:t>
+              </a:r>
+              <a:r>
+                <a:rPr lang="es-ES" sz="1200" dirty="0" err="1">
+                  <a:sym typeface="Symbol" panose="05050102010706020507" pitchFamily="18" charset="2"/>
+                </a:rPr>
+                <a:t>BinaryExpression</a:t>
+              </a:r>
+              <a:endParaRPr lang="es-ES" sz="1200" dirty="0">
+                <a:sym typeface="Symbol" panose="05050102010706020507" pitchFamily="18" charset="2"/>
+              </a:endParaRPr>
+            </a:p>
+            <a:p>
+              <a:endParaRPr lang="es-ES" sz="800" dirty="0">
+                <a:sym typeface="Symbol" panose="05050102010706020507" pitchFamily="18" charset="2"/>
+              </a:endParaRPr>
+            </a:p>
+            <a:p>
+              <a:r>
+                <a:rPr lang="en-US" sz="1200" dirty="0">
+                  <a:sym typeface="Symbol" panose="05050102010706020507" pitchFamily="18" charset="2"/>
+                </a:rPr>
+                <a:t>     Arithmetic</a:t>
+              </a:r>
+            </a:p>
+            <a:p>
+              <a:r>
+                <a:rPr lang="en-US" sz="1200" dirty="0">
+                  <a:sym typeface="Symbol" panose="05050102010706020507" pitchFamily="18" charset="2"/>
+                </a:rPr>
+                <a:t>     </a:t>
+              </a:r>
+              <a:r>
+                <a:rPr lang="en-US" sz="1200" dirty="0" err="1">
+                  <a:sym typeface="Symbol" panose="05050102010706020507" pitchFamily="18" charset="2"/>
+                </a:rPr>
+                <a:t>BWLogical</a:t>
+              </a:r>
+              <a:endParaRPr lang="en-US" sz="1200" dirty="0">
+                <a:sym typeface="Symbol" panose="05050102010706020507" pitchFamily="18" charset="2"/>
+              </a:endParaRPr>
+            </a:p>
+            <a:p>
+              <a:r>
+                <a:rPr lang="en-US" sz="1200" dirty="0">
+                  <a:sym typeface="Symbol" panose="05050102010706020507" pitchFamily="18" charset="2"/>
+                </a:rPr>
+                <a:t>     Compare</a:t>
+              </a:r>
+            </a:p>
+            <a:p>
+              <a:r>
+                <a:rPr lang="en-US" sz="1200" dirty="0">
+                  <a:sym typeface="Symbol" panose="05050102010706020507" pitchFamily="18" charset="2"/>
+                </a:rPr>
+                <a:t>     Logical</a:t>
+              </a:r>
+            </a:p>
+            <a:p>
+              <a:r>
+                <a:rPr lang="en-US" sz="1200" dirty="0">
+                  <a:sym typeface="Symbol" panose="05050102010706020507" pitchFamily="18" charset="2"/>
+                </a:rPr>
+                <a:t>     </a:t>
+              </a:r>
+              <a:r>
+                <a:rPr lang="en-US" sz="1200" dirty="0" err="1">
+                  <a:sym typeface="Symbol" panose="05050102010706020507" pitchFamily="18" charset="2"/>
+                </a:rPr>
+                <a:t>MatMult</a:t>
+              </a:r>
+              <a:endParaRPr lang="en-US" sz="1200" dirty="0">
+                <a:sym typeface="Symbol" panose="05050102010706020507" pitchFamily="18" charset="2"/>
+              </a:endParaRPr>
+            </a:p>
+            <a:p>
+              <a:r>
+                <a:rPr lang="en-US" sz="1200" dirty="0">
+                  <a:sym typeface="Symbol" panose="05050102010706020507" pitchFamily="18" charset="2"/>
+                </a:rPr>
+                <a:t>     Pow</a:t>
+              </a:r>
+            </a:p>
+            <a:p>
+              <a:r>
+                <a:rPr lang="en-US" sz="1200" dirty="0">
+                  <a:sym typeface="Symbol" panose="05050102010706020507" pitchFamily="18" charset="2"/>
+                </a:rPr>
+                <a:t>     Shift</a:t>
+              </a:r>
+              <a:endParaRPr lang="es-ES" sz="1200" dirty="0">
+                <a:sym typeface="Symbol" panose="05050102010706020507" pitchFamily="18" charset="2"/>
+              </a:endParaRPr>
+            </a:p>
+            <a:p>
+              <a:r>
+                <a:rPr lang="es-ES" sz="1200" dirty="0">
+                  <a:sym typeface="Symbol" panose="05050102010706020507" pitchFamily="18" charset="2"/>
+                </a:rPr>
+                <a:t> </a:t>
+              </a:r>
+              <a:r>
+                <a:rPr lang="es-ES" sz="1200" dirty="0" err="1">
+                  <a:sym typeface="Symbol" panose="05050102010706020507" pitchFamily="18" charset="2"/>
+                </a:rPr>
+                <a:t>Call</a:t>
+              </a:r>
+              <a:endParaRPr lang="es-ES" sz="1200" dirty="0">
+                <a:sym typeface="Symbol" panose="05050102010706020507" pitchFamily="18" charset="2"/>
+              </a:endParaRPr>
+            </a:p>
+            <a:p>
+              <a:r>
+                <a:rPr lang="es-ES" sz="1200" dirty="0">
+                  <a:sym typeface="Symbol" panose="05050102010706020507" pitchFamily="18" charset="2"/>
+                </a:rPr>
+                <a:t> </a:t>
+              </a:r>
+              <a:r>
+                <a:rPr lang="es-ES" sz="1200" dirty="0" err="1">
+                  <a:sym typeface="Symbol" panose="05050102010706020507" pitchFamily="18" charset="2"/>
+                </a:rPr>
+                <a:t>Comprehension</a:t>
+              </a:r>
+              <a:endParaRPr lang="es-ES" sz="1200" dirty="0">
+                <a:sym typeface="Symbol" panose="05050102010706020507" pitchFamily="18" charset="2"/>
+              </a:endParaRPr>
+            </a:p>
+            <a:p>
+              <a:endParaRPr lang="es-ES" sz="800" dirty="0">
+                <a:sym typeface="Symbol" panose="05050102010706020507" pitchFamily="18" charset="2"/>
+              </a:endParaRPr>
+            </a:p>
+            <a:p>
+              <a:r>
+                <a:rPr lang="en-US" sz="1200" dirty="0">
+                  <a:sym typeface="Symbol" panose="05050102010706020507" pitchFamily="18" charset="2"/>
+                </a:rPr>
+                <a:t>     </a:t>
+              </a:r>
+              <a:r>
+                <a:rPr lang="en-US" sz="1200" dirty="0" err="1">
+                  <a:sym typeface="Symbol" panose="05050102010706020507" pitchFamily="18" charset="2"/>
+                </a:rPr>
+                <a:t>DictComprehension</a:t>
+              </a:r>
+              <a:endParaRPr lang="en-US" sz="1200" dirty="0">
+                <a:sym typeface="Symbol" panose="05050102010706020507" pitchFamily="18" charset="2"/>
+              </a:endParaRPr>
+            </a:p>
+            <a:p>
+              <a:r>
+                <a:rPr lang="en-US" sz="1200" dirty="0">
+                  <a:sym typeface="Symbol" panose="05050102010706020507" pitchFamily="18" charset="2"/>
+                </a:rPr>
+                <a:t>     </a:t>
+              </a:r>
+              <a:r>
+                <a:rPr lang="en-US" sz="1200" dirty="0" err="1">
+                  <a:sym typeface="Symbol" panose="05050102010706020507" pitchFamily="18" charset="2"/>
+                </a:rPr>
+                <a:t>GeneratorComprehension</a:t>
+              </a:r>
+              <a:endParaRPr lang="en-US" sz="1200" dirty="0">
+                <a:sym typeface="Symbol" panose="05050102010706020507" pitchFamily="18" charset="2"/>
+              </a:endParaRPr>
+            </a:p>
+            <a:p>
+              <a:r>
+                <a:rPr lang="en-US" sz="1200" dirty="0">
+                  <a:sym typeface="Symbol" panose="05050102010706020507" pitchFamily="18" charset="2"/>
+                </a:rPr>
+                <a:t>     </a:t>
+              </a:r>
+              <a:r>
+                <a:rPr lang="en-US" sz="1200" dirty="0" err="1">
+                  <a:sym typeface="Symbol" panose="05050102010706020507" pitchFamily="18" charset="2"/>
+                </a:rPr>
+                <a:t>ListComprehension</a:t>
+              </a:r>
+              <a:endParaRPr lang="en-US" sz="1200" dirty="0">
+                <a:sym typeface="Symbol" panose="05050102010706020507" pitchFamily="18" charset="2"/>
+              </a:endParaRPr>
+            </a:p>
+            <a:p>
+              <a:r>
+                <a:rPr lang="en-US" sz="1200" dirty="0">
+                  <a:sym typeface="Symbol" panose="05050102010706020507" pitchFamily="18" charset="2"/>
+                </a:rPr>
+                <a:t>     </a:t>
+              </a:r>
+              <a:r>
+                <a:rPr lang="en-US" sz="1200" dirty="0" err="1">
+                  <a:sym typeface="Symbol" panose="05050102010706020507" pitchFamily="18" charset="2"/>
+                </a:rPr>
+                <a:t>SetComprehension</a:t>
+              </a:r>
+              <a:endParaRPr lang="en-US" sz="1200" dirty="0">
+                <a:sym typeface="Symbol" panose="05050102010706020507" pitchFamily="18" charset="2"/>
+              </a:endParaRPr>
+            </a:p>
+            <a:p>
+              <a:r>
+                <a:rPr lang="es-ES" sz="1200" dirty="0">
+                  <a:sym typeface="Symbol" panose="05050102010706020507" pitchFamily="18" charset="2"/>
+                </a:rPr>
+                <a:t> </a:t>
+              </a:r>
+              <a:r>
+                <a:rPr lang="es-ES" sz="1200" dirty="0" err="1">
+                  <a:sym typeface="Symbol" panose="05050102010706020507" pitchFamily="18" charset="2"/>
+                </a:rPr>
+                <a:t>Dot</a:t>
+              </a:r>
+              <a:endParaRPr lang="es-ES" sz="1200" dirty="0">
+                <a:sym typeface="Symbol" panose="05050102010706020507" pitchFamily="18" charset="2"/>
+              </a:endParaRPr>
+            </a:p>
+            <a:p>
+              <a:r>
+                <a:rPr lang="es-ES" sz="1200" dirty="0">
+                  <a:sym typeface="Symbol" panose="05050102010706020507" pitchFamily="18" charset="2"/>
+                </a:rPr>
+                <a:t> </a:t>
+              </a:r>
+              <a:r>
+                <a:rPr lang="es-ES" sz="1200" dirty="0" err="1">
+                  <a:sym typeface="Symbol" panose="05050102010706020507" pitchFamily="18" charset="2"/>
+                </a:rPr>
+                <a:t>FormattedValue</a:t>
+              </a:r>
+              <a:endParaRPr lang="es-ES" sz="1200" dirty="0">
+                <a:sym typeface="Symbol" panose="05050102010706020507" pitchFamily="18" charset="2"/>
+              </a:endParaRPr>
+            </a:p>
+            <a:p>
+              <a:r>
+                <a:rPr lang="es-ES" sz="1200" dirty="0">
+                  <a:sym typeface="Symbol" panose="05050102010706020507" pitchFamily="18" charset="2"/>
+                </a:rPr>
+                <a:t> </a:t>
+              </a:r>
+              <a:r>
+                <a:rPr lang="es-ES" sz="1200" dirty="0" err="1">
+                  <a:sym typeface="Symbol" panose="05050102010706020507" pitchFamily="18" charset="2"/>
+                </a:rPr>
+                <a:t>FString</a:t>
+              </a:r>
+              <a:endParaRPr lang="es-ES" sz="1200" dirty="0">
+                <a:sym typeface="Symbol" panose="05050102010706020507" pitchFamily="18" charset="2"/>
+              </a:endParaRPr>
+            </a:p>
+            <a:p>
+              <a:r>
+                <a:rPr lang="es-ES" sz="1200" dirty="0">
+                  <a:sym typeface="Symbol" panose="05050102010706020507" pitchFamily="18" charset="2"/>
+                </a:rPr>
+                <a:t> </a:t>
+              </a:r>
+              <a:r>
+                <a:rPr lang="es-ES" sz="1200" dirty="0" err="1">
+                  <a:sym typeface="Symbol" panose="05050102010706020507" pitchFamily="18" charset="2"/>
+                </a:rPr>
+                <a:t>Indexing</a:t>
+              </a:r>
+              <a:endParaRPr lang="es-ES" sz="1200" dirty="0">
+                <a:sym typeface="Symbol" panose="05050102010706020507" pitchFamily="18" charset="2"/>
+              </a:endParaRPr>
+            </a:p>
+            <a:p>
+              <a:r>
+                <a:rPr lang="es-ES" sz="1200" dirty="0">
+                  <a:sym typeface="Symbol" panose="05050102010706020507" pitchFamily="18" charset="2"/>
+                </a:rPr>
+                <a:t> Lambda</a:t>
+              </a:r>
+            </a:p>
+            <a:p>
+              <a:r>
+                <a:rPr lang="es-ES" sz="1200" dirty="0">
+                  <a:sym typeface="Symbol" panose="05050102010706020507" pitchFamily="18" charset="2"/>
+                </a:rPr>
+                <a:t> Literal</a:t>
+              </a:r>
+            </a:p>
+            <a:p>
+              <a:endParaRPr lang="es-ES" sz="800" dirty="0">
+                <a:sym typeface="Symbol" panose="05050102010706020507" pitchFamily="18" charset="2"/>
+              </a:endParaRPr>
+            </a:p>
+            <a:p>
+              <a:r>
+                <a:rPr lang="en-US" sz="1200" dirty="0">
+                  <a:sym typeface="Symbol" panose="05050102010706020507" pitchFamily="18" charset="2"/>
+                </a:rPr>
+                <a:t>     </a:t>
+              </a:r>
+              <a:r>
+                <a:rPr lang="en-US" sz="1200" dirty="0" err="1">
+                  <a:sym typeface="Symbol" panose="05050102010706020507" pitchFamily="18" charset="2"/>
+                </a:rPr>
+                <a:t>BoolLiteral</a:t>
+              </a:r>
+              <a:endParaRPr lang="en-US" sz="1200" dirty="0">
+                <a:sym typeface="Symbol" panose="05050102010706020507" pitchFamily="18" charset="2"/>
+              </a:endParaRPr>
+            </a:p>
+            <a:p>
+              <a:r>
+                <a:rPr lang="en-US" sz="1200" dirty="0">
+                  <a:sym typeface="Symbol" panose="05050102010706020507" pitchFamily="18" charset="2"/>
+                </a:rPr>
+                <a:t>     </a:t>
+              </a:r>
+              <a:r>
+                <a:rPr lang="en-US" sz="1200" dirty="0" err="1">
+                  <a:sym typeface="Symbol" panose="05050102010706020507" pitchFamily="18" charset="2"/>
+                </a:rPr>
+                <a:t>ComplexLiteral</a:t>
+              </a:r>
+              <a:endParaRPr lang="en-US" sz="1200" dirty="0">
+                <a:sym typeface="Symbol" panose="05050102010706020507" pitchFamily="18" charset="2"/>
+              </a:endParaRPr>
+            </a:p>
+            <a:p>
+              <a:r>
+                <a:rPr lang="en-US" sz="1200" dirty="0">
+                  <a:sym typeface="Symbol" panose="05050102010706020507" pitchFamily="18" charset="2"/>
+                </a:rPr>
+                <a:t>     </a:t>
+              </a:r>
+              <a:r>
+                <a:rPr lang="en-US" sz="1200" dirty="0" err="1">
+                  <a:sym typeface="Symbol" panose="05050102010706020507" pitchFamily="18" charset="2"/>
+                </a:rPr>
+                <a:t>DictionaryLiteral</a:t>
+              </a:r>
+              <a:endParaRPr lang="en-US" sz="1200" dirty="0">
+                <a:sym typeface="Symbol" panose="05050102010706020507" pitchFamily="18" charset="2"/>
+              </a:endParaRPr>
+            </a:p>
+            <a:p>
+              <a:r>
+                <a:rPr lang="en-US" sz="1200" dirty="0">
+                  <a:sym typeface="Symbol" panose="05050102010706020507" pitchFamily="18" charset="2"/>
+                </a:rPr>
+                <a:t>     </a:t>
+              </a:r>
+              <a:r>
+                <a:rPr lang="en-US" sz="1200" dirty="0" err="1">
+                  <a:sym typeface="Symbol" panose="05050102010706020507" pitchFamily="18" charset="2"/>
+                </a:rPr>
+                <a:t>EllipsisLiteral</a:t>
+              </a:r>
+              <a:endParaRPr lang="en-US" sz="1200" dirty="0">
+                <a:sym typeface="Symbol" panose="05050102010706020507" pitchFamily="18" charset="2"/>
+              </a:endParaRPr>
+            </a:p>
+            <a:p>
+              <a:r>
+                <a:rPr lang="en-US" sz="1200" dirty="0">
+                  <a:sym typeface="Symbol" panose="05050102010706020507" pitchFamily="18" charset="2"/>
+                </a:rPr>
+                <a:t>     </a:t>
+              </a:r>
+              <a:r>
+                <a:rPr lang="en-US" sz="1200" dirty="0" err="1">
+                  <a:sym typeface="Symbol" panose="05050102010706020507" pitchFamily="18" charset="2"/>
+                </a:rPr>
+                <a:t>FloatLiteral</a:t>
+              </a:r>
+              <a:endParaRPr lang="en-US" sz="1200" dirty="0">
+                <a:sym typeface="Symbol" panose="05050102010706020507" pitchFamily="18" charset="2"/>
+              </a:endParaRPr>
+            </a:p>
+            <a:p>
+              <a:r>
+                <a:rPr lang="en-US" sz="1200" dirty="0">
+                  <a:sym typeface="Symbol" panose="05050102010706020507" pitchFamily="18" charset="2"/>
+                </a:rPr>
+                <a:t>     </a:t>
+              </a:r>
+              <a:r>
+                <a:rPr lang="en-US" sz="1200" dirty="0" err="1">
+                  <a:sym typeface="Symbol" panose="05050102010706020507" pitchFamily="18" charset="2"/>
+                </a:rPr>
+                <a:t>IntLiteral</a:t>
+              </a:r>
+              <a:endParaRPr lang="en-US" sz="1200" dirty="0">
+                <a:sym typeface="Symbol" panose="05050102010706020507" pitchFamily="18" charset="2"/>
+              </a:endParaRPr>
+            </a:p>
+            <a:p>
+              <a:r>
+                <a:rPr lang="en-US" sz="1200" dirty="0">
+                  <a:sym typeface="Symbol" panose="05050102010706020507" pitchFamily="18" charset="2"/>
+                </a:rPr>
+                <a:t>     </a:t>
+              </a:r>
+              <a:r>
+                <a:rPr lang="en-US" sz="1200" dirty="0" err="1">
+                  <a:sym typeface="Symbol" panose="05050102010706020507" pitchFamily="18" charset="2"/>
+                </a:rPr>
+                <a:t>ListLiteral</a:t>
+              </a:r>
+              <a:endParaRPr lang="en-US" sz="1200" dirty="0">
+                <a:sym typeface="Symbol" panose="05050102010706020507" pitchFamily="18" charset="2"/>
+              </a:endParaRPr>
+            </a:p>
+            <a:p>
+              <a:r>
+                <a:rPr lang="en-US" sz="1200" dirty="0">
+                  <a:sym typeface="Symbol" panose="05050102010706020507" pitchFamily="18" charset="2"/>
+                </a:rPr>
+                <a:t>     </a:t>
+              </a:r>
+              <a:r>
+                <a:rPr lang="en-US" sz="1200" dirty="0" err="1">
+                  <a:sym typeface="Symbol" panose="05050102010706020507" pitchFamily="18" charset="2"/>
+                </a:rPr>
+                <a:t>NoneLiteral</a:t>
+              </a:r>
+              <a:endParaRPr lang="en-US" sz="1200" dirty="0">
+                <a:sym typeface="Symbol" panose="05050102010706020507" pitchFamily="18" charset="2"/>
+              </a:endParaRPr>
+            </a:p>
+            <a:p>
+              <a:r>
+                <a:rPr lang="en-US" sz="1200" dirty="0">
+                  <a:sym typeface="Symbol" panose="05050102010706020507" pitchFamily="18" charset="2"/>
+                </a:rPr>
+                <a:t>     </a:t>
+              </a:r>
+              <a:r>
+                <a:rPr lang="en-US" sz="1200" dirty="0" err="1">
+                  <a:sym typeface="Symbol" panose="05050102010706020507" pitchFamily="18" charset="2"/>
+                </a:rPr>
+                <a:t>SetLiteral</a:t>
+              </a:r>
+              <a:endParaRPr lang="en-US" sz="1200" dirty="0">
+                <a:sym typeface="Symbol" panose="05050102010706020507" pitchFamily="18" charset="2"/>
+              </a:endParaRPr>
+            </a:p>
+            <a:p>
+              <a:r>
+                <a:rPr lang="en-US" sz="1200" dirty="0">
+                  <a:sym typeface="Symbol" panose="05050102010706020507" pitchFamily="18" charset="2"/>
+                </a:rPr>
+                <a:t>     </a:t>
+              </a:r>
+              <a:r>
+                <a:rPr lang="en-US" sz="1200" dirty="0" err="1">
+                  <a:sym typeface="Symbol" panose="05050102010706020507" pitchFamily="18" charset="2"/>
+                </a:rPr>
+                <a:t>StringLiteral</a:t>
+              </a:r>
+              <a:endParaRPr lang="en-US" sz="1200" dirty="0">
+                <a:sym typeface="Symbol" panose="05050102010706020507" pitchFamily="18" charset="2"/>
+              </a:endParaRPr>
+            </a:p>
+            <a:p>
+              <a:r>
+                <a:rPr lang="en-US" sz="1200" dirty="0">
+                  <a:sym typeface="Symbol" panose="05050102010706020507" pitchFamily="18" charset="2"/>
+                </a:rPr>
+                <a:t>     </a:t>
+              </a:r>
+              <a:r>
+                <a:rPr lang="en-US" sz="1200" dirty="0" err="1">
+                  <a:sym typeface="Symbol" panose="05050102010706020507" pitchFamily="18" charset="2"/>
+                </a:rPr>
+                <a:t>TupleLiteral</a:t>
+              </a:r>
+              <a:endParaRPr lang="en-US" sz="1200" dirty="0">
+                <a:sym typeface="Symbol" panose="05050102010706020507" pitchFamily="18" charset="2"/>
+              </a:endParaRPr>
+            </a:p>
+            <a:p>
+              <a:r>
+                <a:rPr lang="en-US" sz="1200" dirty="0">
+                  <a:sym typeface="Symbol" panose="05050102010706020507" pitchFamily="18" charset="2"/>
+                </a:rPr>
+                <a:t>    </a:t>
+              </a:r>
+              <a:r>
+                <a:rPr lang="es-ES" sz="1200" dirty="0">
+                  <a:sym typeface="Symbol" panose="05050102010706020507" pitchFamily="18" charset="2"/>
+                </a:rPr>
+                <a:t> </a:t>
+              </a:r>
+              <a:r>
+                <a:rPr lang="es-ES" sz="1200" dirty="0" err="1">
+                  <a:sym typeface="Symbol" panose="05050102010706020507" pitchFamily="18" charset="2"/>
+                </a:rPr>
+                <a:t>NoneType</a:t>
+              </a:r>
+              <a:endParaRPr lang="es-ES" sz="1200" dirty="0">
+                <a:sym typeface="Symbol" panose="05050102010706020507" pitchFamily="18" charset="2"/>
+              </a:endParaRPr>
+            </a:p>
+            <a:p>
+              <a:r>
+                <a:rPr lang="es-ES" sz="1200" dirty="0">
+                  <a:sym typeface="Symbol" panose="05050102010706020507" pitchFamily="18" charset="2"/>
+                </a:rPr>
+                <a:t> </a:t>
+              </a:r>
+              <a:r>
+                <a:rPr lang="es-ES" sz="1200" dirty="0" err="1">
+                  <a:sym typeface="Symbol" panose="05050102010706020507" pitchFamily="18" charset="2"/>
+                </a:rPr>
+                <a:t>Slice</a:t>
+              </a:r>
+              <a:endParaRPr lang="es-ES" sz="1200" dirty="0">
+                <a:sym typeface="Symbol" panose="05050102010706020507" pitchFamily="18" charset="2"/>
+              </a:endParaRPr>
+            </a:p>
+            <a:p>
+              <a:r>
+                <a:rPr lang="es-ES" sz="1200" dirty="0">
+                  <a:sym typeface="Symbol" panose="05050102010706020507" pitchFamily="18" charset="2"/>
+                </a:rPr>
+                <a:t> </a:t>
+              </a:r>
+              <a:r>
+                <a:rPr lang="es-ES" sz="1200" dirty="0" err="1">
+                  <a:sym typeface="Symbol" panose="05050102010706020507" pitchFamily="18" charset="2"/>
+                </a:rPr>
+                <a:t>Star</a:t>
+              </a:r>
+              <a:endParaRPr lang="es-ES" sz="1200" dirty="0">
+                <a:sym typeface="Symbol" panose="05050102010706020507" pitchFamily="18" charset="2"/>
+              </a:endParaRPr>
+            </a:p>
+            <a:p>
+              <a:r>
+                <a:rPr lang="es-ES" sz="1200" dirty="0">
+                  <a:sym typeface="Symbol" panose="05050102010706020507" pitchFamily="18" charset="2"/>
+                </a:rPr>
+                <a:t> </a:t>
+              </a:r>
+              <a:r>
+                <a:rPr lang="es-ES" sz="1200" dirty="0" err="1">
+                  <a:sym typeface="Symbol" panose="05050102010706020507" pitchFamily="18" charset="2"/>
+                </a:rPr>
+                <a:t>Ternary</a:t>
+              </a:r>
+              <a:endParaRPr lang="es-ES" sz="1200" dirty="0">
+                <a:sym typeface="Symbol" panose="05050102010706020507" pitchFamily="18" charset="2"/>
+              </a:endParaRPr>
+            </a:p>
+            <a:p>
+              <a:r>
+                <a:rPr lang="es-ES" sz="1200" dirty="0">
+                  <a:sym typeface="Symbol" panose="05050102010706020507" pitchFamily="18" charset="2"/>
+                </a:rPr>
+                <a:t> </a:t>
+              </a:r>
+              <a:r>
+                <a:rPr lang="es-ES" sz="1200" dirty="0" err="1">
+                  <a:sym typeface="Symbol" panose="05050102010706020507" pitchFamily="18" charset="2"/>
+                </a:rPr>
+                <a:t>UnaryExpression</a:t>
+              </a:r>
+              <a:endParaRPr lang="es-ES" sz="1200" dirty="0">
+                <a:sym typeface="Symbol" panose="05050102010706020507" pitchFamily="18" charset="2"/>
+              </a:endParaRPr>
+            </a:p>
+            <a:p>
+              <a:endParaRPr lang="es-ES" sz="800" dirty="0">
+                <a:sym typeface="Symbol" panose="05050102010706020507" pitchFamily="18" charset="2"/>
+              </a:endParaRPr>
+            </a:p>
+            <a:p>
+              <a:r>
+                <a:rPr lang="en-US" sz="1200" dirty="0">
+                  <a:sym typeface="Symbol" panose="05050102010706020507" pitchFamily="18" charset="2"/>
+                </a:rPr>
+                <a:t>     </a:t>
+              </a:r>
+              <a:r>
+                <a:rPr lang="en-US" sz="1200" dirty="0" err="1">
+                  <a:sym typeface="Symbol" panose="05050102010706020507" pitchFamily="18" charset="2"/>
+                </a:rPr>
+                <a:t>UnaryArithmetic</a:t>
+              </a:r>
+              <a:endParaRPr lang="en-US" sz="1200" dirty="0">
+                <a:sym typeface="Symbol" panose="05050102010706020507" pitchFamily="18" charset="2"/>
+              </a:endParaRPr>
+            </a:p>
+            <a:p>
+              <a:r>
+                <a:rPr lang="en-US" sz="1200" dirty="0">
+                  <a:sym typeface="Symbol" panose="05050102010706020507" pitchFamily="18" charset="2"/>
+                </a:rPr>
+                <a:t>     </a:t>
+              </a:r>
+              <a:r>
+                <a:rPr lang="en-US" sz="1200" dirty="0" err="1">
+                  <a:sym typeface="Symbol" panose="05050102010706020507" pitchFamily="18" charset="2"/>
+                </a:rPr>
+                <a:t>UnaryBWNot</a:t>
+              </a:r>
+              <a:endParaRPr lang="en-US" sz="1200" dirty="0">
+                <a:sym typeface="Symbol" panose="05050102010706020507" pitchFamily="18" charset="2"/>
+              </a:endParaRPr>
+            </a:p>
+            <a:p>
+              <a:r>
+                <a:rPr lang="en-US" sz="1200" dirty="0">
+                  <a:sym typeface="Symbol" panose="05050102010706020507" pitchFamily="18" charset="2"/>
+                </a:rPr>
+                <a:t>     </a:t>
+              </a:r>
+              <a:r>
+                <a:rPr lang="en-US" sz="1200" dirty="0" err="1">
+                  <a:sym typeface="Symbol" panose="05050102010706020507" pitchFamily="18" charset="2"/>
+                </a:rPr>
+                <a:t>UnaryNot</a:t>
+              </a:r>
+              <a:endParaRPr lang="en-US" sz="1200" dirty="0">
+                <a:sym typeface="Symbol" panose="05050102010706020507" pitchFamily="18" charset="2"/>
+              </a:endParaRPr>
+            </a:p>
+            <a:p>
+              <a:r>
+                <a:rPr lang="es-ES" sz="1200" dirty="0">
+                  <a:sym typeface="Symbol" panose="05050102010706020507" pitchFamily="18" charset="2"/>
+                </a:rPr>
+                <a:t> Variable</a:t>
+              </a:r>
+            </a:p>
+            <a:p>
+              <a:r>
+                <a:rPr lang="es-ES" sz="1200" dirty="0">
+                  <a:sym typeface="Symbol" panose="05050102010706020507" pitchFamily="18" charset="2"/>
+                </a:rPr>
+                <a:t> </a:t>
+              </a:r>
+              <a:r>
+                <a:rPr lang="es-ES" sz="1200" dirty="0" err="1">
+                  <a:sym typeface="Symbol" panose="05050102010706020507" pitchFamily="18" charset="2"/>
+                </a:rPr>
+                <a:t>Yield</a:t>
+              </a:r>
+              <a:endParaRPr lang="es-ES" sz="1200" dirty="0">
+                <a:sym typeface="Symbol" panose="05050102010706020507" pitchFamily="18" charset="2"/>
+              </a:endParaRPr>
+            </a:p>
+            <a:p>
+              <a:r>
+                <a:rPr lang="es-ES" sz="1200" dirty="0">
+                  <a:sym typeface="Symbol" panose="05050102010706020507" pitchFamily="18" charset="2"/>
+                </a:rPr>
+                <a:t> </a:t>
+              </a:r>
+              <a:r>
+                <a:rPr lang="es-ES" sz="1200" dirty="0" err="1">
+                  <a:sym typeface="Symbol" panose="05050102010706020507" pitchFamily="18" charset="2"/>
+                </a:rPr>
+                <a:t>YieldFrom</a:t>
+              </a:r>
+              <a:endParaRPr lang="es-ES" sz="1200" dirty="0">
+                <a:sym typeface="Symbol" panose="05050102010706020507" pitchFamily="18" charset="2"/>
+              </a:endParaRPr>
+            </a:p>
+          </p:txBody>
+        </p:sp>
+        <p:cxnSp>
+          <p:nvCxnSpPr>
+            <p:cNvPr id="62" name="Conector recto 61">
+              <a:extLst>
+                <a:ext uri="{FF2B5EF4-FFF2-40B4-BE49-F238E27FC236}">
+                  <a16:creationId xmlns:a16="http://schemas.microsoft.com/office/drawing/2014/main" id="{BC59A7BD-FE71-E325-D8BC-22CF4C8943EA}"/>
+                </a:ext>
+              </a:extLst>
+            </p:cNvPr>
+            <p:cNvCxnSpPr>
+              <a:cxnSpLocks/>
+            </p:cNvCxnSpPr>
+            <p:nvPr/>
+          </p:nvCxnSpPr>
+          <p:spPr>
+            <a:xfrm flipV="1">
+              <a:off x="1076359" y="2271722"/>
+              <a:ext cx="0" cy="1280951"/>
+            </a:xfrm>
+            <a:prstGeom prst="line">
+              <a:avLst/>
+            </a:prstGeom>
+            <a:ln w="9525">
+              <a:headEnd type="none"/>
+              <a:tailEnd type="triangle"/>
+            </a:ln>
+          </p:spPr>
+          <p:style>
+            <a:lnRef idx="2">
+              <a:schemeClr val="dk1"/>
+            </a:lnRef>
+            <a:fillRef idx="0">
+              <a:schemeClr val="dk1"/>
+            </a:fillRef>
+            <a:effectRef idx="1">
+              <a:schemeClr val="dk1"/>
+            </a:effectRef>
+            <a:fontRef idx="minor">
+              <a:schemeClr val="tx1"/>
+            </a:fontRef>
+          </p:style>
+        </p:cxnSp>
+        <p:cxnSp>
+          <p:nvCxnSpPr>
+            <p:cNvPr id="1027" name="Conector recto 1026">
+              <a:extLst>
+                <a:ext uri="{FF2B5EF4-FFF2-40B4-BE49-F238E27FC236}">
+                  <a16:creationId xmlns:a16="http://schemas.microsoft.com/office/drawing/2014/main" id="{67A3E4E7-3BD9-92EC-AFCF-19DDDB4C11BC}"/>
+                </a:ext>
+              </a:extLst>
+            </p:cNvPr>
+            <p:cNvCxnSpPr>
+              <a:cxnSpLocks/>
+            </p:cNvCxnSpPr>
+            <p:nvPr/>
+          </p:nvCxnSpPr>
+          <p:spPr>
+            <a:xfrm flipV="1">
+              <a:off x="1076359" y="4025432"/>
+              <a:ext cx="0" cy="746441"/>
+            </a:xfrm>
+            <a:prstGeom prst="line">
+              <a:avLst/>
+            </a:prstGeom>
+            <a:ln w="9525">
+              <a:headEnd type="none"/>
+              <a:tailEnd type="triangle"/>
+            </a:ln>
+          </p:spPr>
+          <p:style>
+            <a:lnRef idx="2">
+              <a:schemeClr val="dk1"/>
+            </a:lnRef>
+            <a:fillRef idx="0">
+              <a:schemeClr val="dk1"/>
+            </a:fillRef>
+            <a:effectRef idx="1">
+              <a:schemeClr val="dk1"/>
+            </a:effectRef>
+            <a:fontRef idx="minor">
+              <a:schemeClr val="tx1"/>
+            </a:fontRef>
+          </p:style>
+        </p:cxnSp>
+        <p:cxnSp>
+          <p:nvCxnSpPr>
+            <p:cNvPr id="1029" name="Conector recto 1028">
+              <a:extLst>
+                <a:ext uri="{FF2B5EF4-FFF2-40B4-BE49-F238E27FC236}">
+                  <a16:creationId xmlns:a16="http://schemas.microsoft.com/office/drawing/2014/main" id="{8D873F75-E91B-BE91-37E7-886845F404A0}"/>
+                </a:ext>
+              </a:extLst>
+            </p:cNvPr>
+            <p:cNvCxnSpPr>
+              <a:cxnSpLocks/>
+            </p:cNvCxnSpPr>
+            <p:nvPr/>
+          </p:nvCxnSpPr>
+          <p:spPr>
+            <a:xfrm flipV="1">
+              <a:off x="1078521" y="5936782"/>
+              <a:ext cx="0" cy="2241630"/>
+            </a:xfrm>
+            <a:prstGeom prst="line">
+              <a:avLst/>
+            </a:prstGeom>
+            <a:ln w="9525">
+              <a:headEnd type="none"/>
+              <a:tailEnd type="triangle"/>
+            </a:ln>
+          </p:spPr>
+          <p:style>
+            <a:lnRef idx="2">
+              <a:schemeClr val="dk1"/>
+            </a:lnRef>
+            <a:fillRef idx="0">
+              <a:schemeClr val="dk1"/>
+            </a:fillRef>
+            <a:effectRef idx="1">
+              <a:schemeClr val="dk1"/>
+            </a:effectRef>
+            <a:fontRef idx="minor">
+              <a:schemeClr val="tx1"/>
+            </a:fontRef>
+          </p:style>
+        </p:cxnSp>
+        <p:cxnSp>
+          <p:nvCxnSpPr>
+            <p:cNvPr id="1031" name="Conector recto 1030">
+              <a:extLst>
+                <a:ext uri="{FF2B5EF4-FFF2-40B4-BE49-F238E27FC236}">
+                  <a16:creationId xmlns:a16="http://schemas.microsoft.com/office/drawing/2014/main" id="{600547CF-52D6-FBFB-D8BF-3596B175EF6D}"/>
+                </a:ext>
+              </a:extLst>
+            </p:cNvPr>
+            <p:cNvCxnSpPr>
+              <a:cxnSpLocks/>
+            </p:cNvCxnSpPr>
+            <p:nvPr/>
+          </p:nvCxnSpPr>
+          <p:spPr>
+            <a:xfrm flipV="1">
+              <a:off x="1076359" y="9010262"/>
+              <a:ext cx="0" cy="577850"/>
+            </a:xfrm>
+            <a:prstGeom prst="line">
+              <a:avLst/>
+            </a:prstGeom>
+            <a:ln w="9525">
+              <a:headEnd type="none"/>
+              <a:tailEnd type="triangle"/>
+            </a:ln>
+          </p:spPr>
+          <p:style>
+            <a:lnRef idx="2">
+              <a:schemeClr val="dk1"/>
+            </a:lnRef>
+            <a:fillRef idx="0">
+              <a:schemeClr val="dk1"/>
+            </a:fillRef>
+            <a:effectRef idx="1">
+              <a:schemeClr val="dk1"/>
+            </a:effectRef>
+            <a:fontRef idx="minor">
+              <a:schemeClr val="tx1"/>
+            </a:fontRef>
+          </p:style>
+        </p:cxnSp>
+      </p:grpSp>
+      <p:cxnSp>
+        <p:nvCxnSpPr>
+          <p:cNvPr id="1035" name="Conector recto 1034">
+            <a:extLst>
+              <a:ext uri="{FF2B5EF4-FFF2-40B4-BE49-F238E27FC236}">
+                <a16:creationId xmlns:a16="http://schemas.microsoft.com/office/drawing/2014/main" id="{CACBF0F5-CD48-AE9B-55F2-8CE1B3BCDD51}"/>
+              </a:ext>
+            </a:extLst>
+          </p:cNvPr>
+          <p:cNvCxnSpPr>
+            <a:cxnSpLocks/>
+          </p:cNvCxnSpPr>
+          <p:nvPr/>
+        </p:nvCxnSpPr>
+        <p:spPr>
+          <a:xfrm flipV="1">
+            <a:off x="904677" y="1526538"/>
+            <a:ext cx="0" cy="8608062"/>
+          </a:xfrm>
+          <a:prstGeom prst="line">
+            <a:avLst/>
+          </a:prstGeom>
+          <a:ln w="9525">
+            <a:headEnd type="none"/>
+            <a:tailEnd type="triangle"/>
+          </a:ln>
+        </p:spPr>
+        <p:style>
+          <a:lnRef idx="2">
+            <a:schemeClr val="dk1"/>
+          </a:lnRef>
+          <a:fillRef idx="0">
+            <a:schemeClr val="dk1"/>
+          </a:fillRef>
+          <a:effectRef idx="1">
+            <a:schemeClr val="dk1"/>
+          </a:effectRef>
+          <a:fontRef idx="minor">
+            <a:schemeClr val="tx1"/>
+          </a:fontRef>
+        </p:style>
+      </p:cxnSp>
+      <p:cxnSp>
+        <p:nvCxnSpPr>
+          <p:cNvPr id="1043" name="Conector recto 1042">
+            <a:extLst>
+              <a:ext uri="{FF2B5EF4-FFF2-40B4-BE49-F238E27FC236}">
+                <a16:creationId xmlns:a16="http://schemas.microsoft.com/office/drawing/2014/main" id="{D0814E1D-AFCF-9201-B3F0-B3C3F5809AC2}"/>
+              </a:ext>
+            </a:extLst>
+          </p:cNvPr>
+          <p:cNvCxnSpPr>
+            <a:cxnSpLocks/>
+            <a:stCxn id="30" idx="1"/>
+            <a:endCxn id="3" idx="3"/>
+          </p:cNvCxnSpPr>
+          <p:nvPr/>
+        </p:nvCxnSpPr>
+        <p:spPr>
+          <a:xfrm flipH="1">
+            <a:off x="3914549" y="1449081"/>
+            <a:ext cx="588586" cy="0"/>
+          </a:xfrm>
+          <a:prstGeom prst="line">
+            <a:avLst/>
+          </a:prstGeom>
+          <a:ln w="9525">
+            <a:headEnd type="none"/>
+            <a:tailEnd type="triangle"/>
+          </a:ln>
+        </p:spPr>
+        <p:style>
+          <a:lnRef idx="2">
+            <a:schemeClr val="dk1"/>
+          </a:lnRef>
+          <a:fillRef idx="0">
+            <a:schemeClr val="dk1"/>
+          </a:fillRef>
+          <a:effectRef idx="1">
+            <a:schemeClr val="dk1"/>
+          </a:effectRef>
+          <a:fontRef idx="minor">
+            <a:schemeClr val="tx1"/>
+          </a:fontRef>
+        </p:style>
+      </p:cxnSp>
+    </p:spTree>
+    <p:extLst>
+      <p:ext uri="{BB962C8B-B14F-4D97-AF65-F5344CB8AC3E}">
+        <p14:creationId xmlns:p14="http://schemas.microsoft.com/office/powerpoint/2010/main" val="2819730526"/>
+      </p:ext>
+    </p:extLst>
+  </p:cSld>
+  <p:clrMapOvr>
+    <a:masterClrMapping/>
+  </p:clrMapOvr>
+</p:sld>
+</file>
+
+<file path=ppt/slides/slide4.xml><?xml version="1.0" encoding="utf-8"?>
+<p:sld xmlns:a="http://schemas.openxmlformats.org/drawingml/2006/main" xmlns:r="http://schemas.openxmlformats.org/officeDocument/2006/relationships" xmlns:p="http://schemas.openxmlformats.org/presentationml/2006/main">
+  <p:cSld>
+    <p:spTree>
+      <p:nvGrpSpPr>
+        <p:cNvPr id="1" name=""/>
+        <p:cNvGrpSpPr/>
+        <p:nvPr/>
+      </p:nvGrpSpPr>
+      <p:grpSpPr>
+        <a:xfrm>
+          <a:off x="0" y="0"/>
+          <a:ext cx="0" cy="0"/>
+          <a:chOff x="0" y="0"/>
+          <a:chExt cx="0" cy="0"/>
+        </a:xfrm>
+      </p:grpSpPr>
+      <p:pic>
+        <p:nvPicPr>
+          <p:cNvPr id="1026" name="Picture 2" descr="Python Standard Library">
+            <a:extLst>
+              <a:ext uri="{FF2B5EF4-FFF2-40B4-BE49-F238E27FC236}">
+                <a16:creationId xmlns:a16="http://schemas.microsoft.com/office/drawing/2014/main" id="{D19261AD-1780-C9F8-0F9E-C884D3391343}"/>
+              </a:ext>
+            </a:extLst>
+          </p:cNvPr>
+          <p:cNvPicPr>
+            <a:picLocks noChangeAspect="1" noChangeArrowheads="1"/>
+          </p:cNvPicPr>
+          <p:nvPr/>
+        </p:nvPicPr>
+        <p:blipFill>
+          <a:blip r:embed="rId2">
+            <a:extLst>
+              <a:ext uri="{28A0092B-C50C-407E-A947-70E740481C1C}">
+                <a14:useLocalDpi xmlns:a14="http://schemas.microsoft.com/office/drawing/2010/main" val="0"/>
+              </a:ext>
+            </a:extLst>
+          </a:blip>
+          <a:srcRect/>
+          <a:stretch>
+            <a:fillRect/>
+          </a:stretch>
+        </p:blipFill>
+        <p:spPr bwMode="auto">
+          <a:xfrm>
+            <a:off x="3079896" y="3211713"/>
+            <a:ext cx="2314747" cy="1409892"/>
+          </a:xfrm>
+          <a:prstGeom prst="rect">
+            <a:avLst/>
+          </a:prstGeom>
+          <a:noFill/>
+          <a:extLst>
+            <a:ext uri="{909E8E84-426E-40DD-AFC4-6F175D3DCCD1}">
+              <a14:hiddenFill xmlns:a14="http://schemas.microsoft.com/office/drawing/2010/main">
+                <a:solidFill>
+                  <a:srgbClr val="FFFFFF"/>
+                </a:solidFill>
+              </a14:hiddenFill>
+            </a:ext>
+          </a:extLst>
+        </p:spPr>
+      </p:pic>
+      <p:sp>
+        <p:nvSpPr>
+          <p:cNvPr id="2" name="CuadroTexto 1">
+            <a:extLst>
+              <a:ext uri="{FF2B5EF4-FFF2-40B4-BE49-F238E27FC236}">
+                <a16:creationId xmlns:a16="http://schemas.microsoft.com/office/drawing/2014/main" id="{902B1BD0-0E96-7CBA-9C8F-2E9660BFC819}"/>
+              </a:ext>
+            </a:extLst>
+          </p:cNvPr>
+          <p:cNvSpPr txBox="1"/>
+          <p:nvPr/>
+        </p:nvSpPr>
+        <p:spPr>
+          <a:xfrm>
+            <a:off x="2317248" y="463156"/>
+            <a:ext cx="880138" cy="276999"/>
+          </a:xfrm>
+          <a:prstGeom prst="rect">
+            <a:avLst/>
+          </a:prstGeom>
+          <a:noFill/>
+        </p:spPr>
+        <p:txBody>
+          <a:bodyPr wrap="square" rtlCol="0">
+            <a:spAutoFit/>
+          </a:bodyPr>
+          <a:lstStyle/>
+          <a:p>
+            <a:pPr algn="ctr"/>
+            <a:r>
+              <a:rPr lang="es-ES" sz="1200" dirty="0" err="1"/>
+              <a:t>Tree</a:t>
+            </a:r>
+            <a:endParaRPr lang="es-ES" sz="1400" dirty="0"/>
+          </a:p>
+        </p:txBody>
+      </p:sp>
+      <p:sp>
+        <p:nvSpPr>
+          <p:cNvPr id="3" name="CuadroTexto 2">
+            <a:extLst>
+              <a:ext uri="{FF2B5EF4-FFF2-40B4-BE49-F238E27FC236}">
+                <a16:creationId xmlns:a16="http://schemas.microsoft.com/office/drawing/2014/main" id="{5565A808-FDCD-3F38-3421-6A9FCC6FEABA}"/>
+              </a:ext>
+            </a:extLst>
+          </p:cNvPr>
+          <p:cNvSpPr txBox="1"/>
+          <p:nvPr/>
+        </p:nvSpPr>
+        <p:spPr>
+          <a:xfrm>
+            <a:off x="2171585" y="1326454"/>
+            <a:ext cx="1171464" cy="276999"/>
+          </a:xfrm>
+          <a:prstGeom prst="rect">
+            <a:avLst/>
+          </a:prstGeom>
+          <a:noFill/>
+        </p:spPr>
+        <p:txBody>
+          <a:bodyPr wrap="square" rtlCol="0" anchor="ctr">
+            <a:spAutoFit/>
+          </a:bodyPr>
+          <a:lstStyle/>
+          <a:p>
+            <a:pPr algn="ctr"/>
+            <a:r>
+              <a:rPr lang="es-ES" sz="1200" dirty="0" err="1"/>
+              <a:t>Statement</a:t>
+            </a:r>
+            <a:endParaRPr lang="es-ES" sz="1200" dirty="0"/>
+          </a:p>
+        </p:txBody>
+      </p:sp>
+      <p:sp>
+        <p:nvSpPr>
+          <p:cNvPr id="4" name="CuadroTexto 3">
+            <a:extLst>
+              <a:ext uri="{FF2B5EF4-FFF2-40B4-BE49-F238E27FC236}">
+                <a16:creationId xmlns:a16="http://schemas.microsoft.com/office/drawing/2014/main" id="{A30E7578-918E-44D0-ADA2-A664E713EA59}"/>
+              </a:ext>
+            </a:extLst>
+          </p:cNvPr>
+          <p:cNvSpPr txBox="1"/>
+          <p:nvPr/>
+        </p:nvSpPr>
+        <p:spPr>
+          <a:xfrm>
+            <a:off x="3623981" y="1323288"/>
+            <a:ext cx="1171464" cy="276999"/>
+          </a:xfrm>
+          <a:prstGeom prst="rect">
+            <a:avLst/>
+          </a:prstGeom>
+          <a:noFill/>
+        </p:spPr>
+        <p:txBody>
+          <a:bodyPr wrap="square" rtlCol="0">
+            <a:spAutoFit/>
+          </a:bodyPr>
+          <a:lstStyle/>
+          <a:p>
+            <a:pPr algn="ctr"/>
+            <a:r>
+              <a:rPr lang="es-ES" sz="1200" dirty="0"/>
+              <a:t>Module</a:t>
+            </a:r>
+            <a:endParaRPr lang="es-ES" sz="1400" dirty="0"/>
+          </a:p>
+        </p:txBody>
+      </p:sp>
+      <p:sp>
+        <p:nvSpPr>
+          <p:cNvPr id="5" name="CuadroTexto 4">
+            <a:extLst>
+              <a:ext uri="{FF2B5EF4-FFF2-40B4-BE49-F238E27FC236}">
+                <a16:creationId xmlns:a16="http://schemas.microsoft.com/office/drawing/2014/main" id="{9E19197F-922F-7660-69E0-218393537A92}"/>
+              </a:ext>
+            </a:extLst>
+          </p:cNvPr>
+          <p:cNvSpPr txBox="1"/>
+          <p:nvPr/>
+        </p:nvSpPr>
+        <p:spPr>
+          <a:xfrm>
+            <a:off x="2385842" y="1708488"/>
+            <a:ext cx="1673222" cy="5262979"/>
+          </a:xfrm>
+          <a:prstGeom prst="rect">
+            <a:avLst/>
+          </a:prstGeom>
+          <a:noFill/>
+        </p:spPr>
+        <p:txBody>
+          <a:bodyPr wrap="square" rtlCol="0">
+            <a:spAutoFit/>
+          </a:bodyPr>
+          <a:lstStyle/>
+          <a:p>
+            <a:r>
+              <a:rPr lang="es-ES" sz="1200" dirty="0">
+                <a:sym typeface="Symbol" panose="05050102010706020507" pitchFamily="18" charset="2"/>
+              </a:rPr>
+              <a:t> </a:t>
+            </a:r>
+            <a:r>
+              <a:rPr lang="es-ES" sz="1200" dirty="0" err="1"/>
+              <a:t>AnnAssign</a:t>
+            </a:r>
+            <a:endParaRPr lang="es-ES" sz="1200" dirty="0"/>
+          </a:p>
+          <a:p>
+            <a:r>
+              <a:rPr lang="es-ES" sz="1200" dirty="0">
+                <a:sym typeface="Symbol" panose="05050102010706020507" pitchFamily="18" charset="2"/>
+              </a:rPr>
+              <a:t> </a:t>
+            </a:r>
+            <a:r>
+              <a:rPr lang="es-ES" sz="1200" dirty="0" err="1"/>
+              <a:t>Assert</a:t>
+            </a:r>
+            <a:endParaRPr lang="es-ES" sz="1200" dirty="0"/>
+          </a:p>
+          <a:p>
+            <a:r>
+              <a:rPr lang="es-ES" sz="1200" dirty="0">
+                <a:sym typeface="Symbol" panose="05050102010706020507" pitchFamily="18" charset="2"/>
+              </a:rPr>
+              <a:t> </a:t>
+            </a:r>
+            <a:r>
+              <a:rPr lang="es-ES" sz="1200" dirty="0" err="1"/>
+              <a:t>Assign</a:t>
+            </a:r>
+            <a:endParaRPr lang="es-ES" sz="1200" dirty="0"/>
+          </a:p>
+          <a:p>
+            <a:r>
+              <a:rPr lang="es-ES" sz="1200" dirty="0">
+                <a:sym typeface="Symbol" panose="05050102010706020507" pitchFamily="18" charset="2"/>
+              </a:rPr>
+              <a:t> </a:t>
+            </a:r>
+            <a:r>
+              <a:rPr lang="es-ES" sz="1200" dirty="0" err="1"/>
+              <a:t>AsyncFor</a:t>
+            </a:r>
+            <a:endParaRPr lang="es-ES" sz="1200" dirty="0"/>
+          </a:p>
+          <a:p>
+            <a:r>
+              <a:rPr lang="es-ES" sz="1200" dirty="0">
+                <a:sym typeface="Symbol" panose="05050102010706020507" pitchFamily="18" charset="2"/>
+              </a:rPr>
+              <a:t> </a:t>
+            </a:r>
+            <a:r>
+              <a:rPr lang="es-ES" sz="1200" dirty="0" err="1"/>
+              <a:t>AsyncFunctionDef</a:t>
+            </a:r>
+            <a:endParaRPr lang="es-ES" sz="1200" dirty="0"/>
+          </a:p>
+          <a:p>
+            <a:r>
+              <a:rPr lang="es-ES" sz="1200" dirty="0">
+                <a:sym typeface="Symbol" panose="05050102010706020507" pitchFamily="18" charset="2"/>
+              </a:rPr>
+              <a:t> </a:t>
+            </a:r>
+            <a:r>
+              <a:rPr lang="es-ES" sz="1200" dirty="0" err="1"/>
+              <a:t>AsyncWith</a:t>
+            </a:r>
+            <a:endParaRPr lang="es-ES" sz="1200" dirty="0"/>
+          </a:p>
+          <a:p>
+            <a:r>
+              <a:rPr lang="es-ES" sz="1200" dirty="0">
+                <a:sym typeface="Symbol" panose="05050102010706020507" pitchFamily="18" charset="2"/>
+              </a:rPr>
+              <a:t> </a:t>
+            </a:r>
+            <a:r>
+              <a:rPr lang="es-ES" sz="1200" dirty="0" err="1"/>
+              <a:t>AugAssign</a:t>
+            </a:r>
+            <a:endParaRPr lang="es-ES" sz="1200" dirty="0"/>
+          </a:p>
+          <a:p>
+            <a:r>
+              <a:rPr lang="es-ES" sz="1200" dirty="0">
+                <a:sym typeface="Symbol" panose="05050102010706020507" pitchFamily="18" charset="2"/>
+              </a:rPr>
+              <a:t> </a:t>
+            </a:r>
+            <a:r>
+              <a:rPr lang="es-ES" sz="1200" dirty="0"/>
+              <a:t>Break</a:t>
+            </a:r>
+          </a:p>
+          <a:p>
+            <a:r>
+              <a:rPr lang="es-ES" sz="1200" dirty="0">
+                <a:sym typeface="Symbol" panose="05050102010706020507" pitchFamily="18" charset="2"/>
+              </a:rPr>
+              <a:t> </a:t>
+            </a:r>
+            <a:r>
+              <a:rPr lang="es-ES" sz="1200" dirty="0" err="1"/>
+              <a:t>ClassDef</a:t>
+            </a:r>
+            <a:endParaRPr lang="es-ES" sz="1200" dirty="0"/>
+          </a:p>
+          <a:p>
+            <a:r>
+              <a:rPr lang="es-ES" sz="1200" dirty="0">
+                <a:sym typeface="Symbol" panose="05050102010706020507" pitchFamily="18" charset="2"/>
+              </a:rPr>
+              <a:t> </a:t>
+            </a:r>
+            <a:r>
+              <a:rPr lang="es-ES" sz="1200" dirty="0"/>
+              <a:t>Continue</a:t>
+            </a:r>
+          </a:p>
+          <a:p>
+            <a:r>
+              <a:rPr lang="es-ES" sz="1200" dirty="0">
+                <a:sym typeface="Symbol" panose="05050102010706020507" pitchFamily="18" charset="2"/>
+              </a:rPr>
+              <a:t> </a:t>
+            </a:r>
+            <a:r>
+              <a:rPr lang="es-ES" sz="1200" dirty="0" err="1"/>
+              <a:t>Delete</a:t>
+            </a:r>
+            <a:endParaRPr lang="es-ES" sz="1200" dirty="0"/>
+          </a:p>
+          <a:p>
+            <a:r>
+              <a:rPr lang="es-ES" sz="1200" dirty="0">
+                <a:sym typeface="Symbol" panose="05050102010706020507" pitchFamily="18" charset="2"/>
+              </a:rPr>
+              <a:t> </a:t>
+            </a:r>
+            <a:r>
+              <a:rPr lang="es-ES" sz="1200" dirty="0" err="1"/>
+              <a:t>For</a:t>
+            </a:r>
+            <a:endParaRPr lang="es-ES" sz="1200" dirty="0"/>
+          </a:p>
+          <a:p>
+            <a:r>
+              <a:rPr lang="es-ES" sz="1200" dirty="0">
+                <a:sym typeface="Symbol" panose="05050102010706020507" pitchFamily="18" charset="2"/>
+              </a:rPr>
+              <a:t> </a:t>
+            </a:r>
+            <a:r>
+              <a:rPr lang="es-ES" sz="1200" dirty="0" err="1"/>
+              <a:t>FunctionDef</a:t>
+            </a:r>
+            <a:endParaRPr lang="es-ES" sz="1200" dirty="0"/>
+          </a:p>
+          <a:p>
+            <a:r>
+              <a:rPr lang="es-ES" sz="1200" dirty="0">
+                <a:sym typeface="Symbol" panose="05050102010706020507" pitchFamily="18" charset="2"/>
+              </a:rPr>
+              <a:t> </a:t>
+            </a:r>
+            <a:r>
+              <a:rPr lang="es-ES" sz="1200" dirty="0"/>
+              <a:t>Global</a:t>
+            </a:r>
+          </a:p>
+          <a:p>
+            <a:r>
+              <a:rPr lang="es-ES" sz="1200" dirty="0">
+                <a:sym typeface="Symbol" panose="05050102010706020507" pitchFamily="18" charset="2"/>
+              </a:rPr>
+              <a:t> </a:t>
+            </a:r>
+            <a:r>
+              <a:rPr lang="es-ES" sz="1200" dirty="0" err="1"/>
+              <a:t>If</a:t>
+            </a:r>
+            <a:endParaRPr lang="es-ES" sz="1200" dirty="0"/>
+          </a:p>
+          <a:p>
+            <a:r>
+              <a:rPr lang="es-ES" sz="1200" dirty="0">
+                <a:sym typeface="Symbol" panose="05050102010706020507" pitchFamily="18" charset="2"/>
+              </a:rPr>
+              <a:t> </a:t>
+            </a:r>
+            <a:r>
+              <a:rPr lang="es-ES" sz="1200" dirty="0" err="1"/>
+              <a:t>Import</a:t>
+            </a:r>
+            <a:endParaRPr lang="es-ES" sz="1200" dirty="0"/>
+          </a:p>
+          <a:p>
+            <a:r>
+              <a:rPr lang="es-ES" sz="1200" dirty="0">
+                <a:sym typeface="Symbol" panose="05050102010706020507" pitchFamily="18" charset="2"/>
+              </a:rPr>
+              <a:t> </a:t>
+            </a:r>
+            <a:r>
+              <a:rPr lang="es-ES" sz="1200" dirty="0" err="1"/>
+              <a:t>ImportFrom</a:t>
+            </a:r>
+            <a:endParaRPr lang="es-ES" sz="1200" dirty="0"/>
+          </a:p>
+          <a:p>
+            <a:r>
+              <a:rPr lang="es-ES" sz="1200" dirty="0">
+                <a:sym typeface="Symbol" panose="05050102010706020507" pitchFamily="18" charset="2"/>
+              </a:rPr>
+              <a:t> </a:t>
+            </a:r>
+            <a:r>
+              <a:rPr lang="es-ES" sz="1200" dirty="0"/>
+              <a:t>Match</a:t>
+            </a:r>
+          </a:p>
+          <a:p>
+            <a:r>
+              <a:rPr lang="es-ES" sz="1200" dirty="0">
+                <a:sym typeface="Symbol" panose="05050102010706020507" pitchFamily="18" charset="2"/>
+              </a:rPr>
+              <a:t> </a:t>
+            </a:r>
+            <a:r>
+              <a:rPr lang="es-ES" sz="1200" dirty="0" err="1"/>
+              <a:t>Nonlocal</a:t>
+            </a:r>
+            <a:endParaRPr lang="es-ES" sz="1200" dirty="0"/>
+          </a:p>
+          <a:p>
+            <a:r>
+              <a:rPr lang="es-ES" sz="1200" dirty="0">
+                <a:sym typeface="Symbol" panose="05050102010706020507" pitchFamily="18" charset="2"/>
+              </a:rPr>
+              <a:t> </a:t>
+            </a:r>
+            <a:r>
+              <a:rPr lang="es-ES" sz="1200" dirty="0"/>
+              <a:t>Pass</a:t>
+            </a:r>
+          </a:p>
+          <a:p>
+            <a:r>
+              <a:rPr lang="es-ES" sz="1200" dirty="0">
+                <a:sym typeface="Symbol" panose="05050102010706020507" pitchFamily="18" charset="2"/>
+              </a:rPr>
+              <a:t> </a:t>
+            </a:r>
+            <a:r>
+              <a:rPr lang="es-ES" sz="1200" dirty="0" err="1"/>
+              <a:t>Raise</a:t>
+            </a:r>
+            <a:endParaRPr lang="es-ES" sz="1200" dirty="0"/>
+          </a:p>
+          <a:p>
+            <a:r>
+              <a:rPr lang="es-ES" sz="1200" dirty="0">
+                <a:sym typeface="Symbol" panose="05050102010706020507" pitchFamily="18" charset="2"/>
+              </a:rPr>
+              <a:t> </a:t>
+            </a:r>
+            <a:r>
+              <a:rPr lang="es-ES" sz="1200" dirty="0" err="1"/>
+              <a:t>Return</a:t>
+            </a:r>
+            <a:endParaRPr lang="es-ES" sz="1200" dirty="0"/>
+          </a:p>
+          <a:p>
+            <a:r>
+              <a:rPr lang="es-ES" sz="1200" dirty="0">
+                <a:sym typeface="Symbol" panose="05050102010706020507" pitchFamily="18" charset="2"/>
+              </a:rPr>
+              <a:t> </a:t>
+            </a:r>
+            <a:r>
+              <a:rPr lang="es-ES" sz="1200" dirty="0"/>
+              <a:t>Try</a:t>
+            </a:r>
+          </a:p>
+          <a:p>
+            <a:r>
+              <a:rPr lang="es-ES" sz="1200" dirty="0">
+                <a:sym typeface="Symbol" panose="05050102010706020507" pitchFamily="18" charset="2"/>
+              </a:rPr>
+              <a:t> </a:t>
+            </a:r>
+            <a:r>
+              <a:rPr lang="es-ES" sz="1200" dirty="0" err="1"/>
+              <a:t>TryStar</a:t>
+            </a:r>
+            <a:endParaRPr lang="es-ES" sz="1200" dirty="0"/>
+          </a:p>
+          <a:p>
+            <a:r>
+              <a:rPr lang="es-ES" sz="1200" dirty="0">
+                <a:sym typeface="Symbol" panose="05050102010706020507" pitchFamily="18" charset="2"/>
+              </a:rPr>
+              <a:t> </a:t>
+            </a:r>
+            <a:r>
+              <a:rPr lang="es-ES" sz="1200" dirty="0" err="1"/>
+              <a:t>TypeAlias</a:t>
+            </a:r>
+            <a:endParaRPr lang="es-ES" sz="1200" dirty="0"/>
+          </a:p>
+          <a:p>
+            <a:r>
+              <a:rPr lang="es-ES" sz="1200" dirty="0">
+                <a:sym typeface="Symbol" panose="05050102010706020507" pitchFamily="18" charset="2"/>
+              </a:rPr>
+              <a:t> </a:t>
+            </a:r>
+            <a:r>
+              <a:rPr lang="es-ES" sz="1200" dirty="0" err="1"/>
+              <a:t>While</a:t>
+            </a:r>
+            <a:endParaRPr lang="es-ES" sz="1200" dirty="0"/>
+          </a:p>
+          <a:p>
+            <a:r>
+              <a:rPr lang="es-ES" sz="1200" dirty="0">
+                <a:sym typeface="Symbol" panose="05050102010706020507" pitchFamily="18" charset="2"/>
+              </a:rPr>
+              <a:t> </a:t>
+            </a:r>
+            <a:r>
+              <a:rPr lang="es-ES" sz="1200" dirty="0" err="1"/>
+              <a:t>With</a:t>
+            </a:r>
+            <a:endParaRPr lang="es-ES" sz="1200" dirty="0"/>
+          </a:p>
+          <a:p>
+            <a:endParaRPr lang="es-ES" sz="1200" dirty="0"/>
+          </a:p>
+        </p:txBody>
+      </p:sp>
+      <p:cxnSp>
+        <p:nvCxnSpPr>
+          <p:cNvPr id="7" name="Conector recto 6">
+            <a:extLst>
+              <a:ext uri="{FF2B5EF4-FFF2-40B4-BE49-F238E27FC236}">
+                <a16:creationId xmlns:a16="http://schemas.microsoft.com/office/drawing/2014/main" id="{736B01AA-6F30-FF79-C09A-59ED5920E2BD}"/>
+              </a:ext>
+            </a:extLst>
+          </p:cNvPr>
+          <p:cNvCxnSpPr>
+            <a:cxnSpLocks/>
+          </p:cNvCxnSpPr>
+          <p:nvPr/>
+        </p:nvCxnSpPr>
+        <p:spPr>
+          <a:xfrm flipV="1">
+            <a:off x="2479715" y="1548249"/>
+            <a:ext cx="0" cy="5062835"/>
+          </a:xfrm>
+          <a:prstGeom prst="line">
+            <a:avLst/>
+          </a:prstGeom>
+          <a:ln w="9525">
+            <a:headEnd type="none"/>
+            <a:tailEnd type="triangle"/>
+          </a:ln>
+        </p:spPr>
+        <p:style>
+          <a:lnRef idx="2">
+            <a:schemeClr val="dk1"/>
+          </a:lnRef>
+          <a:fillRef idx="0">
+            <a:schemeClr val="dk1"/>
+          </a:fillRef>
+          <a:effectRef idx="1">
+            <a:schemeClr val="dk1"/>
+          </a:effectRef>
+          <a:fontRef idx="minor">
+            <a:schemeClr val="tx1"/>
+          </a:fontRef>
+        </p:style>
+      </p:cxnSp>
+      <p:cxnSp>
+        <p:nvCxnSpPr>
+          <p:cNvPr id="12" name="Conector recto 11">
+            <a:extLst>
+              <a:ext uri="{FF2B5EF4-FFF2-40B4-BE49-F238E27FC236}">
+                <a16:creationId xmlns:a16="http://schemas.microsoft.com/office/drawing/2014/main" id="{FAC1FAD7-4C8D-830D-3976-1087E05B0817}"/>
+              </a:ext>
+            </a:extLst>
+          </p:cNvPr>
+          <p:cNvCxnSpPr>
+            <a:cxnSpLocks/>
+          </p:cNvCxnSpPr>
+          <p:nvPr/>
+        </p:nvCxnSpPr>
+        <p:spPr>
+          <a:xfrm>
+            <a:off x="1690063" y="1483643"/>
+            <a:ext cx="555567" cy="0"/>
+          </a:xfrm>
+          <a:prstGeom prst="line">
+            <a:avLst/>
+          </a:prstGeom>
+          <a:ln w="9525">
+            <a:headEnd type="none"/>
+            <a:tailEnd type="triangle"/>
+          </a:ln>
+        </p:spPr>
+        <p:style>
+          <a:lnRef idx="2">
+            <a:schemeClr val="dk1"/>
+          </a:lnRef>
+          <a:fillRef idx="0">
+            <a:schemeClr val="dk1"/>
+          </a:fillRef>
+          <a:effectRef idx="1">
+            <a:schemeClr val="dk1"/>
+          </a:effectRef>
+          <a:fontRef idx="minor">
+            <a:schemeClr val="tx1"/>
+          </a:fontRef>
+        </p:style>
+      </p:cxnSp>
+      <p:grpSp>
+        <p:nvGrpSpPr>
+          <p:cNvPr id="6" name="Grupo 5">
+            <a:extLst>
+              <a:ext uri="{FF2B5EF4-FFF2-40B4-BE49-F238E27FC236}">
+                <a16:creationId xmlns:a16="http://schemas.microsoft.com/office/drawing/2014/main" id="{793AD0AF-AF7D-6515-5A71-CBF004346863}"/>
+              </a:ext>
+            </a:extLst>
+          </p:cNvPr>
+          <p:cNvGrpSpPr/>
+          <p:nvPr/>
+        </p:nvGrpSpPr>
+        <p:grpSpPr>
+          <a:xfrm>
+            <a:off x="574857" y="1321640"/>
+            <a:ext cx="1670773" cy="5462290"/>
+            <a:chOff x="3959919" y="1324357"/>
+            <a:chExt cx="1670773" cy="5462290"/>
+          </a:xfrm>
+        </p:grpSpPr>
+        <p:sp>
+          <p:nvSpPr>
+            <p:cNvPr id="11" name="CuadroTexto 10">
+              <a:extLst>
+                <a:ext uri="{FF2B5EF4-FFF2-40B4-BE49-F238E27FC236}">
+                  <a16:creationId xmlns:a16="http://schemas.microsoft.com/office/drawing/2014/main" id="{7A25226F-0165-342E-C45D-7D11849E38C1}"/>
+                </a:ext>
+              </a:extLst>
+            </p:cNvPr>
+            <p:cNvSpPr txBox="1"/>
+            <p:nvPr/>
+          </p:nvSpPr>
+          <p:spPr>
+            <a:xfrm>
+              <a:off x="3959919" y="1324357"/>
+              <a:ext cx="1171464" cy="276999"/>
+            </a:xfrm>
+            <a:prstGeom prst="rect">
+              <a:avLst/>
+            </a:prstGeom>
+            <a:noFill/>
+          </p:spPr>
+          <p:txBody>
+            <a:bodyPr wrap="square" rtlCol="0" anchor="ctr">
+              <a:spAutoFit/>
+            </a:bodyPr>
+            <a:lstStyle/>
+            <a:p>
+              <a:pPr algn="ctr"/>
+              <a:r>
+                <a:rPr lang="es-ES" sz="1200" dirty="0" err="1"/>
+                <a:t>Expression</a:t>
+              </a:r>
+              <a:endParaRPr lang="es-ES" sz="1200" dirty="0"/>
+            </a:p>
+          </p:txBody>
+        </p:sp>
+        <p:sp>
+          <p:nvSpPr>
+            <p:cNvPr id="21" name="CuadroTexto 20">
+              <a:extLst>
+                <a:ext uri="{FF2B5EF4-FFF2-40B4-BE49-F238E27FC236}">
+                  <a16:creationId xmlns:a16="http://schemas.microsoft.com/office/drawing/2014/main" id="{A3C450F8-8679-BB62-3AA4-759C2F97CD14}"/>
+                </a:ext>
+              </a:extLst>
+            </p:cNvPr>
+            <p:cNvSpPr txBox="1"/>
+            <p:nvPr/>
+          </p:nvSpPr>
+          <p:spPr>
+            <a:xfrm>
+              <a:off x="4214075" y="1708334"/>
+              <a:ext cx="1416617" cy="5078313"/>
+            </a:xfrm>
+            <a:prstGeom prst="rect">
+              <a:avLst/>
+            </a:prstGeom>
+            <a:noFill/>
+          </p:spPr>
+          <p:txBody>
+            <a:bodyPr wrap="square" rtlCol="0">
+              <a:spAutoFit/>
+            </a:bodyPr>
+            <a:lstStyle/>
+            <a:p>
+              <a:r>
+                <a:rPr lang="es-ES" sz="1200" dirty="0">
+                  <a:sym typeface="Symbol" panose="05050102010706020507" pitchFamily="18" charset="2"/>
+                </a:rPr>
+                <a:t></a:t>
+              </a:r>
+              <a:r>
+                <a:rPr lang="es-ES" sz="1200" dirty="0"/>
+                <a:t> </a:t>
+              </a:r>
+              <a:r>
+                <a:rPr lang="es-ES" sz="1200" dirty="0" err="1">
+                  <a:sym typeface="Symbol" panose="05050102010706020507" pitchFamily="18" charset="2"/>
+                </a:rPr>
+                <a:t>Await</a:t>
+              </a:r>
+              <a:endParaRPr lang="es-ES" sz="1200" dirty="0">
+                <a:sym typeface="Symbol" panose="05050102010706020507" pitchFamily="18" charset="2"/>
+              </a:endParaRPr>
+            </a:p>
+            <a:p>
+              <a:r>
+                <a:rPr lang="es-ES" sz="1200" dirty="0">
+                  <a:sym typeface="Symbol" panose="05050102010706020507" pitchFamily="18" charset="2"/>
+                </a:rPr>
+                <a:t></a:t>
+              </a:r>
+              <a:r>
+                <a:rPr lang="es-ES" sz="1200" dirty="0"/>
+                <a:t> </a:t>
+              </a:r>
+              <a:r>
+                <a:rPr lang="es-ES" sz="1200" dirty="0" err="1">
+                  <a:sym typeface="Symbol" panose="05050102010706020507" pitchFamily="18" charset="2"/>
+                </a:rPr>
+                <a:t>Attribute</a:t>
+              </a:r>
+              <a:endParaRPr lang="es-ES" sz="1200" dirty="0">
+                <a:sym typeface="Symbol" panose="05050102010706020507" pitchFamily="18" charset="2"/>
+              </a:endParaRPr>
+            </a:p>
+            <a:p>
+              <a:r>
+                <a:rPr lang="es-ES" sz="1200" dirty="0">
+                  <a:sym typeface="Symbol" panose="05050102010706020507" pitchFamily="18" charset="2"/>
+                </a:rPr>
+                <a:t></a:t>
+              </a:r>
+              <a:r>
+                <a:rPr lang="es-ES" sz="1200" dirty="0"/>
+                <a:t> </a:t>
+              </a:r>
+              <a:r>
+                <a:rPr lang="es-ES" sz="1200" dirty="0" err="1">
+                  <a:sym typeface="Symbol" panose="05050102010706020507" pitchFamily="18" charset="2"/>
+                </a:rPr>
+                <a:t>BinOp</a:t>
+              </a:r>
+              <a:endParaRPr lang="es-ES" sz="1200" dirty="0">
+                <a:sym typeface="Symbol" panose="05050102010706020507" pitchFamily="18" charset="2"/>
+              </a:endParaRPr>
+            </a:p>
+            <a:p>
+              <a:r>
+                <a:rPr lang="es-ES" sz="1200" dirty="0">
+                  <a:sym typeface="Symbol" panose="05050102010706020507" pitchFamily="18" charset="2"/>
+                </a:rPr>
+                <a:t></a:t>
+              </a:r>
+              <a:r>
+                <a:rPr lang="es-ES" sz="1200" dirty="0"/>
+                <a:t> </a:t>
+              </a:r>
+              <a:r>
+                <a:rPr lang="es-ES" sz="1200" dirty="0" err="1">
+                  <a:sym typeface="Symbol" panose="05050102010706020507" pitchFamily="18" charset="2"/>
+                </a:rPr>
+                <a:t>BollOp</a:t>
+              </a:r>
+              <a:endParaRPr lang="es-ES" sz="1200" dirty="0">
+                <a:sym typeface="Symbol" panose="05050102010706020507" pitchFamily="18" charset="2"/>
+              </a:endParaRPr>
+            </a:p>
+            <a:p>
+              <a:r>
+                <a:rPr lang="es-ES" sz="1200" dirty="0">
+                  <a:sym typeface="Symbol" panose="05050102010706020507" pitchFamily="18" charset="2"/>
+                </a:rPr>
+                <a:t></a:t>
+              </a:r>
+              <a:r>
+                <a:rPr lang="es-ES" sz="1200" dirty="0"/>
+                <a:t> </a:t>
+              </a:r>
+              <a:r>
+                <a:rPr lang="es-ES" sz="1200" dirty="0" err="1">
+                  <a:sym typeface="Symbol" panose="05050102010706020507" pitchFamily="18" charset="2"/>
+                </a:rPr>
+                <a:t>Call</a:t>
+              </a:r>
+              <a:endParaRPr lang="es-ES" sz="1200" dirty="0">
+                <a:sym typeface="Symbol" panose="05050102010706020507" pitchFamily="18" charset="2"/>
+              </a:endParaRPr>
+            </a:p>
+            <a:p>
+              <a:r>
+                <a:rPr lang="es-ES" sz="1200" dirty="0">
+                  <a:sym typeface="Symbol" panose="05050102010706020507" pitchFamily="18" charset="2"/>
+                </a:rPr>
+                <a:t></a:t>
+              </a:r>
+              <a:r>
+                <a:rPr lang="es-ES" sz="1200" dirty="0"/>
+                <a:t> </a:t>
+              </a:r>
+              <a:r>
+                <a:rPr lang="es-ES" sz="1200" dirty="0">
+                  <a:sym typeface="Symbol" panose="05050102010706020507" pitchFamily="18" charset="2"/>
+                </a:rPr>
+                <a:t>Compare</a:t>
+              </a:r>
+            </a:p>
+            <a:p>
+              <a:r>
+                <a:rPr lang="es-ES" sz="1200" dirty="0">
+                  <a:sym typeface="Symbol" panose="05050102010706020507" pitchFamily="18" charset="2"/>
+                </a:rPr>
+                <a:t></a:t>
+              </a:r>
+              <a:r>
+                <a:rPr lang="es-ES" sz="1200" dirty="0"/>
+                <a:t> </a:t>
+              </a:r>
+              <a:r>
+                <a:rPr lang="es-ES" sz="1200" dirty="0" err="1">
+                  <a:sym typeface="Symbol" panose="05050102010706020507" pitchFamily="18" charset="2"/>
+                </a:rPr>
+                <a:t>Constant</a:t>
+              </a:r>
+              <a:endParaRPr lang="es-ES" sz="1200" dirty="0">
+                <a:sym typeface="Symbol" panose="05050102010706020507" pitchFamily="18" charset="2"/>
+              </a:endParaRPr>
+            </a:p>
+            <a:p>
+              <a:r>
+                <a:rPr lang="es-ES" sz="1200" dirty="0">
+                  <a:sym typeface="Symbol" panose="05050102010706020507" pitchFamily="18" charset="2"/>
+                </a:rPr>
+                <a:t></a:t>
+              </a:r>
+              <a:r>
+                <a:rPr lang="es-ES" sz="1200" dirty="0"/>
+                <a:t> </a:t>
+              </a:r>
+              <a:r>
+                <a:rPr lang="es-ES" sz="1200" dirty="0" err="1">
+                  <a:sym typeface="Symbol" panose="05050102010706020507" pitchFamily="18" charset="2"/>
+                </a:rPr>
+                <a:t>Dict</a:t>
+              </a:r>
+              <a:endParaRPr lang="es-ES" sz="1200" dirty="0">
+                <a:sym typeface="Symbol" panose="05050102010706020507" pitchFamily="18" charset="2"/>
+              </a:endParaRPr>
+            </a:p>
+            <a:p>
+              <a:r>
+                <a:rPr lang="es-ES" sz="1200" dirty="0">
+                  <a:sym typeface="Symbol" panose="05050102010706020507" pitchFamily="18" charset="2"/>
+                </a:rPr>
+                <a:t></a:t>
+              </a:r>
+              <a:r>
+                <a:rPr lang="es-ES" sz="1200" dirty="0"/>
+                <a:t> </a:t>
+              </a:r>
+              <a:r>
+                <a:rPr lang="es-ES" sz="1200" dirty="0" err="1">
+                  <a:sym typeface="Symbol" panose="05050102010706020507" pitchFamily="18" charset="2"/>
+                </a:rPr>
+                <a:t>DictComp</a:t>
+              </a:r>
+              <a:endParaRPr lang="es-ES" sz="1200" dirty="0">
+                <a:sym typeface="Symbol" panose="05050102010706020507" pitchFamily="18" charset="2"/>
+              </a:endParaRPr>
+            </a:p>
+            <a:p>
+              <a:r>
+                <a:rPr lang="es-ES" sz="1200" dirty="0">
+                  <a:sym typeface="Symbol" panose="05050102010706020507" pitchFamily="18" charset="2"/>
+                </a:rPr>
+                <a:t></a:t>
+              </a:r>
+              <a:r>
+                <a:rPr lang="es-ES" sz="1200" dirty="0"/>
+                <a:t> </a:t>
+              </a:r>
+              <a:r>
+                <a:rPr lang="es-ES" sz="1200" dirty="0" err="1">
+                  <a:sym typeface="Symbol" panose="05050102010706020507" pitchFamily="18" charset="2"/>
+                </a:rPr>
+                <a:t>FormattedValue</a:t>
+              </a:r>
+              <a:endParaRPr lang="es-ES" sz="1200" dirty="0">
+                <a:sym typeface="Symbol" panose="05050102010706020507" pitchFamily="18" charset="2"/>
+              </a:endParaRPr>
+            </a:p>
+            <a:p>
+              <a:r>
+                <a:rPr lang="es-ES" sz="1200" dirty="0">
+                  <a:sym typeface="Symbol" panose="05050102010706020507" pitchFamily="18" charset="2"/>
+                </a:rPr>
+                <a:t></a:t>
+              </a:r>
+              <a:r>
+                <a:rPr lang="es-ES" sz="1200" dirty="0"/>
+                <a:t> </a:t>
+              </a:r>
+              <a:r>
+                <a:rPr lang="es-ES" sz="1200" dirty="0" err="1">
+                  <a:sym typeface="Symbol" panose="05050102010706020507" pitchFamily="18" charset="2"/>
+                </a:rPr>
+                <a:t>GeneratorExp</a:t>
+              </a:r>
+              <a:endParaRPr lang="es-ES" sz="1200" dirty="0">
+                <a:sym typeface="Symbol" panose="05050102010706020507" pitchFamily="18" charset="2"/>
+              </a:endParaRPr>
+            </a:p>
+            <a:p>
+              <a:r>
+                <a:rPr lang="es-ES" sz="1200" dirty="0">
+                  <a:sym typeface="Symbol" panose="05050102010706020507" pitchFamily="18" charset="2"/>
+                </a:rPr>
+                <a:t></a:t>
+              </a:r>
+              <a:r>
+                <a:rPr lang="es-ES" sz="1200" dirty="0"/>
+                <a:t> </a:t>
+              </a:r>
+              <a:r>
+                <a:rPr lang="es-ES" sz="1200" dirty="0" err="1">
+                  <a:sym typeface="Symbol" panose="05050102010706020507" pitchFamily="18" charset="2"/>
+                </a:rPr>
+                <a:t>IfExp</a:t>
+              </a:r>
+              <a:endParaRPr lang="es-ES" sz="1200" dirty="0">
+                <a:sym typeface="Symbol" panose="05050102010706020507" pitchFamily="18" charset="2"/>
+              </a:endParaRPr>
+            </a:p>
+            <a:p>
+              <a:r>
+                <a:rPr lang="es-ES" sz="1200" dirty="0">
+                  <a:sym typeface="Symbol" panose="05050102010706020507" pitchFamily="18" charset="2"/>
+                </a:rPr>
+                <a:t></a:t>
+              </a:r>
+              <a:r>
+                <a:rPr lang="es-ES" sz="1200" dirty="0"/>
+                <a:t> </a:t>
+              </a:r>
+              <a:r>
+                <a:rPr lang="es-ES" sz="1200" dirty="0" err="1">
+                  <a:sym typeface="Symbol" panose="05050102010706020507" pitchFamily="18" charset="2"/>
+                </a:rPr>
+                <a:t>JoinedStr</a:t>
+              </a:r>
+              <a:endParaRPr lang="es-ES" sz="1200" dirty="0">
+                <a:sym typeface="Symbol" panose="05050102010706020507" pitchFamily="18" charset="2"/>
+              </a:endParaRPr>
+            </a:p>
+            <a:p>
+              <a:r>
+                <a:rPr lang="es-ES" sz="1200" dirty="0">
+                  <a:sym typeface="Symbol" panose="05050102010706020507" pitchFamily="18" charset="2"/>
+                </a:rPr>
+                <a:t></a:t>
+              </a:r>
+              <a:r>
+                <a:rPr lang="es-ES" sz="1200" dirty="0"/>
+                <a:t> </a:t>
+              </a:r>
+              <a:r>
+                <a:rPr lang="es-ES" sz="1200" dirty="0">
+                  <a:sym typeface="Symbol" panose="05050102010706020507" pitchFamily="18" charset="2"/>
+                </a:rPr>
+                <a:t>Lambda</a:t>
+              </a:r>
+            </a:p>
+            <a:p>
+              <a:r>
+                <a:rPr lang="es-ES" sz="1200" dirty="0">
+                  <a:sym typeface="Symbol" panose="05050102010706020507" pitchFamily="18" charset="2"/>
+                </a:rPr>
+                <a:t></a:t>
+              </a:r>
+              <a:r>
+                <a:rPr lang="es-ES" sz="1200" dirty="0"/>
+                <a:t> </a:t>
+              </a:r>
+              <a:r>
+                <a:rPr lang="es-ES" sz="1200" dirty="0" err="1">
+                  <a:sym typeface="Symbol" panose="05050102010706020507" pitchFamily="18" charset="2"/>
+                </a:rPr>
+                <a:t>List</a:t>
+              </a:r>
+              <a:endParaRPr lang="es-ES" sz="1200" dirty="0">
+                <a:sym typeface="Symbol" panose="05050102010706020507" pitchFamily="18" charset="2"/>
+              </a:endParaRPr>
+            </a:p>
+            <a:p>
+              <a:r>
+                <a:rPr lang="es-ES" sz="1200" dirty="0">
+                  <a:sym typeface="Symbol" panose="05050102010706020507" pitchFamily="18" charset="2"/>
+                </a:rPr>
+                <a:t></a:t>
+              </a:r>
+              <a:r>
+                <a:rPr lang="es-ES" sz="1200" dirty="0"/>
+                <a:t> </a:t>
+              </a:r>
+              <a:r>
+                <a:rPr lang="es-ES" sz="1200" dirty="0" err="1">
+                  <a:sym typeface="Symbol" panose="05050102010706020507" pitchFamily="18" charset="2"/>
+                </a:rPr>
+                <a:t>ListComp</a:t>
+              </a:r>
+              <a:endParaRPr lang="es-ES" sz="1200" dirty="0">
+                <a:sym typeface="Symbol" panose="05050102010706020507" pitchFamily="18" charset="2"/>
+              </a:endParaRPr>
+            </a:p>
+            <a:p>
+              <a:r>
+                <a:rPr lang="es-ES" sz="1200" dirty="0">
+                  <a:sym typeface="Symbol" panose="05050102010706020507" pitchFamily="18" charset="2"/>
+                </a:rPr>
+                <a:t></a:t>
+              </a:r>
+              <a:r>
+                <a:rPr lang="es-ES" sz="1200" dirty="0"/>
+                <a:t> </a:t>
+              </a:r>
+              <a:r>
+                <a:rPr lang="es-ES" sz="1200" dirty="0" err="1">
+                  <a:sym typeface="Symbol" panose="05050102010706020507" pitchFamily="18" charset="2"/>
+                </a:rPr>
+                <a:t>Name</a:t>
+              </a:r>
+              <a:endParaRPr lang="es-ES" sz="1200" dirty="0">
+                <a:sym typeface="Symbol" panose="05050102010706020507" pitchFamily="18" charset="2"/>
+              </a:endParaRPr>
+            </a:p>
+            <a:p>
+              <a:r>
+                <a:rPr lang="es-ES" sz="1200" dirty="0">
+                  <a:sym typeface="Symbol" panose="05050102010706020507" pitchFamily="18" charset="2"/>
+                </a:rPr>
+                <a:t></a:t>
+              </a:r>
+              <a:r>
+                <a:rPr lang="es-ES" sz="1200" dirty="0"/>
+                <a:t> </a:t>
+              </a:r>
+              <a:r>
+                <a:rPr lang="es-ES" sz="1200" dirty="0" err="1">
+                  <a:sym typeface="Symbol" panose="05050102010706020507" pitchFamily="18" charset="2"/>
+                </a:rPr>
+                <a:t>NamedExp</a:t>
+              </a:r>
+              <a:endParaRPr lang="es-ES" sz="1200" dirty="0">
+                <a:sym typeface="Symbol" panose="05050102010706020507" pitchFamily="18" charset="2"/>
+              </a:endParaRPr>
+            </a:p>
+            <a:p>
+              <a:r>
+                <a:rPr lang="es-ES" sz="1200" dirty="0">
+                  <a:sym typeface="Symbol" panose="05050102010706020507" pitchFamily="18" charset="2"/>
+                </a:rPr>
+                <a:t></a:t>
+              </a:r>
+              <a:r>
+                <a:rPr lang="es-ES" sz="1200" dirty="0"/>
+                <a:t> </a:t>
+              </a:r>
+              <a:r>
+                <a:rPr lang="es-ES" sz="1200" dirty="0">
+                  <a:sym typeface="Symbol" panose="05050102010706020507" pitchFamily="18" charset="2"/>
+                </a:rPr>
+                <a:t>Set</a:t>
+              </a:r>
+            </a:p>
+            <a:p>
+              <a:r>
+                <a:rPr lang="es-ES" sz="1200" dirty="0">
+                  <a:sym typeface="Symbol" panose="05050102010706020507" pitchFamily="18" charset="2"/>
+                </a:rPr>
+                <a:t></a:t>
+              </a:r>
+              <a:r>
+                <a:rPr lang="es-ES" sz="1200" dirty="0"/>
+                <a:t> </a:t>
+              </a:r>
+              <a:r>
+                <a:rPr lang="es-ES" sz="1200" dirty="0" err="1">
+                  <a:sym typeface="Symbol" panose="05050102010706020507" pitchFamily="18" charset="2"/>
+                </a:rPr>
+                <a:t>SetComp</a:t>
+              </a:r>
+              <a:endParaRPr lang="es-ES" sz="1200" dirty="0">
+                <a:sym typeface="Symbol" panose="05050102010706020507" pitchFamily="18" charset="2"/>
+              </a:endParaRPr>
+            </a:p>
+            <a:p>
+              <a:r>
+                <a:rPr lang="es-ES" sz="1200" dirty="0">
+                  <a:sym typeface="Symbol" panose="05050102010706020507" pitchFamily="18" charset="2"/>
+                </a:rPr>
+                <a:t></a:t>
+              </a:r>
+              <a:r>
+                <a:rPr lang="es-ES" sz="1200" dirty="0"/>
+                <a:t> </a:t>
+              </a:r>
+              <a:r>
+                <a:rPr lang="es-ES" sz="1200" dirty="0" err="1">
+                  <a:sym typeface="Symbol" panose="05050102010706020507" pitchFamily="18" charset="2"/>
+                </a:rPr>
+                <a:t>Slice</a:t>
+              </a:r>
+              <a:endParaRPr lang="es-ES" sz="1200" dirty="0">
+                <a:sym typeface="Symbol" panose="05050102010706020507" pitchFamily="18" charset="2"/>
+              </a:endParaRPr>
+            </a:p>
+            <a:p>
+              <a:r>
+                <a:rPr lang="es-ES" sz="1200" dirty="0">
+                  <a:sym typeface="Symbol" panose="05050102010706020507" pitchFamily="18" charset="2"/>
+                </a:rPr>
+                <a:t></a:t>
+              </a:r>
+              <a:r>
+                <a:rPr lang="es-ES" sz="1200" dirty="0"/>
+                <a:t> </a:t>
+              </a:r>
+              <a:r>
+                <a:rPr lang="es-ES" sz="1200" dirty="0" err="1">
+                  <a:sym typeface="Symbol" panose="05050102010706020507" pitchFamily="18" charset="2"/>
+                </a:rPr>
+                <a:t>Starred</a:t>
+              </a:r>
+              <a:endParaRPr lang="es-ES" sz="1200" dirty="0">
+                <a:sym typeface="Symbol" panose="05050102010706020507" pitchFamily="18" charset="2"/>
+              </a:endParaRPr>
+            </a:p>
+            <a:p>
+              <a:r>
+                <a:rPr lang="es-ES" sz="1200" dirty="0">
+                  <a:sym typeface="Symbol" panose="05050102010706020507" pitchFamily="18" charset="2"/>
+                </a:rPr>
+                <a:t></a:t>
+              </a:r>
+              <a:r>
+                <a:rPr lang="es-ES" sz="1200" dirty="0"/>
+                <a:t> </a:t>
+              </a:r>
+              <a:r>
+                <a:rPr lang="es-ES" sz="1200" dirty="0" err="1">
+                  <a:sym typeface="Symbol" panose="05050102010706020507" pitchFamily="18" charset="2"/>
+                </a:rPr>
+                <a:t>Subscript</a:t>
+              </a:r>
+              <a:endParaRPr lang="es-ES" sz="1200" dirty="0">
+                <a:sym typeface="Symbol" panose="05050102010706020507" pitchFamily="18" charset="2"/>
+              </a:endParaRPr>
+            </a:p>
+            <a:p>
+              <a:r>
+                <a:rPr lang="es-ES" sz="1200" dirty="0">
+                  <a:sym typeface="Symbol" panose="05050102010706020507" pitchFamily="18" charset="2"/>
+                </a:rPr>
+                <a:t></a:t>
+              </a:r>
+              <a:r>
+                <a:rPr lang="es-ES" sz="1200" dirty="0"/>
+                <a:t> </a:t>
+              </a:r>
+              <a:r>
+                <a:rPr lang="es-ES" sz="1200" dirty="0" err="1">
+                  <a:sym typeface="Symbol" panose="05050102010706020507" pitchFamily="18" charset="2"/>
+                </a:rPr>
+                <a:t>Tuple</a:t>
+              </a:r>
+              <a:endParaRPr lang="es-ES" sz="1200" dirty="0">
+                <a:sym typeface="Symbol" panose="05050102010706020507" pitchFamily="18" charset="2"/>
+              </a:endParaRPr>
+            </a:p>
+            <a:p>
+              <a:r>
+                <a:rPr lang="es-ES" sz="1200" dirty="0">
+                  <a:sym typeface="Symbol" panose="05050102010706020507" pitchFamily="18" charset="2"/>
+                </a:rPr>
+                <a:t></a:t>
+              </a:r>
+              <a:r>
+                <a:rPr lang="es-ES" sz="1200" dirty="0"/>
+                <a:t> </a:t>
+              </a:r>
+              <a:r>
+                <a:rPr lang="es-ES" sz="1200" dirty="0" err="1">
+                  <a:sym typeface="Symbol" panose="05050102010706020507" pitchFamily="18" charset="2"/>
+                </a:rPr>
+                <a:t>UnaryOp</a:t>
+              </a:r>
+              <a:endParaRPr lang="es-ES" sz="1200" dirty="0">
+                <a:sym typeface="Symbol" panose="05050102010706020507" pitchFamily="18" charset="2"/>
+              </a:endParaRPr>
+            </a:p>
+            <a:p>
+              <a:r>
+                <a:rPr lang="es-ES" sz="1200" dirty="0">
+                  <a:sym typeface="Symbol" panose="05050102010706020507" pitchFamily="18" charset="2"/>
+                </a:rPr>
+                <a:t></a:t>
+              </a:r>
+              <a:r>
+                <a:rPr lang="es-ES" sz="1200" dirty="0"/>
+                <a:t> </a:t>
+              </a:r>
+              <a:r>
+                <a:rPr lang="es-ES" sz="1200" dirty="0" err="1">
+                  <a:sym typeface="Symbol" panose="05050102010706020507" pitchFamily="18" charset="2"/>
+                </a:rPr>
+                <a:t>Yield</a:t>
+              </a:r>
+              <a:endParaRPr lang="es-ES" sz="1200" dirty="0">
+                <a:sym typeface="Symbol" panose="05050102010706020507" pitchFamily="18" charset="2"/>
+              </a:endParaRPr>
+            </a:p>
+            <a:p>
+              <a:r>
+                <a:rPr lang="es-ES" sz="1200" dirty="0">
+                  <a:sym typeface="Symbol" panose="05050102010706020507" pitchFamily="18" charset="2"/>
+                </a:rPr>
+                <a:t></a:t>
+              </a:r>
+              <a:r>
+                <a:rPr lang="es-ES" sz="1200" dirty="0"/>
+                <a:t> </a:t>
+              </a:r>
+              <a:r>
+                <a:rPr lang="es-ES" sz="1200" dirty="0" err="1">
+                  <a:sym typeface="Symbol" panose="05050102010706020507" pitchFamily="18" charset="2"/>
+                </a:rPr>
+                <a:t>YieldFrom</a:t>
+              </a:r>
+              <a:endParaRPr lang="es-ES" sz="1200" dirty="0">
+                <a:sym typeface="Symbol" panose="05050102010706020507" pitchFamily="18" charset="2"/>
+              </a:endParaRPr>
+            </a:p>
+          </p:txBody>
+        </p:sp>
+        <p:cxnSp>
+          <p:nvCxnSpPr>
+            <p:cNvPr id="22" name="Conector recto 21">
+              <a:extLst>
+                <a:ext uri="{FF2B5EF4-FFF2-40B4-BE49-F238E27FC236}">
+                  <a16:creationId xmlns:a16="http://schemas.microsoft.com/office/drawing/2014/main" id="{9D8D8E84-22C7-1BD0-553C-A81D314411B2}"/>
+                </a:ext>
+              </a:extLst>
+            </p:cNvPr>
+            <p:cNvCxnSpPr>
+              <a:cxnSpLocks/>
+            </p:cNvCxnSpPr>
+            <p:nvPr/>
+          </p:nvCxnSpPr>
+          <p:spPr>
+            <a:xfrm flipV="1">
+              <a:off x="4302165" y="1550556"/>
+              <a:ext cx="0" cy="5062835"/>
+            </a:xfrm>
+            <a:prstGeom prst="line">
+              <a:avLst/>
+            </a:prstGeom>
+            <a:ln w="9525">
+              <a:headEnd type="none"/>
+              <a:tailEnd type="triangle"/>
+            </a:ln>
+          </p:spPr>
+          <p:style>
+            <a:lnRef idx="2">
+              <a:schemeClr val="dk1"/>
+            </a:lnRef>
+            <a:fillRef idx="0">
+              <a:schemeClr val="dk1"/>
+            </a:fillRef>
+            <a:effectRef idx="1">
+              <a:schemeClr val="dk1"/>
+            </a:effectRef>
+            <a:fontRef idx="minor">
+              <a:schemeClr val="tx1"/>
+            </a:fontRef>
+          </p:style>
+        </p:cxnSp>
+      </p:grpSp>
+      <p:cxnSp>
+        <p:nvCxnSpPr>
+          <p:cNvPr id="23" name="Conector recto 22">
+            <a:extLst>
+              <a:ext uri="{FF2B5EF4-FFF2-40B4-BE49-F238E27FC236}">
+                <a16:creationId xmlns:a16="http://schemas.microsoft.com/office/drawing/2014/main" id="{9B0FE13E-5E5F-61AE-2212-536C7C9CCB02}"/>
+              </a:ext>
+            </a:extLst>
+          </p:cNvPr>
+          <p:cNvCxnSpPr>
+            <a:cxnSpLocks/>
+            <a:stCxn id="3" idx="0"/>
+            <a:endCxn id="2" idx="2"/>
+          </p:cNvCxnSpPr>
+          <p:nvPr/>
+        </p:nvCxnSpPr>
+        <p:spPr>
+          <a:xfrm flipV="1">
+            <a:off x="2757317" y="740155"/>
+            <a:ext cx="0" cy="586299"/>
+          </a:xfrm>
+          <a:prstGeom prst="line">
+            <a:avLst/>
+          </a:prstGeom>
+          <a:ln w="9525">
+            <a:headEnd type="none"/>
+            <a:tailEnd type="triangle"/>
+          </a:ln>
+        </p:spPr>
+        <p:style>
+          <a:lnRef idx="2">
+            <a:schemeClr val="dk1"/>
+          </a:lnRef>
+          <a:fillRef idx="0">
+            <a:schemeClr val="dk1"/>
+          </a:fillRef>
+          <a:effectRef idx="1">
+            <a:schemeClr val="dk1"/>
+          </a:effectRef>
+          <a:fontRef idx="minor">
+            <a:schemeClr val="tx1"/>
+          </a:fontRef>
+        </p:style>
+      </p:cxnSp>
+      <p:cxnSp>
+        <p:nvCxnSpPr>
+          <p:cNvPr id="39" name="Conector recto 38">
+            <a:extLst>
+              <a:ext uri="{FF2B5EF4-FFF2-40B4-BE49-F238E27FC236}">
+                <a16:creationId xmlns:a16="http://schemas.microsoft.com/office/drawing/2014/main" id="{CDDFA510-D4C7-6DBB-5E2E-640F28E6317F}"/>
+              </a:ext>
+            </a:extLst>
+          </p:cNvPr>
+          <p:cNvCxnSpPr>
+            <a:cxnSpLocks/>
+          </p:cNvCxnSpPr>
+          <p:nvPr/>
+        </p:nvCxnSpPr>
+        <p:spPr>
+          <a:xfrm>
+            <a:off x="1160589" y="1084104"/>
+            <a:ext cx="1596728" cy="0"/>
+          </a:xfrm>
+          <a:prstGeom prst="line">
+            <a:avLst/>
+          </a:prstGeom>
+          <a:ln w="9525">
+            <a:headEnd type="none"/>
+            <a:tailEnd type="none"/>
+          </a:ln>
+        </p:spPr>
+        <p:style>
+          <a:lnRef idx="2">
+            <a:schemeClr val="dk1"/>
+          </a:lnRef>
+          <a:fillRef idx="0">
+            <a:schemeClr val="dk1"/>
+          </a:fillRef>
+          <a:effectRef idx="1">
+            <a:schemeClr val="dk1"/>
+          </a:effectRef>
+          <a:fontRef idx="minor">
+            <a:schemeClr val="tx1"/>
+          </a:fontRef>
+        </p:style>
+      </p:cxnSp>
+      <p:cxnSp>
+        <p:nvCxnSpPr>
+          <p:cNvPr id="43" name="Conector recto 42">
+            <a:extLst>
+              <a:ext uri="{FF2B5EF4-FFF2-40B4-BE49-F238E27FC236}">
+                <a16:creationId xmlns:a16="http://schemas.microsoft.com/office/drawing/2014/main" id="{B16A7F1F-3491-4BBA-CE50-3A8193131EAB}"/>
+              </a:ext>
+            </a:extLst>
+          </p:cNvPr>
+          <p:cNvCxnSpPr>
+            <a:cxnSpLocks/>
+          </p:cNvCxnSpPr>
+          <p:nvPr/>
+        </p:nvCxnSpPr>
+        <p:spPr>
+          <a:xfrm flipV="1">
+            <a:off x="1163624" y="1084104"/>
+            <a:ext cx="0" cy="240253"/>
+          </a:xfrm>
+          <a:prstGeom prst="line">
+            <a:avLst/>
+          </a:prstGeom>
+          <a:ln w="9525">
+            <a:headEnd type="none"/>
+            <a:tailEnd type="none"/>
+          </a:ln>
+        </p:spPr>
+        <p:style>
+          <a:lnRef idx="2">
+            <a:schemeClr val="dk1"/>
+          </a:lnRef>
+          <a:fillRef idx="0">
+            <a:schemeClr val="dk1"/>
+          </a:fillRef>
+          <a:effectRef idx="1">
+            <a:schemeClr val="dk1"/>
+          </a:effectRef>
+          <a:fontRef idx="minor">
+            <a:schemeClr val="tx1"/>
+          </a:fontRef>
+        </p:style>
+      </p:cxnSp>
+      <p:cxnSp>
+        <p:nvCxnSpPr>
+          <p:cNvPr id="48" name="Conector recto 47">
+            <a:extLst>
+              <a:ext uri="{FF2B5EF4-FFF2-40B4-BE49-F238E27FC236}">
+                <a16:creationId xmlns:a16="http://schemas.microsoft.com/office/drawing/2014/main" id="{D7266F86-81CC-3858-F2BC-F1E47C6AA428}"/>
+              </a:ext>
+            </a:extLst>
+          </p:cNvPr>
+          <p:cNvCxnSpPr>
+            <a:cxnSpLocks/>
+          </p:cNvCxnSpPr>
+          <p:nvPr/>
+        </p:nvCxnSpPr>
+        <p:spPr>
+          <a:xfrm flipV="1">
+            <a:off x="4240851" y="1084104"/>
+            <a:ext cx="0" cy="240253"/>
+          </a:xfrm>
+          <a:prstGeom prst="line">
+            <a:avLst/>
+          </a:prstGeom>
+          <a:ln w="9525">
+            <a:headEnd type="none"/>
+            <a:tailEnd type="none"/>
+          </a:ln>
+        </p:spPr>
+        <p:style>
+          <a:lnRef idx="2">
+            <a:schemeClr val="dk1"/>
+          </a:lnRef>
+          <a:fillRef idx="0">
+            <a:schemeClr val="dk1"/>
+          </a:fillRef>
+          <a:effectRef idx="1">
+            <a:schemeClr val="dk1"/>
+          </a:effectRef>
+          <a:fontRef idx="minor">
+            <a:schemeClr val="tx1"/>
+          </a:fontRef>
+        </p:style>
+      </p:cxnSp>
+      <p:cxnSp>
+        <p:nvCxnSpPr>
+          <p:cNvPr id="49" name="Conector recto 48">
+            <a:extLst>
+              <a:ext uri="{FF2B5EF4-FFF2-40B4-BE49-F238E27FC236}">
+                <a16:creationId xmlns:a16="http://schemas.microsoft.com/office/drawing/2014/main" id="{8444E217-9CBD-E479-DF33-19B45142C258}"/>
+              </a:ext>
+            </a:extLst>
+          </p:cNvPr>
+          <p:cNvCxnSpPr>
+            <a:cxnSpLocks/>
+          </p:cNvCxnSpPr>
+          <p:nvPr/>
+        </p:nvCxnSpPr>
+        <p:spPr>
+          <a:xfrm>
+            <a:off x="2689330" y="1084104"/>
+            <a:ext cx="1551521" cy="0"/>
+          </a:xfrm>
+          <a:prstGeom prst="line">
+            <a:avLst/>
+          </a:prstGeom>
+          <a:ln w="9525">
+            <a:headEnd type="none"/>
+            <a:tailEnd type="none"/>
+          </a:ln>
+        </p:spPr>
+        <p:style>
+          <a:lnRef idx="2">
+            <a:schemeClr val="dk1"/>
+          </a:lnRef>
+          <a:fillRef idx="0">
+            <a:schemeClr val="dk1"/>
+          </a:fillRef>
+          <a:effectRef idx="1">
+            <a:schemeClr val="dk1"/>
+          </a:effectRef>
+          <a:fontRef idx="minor">
+            <a:schemeClr val="tx1"/>
+          </a:fontRef>
+        </p:style>
+      </p:cxnSp>
+      <p:grpSp>
+        <p:nvGrpSpPr>
+          <p:cNvPr id="53" name="Grupo 52">
+            <a:extLst>
+              <a:ext uri="{FF2B5EF4-FFF2-40B4-BE49-F238E27FC236}">
+                <a16:creationId xmlns:a16="http://schemas.microsoft.com/office/drawing/2014/main" id="{55EA4932-C135-28C1-B9CD-FFA4ABE27B62}"/>
+              </a:ext>
+            </a:extLst>
+          </p:cNvPr>
+          <p:cNvGrpSpPr/>
+          <p:nvPr/>
+        </p:nvGrpSpPr>
+        <p:grpSpPr>
+          <a:xfrm>
+            <a:off x="5924163" y="460152"/>
+            <a:ext cx="6281246" cy="9879209"/>
+            <a:chOff x="5412315" y="385274"/>
+            <a:chExt cx="6281246" cy="9879209"/>
+          </a:xfrm>
+        </p:grpSpPr>
+        <p:sp>
+          <p:nvSpPr>
+            <p:cNvPr id="16" name="CuadroTexto 15">
+              <a:extLst>
+                <a:ext uri="{FF2B5EF4-FFF2-40B4-BE49-F238E27FC236}">
+                  <a16:creationId xmlns:a16="http://schemas.microsoft.com/office/drawing/2014/main" id="{05C1E4F8-1773-BBA2-EF90-C2C332C3AE92}"/>
+                </a:ext>
+              </a:extLst>
+            </p:cNvPr>
+            <p:cNvSpPr txBox="1"/>
+            <p:nvPr/>
+          </p:nvSpPr>
+          <p:spPr>
+            <a:xfrm>
+              <a:off x="7732609" y="385274"/>
+              <a:ext cx="880138" cy="276999"/>
+            </a:xfrm>
+            <a:prstGeom prst="rect">
+              <a:avLst/>
+            </a:prstGeom>
+            <a:noFill/>
+          </p:spPr>
+          <p:txBody>
+            <a:bodyPr wrap="square" rtlCol="0">
+              <a:spAutoFit/>
+            </a:bodyPr>
+            <a:lstStyle/>
+            <a:p>
+              <a:pPr algn="ctr"/>
+              <a:r>
+                <a:rPr lang="es-ES" sz="1200" dirty="0" err="1"/>
+                <a:t>Tree</a:t>
+              </a:r>
+              <a:endParaRPr lang="es-ES" sz="1400" dirty="0"/>
+            </a:p>
+          </p:txBody>
+        </p:sp>
+        <p:sp>
+          <p:nvSpPr>
+            <p:cNvPr id="17" name="CuadroTexto 16">
+              <a:extLst>
+                <a:ext uri="{FF2B5EF4-FFF2-40B4-BE49-F238E27FC236}">
+                  <a16:creationId xmlns:a16="http://schemas.microsoft.com/office/drawing/2014/main" id="{01C594E1-D1C3-0034-0FDE-A99DAAF1E6F5}"/>
+                </a:ext>
+              </a:extLst>
+            </p:cNvPr>
+            <p:cNvSpPr txBox="1"/>
+            <p:nvPr/>
+          </p:nvSpPr>
+          <p:spPr>
+            <a:xfrm>
+              <a:off x="7586946" y="1232699"/>
+              <a:ext cx="1171464" cy="276999"/>
+            </a:xfrm>
+            <a:prstGeom prst="rect">
+              <a:avLst/>
+            </a:prstGeom>
+            <a:noFill/>
+          </p:spPr>
+          <p:txBody>
+            <a:bodyPr wrap="square" rtlCol="0" anchor="ctr">
+              <a:spAutoFit/>
+            </a:bodyPr>
+            <a:lstStyle/>
+            <a:p>
+              <a:pPr algn="ctr"/>
+              <a:r>
+                <a:rPr lang="es-ES" sz="1200" dirty="0" err="1"/>
+                <a:t>Statement</a:t>
+              </a:r>
+              <a:endParaRPr lang="es-ES" sz="1200" dirty="0"/>
+            </a:p>
+          </p:txBody>
+        </p:sp>
+        <p:sp>
+          <p:nvSpPr>
+            <p:cNvPr id="18" name="CuadroTexto 17">
+              <a:extLst>
+                <a:ext uri="{FF2B5EF4-FFF2-40B4-BE49-F238E27FC236}">
+                  <a16:creationId xmlns:a16="http://schemas.microsoft.com/office/drawing/2014/main" id="{C24F6E00-B1B2-3C54-781F-040C2FE74262}"/>
+                </a:ext>
+              </a:extLst>
+            </p:cNvPr>
+            <p:cNvSpPr txBox="1"/>
+            <p:nvPr/>
+          </p:nvSpPr>
+          <p:spPr>
+            <a:xfrm>
+              <a:off x="7801202" y="1554406"/>
+              <a:ext cx="1916321" cy="4524315"/>
+            </a:xfrm>
+            <a:prstGeom prst="rect">
+              <a:avLst/>
+            </a:prstGeom>
+            <a:noFill/>
+          </p:spPr>
+          <p:txBody>
+            <a:bodyPr wrap="square" rtlCol="0">
+              <a:spAutoFit/>
+            </a:bodyPr>
+            <a:lstStyle/>
+            <a:p>
+              <a:r>
+                <a:rPr lang="es-ES" sz="1200" dirty="0">
+                  <a:sym typeface="Symbol" panose="05050102010706020507" pitchFamily="18" charset="2"/>
+                </a:rPr>
+                <a:t></a:t>
+              </a:r>
+              <a:r>
+                <a:rPr lang="es-ES" sz="1200" dirty="0"/>
+                <a:t> </a:t>
+              </a:r>
+              <a:r>
+                <a:rPr lang="es-ES" sz="1200" dirty="0" err="1">
+                  <a:sym typeface="Symbol" panose="05050102010706020507" pitchFamily="18" charset="2"/>
+                </a:rPr>
+                <a:t>AnnotatedAssignment</a:t>
+              </a:r>
+              <a:endParaRPr lang="es-ES" sz="1200" dirty="0">
+                <a:sym typeface="Symbol" panose="05050102010706020507" pitchFamily="18" charset="2"/>
+              </a:endParaRPr>
+            </a:p>
+            <a:p>
+              <a:r>
+                <a:rPr lang="es-ES" sz="1200" dirty="0">
+                  <a:sym typeface="Symbol" panose="05050102010706020507" pitchFamily="18" charset="2"/>
+                </a:rPr>
+                <a:t></a:t>
+              </a:r>
+              <a:r>
+                <a:rPr lang="es-ES" sz="1200" dirty="0"/>
+                <a:t> </a:t>
+              </a:r>
+              <a:r>
+                <a:rPr lang="es-ES" sz="1200" dirty="0" err="1">
+                  <a:sym typeface="Symbol" panose="05050102010706020507" pitchFamily="18" charset="2"/>
+                </a:rPr>
+                <a:t>Assert</a:t>
+              </a:r>
+              <a:endParaRPr lang="es-ES" sz="1200" dirty="0">
+                <a:sym typeface="Symbol" panose="05050102010706020507" pitchFamily="18" charset="2"/>
+              </a:endParaRPr>
+            </a:p>
+            <a:p>
+              <a:r>
+                <a:rPr lang="es-ES" sz="1200" dirty="0">
+                  <a:sym typeface="Symbol" panose="05050102010706020507" pitchFamily="18" charset="2"/>
+                </a:rPr>
+                <a:t></a:t>
+              </a:r>
+              <a:r>
+                <a:rPr lang="es-ES" sz="1200" dirty="0"/>
+                <a:t> </a:t>
+              </a:r>
+              <a:r>
+                <a:rPr lang="es-ES" sz="1200" dirty="0" err="1">
+                  <a:sym typeface="Symbol" panose="05050102010706020507" pitchFamily="18" charset="2"/>
+                </a:rPr>
+                <a:t>AssignmentStmt</a:t>
+              </a:r>
+              <a:endParaRPr lang="es-ES" sz="1200" dirty="0">
+                <a:sym typeface="Symbol" panose="05050102010706020507" pitchFamily="18" charset="2"/>
+              </a:endParaRPr>
+            </a:p>
+            <a:p>
+              <a:r>
+                <a:rPr lang="es-ES" sz="1200" dirty="0">
+                  <a:sym typeface="Symbol" panose="05050102010706020507" pitchFamily="18" charset="2"/>
+                </a:rPr>
+                <a:t></a:t>
+              </a:r>
+              <a:r>
+                <a:rPr lang="es-ES" sz="1200" dirty="0"/>
+                <a:t> </a:t>
+              </a:r>
+              <a:r>
+                <a:rPr lang="es-ES" sz="1200" dirty="0" err="1">
+                  <a:sym typeface="Symbol" panose="05050102010706020507" pitchFamily="18" charset="2"/>
+                </a:rPr>
+                <a:t>AsyncFor</a:t>
+              </a:r>
+              <a:endParaRPr lang="es-ES" sz="1200" dirty="0">
+                <a:sym typeface="Symbol" panose="05050102010706020507" pitchFamily="18" charset="2"/>
+              </a:endParaRPr>
+            </a:p>
+            <a:p>
+              <a:r>
+                <a:rPr lang="es-ES" sz="1200" dirty="0">
+                  <a:sym typeface="Symbol" panose="05050102010706020507" pitchFamily="18" charset="2"/>
+                </a:rPr>
+                <a:t></a:t>
+              </a:r>
+              <a:r>
+                <a:rPr lang="es-ES" sz="1200" dirty="0"/>
+                <a:t> </a:t>
+              </a:r>
+              <a:r>
+                <a:rPr lang="es-ES" sz="1200" dirty="0" err="1">
+                  <a:sym typeface="Symbol" panose="05050102010706020507" pitchFamily="18" charset="2"/>
+                </a:rPr>
+                <a:t>AsyncWith</a:t>
+              </a:r>
+              <a:endParaRPr lang="es-ES" sz="1200" dirty="0">
+                <a:sym typeface="Symbol" panose="05050102010706020507" pitchFamily="18" charset="2"/>
+              </a:endParaRPr>
+            </a:p>
+            <a:p>
+              <a:r>
+                <a:rPr lang="es-ES" sz="1200" dirty="0">
+                  <a:sym typeface="Symbol" panose="05050102010706020507" pitchFamily="18" charset="2"/>
+                </a:rPr>
+                <a:t></a:t>
+              </a:r>
+              <a:r>
+                <a:rPr lang="es-ES" sz="1200" dirty="0"/>
+                <a:t> </a:t>
+              </a:r>
+              <a:r>
+                <a:rPr lang="es-ES" sz="1200" dirty="0" err="1">
+                  <a:sym typeface="Symbol" panose="05050102010706020507" pitchFamily="18" charset="2"/>
+                </a:rPr>
+                <a:t>AugmentedAssignment</a:t>
+              </a:r>
+              <a:endParaRPr lang="es-ES" sz="1200" dirty="0">
+                <a:sym typeface="Symbol" panose="05050102010706020507" pitchFamily="18" charset="2"/>
+              </a:endParaRPr>
+            </a:p>
+            <a:p>
+              <a:r>
+                <a:rPr lang="es-ES" sz="1200" dirty="0">
+                  <a:sym typeface="Symbol" panose="05050102010706020507" pitchFamily="18" charset="2"/>
+                </a:rPr>
+                <a:t></a:t>
+              </a:r>
+              <a:r>
+                <a:rPr lang="es-ES" sz="1200" dirty="0"/>
+                <a:t> </a:t>
+              </a:r>
+              <a:r>
+                <a:rPr lang="es-ES" sz="1200" dirty="0">
+                  <a:sym typeface="Symbol" panose="05050102010706020507" pitchFamily="18" charset="2"/>
+                </a:rPr>
+                <a:t>Break</a:t>
+              </a:r>
+            </a:p>
+            <a:p>
+              <a:r>
+                <a:rPr lang="es-ES" sz="1200" dirty="0">
+                  <a:sym typeface="Symbol" panose="05050102010706020507" pitchFamily="18" charset="2"/>
+                </a:rPr>
+                <a:t></a:t>
+              </a:r>
+              <a:r>
+                <a:rPr lang="es-ES" sz="1200" dirty="0"/>
+                <a:t> </a:t>
+              </a:r>
+              <a:r>
+                <a:rPr lang="es-ES" sz="1200" dirty="0">
+                  <a:sym typeface="Symbol" panose="05050102010706020507" pitchFamily="18" charset="2"/>
+                </a:rPr>
+                <a:t>Continue</a:t>
+              </a:r>
+            </a:p>
+            <a:p>
+              <a:r>
+                <a:rPr lang="es-ES" sz="1200" dirty="0">
+                  <a:sym typeface="Symbol" panose="05050102010706020507" pitchFamily="18" charset="2"/>
+                </a:rPr>
+                <a:t></a:t>
+              </a:r>
+              <a:r>
+                <a:rPr lang="es-ES" sz="1200" dirty="0"/>
+                <a:t> </a:t>
+              </a:r>
+              <a:r>
+                <a:rPr lang="es-ES" sz="1200" dirty="0" err="1">
+                  <a:sym typeface="Symbol" panose="05050102010706020507" pitchFamily="18" charset="2"/>
+                </a:rPr>
+                <a:t>Delete</a:t>
+              </a:r>
+              <a:endParaRPr lang="es-ES" sz="1200" dirty="0">
+                <a:sym typeface="Symbol" panose="05050102010706020507" pitchFamily="18" charset="2"/>
+              </a:endParaRPr>
+            </a:p>
+            <a:p>
+              <a:r>
+                <a:rPr lang="es-ES" sz="1200" dirty="0">
+                  <a:sym typeface="Symbol" panose="05050102010706020507" pitchFamily="18" charset="2"/>
+                </a:rPr>
+                <a:t></a:t>
+              </a:r>
+              <a:r>
+                <a:rPr lang="es-ES" sz="1200" dirty="0"/>
+                <a:t> </a:t>
+              </a:r>
+              <a:r>
+                <a:rPr lang="es-ES" sz="1200" dirty="0" err="1">
+                  <a:sym typeface="Symbol" panose="05050102010706020507" pitchFamily="18" charset="2"/>
+                </a:rPr>
+                <a:t>ExceptHandler</a:t>
+              </a:r>
+              <a:endParaRPr lang="es-ES" sz="1200" dirty="0">
+                <a:sym typeface="Symbol" panose="05050102010706020507" pitchFamily="18" charset="2"/>
+              </a:endParaRPr>
+            </a:p>
+            <a:p>
+              <a:r>
+                <a:rPr lang="es-ES" sz="1200" dirty="0">
+                  <a:sym typeface="Symbol" panose="05050102010706020507" pitchFamily="18" charset="2"/>
+                </a:rPr>
+                <a:t></a:t>
+              </a:r>
+              <a:r>
+                <a:rPr lang="es-ES" sz="1200" dirty="0"/>
+                <a:t> </a:t>
+              </a:r>
+              <a:r>
+                <a:rPr lang="es-ES" sz="1200" dirty="0" err="1">
+                  <a:sym typeface="Symbol" panose="05050102010706020507" pitchFamily="18" charset="2"/>
+                </a:rPr>
+                <a:t>For</a:t>
+              </a:r>
+              <a:endParaRPr lang="es-ES" sz="1200" dirty="0">
+                <a:sym typeface="Symbol" panose="05050102010706020507" pitchFamily="18" charset="2"/>
+              </a:endParaRPr>
+            </a:p>
+            <a:p>
+              <a:r>
+                <a:rPr lang="es-ES" sz="1200" dirty="0">
+                  <a:sym typeface="Symbol" panose="05050102010706020507" pitchFamily="18" charset="2"/>
+                </a:rPr>
+                <a:t></a:t>
+              </a:r>
+              <a:r>
+                <a:rPr lang="es-ES" sz="1200" dirty="0"/>
+                <a:t> </a:t>
+              </a:r>
+              <a:r>
+                <a:rPr lang="es-ES" sz="1200" dirty="0">
+                  <a:sym typeface="Symbol" panose="05050102010706020507" pitchFamily="18" charset="2"/>
+                </a:rPr>
+                <a:t>Global</a:t>
+              </a:r>
+            </a:p>
+            <a:p>
+              <a:r>
+                <a:rPr lang="es-ES" sz="1200" dirty="0">
+                  <a:sym typeface="Symbol" panose="05050102010706020507" pitchFamily="18" charset="2"/>
+                </a:rPr>
+                <a:t></a:t>
+              </a:r>
+              <a:r>
+                <a:rPr lang="es-ES" sz="1200" dirty="0"/>
+                <a:t> </a:t>
+              </a:r>
+              <a:r>
+                <a:rPr lang="es-ES" sz="1200" dirty="0" err="1">
+                  <a:sym typeface="Symbol" panose="05050102010706020507" pitchFamily="18" charset="2"/>
+                </a:rPr>
+                <a:t>If</a:t>
+              </a:r>
+              <a:endParaRPr lang="es-ES" sz="1200" dirty="0">
+                <a:sym typeface="Symbol" panose="05050102010706020507" pitchFamily="18" charset="2"/>
+              </a:endParaRPr>
+            </a:p>
+            <a:p>
+              <a:r>
+                <a:rPr lang="es-ES" sz="1200" dirty="0">
+                  <a:sym typeface="Symbol" panose="05050102010706020507" pitchFamily="18" charset="2"/>
+                </a:rPr>
+                <a:t></a:t>
+              </a:r>
+              <a:r>
+                <a:rPr lang="es-ES" sz="1200" dirty="0"/>
+                <a:t> </a:t>
+              </a:r>
+              <a:r>
+                <a:rPr lang="es-ES" sz="1200" dirty="0" err="1">
+                  <a:sym typeface="Symbol" panose="05050102010706020507" pitchFamily="18" charset="2"/>
+                </a:rPr>
+                <a:t>Import</a:t>
+              </a:r>
+              <a:endParaRPr lang="es-ES" sz="1200" dirty="0">
+                <a:sym typeface="Symbol" panose="05050102010706020507" pitchFamily="18" charset="2"/>
+              </a:endParaRPr>
+            </a:p>
+            <a:p>
+              <a:r>
+                <a:rPr lang="es-ES" sz="1200" dirty="0">
+                  <a:sym typeface="Symbol" panose="05050102010706020507" pitchFamily="18" charset="2"/>
+                </a:rPr>
+                <a:t></a:t>
+              </a:r>
+              <a:r>
+                <a:rPr lang="es-ES" sz="1200" dirty="0"/>
+                <a:t> </a:t>
+              </a:r>
+              <a:r>
+                <a:rPr lang="es-ES" sz="1200" dirty="0" err="1">
+                  <a:sym typeface="Symbol" panose="05050102010706020507" pitchFamily="18" charset="2"/>
+                </a:rPr>
+                <a:t>ImportFrom</a:t>
+              </a:r>
+              <a:endParaRPr lang="es-ES" sz="1200" dirty="0">
+                <a:sym typeface="Symbol" panose="05050102010706020507" pitchFamily="18" charset="2"/>
+              </a:endParaRPr>
+            </a:p>
+            <a:p>
+              <a:r>
+                <a:rPr lang="es-ES" sz="1200" dirty="0">
+                  <a:sym typeface="Symbol" panose="05050102010706020507" pitchFamily="18" charset="2"/>
+                </a:rPr>
+                <a:t></a:t>
+              </a:r>
+              <a:r>
+                <a:rPr lang="es-ES" sz="1200" dirty="0"/>
+                <a:t> </a:t>
+              </a:r>
+              <a:r>
+                <a:rPr lang="es-ES" sz="1200" dirty="0">
+                  <a:sym typeface="Symbol" panose="05050102010706020507" pitchFamily="18" charset="2"/>
+                </a:rPr>
+                <a:t>Match</a:t>
+              </a:r>
+            </a:p>
+            <a:p>
+              <a:r>
+                <a:rPr lang="es-ES" sz="1200" dirty="0">
+                  <a:sym typeface="Symbol" panose="05050102010706020507" pitchFamily="18" charset="2"/>
+                </a:rPr>
+                <a:t></a:t>
+              </a:r>
+              <a:r>
+                <a:rPr lang="es-ES" sz="1200" dirty="0"/>
+                <a:t> </a:t>
+              </a:r>
+              <a:r>
+                <a:rPr lang="es-ES" sz="1200" dirty="0" err="1">
+                  <a:sym typeface="Symbol" panose="05050102010706020507" pitchFamily="18" charset="2"/>
+                </a:rPr>
+                <a:t>Nonlocal</a:t>
+              </a:r>
+              <a:endParaRPr lang="es-ES" sz="1200" dirty="0">
+                <a:sym typeface="Symbol" panose="05050102010706020507" pitchFamily="18" charset="2"/>
+              </a:endParaRPr>
+            </a:p>
+            <a:p>
+              <a:r>
+                <a:rPr lang="es-ES" sz="1200" dirty="0">
+                  <a:sym typeface="Symbol" panose="05050102010706020507" pitchFamily="18" charset="2"/>
+                </a:rPr>
+                <a:t></a:t>
+              </a:r>
+              <a:r>
+                <a:rPr lang="es-ES" sz="1200" dirty="0"/>
+                <a:t> </a:t>
+              </a:r>
+              <a:r>
+                <a:rPr lang="es-ES" sz="1200" dirty="0">
+                  <a:sym typeface="Symbol" panose="05050102010706020507" pitchFamily="18" charset="2"/>
+                </a:rPr>
+                <a:t>Pass</a:t>
+              </a:r>
+            </a:p>
+            <a:p>
+              <a:r>
+                <a:rPr lang="es-ES" sz="1200" dirty="0">
+                  <a:sym typeface="Symbol" panose="05050102010706020507" pitchFamily="18" charset="2"/>
+                </a:rPr>
+                <a:t></a:t>
+              </a:r>
+              <a:r>
+                <a:rPr lang="es-ES" sz="1200" dirty="0"/>
+                <a:t> </a:t>
+              </a:r>
+              <a:r>
+                <a:rPr lang="es-ES" sz="1200" dirty="0" err="1">
+                  <a:sym typeface="Symbol" panose="05050102010706020507" pitchFamily="18" charset="2"/>
+                </a:rPr>
+                <a:t>Raise</a:t>
+              </a:r>
+              <a:endParaRPr lang="es-ES" sz="1200" dirty="0">
+                <a:sym typeface="Symbol" panose="05050102010706020507" pitchFamily="18" charset="2"/>
+              </a:endParaRPr>
+            </a:p>
+            <a:p>
+              <a:r>
+                <a:rPr lang="es-ES" sz="1200" dirty="0">
+                  <a:sym typeface="Symbol" panose="05050102010706020507" pitchFamily="18" charset="2"/>
+                </a:rPr>
+                <a:t></a:t>
+              </a:r>
+              <a:r>
+                <a:rPr lang="es-ES" sz="1200" dirty="0"/>
+                <a:t> </a:t>
+              </a:r>
+              <a:r>
+                <a:rPr lang="es-ES" sz="1200" dirty="0" err="1">
+                  <a:sym typeface="Symbol" panose="05050102010706020507" pitchFamily="18" charset="2"/>
+                </a:rPr>
+                <a:t>Return</a:t>
+              </a:r>
+              <a:endParaRPr lang="es-ES" sz="1200" dirty="0">
+                <a:sym typeface="Symbol" panose="05050102010706020507" pitchFamily="18" charset="2"/>
+              </a:endParaRPr>
+            </a:p>
+            <a:p>
+              <a:r>
+                <a:rPr lang="es-ES" sz="1200" dirty="0">
+                  <a:sym typeface="Symbol" panose="05050102010706020507" pitchFamily="18" charset="2"/>
+                </a:rPr>
+                <a:t></a:t>
+              </a:r>
+              <a:r>
+                <a:rPr lang="es-ES" sz="1200" dirty="0"/>
+                <a:t> </a:t>
+              </a:r>
+              <a:r>
+                <a:rPr lang="es-ES" sz="1200" dirty="0">
+                  <a:sym typeface="Symbol" panose="05050102010706020507" pitchFamily="18" charset="2"/>
+                </a:rPr>
+                <a:t>Try</a:t>
+              </a:r>
+            </a:p>
+            <a:p>
+              <a:r>
+                <a:rPr lang="es-ES" sz="1200" dirty="0">
+                  <a:sym typeface="Symbol" panose="05050102010706020507" pitchFamily="18" charset="2"/>
+                </a:rPr>
+                <a:t></a:t>
+              </a:r>
+              <a:r>
+                <a:rPr lang="es-ES" sz="1200" dirty="0"/>
+                <a:t> </a:t>
+              </a:r>
+              <a:r>
+                <a:rPr lang="es-ES" sz="1200" dirty="0" err="1">
+                  <a:sym typeface="Symbol" panose="05050102010706020507" pitchFamily="18" charset="2"/>
+                </a:rPr>
+                <a:t>TypeAlias</a:t>
+              </a:r>
+              <a:endParaRPr lang="es-ES" sz="1200" dirty="0">
+                <a:sym typeface="Symbol" panose="05050102010706020507" pitchFamily="18" charset="2"/>
+              </a:endParaRPr>
+            </a:p>
+            <a:p>
+              <a:r>
+                <a:rPr lang="es-ES" sz="1200" dirty="0">
+                  <a:sym typeface="Symbol" panose="05050102010706020507" pitchFamily="18" charset="2"/>
+                </a:rPr>
+                <a:t></a:t>
+              </a:r>
+              <a:r>
+                <a:rPr lang="es-ES" sz="1200" dirty="0"/>
+                <a:t> </a:t>
+              </a:r>
+              <a:r>
+                <a:rPr lang="es-ES" sz="1200" dirty="0" err="1">
+                  <a:sym typeface="Symbol" panose="05050102010706020507" pitchFamily="18" charset="2"/>
+                </a:rPr>
+                <a:t>While</a:t>
+              </a:r>
+              <a:endParaRPr lang="es-ES" sz="1200" dirty="0">
+                <a:sym typeface="Symbol" panose="05050102010706020507" pitchFamily="18" charset="2"/>
+              </a:endParaRPr>
+            </a:p>
+            <a:p>
+              <a:r>
+                <a:rPr lang="es-ES" sz="1200" dirty="0">
+                  <a:sym typeface="Symbol" panose="05050102010706020507" pitchFamily="18" charset="2"/>
+                </a:rPr>
+                <a:t></a:t>
+              </a:r>
+              <a:r>
+                <a:rPr lang="es-ES" sz="1200" dirty="0"/>
+                <a:t> </a:t>
+              </a:r>
+              <a:r>
+                <a:rPr lang="es-ES" sz="1200" dirty="0" err="1">
+                  <a:sym typeface="Symbol" panose="05050102010706020507" pitchFamily="18" charset="2"/>
+                </a:rPr>
+                <a:t>With</a:t>
+              </a:r>
+              <a:endParaRPr lang="es-ES" sz="1200" dirty="0">
+                <a:sym typeface="Symbol" panose="05050102010706020507" pitchFamily="18" charset="2"/>
+              </a:endParaRPr>
+            </a:p>
+          </p:txBody>
+        </p:sp>
+        <p:cxnSp>
+          <p:nvCxnSpPr>
+            <p:cNvPr id="19" name="Conector recto 18">
+              <a:extLst>
+                <a:ext uri="{FF2B5EF4-FFF2-40B4-BE49-F238E27FC236}">
+                  <a16:creationId xmlns:a16="http://schemas.microsoft.com/office/drawing/2014/main" id="{628E7FFB-4108-9C5F-DB05-EC8A3E153029}"/>
+                </a:ext>
+              </a:extLst>
+            </p:cNvPr>
+            <p:cNvCxnSpPr>
+              <a:cxnSpLocks/>
+            </p:cNvCxnSpPr>
+            <p:nvPr/>
+          </p:nvCxnSpPr>
+          <p:spPr>
+            <a:xfrm flipV="1">
+              <a:off x="7895076" y="1470367"/>
+              <a:ext cx="0" cy="4435832"/>
+            </a:xfrm>
+            <a:prstGeom prst="line">
+              <a:avLst/>
+            </a:prstGeom>
+            <a:ln w="9525">
+              <a:headEnd type="none"/>
+              <a:tailEnd type="triangle"/>
+            </a:ln>
+          </p:spPr>
+          <p:style>
+            <a:lnRef idx="2">
+              <a:schemeClr val="dk1"/>
+            </a:lnRef>
+            <a:fillRef idx="0">
+              <a:schemeClr val="dk1"/>
+            </a:fillRef>
+            <a:effectRef idx="1">
+              <a:schemeClr val="dk1"/>
+            </a:effectRef>
+            <a:fontRef idx="minor">
+              <a:schemeClr val="tx1"/>
+            </a:fontRef>
+          </p:style>
+        </p:cxnSp>
+        <p:sp>
+          <p:nvSpPr>
+            <p:cNvPr id="20" name="CuadroTexto 19">
+              <a:extLst>
+                <a:ext uri="{FF2B5EF4-FFF2-40B4-BE49-F238E27FC236}">
+                  <a16:creationId xmlns:a16="http://schemas.microsoft.com/office/drawing/2014/main" id="{3DDCDCB4-9EB9-E277-2DFE-6458540550CD}"/>
+                </a:ext>
+              </a:extLst>
+            </p:cNvPr>
+            <p:cNvSpPr txBox="1"/>
+            <p:nvPr/>
+          </p:nvSpPr>
+          <p:spPr>
+            <a:xfrm>
+              <a:off x="5412315" y="1232699"/>
+              <a:ext cx="1171464" cy="276999"/>
+            </a:xfrm>
+            <a:prstGeom prst="rect">
+              <a:avLst/>
+            </a:prstGeom>
+            <a:noFill/>
+          </p:spPr>
+          <p:txBody>
+            <a:bodyPr wrap="square" rtlCol="0" anchor="ctr">
+              <a:spAutoFit/>
+            </a:bodyPr>
+            <a:lstStyle/>
+            <a:p>
+              <a:pPr algn="ctr"/>
+              <a:r>
+                <a:rPr lang="es-ES" sz="1200" dirty="0" err="1"/>
+                <a:t>Expression</a:t>
+              </a:r>
+              <a:endParaRPr lang="es-ES" sz="1200" dirty="0"/>
+            </a:p>
+          </p:txBody>
+        </p:sp>
+        <p:cxnSp>
+          <p:nvCxnSpPr>
+            <p:cNvPr id="24" name="Conector recto 23">
+              <a:extLst>
+                <a:ext uri="{FF2B5EF4-FFF2-40B4-BE49-F238E27FC236}">
+                  <a16:creationId xmlns:a16="http://schemas.microsoft.com/office/drawing/2014/main" id="{8256B071-08BA-0B82-C5D2-050386705E1C}"/>
+                </a:ext>
+              </a:extLst>
+            </p:cNvPr>
+            <p:cNvCxnSpPr>
+              <a:cxnSpLocks/>
+              <a:stCxn id="20" idx="3"/>
+              <a:endCxn id="17" idx="1"/>
+            </p:cNvCxnSpPr>
+            <p:nvPr/>
+          </p:nvCxnSpPr>
+          <p:spPr>
+            <a:xfrm>
+              <a:off x="6583779" y="1371199"/>
+              <a:ext cx="1003167" cy="0"/>
+            </a:xfrm>
+            <a:prstGeom prst="line">
+              <a:avLst/>
+            </a:prstGeom>
+            <a:ln w="9525">
+              <a:headEnd type="none"/>
+              <a:tailEnd type="triangle"/>
+            </a:ln>
+          </p:spPr>
+          <p:style>
+            <a:lnRef idx="2">
+              <a:schemeClr val="dk1"/>
+            </a:lnRef>
+            <a:fillRef idx="0">
+              <a:schemeClr val="dk1"/>
+            </a:fillRef>
+            <a:effectRef idx="1">
+              <a:schemeClr val="dk1"/>
+            </a:effectRef>
+            <a:fontRef idx="minor">
+              <a:schemeClr val="tx1"/>
+            </a:fontRef>
+          </p:style>
+        </p:cxnSp>
+        <p:cxnSp>
+          <p:nvCxnSpPr>
+            <p:cNvPr id="25" name="Conector recto 24">
+              <a:extLst>
+                <a:ext uri="{FF2B5EF4-FFF2-40B4-BE49-F238E27FC236}">
+                  <a16:creationId xmlns:a16="http://schemas.microsoft.com/office/drawing/2014/main" id="{AE76AAB6-60E1-DD89-9D25-D3E56E3A072F}"/>
+                </a:ext>
+              </a:extLst>
+            </p:cNvPr>
+            <p:cNvCxnSpPr>
+              <a:cxnSpLocks/>
+              <a:stCxn id="17" idx="0"/>
+              <a:endCxn id="16" idx="2"/>
+            </p:cNvCxnSpPr>
+            <p:nvPr/>
+          </p:nvCxnSpPr>
+          <p:spPr>
+            <a:xfrm flipV="1">
+              <a:off x="8172678" y="662273"/>
+              <a:ext cx="0" cy="570426"/>
+            </a:xfrm>
+            <a:prstGeom prst="line">
+              <a:avLst/>
+            </a:prstGeom>
+            <a:ln w="9525">
+              <a:headEnd type="none"/>
+              <a:tailEnd type="triangle"/>
+            </a:ln>
+          </p:spPr>
+          <p:style>
+            <a:lnRef idx="2">
+              <a:schemeClr val="dk1"/>
+            </a:lnRef>
+            <a:fillRef idx="0">
+              <a:schemeClr val="dk1"/>
+            </a:fillRef>
+            <a:effectRef idx="1">
+              <a:schemeClr val="dk1"/>
+            </a:effectRef>
+            <a:fontRef idx="minor">
+              <a:schemeClr val="tx1"/>
+            </a:fontRef>
+          </p:style>
+        </p:cxnSp>
+        <p:cxnSp>
+          <p:nvCxnSpPr>
+            <p:cNvPr id="26" name="Conector recto 25">
+              <a:extLst>
+                <a:ext uri="{FF2B5EF4-FFF2-40B4-BE49-F238E27FC236}">
+                  <a16:creationId xmlns:a16="http://schemas.microsoft.com/office/drawing/2014/main" id="{DD8EE95C-75F9-6692-8698-B3AD98D32207}"/>
+                </a:ext>
+              </a:extLst>
+            </p:cNvPr>
+            <p:cNvCxnSpPr>
+              <a:cxnSpLocks/>
+            </p:cNvCxnSpPr>
+            <p:nvPr/>
+          </p:nvCxnSpPr>
+          <p:spPr>
+            <a:xfrm>
+              <a:off x="5993245" y="1006222"/>
+              <a:ext cx="1607933" cy="0"/>
+            </a:xfrm>
+            <a:prstGeom prst="line">
+              <a:avLst/>
+            </a:prstGeom>
+            <a:ln w="9525">
+              <a:headEnd type="none"/>
+              <a:tailEnd type="none"/>
+            </a:ln>
+          </p:spPr>
+          <p:style>
+            <a:lnRef idx="2">
+              <a:schemeClr val="dk1"/>
+            </a:lnRef>
+            <a:fillRef idx="0">
+              <a:schemeClr val="dk1"/>
+            </a:fillRef>
+            <a:effectRef idx="1">
+              <a:schemeClr val="dk1"/>
+            </a:effectRef>
+            <a:fontRef idx="minor">
+              <a:schemeClr val="tx1"/>
+            </a:fontRef>
+          </p:style>
+        </p:cxnSp>
+        <p:cxnSp>
+          <p:nvCxnSpPr>
+            <p:cNvPr id="27" name="Conector recto 26">
+              <a:extLst>
+                <a:ext uri="{FF2B5EF4-FFF2-40B4-BE49-F238E27FC236}">
+                  <a16:creationId xmlns:a16="http://schemas.microsoft.com/office/drawing/2014/main" id="{36CF5F85-3A94-15D2-BDFF-7B4C5B907C88}"/>
+                </a:ext>
+              </a:extLst>
+            </p:cNvPr>
+            <p:cNvCxnSpPr>
+              <a:cxnSpLocks/>
+            </p:cNvCxnSpPr>
+            <p:nvPr/>
+          </p:nvCxnSpPr>
+          <p:spPr>
+            <a:xfrm flipV="1">
+              <a:off x="5993245" y="1006222"/>
+              <a:ext cx="0" cy="205450"/>
+            </a:xfrm>
+            <a:prstGeom prst="line">
+              <a:avLst/>
+            </a:prstGeom>
+            <a:ln w="9525">
+              <a:headEnd type="none"/>
+              <a:tailEnd type="none"/>
+            </a:ln>
+          </p:spPr>
+          <p:style>
+            <a:lnRef idx="2">
+              <a:schemeClr val="dk1"/>
+            </a:lnRef>
+            <a:fillRef idx="0">
+              <a:schemeClr val="dk1"/>
+            </a:fillRef>
+            <a:effectRef idx="1">
+              <a:schemeClr val="dk1"/>
+            </a:effectRef>
+            <a:fontRef idx="minor">
+              <a:schemeClr val="tx1"/>
+            </a:fontRef>
+          </p:style>
+        </p:cxnSp>
+        <p:cxnSp>
+          <p:nvCxnSpPr>
+            <p:cNvPr id="28" name="Conector recto 27">
+              <a:extLst>
+                <a:ext uri="{FF2B5EF4-FFF2-40B4-BE49-F238E27FC236}">
+                  <a16:creationId xmlns:a16="http://schemas.microsoft.com/office/drawing/2014/main" id="{8BD8CC89-99A7-653B-E537-B5CBA32B57D1}"/>
+                </a:ext>
+              </a:extLst>
+            </p:cNvPr>
+            <p:cNvCxnSpPr>
+              <a:cxnSpLocks/>
+              <a:stCxn id="30" idx="0"/>
+            </p:cNvCxnSpPr>
+            <p:nvPr/>
+          </p:nvCxnSpPr>
+          <p:spPr>
+            <a:xfrm flipV="1">
+              <a:off x="9772504" y="1006222"/>
+              <a:ext cx="0" cy="226477"/>
+            </a:xfrm>
+            <a:prstGeom prst="line">
+              <a:avLst/>
+            </a:prstGeom>
+            <a:ln w="9525">
+              <a:headEnd type="none"/>
+              <a:tailEnd type="none"/>
+            </a:ln>
+          </p:spPr>
+          <p:style>
+            <a:lnRef idx="2">
+              <a:schemeClr val="dk1"/>
+            </a:lnRef>
+            <a:fillRef idx="0">
+              <a:schemeClr val="dk1"/>
+            </a:fillRef>
+            <a:effectRef idx="1">
+              <a:schemeClr val="dk1"/>
+            </a:effectRef>
+            <a:fontRef idx="minor">
+              <a:schemeClr val="tx1"/>
+            </a:fontRef>
+          </p:style>
+        </p:cxnSp>
+        <p:cxnSp>
+          <p:nvCxnSpPr>
+            <p:cNvPr id="29" name="Conector recto 28">
+              <a:extLst>
+                <a:ext uri="{FF2B5EF4-FFF2-40B4-BE49-F238E27FC236}">
+                  <a16:creationId xmlns:a16="http://schemas.microsoft.com/office/drawing/2014/main" id="{CF335D03-44D4-734C-0B61-BF9104221C7A}"/>
+                </a:ext>
+              </a:extLst>
+            </p:cNvPr>
+            <p:cNvCxnSpPr>
+              <a:cxnSpLocks/>
+            </p:cNvCxnSpPr>
+            <p:nvPr/>
+          </p:nvCxnSpPr>
+          <p:spPr>
+            <a:xfrm>
+              <a:off x="7586946" y="1006222"/>
+              <a:ext cx="3211954" cy="0"/>
+            </a:xfrm>
+            <a:prstGeom prst="line">
+              <a:avLst/>
+            </a:prstGeom>
+            <a:ln w="9525">
+              <a:headEnd type="none"/>
+              <a:tailEnd type="none"/>
+            </a:ln>
+          </p:spPr>
+          <p:style>
+            <a:lnRef idx="2">
+              <a:schemeClr val="dk1"/>
+            </a:lnRef>
+            <a:fillRef idx="0">
+              <a:schemeClr val="dk1"/>
+            </a:fillRef>
+            <a:effectRef idx="1">
+              <a:schemeClr val="dk1"/>
+            </a:effectRef>
+            <a:fontRef idx="minor">
+              <a:schemeClr val="tx1"/>
+            </a:fontRef>
+          </p:style>
+        </p:cxnSp>
+        <p:sp>
+          <p:nvSpPr>
+            <p:cNvPr id="30" name="CuadroTexto 29">
+              <a:extLst>
+                <a:ext uri="{FF2B5EF4-FFF2-40B4-BE49-F238E27FC236}">
+                  <a16:creationId xmlns:a16="http://schemas.microsoft.com/office/drawing/2014/main" id="{F58CD395-571A-2FC9-D118-3BD11C4850CA}"/>
+                </a:ext>
+              </a:extLst>
+            </p:cNvPr>
+            <p:cNvSpPr txBox="1"/>
+            <p:nvPr/>
+          </p:nvSpPr>
+          <p:spPr>
+            <a:xfrm>
+              <a:off x="9346996" y="1232699"/>
+              <a:ext cx="851015" cy="276999"/>
+            </a:xfrm>
+            <a:prstGeom prst="rect">
+              <a:avLst/>
+            </a:prstGeom>
+            <a:noFill/>
+          </p:spPr>
+          <p:txBody>
+            <a:bodyPr wrap="square" rtlCol="0" anchor="ctr">
+              <a:spAutoFit/>
+            </a:bodyPr>
+            <a:lstStyle/>
+            <a:p>
+              <a:pPr algn="ctr"/>
+              <a:r>
+                <a:rPr lang="es-ES" sz="1200" dirty="0" err="1"/>
+                <a:t>Definition</a:t>
+              </a:r>
+              <a:endParaRPr lang="es-ES" sz="1200" dirty="0"/>
+            </a:p>
+          </p:txBody>
+        </p:sp>
+        <p:grpSp>
+          <p:nvGrpSpPr>
+            <p:cNvPr id="31" name="Grupo 30">
+              <a:extLst>
+                <a:ext uri="{FF2B5EF4-FFF2-40B4-BE49-F238E27FC236}">
+                  <a16:creationId xmlns:a16="http://schemas.microsoft.com/office/drawing/2014/main" id="{9C479D75-09D8-2D69-F00F-EC8EAAAC6410}"/>
+                </a:ext>
+              </a:extLst>
+            </p:cNvPr>
+            <p:cNvGrpSpPr/>
+            <p:nvPr/>
+          </p:nvGrpSpPr>
+          <p:grpSpPr>
+            <a:xfrm>
+              <a:off x="9327946" y="1483643"/>
+              <a:ext cx="2365615" cy="1900715"/>
+              <a:chOff x="4484085" y="1561525"/>
+              <a:chExt cx="2365615" cy="1900715"/>
+            </a:xfrm>
+          </p:grpSpPr>
+          <p:sp>
+            <p:nvSpPr>
+              <p:cNvPr id="32" name="CuadroTexto 31">
+                <a:extLst>
+                  <a:ext uri="{FF2B5EF4-FFF2-40B4-BE49-F238E27FC236}">
+                    <a16:creationId xmlns:a16="http://schemas.microsoft.com/office/drawing/2014/main" id="{557E6C12-CC1E-572F-6FF7-37494686CA66}"/>
+                  </a:ext>
+                </a:extLst>
+              </p:cNvPr>
+              <p:cNvSpPr txBox="1"/>
+              <p:nvPr/>
+            </p:nvSpPr>
+            <p:spPr>
+              <a:xfrm>
+                <a:off x="4607910" y="2494613"/>
+                <a:ext cx="1657465" cy="276999"/>
+              </a:xfrm>
+              <a:prstGeom prst="rect">
+                <a:avLst/>
+              </a:prstGeom>
+              <a:noFill/>
+            </p:spPr>
+            <p:txBody>
+              <a:bodyPr wrap="square" rtlCol="0" anchor="ctr">
+                <a:spAutoFit/>
+              </a:bodyPr>
+              <a:lstStyle/>
+              <a:p>
+                <a:pPr algn="ctr"/>
+                <a:r>
+                  <a:rPr lang="es-ES" sz="1200" dirty="0">
+                    <a:sym typeface="Symbol" panose="05050102010706020507" pitchFamily="18" charset="2"/>
+                  </a:rPr>
+                  <a:t></a:t>
+                </a:r>
+                <a:r>
+                  <a:rPr lang="es-ES" sz="1200" dirty="0"/>
+                  <a:t> </a:t>
+                </a:r>
+                <a:r>
+                  <a:rPr lang="es-ES" sz="1200" dirty="0" err="1"/>
+                  <a:t>CallableDefinition</a:t>
+                </a:r>
+                <a:endParaRPr lang="es-ES" sz="1200" dirty="0"/>
+              </a:p>
+            </p:txBody>
+          </p:sp>
+          <p:sp>
+            <p:nvSpPr>
+              <p:cNvPr id="33" name="CuadroTexto 32">
+                <a:extLst>
+                  <a:ext uri="{FF2B5EF4-FFF2-40B4-BE49-F238E27FC236}">
+                    <a16:creationId xmlns:a16="http://schemas.microsoft.com/office/drawing/2014/main" id="{D5C5C1F8-99DC-53EA-6662-544D1CD75DE9}"/>
+                  </a:ext>
+                </a:extLst>
+              </p:cNvPr>
+              <p:cNvSpPr txBox="1"/>
+              <p:nvPr/>
+            </p:nvSpPr>
+            <p:spPr>
+              <a:xfrm>
+                <a:off x="4904803" y="2091234"/>
+                <a:ext cx="1916321" cy="461665"/>
+              </a:xfrm>
+              <a:prstGeom prst="rect">
+                <a:avLst/>
+              </a:prstGeom>
+              <a:noFill/>
+            </p:spPr>
+            <p:txBody>
+              <a:bodyPr wrap="square" rtlCol="0">
+                <a:spAutoFit/>
+              </a:bodyPr>
+              <a:lstStyle/>
+              <a:p>
+                <a:r>
+                  <a:rPr lang="es-ES" sz="1200" dirty="0">
+                    <a:sym typeface="Symbol" panose="05050102010706020507" pitchFamily="18" charset="2"/>
+                  </a:rPr>
+                  <a:t></a:t>
+                </a:r>
+                <a:r>
+                  <a:rPr lang="es-ES" sz="1200" dirty="0"/>
+                  <a:t> </a:t>
+                </a:r>
+                <a:r>
+                  <a:rPr lang="es-ES" sz="1200" dirty="0" err="1"/>
+                  <a:t>ClassDefinition</a:t>
+                </a:r>
+                <a:endParaRPr lang="es-ES" sz="1200" dirty="0"/>
+              </a:p>
+              <a:p>
+                <a:r>
+                  <a:rPr lang="es-ES" sz="1200" dirty="0">
+                    <a:sym typeface="Symbol" panose="05050102010706020507" pitchFamily="18" charset="2"/>
+                  </a:rPr>
+                  <a:t></a:t>
+                </a:r>
+                <a:r>
+                  <a:rPr lang="es-ES" sz="1200" dirty="0"/>
+                  <a:t> </a:t>
+                </a:r>
+                <a:r>
+                  <a:rPr lang="es-ES" sz="1200" dirty="0" err="1"/>
+                  <a:t>EnumDefinition</a:t>
+                </a:r>
+                <a:endParaRPr lang="es-ES" sz="1200" dirty="0"/>
+              </a:p>
+            </p:txBody>
+          </p:sp>
+          <p:sp>
+            <p:nvSpPr>
+              <p:cNvPr id="34" name="CuadroTexto 33">
+                <a:extLst>
+                  <a:ext uri="{FF2B5EF4-FFF2-40B4-BE49-F238E27FC236}">
+                    <a16:creationId xmlns:a16="http://schemas.microsoft.com/office/drawing/2014/main" id="{87D63FDC-39F0-A308-7BC8-47945133105F}"/>
+                  </a:ext>
+                </a:extLst>
+              </p:cNvPr>
+              <p:cNvSpPr txBox="1"/>
+              <p:nvPr/>
+            </p:nvSpPr>
+            <p:spPr>
+              <a:xfrm>
+                <a:off x="4933379" y="2815909"/>
+                <a:ext cx="1916321" cy="646331"/>
+              </a:xfrm>
+              <a:prstGeom prst="rect">
+                <a:avLst/>
+              </a:prstGeom>
+              <a:noFill/>
+            </p:spPr>
+            <p:txBody>
+              <a:bodyPr wrap="square" rtlCol="0">
+                <a:spAutoFit/>
+              </a:bodyPr>
+              <a:lstStyle/>
+              <a:p>
+                <a:r>
+                  <a:rPr lang="es-ES" sz="1200" dirty="0">
+                    <a:sym typeface="Symbol" panose="05050102010706020507" pitchFamily="18" charset="2"/>
+                  </a:rPr>
+                  <a:t></a:t>
+                </a:r>
+                <a:r>
+                  <a:rPr lang="es-ES" sz="1200" dirty="0"/>
+                  <a:t> </a:t>
+                </a:r>
+                <a:r>
+                  <a:rPr lang="es-ES" sz="1200" dirty="0" err="1"/>
+                  <a:t>MethodDefinition</a:t>
+                </a:r>
+                <a:endParaRPr lang="es-ES" sz="1200" dirty="0"/>
+              </a:p>
+              <a:p>
+                <a:r>
+                  <a:rPr lang="es-ES" sz="1200" dirty="0">
+                    <a:sym typeface="Symbol" panose="05050102010706020507" pitchFamily="18" charset="2"/>
+                  </a:rPr>
+                  <a:t></a:t>
+                </a:r>
+                <a:r>
+                  <a:rPr lang="es-ES" sz="1200" dirty="0"/>
+                  <a:t> </a:t>
+                </a:r>
+                <a:r>
+                  <a:rPr lang="es-ES" sz="1200" dirty="0" err="1"/>
+                  <a:t>ConstructorDefinition</a:t>
+                </a:r>
+                <a:endParaRPr lang="es-ES" sz="1200" dirty="0"/>
+              </a:p>
+              <a:p>
+                <a:r>
+                  <a:rPr lang="es-ES" sz="1200" dirty="0">
+                    <a:sym typeface="Symbol" panose="05050102010706020507" pitchFamily="18" charset="2"/>
+                  </a:rPr>
+                  <a:t> </a:t>
+                </a:r>
+                <a:r>
+                  <a:rPr lang="es-ES" sz="1200" dirty="0" err="1">
+                    <a:sym typeface="Symbol" panose="05050102010706020507" pitchFamily="18" charset="2"/>
+                  </a:rPr>
+                  <a:t>FunctionDefinition</a:t>
+                </a:r>
+                <a:endParaRPr lang="es-ES" sz="1200" dirty="0"/>
+              </a:p>
+            </p:txBody>
+          </p:sp>
+          <p:cxnSp>
+            <p:nvCxnSpPr>
+              <p:cNvPr id="35" name="Conector recto 34">
+                <a:extLst>
+                  <a:ext uri="{FF2B5EF4-FFF2-40B4-BE49-F238E27FC236}">
+                    <a16:creationId xmlns:a16="http://schemas.microsoft.com/office/drawing/2014/main" id="{731A17EB-4FB0-B4D7-F931-8DEB0B90A2D4}"/>
+                  </a:ext>
+                </a:extLst>
+              </p:cNvPr>
+              <p:cNvCxnSpPr>
+                <a:cxnSpLocks/>
+              </p:cNvCxnSpPr>
+              <p:nvPr/>
+            </p:nvCxnSpPr>
+            <p:spPr>
+              <a:xfrm flipV="1">
+                <a:off x="5023991" y="2729684"/>
+                <a:ext cx="0" cy="603826"/>
+              </a:xfrm>
+              <a:prstGeom prst="line">
+                <a:avLst/>
+              </a:prstGeom>
+              <a:ln w="9525">
+                <a:headEnd type="none"/>
+                <a:tailEnd type="triangle"/>
+              </a:ln>
+            </p:spPr>
+            <p:style>
+              <a:lnRef idx="2">
+                <a:schemeClr val="dk1"/>
+              </a:lnRef>
+              <a:fillRef idx="0">
+                <a:schemeClr val="dk1"/>
+              </a:fillRef>
+              <a:effectRef idx="1">
+                <a:schemeClr val="dk1"/>
+              </a:effectRef>
+              <a:fontRef idx="minor">
+                <a:schemeClr val="tx1"/>
+              </a:fontRef>
+            </p:style>
+          </p:cxnSp>
+          <p:sp>
+            <p:nvSpPr>
+              <p:cNvPr id="36" name="CuadroTexto 35">
+                <a:extLst>
+                  <a:ext uri="{FF2B5EF4-FFF2-40B4-BE49-F238E27FC236}">
+                    <a16:creationId xmlns:a16="http://schemas.microsoft.com/office/drawing/2014/main" id="{65F89447-8867-11D1-01A2-08FBF0B97E1A}"/>
+                  </a:ext>
+                </a:extLst>
+              </p:cNvPr>
+              <p:cNvSpPr txBox="1"/>
+              <p:nvPr/>
+            </p:nvSpPr>
+            <p:spPr>
+              <a:xfrm>
+                <a:off x="4484085" y="1773888"/>
+                <a:ext cx="1657465" cy="276999"/>
+              </a:xfrm>
+              <a:prstGeom prst="rect">
+                <a:avLst/>
+              </a:prstGeom>
+              <a:noFill/>
+            </p:spPr>
+            <p:txBody>
+              <a:bodyPr wrap="square" rtlCol="0" anchor="ctr">
+                <a:spAutoFit/>
+              </a:bodyPr>
+              <a:lstStyle/>
+              <a:p>
+                <a:pPr algn="ctr"/>
+                <a:r>
+                  <a:rPr lang="es-ES" sz="1200" dirty="0">
+                    <a:sym typeface="Symbol" panose="05050102010706020507" pitchFamily="18" charset="2"/>
+                  </a:rPr>
+                  <a:t></a:t>
+                </a:r>
+                <a:r>
+                  <a:rPr lang="es-ES" sz="1200" dirty="0"/>
+                  <a:t> </a:t>
+                </a:r>
+                <a:r>
+                  <a:rPr lang="es-ES" sz="1200" dirty="0" err="1"/>
+                  <a:t>TypeDefinition</a:t>
+                </a:r>
+                <a:endParaRPr lang="es-ES" sz="1200" dirty="0"/>
+              </a:p>
+            </p:txBody>
+          </p:sp>
+          <p:cxnSp>
+            <p:nvCxnSpPr>
+              <p:cNvPr id="37" name="Conector recto 36">
+                <a:extLst>
+                  <a:ext uri="{FF2B5EF4-FFF2-40B4-BE49-F238E27FC236}">
+                    <a16:creationId xmlns:a16="http://schemas.microsoft.com/office/drawing/2014/main" id="{EBEEE163-5C84-1940-1BC6-2505EFFF6F04}"/>
+                  </a:ext>
+                </a:extLst>
+              </p:cNvPr>
+              <p:cNvCxnSpPr>
+                <a:cxnSpLocks/>
+              </p:cNvCxnSpPr>
+              <p:nvPr/>
+            </p:nvCxnSpPr>
+            <p:spPr>
+              <a:xfrm flipV="1">
+                <a:off x="4995416" y="2008959"/>
+                <a:ext cx="0" cy="416501"/>
+              </a:xfrm>
+              <a:prstGeom prst="line">
+                <a:avLst/>
+              </a:prstGeom>
+              <a:ln w="9525">
+                <a:headEnd type="none"/>
+                <a:tailEnd type="triangle"/>
+              </a:ln>
+            </p:spPr>
+            <p:style>
+              <a:lnRef idx="2">
+                <a:schemeClr val="dk1"/>
+              </a:lnRef>
+              <a:fillRef idx="0">
+                <a:schemeClr val="dk1"/>
+              </a:fillRef>
+              <a:effectRef idx="1">
+                <a:schemeClr val="dk1"/>
+              </a:effectRef>
+              <a:fontRef idx="minor">
+                <a:schemeClr val="tx1"/>
+              </a:fontRef>
+            </p:style>
+          </p:cxnSp>
+          <p:cxnSp>
+            <p:nvCxnSpPr>
+              <p:cNvPr id="38" name="Conector recto 37">
+                <a:extLst>
+                  <a:ext uri="{FF2B5EF4-FFF2-40B4-BE49-F238E27FC236}">
+                    <a16:creationId xmlns:a16="http://schemas.microsoft.com/office/drawing/2014/main" id="{2E6C75C8-A1EF-79C1-8BB6-73B09D833A50}"/>
+                  </a:ext>
+                </a:extLst>
+              </p:cNvPr>
+              <p:cNvCxnSpPr>
+                <a:cxnSpLocks/>
+              </p:cNvCxnSpPr>
+              <p:nvPr/>
+            </p:nvCxnSpPr>
+            <p:spPr>
+              <a:xfrm flipV="1">
+                <a:off x="4779516" y="1561525"/>
+                <a:ext cx="0" cy="1086185"/>
+              </a:xfrm>
+              <a:prstGeom prst="line">
+                <a:avLst/>
+              </a:prstGeom>
+              <a:ln w="9525">
+                <a:headEnd type="none"/>
+                <a:tailEnd type="triangle"/>
+              </a:ln>
+            </p:spPr>
+            <p:style>
+              <a:lnRef idx="2">
+                <a:schemeClr val="dk1"/>
+              </a:lnRef>
+              <a:fillRef idx="0">
+                <a:schemeClr val="dk1"/>
+              </a:fillRef>
+              <a:effectRef idx="1">
+                <a:schemeClr val="dk1"/>
+              </a:effectRef>
+              <a:fontRef idx="minor">
+                <a:schemeClr val="tx1"/>
+              </a:fontRef>
+            </p:style>
+          </p:cxnSp>
+        </p:grpSp>
+        <p:sp>
+          <p:nvSpPr>
+            <p:cNvPr id="40" name="CuadroTexto 39">
+              <a:extLst>
+                <a:ext uri="{FF2B5EF4-FFF2-40B4-BE49-F238E27FC236}">
+                  <a16:creationId xmlns:a16="http://schemas.microsoft.com/office/drawing/2014/main" id="{A8A79ECA-68B2-C4BE-AB19-84370254ADDC}"/>
+                </a:ext>
+              </a:extLst>
+            </p:cNvPr>
+            <p:cNvSpPr txBox="1"/>
+            <p:nvPr/>
+          </p:nvSpPr>
+          <p:spPr>
+            <a:xfrm>
+              <a:off x="10374165" y="1232699"/>
+              <a:ext cx="851015" cy="276999"/>
+            </a:xfrm>
+            <a:prstGeom prst="rect">
+              <a:avLst/>
+            </a:prstGeom>
+            <a:noFill/>
+          </p:spPr>
+          <p:txBody>
+            <a:bodyPr wrap="square" rtlCol="0" anchor="ctr">
+              <a:spAutoFit/>
+            </a:bodyPr>
+            <a:lstStyle/>
+            <a:p>
+              <a:pPr algn="ctr"/>
+              <a:r>
+                <a:rPr lang="es-ES" sz="1200" dirty="0"/>
+                <a:t>Module</a:t>
+              </a:r>
+            </a:p>
+          </p:txBody>
+        </p:sp>
+        <p:cxnSp>
+          <p:nvCxnSpPr>
+            <p:cNvPr id="41" name="Conector recto 40">
+              <a:extLst>
+                <a:ext uri="{FF2B5EF4-FFF2-40B4-BE49-F238E27FC236}">
+                  <a16:creationId xmlns:a16="http://schemas.microsoft.com/office/drawing/2014/main" id="{6E82B326-440E-71F1-3274-6CD2522F06E6}"/>
+                </a:ext>
+              </a:extLst>
+            </p:cNvPr>
+            <p:cNvCxnSpPr>
+              <a:cxnSpLocks/>
+            </p:cNvCxnSpPr>
+            <p:nvPr/>
+          </p:nvCxnSpPr>
+          <p:spPr>
+            <a:xfrm flipV="1">
+              <a:off x="10798900" y="1004210"/>
+              <a:ext cx="0" cy="242350"/>
+            </a:xfrm>
+            <a:prstGeom prst="line">
+              <a:avLst/>
+            </a:prstGeom>
+            <a:ln w="9525">
+              <a:headEnd type="none"/>
+              <a:tailEnd type="none"/>
+            </a:ln>
+          </p:spPr>
+          <p:style>
+            <a:lnRef idx="2">
+              <a:schemeClr val="dk1"/>
+            </a:lnRef>
+            <a:fillRef idx="0">
+              <a:schemeClr val="dk1"/>
+            </a:fillRef>
+            <a:effectRef idx="1">
+              <a:schemeClr val="dk1"/>
+            </a:effectRef>
+            <a:fontRef idx="minor">
+              <a:schemeClr val="tx1"/>
+            </a:fontRef>
+          </p:style>
+        </p:cxnSp>
+        <p:grpSp>
+          <p:nvGrpSpPr>
+            <p:cNvPr id="42" name="Grupo 41">
+              <a:extLst>
+                <a:ext uri="{FF2B5EF4-FFF2-40B4-BE49-F238E27FC236}">
+                  <a16:creationId xmlns:a16="http://schemas.microsoft.com/office/drawing/2014/main" id="{5C0DE493-30CB-E366-A57F-EEF3EBB910AF}"/>
+                </a:ext>
+              </a:extLst>
+            </p:cNvPr>
+            <p:cNvGrpSpPr/>
+            <p:nvPr/>
+          </p:nvGrpSpPr>
+          <p:grpSpPr>
+            <a:xfrm>
+              <a:off x="5662813" y="1554406"/>
+              <a:ext cx="2288266" cy="8710077"/>
+              <a:chOff x="866577" y="1632288"/>
+              <a:chExt cx="2288266" cy="8710077"/>
+            </a:xfrm>
+          </p:grpSpPr>
+          <p:sp>
+            <p:nvSpPr>
+              <p:cNvPr id="44" name="CuadroTexto 43">
+                <a:extLst>
+                  <a:ext uri="{FF2B5EF4-FFF2-40B4-BE49-F238E27FC236}">
+                    <a16:creationId xmlns:a16="http://schemas.microsoft.com/office/drawing/2014/main" id="{5C2E0F7E-2B41-3BA2-3AC5-E5FB46C53691}"/>
+                  </a:ext>
+                </a:extLst>
+              </p:cNvPr>
+              <p:cNvSpPr txBox="1"/>
+              <p:nvPr/>
+            </p:nvSpPr>
+            <p:spPr>
+              <a:xfrm>
+                <a:off x="866577" y="1632288"/>
+                <a:ext cx="2288266" cy="8710077"/>
+              </a:xfrm>
+              <a:prstGeom prst="rect">
+                <a:avLst/>
+              </a:prstGeom>
+              <a:noFill/>
+            </p:spPr>
+            <p:txBody>
+              <a:bodyPr wrap="square" rtlCol="0">
+                <a:spAutoFit/>
+              </a:bodyPr>
+              <a:lstStyle/>
+              <a:p>
+                <a:r>
+                  <a:rPr lang="es-ES" sz="1200" dirty="0">
+                    <a:sym typeface="Symbol" panose="05050102010706020507" pitchFamily="18" charset="2"/>
+                  </a:rPr>
+                  <a:t> </a:t>
+                </a:r>
+                <a:r>
+                  <a:rPr lang="es-ES" sz="1200" dirty="0" err="1">
+                    <a:sym typeface="Symbol" panose="05050102010706020507" pitchFamily="18" charset="2"/>
+                  </a:rPr>
+                  <a:t>AssignmentExp</a:t>
+                </a:r>
+                <a:endParaRPr lang="es-ES" sz="1200" dirty="0">
+                  <a:sym typeface="Symbol" panose="05050102010706020507" pitchFamily="18" charset="2"/>
+                </a:endParaRPr>
+              </a:p>
+              <a:p>
+                <a:r>
+                  <a:rPr lang="es-ES" sz="1200" dirty="0">
+                    <a:sym typeface="Symbol" panose="05050102010706020507" pitchFamily="18" charset="2"/>
+                  </a:rPr>
+                  <a:t> </a:t>
+                </a:r>
+                <a:r>
+                  <a:rPr lang="es-ES" sz="1200" dirty="0" err="1">
+                    <a:sym typeface="Symbol" panose="05050102010706020507" pitchFamily="18" charset="2"/>
+                  </a:rPr>
+                  <a:t>Await</a:t>
+                </a:r>
+                <a:endParaRPr lang="es-ES" sz="1200" dirty="0">
+                  <a:sym typeface="Symbol" panose="05050102010706020507" pitchFamily="18" charset="2"/>
+                </a:endParaRPr>
+              </a:p>
+              <a:p>
+                <a:r>
+                  <a:rPr lang="es-ES" sz="1200" dirty="0">
+                    <a:sym typeface="Symbol" panose="05050102010706020507" pitchFamily="18" charset="2"/>
+                  </a:rPr>
+                  <a:t> </a:t>
+                </a:r>
+                <a:r>
+                  <a:rPr lang="es-ES" sz="1200" dirty="0" err="1">
+                    <a:sym typeface="Symbol" panose="05050102010706020507" pitchFamily="18" charset="2"/>
+                  </a:rPr>
+                  <a:t>BinaryExpression</a:t>
+                </a:r>
+                <a:endParaRPr lang="es-ES" sz="1200" dirty="0">
+                  <a:sym typeface="Symbol" panose="05050102010706020507" pitchFamily="18" charset="2"/>
+                </a:endParaRPr>
+              </a:p>
+              <a:p>
+                <a:endParaRPr lang="es-ES" sz="800" dirty="0">
+                  <a:sym typeface="Symbol" panose="05050102010706020507" pitchFamily="18" charset="2"/>
+                </a:endParaRPr>
+              </a:p>
+              <a:p>
+                <a:r>
+                  <a:rPr lang="en-US" sz="1200" dirty="0">
+                    <a:sym typeface="Symbol" panose="05050102010706020507" pitchFamily="18" charset="2"/>
+                  </a:rPr>
+                  <a:t>     Arithmetic</a:t>
+                </a:r>
+              </a:p>
+              <a:p>
+                <a:r>
+                  <a:rPr lang="en-US" sz="1200" dirty="0">
+                    <a:sym typeface="Symbol" panose="05050102010706020507" pitchFamily="18" charset="2"/>
+                  </a:rPr>
+                  <a:t>     </a:t>
+                </a:r>
+                <a:r>
+                  <a:rPr lang="en-US" sz="1200" dirty="0" err="1">
+                    <a:sym typeface="Symbol" panose="05050102010706020507" pitchFamily="18" charset="2"/>
+                  </a:rPr>
+                  <a:t>BWLogical</a:t>
+                </a:r>
+                <a:endParaRPr lang="en-US" sz="1200" dirty="0">
+                  <a:sym typeface="Symbol" panose="05050102010706020507" pitchFamily="18" charset="2"/>
+                </a:endParaRPr>
+              </a:p>
+              <a:p>
+                <a:r>
+                  <a:rPr lang="en-US" sz="1200" dirty="0">
+                    <a:sym typeface="Symbol" panose="05050102010706020507" pitchFamily="18" charset="2"/>
+                  </a:rPr>
+                  <a:t>     Compare</a:t>
+                </a:r>
+              </a:p>
+              <a:p>
+                <a:r>
+                  <a:rPr lang="en-US" sz="1200" dirty="0">
+                    <a:sym typeface="Symbol" panose="05050102010706020507" pitchFamily="18" charset="2"/>
+                  </a:rPr>
+                  <a:t>     Logical</a:t>
+                </a:r>
+              </a:p>
+              <a:p>
+                <a:r>
+                  <a:rPr lang="en-US" sz="1200" dirty="0">
+                    <a:sym typeface="Symbol" panose="05050102010706020507" pitchFamily="18" charset="2"/>
+                  </a:rPr>
+                  <a:t>     </a:t>
+                </a:r>
+                <a:r>
+                  <a:rPr lang="en-US" sz="1200" dirty="0" err="1">
+                    <a:sym typeface="Symbol" panose="05050102010706020507" pitchFamily="18" charset="2"/>
+                  </a:rPr>
+                  <a:t>MatMult</a:t>
+                </a:r>
+                <a:endParaRPr lang="en-US" sz="1200" dirty="0">
+                  <a:sym typeface="Symbol" panose="05050102010706020507" pitchFamily="18" charset="2"/>
+                </a:endParaRPr>
+              </a:p>
+              <a:p>
+                <a:r>
+                  <a:rPr lang="en-US" sz="1200" dirty="0">
+                    <a:sym typeface="Symbol" panose="05050102010706020507" pitchFamily="18" charset="2"/>
+                  </a:rPr>
+                  <a:t>     Pow</a:t>
+                </a:r>
+              </a:p>
+              <a:p>
+                <a:r>
+                  <a:rPr lang="en-US" sz="1200" dirty="0">
+                    <a:sym typeface="Symbol" panose="05050102010706020507" pitchFamily="18" charset="2"/>
+                  </a:rPr>
+                  <a:t>     Shift</a:t>
+                </a:r>
+                <a:endParaRPr lang="es-ES" sz="1200" dirty="0">
+                  <a:sym typeface="Symbol" panose="05050102010706020507" pitchFamily="18" charset="2"/>
+                </a:endParaRPr>
+              </a:p>
+              <a:p>
+                <a:r>
+                  <a:rPr lang="es-ES" sz="1200" dirty="0">
+                    <a:sym typeface="Symbol" panose="05050102010706020507" pitchFamily="18" charset="2"/>
+                  </a:rPr>
+                  <a:t> </a:t>
+                </a:r>
+                <a:r>
+                  <a:rPr lang="es-ES" sz="1200" dirty="0" err="1">
+                    <a:sym typeface="Symbol" panose="05050102010706020507" pitchFamily="18" charset="2"/>
+                  </a:rPr>
+                  <a:t>Call</a:t>
+                </a:r>
+                <a:endParaRPr lang="es-ES" sz="1200" dirty="0">
+                  <a:sym typeface="Symbol" panose="05050102010706020507" pitchFamily="18" charset="2"/>
+                </a:endParaRPr>
+              </a:p>
+              <a:p>
+                <a:r>
+                  <a:rPr lang="es-ES" sz="1200" dirty="0">
+                    <a:sym typeface="Symbol" panose="05050102010706020507" pitchFamily="18" charset="2"/>
+                  </a:rPr>
+                  <a:t> </a:t>
+                </a:r>
+                <a:r>
+                  <a:rPr lang="es-ES" sz="1200" dirty="0" err="1">
+                    <a:sym typeface="Symbol" panose="05050102010706020507" pitchFamily="18" charset="2"/>
+                  </a:rPr>
+                  <a:t>Comprehension</a:t>
+                </a:r>
+                <a:endParaRPr lang="es-ES" sz="1200" dirty="0">
+                  <a:sym typeface="Symbol" panose="05050102010706020507" pitchFamily="18" charset="2"/>
+                </a:endParaRPr>
+              </a:p>
+              <a:p>
+                <a:endParaRPr lang="es-ES" sz="800" dirty="0">
+                  <a:sym typeface="Symbol" panose="05050102010706020507" pitchFamily="18" charset="2"/>
+                </a:endParaRPr>
+              </a:p>
+              <a:p>
+                <a:r>
+                  <a:rPr lang="en-US" sz="1200" dirty="0">
+                    <a:sym typeface="Symbol" panose="05050102010706020507" pitchFamily="18" charset="2"/>
+                  </a:rPr>
+                  <a:t>     </a:t>
+                </a:r>
+                <a:r>
+                  <a:rPr lang="en-US" sz="1200" dirty="0" err="1">
+                    <a:sym typeface="Symbol" panose="05050102010706020507" pitchFamily="18" charset="2"/>
+                  </a:rPr>
+                  <a:t>DictComprehension</a:t>
+                </a:r>
+                <a:endParaRPr lang="en-US" sz="1200" dirty="0">
+                  <a:sym typeface="Symbol" panose="05050102010706020507" pitchFamily="18" charset="2"/>
+                </a:endParaRPr>
+              </a:p>
+              <a:p>
+                <a:r>
+                  <a:rPr lang="en-US" sz="1200" dirty="0">
+                    <a:sym typeface="Symbol" panose="05050102010706020507" pitchFamily="18" charset="2"/>
+                  </a:rPr>
+                  <a:t>     </a:t>
+                </a:r>
+                <a:r>
+                  <a:rPr lang="en-US" sz="1200" dirty="0" err="1">
+                    <a:sym typeface="Symbol" panose="05050102010706020507" pitchFamily="18" charset="2"/>
+                  </a:rPr>
+                  <a:t>GeneratorComprehension</a:t>
+                </a:r>
+                <a:endParaRPr lang="en-US" sz="1200" dirty="0">
+                  <a:sym typeface="Symbol" panose="05050102010706020507" pitchFamily="18" charset="2"/>
+                </a:endParaRPr>
+              </a:p>
+              <a:p>
+                <a:r>
+                  <a:rPr lang="en-US" sz="1200" dirty="0">
+                    <a:sym typeface="Symbol" panose="05050102010706020507" pitchFamily="18" charset="2"/>
+                  </a:rPr>
+                  <a:t>     </a:t>
+                </a:r>
+                <a:r>
+                  <a:rPr lang="en-US" sz="1200" dirty="0" err="1">
+                    <a:sym typeface="Symbol" panose="05050102010706020507" pitchFamily="18" charset="2"/>
+                  </a:rPr>
+                  <a:t>ListComprehension</a:t>
+                </a:r>
+                <a:endParaRPr lang="en-US" sz="1200" dirty="0">
+                  <a:sym typeface="Symbol" panose="05050102010706020507" pitchFamily="18" charset="2"/>
+                </a:endParaRPr>
+              </a:p>
+              <a:p>
+                <a:r>
+                  <a:rPr lang="en-US" sz="1200" dirty="0">
+                    <a:sym typeface="Symbol" panose="05050102010706020507" pitchFamily="18" charset="2"/>
+                  </a:rPr>
+                  <a:t>     </a:t>
+                </a:r>
+                <a:r>
+                  <a:rPr lang="en-US" sz="1200" dirty="0" err="1">
+                    <a:sym typeface="Symbol" panose="05050102010706020507" pitchFamily="18" charset="2"/>
+                  </a:rPr>
+                  <a:t>SetComprehension</a:t>
+                </a:r>
+                <a:endParaRPr lang="en-US" sz="1200" dirty="0">
+                  <a:sym typeface="Symbol" panose="05050102010706020507" pitchFamily="18" charset="2"/>
+                </a:endParaRPr>
+              </a:p>
+              <a:p>
+                <a:r>
+                  <a:rPr lang="es-ES" sz="1200" dirty="0">
+                    <a:sym typeface="Symbol" panose="05050102010706020507" pitchFamily="18" charset="2"/>
+                  </a:rPr>
+                  <a:t> </a:t>
+                </a:r>
+                <a:r>
+                  <a:rPr lang="es-ES" sz="1200" dirty="0" err="1">
+                    <a:sym typeface="Symbol" panose="05050102010706020507" pitchFamily="18" charset="2"/>
+                  </a:rPr>
+                  <a:t>Dot</a:t>
+                </a:r>
+                <a:endParaRPr lang="es-ES" sz="1200" dirty="0">
+                  <a:sym typeface="Symbol" panose="05050102010706020507" pitchFamily="18" charset="2"/>
+                </a:endParaRPr>
+              </a:p>
+              <a:p>
+                <a:r>
+                  <a:rPr lang="es-ES" sz="1200" dirty="0">
+                    <a:sym typeface="Symbol" panose="05050102010706020507" pitchFamily="18" charset="2"/>
+                  </a:rPr>
+                  <a:t> </a:t>
+                </a:r>
+                <a:r>
+                  <a:rPr lang="es-ES" sz="1200" dirty="0" err="1">
+                    <a:sym typeface="Symbol" panose="05050102010706020507" pitchFamily="18" charset="2"/>
+                  </a:rPr>
+                  <a:t>FormattedValue</a:t>
+                </a:r>
+                <a:endParaRPr lang="es-ES" sz="1200" dirty="0">
+                  <a:sym typeface="Symbol" panose="05050102010706020507" pitchFamily="18" charset="2"/>
+                </a:endParaRPr>
+              </a:p>
+              <a:p>
+                <a:r>
+                  <a:rPr lang="es-ES" sz="1200" dirty="0">
+                    <a:sym typeface="Symbol" panose="05050102010706020507" pitchFamily="18" charset="2"/>
+                  </a:rPr>
+                  <a:t> </a:t>
+                </a:r>
+                <a:r>
+                  <a:rPr lang="es-ES" sz="1200" dirty="0" err="1">
+                    <a:sym typeface="Symbol" panose="05050102010706020507" pitchFamily="18" charset="2"/>
+                  </a:rPr>
+                  <a:t>FString</a:t>
+                </a:r>
+                <a:endParaRPr lang="es-ES" sz="1200" dirty="0">
+                  <a:sym typeface="Symbol" panose="05050102010706020507" pitchFamily="18" charset="2"/>
+                </a:endParaRPr>
+              </a:p>
+              <a:p>
+                <a:r>
+                  <a:rPr lang="es-ES" sz="1200" dirty="0">
+                    <a:sym typeface="Symbol" panose="05050102010706020507" pitchFamily="18" charset="2"/>
+                  </a:rPr>
+                  <a:t> </a:t>
+                </a:r>
+                <a:r>
+                  <a:rPr lang="es-ES" sz="1200" dirty="0" err="1">
+                    <a:sym typeface="Symbol" panose="05050102010706020507" pitchFamily="18" charset="2"/>
+                  </a:rPr>
+                  <a:t>Indexing</a:t>
+                </a:r>
+                <a:endParaRPr lang="es-ES" sz="1200" dirty="0">
+                  <a:sym typeface="Symbol" panose="05050102010706020507" pitchFamily="18" charset="2"/>
+                </a:endParaRPr>
+              </a:p>
+              <a:p>
+                <a:r>
+                  <a:rPr lang="es-ES" sz="1200" dirty="0">
+                    <a:sym typeface="Symbol" panose="05050102010706020507" pitchFamily="18" charset="2"/>
+                  </a:rPr>
+                  <a:t> Lambda</a:t>
+                </a:r>
+              </a:p>
+              <a:p>
+                <a:r>
+                  <a:rPr lang="es-ES" sz="1200" dirty="0">
+                    <a:sym typeface="Symbol" panose="05050102010706020507" pitchFamily="18" charset="2"/>
+                  </a:rPr>
+                  <a:t> Literal</a:t>
+                </a:r>
+              </a:p>
+              <a:p>
+                <a:endParaRPr lang="es-ES" sz="800" dirty="0">
+                  <a:sym typeface="Symbol" panose="05050102010706020507" pitchFamily="18" charset="2"/>
+                </a:endParaRPr>
+              </a:p>
+              <a:p>
+                <a:r>
+                  <a:rPr lang="en-US" sz="1200" dirty="0">
+                    <a:sym typeface="Symbol" panose="05050102010706020507" pitchFamily="18" charset="2"/>
+                  </a:rPr>
+                  <a:t>     </a:t>
+                </a:r>
+                <a:r>
+                  <a:rPr lang="en-US" sz="1200" dirty="0" err="1">
+                    <a:sym typeface="Symbol" panose="05050102010706020507" pitchFamily="18" charset="2"/>
+                  </a:rPr>
+                  <a:t>BoolLiteral</a:t>
+                </a:r>
+                <a:endParaRPr lang="en-US" sz="1200" dirty="0">
+                  <a:sym typeface="Symbol" panose="05050102010706020507" pitchFamily="18" charset="2"/>
+                </a:endParaRPr>
+              </a:p>
+              <a:p>
+                <a:r>
+                  <a:rPr lang="en-US" sz="1200" dirty="0">
+                    <a:sym typeface="Symbol" panose="05050102010706020507" pitchFamily="18" charset="2"/>
+                  </a:rPr>
+                  <a:t>     </a:t>
+                </a:r>
+                <a:r>
+                  <a:rPr lang="en-US" sz="1200" dirty="0" err="1">
+                    <a:sym typeface="Symbol" panose="05050102010706020507" pitchFamily="18" charset="2"/>
+                  </a:rPr>
+                  <a:t>ComplexLiteral</a:t>
+                </a:r>
+                <a:endParaRPr lang="en-US" sz="1200" dirty="0">
+                  <a:sym typeface="Symbol" panose="05050102010706020507" pitchFamily="18" charset="2"/>
+                </a:endParaRPr>
+              </a:p>
+              <a:p>
+                <a:r>
+                  <a:rPr lang="en-US" sz="1200" dirty="0">
+                    <a:sym typeface="Symbol" panose="05050102010706020507" pitchFamily="18" charset="2"/>
+                  </a:rPr>
+                  <a:t>     </a:t>
+                </a:r>
+                <a:r>
+                  <a:rPr lang="en-US" sz="1200" dirty="0" err="1">
+                    <a:sym typeface="Symbol" panose="05050102010706020507" pitchFamily="18" charset="2"/>
+                  </a:rPr>
+                  <a:t>DictionaryLiteral</a:t>
+                </a:r>
+                <a:endParaRPr lang="en-US" sz="1200" dirty="0">
+                  <a:sym typeface="Symbol" panose="05050102010706020507" pitchFamily="18" charset="2"/>
+                </a:endParaRPr>
+              </a:p>
+              <a:p>
+                <a:r>
+                  <a:rPr lang="en-US" sz="1200" dirty="0">
+                    <a:sym typeface="Symbol" panose="05050102010706020507" pitchFamily="18" charset="2"/>
+                  </a:rPr>
+                  <a:t>     </a:t>
+                </a:r>
+                <a:r>
+                  <a:rPr lang="en-US" sz="1200" dirty="0" err="1">
+                    <a:sym typeface="Symbol" panose="05050102010706020507" pitchFamily="18" charset="2"/>
+                  </a:rPr>
+                  <a:t>EllipsisLiteral</a:t>
+                </a:r>
+                <a:endParaRPr lang="en-US" sz="1200" dirty="0">
+                  <a:sym typeface="Symbol" panose="05050102010706020507" pitchFamily="18" charset="2"/>
+                </a:endParaRPr>
+              </a:p>
+              <a:p>
+                <a:r>
+                  <a:rPr lang="en-US" sz="1200" dirty="0">
+                    <a:sym typeface="Symbol" panose="05050102010706020507" pitchFamily="18" charset="2"/>
+                  </a:rPr>
+                  <a:t>     </a:t>
+                </a:r>
+                <a:r>
+                  <a:rPr lang="en-US" sz="1200" dirty="0" err="1">
+                    <a:sym typeface="Symbol" panose="05050102010706020507" pitchFamily="18" charset="2"/>
+                  </a:rPr>
+                  <a:t>FloatLiteral</a:t>
+                </a:r>
+                <a:endParaRPr lang="en-US" sz="1200" dirty="0">
+                  <a:sym typeface="Symbol" panose="05050102010706020507" pitchFamily="18" charset="2"/>
+                </a:endParaRPr>
+              </a:p>
+              <a:p>
+                <a:r>
+                  <a:rPr lang="en-US" sz="1200" dirty="0">
+                    <a:sym typeface="Symbol" panose="05050102010706020507" pitchFamily="18" charset="2"/>
+                  </a:rPr>
+                  <a:t>     </a:t>
+                </a:r>
+                <a:r>
+                  <a:rPr lang="en-US" sz="1200" dirty="0" err="1">
+                    <a:sym typeface="Symbol" panose="05050102010706020507" pitchFamily="18" charset="2"/>
+                  </a:rPr>
+                  <a:t>IntLiteral</a:t>
+                </a:r>
+                <a:endParaRPr lang="en-US" sz="1200" dirty="0">
+                  <a:sym typeface="Symbol" panose="05050102010706020507" pitchFamily="18" charset="2"/>
+                </a:endParaRPr>
+              </a:p>
+              <a:p>
+                <a:r>
+                  <a:rPr lang="en-US" sz="1200" dirty="0">
+                    <a:sym typeface="Symbol" panose="05050102010706020507" pitchFamily="18" charset="2"/>
+                  </a:rPr>
+                  <a:t>     </a:t>
+                </a:r>
+                <a:r>
+                  <a:rPr lang="en-US" sz="1200" dirty="0" err="1">
+                    <a:sym typeface="Symbol" panose="05050102010706020507" pitchFamily="18" charset="2"/>
+                  </a:rPr>
+                  <a:t>ListLiteral</a:t>
+                </a:r>
+                <a:endParaRPr lang="en-US" sz="1200" dirty="0">
+                  <a:sym typeface="Symbol" panose="05050102010706020507" pitchFamily="18" charset="2"/>
+                </a:endParaRPr>
+              </a:p>
+              <a:p>
+                <a:r>
+                  <a:rPr lang="en-US" sz="1200" dirty="0">
+                    <a:sym typeface="Symbol" panose="05050102010706020507" pitchFamily="18" charset="2"/>
+                  </a:rPr>
+                  <a:t>     </a:t>
+                </a:r>
+                <a:r>
+                  <a:rPr lang="en-US" sz="1200" dirty="0" err="1">
+                    <a:sym typeface="Symbol" panose="05050102010706020507" pitchFamily="18" charset="2"/>
+                  </a:rPr>
+                  <a:t>NoneLiteral</a:t>
+                </a:r>
+                <a:endParaRPr lang="en-US" sz="1200" dirty="0">
+                  <a:sym typeface="Symbol" panose="05050102010706020507" pitchFamily="18" charset="2"/>
+                </a:endParaRPr>
+              </a:p>
+              <a:p>
+                <a:r>
+                  <a:rPr lang="en-US" sz="1200" dirty="0">
+                    <a:sym typeface="Symbol" panose="05050102010706020507" pitchFamily="18" charset="2"/>
+                  </a:rPr>
+                  <a:t>     </a:t>
+                </a:r>
+                <a:r>
+                  <a:rPr lang="en-US" sz="1200" dirty="0" err="1">
+                    <a:sym typeface="Symbol" panose="05050102010706020507" pitchFamily="18" charset="2"/>
+                  </a:rPr>
+                  <a:t>SetLiteral</a:t>
+                </a:r>
+                <a:endParaRPr lang="en-US" sz="1200" dirty="0">
+                  <a:sym typeface="Symbol" panose="05050102010706020507" pitchFamily="18" charset="2"/>
+                </a:endParaRPr>
+              </a:p>
+              <a:p>
+                <a:r>
+                  <a:rPr lang="en-US" sz="1200" dirty="0">
+                    <a:sym typeface="Symbol" panose="05050102010706020507" pitchFamily="18" charset="2"/>
+                  </a:rPr>
+                  <a:t>     </a:t>
+                </a:r>
+                <a:r>
+                  <a:rPr lang="en-US" sz="1200" dirty="0" err="1">
+                    <a:sym typeface="Symbol" panose="05050102010706020507" pitchFamily="18" charset="2"/>
+                  </a:rPr>
+                  <a:t>StringLiteral</a:t>
+                </a:r>
+                <a:endParaRPr lang="en-US" sz="1200" dirty="0">
+                  <a:sym typeface="Symbol" panose="05050102010706020507" pitchFamily="18" charset="2"/>
+                </a:endParaRPr>
+              </a:p>
+              <a:p>
+                <a:r>
+                  <a:rPr lang="en-US" sz="1200" dirty="0">
+                    <a:sym typeface="Symbol" panose="05050102010706020507" pitchFamily="18" charset="2"/>
+                  </a:rPr>
+                  <a:t>     </a:t>
+                </a:r>
+                <a:r>
+                  <a:rPr lang="en-US" sz="1200" dirty="0" err="1">
+                    <a:sym typeface="Symbol" panose="05050102010706020507" pitchFamily="18" charset="2"/>
+                  </a:rPr>
+                  <a:t>TupleLiteral</a:t>
+                </a:r>
+                <a:endParaRPr lang="en-US" sz="1200" dirty="0">
+                  <a:sym typeface="Symbol" panose="05050102010706020507" pitchFamily="18" charset="2"/>
+                </a:endParaRPr>
+              </a:p>
+              <a:p>
+                <a:r>
+                  <a:rPr lang="en-US" sz="1200" dirty="0">
+                    <a:sym typeface="Symbol" panose="05050102010706020507" pitchFamily="18" charset="2"/>
+                  </a:rPr>
+                  <a:t>    </a:t>
+                </a:r>
+                <a:r>
+                  <a:rPr lang="es-ES" sz="1200" dirty="0">
+                    <a:sym typeface="Symbol" panose="05050102010706020507" pitchFamily="18" charset="2"/>
+                  </a:rPr>
+                  <a:t> </a:t>
+                </a:r>
+                <a:r>
+                  <a:rPr lang="es-ES" sz="1200" dirty="0" err="1">
+                    <a:sym typeface="Symbol" panose="05050102010706020507" pitchFamily="18" charset="2"/>
+                  </a:rPr>
+                  <a:t>NoneType</a:t>
+                </a:r>
+                <a:endParaRPr lang="es-ES" sz="1200" dirty="0">
+                  <a:sym typeface="Symbol" panose="05050102010706020507" pitchFamily="18" charset="2"/>
+                </a:endParaRPr>
+              </a:p>
+              <a:p>
+                <a:r>
+                  <a:rPr lang="es-ES" sz="1200" dirty="0">
+                    <a:sym typeface="Symbol" panose="05050102010706020507" pitchFamily="18" charset="2"/>
+                  </a:rPr>
+                  <a:t> </a:t>
+                </a:r>
+                <a:r>
+                  <a:rPr lang="es-ES" sz="1200" dirty="0" err="1">
+                    <a:sym typeface="Symbol" panose="05050102010706020507" pitchFamily="18" charset="2"/>
+                  </a:rPr>
+                  <a:t>Slice</a:t>
+                </a:r>
+                <a:endParaRPr lang="es-ES" sz="1200" dirty="0">
+                  <a:sym typeface="Symbol" panose="05050102010706020507" pitchFamily="18" charset="2"/>
+                </a:endParaRPr>
+              </a:p>
+              <a:p>
+                <a:r>
+                  <a:rPr lang="es-ES" sz="1200" dirty="0">
+                    <a:sym typeface="Symbol" panose="05050102010706020507" pitchFamily="18" charset="2"/>
+                  </a:rPr>
+                  <a:t> </a:t>
+                </a:r>
+                <a:r>
+                  <a:rPr lang="es-ES" sz="1200" dirty="0" err="1">
+                    <a:sym typeface="Symbol" panose="05050102010706020507" pitchFamily="18" charset="2"/>
+                  </a:rPr>
+                  <a:t>Star</a:t>
+                </a:r>
+                <a:endParaRPr lang="es-ES" sz="1200" dirty="0">
+                  <a:sym typeface="Symbol" panose="05050102010706020507" pitchFamily="18" charset="2"/>
+                </a:endParaRPr>
+              </a:p>
+              <a:p>
+                <a:r>
+                  <a:rPr lang="es-ES" sz="1200" dirty="0">
+                    <a:sym typeface="Symbol" panose="05050102010706020507" pitchFamily="18" charset="2"/>
+                  </a:rPr>
+                  <a:t> </a:t>
+                </a:r>
+                <a:r>
+                  <a:rPr lang="es-ES" sz="1200" dirty="0" err="1">
+                    <a:sym typeface="Symbol" panose="05050102010706020507" pitchFamily="18" charset="2"/>
+                  </a:rPr>
+                  <a:t>Ternary</a:t>
+                </a:r>
+                <a:endParaRPr lang="es-ES" sz="1200" dirty="0">
+                  <a:sym typeface="Symbol" panose="05050102010706020507" pitchFamily="18" charset="2"/>
+                </a:endParaRPr>
+              </a:p>
+              <a:p>
+                <a:r>
+                  <a:rPr lang="es-ES" sz="1200" dirty="0">
+                    <a:sym typeface="Symbol" panose="05050102010706020507" pitchFamily="18" charset="2"/>
+                  </a:rPr>
+                  <a:t> </a:t>
+                </a:r>
+                <a:r>
+                  <a:rPr lang="es-ES" sz="1200" dirty="0" err="1">
+                    <a:sym typeface="Symbol" panose="05050102010706020507" pitchFamily="18" charset="2"/>
+                  </a:rPr>
+                  <a:t>UnaryExpression</a:t>
+                </a:r>
+                <a:endParaRPr lang="es-ES" sz="1200" dirty="0">
+                  <a:sym typeface="Symbol" panose="05050102010706020507" pitchFamily="18" charset="2"/>
+                </a:endParaRPr>
+              </a:p>
+              <a:p>
+                <a:endParaRPr lang="es-ES" sz="800" dirty="0">
+                  <a:sym typeface="Symbol" panose="05050102010706020507" pitchFamily="18" charset="2"/>
+                </a:endParaRPr>
+              </a:p>
+              <a:p>
+                <a:r>
+                  <a:rPr lang="en-US" sz="1200" dirty="0">
+                    <a:sym typeface="Symbol" panose="05050102010706020507" pitchFamily="18" charset="2"/>
+                  </a:rPr>
+                  <a:t>     </a:t>
+                </a:r>
+                <a:r>
+                  <a:rPr lang="en-US" sz="1200" dirty="0" err="1">
+                    <a:sym typeface="Symbol" panose="05050102010706020507" pitchFamily="18" charset="2"/>
+                  </a:rPr>
+                  <a:t>UnaryArithmetic</a:t>
+                </a:r>
+                <a:endParaRPr lang="en-US" sz="1200" dirty="0">
+                  <a:sym typeface="Symbol" panose="05050102010706020507" pitchFamily="18" charset="2"/>
+                </a:endParaRPr>
+              </a:p>
+              <a:p>
+                <a:r>
+                  <a:rPr lang="en-US" sz="1200" dirty="0">
+                    <a:sym typeface="Symbol" panose="05050102010706020507" pitchFamily="18" charset="2"/>
+                  </a:rPr>
+                  <a:t>     </a:t>
+                </a:r>
+                <a:r>
+                  <a:rPr lang="en-US" sz="1200" dirty="0" err="1">
+                    <a:sym typeface="Symbol" panose="05050102010706020507" pitchFamily="18" charset="2"/>
+                  </a:rPr>
+                  <a:t>UnaryBWNot</a:t>
+                </a:r>
+                <a:endParaRPr lang="en-US" sz="1200" dirty="0">
+                  <a:sym typeface="Symbol" panose="05050102010706020507" pitchFamily="18" charset="2"/>
+                </a:endParaRPr>
+              </a:p>
+              <a:p>
+                <a:r>
+                  <a:rPr lang="en-US" sz="1200" dirty="0">
+                    <a:sym typeface="Symbol" panose="05050102010706020507" pitchFamily="18" charset="2"/>
+                  </a:rPr>
+                  <a:t>     </a:t>
+                </a:r>
+                <a:r>
+                  <a:rPr lang="en-US" sz="1200" dirty="0" err="1">
+                    <a:sym typeface="Symbol" panose="05050102010706020507" pitchFamily="18" charset="2"/>
+                  </a:rPr>
+                  <a:t>UnaryNot</a:t>
+                </a:r>
+                <a:endParaRPr lang="en-US" sz="1200" dirty="0">
+                  <a:sym typeface="Symbol" panose="05050102010706020507" pitchFamily="18" charset="2"/>
+                </a:endParaRPr>
+              </a:p>
+              <a:p>
+                <a:r>
+                  <a:rPr lang="es-ES" sz="1200" dirty="0">
+                    <a:sym typeface="Symbol" panose="05050102010706020507" pitchFamily="18" charset="2"/>
+                  </a:rPr>
+                  <a:t> Variable</a:t>
+                </a:r>
+              </a:p>
+              <a:p>
+                <a:r>
+                  <a:rPr lang="es-ES" sz="1200" dirty="0">
+                    <a:sym typeface="Symbol" panose="05050102010706020507" pitchFamily="18" charset="2"/>
+                  </a:rPr>
+                  <a:t> </a:t>
+                </a:r>
+                <a:r>
+                  <a:rPr lang="es-ES" sz="1200" dirty="0" err="1">
+                    <a:sym typeface="Symbol" panose="05050102010706020507" pitchFamily="18" charset="2"/>
+                  </a:rPr>
+                  <a:t>Yield</a:t>
+                </a:r>
+                <a:endParaRPr lang="es-ES" sz="1200" dirty="0">
+                  <a:sym typeface="Symbol" panose="05050102010706020507" pitchFamily="18" charset="2"/>
+                </a:endParaRPr>
+              </a:p>
+              <a:p>
+                <a:r>
+                  <a:rPr lang="es-ES" sz="1200" dirty="0">
+                    <a:sym typeface="Symbol" panose="05050102010706020507" pitchFamily="18" charset="2"/>
+                  </a:rPr>
+                  <a:t> </a:t>
+                </a:r>
+                <a:r>
+                  <a:rPr lang="es-ES" sz="1200" dirty="0" err="1">
+                    <a:sym typeface="Symbol" panose="05050102010706020507" pitchFamily="18" charset="2"/>
+                  </a:rPr>
+                  <a:t>YieldFrom</a:t>
+                </a:r>
+                <a:endParaRPr lang="es-ES" sz="1200" dirty="0">
+                  <a:sym typeface="Symbol" panose="05050102010706020507" pitchFamily="18" charset="2"/>
+                </a:endParaRPr>
+              </a:p>
+            </p:txBody>
+          </p:sp>
+          <p:cxnSp>
+            <p:nvCxnSpPr>
+              <p:cNvPr id="45" name="Conector recto 44">
+                <a:extLst>
+                  <a:ext uri="{FF2B5EF4-FFF2-40B4-BE49-F238E27FC236}">
+                    <a16:creationId xmlns:a16="http://schemas.microsoft.com/office/drawing/2014/main" id="{A3F87760-55A6-D22E-293F-F225C336BD5D}"/>
+                  </a:ext>
+                </a:extLst>
+              </p:cNvPr>
+              <p:cNvCxnSpPr>
+                <a:cxnSpLocks/>
+              </p:cNvCxnSpPr>
+              <p:nvPr/>
+            </p:nvCxnSpPr>
+            <p:spPr>
+              <a:xfrm flipV="1">
+                <a:off x="1076359" y="2271722"/>
+                <a:ext cx="0" cy="1280951"/>
+              </a:xfrm>
+              <a:prstGeom prst="line">
+                <a:avLst/>
+              </a:prstGeom>
+              <a:ln w="9525">
+                <a:headEnd type="none"/>
+                <a:tailEnd type="triangle"/>
+              </a:ln>
+            </p:spPr>
+            <p:style>
+              <a:lnRef idx="2">
+                <a:schemeClr val="dk1"/>
+              </a:lnRef>
+              <a:fillRef idx="0">
+                <a:schemeClr val="dk1"/>
+              </a:fillRef>
+              <a:effectRef idx="1">
+                <a:schemeClr val="dk1"/>
+              </a:effectRef>
+              <a:fontRef idx="minor">
+                <a:schemeClr val="tx1"/>
+              </a:fontRef>
+            </p:style>
+          </p:cxnSp>
+          <p:cxnSp>
+            <p:nvCxnSpPr>
+              <p:cNvPr id="46" name="Conector recto 45">
+                <a:extLst>
+                  <a:ext uri="{FF2B5EF4-FFF2-40B4-BE49-F238E27FC236}">
+                    <a16:creationId xmlns:a16="http://schemas.microsoft.com/office/drawing/2014/main" id="{B7A11648-79A1-1878-9577-085D9BA589B6}"/>
+                  </a:ext>
+                </a:extLst>
+              </p:cNvPr>
+              <p:cNvCxnSpPr>
+                <a:cxnSpLocks/>
+              </p:cNvCxnSpPr>
+              <p:nvPr/>
+            </p:nvCxnSpPr>
+            <p:spPr>
+              <a:xfrm flipV="1">
+                <a:off x="1076359" y="4025432"/>
+                <a:ext cx="0" cy="746441"/>
+              </a:xfrm>
+              <a:prstGeom prst="line">
+                <a:avLst/>
+              </a:prstGeom>
+              <a:ln w="9525">
+                <a:headEnd type="none"/>
+                <a:tailEnd type="triangle"/>
+              </a:ln>
+            </p:spPr>
+            <p:style>
+              <a:lnRef idx="2">
+                <a:schemeClr val="dk1"/>
+              </a:lnRef>
+              <a:fillRef idx="0">
+                <a:schemeClr val="dk1"/>
+              </a:fillRef>
+              <a:effectRef idx="1">
+                <a:schemeClr val="dk1"/>
+              </a:effectRef>
+              <a:fontRef idx="minor">
+                <a:schemeClr val="tx1"/>
+              </a:fontRef>
+            </p:style>
+          </p:cxnSp>
+          <p:cxnSp>
+            <p:nvCxnSpPr>
+              <p:cNvPr id="47" name="Conector recto 46">
+                <a:extLst>
+                  <a:ext uri="{FF2B5EF4-FFF2-40B4-BE49-F238E27FC236}">
+                    <a16:creationId xmlns:a16="http://schemas.microsoft.com/office/drawing/2014/main" id="{B83879A2-BEEB-276F-A39C-39A93B328864}"/>
+                  </a:ext>
+                </a:extLst>
+              </p:cNvPr>
+              <p:cNvCxnSpPr>
+                <a:cxnSpLocks/>
+              </p:cNvCxnSpPr>
+              <p:nvPr/>
+            </p:nvCxnSpPr>
+            <p:spPr>
+              <a:xfrm flipV="1">
+                <a:off x="1078521" y="5936782"/>
+                <a:ext cx="0" cy="2241630"/>
+              </a:xfrm>
+              <a:prstGeom prst="line">
+                <a:avLst/>
+              </a:prstGeom>
+              <a:ln w="9525">
+                <a:headEnd type="none"/>
+                <a:tailEnd type="triangle"/>
+              </a:ln>
+            </p:spPr>
+            <p:style>
+              <a:lnRef idx="2">
+                <a:schemeClr val="dk1"/>
+              </a:lnRef>
+              <a:fillRef idx="0">
+                <a:schemeClr val="dk1"/>
+              </a:fillRef>
+              <a:effectRef idx="1">
+                <a:schemeClr val="dk1"/>
+              </a:effectRef>
+              <a:fontRef idx="minor">
+                <a:schemeClr val="tx1"/>
+              </a:fontRef>
+            </p:style>
+          </p:cxnSp>
+          <p:cxnSp>
+            <p:nvCxnSpPr>
+              <p:cNvPr id="50" name="Conector recto 49">
+                <a:extLst>
+                  <a:ext uri="{FF2B5EF4-FFF2-40B4-BE49-F238E27FC236}">
+                    <a16:creationId xmlns:a16="http://schemas.microsoft.com/office/drawing/2014/main" id="{6C276E27-E4A6-C62B-1BC3-B8A30CBDED19}"/>
+                  </a:ext>
+                </a:extLst>
+              </p:cNvPr>
+              <p:cNvCxnSpPr>
+                <a:cxnSpLocks/>
+              </p:cNvCxnSpPr>
+              <p:nvPr/>
+            </p:nvCxnSpPr>
+            <p:spPr>
+              <a:xfrm flipV="1">
+                <a:off x="1076359" y="9010262"/>
+                <a:ext cx="0" cy="577850"/>
+              </a:xfrm>
+              <a:prstGeom prst="line">
+                <a:avLst/>
+              </a:prstGeom>
+              <a:ln w="9525">
+                <a:headEnd type="none"/>
+                <a:tailEnd type="triangle"/>
+              </a:ln>
+            </p:spPr>
+            <p:style>
+              <a:lnRef idx="2">
+                <a:schemeClr val="dk1"/>
+              </a:lnRef>
+              <a:fillRef idx="0">
+                <a:schemeClr val="dk1"/>
+              </a:fillRef>
+              <a:effectRef idx="1">
+                <a:schemeClr val="dk1"/>
+              </a:effectRef>
+              <a:fontRef idx="minor">
+                <a:schemeClr val="tx1"/>
+              </a:fontRef>
+            </p:style>
+          </p:cxnSp>
+        </p:grpSp>
+        <p:cxnSp>
+          <p:nvCxnSpPr>
+            <p:cNvPr id="51" name="Conector recto 50">
+              <a:extLst>
+                <a:ext uri="{FF2B5EF4-FFF2-40B4-BE49-F238E27FC236}">
+                  <a16:creationId xmlns:a16="http://schemas.microsoft.com/office/drawing/2014/main" id="{2DA7E312-A93A-D824-AAB2-5CCBE0A06361}"/>
+                </a:ext>
+              </a:extLst>
+            </p:cNvPr>
+            <p:cNvCxnSpPr>
+              <a:cxnSpLocks/>
+            </p:cNvCxnSpPr>
+            <p:nvPr/>
+          </p:nvCxnSpPr>
+          <p:spPr>
+            <a:xfrm flipV="1">
+              <a:off x="5748538" y="1448656"/>
+              <a:ext cx="0" cy="8608062"/>
+            </a:xfrm>
+            <a:prstGeom prst="line">
+              <a:avLst/>
+            </a:prstGeom>
+            <a:ln w="9525">
+              <a:headEnd type="none"/>
+              <a:tailEnd type="triangle"/>
+            </a:ln>
+          </p:spPr>
+          <p:style>
+            <a:lnRef idx="2">
+              <a:schemeClr val="dk1"/>
+            </a:lnRef>
+            <a:fillRef idx="0">
+              <a:schemeClr val="dk1"/>
+            </a:fillRef>
+            <a:effectRef idx="1">
+              <a:schemeClr val="dk1"/>
+            </a:effectRef>
+            <a:fontRef idx="minor">
+              <a:schemeClr val="tx1"/>
+            </a:fontRef>
+          </p:style>
+        </p:cxnSp>
+        <p:cxnSp>
+          <p:nvCxnSpPr>
+            <p:cNvPr id="52" name="Conector recto 51">
+              <a:extLst>
+                <a:ext uri="{FF2B5EF4-FFF2-40B4-BE49-F238E27FC236}">
+                  <a16:creationId xmlns:a16="http://schemas.microsoft.com/office/drawing/2014/main" id="{BA94AD55-F6EB-4DF7-97F1-93BA8531E2E2}"/>
+                </a:ext>
+              </a:extLst>
+            </p:cNvPr>
+            <p:cNvCxnSpPr>
+              <a:cxnSpLocks/>
+              <a:stCxn id="30" idx="1"/>
+              <a:endCxn id="17" idx="3"/>
+            </p:cNvCxnSpPr>
+            <p:nvPr/>
+          </p:nvCxnSpPr>
+          <p:spPr>
+            <a:xfrm flipH="1">
+              <a:off x="8758410" y="1371199"/>
+              <a:ext cx="588586" cy="0"/>
+            </a:xfrm>
+            <a:prstGeom prst="line">
+              <a:avLst/>
+            </a:prstGeom>
+            <a:ln w="9525">
+              <a:headEnd type="none"/>
+              <a:tailEnd type="triangle"/>
+            </a:ln>
+          </p:spPr>
+          <p:style>
+            <a:lnRef idx="2">
+              <a:schemeClr val="dk1"/>
+            </a:lnRef>
+            <a:fillRef idx="0">
+              <a:schemeClr val="dk1"/>
+            </a:fillRef>
+            <a:effectRef idx="1">
+              <a:schemeClr val="dk1"/>
+            </a:effectRef>
+            <a:fontRef idx="minor">
+              <a:schemeClr val="tx1"/>
+            </a:fontRef>
+          </p:style>
+        </p:cxnSp>
+      </p:grpSp>
+      <p:sp>
+        <p:nvSpPr>
+          <p:cNvPr id="54" name="Flecha: a la derecha 53">
+            <a:extLst>
+              <a:ext uri="{FF2B5EF4-FFF2-40B4-BE49-F238E27FC236}">
+                <a16:creationId xmlns:a16="http://schemas.microsoft.com/office/drawing/2014/main" id="{14E96E51-F4BF-F9F0-7742-09A2FC7166D8}"/>
+              </a:ext>
+            </a:extLst>
+          </p:cNvPr>
+          <p:cNvSpPr/>
+          <p:nvPr/>
+        </p:nvSpPr>
+        <p:spPr>
+          <a:xfrm>
+            <a:off x="5071340" y="3646287"/>
+            <a:ext cx="727386" cy="416365"/>
+          </a:xfrm>
+          <a:prstGeom prst="rightArrow">
+            <a:avLst/>
+          </a:prstGeom>
+        </p:spPr>
+        <p:style>
+          <a:lnRef idx="0">
+            <a:schemeClr val="accent1"/>
+          </a:lnRef>
+          <a:fillRef idx="3">
+            <a:schemeClr val="accent1"/>
+          </a:fillRef>
+          <a:effectRef idx="3">
+            <a:schemeClr val="accent1"/>
+          </a:effectRef>
+          <a:fontRef idx="minor">
+            <a:schemeClr val="lt1"/>
+          </a:fontRef>
+        </p:style>
+        <p:txBody>
+          <a:bodyPr rtlCol="0" anchor="ctr"/>
+          <a:lstStyle/>
+          <a:p>
+            <a:pPr algn="ctr"/>
+            <a:endParaRPr lang="es-ES"/>
+          </a:p>
+        </p:txBody>
+      </p:sp>
+    </p:spTree>
+    <p:extLst>
+      <p:ext uri="{BB962C8B-B14F-4D97-AF65-F5344CB8AC3E}">
+        <p14:creationId xmlns:p14="http://schemas.microsoft.com/office/powerpoint/2010/main" val="3357686959"/>
       </p:ext>
     </p:extLst>
   </p:cSld>

--- a/documentation/Sistema.pptx
+++ b/documentation/Sistema.pptx
@@ -262,7 +262,7 @@
           <a:p>
             <a:fld id="{4EF764C9-331E-4AFA-A688-A41E7ACE5E79}" type="datetimeFigureOut">
               <a:rPr lang="es-ES" smtClean="0"/>
-              <a:t>10/06/2024</a:t>
+              <a:t>14/06/2024</a:t>
             </a:fld>
             <a:endParaRPr lang="es-ES"/>
           </a:p>
@@ -460,7 +460,7 @@
           <a:p>
             <a:fld id="{4EF764C9-331E-4AFA-A688-A41E7ACE5E79}" type="datetimeFigureOut">
               <a:rPr lang="es-ES" smtClean="0"/>
-              <a:t>10/06/2024</a:t>
+              <a:t>14/06/2024</a:t>
             </a:fld>
             <a:endParaRPr lang="es-ES"/>
           </a:p>
@@ -668,7 +668,7 @@
           <a:p>
             <a:fld id="{4EF764C9-331E-4AFA-A688-A41E7ACE5E79}" type="datetimeFigureOut">
               <a:rPr lang="es-ES" smtClean="0"/>
-              <a:t>10/06/2024</a:t>
+              <a:t>14/06/2024</a:t>
             </a:fld>
             <a:endParaRPr lang="es-ES"/>
           </a:p>
@@ -866,7 +866,7 @@
           <a:p>
             <a:fld id="{4EF764C9-331E-4AFA-A688-A41E7ACE5E79}" type="datetimeFigureOut">
               <a:rPr lang="es-ES" smtClean="0"/>
-              <a:t>10/06/2024</a:t>
+              <a:t>14/06/2024</a:t>
             </a:fld>
             <a:endParaRPr lang="es-ES"/>
           </a:p>
@@ -1141,7 +1141,7 @@
           <a:p>
             <a:fld id="{4EF764C9-331E-4AFA-A688-A41E7ACE5E79}" type="datetimeFigureOut">
               <a:rPr lang="es-ES" smtClean="0"/>
-              <a:t>10/06/2024</a:t>
+              <a:t>14/06/2024</a:t>
             </a:fld>
             <a:endParaRPr lang="es-ES"/>
           </a:p>
@@ -1406,7 +1406,7 @@
           <a:p>
             <a:fld id="{4EF764C9-331E-4AFA-A688-A41E7ACE5E79}" type="datetimeFigureOut">
               <a:rPr lang="es-ES" smtClean="0"/>
-              <a:t>10/06/2024</a:t>
+              <a:t>14/06/2024</a:t>
             </a:fld>
             <a:endParaRPr lang="es-ES"/>
           </a:p>
@@ -1818,7 +1818,7 @@
           <a:p>
             <a:fld id="{4EF764C9-331E-4AFA-A688-A41E7ACE5E79}" type="datetimeFigureOut">
               <a:rPr lang="es-ES" smtClean="0"/>
-              <a:t>10/06/2024</a:t>
+              <a:t>14/06/2024</a:t>
             </a:fld>
             <a:endParaRPr lang="es-ES"/>
           </a:p>
@@ -1959,7 +1959,7 @@
           <a:p>
             <a:fld id="{4EF764C9-331E-4AFA-A688-A41E7ACE5E79}" type="datetimeFigureOut">
               <a:rPr lang="es-ES" smtClean="0"/>
-              <a:t>10/06/2024</a:t>
+              <a:t>14/06/2024</a:t>
             </a:fld>
             <a:endParaRPr lang="es-ES"/>
           </a:p>
@@ -2072,7 +2072,7 @@
           <a:p>
             <a:fld id="{4EF764C9-331E-4AFA-A688-A41E7ACE5E79}" type="datetimeFigureOut">
               <a:rPr lang="es-ES" smtClean="0"/>
-              <a:t>10/06/2024</a:t>
+              <a:t>14/06/2024</a:t>
             </a:fld>
             <a:endParaRPr lang="es-ES"/>
           </a:p>
@@ -2383,7 +2383,7 @@
           <a:p>
             <a:fld id="{4EF764C9-331E-4AFA-A688-A41E7ACE5E79}" type="datetimeFigureOut">
               <a:rPr lang="es-ES" smtClean="0"/>
-              <a:t>10/06/2024</a:t>
+              <a:t>14/06/2024</a:t>
             </a:fld>
             <a:endParaRPr lang="es-ES"/>
           </a:p>
@@ -2671,7 +2671,7 @@
           <a:p>
             <a:fld id="{4EF764C9-331E-4AFA-A688-A41E7ACE5E79}" type="datetimeFigureOut">
               <a:rPr lang="es-ES" smtClean="0"/>
-              <a:t>10/06/2024</a:t>
+              <a:t>14/06/2024</a:t>
             </a:fld>
             <a:endParaRPr lang="es-ES"/>
           </a:p>
@@ -2912,7 +2912,7 @@
           <a:p>
             <a:fld id="{4EF764C9-331E-4AFA-A688-A41E7ACE5E79}" type="datetimeFigureOut">
               <a:rPr lang="es-ES" smtClean="0"/>
-              <a:t>10/06/2024</a:t>
+              <a:t>14/06/2024</a:t>
             </a:fld>
             <a:endParaRPr lang="es-ES"/>
           </a:p>
@@ -17971,7 +17971,7 @@
                 <a:rPr lang="es-ES" sz="1200" dirty="0" err="1">
                   <a:sym typeface="Symbol" panose="05050102010706020507" pitchFamily="18" charset="2"/>
                 </a:rPr>
-                <a:t>BollOp</a:t>
+                <a:t>BoolOp</a:t>
               </a:r>
               <a:endParaRPr lang="es-ES" sz="1200" dirty="0">
                 <a:sym typeface="Symbol" panose="05050102010706020507" pitchFamily="18" charset="2"/>

--- a/documentation/Sistema.pptx
+++ b/documentation/Sistema.pptx
@@ -263,7 +263,7 @@
           <a:p>
             <a:fld id="{4EF764C9-331E-4AFA-A688-A41E7ACE5E79}" type="datetimeFigureOut">
               <a:rPr lang="es-ES" smtClean="0"/>
-              <a:t>26/06/2024</a:t>
+              <a:t>01/07/2024</a:t>
             </a:fld>
             <a:endParaRPr lang="es-ES"/>
           </a:p>
@@ -461,7 +461,7 @@
           <a:p>
             <a:fld id="{4EF764C9-331E-4AFA-A688-A41E7ACE5E79}" type="datetimeFigureOut">
               <a:rPr lang="es-ES" smtClean="0"/>
-              <a:t>26/06/2024</a:t>
+              <a:t>01/07/2024</a:t>
             </a:fld>
             <a:endParaRPr lang="es-ES"/>
           </a:p>
@@ -669,7 +669,7 @@
           <a:p>
             <a:fld id="{4EF764C9-331E-4AFA-A688-A41E7ACE5E79}" type="datetimeFigureOut">
               <a:rPr lang="es-ES" smtClean="0"/>
-              <a:t>26/06/2024</a:t>
+              <a:t>01/07/2024</a:t>
             </a:fld>
             <a:endParaRPr lang="es-ES"/>
           </a:p>
@@ -867,7 +867,7 @@
           <a:p>
             <a:fld id="{4EF764C9-331E-4AFA-A688-A41E7ACE5E79}" type="datetimeFigureOut">
               <a:rPr lang="es-ES" smtClean="0"/>
-              <a:t>26/06/2024</a:t>
+              <a:t>01/07/2024</a:t>
             </a:fld>
             <a:endParaRPr lang="es-ES"/>
           </a:p>
@@ -1142,7 +1142,7 @@
           <a:p>
             <a:fld id="{4EF764C9-331E-4AFA-A688-A41E7ACE5E79}" type="datetimeFigureOut">
               <a:rPr lang="es-ES" smtClean="0"/>
-              <a:t>26/06/2024</a:t>
+              <a:t>01/07/2024</a:t>
             </a:fld>
             <a:endParaRPr lang="es-ES"/>
           </a:p>
@@ -1407,7 +1407,7 @@
           <a:p>
             <a:fld id="{4EF764C9-331E-4AFA-A688-A41E7ACE5E79}" type="datetimeFigureOut">
               <a:rPr lang="es-ES" smtClean="0"/>
-              <a:t>26/06/2024</a:t>
+              <a:t>01/07/2024</a:t>
             </a:fld>
             <a:endParaRPr lang="es-ES"/>
           </a:p>
@@ -1819,7 +1819,7 @@
           <a:p>
             <a:fld id="{4EF764C9-331E-4AFA-A688-A41E7ACE5E79}" type="datetimeFigureOut">
               <a:rPr lang="es-ES" smtClean="0"/>
-              <a:t>26/06/2024</a:t>
+              <a:t>01/07/2024</a:t>
             </a:fld>
             <a:endParaRPr lang="es-ES"/>
           </a:p>
@@ -1960,7 +1960,7 @@
           <a:p>
             <a:fld id="{4EF764C9-331E-4AFA-A688-A41E7ACE5E79}" type="datetimeFigureOut">
               <a:rPr lang="es-ES" smtClean="0"/>
-              <a:t>26/06/2024</a:t>
+              <a:t>01/07/2024</a:t>
             </a:fld>
             <a:endParaRPr lang="es-ES"/>
           </a:p>
@@ -2073,7 +2073,7 @@
           <a:p>
             <a:fld id="{4EF764C9-331E-4AFA-A688-A41E7ACE5E79}" type="datetimeFigureOut">
               <a:rPr lang="es-ES" smtClean="0"/>
-              <a:t>26/06/2024</a:t>
+              <a:t>01/07/2024</a:t>
             </a:fld>
             <a:endParaRPr lang="es-ES"/>
           </a:p>
@@ -2384,7 +2384,7 @@
           <a:p>
             <a:fld id="{4EF764C9-331E-4AFA-A688-A41E7ACE5E79}" type="datetimeFigureOut">
               <a:rPr lang="es-ES" smtClean="0"/>
-              <a:t>26/06/2024</a:t>
+              <a:t>01/07/2024</a:t>
             </a:fld>
             <a:endParaRPr lang="es-ES"/>
           </a:p>
@@ -2672,7 +2672,7 @@
           <a:p>
             <a:fld id="{4EF764C9-331E-4AFA-A688-A41E7ACE5E79}" type="datetimeFigureOut">
               <a:rPr lang="es-ES" smtClean="0"/>
-              <a:t>26/06/2024</a:t>
+              <a:t>01/07/2024</a:t>
             </a:fld>
             <a:endParaRPr lang="es-ES"/>
           </a:p>
@@ -2913,7 +2913,7 @@
           <a:p>
             <a:fld id="{4EF764C9-331E-4AFA-A688-A41E7ACE5E79}" type="datetimeFigureOut">
               <a:rPr lang="es-ES" smtClean="0"/>
-              <a:t>26/06/2024</a:t>
+              <a:t>01/07/2024</a:t>
             </a:fld>
             <a:endParaRPr lang="es-ES"/>
           </a:p>
@@ -9052,1081 +9052,107 @@
           </p:txBody>
         </p:sp>
       </p:grpSp>
-      <p:grpSp>
-        <p:nvGrpSpPr>
-          <p:cNvPr id="1197" name="Grupo 1196">
+      <p:sp>
+        <p:nvSpPr>
+          <p:cNvPr id="1195" name="Rectángulo: esquinas redondeadas 1194">
             <a:extLst>
               <a:ext uri="{FF2B5EF4-FFF2-40B4-BE49-F238E27FC236}">
-                <a16:creationId xmlns:a16="http://schemas.microsoft.com/office/drawing/2014/main" id="{4510FC5C-BBE3-DB17-10C6-9459C2B96183}"/>
+                <a16:creationId xmlns:a16="http://schemas.microsoft.com/office/drawing/2014/main" id="{6CB42B3D-77C6-B420-E414-7067DA9FB5DA}"/>
               </a:ext>
             </a:extLst>
           </p:cNvPr>
-          <p:cNvGrpSpPr/>
+          <p:cNvSpPr/>
           <p:nvPr/>
-        </p:nvGrpSpPr>
-        <p:grpSpPr>
+        </p:nvSpPr>
+        <p:spPr>
           <a:xfrm>
-            <a:off x="1547932" y="4634366"/>
-            <a:ext cx="840495" cy="1121174"/>
-            <a:chOff x="1134058" y="5620643"/>
-            <a:chExt cx="840495" cy="1121174"/>
+            <a:off x="957617" y="4375262"/>
+            <a:ext cx="1439955" cy="1632346"/>
           </a:xfrm>
-        </p:grpSpPr>
-        <p:grpSp>
-          <p:nvGrpSpPr>
-            <p:cNvPr id="1194" name="Grupo 1193">
-              <a:extLst>
-                <a:ext uri="{FF2B5EF4-FFF2-40B4-BE49-F238E27FC236}">
-                  <a16:creationId xmlns:a16="http://schemas.microsoft.com/office/drawing/2014/main" id="{F286A00C-26D6-9B23-1D2B-2A1C77C6E1D9}"/>
-                </a:ext>
-              </a:extLst>
-            </p:cNvPr>
-            <p:cNvGrpSpPr/>
-            <p:nvPr/>
-          </p:nvGrpSpPr>
-          <p:grpSpPr>
-            <a:xfrm>
-              <a:off x="1290753" y="5855013"/>
-              <a:ext cx="535666" cy="776768"/>
-              <a:chOff x="1290753" y="5855013"/>
-              <a:chExt cx="535666" cy="776768"/>
-            </a:xfrm>
-          </p:grpSpPr>
-          <p:sp>
-            <p:nvSpPr>
-              <p:cNvPr id="1173" name="Rectángulo: esquinas redondeadas 1172">
-                <a:extLst>
-                  <a:ext uri="{FF2B5EF4-FFF2-40B4-BE49-F238E27FC236}">
-                    <a16:creationId xmlns:a16="http://schemas.microsoft.com/office/drawing/2014/main" id="{6D5C9320-F767-8A79-4C33-3C5C9BE3518F}"/>
-                  </a:ext>
-                </a:extLst>
-              </p:cNvPr>
-              <p:cNvSpPr/>
-              <p:nvPr/>
-            </p:nvSpPr>
-            <p:spPr>
-              <a:xfrm>
-                <a:off x="1585112" y="6223519"/>
-                <a:ext cx="203739" cy="28388"/>
-              </a:xfrm>
-              <a:prstGeom prst="roundRect">
-                <a:avLst/>
-              </a:prstGeom>
+          <a:prstGeom prst="roundRect">
+            <a:avLst/>
+          </a:prstGeom>
+          <a:noFill/>
+          <a:ln>
+            <a:solidFill>
+              <a:schemeClr val="accent1"/>
+            </a:solidFill>
+          </a:ln>
+        </p:spPr>
+        <p:style>
+          <a:lnRef idx="0">
+            <a:schemeClr val="accent1"/>
+          </a:lnRef>
+          <a:fillRef idx="3">
+            <a:schemeClr val="accent1"/>
+          </a:fillRef>
+          <a:effectRef idx="3">
+            <a:schemeClr val="accent1"/>
+          </a:effectRef>
+          <a:fontRef idx="minor">
+            <a:schemeClr val="lt1"/>
+          </a:fontRef>
+        </p:style>
+        <p:txBody>
+          <a:bodyPr rtlCol="0" anchor="ctr"/>
+          <a:lstStyle/>
+          <a:p>
+            <a:pPr algn="ctr"/>
+            <a:endParaRPr lang="es-ES" sz="1600" dirty="0">
               <a:solidFill>
-                <a:schemeClr val="tx1"/>
+                <a:schemeClr val="tx2"/>
               </a:solidFill>
-              <a:ln>
-                <a:noFill/>
-              </a:ln>
-            </p:spPr>
-            <p:style>
-              <a:lnRef idx="2">
-                <a:schemeClr val="accent1">
-                  <a:shade val="15000"/>
-                </a:schemeClr>
-              </a:lnRef>
-              <a:fillRef idx="1">
-                <a:schemeClr val="accent1"/>
-              </a:fillRef>
-              <a:effectRef idx="0">
-                <a:schemeClr val="accent1"/>
-              </a:effectRef>
-              <a:fontRef idx="minor">
-                <a:schemeClr val="lt1"/>
-              </a:fontRef>
-            </p:style>
-            <p:txBody>
-              <a:bodyPr rtlCol="0" anchor="ctr"/>
-              <a:lstStyle/>
-              <a:p>
-                <a:pPr algn="ctr"/>
-                <a:endParaRPr lang="es-ES"/>
-              </a:p>
-            </p:txBody>
-          </p:sp>
-          <p:sp>
-            <p:nvSpPr>
-              <p:cNvPr id="1174" name="Rectángulo: esquinas redondeadas 1173">
-                <a:extLst>
-                  <a:ext uri="{FF2B5EF4-FFF2-40B4-BE49-F238E27FC236}">
-                    <a16:creationId xmlns:a16="http://schemas.microsoft.com/office/drawing/2014/main" id="{7E7B06F4-6129-9FA8-7C4F-C350607F820B}"/>
-                  </a:ext>
-                </a:extLst>
-              </p:cNvPr>
-              <p:cNvSpPr/>
-              <p:nvPr/>
-            </p:nvSpPr>
-            <p:spPr>
-              <a:xfrm>
-                <a:off x="1585112" y="6261619"/>
-                <a:ext cx="203739" cy="28388"/>
-              </a:xfrm>
-              <a:prstGeom prst="roundRect">
-                <a:avLst/>
-              </a:prstGeom>
-              <a:solidFill>
-                <a:schemeClr val="tx1"/>
-              </a:solidFill>
-              <a:ln>
-                <a:noFill/>
-              </a:ln>
-            </p:spPr>
-            <p:style>
-              <a:lnRef idx="2">
-                <a:schemeClr val="accent1">
-                  <a:shade val="15000"/>
-                </a:schemeClr>
-              </a:lnRef>
-              <a:fillRef idx="1">
-                <a:schemeClr val="accent1"/>
-              </a:fillRef>
-              <a:effectRef idx="0">
-                <a:schemeClr val="accent1"/>
-              </a:effectRef>
-              <a:fontRef idx="minor">
-                <a:schemeClr val="lt1"/>
-              </a:fontRef>
-            </p:style>
-            <p:txBody>
-              <a:bodyPr rtlCol="0" anchor="ctr"/>
-              <a:lstStyle/>
-              <a:p>
-                <a:pPr algn="ctr"/>
-                <a:endParaRPr lang="es-ES"/>
-              </a:p>
-            </p:txBody>
-          </p:sp>
-          <p:sp>
-            <p:nvSpPr>
-              <p:cNvPr id="1175" name="Rectángulo: esquinas redondeadas 1174">
-                <a:extLst>
-                  <a:ext uri="{FF2B5EF4-FFF2-40B4-BE49-F238E27FC236}">
-                    <a16:creationId xmlns:a16="http://schemas.microsoft.com/office/drawing/2014/main" id="{7FE99D6E-1FF6-5390-197A-072FCF4EA074}"/>
-                  </a:ext>
-                </a:extLst>
-              </p:cNvPr>
-              <p:cNvSpPr/>
-              <p:nvPr/>
-            </p:nvSpPr>
-            <p:spPr>
-              <a:xfrm>
-                <a:off x="1585112" y="6299719"/>
-                <a:ext cx="203739" cy="28388"/>
-              </a:xfrm>
-              <a:prstGeom prst="roundRect">
-                <a:avLst/>
-              </a:prstGeom>
-              <a:solidFill>
-                <a:schemeClr val="tx1"/>
-              </a:solidFill>
-              <a:ln>
-                <a:noFill/>
-              </a:ln>
-            </p:spPr>
-            <p:style>
-              <a:lnRef idx="2">
-                <a:schemeClr val="accent1">
-                  <a:shade val="15000"/>
-                </a:schemeClr>
-              </a:lnRef>
-              <a:fillRef idx="1">
-                <a:schemeClr val="accent1"/>
-              </a:fillRef>
-              <a:effectRef idx="0">
-                <a:schemeClr val="accent1"/>
-              </a:effectRef>
-              <a:fontRef idx="minor">
-                <a:schemeClr val="lt1"/>
-              </a:fontRef>
-            </p:style>
-            <p:txBody>
-              <a:bodyPr rtlCol="0" anchor="ctr"/>
-              <a:lstStyle/>
-              <a:p>
-                <a:pPr algn="ctr"/>
-                <a:endParaRPr lang="es-ES"/>
-              </a:p>
-            </p:txBody>
-          </p:sp>
-          <p:sp>
-            <p:nvSpPr>
-              <p:cNvPr id="1176" name="Rectángulo: esquinas redondeadas 1175">
-                <a:extLst>
-                  <a:ext uri="{FF2B5EF4-FFF2-40B4-BE49-F238E27FC236}">
-                    <a16:creationId xmlns:a16="http://schemas.microsoft.com/office/drawing/2014/main" id="{DC804FAC-848B-3277-C683-4C06982367DE}"/>
-                  </a:ext>
-                </a:extLst>
-              </p:cNvPr>
-              <p:cNvSpPr/>
-              <p:nvPr/>
-            </p:nvSpPr>
-            <p:spPr>
-              <a:xfrm>
-                <a:off x="1329839" y="6452119"/>
-                <a:ext cx="246524" cy="28388"/>
-              </a:xfrm>
-              <a:prstGeom prst="roundRect">
-                <a:avLst/>
-              </a:prstGeom>
-              <a:solidFill>
-                <a:schemeClr val="tx1"/>
-              </a:solidFill>
-              <a:ln>
-                <a:noFill/>
-              </a:ln>
-            </p:spPr>
-            <p:style>
-              <a:lnRef idx="2">
-                <a:schemeClr val="accent1">
-                  <a:shade val="15000"/>
-                </a:schemeClr>
-              </a:lnRef>
-              <a:fillRef idx="1">
-                <a:schemeClr val="accent1"/>
-              </a:fillRef>
-              <a:effectRef idx="0">
-                <a:schemeClr val="accent1"/>
-              </a:effectRef>
-              <a:fontRef idx="minor">
-                <a:schemeClr val="lt1"/>
-              </a:fontRef>
-            </p:style>
-            <p:txBody>
-              <a:bodyPr rtlCol="0" anchor="ctr"/>
-              <a:lstStyle/>
-              <a:p>
-                <a:pPr algn="ctr"/>
-                <a:endParaRPr lang="es-ES"/>
-              </a:p>
-            </p:txBody>
-          </p:sp>
-          <p:sp>
-            <p:nvSpPr>
-              <p:cNvPr id="1177" name="Rectángulo: esquinas redondeadas 1176">
-                <a:extLst>
-                  <a:ext uri="{FF2B5EF4-FFF2-40B4-BE49-F238E27FC236}">
-                    <a16:creationId xmlns:a16="http://schemas.microsoft.com/office/drawing/2014/main" id="{870497B9-69CF-C3F4-0A98-CF0C661F3AAE}"/>
-                  </a:ext>
-                </a:extLst>
-              </p:cNvPr>
-              <p:cNvSpPr/>
-              <p:nvPr/>
-            </p:nvSpPr>
-            <p:spPr>
-              <a:xfrm>
-                <a:off x="1329839" y="6490219"/>
-                <a:ext cx="246524" cy="28388"/>
-              </a:xfrm>
-              <a:prstGeom prst="roundRect">
-                <a:avLst/>
-              </a:prstGeom>
-              <a:solidFill>
-                <a:schemeClr val="tx1"/>
-              </a:solidFill>
-              <a:ln>
-                <a:noFill/>
-              </a:ln>
-            </p:spPr>
-            <p:style>
-              <a:lnRef idx="2">
-                <a:schemeClr val="accent1">
-                  <a:shade val="15000"/>
-                </a:schemeClr>
-              </a:lnRef>
-              <a:fillRef idx="1">
-                <a:schemeClr val="accent1"/>
-              </a:fillRef>
-              <a:effectRef idx="0">
-                <a:schemeClr val="accent1"/>
-              </a:effectRef>
-              <a:fontRef idx="minor">
-                <a:schemeClr val="lt1"/>
-              </a:fontRef>
-            </p:style>
-            <p:txBody>
-              <a:bodyPr rtlCol="0" anchor="ctr"/>
-              <a:lstStyle/>
-              <a:p>
-                <a:pPr algn="ctr"/>
-                <a:endParaRPr lang="es-ES"/>
-              </a:p>
-            </p:txBody>
-          </p:sp>
-          <p:sp>
-            <p:nvSpPr>
-              <p:cNvPr id="1178" name="Rectángulo: esquinas redondeadas 1177">
-                <a:extLst>
-                  <a:ext uri="{FF2B5EF4-FFF2-40B4-BE49-F238E27FC236}">
-                    <a16:creationId xmlns:a16="http://schemas.microsoft.com/office/drawing/2014/main" id="{0D69C648-A0E9-0C20-FE73-EA69E6F1EF7D}"/>
-                  </a:ext>
-                </a:extLst>
-              </p:cNvPr>
-              <p:cNvSpPr/>
-              <p:nvPr/>
-            </p:nvSpPr>
-            <p:spPr>
-              <a:xfrm>
-                <a:off x="1329839" y="6528319"/>
-                <a:ext cx="246524" cy="28388"/>
-              </a:xfrm>
-              <a:prstGeom prst="roundRect">
-                <a:avLst/>
-              </a:prstGeom>
-              <a:solidFill>
-                <a:schemeClr val="tx1"/>
-              </a:solidFill>
-              <a:ln>
-                <a:noFill/>
-              </a:ln>
-            </p:spPr>
-            <p:style>
-              <a:lnRef idx="2">
-                <a:schemeClr val="accent1">
-                  <a:shade val="15000"/>
-                </a:schemeClr>
-              </a:lnRef>
-              <a:fillRef idx="1">
-                <a:schemeClr val="accent1"/>
-              </a:fillRef>
-              <a:effectRef idx="0">
-                <a:schemeClr val="accent1"/>
-              </a:effectRef>
-              <a:fontRef idx="minor">
-                <a:schemeClr val="lt1"/>
-              </a:fontRef>
-            </p:style>
-            <p:txBody>
-              <a:bodyPr rtlCol="0" anchor="ctr"/>
-              <a:lstStyle/>
-              <a:p>
-                <a:pPr algn="ctr"/>
-                <a:endParaRPr lang="es-ES"/>
-              </a:p>
-            </p:txBody>
-          </p:sp>
-          <p:sp>
-            <p:nvSpPr>
-              <p:cNvPr id="1179" name="Elipse 1178">
-                <a:extLst>
-                  <a:ext uri="{FF2B5EF4-FFF2-40B4-BE49-F238E27FC236}">
-                    <a16:creationId xmlns:a16="http://schemas.microsoft.com/office/drawing/2014/main" id="{95A33951-C534-10EE-314B-2C3FB9B601D9}"/>
-                  </a:ext>
-                </a:extLst>
-              </p:cNvPr>
-              <p:cNvSpPr/>
-              <p:nvPr/>
-            </p:nvSpPr>
-            <p:spPr>
-              <a:xfrm>
-                <a:off x="1373734" y="6197885"/>
-                <a:ext cx="164269" cy="164269"/>
-              </a:xfrm>
-              <a:prstGeom prst="ellipse">
-                <a:avLst/>
-              </a:prstGeom>
-              <a:solidFill>
-                <a:schemeClr val="accent2"/>
-              </a:solidFill>
-              <a:ln>
-                <a:noFill/>
-              </a:ln>
-            </p:spPr>
-            <p:style>
-              <a:lnRef idx="2">
-                <a:schemeClr val="accent1">
-                  <a:shade val="15000"/>
-                </a:schemeClr>
-              </a:lnRef>
-              <a:fillRef idx="1">
-                <a:schemeClr val="accent1"/>
-              </a:fillRef>
-              <a:effectRef idx="0">
-                <a:schemeClr val="accent1"/>
-              </a:effectRef>
-              <a:fontRef idx="minor">
-                <a:schemeClr val="lt1"/>
-              </a:fontRef>
-            </p:style>
-            <p:txBody>
-              <a:bodyPr rtlCol="0" anchor="ctr"/>
-              <a:lstStyle/>
-              <a:p>
-                <a:pPr algn="ctr"/>
-                <a:endParaRPr lang="es-ES"/>
-              </a:p>
-            </p:txBody>
-          </p:sp>
-          <p:sp>
-            <p:nvSpPr>
-              <p:cNvPr id="1180" name="Círculo parcial 1179">
-                <a:extLst>
-                  <a:ext uri="{FF2B5EF4-FFF2-40B4-BE49-F238E27FC236}">
-                    <a16:creationId xmlns:a16="http://schemas.microsoft.com/office/drawing/2014/main" id="{99AB11FE-8966-D318-E1E7-B7C5374694DC}"/>
-                  </a:ext>
-                </a:extLst>
-              </p:cNvPr>
-              <p:cNvSpPr/>
-              <p:nvPr/>
-            </p:nvSpPr>
-            <p:spPr>
-              <a:xfrm>
-                <a:off x="1329839" y="6178678"/>
-                <a:ext cx="228199" cy="228199"/>
-              </a:xfrm>
-              <a:prstGeom prst="pie">
-                <a:avLst/>
-              </a:prstGeom>
-              <a:solidFill>
-                <a:srgbClr val="FFC000"/>
-              </a:solidFill>
-              <a:ln>
-                <a:noFill/>
-              </a:ln>
-            </p:spPr>
-            <p:style>
-              <a:lnRef idx="2">
-                <a:schemeClr val="accent1">
-                  <a:shade val="15000"/>
-                </a:schemeClr>
-              </a:lnRef>
-              <a:fillRef idx="1">
-                <a:schemeClr val="accent1"/>
-              </a:fillRef>
-              <a:effectRef idx="0">
-                <a:schemeClr val="accent1"/>
-              </a:effectRef>
-              <a:fontRef idx="minor">
-                <a:schemeClr val="lt1"/>
-              </a:fontRef>
-            </p:style>
-            <p:txBody>
-              <a:bodyPr rtlCol="0" anchor="ctr"/>
-              <a:lstStyle/>
-              <a:p>
-                <a:pPr algn="ctr"/>
-                <a:endParaRPr lang="es-ES">
-                  <a:solidFill>
-                    <a:schemeClr val="tx1"/>
-                  </a:solidFill>
-                </a:endParaRPr>
-              </a:p>
-            </p:txBody>
-          </p:sp>
-          <p:sp>
-            <p:nvSpPr>
-              <p:cNvPr id="1181" name="Rectángulo: esquinas redondeadas 1180">
-                <a:extLst>
-                  <a:ext uri="{FF2B5EF4-FFF2-40B4-BE49-F238E27FC236}">
-                    <a16:creationId xmlns:a16="http://schemas.microsoft.com/office/drawing/2014/main" id="{E6387666-068E-0C18-1434-2299FB8ABFDC}"/>
-                  </a:ext>
-                </a:extLst>
-              </p:cNvPr>
-              <p:cNvSpPr/>
-              <p:nvPr/>
-            </p:nvSpPr>
-            <p:spPr>
-              <a:xfrm>
-                <a:off x="1585112" y="6337819"/>
-                <a:ext cx="203739" cy="28388"/>
-              </a:xfrm>
-              <a:prstGeom prst="roundRect">
-                <a:avLst/>
-              </a:prstGeom>
-              <a:solidFill>
-                <a:schemeClr val="tx1"/>
-              </a:solidFill>
-              <a:ln>
-                <a:noFill/>
-              </a:ln>
-            </p:spPr>
-            <p:style>
-              <a:lnRef idx="2">
-                <a:schemeClr val="accent1">
-                  <a:shade val="15000"/>
-                </a:schemeClr>
-              </a:lnRef>
-              <a:fillRef idx="1">
-                <a:schemeClr val="accent1"/>
-              </a:fillRef>
-              <a:effectRef idx="0">
-                <a:schemeClr val="accent1"/>
-              </a:effectRef>
-              <a:fontRef idx="minor">
-                <a:schemeClr val="lt1"/>
-              </a:fontRef>
-            </p:style>
-            <p:txBody>
-              <a:bodyPr rtlCol="0" anchor="ctr"/>
-              <a:lstStyle/>
-              <a:p>
-                <a:pPr algn="ctr"/>
-                <a:endParaRPr lang="es-ES"/>
-              </a:p>
-            </p:txBody>
-          </p:sp>
-          <p:sp>
-            <p:nvSpPr>
-              <p:cNvPr id="1183" name="Rectángulo: esquinas redondeadas 1182">
-                <a:extLst>
-                  <a:ext uri="{FF2B5EF4-FFF2-40B4-BE49-F238E27FC236}">
-                    <a16:creationId xmlns:a16="http://schemas.microsoft.com/office/drawing/2014/main" id="{0E818C7C-1308-2C1C-269A-6A176BE501E0}"/>
-                  </a:ext>
-                </a:extLst>
-              </p:cNvPr>
-              <p:cNvSpPr/>
-              <p:nvPr/>
-            </p:nvSpPr>
-            <p:spPr>
-              <a:xfrm>
-                <a:off x="1672092" y="6437414"/>
-                <a:ext cx="39515" cy="171546"/>
-              </a:xfrm>
-              <a:prstGeom prst="roundRect">
-                <a:avLst/>
-              </a:prstGeom>
-              <a:solidFill>
-                <a:srgbClr val="00B0F0"/>
-              </a:solidFill>
-              <a:ln>
-                <a:noFill/>
-              </a:ln>
-            </p:spPr>
-            <p:style>
-              <a:lnRef idx="2">
-                <a:schemeClr val="accent1">
-                  <a:shade val="15000"/>
-                </a:schemeClr>
-              </a:lnRef>
-              <a:fillRef idx="1">
-                <a:schemeClr val="accent1"/>
-              </a:fillRef>
-              <a:effectRef idx="0">
-                <a:schemeClr val="accent1"/>
-              </a:effectRef>
-              <a:fontRef idx="minor">
-                <a:schemeClr val="lt1"/>
-              </a:fontRef>
-            </p:style>
-            <p:txBody>
-              <a:bodyPr rtlCol="0" anchor="ctr"/>
-              <a:lstStyle/>
-              <a:p>
-                <a:pPr algn="ctr"/>
-                <a:endParaRPr lang="es-ES"/>
-              </a:p>
-            </p:txBody>
-          </p:sp>
-          <p:sp>
-            <p:nvSpPr>
-              <p:cNvPr id="1184" name="Rectángulo: esquinas redondeadas 1183">
-                <a:extLst>
-                  <a:ext uri="{FF2B5EF4-FFF2-40B4-BE49-F238E27FC236}">
-                    <a16:creationId xmlns:a16="http://schemas.microsoft.com/office/drawing/2014/main" id="{E5998CA0-3FED-C9A6-71DF-CACD0B929CB0}"/>
-                  </a:ext>
-                </a:extLst>
-              </p:cNvPr>
-              <p:cNvSpPr/>
-              <p:nvPr/>
-            </p:nvSpPr>
-            <p:spPr>
-              <a:xfrm>
-                <a:off x="1730352" y="6380632"/>
-                <a:ext cx="39515" cy="228328"/>
-              </a:xfrm>
-              <a:prstGeom prst="roundRect">
-                <a:avLst/>
-              </a:prstGeom>
-              <a:solidFill>
-                <a:schemeClr val="accent6">
-                  <a:lumMod val="75000"/>
-                </a:schemeClr>
-              </a:solidFill>
-              <a:ln>
-                <a:noFill/>
-              </a:ln>
-            </p:spPr>
-            <p:style>
-              <a:lnRef idx="2">
-                <a:schemeClr val="accent1">
-                  <a:shade val="15000"/>
-                </a:schemeClr>
-              </a:lnRef>
-              <a:fillRef idx="1">
-                <a:schemeClr val="accent1"/>
-              </a:fillRef>
-              <a:effectRef idx="0">
-                <a:schemeClr val="accent1"/>
-              </a:effectRef>
-              <a:fontRef idx="minor">
-                <a:schemeClr val="lt1"/>
-              </a:fontRef>
-            </p:style>
-            <p:txBody>
-              <a:bodyPr rtlCol="0" anchor="ctr"/>
-              <a:lstStyle/>
-              <a:p>
-                <a:pPr algn="ctr"/>
-                <a:endParaRPr lang="es-ES"/>
-              </a:p>
-            </p:txBody>
-          </p:sp>
-          <p:sp>
-            <p:nvSpPr>
-              <p:cNvPr id="1186" name="Rectángulo: esquinas redondeadas 1185">
-                <a:extLst>
-                  <a:ext uri="{FF2B5EF4-FFF2-40B4-BE49-F238E27FC236}">
-                    <a16:creationId xmlns:a16="http://schemas.microsoft.com/office/drawing/2014/main" id="{2A193B1E-F564-4165-BCB9-A711891EADFF}"/>
-                  </a:ext>
-                </a:extLst>
-              </p:cNvPr>
-              <p:cNvSpPr/>
-              <p:nvPr/>
-            </p:nvSpPr>
-            <p:spPr>
-              <a:xfrm>
-                <a:off x="1610626" y="6491792"/>
-                <a:ext cx="39515" cy="117168"/>
-              </a:xfrm>
-              <a:prstGeom prst="roundRect">
-                <a:avLst/>
-              </a:prstGeom>
-              <a:solidFill>
-                <a:srgbClr val="C00000"/>
-              </a:solidFill>
-              <a:ln>
-                <a:noFill/>
-              </a:ln>
-            </p:spPr>
-            <p:style>
-              <a:lnRef idx="2">
-                <a:schemeClr val="accent1">
-                  <a:shade val="15000"/>
-                </a:schemeClr>
-              </a:lnRef>
-              <a:fillRef idx="1">
-                <a:schemeClr val="accent1"/>
-              </a:fillRef>
-              <a:effectRef idx="0">
-                <a:schemeClr val="accent1"/>
-              </a:effectRef>
-              <a:fontRef idx="minor">
-                <a:schemeClr val="lt1"/>
-              </a:fontRef>
-            </p:style>
-            <p:txBody>
-              <a:bodyPr rtlCol="0" anchor="ctr"/>
-              <a:lstStyle/>
-              <a:p>
-                <a:pPr algn="ctr"/>
-                <a:endParaRPr lang="es-ES"/>
-              </a:p>
-            </p:txBody>
-          </p:sp>
-          <p:sp>
-            <p:nvSpPr>
-              <p:cNvPr id="1187" name="Rectángulo: esquinas redondeadas 1186">
-                <a:extLst>
-                  <a:ext uri="{FF2B5EF4-FFF2-40B4-BE49-F238E27FC236}">
-                    <a16:creationId xmlns:a16="http://schemas.microsoft.com/office/drawing/2014/main" id="{3DA19A3D-A68E-9E2E-41DD-2BB8ED34D344}"/>
-                  </a:ext>
-                </a:extLst>
-              </p:cNvPr>
-              <p:cNvSpPr/>
-              <p:nvPr/>
-            </p:nvSpPr>
-            <p:spPr>
-              <a:xfrm>
-                <a:off x="1329839" y="6566419"/>
-                <a:ext cx="246524" cy="28388"/>
-              </a:xfrm>
-              <a:prstGeom prst="roundRect">
-                <a:avLst/>
-              </a:prstGeom>
-              <a:solidFill>
-                <a:schemeClr val="tx1"/>
-              </a:solidFill>
-              <a:ln>
-                <a:noFill/>
-              </a:ln>
-            </p:spPr>
-            <p:style>
-              <a:lnRef idx="2">
-                <a:schemeClr val="accent1">
-                  <a:shade val="15000"/>
-                </a:schemeClr>
-              </a:lnRef>
-              <a:fillRef idx="1">
-                <a:schemeClr val="accent1"/>
-              </a:fillRef>
-              <a:effectRef idx="0">
-                <a:schemeClr val="accent1"/>
-              </a:effectRef>
-              <a:fontRef idx="minor">
-                <a:schemeClr val="lt1"/>
-              </a:fontRef>
-            </p:style>
-            <p:txBody>
-              <a:bodyPr rtlCol="0" anchor="ctr"/>
-              <a:lstStyle/>
-              <a:p>
-                <a:pPr algn="ctr"/>
-                <a:endParaRPr lang="es-ES"/>
-              </a:p>
-            </p:txBody>
-          </p:sp>
-          <p:sp>
-            <p:nvSpPr>
-              <p:cNvPr id="1189" name="Rectángulo: esquinas redondeadas 1188">
-                <a:extLst>
-                  <a:ext uri="{FF2B5EF4-FFF2-40B4-BE49-F238E27FC236}">
-                    <a16:creationId xmlns:a16="http://schemas.microsoft.com/office/drawing/2014/main" id="{64CDBB1E-B2B3-EF88-2022-C3716A5AFC95}"/>
-                  </a:ext>
-                </a:extLst>
-              </p:cNvPr>
-              <p:cNvSpPr/>
-              <p:nvPr/>
-            </p:nvSpPr>
-            <p:spPr>
-              <a:xfrm>
-                <a:off x="1329838" y="6123435"/>
-                <a:ext cx="455145" cy="29038"/>
-              </a:xfrm>
-              <a:prstGeom prst="roundRect">
-                <a:avLst/>
-              </a:prstGeom>
-              <a:solidFill>
-                <a:schemeClr val="tx1"/>
-              </a:solidFill>
-              <a:ln>
-                <a:noFill/>
-              </a:ln>
-            </p:spPr>
-            <p:style>
-              <a:lnRef idx="2">
-                <a:schemeClr val="accent1">
-                  <a:shade val="15000"/>
-                </a:schemeClr>
-              </a:lnRef>
-              <a:fillRef idx="1">
-                <a:schemeClr val="accent1"/>
-              </a:fillRef>
-              <a:effectRef idx="0">
-                <a:schemeClr val="accent1"/>
-              </a:effectRef>
-              <a:fontRef idx="minor">
-                <a:schemeClr val="lt1"/>
-              </a:fontRef>
-            </p:style>
-            <p:txBody>
-              <a:bodyPr rtlCol="0" anchor="ctr"/>
-              <a:lstStyle/>
-              <a:p>
-                <a:pPr algn="ctr"/>
-                <a:endParaRPr lang="es-ES"/>
-              </a:p>
-            </p:txBody>
-          </p:sp>
-          <p:sp>
-            <p:nvSpPr>
-              <p:cNvPr id="1190" name="Rectángulo: esquinas redondeadas 1189">
-                <a:extLst>
-                  <a:ext uri="{FF2B5EF4-FFF2-40B4-BE49-F238E27FC236}">
-                    <a16:creationId xmlns:a16="http://schemas.microsoft.com/office/drawing/2014/main" id="{D36E56AD-6158-76DB-3BDC-045BBF81EDBF}"/>
-                  </a:ext>
-                </a:extLst>
-              </p:cNvPr>
-              <p:cNvSpPr/>
-              <p:nvPr/>
-            </p:nvSpPr>
-            <p:spPr>
-              <a:xfrm>
-                <a:off x="1329837" y="6079055"/>
-                <a:ext cx="455145" cy="29038"/>
-              </a:xfrm>
-              <a:prstGeom prst="roundRect">
-                <a:avLst/>
-              </a:prstGeom>
-              <a:solidFill>
-                <a:schemeClr val="tx1"/>
-              </a:solidFill>
-              <a:ln>
-                <a:noFill/>
-              </a:ln>
-            </p:spPr>
-            <p:style>
-              <a:lnRef idx="2">
-                <a:schemeClr val="accent1">
-                  <a:shade val="15000"/>
-                </a:schemeClr>
-              </a:lnRef>
-              <a:fillRef idx="1">
-                <a:schemeClr val="accent1"/>
-              </a:fillRef>
-              <a:effectRef idx="0">
-                <a:schemeClr val="accent1"/>
-              </a:effectRef>
-              <a:fontRef idx="minor">
-                <a:schemeClr val="lt1"/>
-              </a:fontRef>
-            </p:style>
-            <p:txBody>
-              <a:bodyPr rtlCol="0" anchor="ctr"/>
-              <a:lstStyle/>
-              <a:p>
-                <a:pPr algn="ctr"/>
-                <a:endParaRPr lang="es-ES"/>
-              </a:p>
-            </p:txBody>
-          </p:sp>
-          <p:sp>
-            <p:nvSpPr>
-              <p:cNvPr id="1191" name="Rectángulo: esquinas redondeadas 1190">
-                <a:extLst>
-                  <a:ext uri="{FF2B5EF4-FFF2-40B4-BE49-F238E27FC236}">
-                    <a16:creationId xmlns:a16="http://schemas.microsoft.com/office/drawing/2014/main" id="{27341B8F-8D86-09B0-1285-18530E803E41}"/>
-                  </a:ext>
-                </a:extLst>
-              </p:cNvPr>
-              <p:cNvSpPr/>
-              <p:nvPr/>
-            </p:nvSpPr>
-            <p:spPr>
-              <a:xfrm>
-                <a:off x="1329837" y="6034675"/>
-                <a:ext cx="455145" cy="29038"/>
-              </a:xfrm>
-              <a:prstGeom prst="roundRect">
-                <a:avLst/>
-              </a:prstGeom>
-              <a:solidFill>
-                <a:schemeClr val="tx1"/>
-              </a:solidFill>
-              <a:ln>
-                <a:noFill/>
-              </a:ln>
-            </p:spPr>
-            <p:style>
-              <a:lnRef idx="2">
-                <a:schemeClr val="accent1">
-                  <a:shade val="15000"/>
-                </a:schemeClr>
-              </a:lnRef>
-              <a:fillRef idx="1">
-                <a:schemeClr val="accent1"/>
-              </a:fillRef>
-              <a:effectRef idx="0">
-                <a:schemeClr val="accent1"/>
-              </a:effectRef>
-              <a:fontRef idx="minor">
-                <a:schemeClr val="lt1"/>
-              </a:fontRef>
-            </p:style>
-            <p:txBody>
-              <a:bodyPr rtlCol="0" anchor="ctr"/>
-              <a:lstStyle/>
-              <a:p>
-                <a:pPr algn="ctr"/>
-                <a:endParaRPr lang="es-ES"/>
-              </a:p>
-            </p:txBody>
-          </p:sp>
-          <p:sp>
-            <p:nvSpPr>
-              <p:cNvPr id="1192" name="Rectángulo 1191">
-                <a:extLst>
-                  <a:ext uri="{FF2B5EF4-FFF2-40B4-BE49-F238E27FC236}">
-                    <a16:creationId xmlns:a16="http://schemas.microsoft.com/office/drawing/2014/main" id="{18233BF7-D7B6-B3A8-191E-CF40F272B2C6}"/>
-                  </a:ext>
-                </a:extLst>
-              </p:cNvPr>
-              <p:cNvSpPr/>
-              <p:nvPr/>
-            </p:nvSpPr>
-            <p:spPr>
-              <a:xfrm>
-                <a:off x="1336502" y="5896678"/>
-                <a:ext cx="448480" cy="102394"/>
-              </a:xfrm>
-              <a:prstGeom prst="rect">
-                <a:avLst/>
-              </a:prstGeom>
-            </p:spPr>
-            <p:style>
-              <a:lnRef idx="2">
-                <a:schemeClr val="accent4">
-                  <a:shade val="15000"/>
-                </a:schemeClr>
-              </a:lnRef>
-              <a:fillRef idx="1">
-                <a:schemeClr val="accent4"/>
-              </a:fillRef>
-              <a:effectRef idx="0">
-                <a:schemeClr val="accent4"/>
-              </a:effectRef>
-              <a:fontRef idx="minor">
-                <a:schemeClr val="lt1"/>
-              </a:fontRef>
-            </p:style>
-            <p:txBody>
-              <a:bodyPr rtlCol="0" anchor="ctr"/>
-              <a:lstStyle/>
-              <a:p>
-                <a:pPr algn="ctr"/>
-                <a:endParaRPr lang="es-ES"/>
-              </a:p>
-            </p:txBody>
-          </p:sp>
-          <p:sp>
-            <p:nvSpPr>
-              <p:cNvPr id="1193" name="Rectángulo 1192">
-                <a:extLst>
-                  <a:ext uri="{FF2B5EF4-FFF2-40B4-BE49-F238E27FC236}">
-                    <a16:creationId xmlns:a16="http://schemas.microsoft.com/office/drawing/2014/main" id="{9DE3A7E7-8949-888A-E7CC-4620F059CBDD}"/>
-                  </a:ext>
-                </a:extLst>
-              </p:cNvPr>
-              <p:cNvSpPr/>
-              <p:nvPr/>
-            </p:nvSpPr>
-            <p:spPr>
-              <a:xfrm>
-                <a:off x="1290753" y="5855013"/>
-                <a:ext cx="535666" cy="776768"/>
-              </a:xfrm>
-              <a:prstGeom prst="rect">
-                <a:avLst/>
-              </a:prstGeom>
-              <a:noFill/>
-            </p:spPr>
-            <p:style>
-              <a:lnRef idx="2">
-                <a:schemeClr val="accent1">
-                  <a:shade val="15000"/>
-                </a:schemeClr>
-              </a:lnRef>
-              <a:fillRef idx="1">
-                <a:schemeClr val="accent1"/>
-              </a:fillRef>
-              <a:effectRef idx="0">
-                <a:schemeClr val="accent1"/>
-              </a:effectRef>
-              <a:fontRef idx="minor">
-                <a:schemeClr val="lt1"/>
-              </a:fontRef>
-            </p:style>
-            <p:txBody>
-              <a:bodyPr rtlCol="0" anchor="ctr"/>
-              <a:lstStyle/>
-              <a:p>
-                <a:pPr algn="ctr"/>
-                <a:endParaRPr lang="es-ES"/>
-              </a:p>
-            </p:txBody>
-          </p:sp>
-        </p:grpSp>
-        <p:sp>
-          <p:nvSpPr>
-            <p:cNvPr id="1195" name="Rectángulo: esquinas redondeadas 1194">
-              <a:extLst>
-                <a:ext uri="{FF2B5EF4-FFF2-40B4-BE49-F238E27FC236}">
-                  <a16:creationId xmlns:a16="http://schemas.microsoft.com/office/drawing/2014/main" id="{6CB42B3D-77C6-B420-E414-7067DA9FB5DA}"/>
-                </a:ext>
-              </a:extLst>
-            </p:cNvPr>
-            <p:cNvSpPr/>
-            <p:nvPr/>
-          </p:nvSpPr>
-          <p:spPr>
-            <a:xfrm>
-              <a:off x="1134058" y="5653953"/>
-              <a:ext cx="840495" cy="1087864"/>
-            </a:xfrm>
-            <a:prstGeom prst="roundRect">
-              <a:avLst/>
-            </a:prstGeom>
-            <a:noFill/>
-            <a:ln>
-              <a:solidFill>
-                <a:schemeClr val="accent1"/>
-              </a:solidFill>
-            </a:ln>
-          </p:spPr>
-          <p:style>
-            <a:lnRef idx="0">
-              <a:schemeClr val="accent1"/>
-            </a:lnRef>
-            <a:fillRef idx="3">
-              <a:schemeClr val="accent1"/>
-            </a:fillRef>
-            <a:effectRef idx="3">
-              <a:schemeClr val="accent1"/>
-            </a:effectRef>
-            <a:fontRef idx="minor">
-              <a:schemeClr val="lt1"/>
-            </a:fontRef>
-          </p:style>
-          <p:txBody>
-            <a:bodyPr rtlCol="0" anchor="ctr"/>
-            <a:lstStyle/>
-            <a:p>
-              <a:pPr algn="ctr"/>
-              <a:endParaRPr lang="es-ES" sz="1600" dirty="0">
+            </a:endParaRPr>
+          </a:p>
+        </p:txBody>
+      </p:sp>
+      <p:sp>
+        <p:nvSpPr>
+          <p:cNvPr id="1196" name="CuadroTexto 1195">
+            <a:extLst>
+              <a:ext uri="{FF2B5EF4-FFF2-40B4-BE49-F238E27FC236}">
+                <a16:creationId xmlns:a16="http://schemas.microsoft.com/office/drawing/2014/main" id="{2991E1E8-8006-B95A-CE75-CC8760398D8E}"/>
+              </a:ext>
+            </a:extLst>
+          </p:cNvPr>
+          <p:cNvSpPr txBox="1"/>
+          <p:nvPr/>
+        </p:nvSpPr>
+        <p:spPr>
+          <a:xfrm>
+            <a:off x="952662" y="4398092"/>
+            <a:ext cx="1444910" cy="338554"/>
+          </a:xfrm>
+          <a:prstGeom prst="rect">
+            <a:avLst/>
+          </a:prstGeom>
+          <a:noFill/>
+          <a:effectLst>
+            <a:outerShdw blurRad="50800" dist="38100" dir="2700000" algn="tl" rotWithShape="0">
+              <a:prstClr val="black">
+                <a:alpha val="40000"/>
+              </a:prstClr>
+            </a:outerShdw>
+          </a:effectLst>
+        </p:spPr>
+        <p:txBody>
+          <a:bodyPr wrap="square" rtlCol="0">
+            <a:spAutoFit/>
+          </a:bodyPr>
+          <a:lstStyle/>
+          <a:p>
+            <a:pPr algn="ctr"/>
+            <a:r>
+              <a:rPr lang="es-ES" sz="1600" dirty="0">
                 <a:solidFill>
                   <a:schemeClr val="tx2"/>
                 </a:solidFill>
-              </a:endParaRPr>
-            </a:p>
-          </p:txBody>
-        </p:sp>
-        <p:sp>
-          <p:nvSpPr>
-            <p:cNvPr id="1196" name="CuadroTexto 1195">
-              <a:extLst>
-                <a:ext uri="{FF2B5EF4-FFF2-40B4-BE49-F238E27FC236}">
-                  <a16:creationId xmlns:a16="http://schemas.microsoft.com/office/drawing/2014/main" id="{2991E1E8-8006-B95A-CE75-CC8760398D8E}"/>
-                </a:ext>
-              </a:extLst>
-            </p:cNvPr>
-            <p:cNvSpPr txBox="1"/>
-            <p:nvPr/>
-          </p:nvSpPr>
-          <p:spPr>
-            <a:xfrm>
-              <a:off x="1212234" y="5620643"/>
-              <a:ext cx="697016" cy="261610"/>
-            </a:xfrm>
-            <a:prstGeom prst="rect">
-              <a:avLst/>
-            </a:prstGeom>
-            <a:noFill/>
-            <a:effectLst>
-              <a:outerShdw blurRad="50800" dist="38100" dir="2700000" algn="tl" rotWithShape="0">
-                <a:prstClr val="black">
-                  <a:alpha val="40000"/>
-                </a:prstClr>
-              </a:outerShdw>
-            </a:effectLst>
-          </p:spPr>
-          <p:txBody>
-            <a:bodyPr wrap="square" rtlCol="0">
-              <a:spAutoFit/>
-            </a:bodyPr>
-            <a:lstStyle/>
-            <a:p>
-              <a:pPr algn="ctr"/>
-              <a:r>
-                <a:rPr lang="es-ES" sz="1100" dirty="0">
-                  <a:solidFill>
-                    <a:schemeClr val="tx2"/>
-                  </a:solidFill>
-                </a:rPr>
-                <a:t>Informe</a:t>
-              </a:r>
-              <a:endParaRPr lang="es-ES" sz="1200" dirty="0"/>
-            </a:p>
-          </p:txBody>
-        </p:sp>
-      </p:grpSp>
+              </a:rPr>
+              <a:t>Informes</a:t>
+            </a:r>
+          </a:p>
+        </p:txBody>
+      </p:sp>
       <p:sp>
         <p:nvSpPr>
           <p:cNvPr id="1203" name="CuadroTexto 1202">
@@ -10391,1871 +9417,1850 @@
           </a:p>
         </p:txBody>
       </p:sp>
-      <p:grpSp>
-        <p:nvGrpSpPr>
-          <p:cNvPr id="1139" name="Grupo 1138">
+      <p:sp>
+        <p:nvSpPr>
+          <p:cNvPr id="1033" name="Rectángulo: esquinas redondeadas 1032">
             <a:extLst>
               <a:ext uri="{FF2B5EF4-FFF2-40B4-BE49-F238E27FC236}">
-                <a16:creationId xmlns:a16="http://schemas.microsoft.com/office/drawing/2014/main" id="{2C39E044-04FA-D76C-E653-CB2F1C479337}"/>
+                <a16:creationId xmlns:a16="http://schemas.microsoft.com/office/drawing/2014/main" id="{2A497DF9-6C20-4F11-78F8-69E157DD9DA8}"/>
               </a:ext>
             </a:extLst>
           </p:cNvPr>
-          <p:cNvGrpSpPr/>
+          <p:cNvSpPr/>
           <p:nvPr/>
-        </p:nvGrpSpPr>
-        <p:grpSpPr>
+        </p:nvSpPr>
+        <p:spPr>
           <a:xfrm>
-            <a:off x="8425242" y="3908036"/>
-            <a:ext cx="3283565" cy="2593196"/>
-            <a:chOff x="7854059" y="3948557"/>
-            <a:chExt cx="3283565" cy="2593196"/>
+            <a:off x="8425243" y="3908036"/>
+            <a:ext cx="2855142" cy="2593196"/>
           </a:xfrm>
-        </p:grpSpPr>
-        <p:sp>
-          <p:nvSpPr>
-            <p:cNvPr id="1033" name="Rectángulo: esquinas redondeadas 1032">
-              <a:extLst>
-                <a:ext uri="{FF2B5EF4-FFF2-40B4-BE49-F238E27FC236}">
-                  <a16:creationId xmlns:a16="http://schemas.microsoft.com/office/drawing/2014/main" id="{2A497DF9-6C20-4F11-78F8-69E157DD9DA8}"/>
-                </a:ext>
-              </a:extLst>
-            </p:cNvPr>
-            <p:cNvSpPr/>
-            <p:nvPr/>
-          </p:nvSpPr>
-          <p:spPr>
-            <a:xfrm>
-              <a:off x="7854060" y="3948557"/>
-              <a:ext cx="2855142" cy="2593196"/>
-            </a:xfrm>
-            <a:prstGeom prst="roundRect">
-              <a:avLst/>
-            </a:prstGeom>
-            <a:noFill/>
-            <a:ln>
+          <a:prstGeom prst="roundRect">
+            <a:avLst/>
+          </a:prstGeom>
+          <a:noFill/>
+          <a:ln>
+            <a:solidFill>
+              <a:schemeClr val="accent1"/>
+            </a:solidFill>
+          </a:ln>
+        </p:spPr>
+        <p:style>
+          <a:lnRef idx="0">
+            <a:schemeClr val="accent1"/>
+          </a:lnRef>
+          <a:fillRef idx="3">
+            <a:schemeClr val="accent1"/>
+          </a:fillRef>
+          <a:effectRef idx="3">
+            <a:schemeClr val="accent1"/>
+          </a:effectRef>
+          <a:fontRef idx="minor">
+            <a:schemeClr val="lt1"/>
+          </a:fontRef>
+        </p:style>
+        <p:txBody>
+          <a:bodyPr rtlCol="0" anchor="ctr"/>
+          <a:lstStyle/>
+          <a:p>
+            <a:pPr algn="ctr"/>
+            <a:endParaRPr lang="es-ES" sz="1600" dirty="0">
               <a:solidFill>
-                <a:schemeClr val="accent1"/>
+                <a:schemeClr val="tx2"/>
               </a:solidFill>
-            </a:ln>
-          </p:spPr>
-          <p:style>
-            <a:lnRef idx="0">
-              <a:schemeClr val="accent1"/>
-            </a:lnRef>
-            <a:fillRef idx="3">
-              <a:schemeClr val="accent1"/>
-            </a:fillRef>
-            <a:effectRef idx="3">
-              <a:schemeClr val="accent1"/>
-            </a:effectRef>
-            <a:fontRef idx="minor">
-              <a:schemeClr val="lt1"/>
-            </a:fontRef>
-          </p:style>
-          <p:txBody>
-            <a:bodyPr rtlCol="0" anchor="ctr"/>
-            <a:lstStyle/>
-            <a:p>
-              <a:pPr algn="ctr"/>
-              <a:endParaRPr lang="es-ES" sz="1600" dirty="0">
+            </a:endParaRPr>
+          </a:p>
+        </p:txBody>
+      </p:sp>
+      <p:cxnSp>
+        <p:nvCxnSpPr>
+          <p:cNvPr id="1061" name="Conector recto 1060">
+            <a:extLst>
+              <a:ext uri="{FF2B5EF4-FFF2-40B4-BE49-F238E27FC236}">
+                <a16:creationId xmlns:a16="http://schemas.microsoft.com/office/drawing/2014/main" id="{AE541972-9D86-CF5E-25FD-4EFD1DA51102}"/>
+              </a:ext>
+            </a:extLst>
+          </p:cNvPr>
+          <p:cNvCxnSpPr>
+            <a:cxnSpLocks/>
+          </p:cNvCxnSpPr>
+          <p:nvPr/>
+        </p:nvCxnSpPr>
+        <p:spPr>
+          <a:xfrm flipH="1">
+            <a:off x="10009234" y="4433495"/>
+            <a:ext cx="150173" cy="0"/>
+          </a:xfrm>
+          <a:prstGeom prst="line">
+            <a:avLst/>
+          </a:prstGeom>
+          <a:noFill/>
+          <a:ln>
+            <a:solidFill>
+              <a:schemeClr val="accent2">
+                <a:lumMod val="50000"/>
+              </a:schemeClr>
+            </a:solidFill>
+          </a:ln>
+        </p:spPr>
+        <p:style>
+          <a:lnRef idx="2">
+            <a:schemeClr val="accent4">
+              <a:shade val="15000"/>
+            </a:schemeClr>
+          </a:lnRef>
+          <a:fillRef idx="1">
+            <a:schemeClr val="accent4"/>
+          </a:fillRef>
+          <a:effectRef idx="0">
+            <a:schemeClr val="accent4"/>
+          </a:effectRef>
+          <a:fontRef idx="minor">
+            <a:schemeClr val="lt1"/>
+          </a:fontRef>
+        </p:style>
+      </p:cxnSp>
+      <p:sp>
+        <p:nvSpPr>
+          <p:cNvPr id="1064" name="CuadroTexto 1063">
+            <a:extLst>
+              <a:ext uri="{FF2B5EF4-FFF2-40B4-BE49-F238E27FC236}">
+                <a16:creationId xmlns:a16="http://schemas.microsoft.com/office/drawing/2014/main" id="{8E24B186-E65F-D6BA-3C4D-05DD21723570}"/>
+              </a:ext>
+            </a:extLst>
+          </p:cNvPr>
+          <p:cNvSpPr txBox="1"/>
+          <p:nvPr/>
+        </p:nvSpPr>
+        <p:spPr>
+          <a:xfrm>
+            <a:off x="10159407" y="4318079"/>
+            <a:ext cx="1333500" cy="230832"/>
+          </a:xfrm>
+          <a:prstGeom prst="rect">
+            <a:avLst/>
+          </a:prstGeom>
+          <a:noFill/>
+        </p:spPr>
+        <p:txBody>
+          <a:bodyPr wrap="square" rtlCol="0">
+            <a:spAutoFit/>
+          </a:bodyPr>
+          <a:lstStyle/>
+          <a:p>
+            <a:r>
+              <a:rPr lang="es-ES" sz="900" dirty="0"/>
+              <a:t>Visita de Programa</a:t>
+            </a:r>
+          </a:p>
+        </p:txBody>
+      </p:sp>
+      <p:cxnSp>
+        <p:nvCxnSpPr>
+          <p:cNvPr id="1067" name="Conector recto 1066">
+            <a:extLst>
+              <a:ext uri="{FF2B5EF4-FFF2-40B4-BE49-F238E27FC236}">
+                <a16:creationId xmlns:a16="http://schemas.microsoft.com/office/drawing/2014/main" id="{36C68C56-1103-1415-4D78-47FB64A32323}"/>
+              </a:ext>
+            </a:extLst>
+          </p:cNvPr>
+          <p:cNvCxnSpPr>
+            <a:cxnSpLocks/>
+          </p:cNvCxnSpPr>
+          <p:nvPr/>
+        </p:nvCxnSpPr>
+        <p:spPr>
+          <a:xfrm flipH="1">
+            <a:off x="10009234" y="4593536"/>
+            <a:ext cx="150173" cy="0"/>
+          </a:xfrm>
+          <a:prstGeom prst="line">
+            <a:avLst/>
+          </a:prstGeom>
+          <a:noFill/>
+          <a:ln>
+            <a:solidFill>
+              <a:schemeClr val="accent6"/>
+            </a:solidFill>
+          </a:ln>
+        </p:spPr>
+        <p:style>
+          <a:lnRef idx="2">
+            <a:schemeClr val="accent4">
+              <a:shade val="15000"/>
+            </a:schemeClr>
+          </a:lnRef>
+          <a:fillRef idx="1">
+            <a:schemeClr val="accent4"/>
+          </a:fillRef>
+          <a:effectRef idx="0">
+            <a:schemeClr val="accent4"/>
+          </a:effectRef>
+          <a:fontRef idx="minor">
+            <a:schemeClr val="lt1"/>
+          </a:fontRef>
+        </p:style>
+      </p:cxnSp>
+      <p:sp>
+        <p:nvSpPr>
+          <p:cNvPr id="1071" name="CuadroTexto 1070">
+            <a:extLst>
+              <a:ext uri="{FF2B5EF4-FFF2-40B4-BE49-F238E27FC236}">
+                <a16:creationId xmlns:a16="http://schemas.microsoft.com/office/drawing/2014/main" id="{CE3E236B-E25F-3C7A-411F-6BD0AFE4B8E6}"/>
+              </a:ext>
+            </a:extLst>
+          </p:cNvPr>
+          <p:cNvSpPr txBox="1"/>
+          <p:nvPr/>
+        </p:nvSpPr>
+        <p:spPr>
+          <a:xfrm>
+            <a:off x="10159407" y="4478120"/>
+            <a:ext cx="1333500" cy="230832"/>
+          </a:xfrm>
+          <a:prstGeom prst="rect">
+            <a:avLst/>
+          </a:prstGeom>
+          <a:noFill/>
+        </p:spPr>
+        <p:txBody>
+          <a:bodyPr wrap="square" rtlCol="0">
+            <a:spAutoFit/>
+          </a:bodyPr>
+          <a:lstStyle/>
+          <a:p>
+            <a:r>
+              <a:rPr lang="es-ES" sz="900" dirty="0"/>
+              <a:t>Visita de Módulo</a:t>
+            </a:r>
+          </a:p>
+        </p:txBody>
+      </p:sp>
+      <p:cxnSp>
+        <p:nvCxnSpPr>
+          <p:cNvPr id="1086" name="Conector recto 1085">
+            <a:extLst>
+              <a:ext uri="{FF2B5EF4-FFF2-40B4-BE49-F238E27FC236}">
+                <a16:creationId xmlns:a16="http://schemas.microsoft.com/office/drawing/2014/main" id="{DD1A8A6E-D5AE-C586-D66E-93FD388133A1}"/>
+              </a:ext>
+            </a:extLst>
+          </p:cNvPr>
+          <p:cNvCxnSpPr>
+            <a:cxnSpLocks/>
+          </p:cNvCxnSpPr>
+          <p:nvPr/>
+        </p:nvCxnSpPr>
+        <p:spPr>
+          <a:xfrm flipH="1">
+            <a:off x="10009234" y="4753577"/>
+            <a:ext cx="150173" cy="0"/>
+          </a:xfrm>
+          <a:prstGeom prst="line">
+            <a:avLst/>
+          </a:prstGeom>
+          <a:noFill/>
+          <a:ln>
+            <a:solidFill>
+              <a:schemeClr val="accent2"/>
+            </a:solidFill>
+          </a:ln>
+        </p:spPr>
+        <p:style>
+          <a:lnRef idx="2">
+            <a:schemeClr val="accent4">
+              <a:shade val="15000"/>
+            </a:schemeClr>
+          </a:lnRef>
+          <a:fillRef idx="1">
+            <a:schemeClr val="accent4"/>
+          </a:fillRef>
+          <a:effectRef idx="0">
+            <a:schemeClr val="accent4"/>
+          </a:effectRef>
+          <a:fontRef idx="minor">
+            <a:schemeClr val="lt1"/>
+          </a:fontRef>
+        </p:style>
+      </p:cxnSp>
+      <p:sp>
+        <p:nvSpPr>
+          <p:cNvPr id="1087" name="CuadroTexto 1086">
+            <a:extLst>
+              <a:ext uri="{FF2B5EF4-FFF2-40B4-BE49-F238E27FC236}">
+                <a16:creationId xmlns:a16="http://schemas.microsoft.com/office/drawing/2014/main" id="{28305744-CCCC-30F9-794C-7BF6CEB8251C}"/>
+              </a:ext>
+            </a:extLst>
+          </p:cNvPr>
+          <p:cNvSpPr txBox="1"/>
+          <p:nvPr/>
+        </p:nvSpPr>
+        <p:spPr>
+          <a:xfrm>
+            <a:off x="10159407" y="4638161"/>
+            <a:ext cx="1200151" cy="230832"/>
+          </a:xfrm>
+          <a:prstGeom prst="rect">
+            <a:avLst/>
+          </a:prstGeom>
+          <a:noFill/>
+        </p:spPr>
+        <p:txBody>
+          <a:bodyPr wrap="square" rtlCol="0">
+            <a:spAutoFit/>
+          </a:bodyPr>
+          <a:lstStyle/>
+          <a:p>
+            <a:r>
+              <a:rPr lang="es-ES" sz="900" dirty="0"/>
+              <a:t>Visita de Clase</a:t>
+            </a:r>
+          </a:p>
+        </p:txBody>
+      </p:sp>
+      <p:cxnSp>
+        <p:nvCxnSpPr>
+          <p:cNvPr id="1088" name="Conector recto 1087">
+            <a:extLst>
+              <a:ext uri="{FF2B5EF4-FFF2-40B4-BE49-F238E27FC236}">
+                <a16:creationId xmlns:a16="http://schemas.microsoft.com/office/drawing/2014/main" id="{7ED274B3-FB79-6F3D-E87E-FBA003904306}"/>
+              </a:ext>
+            </a:extLst>
+          </p:cNvPr>
+          <p:cNvCxnSpPr>
+            <a:cxnSpLocks/>
+          </p:cNvCxnSpPr>
+          <p:nvPr/>
+        </p:nvCxnSpPr>
+        <p:spPr>
+          <a:xfrm flipH="1">
+            <a:off x="10009234" y="4913618"/>
+            <a:ext cx="150173" cy="0"/>
+          </a:xfrm>
+          <a:prstGeom prst="line">
+            <a:avLst/>
+          </a:prstGeom>
+          <a:noFill/>
+          <a:ln>
+            <a:solidFill>
+              <a:schemeClr val="accent1">
+                <a:lumMod val="60000"/>
+                <a:lumOff val="40000"/>
+              </a:schemeClr>
+            </a:solidFill>
+          </a:ln>
+        </p:spPr>
+        <p:style>
+          <a:lnRef idx="2">
+            <a:schemeClr val="accent4">
+              <a:shade val="15000"/>
+            </a:schemeClr>
+          </a:lnRef>
+          <a:fillRef idx="1">
+            <a:schemeClr val="accent4"/>
+          </a:fillRef>
+          <a:effectRef idx="0">
+            <a:schemeClr val="accent4"/>
+          </a:effectRef>
+          <a:fontRef idx="minor">
+            <a:schemeClr val="lt1"/>
+          </a:fontRef>
+        </p:style>
+      </p:cxnSp>
+      <p:sp>
+        <p:nvSpPr>
+          <p:cNvPr id="1089" name="CuadroTexto 1088">
+            <a:extLst>
+              <a:ext uri="{FF2B5EF4-FFF2-40B4-BE49-F238E27FC236}">
+                <a16:creationId xmlns:a16="http://schemas.microsoft.com/office/drawing/2014/main" id="{5EBF4466-ED10-3528-CD10-C53366E5F497}"/>
+              </a:ext>
+            </a:extLst>
+          </p:cNvPr>
+          <p:cNvSpPr txBox="1"/>
+          <p:nvPr/>
+        </p:nvSpPr>
+        <p:spPr>
+          <a:xfrm>
+            <a:off x="10159407" y="4798202"/>
+            <a:ext cx="1333500" cy="230832"/>
+          </a:xfrm>
+          <a:prstGeom prst="rect">
+            <a:avLst/>
+          </a:prstGeom>
+          <a:noFill/>
+        </p:spPr>
+        <p:txBody>
+          <a:bodyPr wrap="square" rtlCol="0">
+            <a:spAutoFit/>
+          </a:bodyPr>
+          <a:lstStyle/>
+          <a:p>
+            <a:r>
+              <a:rPr lang="es-ES" sz="900" dirty="0"/>
+              <a:t>Visita de Función</a:t>
+            </a:r>
+          </a:p>
+        </p:txBody>
+      </p:sp>
+      <p:cxnSp>
+        <p:nvCxnSpPr>
+          <p:cNvPr id="1093" name="Conector recto 1092">
+            <a:extLst>
+              <a:ext uri="{FF2B5EF4-FFF2-40B4-BE49-F238E27FC236}">
+                <a16:creationId xmlns:a16="http://schemas.microsoft.com/office/drawing/2014/main" id="{5EAE7443-4F4C-4DCC-47E8-C2A3C68266F6}"/>
+              </a:ext>
+            </a:extLst>
+          </p:cNvPr>
+          <p:cNvCxnSpPr>
+            <a:cxnSpLocks/>
+          </p:cNvCxnSpPr>
+          <p:nvPr/>
+        </p:nvCxnSpPr>
+        <p:spPr>
+          <a:xfrm flipH="1">
+            <a:off x="10009234" y="5073659"/>
+            <a:ext cx="150173" cy="0"/>
+          </a:xfrm>
+          <a:prstGeom prst="line">
+            <a:avLst/>
+          </a:prstGeom>
+          <a:noFill/>
+          <a:ln>
+            <a:solidFill>
+              <a:srgbClr val="FFD144"/>
+            </a:solidFill>
+          </a:ln>
+        </p:spPr>
+        <p:style>
+          <a:lnRef idx="2">
+            <a:schemeClr val="accent4">
+              <a:shade val="15000"/>
+            </a:schemeClr>
+          </a:lnRef>
+          <a:fillRef idx="1">
+            <a:schemeClr val="accent4"/>
+          </a:fillRef>
+          <a:effectRef idx="0">
+            <a:schemeClr val="accent4"/>
+          </a:effectRef>
+          <a:fontRef idx="minor">
+            <a:schemeClr val="lt1"/>
+          </a:fontRef>
+        </p:style>
+      </p:cxnSp>
+      <p:sp>
+        <p:nvSpPr>
+          <p:cNvPr id="1094" name="CuadroTexto 1093">
+            <a:extLst>
+              <a:ext uri="{FF2B5EF4-FFF2-40B4-BE49-F238E27FC236}">
+                <a16:creationId xmlns:a16="http://schemas.microsoft.com/office/drawing/2014/main" id="{DD9ACFE4-B1D2-D7CE-232B-7E2713F15F2F}"/>
+              </a:ext>
+            </a:extLst>
+          </p:cNvPr>
+          <p:cNvSpPr txBox="1"/>
+          <p:nvPr/>
+        </p:nvSpPr>
+        <p:spPr>
+          <a:xfrm>
+            <a:off x="10159407" y="4958243"/>
+            <a:ext cx="1333499" cy="230832"/>
+          </a:xfrm>
+          <a:prstGeom prst="rect">
+            <a:avLst/>
+          </a:prstGeom>
+          <a:noFill/>
+        </p:spPr>
+        <p:txBody>
+          <a:bodyPr wrap="square" rtlCol="0">
+            <a:spAutoFit/>
+          </a:bodyPr>
+          <a:lstStyle/>
+          <a:p>
+            <a:r>
+              <a:rPr lang="es-ES" sz="900" dirty="0"/>
+              <a:t>Visita de Método</a:t>
+            </a:r>
+          </a:p>
+        </p:txBody>
+      </p:sp>
+      <p:cxnSp>
+        <p:nvCxnSpPr>
+          <p:cNvPr id="1095" name="Conector recto 1094">
+            <a:extLst>
+              <a:ext uri="{FF2B5EF4-FFF2-40B4-BE49-F238E27FC236}">
+                <a16:creationId xmlns:a16="http://schemas.microsoft.com/office/drawing/2014/main" id="{436621F8-5ACD-EA60-F886-DE27F0227A6F}"/>
+              </a:ext>
+            </a:extLst>
+          </p:cNvPr>
+          <p:cNvCxnSpPr>
+            <a:cxnSpLocks/>
+          </p:cNvCxnSpPr>
+          <p:nvPr/>
+        </p:nvCxnSpPr>
+        <p:spPr>
+          <a:xfrm flipH="1">
+            <a:off x="10009234" y="5233700"/>
+            <a:ext cx="150173" cy="0"/>
+          </a:xfrm>
+          <a:prstGeom prst="line">
+            <a:avLst/>
+          </a:prstGeom>
+          <a:noFill/>
+          <a:ln>
+            <a:solidFill>
+              <a:schemeClr val="bg1">
+                <a:lumMod val="50000"/>
+              </a:schemeClr>
+            </a:solidFill>
+          </a:ln>
+        </p:spPr>
+        <p:style>
+          <a:lnRef idx="2">
+            <a:schemeClr val="accent4">
+              <a:shade val="15000"/>
+            </a:schemeClr>
+          </a:lnRef>
+          <a:fillRef idx="1">
+            <a:schemeClr val="accent4"/>
+          </a:fillRef>
+          <a:effectRef idx="0">
+            <a:schemeClr val="accent4"/>
+          </a:effectRef>
+          <a:fontRef idx="minor">
+            <a:schemeClr val="lt1"/>
+          </a:fontRef>
+        </p:style>
+      </p:cxnSp>
+      <p:sp>
+        <p:nvSpPr>
+          <p:cNvPr id="1096" name="CuadroTexto 1095">
+            <a:extLst>
+              <a:ext uri="{FF2B5EF4-FFF2-40B4-BE49-F238E27FC236}">
+                <a16:creationId xmlns:a16="http://schemas.microsoft.com/office/drawing/2014/main" id="{E97AB40F-51D5-3BF9-C360-5ED84FFD9008}"/>
+              </a:ext>
+            </a:extLst>
+          </p:cNvPr>
+          <p:cNvSpPr txBox="1"/>
+          <p:nvPr/>
+        </p:nvSpPr>
+        <p:spPr>
+          <a:xfrm>
+            <a:off x="10159407" y="5118284"/>
+            <a:ext cx="1259575" cy="230832"/>
+          </a:xfrm>
+          <a:prstGeom prst="rect">
+            <a:avLst/>
+          </a:prstGeom>
+          <a:noFill/>
+        </p:spPr>
+        <p:txBody>
+          <a:bodyPr wrap="square" rtlCol="0">
+            <a:spAutoFit/>
+          </a:bodyPr>
+          <a:lstStyle/>
+          <a:p>
+            <a:r>
+              <a:rPr lang="es-ES" sz="900" dirty="0"/>
+              <a:t>Visita de Sentencia</a:t>
+            </a:r>
+          </a:p>
+        </p:txBody>
+      </p:sp>
+      <p:cxnSp>
+        <p:nvCxnSpPr>
+          <p:cNvPr id="1101" name="Conector recto 1100">
+            <a:extLst>
+              <a:ext uri="{FF2B5EF4-FFF2-40B4-BE49-F238E27FC236}">
+                <a16:creationId xmlns:a16="http://schemas.microsoft.com/office/drawing/2014/main" id="{1262D737-02C0-585D-BE75-397AD4D5656B}"/>
+              </a:ext>
+            </a:extLst>
+          </p:cNvPr>
+          <p:cNvCxnSpPr>
+            <a:cxnSpLocks/>
+          </p:cNvCxnSpPr>
+          <p:nvPr/>
+        </p:nvCxnSpPr>
+        <p:spPr>
+          <a:xfrm flipH="1">
+            <a:off x="10009234" y="5393743"/>
+            <a:ext cx="150173" cy="0"/>
+          </a:xfrm>
+          <a:prstGeom prst="line">
+            <a:avLst/>
+          </a:prstGeom>
+          <a:noFill/>
+          <a:ln>
+            <a:solidFill>
+              <a:srgbClr val="326499"/>
+            </a:solidFill>
+          </a:ln>
+        </p:spPr>
+        <p:style>
+          <a:lnRef idx="2">
+            <a:schemeClr val="accent4">
+              <a:shade val="15000"/>
+            </a:schemeClr>
+          </a:lnRef>
+          <a:fillRef idx="1">
+            <a:schemeClr val="accent4"/>
+          </a:fillRef>
+          <a:effectRef idx="0">
+            <a:schemeClr val="accent4"/>
+          </a:effectRef>
+          <a:fontRef idx="minor">
+            <a:schemeClr val="lt1"/>
+          </a:fontRef>
+        </p:style>
+      </p:cxnSp>
+      <p:sp>
+        <p:nvSpPr>
+          <p:cNvPr id="1102" name="CuadroTexto 1101">
+            <a:extLst>
+              <a:ext uri="{FF2B5EF4-FFF2-40B4-BE49-F238E27FC236}">
+                <a16:creationId xmlns:a16="http://schemas.microsoft.com/office/drawing/2014/main" id="{1EC58D41-47DC-F05A-FE04-9BE1FD19EE13}"/>
+              </a:ext>
+            </a:extLst>
+          </p:cNvPr>
+          <p:cNvSpPr txBox="1"/>
+          <p:nvPr/>
+        </p:nvSpPr>
+        <p:spPr>
+          <a:xfrm>
+            <a:off x="10159407" y="5278327"/>
+            <a:ext cx="1200151" cy="230832"/>
+          </a:xfrm>
+          <a:prstGeom prst="rect">
+            <a:avLst/>
+          </a:prstGeom>
+          <a:noFill/>
+        </p:spPr>
+        <p:txBody>
+          <a:bodyPr wrap="square" rtlCol="0">
+            <a:spAutoFit/>
+          </a:bodyPr>
+          <a:lstStyle/>
+          <a:p>
+            <a:r>
+              <a:rPr lang="es-ES" sz="900" dirty="0"/>
+              <a:t>Visita de Expresión</a:t>
+            </a:r>
+          </a:p>
+        </p:txBody>
+      </p:sp>
+      <p:cxnSp>
+        <p:nvCxnSpPr>
+          <p:cNvPr id="1038" name="Conector recto 1037">
+            <a:extLst>
+              <a:ext uri="{FF2B5EF4-FFF2-40B4-BE49-F238E27FC236}">
+                <a16:creationId xmlns:a16="http://schemas.microsoft.com/office/drawing/2014/main" id="{DD5AD840-2397-F694-134D-169253241DAC}"/>
+              </a:ext>
+            </a:extLst>
+          </p:cNvPr>
+          <p:cNvCxnSpPr>
+            <a:cxnSpLocks/>
+            <a:stCxn id="1039" idx="4"/>
+            <a:endCxn id="1048" idx="0"/>
+          </p:cNvCxnSpPr>
+          <p:nvPr/>
+        </p:nvCxnSpPr>
+        <p:spPr>
+          <a:xfrm flipH="1">
+            <a:off x="9147137" y="4528710"/>
+            <a:ext cx="1" cy="154536"/>
+          </a:xfrm>
+          <a:prstGeom prst="line">
+            <a:avLst/>
+          </a:prstGeom>
+          <a:noFill/>
+          <a:ln>
+            <a:solidFill>
+              <a:schemeClr val="accent2">
+                <a:lumMod val="50000"/>
+              </a:schemeClr>
+            </a:solidFill>
+          </a:ln>
+        </p:spPr>
+        <p:style>
+          <a:lnRef idx="2">
+            <a:schemeClr val="accent4">
+              <a:shade val="15000"/>
+            </a:schemeClr>
+          </a:lnRef>
+          <a:fillRef idx="1">
+            <a:schemeClr val="accent4"/>
+          </a:fillRef>
+          <a:effectRef idx="0">
+            <a:schemeClr val="accent4"/>
+          </a:effectRef>
+          <a:fontRef idx="minor">
+            <a:schemeClr val="lt1"/>
+          </a:fontRef>
+        </p:style>
+      </p:cxnSp>
+      <p:sp>
+        <p:nvSpPr>
+          <p:cNvPr id="1039" name="Elipse 1038">
+            <a:extLst>
+              <a:ext uri="{FF2B5EF4-FFF2-40B4-BE49-F238E27FC236}">
+                <a16:creationId xmlns:a16="http://schemas.microsoft.com/office/drawing/2014/main" id="{319F9CE4-CF6A-5FEC-32FE-DBA017D0D88A}"/>
+              </a:ext>
+            </a:extLst>
+          </p:cNvPr>
+          <p:cNvSpPr/>
+          <p:nvPr/>
+        </p:nvSpPr>
+        <p:spPr>
+          <a:xfrm>
+            <a:off x="9034307" y="4303049"/>
+            <a:ext cx="225661" cy="225661"/>
+          </a:xfrm>
+          <a:prstGeom prst="ellipse">
+            <a:avLst/>
+          </a:prstGeom>
+          <a:noFill/>
+          <a:ln>
+            <a:solidFill>
+              <a:schemeClr val="accent2">
+                <a:lumMod val="50000"/>
+              </a:schemeClr>
+            </a:solidFill>
+          </a:ln>
+        </p:spPr>
+        <p:style>
+          <a:lnRef idx="2">
+            <a:schemeClr val="accent4">
+              <a:shade val="15000"/>
+            </a:schemeClr>
+          </a:lnRef>
+          <a:fillRef idx="1">
+            <a:schemeClr val="accent4"/>
+          </a:fillRef>
+          <a:effectRef idx="0">
+            <a:schemeClr val="accent4"/>
+          </a:effectRef>
+          <a:fontRef idx="minor">
+            <a:schemeClr val="lt1"/>
+          </a:fontRef>
+        </p:style>
+        <p:txBody>
+          <a:bodyPr rtlCol="0" anchor="ctr"/>
+          <a:lstStyle/>
+          <a:p>
+            <a:pPr algn="ctr"/>
+            <a:endParaRPr lang="es-ES"/>
+          </a:p>
+        </p:txBody>
+      </p:sp>
+      <p:sp>
+        <p:nvSpPr>
+          <p:cNvPr id="1048" name="Elipse 1047">
+            <a:extLst>
+              <a:ext uri="{FF2B5EF4-FFF2-40B4-BE49-F238E27FC236}">
+                <a16:creationId xmlns:a16="http://schemas.microsoft.com/office/drawing/2014/main" id="{BAD76D1A-074E-10F3-E97F-BA01C17F395F}"/>
+              </a:ext>
+            </a:extLst>
+          </p:cNvPr>
+          <p:cNvSpPr/>
+          <p:nvPr/>
+        </p:nvSpPr>
+        <p:spPr>
+          <a:xfrm>
+            <a:off x="9034306" y="4683246"/>
+            <a:ext cx="225662" cy="225662"/>
+          </a:xfrm>
+          <a:prstGeom prst="ellipse">
+            <a:avLst/>
+          </a:prstGeom>
+          <a:noFill/>
+          <a:ln>
+            <a:solidFill>
+              <a:schemeClr val="accent6"/>
+            </a:solidFill>
+          </a:ln>
+        </p:spPr>
+        <p:style>
+          <a:lnRef idx="2">
+            <a:schemeClr val="accent4">
+              <a:shade val="15000"/>
+            </a:schemeClr>
+          </a:lnRef>
+          <a:fillRef idx="1">
+            <a:schemeClr val="accent4"/>
+          </a:fillRef>
+          <a:effectRef idx="0">
+            <a:schemeClr val="accent4"/>
+          </a:effectRef>
+          <a:fontRef idx="minor">
+            <a:schemeClr val="lt1"/>
+          </a:fontRef>
+        </p:style>
+        <p:txBody>
+          <a:bodyPr rtlCol="0" anchor="ctr"/>
+          <a:lstStyle/>
+          <a:p>
+            <a:pPr algn="ctr"/>
+            <a:endParaRPr lang="es-ES"/>
+          </a:p>
+        </p:txBody>
+      </p:sp>
+      <p:cxnSp>
+        <p:nvCxnSpPr>
+          <p:cNvPr id="1066" name="Conector recto 1065">
+            <a:extLst>
+              <a:ext uri="{FF2B5EF4-FFF2-40B4-BE49-F238E27FC236}">
+                <a16:creationId xmlns:a16="http://schemas.microsoft.com/office/drawing/2014/main" id="{24B4E3A5-4EF1-B258-AFC5-0CD14496DA37}"/>
+              </a:ext>
+            </a:extLst>
+          </p:cNvPr>
+          <p:cNvCxnSpPr>
+            <a:cxnSpLocks/>
+          </p:cNvCxnSpPr>
+          <p:nvPr/>
+        </p:nvCxnSpPr>
+        <p:spPr>
+          <a:xfrm flipH="1">
+            <a:off x="9147137" y="4905088"/>
+            <a:ext cx="1" cy="154536"/>
+          </a:xfrm>
+          <a:prstGeom prst="line">
+            <a:avLst/>
+          </a:prstGeom>
+          <a:noFill/>
+          <a:ln>
+            <a:solidFill>
+              <a:schemeClr val="accent6"/>
+            </a:solidFill>
+          </a:ln>
+        </p:spPr>
+        <p:style>
+          <a:lnRef idx="2">
+            <a:schemeClr val="accent4">
+              <a:shade val="15000"/>
+            </a:schemeClr>
+          </a:lnRef>
+          <a:fillRef idx="1">
+            <a:schemeClr val="accent4"/>
+          </a:fillRef>
+          <a:effectRef idx="0">
+            <a:schemeClr val="accent4"/>
+          </a:effectRef>
+          <a:fontRef idx="minor">
+            <a:schemeClr val="lt1"/>
+          </a:fontRef>
+        </p:style>
+      </p:cxnSp>
+      <p:sp>
+        <p:nvSpPr>
+          <p:cNvPr id="1072" name="Elipse 1071">
+            <a:extLst>
+              <a:ext uri="{FF2B5EF4-FFF2-40B4-BE49-F238E27FC236}">
+                <a16:creationId xmlns:a16="http://schemas.microsoft.com/office/drawing/2014/main" id="{8566F3F2-736B-42E2-166B-E5DC809804E8}"/>
+              </a:ext>
+            </a:extLst>
+          </p:cNvPr>
+          <p:cNvSpPr/>
+          <p:nvPr/>
+        </p:nvSpPr>
+        <p:spPr>
+          <a:xfrm>
+            <a:off x="8616305" y="5057149"/>
+            <a:ext cx="225662" cy="225662"/>
+          </a:xfrm>
+          <a:prstGeom prst="ellipse">
+            <a:avLst/>
+          </a:prstGeom>
+          <a:noFill/>
+          <a:ln>
+            <a:solidFill>
+              <a:schemeClr val="bg1">
+                <a:lumMod val="50000"/>
+              </a:schemeClr>
+            </a:solidFill>
+          </a:ln>
+        </p:spPr>
+        <p:style>
+          <a:lnRef idx="2">
+            <a:schemeClr val="accent4">
+              <a:shade val="15000"/>
+            </a:schemeClr>
+          </a:lnRef>
+          <a:fillRef idx="1">
+            <a:schemeClr val="accent4"/>
+          </a:fillRef>
+          <a:effectRef idx="0">
+            <a:schemeClr val="accent4"/>
+          </a:effectRef>
+          <a:fontRef idx="minor">
+            <a:schemeClr val="lt1"/>
+          </a:fontRef>
+        </p:style>
+        <p:txBody>
+          <a:bodyPr rtlCol="0" anchor="ctr"/>
+          <a:lstStyle/>
+          <a:p>
+            <a:pPr algn="ctr"/>
+            <a:endParaRPr lang="es-ES"/>
+          </a:p>
+        </p:txBody>
+      </p:sp>
+      <p:sp>
+        <p:nvSpPr>
+          <p:cNvPr id="1073" name="Elipse 1072">
+            <a:extLst>
+              <a:ext uri="{FF2B5EF4-FFF2-40B4-BE49-F238E27FC236}">
+                <a16:creationId xmlns:a16="http://schemas.microsoft.com/office/drawing/2014/main" id="{19492F2A-543D-1B0C-85E4-2428693C1178}"/>
+              </a:ext>
+            </a:extLst>
+          </p:cNvPr>
+          <p:cNvSpPr/>
+          <p:nvPr/>
+        </p:nvSpPr>
+        <p:spPr>
+          <a:xfrm>
+            <a:off x="9034306" y="5056726"/>
+            <a:ext cx="225662" cy="225662"/>
+          </a:xfrm>
+          <a:prstGeom prst="ellipse">
+            <a:avLst/>
+          </a:prstGeom>
+          <a:noFill/>
+          <a:ln>
+            <a:solidFill>
+              <a:schemeClr val="accent2"/>
+            </a:solidFill>
+          </a:ln>
+        </p:spPr>
+        <p:style>
+          <a:lnRef idx="2">
+            <a:schemeClr val="accent4">
+              <a:shade val="15000"/>
+            </a:schemeClr>
+          </a:lnRef>
+          <a:fillRef idx="1">
+            <a:schemeClr val="accent4"/>
+          </a:fillRef>
+          <a:effectRef idx="0">
+            <a:schemeClr val="accent4"/>
+          </a:effectRef>
+          <a:fontRef idx="minor">
+            <a:schemeClr val="lt1"/>
+          </a:fontRef>
+        </p:style>
+        <p:txBody>
+          <a:bodyPr rtlCol="0" anchor="ctr"/>
+          <a:lstStyle/>
+          <a:p>
+            <a:pPr algn="ctr"/>
+            <a:endParaRPr lang="es-ES"/>
+          </a:p>
+        </p:txBody>
+      </p:sp>
+      <p:sp>
+        <p:nvSpPr>
+          <p:cNvPr id="1074" name="Elipse 1073">
+            <a:extLst>
+              <a:ext uri="{FF2B5EF4-FFF2-40B4-BE49-F238E27FC236}">
+                <a16:creationId xmlns:a16="http://schemas.microsoft.com/office/drawing/2014/main" id="{12C994E1-75C3-074F-2573-D39A930E26F2}"/>
+              </a:ext>
+            </a:extLst>
+          </p:cNvPr>
+          <p:cNvSpPr/>
+          <p:nvPr/>
+        </p:nvSpPr>
+        <p:spPr>
+          <a:xfrm>
+            <a:off x="9398566" y="5056726"/>
+            <a:ext cx="225662" cy="225662"/>
+          </a:xfrm>
+          <a:prstGeom prst="ellipse">
+            <a:avLst/>
+          </a:prstGeom>
+          <a:noFill/>
+          <a:ln>
+            <a:solidFill>
+              <a:schemeClr val="accent1">
+                <a:lumMod val="60000"/>
+                <a:lumOff val="40000"/>
+              </a:schemeClr>
+            </a:solidFill>
+          </a:ln>
+        </p:spPr>
+        <p:style>
+          <a:lnRef idx="2">
+            <a:schemeClr val="accent4">
+              <a:shade val="15000"/>
+            </a:schemeClr>
+          </a:lnRef>
+          <a:fillRef idx="1">
+            <a:schemeClr val="accent4"/>
+          </a:fillRef>
+          <a:effectRef idx="0">
+            <a:schemeClr val="accent4"/>
+          </a:effectRef>
+          <a:fontRef idx="minor">
+            <a:schemeClr val="lt1"/>
+          </a:fontRef>
+        </p:style>
+        <p:txBody>
+          <a:bodyPr rtlCol="0" anchor="ctr"/>
+          <a:lstStyle/>
+          <a:p>
+            <a:pPr algn="ctr"/>
+            <a:endParaRPr lang="es-ES"/>
+          </a:p>
+        </p:txBody>
+      </p:sp>
+      <p:cxnSp>
+        <p:nvCxnSpPr>
+          <p:cNvPr id="1075" name="Conector recto 1074">
+            <a:extLst>
+              <a:ext uri="{FF2B5EF4-FFF2-40B4-BE49-F238E27FC236}">
+                <a16:creationId xmlns:a16="http://schemas.microsoft.com/office/drawing/2014/main" id="{D1D02C34-0200-7B74-30FA-53C3A4D3E450}"/>
+              </a:ext>
+            </a:extLst>
+          </p:cNvPr>
+          <p:cNvCxnSpPr>
+            <a:cxnSpLocks/>
+            <a:stCxn id="1048" idx="3"/>
+            <a:endCxn id="1072" idx="7"/>
+          </p:cNvCxnSpPr>
+          <p:nvPr/>
+        </p:nvCxnSpPr>
+        <p:spPr>
+          <a:xfrm flipH="1">
+            <a:off x="8808920" y="4875861"/>
+            <a:ext cx="258433" cy="214335"/>
+          </a:xfrm>
+          <a:prstGeom prst="line">
+            <a:avLst/>
+          </a:prstGeom>
+          <a:noFill/>
+          <a:ln>
+            <a:solidFill>
+              <a:schemeClr val="accent6"/>
+            </a:solidFill>
+          </a:ln>
+        </p:spPr>
+        <p:style>
+          <a:lnRef idx="2">
+            <a:schemeClr val="accent4">
+              <a:shade val="15000"/>
+            </a:schemeClr>
+          </a:lnRef>
+          <a:fillRef idx="1">
+            <a:schemeClr val="accent4"/>
+          </a:fillRef>
+          <a:effectRef idx="0">
+            <a:schemeClr val="accent4"/>
+          </a:effectRef>
+          <a:fontRef idx="minor">
+            <a:schemeClr val="lt1"/>
+          </a:fontRef>
+        </p:style>
+      </p:cxnSp>
+      <p:cxnSp>
+        <p:nvCxnSpPr>
+          <p:cNvPr id="1083" name="Conector recto 1082">
+            <a:extLst>
+              <a:ext uri="{FF2B5EF4-FFF2-40B4-BE49-F238E27FC236}">
+                <a16:creationId xmlns:a16="http://schemas.microsoft.com/office/drawing/2014/main" id="{582C7375-0079-1B1C-655F-6CF14C728D69}"/>
+              </a:ext>
+            </a:extLst>
+          </p:cNvPr>
+          <p:cNvCxnSpPr>
+            <a:cxnSpLocks/>
+            <a:stCxn id="1048" idx="5"/>
+            <a:endCxn id="1074" idx="0"/>
+          </p:cNvCxnSpPr>
+          <p:nvPr/>
+        </p:nvCxnSpPr>
+        <p:spPr>
+          <a:xfrm>
+            <a:off x="9226921" y="4875861"/>
+            <a:ext cx="284476" cy="180865"/>
+          </a:xfrm>
+          <a:prstGeom prst="line">
+            <a:avLst/>
+          </a:prstGeom>
+          <a:noFill/>
+          <a:ln>
+            <a:solidFill>
+              <a:schemeClr val="accent6"/>
+            </a:solidFill>
+          </a:ln>
+        </p:spPr>
+        <p:style>
+          <a:lnRef idx="2">
+            <a:schemeClr val="accent4">
+              <a:shade val="15000"/>
+            </a:schemeClr>
+          </a:lnRef>
+          <a:fillRef idx="1">
+            <a:schemeClr val="accent4"/>
+          </a:fillRef>
+          <a:effectRef idx="0">
+            <a:schemeClr val="accent4"/>
+          </a:effectRef>
+          <a:fontRef idx="minor">
+            <a:schemeClr val="lt1"/>
+          </a:fontRef>
+        </p:style>
+      </p:cxnSp>
+      <p:sp>
+        <p:nvSpPr>
+          <p:cNvPr id="1090" name="Elipse 1089">
+            <a:extLst>
+              <a:ext uri="{FF2B5EF4-FFF2-40B4-BE49-F238E27FC236}">
+                <a16:creationId xmlns:a16="http://schemas.microsoft.com/office/drawing/2014/main" id="{EC2039CE-691B-3B7D-372D-1F10320A1AA2}"/>
+              </a:ext>
+            </a:extLst>
+          </p:cNvPr>
+          <p:cNvSpPr/>
+          <p:nvPr/>
+        </p:nvSpPr>
+        <p:spPr>
+          <a:xfrm>
+            <a:off x="9034306" y="5430206"/>
+            <a:ext cx="225662" cy="225662"/>
+          </a:xfrm>
+          <a:prstGeom prst="ellipse">
+            <a:avLst/>
+          </a:prstGeom>
+          <a:noFill/>
+          <a:ln>
+            <a:solidFill>
+              <a:srgbClr val="FFD144"/>
+            </a:solidFill>
+          </a:ln>
+        </p:spPr>
+        <p:style>
+          <a:lnRef idx="2">
+            <a:schemeClr val="accent4">
+              <a:shade val="15000"/>
+            </a:schemeClr>
+          </a:lnRef>
+          <a:fillRef idx="1">
+            <a:schemeClr val="accent4"/>
+          </a:fillRef>
+          <a:effectRef idx="0">
+            <a:schemeClr val="accent4"/>
+          </a:effectRef>
+          <a:fontRef idx="minor">
+            <a:schemeClr val="lt1"/>
+          </a:fontRef>
+        </p:style>
+        <p:txBody>
+          <a:bodyPr rtlCol="0" anchor="ctr"/>
+          <a:lstStyle/>
+          <a:p>
+            <a:pPr algn="ctr"/>
+            <a:endParaRPr lang="es-ES"/>
+          </a:p>
+        </p:txBody>
+      </p:sp>
+      <p:sp>
+        <p:nvSpPr>
+          <p:cNvPr id="1091" name="Elipse 1090">
+            <a:extLst>
+              <a:ext uri="{FF2B5EF4-FFF2-40B4-BE49-F238E27FC236}">
+                <a16:creationId xmlns:a16="http://schemas.microsoft.com/office/drawing/2014/main" id="{146AD6AF-00F3-450E-EADB-38E3B1EFF65C}"/>
+              </a:ext>
+            </a:extLst>
+          </p:cNvPr>
+          <p:cNvSpPr/>
+          <p:nvPr/>
+        </p:nvSpPr>
+        <p:spPr>
+          <a:xfrm>
+            <a:off x="9398566" y="5433231"/>
+            <a:ext cx="225662" cy="225662"/>
+          </a:xfrm>
+          <a:prstGeom prst="ellipse">
+            <a:avLst/>
+          </a:prstGeom>
+          <a:noFill/>
+          <a:ln>
+            <a:solidFill>
+              <a:schemeClr val="bg1">
+                <a:lumMod val="50000"/>
+              </a:schemeClr>
+            </a:solidFill>
+          </a:ln>
+        </p:spPr>
+        <p:style>
+          <a:lnRef idx="2">
+            <a:schemeClr val="accent4">
+              <a:shade val="15000"/>
+            </a:schemeClr>
+          </a:lnRef>
+          <a:fillRef idx="1">
+            <a:schemeClr val="accent4"/>
+          </a:fillRef>
+          <a:effectRef idx="0">
+            <a:schemeClr val="accent4"/>
+          </a:effectRef>
+          <a:fontRef idx="minor">
+            <a:schemeClr val="lt1"/>
+          </a:fontRef>
+        </p:style>
+        <p:txBody>
+          <a:bodyPr rtlCol="0" anchor="ctr"/>
+          <a:lstStyle/>
+          <a:p>
+            <a:pPr algn="ctr"/>
+            <a:endParaRPr lang="es-ES"/>
+          </a:p>
+        </p:txBody>
+      </p:sp>
+      <p:cxnSp>
+        <p:nvCxnSpPr>
+          <p:cNvPr id="1092" name="Conector recto 1091">
+            <a:extLst>
+              <a:ext uri="{FF2B5EF4-FFF2-40B4-BE49-F238E27FC236}">
+                <a16:creationId xmlns:a16="http://schemas.microsoft.com/office/drawing/2014/main" id="{CC7BBA52-699F-5589-CEF6-271432E1E3EE}"/>
+              </a:ext>
+            </a:extLst>
+          </p:cNvPr>
+          <p:cNvCxnSpPr>
+            <a:cxnSpLocks/>
+          </p:cNvCxnSpPr>
+          <p:nvPr/>
+        </p:nvCxnSpPr>
+        <p:spPr>
+          <a:xfrm flipH="1">
+            <a:off x="9147136" y="5279029"/>
+            <a:ext cx="1" cy="154536"/>
+          </a:xfrm>
+          <a:prstGeom prst="line">
+            <a:avLst/>
+          </a:prstGeom>
+          <a:noFill/>
+          <a:ln>
+            <a:solidFill>
+              <a:schemeClr val="accent2"/>
+            </a:solidFill>
+          </a:ln>
+        </p:spPr>
+        <p:style>
+          <a:lnRef idx="2">
+            <a:schemeClr val="accent4">
+              <a:shade val="15000"/>
+            </a:schemeClr>
+          </a:lnRef>
+          <a:fillRef idx="1">
+            <a:schemeClr val="accent4"/>
+          </a:fillRef>
+          <a:effectRef idx="0">
+            <a:schemeClr val="accent4"/>
+          </a:effectRef>
+          <a:fontRef idx="minor">
+            <a:schemeClr val="lt1"/>
+          </a:fontRef>
+        </p:style>
+      </p:cxnSp>
+      <p:cxnSp>
+        <p:nvCxnSpPr>
+          <p:cNvPr id="1097" name="Conector recto 1096">
+            <a:extLst>
+              <a:ext uri="{FF2B5EF4-FFF2-40B4-BE49-F238E27FC236}">
+                <a16:creationId xmlns:a16="http://schemas.microsoft.com/office/drawing/2014/main" id="{553555EA-9801-1983-2716-1B8CFD534856}"/>
+              </a:ext>
+            </a:extLst>
+          </p:cNvPr>
+          <p:cNvCxnSpPr>
+            <a:cxnSpLocks/>
+          </p:cNvCxnSpPr>
+          <p:nvPr/>
+        </p:nvCxnSpPr>
+        <p:spPr>
+          <a:xfrm flipH="1">
+            <a:off x="9507026" y="5279029"/>
+            <a:ext cx="1" cy="154536"/>
+          </a:xfrm>
+          <a:prstGeom prst="line">
+            <a:avLst/>
+          </a:prstGeom>
+          <a:noFill/>
+          <a:ln>
+            <a:solidFill>
+              <a:schemeClr val="accent1">
+                <a:lumMod val="60000"/>
+                <a:lumOff val="40000"/>
+              </a:schemeClr>
+            </a:solidFill>
+          </a:ln>
+        </p:spPr>
+        <p:style>
+          <a:lnRef idx="2">
+            <a:schemeClr val="accent4">
+              <a:shade val="15000"/>
+            </a:schemeClr>
+          </a:lnRef>
+          <a:fillRef idx="1">
+            <a:schemeClr val="accent4"/>
+          </a:fillRef>
+          <a:effectRef idx="0">
+            <a:schemeClr val="accent4"/>
+          </a:effectRef>
+          <a:fontRef idx="minor">
+            <a:schemeClr val="lt1"/>
+          </a:fontRef>
+        </p:style>
+      </p:cxnSp>
+      <p:cxnSp>
+        <p:nvCxnSpPr>
+          <p:cNvPr id="1099" name="Conector recto 1098">
+            <a:extLst>
+              <a:ext uri="{FF2B5EF4-FFF2-40B4-BE49-F238E27FC236}">
+                <a16:creationId xmlns:a16="http://schemas.microsoft.com/office/drawing/2014/main" id="{3E03D597-D300-BB97-9AE1-1B91689559E9}"/>
+              </a:ext>
+            </a:extLst>
+          </p:cNvPr>
+          <p:cNvCxnSpPr>
+            <a:cxnSpLocks/>
+          </p:cNvCxnSpPr>
+          <p:nvPr/>
+        </p:nvCxnSpPr>
+        <p:spPr>
+          <a:xfrm flipH="1">
+            <a:off x="9147136" y="5658893"/>
+            <a:ext cx="1" cy="154536"/>
+          </a:xfrm>
+          <a:prstGeom prst="line">
+            <a:avLst/>
+          </a:prstGeom>
+          <a:noFill/>
+          <a:ln>
+            <a:solidFill>
+              <a:srgbClr val="FFD144"/>
+            </a:solidFill>
+          </a:ln>
+        </p:spPr>
+        <p:style>
+          <a:lnRef idx="2">
+            <a:schemeClr val="accent4">
+              <a:shade val="15000"/>
+            </a:schemeClr>
+          </a:lnRef>
+          <a:fillRef idx="1">
+            <a:schemeClr val="accent4"/>
+          </a:fillRef>
+          <a:effectRef idx="0">
+            <a:schemeClr val="accent4"/>
+          </a:effectRef>
+          <a:fontRef idx="minor">
+            <a:schemeClr val="lt1"/>
+          </a:fontRef>
+        </p:style>
+      </p:cxnSp>
+      <p:sp>
+        <p:nvSpPr>
+          <p:cNvPr id="1098" name="Elipse 1097">
+            <a:extLst>
+              <a:ext uri="{FF2B5EF4-FFF2-40B4-BE49-F238E27FC236}">
+                <a16:creationId xmlns:a16="http://schemas.microsoft.com/office/drawing/2014/main" id="{A9F4A144-DC74-FAAE-3311-675538E1D372}"/>
+              </a:ext>
+            </a:extLst>
+          </p:cNvPr>
+          <p:cNvSpPr/>
+          <p:nvPr/>
+        </p:nvSpPr>
+        <p:spPr>
+          <a:xfrm>
+            <a:off x="9036076" y="5803686"/>
+            <a:ext cx="225662" cy="225662"/>
+          </a:xfrm>
+          <a:prstGeom prst="ellipse">
+            <a:avLst/>
+          </a:prstGeom>
+          <a:noFill/>
+          <a:ln>
+            <a:solidFill>
+              <a:srgbClr val="326499"/>
+            </a:solidFill>
+          </a:ln>
+        </p:spPr>
+        <p:style>
+          <a:lnRef idx="2">
+            <a:schemeClr val="accent4">
+              <a:shade val="15000"/>
+            </a:schemeClr>
+          </a:lnRef>
+          <a:fillRef idx="1">
+            <a:schemeClr val="accent4"/>
+          </a:fillRef>
+          <a:effectRef idx="0">
+            <a:schemeClr val="accent4"/>
+          </a:effectRef>
+          <a:fontRef idx="minor">
+            <a:schemeClr val="lt1"/>
+          </a:fontRef>
+        </p:style>
+        <p:txBody>
+          <a:bodyPr rtlCol="0" anchor="ctr"/>
+          <a:lstStyle/>
+          <a:p>
+            <a:pPr algn="ctr"/>
+            <a:endParaRPr lang="es-ES"/>
+          </a:p>
+        </p:txBody>
+      </p:sp>
+      <p:sp>
+        <p:nvSpPr>
+          <p:cNvPr id="1100" name="Elipse 1099">
+            <a:extLst>
+              <a:ext uri="{FF2B5EF4-FFF2-40B4-BE49-F238E27FC236}">
+                <a16:creationId xmlns:a16="http://schemas.microsoft.com/office/drawing/2014/main" id="{F8D580A7-D355-7B38-58C2-6A0234118B8B}"/>
+              </a:ext>
+            </a:extLst>
+          </p:cNvPr>
+          <p:cNvSpPr/>
+          <p:nvPr/>
+        </p:nvSpPr>
+        <p:spPr>
+          <a:xfrm>
+            <a:off x="8616305" y="5430206"/>
+            <a:ext cx="225662" cy="225662"/>
+          </a:xfrm>
+          <a:prstGeom prst="ellipse">
+            <a:avLst/>
+          </a:prstGeom>
+          <a:noFill/>
+          <a:ln>
+            <a:solidFill>
+              <a:srgbClr val="326499"/>
+            </a:solidFill>
+          </a:ln>
+        </p:spPr>
+        <p:style>
+          <a:lnRef idx="2">
+            <a:schemeClr val="accent4">
+              <a:shade val="15000"/>
+            </a:schemeClr>
+          </a:lnRef>
+          <a:fillRef idx="1">
+            <a:schemeClr val="accent4"/>
+          </a:fillRef>
+          <a:effectRef idx="0">
+            <a:schemeClr val="accent4"/>
+          </a:effectRef>
+          <a:fontRef idx="minor">
+            <a:schemeClr val="lt1"/>
+          </a:fontRef>
+        </p:style>
+        <p:txBody>
+          <a:bodyPr rtlCol="0" anchor="ctr"/>
+          <a:lstStyle/>
+          <a:p>
+            <a:pPr algn="ctr"/>
+            <a:endParaRPr lang="es-ES"/>
+          </a:p>
+        </p:txBody>
+      </p:sp>
+      <p:cxnSp>
+        <p:nvCxnSpPr>
+          <p:cNvPr id="1103" name="Conector recto 1102">
+            <a:extLst>
+              <a:ext uri="{FF2B5EF4-FFF2-40B4-BE49-F238E27FC236}">
+                <a16:creationId xmlns:a16="http://schemas.microsoft.com/office/drawing/2014/main" id="{797CB05D-F17C-07D3-5B71-74A1551F6A47}"/>
+              </a:ext>
+            </a:extLst>
+          </p:cNvPr>
+          <p:cNvCxnSpPr>
+            <a:cxnSpLocks/>
+          </p:cNvCxnSpPr>
+          <p:nvPr/>
+        </p:nvCxnSpPr>
+        <p:spPr>
+          <a:xfrm flipH="1">
+            <a:off x="8725631" y="5283457"/>
+            <a:ext cx="1" cy="140487"/>
+          </a:xfrm>
+          <a:prstGeom prst="line">
+            <a:avLst/>
+          </a:prstGeom>
+          <a:noFill/>
+          <a:ln>
+            <a:solidFill>
+              <a:schemeClr val="bg1">
+                <a:lumMod val="50000"/>
+              </a:schemeClr>
+            </a:solidFill>
+          </a:ln>
+        </p:spPr>
+        <p:style>
+          <a:lnRef idx="2">
+            <a:schemeClr val="accent4">
+              <a:shade val="15000"/>
+            </a:schemeClr>
+          </a:lnRef>
+          <a:fillRef idx="1">
+            <a:schemeClr val="accent4"/>
+          </a:fillRef>
+          <a:effectRef idx="0">
+            <a:schemeClr val="accent4"/>
+          </a:effectRef>
+          <a:fontRef idx="minor">
+            <a:schemeClr val="lt1"/>
+          </a:fontRef>
+        </p:style>
+      </p:cxnSp>
+      <p:sp>
+        <p:nvSpPr>
+          <p:cNvPr id="1104" name="Elipse 1103">
+            <a:extLst>
+              <a:ext uri="{FF2B5EF4-FFF2-40B4-BE49-F238E27FC236}">
+                <a16:creationId xmlns:a16="http://schemas.microsoft.com/office/drawing/2014/main" id="{12E38CB7-64CC-2D18-1BD5-76C861B85EEC}"/>
+              </a:ext>
+            </a:extLst>
+          </p:cNvPr>
+          <p:cNvSpPr/>
+          <p:nvPr/>
+        </p:nvSpPr>
+        <p:spPr>
+          <a:xfrm>
+            <a:off x="9394195" y="5813429"/>
+            <a:ext cx="225662" cy="225662"/>
+          </a:xfrm>
+          <a:prstGeom prst="ellipse">
+            <a:avLst/>
+          </a:prstGeom>
+          <a:noFill/>
+          <a:ln>
+            <a:solidFill>
+              <a:srgbClr val="326499"/>
+            </a:solidFill>
+          </a:ln>
+        </p:spPr>
+        <p:style>
+          <a:lnRef idx="2">
+            <a:schemeClr val="accent4">
+              <a:shade val="15000"/>
+            </a:schemeClr>
+          </a:lnRef>
+          <a:fillRef idx="1">
+            <a:schemeClr val="accent4"/>
+          </a:fillRef>
+          <a:effectRef idx="0">
+            <a:schemeClr val="accent4"/>
+          </a:effectRef>
+          <a:fontRef idx="minor">
+            <a:schemeClr val="lt1"/>
+          </a:fontRef>
+        </p:style>
+        <p:txBody>
+          <a:bodyPr rtlCol="0" anchor="ctr"/>
+          <a:lstStyle/>
+          <a:p>
+            <a:pPr algn="ctr"/>
+            <a:endParaRPr lang="es-ES"/>
+          </a:p>
+        </p:txBody>
+      </p:sp>
+      <p:sp>
+        <p:nvSpPr>
+          <p:cNvPr id="1105" name="Elipse 1104">
+            <a:extLst>
+              <a:ext uri="{FF2B5EF4-FFF2-40B4-BE49-F238E27FC236}">
+                <a16:creationId xmlns:a16="http://schemas.microsoft.com/office/drawing/2014/main" id="{17B18DEC-E374-61B5-7468-918FEE4AB4FF}"/>
+              </a:ext>
+            </a:extLst>
+          </p:cNvPr>
+          <p:cNvSpPr/>
+          <p:nvPr/>
+        </p:nvSpPr>
+        <p:spPr>
+          <a:xfrm>
+            <a:off x="8624730" y="5803263"/>
+            <a:ext cx="225662" cy="225662"/>
+          </a:xfrm>
+          <a:prstGeom prst="ellipse">
+            <a:avLst/>
+          </a:prstGeom>
+          <a:noFill/>
+          <a:ln>
+            <a:solidFill>
+              <a:schemeClr val="bg1">
+                <a:lumMod val="50000"/>
+              </a:schemeClr>
+            </a:solidFill>
+          </a:ln>
+        </p:spPr>
+        <p:style>
+          <a:lnRef idx="2">
+            <a:schemeClr val="accent4">
+              <a:shade val="15000"/>
+            </a:schemeClr>
+          </a:lnRef>
+          <a:fillRef idx="1">
+            <a:schemeClr val="accent4"/>
+          </a:fillRef>
+          <a:effectRef idx="0">
+            <a:schemeClr val="accent4"/>
+          </a:effectRef>
+          <a:fontRef idx="minor">
+            <a:schemeClr val="lt1"/>
+          </a:fontRef>
+        </p:style>
+        <p:txBody>
+          <a:bodyPr rtlCol="0" anchor="ctr"/>
+          <a:lstStyle/>
+          <a:p>
+            <a:pPr algn="ctr"/>
+            <a:endParaRPr lang="es-ES"/>
+          </a:p>
+        </p:txBody>
+      </p:sp>
+      <p:cxnSp>
+        <p:nvCxnSpPr>
+          <p:cNvPr id="1106" name="Conector recto 1105">
+            <a:extLst>
+              <a:ext uri="{FF2B5EF4-FFF2-40B4-BE49-F238E27FC236}">
+                <a16:creationId xmlns:a16="http://schemas.microsoft.com/office/drawing/2014/main" id="{E973D0FB-DB89-05FC-A81E-57EF55E86E7F}"/>
+              </a:ext>
+            </a:extLst>
+          </p:cNvPr>
+          <p:cNvCxnSpPr>
+            <a:cxnSpLocks/>
+          </p:cNvCxnSpPr>
+          <p:nvPr/>
+        </p:nvCxnSpPr>
+        <p:spPr>
+          <a:xfrm flipH="1">
+            <a:off x="9504612" y="5655193"/>
+            <a:ext cx="1" cy="154536"/>
+          </a:xfrm>
+          <a:prstGeom prst="line">
+            <a:avLst/>
+          </a:prstGeom>
+          <a:noFill/>
+          <a:ln>
+            <a:solidFill>
+              <a:schemeClr val="bg1">
+                <a:lumMod val="50000"/>
+              </a:schemeClr>
+            </a:solidFill>
+          </a:ln>
+        </p:spPr>
+        <p:style>
+          <a:lnRef idx="2">
+            <a:schemeClr val="accent4">
+              <a:shade val="15000"/>
+            </a:schemeClr>
+          </a:lnRef>
+          <a:fillRef idx="1">
+            <a:schemeClr val="accent4"/>
+          </a:fillRef>
+          <a:effectRef idx="0">
+            <a:schemeClr val="accent4"/>
+          </a:effectRef>
+          <a:fontRef idx="minor">
+            <a:schemeClr val="lt1"/>
+          </a:fontRef>
+        </p:style>
+      </p:cxnSp>
+      <p:cxnSp>
+        <p:nvCxnSpPr>
+          <p:cNvPr id="1107" name="Conector recto 1106">
+            <a:extLst>
+              <a:ext uri="{FF2B5EF4-FFF2-40B4-BE49-F238E27FC236}">
+                <a16:creationId xmlns:a16="http://schemas.microsoft.com/office/drawing/2014/main" id="{BC7D255C-CC20-8805-A35A-8B34C5F1C86D}"/>
+              </a:ext>
+            </a:extLst>
+          </p:cNvPr>
+          <p:cNvCxnSpPr>
+            <a:cxnSpLocks/>
+            <a:stCxn id="1090" idx="3"/>
+            <a:endCxn id="1105" idx="7"/>
+          </p:cNvCxnSpPr>
+          <p:nvPr/>
+        </p:nvCxnSpPr>
+        <p:spPr>
+          <a:xfrm flipH="1">
+            <a:off x="8817345" y="5622821"/>
+            <a:ext cx="250008" cy="213489"/>
+          </a:xfrm>
+          <a:prstGeom prst="line">
+            <a:avLst/>
+          </a:prstGeom>
+          <a:noFill/>
+          <a:ln>
+            <a:solidFill>
+              <a:srgbClr val="FFD144"/>
+            </a:solidFill>
+          </a:ln>
+        </p:spPr>
+        <p:style>
+          <a:lnRef idx="2">
+            <a:schemeClr val="accent4">
+              <a:shade val="15000"/>
+            </a:schemeClr>
+          </a:lnRef>
+          <a:fillRef idx="1">
+            <a:schemeClr val="accent4"/>
+          </a:fillRef>
+          <a:effectRef idx="0">
+            <a:schemeClr val="accent4"/>
+          </a:effectRef>
+          <a:fontRef idx="minor">
+            <a:schemeClr val="lt1"/>
+          </a:fontRef>
+        </p:style>
+      </p:cxnSp>
+      <p:sp>
+        <p:nvSpPr>
+          <p:cNvPr id="1110" name="Elipse 1109">
+            <a:extLst>
+              <a:ext uri="{FF2B5EF4-FFF2-40B4-BE49-F238E27FC236}">
+                <a16:creationId xmlns:a16="http://schemas.microsoft.com/office/drawing/2014/main" id="{EB1C632C-037F-3486-0787-0385A703D4F8}"/>
+              </a:ext>
+            </a:extLst>
+          </p:cNvPr>
+          <p:cNvSpPr/>
+          <p:nvPr/>
+        </p:nvSpPr>
+        <p:spPr>
+          <a:xfrm>
+            <a:off x="8625090" y="6178622"/>
+            <a:ext cx="225662" cy="225662"/>
+          </a:xfrm>
+          <a:prstGeom prst="ellipse">
+            <a:avLst/>
+          </a:prstGeom>
+          <a:noFill/>
+          <a:ln>
+            <a:solidFill>
+              <a:srgbClr val="326499"/>
+            </a:solidFill>
+          </a:ln>
+        </p:spPr>
+        <p:style>
+          <a:lnRef idx="2">
+            <a:schemeClr val="accent4">
+              <a:shade val="15000"/>
+            </a:schemeClr>
+          </a:lnRef>
+          <a:fillRef idx="1">
+            <a:schemeClr val="accent4"/>
+          </a:fillRef>
+          <a:effectRef idx="0">
+            <a:schemeClr val="accent4"/>
+          </a:effectRef>
+          <a:fontRef idx="minor">
+            <a:schemeClr val="lt1"/>
+          </a:fontRef>
+        </p:style>
+        <p:txBody>
+          <a:bodyPr rtlCol="0" anchor="ctr"/>
+          <a:lstStyle/>
+          <a:p>
+            <a:pPr algn="ctr"/>
+            <a:endParaRPr lang="es-ES"/>
+          </a:p>
+        </p:txBody>
+      </p:sp>
+      <p:cxnSp>
+        <p:nvCxnSpPr>
+          <p:cNvPr id="1111" name="Conector recto 1110">
+            <a:extLst>
+              <a:ext uri="{FF2B5EF4-FFF2-40B4-BE49-F238E27FC236}">
+                <a16:creationId xmlns:a16="http://schemas.microsoft.com/office/drawing/2014/main" id="{36569CDC-2A03-8A28-A065-F62B91202686}"/>
+              </a:ext>
+            </a:extLst>
+          </p:cNvPr>
+          <p:cNvCxnSpPr>
+            <a:cxnSpLocks/>
+          </p:cNvCxnSpPr>
+          <p:nvPr/>
+        </p:nvCxnSpPr>
+        <p:spPr>
+          <a:xfrm flipH="1">
+            <a:off x="8735507" y="6020386"/>
+            <a:ext cx="1" cy="154536"/>
+          </a:xfrm>
+          <a:prstGeom prst="line">
+            <a:avLst/>
+          </a:prstGeom>
+          <a:noFill/>
+          <a:ln>
+            <a:solidFill>
+              <a:schemeClr val="bg1">
+                <a:lumMod val="50000"/>
+              </a:schemeClr>
+            </a:solidFill>
+          </a:ln>
+        </p:spPr>
+        <p:style>
+          <a:lnRef idx="2">
+            <a:schemeClr val="accent4">
+              <a:shade val="15000"/>
+            </a:schemeClr>
+          </a:lnRef>
+          <a:fillRef idx="1">
+            <a:schemeClr val="accent4"/>
+          </a:fillRef>
+          <a:effectRef idx="0">
+            <a:schemeClr val="accent4"/>
+          </a:effectRef>
+          <a:fontRef idx="minor">
+            <a:schemeClr val="lt1"/>
+          </a:fontRef>
+        </p:style>
+      </p:cxnSp>
+      <p:sp>
+        <p:nvSpPr>
+          <p:cNvPr id="28" name="CuadroTexto 27">
+            <a:extLst>
+              <a:ext uri="{FF2B5EF4-FFF2-40B4-BE49-F238E27FC236}">
+                <a16:creationId xmlns:a16="http://schemas.microsoft.com/office/drawing/2014/main" id="{A95E1AC0-795B-39AF-01A4-08076700175D}"/>
+              </a:ext>
+            </a:extLst>
+          </p:cNvPr>
+          <p:cNvSpPr txBox="1"/>
+          <p:nvPr/>
+        </p:nvSpPr>
+        <p:spPr>
+          <a:xfrm>
+            <a:off x="8425242" y="3949715"/>
+            <a:ext cx="2855143" cy="338554"/>
+          </a:xfrm>
+          <a:prstGeom prst="rect">
+            <a:avLst/>
+          </a:prstGeom>
+          <a:noFill/>
+          <a:effectLst>
+            <a:outerShdw blurRad="50800" dist="38100" dir="2700000" algn="tl" rotWithShape="0">
+              <a:prstClr val="black">
+                <a:alpha val="40000"/>
+              </a:prstClr>
+            </a:outerShdw>
+          </a:effectLst>
+        </p:spPr>
+        <p:txBody>
+          <a:bodyPr wrap="square" rtlCol="0">
+            <a:spAutoFit/>
+          </a:bodyPr>
+          <a:lstStyle/>
+          <a:p>
+            <a:pPr algn="ctr"/>
+            <a:r>
+              <a:rPr lang="es-ES" sz="1600" dirty="0" err="1">
                 <a:solidFill>
                   <a:schemeClr val="tx2"/>
                 </a:solidFill>
-              </a:endParaRPr>
-            </a:p>
-          </p:txBody>
-        </p:sp>
-        <p:cxnSp>
-          <p:nvCxnSpPr>
-            <p:cNvPr id="1061" name="Conector recto 1060">
-              <a:extLst>
-                <a:ext uri="{FF2B5EF4-FFF2-40B4-BE49-F238E27FC236}">
-                  <a16:creationId xmlns:a16="http://schemas.microsoft.com/office/drawing/2014/main" id="{AE541972-9D86-CF5E-25FD-4EFD1DA51102}"/>
-                </a:ext>
-              </a:extLst>
-            </p:cNvPr>
-            <p:cNvCxnSpPr>
-              <a:cxnSpLocks/>
-            </p:cNvCxnSpPr>
-            <p:nvPr/>
-          </p:nvCxnSpPr>
-          <p:spPr>
-            <a:xfrm flipH="1">
-              <a:off x="9438051" y="4474016"/>
-              <a:ext cx="150173" cy="0"/>
-            </a:xfrm>
-            <a:prstGeom prst="line">
-              <a:avLst/>
-            </a:prstGeom>
-            <a:noFill/>
-            <a:ln>
-              <a:solidFill>
-                <a:schemeClr val="accent2">
-                  <a:lumMod val="50000"/>
-                </a:schemeClr>
-              </a:solidFill>
-            </a:ln>
-          </p:spPr>
-          <p:style>
-            <a:lnRef idx="2">
-              <a:schemeClr val="accent4">
-                <a:shade val="15000"/>
-              </a:schemeClr>
-            </a:lnRef>
-            <a:fillRef idx="1">
-              <a:schemeClr val="accent4"/>
-            </a:fillRef>
-            <a:effectRef idx="0">
-              <a:schemeClr val="accent4"/>
-            </a:effectRef>
-            <a:fontRef idx="minor">
-              <a:schemeClr val="lt1"/>
-            </a:fontRef>
-          </p:style>
-        </p:cxnSp>
-        <p:sp>
-          <p:nvSpPr>
-            <p:cNvPr id="1064" name="CuadroTexto 1063">
-              <a:extLst>
-                <a:ext uri="{FF2B5EF4-FFF2-40B4-BE49-F238E27FC236}">
-                  <a16:creationId xmlns:a16="http://schemas.microsoft.com/office/drawing/2014/main" id="{8E24B186-E65F-D6BA-3C4D-05DD21723570}"/>
-                </a:ext>
-              </a:extLst>
-            </p:cNvPr>
-            <p:cNvSpPr txBox="1"/>
-            <p:nvPr/>
-          </p:nvSpPr>
-          <p:spPr>
-            <a:xfrm>
-              <a:off x="9588224" y="4358600"/>
-              <a:ext cx="1333500" cy="230832"/>
-            </a:xfrm>
-            <a:prstGeom prst="rect">
-              <a:avLst/>
-            </a:prstGeom>
-            <a:noFill/>
-          </p:spPr>
-          <p:txBody>
-            <a:bodyPr wrap="square" rtlCol="0">
-              <a:spAutoFit/>
-            </a:bodyPr>
-            <a:lstStyle/>
-            <a:p>
-              <a:r>
-                <a:rPr lang="es-ES" sz="900" dirty="0"/>
-                <a:t>Visita de Programa</a:t>
-              </a:r>
-            </a:p>
-          </p:txBody>
-        </p:sp>
-        <p:cxnSp>
-          <p:nvCxnSpPr>
-            <p:cNvPr id="1067" name="Conector recto 1066">
-              <a:extLst>
-                <a:ext uri="{FF2B5EF4-FFF2-40B4-BE49-F238E27FC236}">
-                  <a16:creationId xmlns:a16="http://schemas.microsoft.com/office/drawing/2014/main" id="{36C68C56-1103-1415-4D78-47FB64A32323}"/>
-                </a:ext>
-              </a:extLst>
-            </p:cNvPr>
-            <p:cNvCxnSpPr>
-              <a:cxnSpLocks/>
-            </p:cNvCxnSpPr>
-            <p:nvPr/>
-          </p:nvCxnSpPr>
-          <p:spPr>
-            <a:xfrm flipH="1">
-              <a:off x="9438051" y="4634057"/>
-              <a:ext cx="150173" cy="0"/>
-            </a:xfrm>
-            <a:prstGeom prst="line">
-              <a:avLst/>
-            </a:prstGeom>
-            <a:noFill/>
-            <a:ln>
-              <a:solidFill>
-                <a:schemeClr val="accent6"/>
-              </a:solidFill>
-            </a:ln>
-          </p:spPr>
-          <p:style>
-            <a:lnRef idx="2">
-              <a:schemeClr val="accent4">
-                <a:shade val="15000"/>
-              </a:schemeClr>
-            </a:lnRef>
-            <a:fillRef idx="1">
-              <a:schemeClr val="accent4"/>
-            </a:fillRef>
-            <a:effectRef idx="0">
-              <a:schemeClr val="accent4"/>
-            </a:effectRef>
-            <a:fontRef idx="minor">
-              <a:schemeClr val="lt1"/>
-            </a:fontRef>
-          </p:style>
-        </p:cxnSp>
-        <p:sp>
-          <p:nvSpPr>
-            <p:cNvPr id="1071" name="CuadroTexto 1070">
-              <a:extLst>
-                <a:ext uri="{FF2B5EF4-FFF2-40B4-BE49-F238E27FC236}">
-                  <a16:creationId xmlns:a16="http://schemas.microsoft.com/office/drawing/2014/main" id="{CE3E236B-E25F-3C7A-411F-6BD0AFE4B8E6}"/>
-                </a:ext>
-              </a:extLst>
-            </p:cNvPr>
-            <p:cNvSpPr txBox="1"/>
-            <p:nvPr/>
-          </p:nvSpPr>
-          <p:spPr>
-            <a:xfrm>
-              <a:off x="9588224" y="4518641"/>
-              <a:ext cx="1333500" cy="230832"/>
-            </a:xfrm>
-            <a:prstGeom prst="rect">
-              <a:avLst/>
-            </a:prstGeom>
-            <a:noFill/>
-          </p:spPr>
-          <p:txBody>
-            <a:bodyPr wrap="square" rtlCol="0">
-              <a:spAutoFit/>
-            </a:bodyPr>
-            <a:lstStyle/>
-            <a:p>
-              <a:r>
-                <a:rPr lang="es-ES" sz="900" dirty="0"/>
-                <a:t>Visita de Módulo</a:t>
-              </a:r>
-            </a:p>
-          </p:txBody>
-        </p:sp>
-        <p:cxnSp>
-          <p:nvCxnSpPr>
-            <p:cNvPr id="1086" name="Conector recto 1085">
-              <a:extLst>
-                <a:ext uri="{FF2B5EF4-FFF2-40B4-BE49-F238E27FC236}">
-                  <a16:creationId xmlns:a16="http://schemas.microsoft.com/office/drawing/2014/main" id="{DD1A8A6E-D5AE-C586-D66E-93FD388133A1}"/>
-                </a:ext>
-              </a:extLst>
-            </p:cNvPr>
-            <p:cNvCxnSpPr>
-              <a:cxnSpLocks/>
-            </p:cNvCxnSpPr>
-            <p:nvPr/>
-          </p:nvCxnSpPr>
-          <p:spPr>
-            <a:xfrm flipH="1">
-              <a:off x="9438051" y="4794098"/>
-              <a:ext cx="150173" cy="0"/>
-            </a:xfrm>
-            <a:prstGeom prst="line">
-              <a:avLst/>
-            </a:prstGeom>
-            <a:noFill/>
-            <a:ln>
-              <a:solidFill>
-                <a:schemeClr val="accent2"/>
-              </a:solidFill>
-            </a:ln>
-          </p:spPr>
-          <p:style>
-            <a:lnRef idx="2">
-              <a:schemeClr val="accent4">
-                <a:shade val="15000"/>
-              </a:schemeClr>
-            </a:lnRef>
-            <a:fillRef idx="1">
-              <a:schemeClr val="accent4"/>
-            </a:fillRef>
-            <a:effectRef idx="0">
-              <a:schemeClr val="accent4"/>
-            </a:effectRef>
-            <a:fontRef idx="minor">
-              <a:schemeClr val="lt1"/>
-            </a:fontRef>
-          </p:style>
-        </p:cxnSp>
-        <p:sp>
-          <p:nvSpPr>
-            <p:cNvPr id="1087" name="CuadroTexto 1086">
-              <a:extLst>
-                <a:ext uri="{FF2B5EF4-FFF2-40B4-BE49-F238E27FC236}">
-                  <a16:creationId xmlns:a16="http://schemas.microsoft.com/office/drawing/2014/main" id="{28305744-CCCC-30F9-794C-7BF6CEB8251C}"/>
-                </a:ext>
-              </a:extLst>
-            </p:cNvPr>
-            <p:cNvSpPr txBox="1"/>
-            <p:nvPr/>
-          </p:nvSpPr>
-          <p:spPr>
-            <a:xfrm>
-              <a:off x="9588224" y="4678682"/>
-              <a:ext cx="1200151" cy="230832"/>
-            </a:xfrm>
-            <a:prstGeom prst="rect">
-              <a:avLst/>
-            </a:prstGeom>
-            <a:noFill/>
-          </p:spPr>
-          <p:txBody>
-            <a:bodyPr wrap="square" rtlCol="0">
-              <a:spAutoFit/>
-            </a:bodyPr>
-            <a:lstStyle/>
-            <a:p>
-              <a:r>
-                <a:rPr lang="es-ES" sz="900" dirty="0"/>
-                <a:t>Visita de Clase</a:t>
-              </a:r>
-            </a:p>
-          </p:txBody>
-        </p:sp>
-        <p:cxnSp>
-          <p:nvCxnSpPr>
-            <p:cNvPr id="1088" name="Conector recto 1087">
-              <a:extLst>
-                <a:ext uri="{FF2B5EF4-FFF2-40B4-BE49-F238E27FC236}">
-                  <a16:creationId xmlns:a16="http://schemas.microsoft.com/office/drawing/2014/main" id="{7ED274B3-FB79-6F3D-E87E-FBA003904306}"/>
-                </a:ext>
-              </a:extLst>
-            </p:cNvPr>
-            <p:cNvCxnSpPr>
-              <a:cxnSpLocks/>
-            </p:cNvCxnSpPr>
-            <p:nvPr/>
-          </p:nvCxnSpPr>
-          <p:spPr>
-            <a:xfrm flipH="1">
-              <a:off x="9438051" y="4954139"/>
-              <a:ext cx="150173" cy="0"/>
-            </a:xfrm>
-            <a:prstGeom prst="line">
-              <a:avLst/>
-            </a:prstGeom>
-            <a:noFill/>
-            <a:ln>
-              <a:solidFill>
-                <a:schemeClr val="accent1">
-                  <a:lumMod val="60000"/>
-                  <a:lumOff val="40000"/>
-                </a:schemeClr>
-              </a:solidFill>
-            </a:ln>
-          </p:spPr>
-          <p:style>
-            <a:lnRef idx="2">
-              <a:schemeClr val="accent4">
-                <a:shade val="15000"/>
-              </a:schemeClr>
-            </a:lnRef>
-            <a:fillRef idx="1">
-              <a:schemeClr val="accent4"/>
-            </a:fillRef>
-            <a:effectRef idx="0">
-              <a:schemeClr val="accent4"/>
-            </a:effectRef>
-            <a:fontRef idx="minor">
-              <a:schemeClr val="lt1"/>
-            </a:fontRef>
-          </p:style>
-        </p:cxnSp>
-        <p:sp>
-          <p:nvSpPr>
-            <p:cNvPr id="1089" name="CuadroTexto 1088">
-              <a:extLst>
-                <a:ext uri="{FF2B5EF4-FFF2-40B4-BE49-F238E27FC236}">
-                  <a16:creationId xmlns:a16="http://schemas.microsoft.com/office/drawing/2014/main" id="{5EBF4466-ED10-3528-CD10-C53366E5F497}"/>
-                </a:ext>
-              </a:extLst>
-            </p:cNvPr>
-            <p:cNvSpPr txBox="1"/>
-            <p:nvPr/>
-          </p:nvSpPr>
-          <p:spPr>
-            <a:xfrm>
-              <a:off x="9588224" y="4838723"/>
-              <a:ext cx="1333500" cy="230832"/>
-            </a:xfrm>
-            <a:prstGeom prst="rect">
-              <a:avLst/>
-            </a:prstGeom>
-            <a:noFill/>
-          </p:spPr>
-          <p:txBody>
-            <a:bodyPr wrap="square" rtlCol="0">
-              <a:spAutoFit/>
-            </a:bodyPr>
-            <a:lstStyle/>
-            <a:p>
-              <a:r>
-                <a:rPr lang="es-ES" sz="900" dirty="0"/>
-                <a:t>Visita de Función</a:t>
-              </a:r>
-            </a:p>
-          </p:txBody>
-        </p:sp>
-        <p:cxnSp>
-          <p:nvCxnSpPr>
-            <p:cNvPr id="1093" name="Conector recto 1092">
-              <a:extLst>
-                <a:ext uri="{FF2B5EF4-FFF2-40B4-BE49-F238E27FC236}">
-                  <a16:creationId xmlns:a16="http://schemas.microsoft.com/office/drawing/2014/main" id="{5EAE7443-4F4C-4DCC-47E8-C2A3C68266F6}"/>
-                </a:ext>
-              </a:extLst>
-            </p:cNvPr>
-            <p:cNvCxnSpPr>
-              <a:cxnSpLocks/>
-            </p:cNvCxnSpPr>
-            <p:nvPr/>
-          </p:nvCxnSpPr>
-          <p:spPr>
-            <a:xfrm flipH="1">
-              <a:off x="9438051" y="5114180"/>
-              <a:ext cx="150173" cy="0"/>
-            </a:xfrm>
-            <a:prstGeom prst="line">
-              <a:avLst/>
-            </a:prstGeom>
-            <a:noFill/>
-            <a:ln>
-              <a:solidFill>
-                <a:srgbClr val="FFD144"/>
-              </a:solidFill>
-            </a:ln>
-          </p:spPr>
-          <p:style>
-            <a:lnRef idx="2">
-              <a:schemeClr val="accent4">
-                <a:shade val="15000"/>
-              </a:schemeClr>
-            </a:lnRef>
-            <a:fillRef idx="1">
-              <a:schemeClr val="accent4"/>
-            </a:fillRef>
-            <a:effectRef idx="0">
-              <a:schemeClr val="accent4"/>
-            </a:effectRef>
-            <a:fontRef idx="minor">
-              <a:schemeClr val="lt1"/>
-            </a:fontRef>
-          </p:style>
-        </p:cxnSp>
-        <p:sp>
-          <p:nvSpPr>
-            <p:cNvPr id="1094" name="CuadroTexto 1093">
-              <a:extLst>
-                <a:ext uri="{FF2B5EF4-FFF2-40B4-BE49-F238E27FC236}">
-                  <a16:creationId xmlns:a16="http://schemas.microsoft.com/office/drawing/2014/main" id="{DD9ACFE4-B1D2-D7CE-232B-7E2713F15F2F}"/>
-                </a:ext>
-              </a:extLst>
-            </p:cNvPr>
-            <p:cNvSpPr txBox="1"/>
-            <p:nvPr/>
-          </p:nvSpPr>
-          <p:spPr>
-            <a:xfrm>
-              <a:off x="9588224" y="4998764"/>
-              <a:ext cx="1333499" cy="230832"/>
-            </a:xfrm>
-            <a:prstGeom prst="rect">
-              <a:avLst/>
-            </a:prstGeom>
-            <a:noFill/>
-          </p:spPr>
-          <p:txBody>
-            <a:bodyPr wrap="square" rtlCol="0">
-              <a:spAutoFit/>
-            </a:bodyPr>
-            <a:lstStyle/>
-            <a:p>
-              <a:r>
-                <a:rPr lang="es-ES" sz="900" dirty="0"/>
-                <a:t>Visita de Método</a:t>
-              </a:r>
-            </a:p>
-          </p:txBody>
-        </p:sp>
-        <p:cxnSp>
-          <p:nvCxnSpPr>
-            <p:cNvPr id="1095" name="Conector recto 1094">
-              <a:extLst>
-                <a:ext uri="{FF2B5EF4-FFF2-40B4-BE49-F238E27FC236}">
-                  <a16:creationId xmlns:a16="http://schemas.microsoft.com/office/drawing/2014/main" id="{436621F8-5ACD-EA60-F886-DE27F0227A6F}"/>
-                </a:ext>
-              </a:extLst>
-            </p:cNvPr>
-            <p:cNvCxnSpPr>
-              <a:cxnSpLocks/>
-            </p:cNvCxnSpPr>
-            <p:nvPr/>
-          </p:nvCxnSpPr>
-          <p:spPr>
-            <a:xfrm flipH="1">
-              <a:off x="9438051" y="5274221"/>
-              <a:ext cx="150173" cy="0"/>
-            </a:xfrm>
-            <a:prstGeom prst="line">
-              <a:avLst/>
-            </a:prstGeom>
-            <a:noFill/>
-            <a:ln>
-              <a:solidFill>
-                <a:schemeClr val="bg1">
-                  <a:lumMod val="50000"/>
-                </a:schemeClr>
-              </a:solidFill>
-            </a:ln>
-          </p:spPr>
-          <p:style>
-            <a:lnRef idx="2">
-              <a:schemeClr val="accent4">
-                <a:shade val="15000"/>
-              </a:schemeClr>
-            </a:lnRef>
-            <a:fillRef idx="1">
-              <a:schemeClr val="accent4"/>
-            </a:fillRef>
-            <a:effectRef idx="0">
-              <a:schemeClr val="accent4"/>
-            </a:effectRef>
-            <a:fontRef idx="minor">
-              <a:schemeClr val="lt1"/>
-            </a:fontRef>
-          </p:style>
-        </p:cxnSp>
-        <p:sp>
-          <p:nvSpPr>
-            <p:cNvPr id="1096" name="CuadroTexto 1095">
-              <a:extLst>
-                <a:ext uri="{FF2B5EF4-FFF2-40B4-BE49-F238E27FC236}">
-                  <a16:creationId xmlns:a16="http://schemas.microsoft.com/office/drawing/2014/main" id="{E97AB40F-51D5-3BF9-C360-5ED84FFD9008}"/>
-                </a:ext>
-              </a:extLst>
-            </p:cNvPr>
-            <p:cNvSpPr txBox="1"/>
-            <p:nvPr/>
-          </p:nvSpPr>
-          <p:spPr>
-            <a:xfrm>
-              <a:off x="9588224" y="5158805"/>
-              <a:ext cx="1549400" cy="230832"/>
-            </a:xfrm>
-            <a:prstGeom prst="rect">
-              <a:avLst/>
-            </a:prstGeom>
-            <a:noFill/>
-          </p:spPr>
-          <p:txBody>
-            <a:bodyPr wrap="square" rtlCol="0">
-              <a:spAutoFit/>
-            </a:bodyPr>
-            <a:lstStyle/>
-            <a:p>
-              <a:r>
-                <a:rPr lang="es-ES" sz="900" dirty="0"/>
-                <a:t>Visita de Sentencia</a:t>
-              </a:r>
-            </a:p>
-          </p:txBody>
-        </p:sp>
-        <p:cxnSp>
-          <p:nvCxnSpPr>
-            <p:cNvPr id="1101" name="Conector recto 1100">
-              <a:extLst>
-                <a:ext uri="{FF2B5EF4-FFF2-40B4-BE49-F238E27FC236}">
-                  <a16:creationId xmlns:a16="http://schemas.microsoft.com/office/drawing/2014/main" id="{1262D737-02C0-585D-BE75-397AD4D5656B}"/>
-                </a:ext>
-              </a:extLst>
-            </p:cNvPr>
-            <p:cNvCxnSpPr>
-              <a:cxnSpLocks/>
-            </p:cNvCxnSpPr>
-            <p:nvPr/>
-          </p:nvCxnSpPr>
-          <p:spPr>
-            <a:xfrm flipH="1">
-              <a:off x="9438051" y="5434264"/>
-              <a:ext cx="150173" cy="0"/>
-            </a:xfrm>
-            <a:prstGeom prst="line">
-              <a:avLst/>
-            </a:prstGeom>
-            <a:noFill/>
-            <a:ln>
-              <a:solidFill>
-                <a:srgbClr val="326499"/>
-              </a:solidFill>
-            </a:ln>
-          </p:spPr>
-          <p:style>
-            <a:lnRef idx="2">
-              <a:schemeClr val="accent4">
-                <a:shade val="15000"/>
-              </a:schemeClr>
-            </a:lnRef>
-            <a:fillRef idx="1">
-              <a:schemeClr val="accent4"/>
-            </a:fillRef>
-            <a:effectRef idx="0">
-              <a:schemeClr val="accent4"/>
-            </a:effectRef>
-            <a:fontRef idx="minor">
-              <a:schemeClr val="lt1"/>
-            </a:fontRef>
-          </p:style>
-        </p:cxnSp>
-        <p:sp>
-          <p:nvSpPr>
-            <p:cNvPr id="1102" name="CuadroTexto 1101">
-              <a:extLst>
-                <a:ext uri="{FF2B5EF4-FFF2-40B4-BE49-F238E27FC236}">
-                  <a16:creationId xmlns:a16="http://schemas.microsoft.com/office/drawing/2014/main" id="{1EC58D41-47DC-F05A-FE04-9BE1FD19EE13}"/>
-                </a:ext>
-              </a:extLst>
-            </p:cNvPr>
-            <p:cNvSpPr txBox="1"/>
-            <p:nvPr/>
-          </p:nvSpPr>
-          <p:spPr>
-            <a:xfrm>
-              <a:off x="9588224" y="5318848"/>
-              <a:ext cx="1200151" cy="230832"/>
-            </a:xfrm>
-            <a:prstGeom prst="rect">
-              <a:avLst/>
-            </a:prstGeom>
-            <a:noFill/>
-          </p:spPr>
-          <p:txBody>
-            <a:bodyPr wrap="square" rtlCol="0">
-              <a:spAutoFit/>
-            </a:bodyPr>
-            <a:lstStyle/>
-            <a:p>
-              <a:r>
-                <a:rPr lang="es-ES" sz="900" dirty="0"/>
-                <a:t>Visita de Expresión</a:t>
-              </a:r>
-            </a:p>
-          </p:txBody>
-        </p:sp>
-        <p:cxnSp>
-          <p:nvCxnSpPr>
-            <p:cNvPr id="1038" name="Conector recto 1037">
-              <a:extLst>
-                <a:ext uri="{FF2B5EF4-FFF2-40B4-BE49-F238E27FC236}">
-                  <a16:creationId xmlns:a16="http://schemas.microsoft.com/office/drawing/2014/main" id="{DD5AD840-2397-F694-134D-169253241DAC}"/>
-                </a:ext>
-              </a:extLst>
-            </p:cNvPr>
-            <p:cNvCxnSpPr>
-              <a:cxnSpLocks/>
-              <a:stCxn id="1039" idx="4"/>
-              <a:endCxn id="1048" idx="0"/>
-            </p:cNvCxnSpPr>
-            <p:nvPr/>
-          </p:nvCxnSpPr>
-          <p:spPr>
-            <a:xfrm flipH="1">
-              <a:off x="8575954" y="4569231"/>
-              <a:ext cx="1" cy="154536"/>
-            </a:xfrm>
-            <a:prstGeom prst="line">
-              <a:avLst/>
-            </a:prstGeom>
-            <a:noFill/>
-            <a:ln>
-              <a:solidFill>
-                <a:schemeClr val="accent2">
-                  <a:lumMod val="50000"/>
-                </a:schemeClr>
-              </a:solidFill>
-            </a:ln>
-          </p:spPr>
-          <p:style>
-            <a:lnRef idx="2">
-              <a:schemeClr val="accent4">
-                <a:shade val="15000"/>
-              </a:schemeClr>
-            </a:lnRef>
-            <a:fillRef idx="1">
-              <a:schemeClr val="accent4"/>
-            </a:fillRef>
-            <a:effectRef idx="0">
-              <a:schemeClr val="accent4"/>
-            </a:effectRef>
-            <a:fontRef idx="minor">
-              <a:schemeClr val="lt1"/>
-            </a:fontRef>
-          </p:style>
-        </p:cxnSp>
-        <p:sp>
-          <p:nvSpPr>
-            <p:cNvPr id="1039" name="Elipse 1038">
-              <a:extLst>
-                <a:ext uri="{FF2B5EF4-FFF2-40B4-BE49-F238E27FC236}">
-                  <a16:creationId xmlns:a16="http://schemas.microsoft.com/office/drawing/2014/main" id="{319F9CE4-CF6A-5FEC-32FE-DBA017D0D88A}"/>
-                </a:ext>
-              </a:extLst>
-            </p:cNvPr>
-            <p:cNvSpPr/>
-            <p:nvPr/>
-          </p:nvSpPr>
-          <p:spPr>
-            <a:xfrm>
-              <a:off x="8463124" y="4343570"/>
-              <a:ext cx="225661" cy="225661"/>
-            </a:xfrm>
-            <a:prstGeom prst="ellipse">
-              <a:avLst/>
-            </a:prstGeom>
-            <a:noFill/>
-            <a:ln>
-              <a:solidFill>
-                <a:schemeClr val="accent2">
-                  <a:lumMod val="50000"/>
-                </a:schemeClr>
-              </a:solidFill>
-            </a:ln>
-          </p:spPr>
-          <p:style>
-            <a:lnRef idx="2">
-              <a:schemeClr val="accent4">
-                <a:shade val="15000"/>
-              </a:schemeClr>
-            </a:lnRef>
-            <a:fillRef idx="1">
-              <a:schemeClr val="accent4"/>
-            </a:fillRef>
-            <a:effectRef idx="0">
-              <a:schemeClr val="accent4"/>
-            </a:effectRef>
-            <a:fontRef idx="minor">
-              <a:schemeClr val="lt1"/>
-            </a:fontRef>
-          </p:style>
-          <p:txBody>
-            <a:bodyPr rtlCol="0" anchor="ctr"/>
-            <a:lstStyle/>
-            <a:p>
-              <a:pPr algn="ctr"/>
-              <a:endParaRPr lang="es-ES"/>
-            </a:p>
-          </p:txBody>
-        </p:sp>
-        <p:sp>
-          <p:nvSpPr>
-            <p:cNvPr id="1048" name="Elipse 1047">
-              <a:extLst>
-                <a:ext uri="{FF2B5EF4-FFF2-40B4-BE49-F238E27FC236}">
-                  <a16:creationId xmlns:a16="http://schemas.microsoft.com/office/drawing/2014/main" id="{BAD76D1A-074E-10F3-E97F-BA01C17F395F}"/>
-                </a:ext>
-              </a:extLst>
-            </p:cNvPr>
-            <p:cNvSpPr/>
-            <p:nvPr/>
-          </p:nvSpPr>
-          <p:spPr>
-            <a:xfrm>
-              <a:off x="8463123" y="4723767"/>
-              <a:ext cx="225662" cy="225662"/>
-            </a:xfrm>
-            <a:prstGeom prst="ellipse">
-              <a:avLst/>
-            </a:prstGeom>
-            <a:noFill/>
-            <a:ln>
-              <a:solidFill>
-                <a:schemeClr val="accent6"/>
-              </a:solidFill>
-            </a:ln>
-          </p:spPr>
-          <p:style>
-            <a:lnRef idx="2">
-              <a:schemeClr val="accent4">
-                <a:shade val="15000"/>
-              </a:schemeClr>
-            </a:lnRef>
-            <a:fillRef idx="1">
-              <a:schemeClr val="accent4"/>
-            </a:fillRef>
-            <a:effectRef idx="0">
-              <a:schemeClr val="accent4"/>
-            </a:effectRef>
-            <a:fontRef idx="minor">
-              <a:schemeClr val="lt1"/>
-            </a:fontRef>
-          </p:style>
-          <p:txBody>
-            <a:bodyPr rtlCol="0" anchor="ctr"/>
-            <a:lstStyle/>
-            <a:p>
-              <a:pPr algn="ctr"/>
-              <a:endParaRPr lang="es-ES"/>
-            </a:p>
-          </p:txBody>
-        </p:sp>
-        <p:cxnSp>
-          <p:nvCxnSpPr>
-            <p:cNvPr id="1066" name="Conector recto 1065">
-              <a:extLst>
-                <a:ext uri="{FF2B5EF4-FFF2-40B4-BE49-F238E27FC236}">
-                  <a16:creationId xmlns:a16="http://schemas.microsoft.com/office/drawing/2014/main" id="{24B4E3A5-4EF1-B258-AFC5-0CD14496DA37}"/>
-                </a:ext>
-              </a:extLst>
-            </p:cNvPr>
-            <p:cNvCxnSpPr>
-              <a:cxnSpLocks/>
-            </p:cNvCxnSpPr>
-            <p:nvPr/>
-          </p:nvCxnSpPr>
-          <p:spPr>
-            <a:xfrm flipH="1">
-              <a:off x="8575954" y="4945609"/>
-              <a:ext cx="1" cy="154536"/>
-            </a:xfrm>
-            <a:prstGeom prst="line">
-              <a:avLst/>
-            </a:prstGeom>
-            <a:noFill/>
-            <a:ln>
-              <a:solidFill>
-                <a:schemeClr val="accent6"/>
-              </a:solidFill>
-            </a:ln>
-          </p:spPr>
-          <p:style>
-            <a:lnRef idx="2">
-              <a:schemeClr val="accent4">
-                <a:shade val="15000"/>
-              </a:schemeClr>
-            </a:lnRef>
-            <a:fillRef idx="1">
-              <a:schemeClr val="accent4"/>
-            </a:fillRef>
-            <a:effectRef idx="0">
-              <a:schemeClr val="accent4"/>
-            </a:effectRef>
-            <a:fontRef idx="minor">
-              <a:schemeClr val="lt1"/>
-            </a:fontRef>
-          </p:style>
-        </p:cxnSp>
-        <p:sp>
-          <p:nvSpPr>
-            <p:cNvPr id="1072" name="Elipse 1071">
-              <a:extLst>
-                <a:ext uri="{FF2B5EF4-FFF2-40B4-BE49-F238E27FC236}">
-                  <a16:creationId xmlns:a16="http://schemas.microsoft.com/office/drawing/2014/main" id="{8566F3F2-736B-42E2-166B-E5DC809804E8}"/>
-                </a:ext>
-              </a:extLst>
-            </p:cNvPr>
-            <p:cNvSpPr/>
-            <p:nvPr/>
-          </p:nvSpPr>
-          <p:spPr>
-            <a:xfrm>
-              <a:off x="8045122" y="5097670"/>
-              <a:ext cx="225662" cy="225662"/>
-            </a:xfrm>
-            <a:prstGeom prst="ellipse">
-              <a:avLst/>
-            </a:prstGeom>
-            <a:noFill/>
-            <a:ln>
-              <a:solidFill>
-                <a:schemeClr val="bg1">
-                  <a:lumMod val="50000"/>
-                </a:schemeClr>
-              </a:solidFill>
-            </a:ln>
-          </p:spPr>
-          <p:style>
-            <a:lnRef idx="2">
-              <a:schemeClr val="accent4">
-                <a:shade val="15000"/>
-              </a:schemeClr>
-            </a:lnRef>
-            <a:fillRef idx="1">
-              <a:schemeClr val="accent4"/>
-            </a:fillRef>
-            <a:effectRef idx="0">
-              <a:schemeClr val="accent4"/>
-            </a:effectRef>
-            <a:fontRef idx="minor">
-              <a:schemeClr val="lt1"/>
-            </a:fontRef>
-          </p:style>
-          <p:txBody>
-            <a:bodyPr rtlCol="0" anchor="ctr"/>
-            <a:lstStyle/>
-            <a:p>
-              <a:pPr algn="ctr"/>
-              <a:endParaRPr lang="es-ES"/>
-            </a:p>
-          </p:txBody>
-        </p:sp>
-        <p:sp>
-          <p:nvSpPr>
-            <p:cNvPr id="1073" name="Elipse 1072">
-              <a:extLst>
-                <a:ext uri="{FF2B5EF4-FFF2-40B4-BE49-F238E27FC236}">
-                  <a16:creationId xmlns:a16="http://schemas.microsoft.com/office/drawing/2014/main" id="{19492F2A-543D-1B0C-85E4-2428693C1178}"/>
-                </a:ext>
-              </a:extLst>
-            </p:cNvPr>
-            <p:cNvSpPr/>
-            <p:nvPr/>
-          </p:nvSpPr>
-          <p:spPr>
-            <a:xfrm>
-              <a:off x="8463123" y="5097247"/>
-              <a:ext cx="225662" cy="225662"/>
-            </a:xfrm>
-            <a:prstGeom prst="ellipse">
-              <a:avLst/>
-            </a:prstGeom>
-            <a:noFill/>
-            <a:ln>
-              <a:solidFill>
-                <a:schemeClr val="accent2"/>
-              </a:solidFill>
-            </a:ln>
-          </p:spPr>
-          <p:style>
-            <a:lnRef idx="2">
-              <a:schemeClr val="accent4">
-                <a:shade val="15000"/>
-              </a:schemeClr>
-            </a:lnRef>
-            <a:fillRef idx="1">
-              <a:schemeClr val="accent4"/>
-            </a:fillRef>
-            <a:effectRef idx="0">
-              <a:schemeClr val="accent4"/>
-            </a:effectRef>
-            <a:fontRef idx="minor">
-              <a:schemeClr val="lt1"/>
-            </a:fontRef>
-          </p:style>
-          <p:txBody>
-            <a:bodyPr rtlCol="0" anchor="ctr"/>
-            <a:lstStyle/>
-            <a:p>
-              <a:pPr algn="ctr"/>
-              <a:endParaRPr lang="es-ES"/>
-            </a:p>
-          </p:txBody>
-        </p:sp>
-        <p:sp>
-          <p:nvSpPr>
-            <p:cNvPr id="1074" name="Elipse 1073">
-              <a:extLst>
-                <a:ext uri="{FF2B5EF4-FFF2-40B4-BE49-F238E27FC236}">
-                  <a16:creationId xmlns:a16="http://schemas.microsoft.com/office/drawing/2014/main" id="{12C994E1-75C3-074F-2573-D39A930E26F2}"/>
-                </a:ext>
-              </a:extLst>
-            </p:cNvPr>
-            <p:cNvSpPr/>
-            <p:nvPr/>
-          </p:nvSpPr>
-          <p:spPr>
-            <a:xfrm>
-              <a:off x="8827383" y="5097247"/>
-              <a:ext cx="225662" cy="225662"/>
-            </a:xfrm>
-            <a:prstGeom prst="ellipse">
-              <a:avLst/>
-            </a:prstGeom>
-            <a:noFill/>
-            <a:ln>
-              <a:solidFill>
-                <a:schemeClr val="accent1">
-                  <a:lumMod val="60000"/>
-                  <a:lumOff val="40000"/>
-                </a:schemeClr>
-              </a:solidFill>
-            </a:ln>
-          </p:spPr>
-          <p:style>
-            <a:lnRef idx="2">
-              <a:schemeClr val="accent4">
-                <a:shade val="15000"/>
-              </a:schemeClr>
-            </a:lnRef>
-            <a:fillRef idx="1">
-              <a:schemeClr val="accent4"/>
-            </a:fillRef>
-            <a:effectRef idx="0">
-              <a:schemeClr val="accent4"/>
-            </a:effectRef>
-            <a:fontRef idx="minor">
-              <a:schemeClr val="lt1"/>
-            </a:fontRef>
-          </p:style>
-          <p:txBody>
-            <a:bodyPr rtlCol="0" anchor="ctr"/>
-            <a:lstStyle/>
-            <a:p>
-              <a:pPr algn="ctr"/>
-              <a:endParaRPr lang="es-ES"/>
-            </a:p>
-          </p:txBody>
-        </p:sp>
-        <p:cxnSp>
-          <p:nvCxnSpPr>
-            <p:cNvPr id="1075" name="Conector recto 1074">
-              <a:extLst>
-                <a:ext uri="{FF2B5EF4-FFF2-40B4-BE49-F238E27FC236}">
-                  <a16:creationId xmlns:a16="http://schemas.microsoft.com/office/drawing/2014/main" id="{D1D02C34-0200-7B74-30FA-53C3A4D3E450}"/>
-                </a:ext>
-              </a:extLst>
-            </p:cNvPr>
-            <p:cNvCxnSpPr>
-              <a:cxnSpLocks/>
-              <a:stCxn id="1048" idx="3"/>
-              <a:endCxn id="1072" idx="7"/>
-            </p:cNvCxnSpPr>
-            <p:nvPr/>
-          </p:nvCxnSpPr>
-          <p:spPr>
-            <a:xfrm flipH="1">
-              <a:off x="8237737" y="4916382"/>
-              <a:ext cx="258433" cy="214335"/>
-            </a:xfrm>
-            <a:prstGeom prst="line">
-              <a:avLst/>
-            </a:prstGeom>
-            <a:noFill/>
-            <a:ln>
-              <a:solidFill>
-                <a:schemeClr val="accent6"/>
-              </a:solidFill>
-            </a:ln>
-          </p:spPr>
-          <p:style>
-            <a:lnRef idx="2">
-              <a:schemeClr val="accent4">
-                <a:shade val="15000"/>
-              </a:schemeClr>
-            </a:lnRef>
-            <a:fillRef idx="1">
-              <a:schemeClr val="accent4"/>
-            </a:fillRef>
-            <a:effectRef idx="0">
-              <a:schemeClr val="accent4"/>
-            </a:effectRef>
-            <a:fontRef idx="minor">
-              <a:schemeClr val="lt1"/>
-            </a:fontRef>
-          </p:style>
-        </p:cxnSp>
-        <p:cxnSp>
-          <p:nvCxnSpPr>
-            <p:cNvPr id="1083" name="Conector recto 1082">
-              <a:extLst>
-                <a:ext uri="{FF2B5EF4-FFF2-40B4-BE49-F238E27FC236}">
-                  <a16:creationId xmlns:a16="http://schemas.microsoft.com/office/drawing/2014/main" id="{582C7375-0079-1B1C-655F-6CF14C728D69}"/>
-                </a:ext>
-              </a:extLst>
-            </p:cNvPr>
-            <p:cNvCxnSpPr>
-              <a:cxnSpLocks/>
-              <a:stCxn id="1048" idx="5"/>
-              <a:endCxn id="1074" idx="0"/>
-            </p:cNvCxnSpPr>
-            <p:nvPr/>
-          </p:nvCxnSpPr>
-          <p:spPr>
-            <a:xfrm>
-              <a:off x="8655738" y="4916382"/>
-              <a:ext cx="284476" cy="180865"/>
-            </a:xfrm>
-            <a:prstGeom prst="line">
-              <a:avLst/>
-            </a:prstGeom>
-            <a:noFill/>
-            <a:ln>
-              <a:solidFill>
-                <a:schemeClr val="accent6"/>
-              </a:solidFill>
-            </a:ln>
-          </p:spPr>
-          <p:style>
-            <a:lnRef idx="2">
-              <a:schemeClr val="accent4">
-                <a:shade val="15000"/>
-              </a:schemeClr>
-            </a:lnRef>
-            <a:fillRef idx="1">
-              <a:schemeClr val="accent4"/>
-            </a:fillRef>
-            <a:effectRef idx="0">
-              <a:schemeClr val="accent4"/>
-            </a:effectRef>
-            <a:fontRef idx="minor">
-              <a:schemeClr val="lt1"/>
-            </a:fontRef>
-          </p:style>
-        </p:cxnSp>
-        <p:sp>
-          <p:nvSpPr>
-            <p:cNvPr id="1090" name="Elipse 1089">
-              <a:extLst>
-                <a:ext uri="{FF2B5EF4-FFF2-40B4-BE49-F238E27FC236}">
-                  <a16:creationId xmlns:a16="http://schemas.microsoft.com/office/drawing/2014/main" id="{EC2039CE-691B-3B7D-372D-1F10320A1AA2}"/>
-                </a:ext>
-              </a:extLst>
-            </p:cNvPr>
-            <p:cNvSpPr/>
-            <p:nvPr/>
-          </p:nvSpPr>
-          <p:spPr>
-            <a:xfrm>
-              <a:off x="8463123" y="5470727"/>
-              <a:ext cx="225662" cy="225662"/>
-            </a:xfrm>
-            <a:prstGeom prst="ellipse">
-              <a:avLst/>
-            </a:prstGeom>
-            <a:noFill/>
-            <a:ln>
-              <a:solidFill>
-                <a:srgbClr val="FFD144"/>
-              </a:solidFill>
-            </a:ln>
-          </p:spPr>
-          <p:style>
-            <a:lnRef idx="2">
-              <a:schemeClr val="accent4">
-                <a:shade val="15000"/>
-              </a:schemeClr>
-            </a:lnRef>
-            <a:fillRef idx="1">
-              <a:schemeClr val="accent4"/>
-            </a:fillRef>
-            <a:effectRef idx="0">
-              <a:schemeClr val="accent4"/>
-            </a:effectRef>
-            <a:fontRef idx="minor">
-              <a:schemeClr val="lt1"/>
-            </a:fontRef>
-          </p:style>
-          <p:txBody>
-            <a:bodyPr rtlCol="0" anchor="ctr"/>
-            <a:lstStyle/>
-            <a:p>
-              <a:pPr algn="ctr"/>
-              <a:endParaRPr lang="es-ES"/>
-            </a:p>
-          </p:txBody>
-        </p:sp>
-        <p:sp>
-          <p:nvSpPr>
-            <p:cNvPr id="1091" name="Elipse 1090">
-              <a:extLst>
-                <a:ext uri="{FF2B5EF4-FFF2-40B4-BE49-F238E27FC236}">
-                  <a16:creationId xmlns:a16="http://schemas.microsoft.com/office/drawing/2014/main" id="{146AD6AF-00F3-450E-EADB-38E3B1EFF65C}"/>
-                </a:ext>
-              </a:extLst>
-            </p:cNvPr>
-            <p:cNvSpPr/>
-            <p:nvPr/>
-          </p:nvSpPr>
-          <p:spPr>
-            <a:xfrm>
-              <a:off x="8827383" y="5473752"/>
-              <a:ext cx="225662" cy="225662"/>
-            </a:xfrm>
-            <a:prstGeom prst="ellipse">
-              <a:avLst/>
-            </a:prstGeom>
-            <a:noFill/>
-            <a:ln>
-              <a:solidFill>
-                <a:schemeClr val="bg1">
-                  <a:lumMod val="50000"/>
-                </a:schemeClr>
-              </a:solidFill>
-            </a:ln>
-          </p:spPr>
-          <p:style>
-            <a:lnRef idx="2">
-              <a:schemeClr val="accent4">
-                <a:shade val="15000"/>
-              </a:schemeClr>
-            </a:lnRef>
-            <a:fillRef idx="1">
-              <a:schemeClr val="accent4"/>
-            </a:fillRef>
-            <a:effectRef idx="0">
-              <a:schemeClr val="accent4"/>
-            </a:effectRef>
-            <a:fontRef idx="minor">
-              <a:schemeClr val="lt1"/>
-            </a:fontRef>
-          </p:style>
-          <p:txBody>
-            <a:bodyPr rtlCol="0" anchor="ctr"/>
-            <a:lstStyle/>
-            <a:p>
-              <a:pPr algn="ctr"/>
-              <a:endParaRPr lang="es-ES"/>
-            </a:p>
-          </p:txBody>
-        </p:sp>
-        <p:cxnSp>
-          <p:nvCxnSpPr>
-            <p:cNvPr id="1092" name="Conector recto 1091">
-              <a:extLst>
-                <a:ext uri="{FF2B5EF4-FFF2-40B4-BE49-F238E27FC236}">
-                  <a16:creationId xmlns:a16="http://schemas.microsoft.com/office/drawing/2014/main" id="{CC7BBA52-699F-5589-CEF6-271432E1E3EE}"/>
-                </a:ext>
-              </a:extLst>
-            </p:cNvPr>
-            <p:cNvCxnSpPr>
-              <a:cxnSpLocks/>
-            </p:cNvCxnSpPr>
-            <p:nvPr/>
-          </p:nvCxnSpPr>
-          <p:spPr>
-            <a:xfrm flipH="1">
-              <a:off x="8575953" y="5319550"/>
-              <a:ext cx="1" cy="154536"/>
-            </a:xfrm>
-            <a:prstGeom prst="line">
-              <a:avLst/>
-            </a:prstGeom>
-            <a:noFill/>
-            <a:ln>
-              <a:solidFill>
-                <a:schemeClr val="accent2"/>
-              </a:solidFill>
-            </a:ln>
-          </p:spPr>
-          <p:style>
-            <a:lnRef idx="2">
-              <a:schemeClr val="accent4">
-                <a:shade val="15000"/>
-              </a:schemeClr>
-            </a:lnRef>
-            <a:fillRef idx="1">
-              <a:schemeClr val="accent4"/>
-            </a:fillRef>
-            <a:effectRef idx="0">
-              <a:schemeClr val="accent4"/>
-            </a:effectRef>
-            <a:fontRef idx="minor">
-              <a:schemeClr val="lt1"/>
-            </a:fontRef>
-          </p:style>
-        </p:cxnSp>
-        <p:cxnSp>
-          <p:nvCxnSpPr>
-            <p:cNvPr id="1097" name="Conector recto 1096">
-              <a:extLst>
-                <a:ext uri="{FF2B5EF4-FFF2-40B4-BE49-F238E27FC236}">
-                  <a16:creationId xmlns:a16="http://schemas.microsoft.com/office/drawing/2014/main" id="{553555EA-9801-1983-2716-1B8CFD534856}"/>
-                </a:ext>
-              </a:extLst>
-            </p:cNvPr>
-            <p:cNvCxnSpPr>
-              <a:cxnSpLocks/>
-            </p:cNvCxnSpPr>
-            <p:nvPr/>
-          </p:nvCxnSpPr>
-          <p:spPr>
-            <a:xfrm flipH="1">
-              <a:off x="8935843" y="5319550"/>
-              <a:ext cx="1" cy="154536"/>
-            </a:xfrm>
-            <a:prstGeom prst="line">
-              <a:avLst/>
-            </a:prstGeom>
-            <a:noFill/>
-            <a:ln>
-              <a:solidFill>
-                <a:schemeClr val="accent1">
-                  <a:lumMod val="60000"/>
-                  <a:lumOff val="40000"/>
-                </a:schemeClr>
-              </a:solidFill>
-            </a:ln>
-          </p:spPr>
-          <p:style>
-            <a:lnRef idx="2">
-              <a:schemeClr val="accent4">
-                <a:shade val="15000"/>
-              </a:schemeClr>
-            </a:lnRef>
-            <a:fillRef idx="1">
-              <a:schemeClr val="accent4"/>
-            </a:fillRef>
-            <a:effectRef idx="0">
-              <a:schemeClr val="accent4"/>
-            </a:effectRef>
-            <a:fontRef idx="minor">
-              <a:schemeClr val="lt1"/>
-            </a:fontRef>
-          </p:style>
-        </p:cxnSp>
-        <p:cxnSp>
-          <p:nvCxnSpPr>
-            <p:cNvPr id="1099" name="Conector recto 1098">
-              <a:extLst>
-                <a:ext uri="{FF2B5EF4-FFF2-40B4-BE49-F238E27FC236}">
-                  <a16:creationId xmlns:a16="http://schemas.microsoft.com/office/drawing/2014/main" id="{3E03D597-D300-BB97-9AE1-1B91689559E9}"/>
-                </a:ext>
-              </a:extLst>
-            </p:cNvPr>
-            <p:cNvCxnSpPr>
-              <a:cxnSpLocks/>
-            </p:cNvCxnSpPr>
-            <p:nvPr/>
-          </p:nvCxnSpPr>
-          <p:spPr>
-            <a:xfrm flipH="1">
-              <a:off x="8575953" y="5699414"/>
-              <a:ext cx="1" cy="154536"/>
-            </a:xfrm>
-            <a:prstGeom prst="line">
-              <a:avLst/>
-            </a:prstGeom>
-            <a:noFill/>
-            <a:ln>
-              <a:solidFill>
-                <a:srgbClr val="FFD144"/>
-              </a:solidFill>
-            </a:ln>
-          </p:spPr>
-          <p:style>
-            <a:lnRef idx="2">
-              <a:schemeClr val="accent4">
-                <a:shade val="15000"/>
-              </a:schemeClr>
-            </a:lnRef>
-            <a:fillRef idx="1">
-              <a:schemeClr val="accent4"/>
-            </a:fillRef>
-            <a:effectRef idx="0">
-              <a:schemeClr val="accent4"/>
-            </a:effectRef>
-            <a:fontRef idx="minor">
-              <a:schemeClr val="lt1"/>
-            </a:fontRef>
-          </p:style>
-        </p:cxnSp>
-        <p:sp>
-          <p:nvSpPr>
-            <p:cNvPr id="1098" name="Elipse 1097">
-              <a:extLst>
-                <a:ext uri="{FF2B5EF4-FFF2-40B4-BE49-F238E27FC236}">
-                  <a16:creationId xmlns:a16="http://schemas.microsoft.com/office/drawing/2014/main" id="{A9F4A144-DC74-FAAE-3311-675538E1D372}"/>
-                </a:ext>
-              </a:extLst>
-            </p:cNvPr>
-            <p:cNvSpPr/>
-            <p:nvPr/>
-          </p:nvSpPr>
-          <p:spPr>
-            <a:xfrm>
-              <a:off x="8464893" y="5844207"/>
-              <a:ext cx="225662" cy="225662"/>
-            </a:xfrm>
-            <a:prstGeom prst="ellipse">
-              <a:avLst/>
-            </a:prstGeom>
-            <a:noFill/>
-            <a:ln>
-              <a:solidFill>
-                <a:srgbClr val="326499"/>
-              </a:solidFill>
-            </a:ln>
-          </p:spPr>
-          <p:style>
-            <a:lnRef idx="2">
-              <a:schemeClr val="accent4">
-                <a:shade val="15000"/>
-              </a:schemeClr>
-            </a:lnRef>
-            <a:fillRef idx="1">
-              <a:schemeClr val="accent4"/>
-            </a:fillRef>
-            <a:effectRef idx="0">
-              <a:schemeClr val="accent4"/>
-            </a:effectRef>
-            <a:fontRef idx="minor">
-              <a:schemeClr val="lt1"/>
-            </a:fontRef>
-          </p:style>
-          <p:txBody>
-            <a:bodyPr rtlCol="0" anchor="ctr"/>
-            <a:lstStyle/>
-            <a:p>
-              <a:pPr algn="ctr"/>
-              <a:endParaRPr lang="es-ES"/>
-            </a:p>
-          </p:txBody>
-        </p:sp>
-        <p:sp>
-          <p:nvSpPr>
-            <p:cNvPr id="1100" name="Elipse 1099">
-              <a:extLst>
-                <a:ext uri="{FF2B5EF4-FFF2-40B4-BE49-F238E27FC236}">
-                  <a16:creationId xmlns:a16="http://schemas.microsoft.com/office/drawing/2014/main" id="{F8D580A7-D355-7B38-58C2-6A0234118B8B}"/>
-                </a:ext>
-              </a:extLst>
-            </p:cNvPr>
-            <p:cNvSpPr/>
-            <p:nvPr/>
-          </p:nvSpPr>
-          <p:spPr>
-            <a:xfrm>
-              <a:off x="8045122" y="5470727"/>
-              <a:ext cx="225662" cy="225662"/>
-            </a:xfrm>
-            <a:prstGeom prst="ellipse">
-              <a:avLst/>
-            </a:prstGeom>
-            <a:noFill/>
-            <a:ln>
-              <a:solidFill>
-                <a:srgbClr val="326499"/>
-              </a:solidFill>
-            </a:ln>
-          </p:spPr>
-          <p:style>
-            <a:lnRef idx="2">
-              <a:schemeClr val="accent4">
-                <a:shade val="15000"/>
-              </a:schemeClr>
-            </a:lnRef>
-            <a:fillRef idx="1">
-              <a:schemeClr val="accent4"/>
-            </a:fillRef>
-            <a:effectRef idx="0">
-              <a:schemeClr val="accent4"/>
-            </a:effectRef>
-            <a:fontRef idx="minor">
-              <a:schemeClr val="lt1"/>
-            </a:fontRef>
-          </p:style>
-          <p:txBody>
-            <a:bodyPr rtlCol="0" anchor="ctr"/>
-            <a:lstStyle/>
-            <a:p>
-              <a:pPr algn="ctr"/>
-              <a:endParaRPr lang="es-ES"/>
-            </a:p>
-          </p:txBody>
-        </p:sp>
-        <p:cxnSp>
-          <p:nvCxnSpPr>
-            <p:cNvPr id="1103" name="Conector recto 1102">
-              <a:extLst>
-                <a:ext uri="{FF2B5EF4-FFF2-40B4-BE49-F238E27FC236}">
-                  <a16:creationId xmlns:a16="http://schemas.microsoft.com/office/drawing/2014/main" id="{797CB05D-F17C-07D3-5B71-74A1551F6A47}"/>
-                </a:ext>
-              </a:extLst>
-            </p:cNvPr>
-            <p:cNvCxnSpPr>
-              <a:cxnSpLocks/>
-            </p:cNvCxnSpPr>
-            <p:nvPr/>
-          </p:nvCxnSpPr>
-          <p:spPr>
-            <a:xfrm flipH="1">
-              <a:off x="8154448" y="5323978"/>
-              <a:ext cx="1" cy="140487"/>
-            </a:xfrm>
-            <a:prstGeom prst="line">
-              <a:avLst/>
-            </a:prstGeom>
-            <a:noFill/>
-            <a:ln>
-              <a:solidFill>
-                <a:schemeClr val="bg1">
-                  <a:lumMod val="50000"/>
-                </a:schemeClr>
-              </a:solidFill>
-            </a:ln>
-          </p:spPr>
-          <p:style>
-            <a:lnRef idx="2">
-              <a:schemeClr val="accent4">
-                <a:shade val="15000"/>
-              </a:schemeClr>
-            </a:lnRef>
-            <a:fillRef idx="1">
-              <a:schemeClr val="accent4"/>
-            </a:fillRef>
-            <a:effectRef idx="0">
-              <a:schemeClr val="accent4"/>
-            </a:effectRef>
-            <a:fontRef idx="minor">
-              <a:schemeClr val="lt1"/>
-            </a:fontRef>
-          </p:style>
-        </p:cxnSp>
-        <p:sp>
-          <p:nvSpPr>
-            <p:cNvPr id="1104" name="Elipse 1103">
-              <a:extLst>
-                <a:ext uri="{FF2B5EF4-FFF2-40B4-BE49-F238E27FC236}">
-                  <a16:creationId xmlns:a16="http://schemas.microsoft.com/office/drawing/2014/main" id="{12E38CB7-64CC-2D18-1BD5-76C861B85EEC}"/>
-                </a:ext>
-              </a:extLst>
-            </p:cNvPr>
-            <p:cNvSpPr/>
-            <p:nvPr/>
-          </p:nvSpPr>
-          <p:spPr>
-            <a:xfrm>
-              <a:off x="8823012" y="5853950"/>
-              <a:ext cx="225662" cy="225662"/>
-            </a:xfrm>
-            <a:prstGeom prst="ellipse">
-              <a:avLst/>
-            </a:prstGeom>
-            <a:noFill/>
-            <a:ln>
-              <a:solidFill>
-                <a:srgbClr val="326499"/>
-              </a:solidFill>
-            </a:ln>
-          </p:spPr>
-          <p:style>
-            <a:lnRef idx="2">
-              <a:schemeClr val="accent4">
-                <a:shade val="15000"/>
-              </a:schemeClr>
-            </a:lnRef>
-            <a:fillRef idx="1">
-              <a:schemeClr val="accent4"/>
-            </a:fillRef>
-            <a:effectRef idx="0">
-              <a:schemeClr val="accent4"/>
-            </a:effectRef>
-            <a:fontRef idx="minor">
-              <a:schemeClr val="lt1"/>
-            </a:fontRef>
-          </p:style>
-          <p:txBody>
-            <a:bodyPr rtlCol="0" anchor="ctr"/>
-            <a:lstStyle/>
-            <a:p>
-              <a:pPr algn="ctr"/>
-              <a:endParaRPr lang="es-ES"/>
-            </a:p>
-          </p:txBody>
-        </p:sp>
-        <p:sp>
-          <p:nvSpPr>
-            <p:cNvPr id="1105" name="Elipse 1104">
-              <a:extLst>
-                <a:ext uri="{FF2B5EF4-FFF2-40B4-BE49-F238E27FC236}">
-                  <a16:creationId xmlns:a16="http://schemas.microsoft.com/office/drawing/2014/main" id="{17B18DEC-E374-61B5-7468-918FEE4AB4FF}"/>
-                </a:ext>
-              </a:extLst>
-            </p:cNvPr>
-            <p:cNvSpPr/>
-            <p:nvPr/>
-          </p:nvSpPr>
-          <p:spPr>
-            <a:xfrm>
-              <a:off x="8053547" y="5843784"/>
-              <a:ext cx="225662" cy="225662"/>
-            </a:xfrm>
-            <a:prstGeom prst="ellipse">
-              <a:avLst/>
-            </a:prstGeom>
-            <a:noFill/>
-            <a:ln>
-              <a:solidFill>
-                <a:schemeClr val="bg1">
-                  <a:lumMod val="50000"/>
-                </a:schemeClr>
-              </a:solidFill>
-            </a:ln>
-          </p:spPr>
-          <p:style>
-            <a:lnRef idx="2">
-              <a:schemeClr val="accent4">
-                <a:shade val="15000"/>
-              </a:schemeClr>
-            </a:lnRef>
-            <a:fillRef idx="1">
-              <a:schemeClr val="accent4"/>
-            </a:fillRef>
-            <a:effectRef idx="0">
-              <a:schemeClr val="accent4"/>
-            </a:effectRef>
-            <a:fontRef idx="minor">
-              <a:schemeClr val="lt1"/>
-            </a:fontRef>
-          </p:style>
-          <p:txBody>
-            <a:bodyPr rtlCol="0" anchor="ctr"/>
-            <a:lstStyle/>
-            <a:p>
-              <a:pPr algn="ctr"/>
-              <a:endParaRPr lang="es-ES"/>
-            </a:p>
-          </p:txBody>
-        </p:sp>
-        <p:cxnSp>
-          <p:nvCxnSpPr>
-            <p:cNvPr id="1106" name="Conector recto 1105">
-              <a:extLst>
-                <a:ext uri="{FF2B5EF4-FFF2-40B4-BE49-F238E27FC236}">
-                  <a16:creationId xmlns:a16="http://schemas.microsoft.com/office/drawing/2014/main" id="{E973D0FB-DB89-05FC-A81E-57EF55E86E7F}"/>
-                </a:ext>
-              </a:extLst>
-            </p:cNvPr>
-            <p:cNvCxnSpPr>
-              <a:cxnSpLocks/>
-            </p:cNvCxnSpPr>
-            <p:nvPr/>
-          </p:nvCxnSpPr>
-          <p:spPr>
-            <a:xfrm flipH="1">
-              <a:off x="8933429" y="5695714"/>
-              <a:ext cx="1" cy="154536"/>
-            </a:xfrm>
-            <a:prstGeom prst="line">
-              <a:avLst/>
-            </a:prstGeom>
-            <a:noFill/>
-            <a:ln>
-              <a:solidFill>
-                <a:schemeClr val="bg1">
-                  <a:lumMod val="50000"/>
-                </a:schemeClr>
-              </a:solidFill>
-            </a:ln>
-          </p:spPr>
-          <p:style>
-            <a:lnRef idx="2">
-              <a:schemeClr val="accent4">
-                <a:shade val="15000"/>
-              </a:schemeClr>
-            </a:lnRef>
-            <a:fillRef idx="1">
-              <a:schemeClr val="accent4"/>
-            </a:fillRef>
-            <a:effectRef idx="0">
-              <a:schemeClr val="accent4"/>
-            </a:effectRef>
-            <a:fontRef idx="minor">
-              <a:schemeClr val="lt1"/>
-            </a:fontRef>
-          </p:style>
-        </p:cxnSp>
-        <p:cxnSp>
-          <p:nvCxnSpPr>
-            <p:cNvPr id="1107" name="Conector recto 1106">
-              <a:extLst>
-                <a:ext uri="{FF2B5EF4-FFF2-40B4-BE49-F238E27FC236}">
-                  <a16:creationId xmlns:a16="http://schemas.microsoft.com/office/drawing/2014/main" id="{BC7D255C-CC20-8805-A35A-8B34C5F1C86D}"/>
-                </a:ext>
-              </a:extLst>
-            </p:cNvPr>
-            <p:cNvCxnSpPr>
-              <a:cxnSpLocks/>
-              <a:stCxn id="1090" idx="3"/>
-              <a:endCxn id="1105" idx="7"/>
-            </p:cNvCxnSpPr>
-            <p:nvPr/>
-          </p:nvCxnSpPr>
-          <p:spPr>
-            <a:xfrm flipH="1">
-              <a:off x="8246162" y="5663342"/>
-              <a:ext cx="250008" cy="213489"/>
-            </a:xfrm>
-            <a:prstGeom prst="line">
-              <a:avLst/>
-            </a:prstGeom>
-            <a:noFill/>
-            <a:ln>
-              <a:solidFill>
-                <a:srgbClr val="FFD144"/>
-              </a:solidFill>
-            </a:ln>
-          </p:spPr>
-          <p:style>
-            <a:lnRef idx="2">
-              <a:schemeClr val="accent4">
-                <a:shade val="15000"/>
-              </a:schemeClr>
-            </a:lnRef>
-            <a:fillRef idx="1">
-              <a:schemeClr val="accent4"/>
-            </a:fillRef>
-            <a:effectRef idx="0">
-              <a:schemeClr val="accent4"/>
-            </a:effectRef>
-            <a:fontRef idx="minor">
-              <a:schemeClr val="lt1"/>
-            </a:fontRef>
-          </p:style>
-        </p:cxnSp>
-        <p:sp>
-          <p:nvSpPr>
-            <p:cNvPr id="1110" name="Elipse 1109">
-              <a:extLst>
-                <a:ext uri="{FF2B5EF4-FFF2-40B4-BE49-F238E27FC236}">
-                  <a16:creationId xmlns:a16="http://schemas.microsoft.com/office/drawing/2014/main" id="{EB1C632C-037F-3486-0787-0385A703D4F8}"/>
-                </a:ext>
-              </a:extLst>
-            </p:cNvPr>
-            <p:cNvSpPr/>
-            <p:nvPr/>
-          </p:nvSpPr>
-          <p:spPr>
-            <a:xfrm>
-              <a:off x="8053907" y="6219143"/>
-              <a:ext cx="225662" cy="225662"/>
-            </a:xfrm>
-            <a:prstGeom prst="ellipse">
-              <a:avLst/>
-            </a:prstGeom>
-            <a:noFill/>
-            <a:ln>
-              <a:solidFill>
-                <a:srgbClr val="326499"/>
-              </a:solidFill>
-            </a:ln>
-          </p:spPr>
-          <p:style>
-            <a:lnRef idx="2">
-              <a:schemeClr val="accent4">
-                <a:shade val="15000"/>
-              </a:schemeClr>
-            </a:lnRef>
-            <a:fillRef idx="1">
-              <a:schemeClr val="accent4"/>
-            </a:fillRef>
-            <a:effectRef idx="0">
-              <a:schemeClr val="accent4"/>
-            </a:effectRef>
-            <a:fontRef idx="minor">
-              <a:schemeClr val="lt1"/>
-            </a:fontRef>
-          </p:style>
-          <p:txBody>
-            <a:bodyPr rtlCol="0" anchor="ctr"/>
-            <a:lstStyle/>
-            <a:p>
-              <a:pPr algn="ctr"/>
-              <a:endParaRPr lang="es-ES"/>
-            </a:p>
-          </p:txBody>
-        </p:sp>
-        <p:cxnSp>
-          <p:nvCxnSpPr>
-            <p:cNvPr id="1111" name="Conector recto 1110">
-              <a:extLst>
-                <a:ext uri="{FF2B5EF4-FFF2-40B4-BE49-F238E27FC236}">
-                  <a16:creationId xmlns:a16="http://schemas.microsoft.com/office/drawing/2014/main" id="{36569CDC-2A03-8A28-A065-F62B91202686}"/>
-                </a:ext>
-              </a:extLst>
-            </p:cNvPr>
-            <p:cNvCxnSpPr>
-              <a:cxnSpLocks/>
-            </p:cNvCxnSpPr>
-            <p:nvPr/>
-          </p:nvCxnSpPr>
-          <p:spPr>
-            <a:xfrm flipH="1">
-              <a:off x="8164324" y="6060907"/>
-              <a:ext cx="1" cy="154536"/>
-            </a:xfrm>
-            <a:prstGeom prst="line">
-              <a:avLst/>
-            </a:prstGeom>
-            <a:noFill/>
-            <a:ln>
-              <a:solidFill>
-                <a:schemeClr val="bg1">
-                  <a:lumMod val="50000"/>
-                </a:schemeClr>
-              </a:solidFill>
-            </a:ln>
-          </p:spPr>
-          <p:style>
-            <a:lnRef idx="2">
-              <a:schemeClr val="accent4">
-                <a:shade val="15000"/>
-              </a:schemeClr>
-            </a:lnRef>
-            <a:fillRef idx="1">
-              <a:schemeClr val="accent4"/>
-            </a:fillRef>
-            <a:effectRef idx="0">
-              <a:schemeClr val="accent4"/>
-            </a:effectRef>
-            <a:fontRef idx="minor">
-              <a:schemeClr val="lt1"/>
-            </a:fontRef>
-          </p:style>
-        </p:cxnSp>
-        <p:sp>
-          <p:nvSpPr>
-            <p:cNvPr id="28" name="CuadroTexto 27">
-              <a:extLst>
-                <a:ext uri="{FF2B5EF4-FFF2-40B4-BE49-F238E27FC236}">
-                  <a16:creationId xmlns:a16="http://schemas.microsoft.com/office/drawing/2014/main" id="{A95E1AC0-795B-39AF-01A4-08076700175D}"/>
-                </a:ext>
-              </a:extLst>
-            </p:cNvPr>
-            <p:cNvSpPr txBox="1"/>
-            <p:nvPr/>
-          </p:nvSpPr>
-          <p:spPr>
-            <a:xfrm>
-              <a:off x="7854059" y="3990236"/>
-              <a:ext cx="2855143" cy="338554"/>
-            </a:xfrm>
-            <a:prstGeom prst="rect">
-              <a:avLst/>
-            </a:prstGeom>
-            <a:noFill/>
-            <a:effectLst>
-              <a:outerShdw blurRad="50800" dist="38100" dir="2700000" algn="tl" rotWithShape="0">
-                <a:prstClr val="black">
-                  <a:alpha val="40000"/>
-                </a:prstClr>
-              </a:outerShdw>
-            </a:effectLst>
-          </p:spPr>
-          <p:txBody>
-            <a:bodyPr wrap="square" rtlCol="0">
-              <a:spAutoFit/>
-            </a:bodyPr>
-            <a:lstStyle/>
-            <a:p>
-              <a:pPr algn="ctr"/>
-              <a:r>
-                <a:rPr lang="es-ES" sz="1600" dirty="0">
-                  <a:solidFill>
-                    <a:schemeClr val="tx2"/>
-                  </a:solidFill>
-                </a:rPr>
-                <a:t>Transformación de </a:t>
-              </a:r>
-              <a:r>
-                <a:rPr lang="es-ES" sz="1600" dirty="0" err="1">
-                  <a:solidFill>
-                    <a:schemeClr val="tx2"/>
-                  </a:solidFill>
-                </a:rPr>
-                <a:t>ASTs</a:t>
-              </a:r>
-              <a:endParaRPr lang="es-ES" dirty="0"/>
-            </a:p>
-          </p:txBody>
-        </p:sp>
-      </p:grpSp>
+              </a:rPr>
+              <a:t>ASTs</a:t>
+            </a:r>
+            <a:r>
+              <a:rPr lang="es-ES" sz="1600" dirty="0">
+                <a:solidFill>
+                  <a:schemeClr val="tx2"/>
+                </a:solidFill>
+              </a:rPr>
+              <a:t> Transformados</a:t>
+            </a:r>
+            <a:endParaRPr lang="es-ES" dirty="0"/>
+          </a:p>
+        </p:txBody>
+      </p:sp>
       <p:sp>
         <p:nvSpPr>
           <p:cNvPr id="29" name="CuadroTexto 28">
@@ -13172,6 +12177,3822 @@
           </a:p>
         </p:txBody>
       </p:sp>
+      <p:grpSp>
+        <p:nvGrpSpPr>
+          <p:cNvPr id="1158" name="Grupo 1157">
+            <a:extLst>
+              <a:ext uri="{FF2B5EF4-FFF2-40B4-BE49-F238E27FC236}">
+                <a16:creationId xmlns:a16="http://schemas.microsoft.com/office/drawing/2014/main" id="{4BF343EF-BFA2-9D43-1029-B31A888E8750}"/>
+              </a:ext>
+            </a:extLst>
+          </p:cNvPr>
+          <p:cNvGrpSpPr/>
+          <p:nvPr/>
+        </p:nvGrpSpPr>
+        <p:grpSpPr>
+          <a:xfrm>
+            <a:off x="1262719" y="4823060"/>
+            <a:ext cx="535666" cy="776768"/>
+            <a:chOff x="1091515" y="3122530"/>
+            <a:chExt cx="535666" cy="776768"/>
+          </a:xfrm>
+        </p:grpSpPr>
+        <p:sp>
+          <p:nvSpPr>
+            <p:cNvPr id="1155" name="Rectángulo 1154">
+              <a:extLst>
+                <a:ext uri="{FF2B5EF4-FFF2-40B4-BE49-F238E27FC236}">
+                  <a16:creationId xmlns:a16="http://schemas.microsoft.com/office/drawing/2014/main" id="{36F56457-681E-8F1A-9221-0C42CA767DFF}"/>
+                </a:ext>
+              </a:extLst>
+            </p:cNvPr>
+            <p:cNvSpPr/>
+            <p:nvPr/>
+          </p:nvSpPr>
+          <p:spPr>
+            <a:xfrm>
+              <a:off x="1091515" y="3122530"/>
+              <a:ext cx="535666" cy="776768"/>
+            </a:xfrm>
+            <a:prstGeom prst="rect">
+              <a:avLst/>
+            </a:prstGeom>
+            <a:solidFill>
+              <a:schemeClr val="bg1"/>
+            </a:solidFill>
+          </p:spPr>
+          <p:style>
+            <a:lnRef idx="2">
+              <a:schemeClr val="accent1">
+                <a:shade val="15000"/>
+              </a:schemeClr>
+            </a:lnRef>
+            <a:fillRef idx="1">
+              <a:schemeClr val="accent1"/>
+            </a:fillRef>
+            <a:effectRef idx="0">
+              <a:schemeClr val="accent1"/>
+            </a:effectRef>
+            <a:fontRef idx="minor">
+              <a:schemeClr val="lt1"/>
+            </a:fontRef>
+          </p:style>
+          <p:txBody>
+            <a:bodyPr rtlCol="0" anchor="ctr"/>
+            <a:lstStyle/>
+            <a:p>
+              <a:pPr algn="ctr"/>
+              <a:endParaRPr lang="es-ES"/>
+            </a:p>
+          </p:txBody>
+        </p:sp>
+        <p:sp>
+          <p:nvSpPr>
+            <p:cNvPr id="26" name="Rectángulo: esquinas redondeadas 25">
+              <a:extLst>
+                <a:ext uri="{FF2B5EF4-FFF2-40B4-BE49-F238E27FC236}">
+                  <a16:creationId xmlns:a16="http://schemas.microsoft.com/office/drawing/2014/main" id="{2FE12670-D49A-C5F8-07F4-FCECE09F4B4B}"/>
+                </a:ext>
+              </a:extLst>
+            </p:cNvPr>
+            <p:cNvSpPr/>
+            <p:nvPr/>
+          </p:nvSpPr>
+          <p:spPr>
+            <a:xfrm>
+              <a:off x="1385874" y="3491036"/>
+              <a:ext cx="203739" cy="28388"/>
+            </a:xfrm>
+            <a:prstGeom prst="roundRect">
+              <a:avLst/>
+            </a:prstGeom>
+            <a:solidFill>
+              <a:schemeClr val="tx1"/>
+            </a:solidFill>
+            <a:ln>
+              <a:noFill/>
+            </a:ln>
+          </p:spPr>
+          <p:style>
+            <a:lnRef idx="2">
+              <a:schemeClr val="accent1">
+                <a:shade val="15000"/>
+              </a:schemeClr>
+            </a:lnRef>
+            <a:fillRef idx="1">
+              <a:schemeClr val="accent1"/>
+            </a:fillRef>
+            <a:effectRef idx="0">
+              <a:schemeClr val="accent1"/>
+            </a:effectRef>
+            <a:fontRef idx="minor">
+              <a:schemeClr val="lt1"/>
+            </a:fontRef>
+          </p:style>
+          <p:txBody>
+            <a:bodyPr rtlCol="0" anchor="ctr"/>
+            <a:lstStyle/>
+            <a:p>
+              <a:pPr algn="ctr"/>
+              <a:endParaRPr lang="es-ES"/>
+            </a:p>
+          </p:txBody>
+        </p:sp>
+        <p:sp>
+          <p:nvSpPr>
+            <p:cNvPr id="36" name="Rectángulo: esquinas redondeadas 35">
+              <a:extLst>
+                <a:ext uri="{FF2B5EF4-FFF2-40B4-BE49-F238E27FC236}">
+                  <a16:creationId xmlns:a16="http://schemas.microsoft.com/office/drawing/2014/main" id="{00DD52CC-DBDC-59E4-7204-B71FDFA51FB9}"/>
+                </a:ext>
+              </a:extLst>
+            </p:cNvPr>
+            <p:cNvSpPr/>
+            <p:nvPr/>
+          </p:nvSpPr>
+          <p:spPr>
+            <a:xfrm>
+              <a:off x="1385874" y="3529136"/>
+              <a:ext cx="203739" cy="28388"/>
+            </a:xfrm>
+            <a:prstGeom prst="roundRect">
+              <a:avLst/>
+            </a:prstGeom>
+            <a:solidFill>
+              <a:schemeClr val="tx1"/>
+            </a:solidFill>
+            <a:ln>
+              <a:noFill/>
+            </a:ln>
+          </p:spPr>
+          <p:style>
+            <a:lnRef idx="2">
+              <a:schemeClr val="accent1">
+                <a:shade val="15000"/>
+              </a:schemeClr>
+            </a:lnRef>
+            <a:fillRef idx="1">
+              <a:schemeClr val="accent1"/>
+            </a:fillRef>
+            <a:effectRef idx="0">
+              <a:schemeClr val="accent1"/>
+            </a:effectRef>
+            <a:fontRef idx="minor">
+              <a:schemeClr val="lt1"/>
+            </a:fontRef>
+          </p:style>
+          <p:txBody>
+            <a:bodyPr rtlCol="0" anchor="ctr"/>
+            <a:lstStyle/>
+            <a:p>
+              <a:pPr algn="ctr"/>
+              <a:endParaRPr lang="es-ES"/>
+            </a:p>
+          </p:txBody>
+        </p:sp>
+        <p:sp>
+          <p:nvSpPr>
+            <p:cNvPr id="37" name="Rectángulo: esquinas redondeadas 36">
+              <a:extLst>
+                <a:ext uri="{FF2B5EF4-FFF2-40B4-BE49-F238E27FC236}">
+                  <a16:creationId xmlns:a16="http://schemas.microsoft.com/office/drawing/2014/main" id="{6936E19D-D7CC-D10F-726C-71001EBCF1FF}"/>
+                </a:ext>
+              </a:extLst>
+            </p:cNvPr>
+            <p:cNvSpPr/>
+            <p:nvPr/>
+          </p:nvSpPr>
+          <p:spPr>
+            <a:xfrm>
+              <a:off x="1385874" y="3567236"/>
+              <a:ext cx="203739" cy="28388"/>
+            </a:xfrm>
+            <a:prstGeom prst="roundRect">
+              <a:avLst/>
+            </a:prstGeom>
+            <a:solidFill>
+              <a:schemeClr val="tx1"/>
+            </a:solidFill>
+            <a:ln>
+              <a:noFill/>
+            </a:ln>
+          </p:spPr>
+          <p:style>
+            <a:lnRef idx="2">
+              <a:schemeClr val="accent1">
+                <a:shade val="15000"/>
+              </a:schemeClr>
+            </a:lnRef>
+            <a:fillRef idx="1">
+              <a:schemeClr val="accent1"/>
+            </a:fillRef>
+            <a:effectRef idx="0">
+              <a:schemeClr val="accent1"/>
+            </a:effectRef>
+            <a:fontRef idx="minor">
+              <a:schemeClr val="lt1"/>
+            </a:fontRef>
+          </p:style>
+          <p:txBody>
+            <a:bodyPr rtlCol="0" anchor="ctr"/>
+            <a:lstStyle/>
+            <a:p>
+              <a:pPr algn="ctr"/>
+              <a:endParaRPr lang="es-ES"/>
+            </a:p>
+          </p:txBody>
+        </p:sp>
+        <p:sp>
+          <p:nvSpPr>
+            <p:cNvPr id="39" name="Rectángulo: esquinas redondeadas 38">
+              <a:extLst>
+                <a:ext uri="{FF2B5EF4-FFF2-40B4-BE49-F238E27FC236}">
+                  <a16:creationId xmlns:a16="http://schemas.microsoft.com/office/drawing/2014/main" id="{084DA9AD-6EDB-0A08-F928-49B64D9FDF59}"/>
+                </a:ext>
+              </a:extLst>
+            </p:cNvPr>
+            <p:cNvSpPr/>
+            <p:nvPr/>
+          </p:nvSpPr>
+          <p:spPr>
+            <a:xfrm>
+              <a:off x="1130601" y="3719636"/>
+              <a:ext cx="246524" cy="28388"/>
+            </a:xfrm>
+            <a:prstGeom prst="roundRect">
+              <a:avLst/>
+            </a:prstGeom>
+            <a:solidFill>
+              <a:schemeClr val="tx1"/>
+            </a:solidFill>
+            <a:ln>
+              <a:noFill/>
+            </a:ln>
+          </p:spPr>
+          <p:style>
+            <a:lnRef idx="2">
+              <a:schemeClr val="accent1">
+                <a:shade val="15000"/>
+              </a:schemeClr>
+            </a:lnRef>
+            <a:fillRef idx="1">
+              <a:schemeClr val="accent1"/>
+            </a:fillRef>
+            <a:effectRef idx="0">
+              <a:schemeClr val="accent1"/>
+            </a:effectRef>
+            <a:fontRef idx="minor">
+              <a:schemeClr val="lt1"/>
+            </a:fontRef>
+          </p:style>
+          <p:txBody>
+            <a:bodyPr rtlCol="0" anchor="ctr"/>
+            <a:lstStyle/>
+            <a:p>
+              <a:pPr algn="ctr"/>
+              <a:endParaRPr lang="es-ES"/>
+            </a:p>
+          </p:txBody>
+        </p:sp>
+        <p:sp>
+          <p:nvSpPr>
+            <p:cNvPr id="40" name="Rectángulo: esquinas redondeadas 39">
+              <a:extLst>
+                <a:ext uri="{FF2B5EF4-FFF2-40B4-BE49-F238E27FC236}">
+                  <a16:creationId xmlns:a16="http://schemas.microsoft.com/office/drawing/2014/main" id="{82A7310E-9769-81E6-F20D-44A3720DEC19}"/>
+                </a:ext>
+              </a:extLst>
+            </p:cNvPr>
+            <p:cNvSpPr/>
+            <p:nvPr/>
+          </p:nvSpPr>
+          <p:spPr>
+            <a:xfrm>
+              <a:off x="1130601" y="3757736"/>
+              <a:ext cx="246524" cy="28388"/>
+            </a:xfrm>
+            <a:prstGeom prst="roundRect">
+              <a:avLst/>
+            </a:prstGeom>
+            <a:solidFill>
+              <a:schemeClr val="tx1"/>
+            </a:solidFill>
+            <a:ln>
+              <a:noFill/>
+            </a:ln>
+          </p:spPr>
+          <p:style>
+            <a:lnRef idx="2">
+              <a:schemeClr val="accent1">
+                <a:shade val="15000"/>
+              </a:schemeClr>
+            </a:lnRef>
+            <a:fillRef idx="1">
+              <a:schemeClr val="accent1"/>
+            </a:fillRef>
+            <a:effectRef idx="0">
+              <a:schemeClr val="accent1"/>
+            </a:effectRef>
+            <a:fontRef idx="minor">
+              <a:schemeClr val="lt1"/>
+            </a:fontRef>
+          </p:style>
+          <p:txBody>
+            <a:bodyPr rtlCol="0" anchor="ctr"/>
+            <a:lstStyle/>
+            <a:p>
+              <a:pPr algn="ctr"/>
+              <a:endParaRPr lang="es-ES"/>
+            </a:p>
+          </p:txBody>
+        </p:sp>
+        <p:sp>
+          <p:nvSpPr>
+            <p:cNvPr id="42" name="Rectángulo: esquinas redondeadas 41">
+              <a:extLst>
+                <a:ext uri="{FF2B5EF4-FFF2-40B4-BE49-F238E27FC236}">
+                  <a16:creationId xmlns:a16="http://schemas.microsoft.com/office/drawing/2014/main" id="{8861B3D6-BD09-B7AD-EAC0-D0743D0E0019}"/>
+                </a:ext>
+              </a:extLst>
+            </p:cNvPr>
+            <p:cNvSpPr/>
+            <p:nvPr/>
+          </p:nvSpPr>
+          <p:spPr>
+            <a:xfrm>
+              <a:off x="1130601" y="3795836"/>
+              <a:ext cx="246524" cy="28388"/>
+            </a:xfrm>
+            <a:prstGeom prst="roundRect">
+              <a:avLst/>
+            </a:prstGeom>
+            <a:solidFill>
+              <a:schemeClr val="tx1"/>
+            </a:solidFill>
+            <a:ln>
+              <a:noFill/>
+            </a:ln>
+          </p:spPr>
+          <p:style>
+            <a:lnRef idx="2">
+              <a:schemeClr val="accent1">
+                <a:shade val="15000"/>
+              </a:schemeClr>
+            </a:lnRef>
+            <a:fillRef idx="1">
+              <a:schemeClr val="accent1"/>
+            </a:fillRef>
+            <a:effectRef idx="0">
+              <a:schemeClr val="accent1"/>
+            </a:effectRef>
+            <a:fontRef idx="minor">
+              <a:schemeClr val="lt1"/>
+            </a:fontRef>
+          </p:style>
+          <p:txBody>
+            <a:bodyPr rtlCol="0" anchor="ctr"/>
+            <a:lstStyle/>
+            <a:p>
+              <a:pPr algn="ctr"/>
+              <a:endParaRPr lang="es-ES"/>
+            </a:p>
+          </p:txBody>
+        </p:sp>
+        <p:sp>
+          <p:nvSpPr>
+            <p:cNvPr id="43" name="Elipse 42">
+              <a:extLst>
+                <a:ext uri="{FF2B5EF4-FFF2-40B4-BE49-F238E27FC236}">
+                  <a16:creationId xmlns:a16="http://schemas.microsoft.com/office/drawing/2014/main" id="{99116612-AC5B-8324-5C37-5688F350B60E}"/>
+                </a:ext>
+              </a:extLst>
+            </p:cNvPr>
+            <p:cNvSpPr/>
+            <p:nvPr/>
+          </p:nvSpPr>
+          <p:spPr>
+            <a:xfrm>
+              <a:off x="1174496" y="3465402"/>
+              <a:ext cx="164269" cy="164269"/>
+            </a:xfrm>
+            <a:prstGeom prst="ellipse">
+              <a:avLst/>
+            </a:prstGeom>
+            <a:solidFill>
+              <a:schemeClr val="accent2"/>
+            </a:solidFill>
+            <a:ln>
+              <a:noFill/>
+            </a:ln>
+          </p:spPr>
+          <p:style>
+            <a:lnRef idx="2">
+              <a:schemeClr val="accent1">
+                <a:shade val="15000"/>
+              </a:schemeClr>
+            </a:lnRef>
+            <a:fillRef idx="1">
+              <a:schemeClr val="accent1"/>
+            </a:fillRef>
+            <a:effectRef idx="0">
+              <a:schemeClr val="accent1"/>
+            </a:effectRef>
+            <a:fontRef idx="minor">
+              <a:schemeClr val="lt1"/>
+            </a:fontRef>
+          </p:style>
+          <p:txBody>
+            <a:bodyPr rtlCol="0" anchor="ctr"/>
+            <a:lstStyle/>
+            <a:p>
+              <a:pPr algn="ctr"/>
+              <a:endParaRPr lang="es-ES"/>
+            </a:p>
+          </p:txBody>
+        </p:sp>
+        <p:sp>
+          <p:nvSpPr>
+            <p:cNvPr id="45" name="Círculo parcial 44">
+              <a:extLst>
+                <a:ext uri="{FF2B5EF4-FFF2-40B4-BE49-F238E27FC236}">
+                  <a16:creationId xmlns:a16="http://schemas.microsoft.com/office/drawing/2014/main" id="{2E833E76-78FE-7895-7B52-3C3160EE9A9A}"/>
+                </a:ext>
+              </a:extLst>
+            </p:cNvPr>
+            <p:cNvSpPr/>
+            <p:nvPr/>
+          </p:nvSpPr>
+          <p:spPr>
+            <a:xfrm>
+              <a:off x="1130601" y="3446195"/>
+              <a:ext cx="228199" cy="228199"/>
+            </a:xfrm>
+            <a:prstGeom prst="pie">
+              <a:avLst/>
+            </a:prstGeom>
+            <a:solidFill>
+              <a:srgbClr val="FFC000"/>
+            </a:solidFill>
+            <a:ln>
+              <a:noFill/>
+            </a:ln>
+          </p:spPr>
+          <p:style>
+            <a:lnRef idx="2">
+              <a:schemeClr val="accent1">
+                <a:shade val="15000"/>
+              </a:schemeClr>
+            </a:lnRef>
+            <a:fillRef idx="1">
+              <a:schemeClr val="accent1"/>
+            </a:fillRef>
+            <a:effectRef idx="0">
+              <a:schemeClr val="accent1"/>
+            </a:effectRef>
+            <a:fontRef idx="minor">
+              <a:schemeClr val="lt1"/>
+            </a:fontRef>
+          </p:style>
+          <p:txBody>
+            <a:bodyPr rtlCol="0" anchor="ctr"/>
+            <a:lstStyle/>
+            <a:p>
+              <a:pPr algn="ctr"/>
+              <a:endParaRPr lang="es-ES">
+                <a:solidFill>
+                  <a:schemeClr val="tx1"/>
+                </a:solidFill>
+              </a:endParaRPr>
+            </a:p>
+          </p:txBody>
+        </p:sp>
+        <p:sp>
+          <p:nvSpPr>
+            <p:cNvPr id="1034" name="Rectángulo: esquinas redondeadas 1033">
+              <a:extLst>
+                <a:ext uri="{FF2B5EF4-FFF2-40B4-BE49-F238E27FC236}">
+                  <a16:creationId xmlns:a16="http://schemas.microsoft.com/office/drawing/2014/main" id="{9126B6D5-654F-C0CC-A587-F8CFAFF18606}"/>
+                </a:ext>
+              </a:extLst>
+            </p:cNvPr>
+            <p:cNvSpPr/>
+            <p:nvPr/>
+          </p:nvSpPr>
+          <p:spPr>
+            <a:xfrm>
+              <a:off x="1385874" y="3605336"/>
+              <a:ext cx="203739" cy="28388"/>
+            </a:xfrm>
+            <a:prstGeom prst="roundRect">
+              <a:avLst/>
+            </a:prstGeom>
+            <a:solidFill>
+              <a:schemeClr val="tx1"/>
+            </a:solidFill>
+            <a:ln>
+              <a:noFill/>
+            </a:ln>
+          </p:spPr>
+          <p:style>
+            <a:lnRef idx="2">
+              <a:schemeClr val="accent1">
+                <a:shade val="15000"/>
+              </a:schemeClr>
+            </a:lnRef>
+            <a:fillRef idx="1">
+              <a:schemeClr val="accent1"/>
+            </a:fillRef>
+            <a:effectRef idx="0">
+              <a:schemeClr val="accent1"/>
+            </a:effectRef>
+            <a:fontRef idx="minor">
+              <a:schemeClr val="lt1"/>
+            </a:fontRef>
+          </p:style>
+          <p:txBody>
+            <a:bodyPr rtlCol="0" anchor="ctr"/>
+            <a:lstStyle/>
+            <a:p>
+              <a:pPr algn="ctr"/>
+              <a:endParaRPr lang="es-ES"/>
+            </a:p>
+          </p:txBody>
+        </p:sp>
+        <p:sp>
+          <p:nvSpPr>
+            <p:cNvPr id="1112" name="Rectángulo: esquinas redondeadas 1111">
+              <a:extLst>
+                <a:ext uri="{FF2B5EF4-FFF2-40B4-BE49-F238E27FC236}">
+                  <a16:creationId xmlns:a16="http://schemas.microsoft.com/office/drawing/2014/main" id="{14B1B979-949E-3CD7-3F7A-26639AB9C3FE}"/>
+                </a:ext>
+              </a:extLst>
+            </p:cNvPr>
+            <p:cNvSpPr/>
+            <p:nvPr/>
+          </p:nvSpPr>
+          <p:spPr>
+            <a:xfrm>
+              <a:off x="1472854" y="3704931"/>
+              <a:ext cx="39515" cy="171546"/>
+            </a:xfrm>
+            <a:prstGeom prst="roundRect">
+              <a:avLst/>
+            </a:prstGeom>
+            <a:solidFill>
+              <a:srgbClr val="00B0F0"/>
+            </a:solidFill>
+            <a:ln>
+              <a:noFill/>
+            </a:ln>
+          </p:spPr>
+          <p:style>
+            <a:lnRef idx="2">
+              <a:schemeClr val="accent1">
+                <a:shade val="15000"/>
+              </a:schemeClr>
+            </a:lnRef>
+            <a:fillRef idx="1">
+              <a:schemeClr val="accent1"/>
+            </a:fillRef>
+            <a:effectRef idx="0">
+              <a:schemeClr val="accent1"/>
+            </a:effectRef>
+            <a:fontRef idx="minor">
+              <a:schemeClr val="lt1"/>
+            </a:fontRef>
+          </p:style>
+          <p:txBody>
+            <a:bodyPr rtlCol="0" anchor="ctr"/>
+            <a:lstStyle/>
+            <a:p>
+              <a:pPr algn="ctr"/>
+              <a:endParaRPr lang="es-ES"/>
+            </a:p>
+          </p:txBody>
+        </p:sp>
+        <p:sp>
+          <p:nvSpPr>
+            <p:cNvPr id="1114" name="Rectángulo: esquinas redondeadas 1113">
+              <a:extLst>
+                <a:ext uri="{FF2B5EF4-FFF2-40B4-BE49-F238E27FC236}">
+                  <a16:creationId xmlns:a16="http://schemas.microsoft.com/office/drawing/2014/main" id="{2563B731-AD3D-A812-D081-7ED1CAC1AD27}"/>
+                </a:ext>
+              </a:extLst>
+            </p:cNvPr>
+            <p:cNvSpPr/>
+            <p:nvPr/>
+          </p:nvSpPr>
+          <p:spPr>
+            <a:xfrm>
+              <a:off x="1531114" y="3648149"/>
+              <a:ext cx="39515" cy="228328"/>
+            </a:xfrm>
+            <a:prstGeom prst="roundRect">
+              <a:avLst/>
+            </a:prstGeom>
+            <a:solidFill>
+              <a:schemeClr val="accent6">
+                <a:lumMod val="75000"/>
+              </a:schemeClr>
+            </a:solidFill>
+            <a:ln>
+              <a:noFill/>
+            </a:ln>
+          </p:spPr>
+          <p:style>
+            <a:lnRef idx="2">
+              <a:schemeClr val="accent1">
+                <a:shade val="15000"/>
+              </a:schemeClr>
+            </a:lnRef>
+            <a:fillRef idx="1">
+              <a:schemeClr val="accent1"/>
+            </a:fillRef>
+            <a:effectRef idx="0">
+              <a:schemeClr val="accent1"/>
+            </a:effectRef>
+            <a:fontRef idx="minor">
+              <a:schemeClr val="lt1"/>
+            </a:fontRef>
+          </p:style>
+          <p:txBody>
+            <a:bodyPr rtlCol="0" anchor="ctr"/>
+            <a:lstStyle/>
+            <a:p>
+              <a:pPr algn="ctr"/>
+              <a:endParaRPr lang="es-ES"/>
+            </a:p>
+          </p:txBody>
+        </p:sp>
+        <p:sp>
+          <p:nvSpPr>
+            <p:cNvPr id="1116" name="Rectángulo: esquinas redondeadas 1115">
+              <a:extLst>
+                <a:ext uri="{FF2B5EF4-FFF2-40B4-BE49-F238E27FC236}">
+                  <a16:creationId xmlns:a16="http://schemas.microsoft.com/office/drawing/2014/main" id="{37F15D20-2C46-0A21-972C-8D2195960FE3}"/>
+                </a:ext>
+              </a:extLst>
+            </p:cNvPr>
+            <p:cNvSpPr/>
+            <p:nvPr/>
+          </p:nvSpPr>
+          <p:spPr>
+            <a:xfrm>
+              <a:off x="1411388" y="3759309"/>
+              <a:ext cx="39515" cy="117168"/>
+            </a:xfrm>
+            <a:prstGeom prst="roundRect">
+              <a:avLst/>
+            </a:prstGeom>
+            <a:solidFill>
+              <a:srgbClr val="C00000"/>
+            </a:solidFill>
+            <a:ln>
+              <a:noFill/>
+            </a:ln>
+          </p:spPr>
+          <p:style>
+            <a:lnRef idx="2">
+              <a:schemeClr val="accent1">
+                <a:shade val="15000"/>
+              </a:schemeClr>
+            </a:lnRef>
+            <a:fillRef idx="1">
+              <a:schemeClr val="accent1"/>
+            </a:fillRef>
+            <a:effectRef idx="0">
+              <a:schemeClr val="accent1"/>
+            </a:effectRef>
+            <a:fontRef idx="minor">
+              <a:schemeClr val="lt1"/>
+            </a:fontRef>
+          </p:style>
+          <p:txBody>
+            <a:bodyPr rtlCol="0" anchor="ctr"/>
+            <a:lstStyle/>
+            <a:p>
+              <a:pPr algn="ctr"/>
+              <a:endParaRPr lang="es-ES"/>
+            </a:p>
+          </p:txBody>
+        </p:sp>
+        <p:sp>
+          <p:nvSpPr>
+            <p:cNvPr id="1145" name="Rectángulo: esquinas redondeadas 1144">
+              <a:extLst>
+                <a:ext uri="{FF2B5EF4-FFF2-40B4-BE49-F238E27FC236}">
+                  <a16:creationId xmlns:a16="http://schemas.microsoft.com/office/drawing/2014/main" id="{FBB6B25A-5A8E-EF36-0356-CDC9FA5A7905}"/>
+                </a:ext>
+              </a:extLst>
+            </p:cNvPr>
+            <p:cNvSpPr/>
+            <p:nvPr/>
+          </p:nvSpPr>
+          <p:spPr>
+            <a:xfrm>
+              <a:off x="1130601" y="3833936"/>
+              <a:ext cx="246524" cy="28388"/>
+            </a:xfrm>
+            <a:prstGeom prst="roundRect">
+              <a:avLst/>
+            </a:prstGeom>
+            <a:solidFill>
+              <a:schemeClr val="tx1"/>
+            </a:solidFill>
+            <a:ln>
+              <a:noFill/>
+            </a:ln>
+          </p:spPr>
+          <p:style>
+            <a:lnRef idx="2">
+              <a:schemeClr val="accent1">
+                <a:shade val="15000"/>
+              </a:schemeClr>
+            </a:lnRef>
+            <a:fillRef idx="1">
+              <a:schemeClr val="accent1"/>
+            </a:fillRef>
+            <a:effectRef idx="0">
+              <a:schemeClr val="accent1"/>
+            </a:effectRef>
+            <a:fontRef idx="minor">
+              <a:schemeClr val="lt1"/>
+            </a:fontRef>
+          </p:style>
+          <p:txBody>
+            <a:bodyPr rtlCol="0" anchor="ctr"/>
+            <a:lstStyle/>
+            <a:p>
+              <a:pPr algn="ctr"/>
+              <a:endParaRPr lang="es-ES"/>
+            </a:p>
+          </p:txBody>
+        </p:sp>
+        <p:sp>
+          <p:nvSpPr>
+            <p:cNvPr id="1148" name="Rectángulo: esquinas redondeadas 1147">
+              <a:extLst>
+                <a:ext uri="{FF2B5EF4-FFF2-40B4-BE49-F238E27FC236}">
+                  <a16:creationId xmlns:a16="http://schemas.microsoft.com/office/drawing/2014/main" id="{2287B7DD-8758-2F17-4FCE-4D87244E4512}"/>
+                </a:ext>
+              </a:extLst>
+            </p:cNvPr>
+            <p:cNvSpPr/>
+            <p:nvPr/>
+          </p:nvSpPr>
+          <p:spPr>
+            <a:xfrm>
+              <a:off x="1130600" y="3390952"/>
+              <a:ext cx="455145" cy="29038"/>
+            </a:xfrm>
+            <a:prstGeom prst="roundRect">
+              <a:avLst/>
+            </a:prstGeom>
+            <a:solidFill>
+              <a:schemeClr val="tx1"/>
+            </a:solidFill>
+            <a:ln>
+              <a:noFill/>
+            </a:ln>
+          </p:spPr>
+          <p:style>
+            <a:lnRef idx="2">
+              <a:schemeClr val="accent1">
+                <a:shade val="15000"/>
+              </a:schemeClr>
+            </a:lnRef>
+            <a:fillRef idx="1">
+              <a:schemeClr val="accent1"/>
+            </a:fillRef>
+            <a:effectRef idx="0">
+              <a:schemeClr val="accent1"/>
+            </a:effectRef>
+            <a:fontRef idx="minor">
+              <a:schemeClr val="lt1"/>
+            </a:fontRef>
+          </p:style>
+          <p:txBody>
+            <a:bodyPr rtlCol="0" anchor="ctr"/>
+            <a:lstStyle/>
+            <a:p>
+              <a:pPr algn="ctr"/>
+              <a:endParaRPr lang="es-ES"/>
+            </a:p>
+          </p:txBody>
+        </p:sp>
+        <p:sp>
+          <p:nvSpPr>
+            <p:cNvPr id="1149" name="Rectángulo: esquinas redondeadas 1148">
+              <a:extLst>
+                <a:ext uri="{FF2B5EF4-FFF2-40B4-BE49-F238E27FC236}">
+                  <a16:creationId xmlns:a16="http://schemas.microsoft.com/office/drawing/2014/main" id="{0F646B6E-BD11-884F-3D14-1BC9F478E5E4}"/>
+                </a:ext>
+              </a:extLst>
+            </p:cNvPr>
+            <p:cNvSpPr/>
+            <p:nvPr/>
+          </p:nvSpPr>
+          <p:spPr>
+            <a:xfrm>
+              <a:off x="1130599" y="3346572"/>
+              <a:ext cx="455145" cy="29038"/>
+            </a:xfrm>
+            <a:prstGeom prst="roundRect">
+              <a:avLst/>
+            </a:prstGeom>
+            <a:solidFill>
+              <a:schemeClr val="tx1"/>
+            </a:solidFill>
+            <a:ln>
+              <a:noFill/>
+            </a:ln>
+          </p:spPr>
+          <p:style>
+            <a:lnRef idx="2">
+              <a:schemeClr val="accent1">
+                <a:shade val="15000"/>
+              </a:schemeClr>
+            </a:lnRef>
+            <a:fillRef idx="1">
+              <a:schemeClr val="accent1"/>
+            </a:fillRef>
+            <a:effectRef idx="0">
+              <a:schemeClr val="accent1"/>
+            </a:effectRef>
+            <a:fontRef idx="minor">
+              <a:schemeClr val="lt1"/>
+            </a:fontRef>
+          </p:style>
+          <p:txBody>
+            <a:bodyPr rtlCol="0" anchor="ctr"/>
+            <a:lstStyle/>
+            <a:p>
+              <a:pPr algn="ctr"/>
+              <a:endParaRPr lang="es-ES"/>
+            </a:p>
+          </p:txBody>
+        </p:sp>
+        <p:sp>
+          <p:nvSpPr>
+            <p:cNvPr id="1150" name="Rectángulo: esquinas redondeadas 1149">
+              <a:extLst>
+                <a:ext uri="{FF2B5EF4-FFF2-40B4-BE49-F238E27FC236}">
+                  <a16:creationId xmlns:a16="http://schemas.microsoft.com/office/drawing/2014/main" id="{99CDD89C-203D-2BC7-97C0-54C76F4366CA}"/>
+                </a:ext>
+              </a:extLst>
+            </p:cNvPr>
+            <p:cNvSpPr/>
+            <p:nvPr/>
+          </p:nvSpPr>
+          <p:spPr>
+            <a:xfrm>
+              <a:off x="1130599" y="3302192"/>
+              <a:ext cx="455145" cy="29038"/>
+            </a:xfrm>
+            <a:prstGeom prst="roundRect">
+              <a:avLst/>
+            </a:prstGeom>
+            <a:solidFill>
+              <a:schemeClr val="tx1"/>
+            </a:solidFill>
+            <a:ln>
+              <a:noFill/>
+            </a:ln>
+          </p:spPr>
+          <p:style>
+            <a:lnRef idx="2">
+              <a:schemeClr val="accent1">
+                <a:shade val="15000"/>
+              </a:schemeClr>
+            </a:lnRef>
+            <a:fillRef idx="1">
+              <a:schemeClr val="accent1"/>
+            </a:fillRef>
+            <a:effectRef idx="0">
+              <a:schemeClr val="accent1"/>
+            </a:effectRef>
+            <a:fontRef idx="minor">
+              <a:schemeClr val="lt1"/>
+            </a:fontRef>
+          </p:style>
+          <p:txBody>
+            <a:bodyPr rtlCol="0" anchor="ctr"/>
+            <a:lstStyle/>
+            <a:p>
+              <a:pPr algn="ctr"/>
+              <a:endParaRPr lang="es-ES"/>
+            </a:p>
+          </p:txBody>
+        </p:sp>
+        <p:sp>
+          <p:nvSpPr>
+            <p:cNvPr id="1154" name="Rectángulo 1153">
+              <a:extLst>
+                <a:ext uri="{FF2B5EF4-FFF2-40B4-BE49-F238E27FC236}">
+                  <a16:creationId xmlns:a16="http://schemas.microsoft.com/office/drawing/2014/main" id="{FEBE343A-9208-6409-0DB2-C7292C9A9CF0}"/>
+                </a:ext>
+              </a:extLst>
+            </p:cNvPr>
+            <p:cNvSpPr/>
+            <p:nvPr/>
+          </p:nvSpPr>
+          <p:spPr>
+            <a:xfrm>
+              <a:off x="1137264" y="3164195"/>
+              <a:ext cx="448480" cy="102394"/>
+            </a:xfrm>
+            <a:prstGeom prst="rect">
+              <a:avLst/>
+            </a:prstGeom>
+          </p:spPr>
+          <p:style>
+            <a:lnRef idx="2">
+              <a:schemeClr val="accent4">
+                <a:shade val="15000"/>
+              </a:schemeClr>
+            </a:lnRef>
+            <a:fillRef idx="1">
+              <a:schemeClr val="accent4"/>
+            </a:fillRef>
+            <a:effectRef idx="0">
+              <a:schemeClr val="accent4"/>
+            </a:effectRef>
+            <a:fontRef idx="minor">
+              <a:schemeClr val="lt1"/>
+            </a:fontRef>
+          </p:style>
+          <p:txBody>
+            <a:bodyPr rtlCol="0" anchor="ctr"/>
+            <a:lstStyle/>
+            <a:p>
+              <a:pPr algn="ctr"/>
+              <a:endParaRPr lang="es-ES"/>
+            </a:p>
+          </p:txBody>
+        </p:sp>
+      </p:grpSp>
+      <p:grpSp>
+        <p:nvGrpSpPr>
+          <p:cNvPr id="1159" name="Grupo 1158">
+            <a:extLst>
+              <a:ext uri="{FF2B5EF4-FFF2-40B4-BE49-F238E27FC236}">
+                <a16:creationId xmlns:a16="http://schemas.microsoft.com/office/drawing/2014/main" id="{25EB6D44-82FC-B489-869B-00A1E2B5B1D1}"/>
+              </a:ext>
+            </a:extLst>
+          </p:cNvPr>
+          <p:cNvGrpSpPr/>
+          <p:nvPr/>
+        </p:nvGrpSpPr>
+        <p:grpSpPr>
+          <a:xfrm>
+            <a:off x="1361242" y="4914663"/>
+            <a:ext cx="535666" cy="776768"/>
+            <a:chOff x="1091515" y="3122530"/>
+            <a:chExt cx="535666" cy="776768"/>
+          </a:xfrm>
+        </p:grpSpPr>
+        <p:sp>
+          <p:nvSpPr>
+            <p:cNvPr id="1161" name="Rectángulo 1160">
+              <a:extLst>
+                <a:ext uri="{FF2B5EF4-FFF2-40B4-BE49-F238E27FC236}">
+                  <a16:creationId xmlns:a16="http://schemas.microsoft.com/office/drawing/2014/main" id="{5665BE86-C1CE-327D-E423-CC48CAED1A60}"/>
+                </a:ext>
+              </a:extLst>
+            </p:cNvPr>
+            <p:cNvSpPr/>
+            <p:nvPr/>
+          </p:nvSpPr>
+          <p:spPr>
+            <a:xfrm>
+              <a:off x="1091515" y="3122530"/>
+              <a:ext cx="535666" cy="776768"/>
+            </a:xfrm>
+            <a:prstGeom prst="rect">
+              <a:avLst/>
+            </a:prstGeom>
+            <a:solidFill>
+              <a:schemeClr val="bg1"/>
+            </a:solidFill>
+          </p:spPr>
+          <p:style>
+            <a:lnRef idx="2">
+              <a:schemeClr val="accent1">
+                <a:shade val="15000"/>
+              </a:schemeClr>
+            </a:lnRef>
+            <a:fillRef idx="1">
+              <a:schemeClr val="accent1"/>
+            </a:fillRef>
+            <a:effectRef idx="0">
+              <a:schemeClr val="accent1"/>
+            </a:effectRef>
+            <a:fontRef idx="minor">
+              <a:schemeClr val="lt1"/>
+            </a:fontRef>
+          </p:style>
+          <p:txBody>
+            <a:bodyPr rtlCol="0" anchor="ctr"/>
+            <a:lstStyle/>
+            <a:p>
+              <a:pPr algn="ctr"/>
+              <a:endParaRPr lang="es-ES"/>
+            </a:p>
+          </p:txBody>
+        </p:sp>
+        <p:sp>
+          <p:nvSpPr>
+            <p:cNvPr id="1163" name="Rectángulo: esquinas redondeadas 1162">
+              <a:extLst>
+                <a:ext uri="{FF2B5EF4-FFF2-40B4-BE49-F238E27FC236}">
+                  <a16:creationId xmlns:a16="http://schemas.microsoft.com/office/drawing/2014/main" id="{254DD1E9-A9AE-685A-0BE3-4BA7423D34C7}"/>
+                </a:ext>
+              </a:extLst>
+            </p:cNvPr>
+            <p:cNvSpPr/>
+            <p:nvPr/>
+          </p:nvSpPr>
+          <p:spPr>
+            <a:xfrm>
+              <a:off x="1385874" y="3491036"/>
+              <a:ext cx="203739" cy="28388"/>
+            </a:xfrm>
+            <a:prstGeom prst="roundRect">
+              <a:avLst/>
+            </a:prstGeom>
+            <a:solidFill>
+              <a:schemeClr val="tx1"/>
+            </a:solidFill>
+            <a:ln>
+              <a:noFill/>
+            </a:ln>
+          </p:spPr>
+          <p:style>
+            <a:lnRef idx="2">
+              <a:schemeClr val="accent1">
+                <a:shade val="15000"/>
+              </a:schemeClr>
+            </a:lnRef>
+            <a:fillRef idx="1">
+              <a:schemeClr val="accent1"/>
+            </a:fillRef>
+            <a:effectRef idx="0">
+              <a:schemeClr val="accent1"/>
+            </a:effectRef>
+            <a:fontRef idx="minor">
+              <a:schemeClr val="lt1"/>
+            </a:fontRef>
+          </p:style>
+          <p:txBody>
+            <a:bodyPr rtlCol="0" anchor="ctr"/>
+            <a:lstStyle/>
+            <a:p>
+              <a:pPr algn="ctr"/>
+              <a:endParaRPr lang="es-ES"/>
+            </a:p>
+          </p:txBody>
+        </p:sp>
+        <p:sp>
+          <p:nvSpPr>
+            <p:cNvPr id="1164" name="Rectángulo: esquinas redondeadas 1163">
+              <a:extLst>
+                <a:ext uri="{FF2B5EF4-FFF2-40B4-BE49-F238E27FC236}">
+                  <a16:creationId xmlns:a16="http://schemas.microsoft.com/office/drawing/2014/main" id="{18946848-D69E-BD11-A1A7-BC27A8B2CE59}"/>
+                </a:ext>
+              </a:extLst>
+            </p:cNvPr>
+            <p:cNvSpPr/>
+            <p:nvPr/>
+          </p:nvSpPr>
+          <p:spPr>
+            <a:xfrm>
+              <a:off x="1385874" y="3529136"/>
+              <a:ext cx="203739" cy="28388"/>
+            </a:xfrm>
+            <a:prstGeom prst="roundRect">
+              <a:avLst/>
+            </a:prstGeom>
+            <a:solidFill>
+              <a:schemeClr val="tx1"/>
+            </a:solidFill>
+            <a:ln>
+              <a:noFill/>
+            </a:ln>
+          </p:spPr>
+          <p:style>
+            <a:lnRef idx="2">
+              <a:schemeClr val="accent1">
+                <a:shade val="15000"/>
+              </a:schemeClr>
+            </a:lnRef>
+            <a:fillRef idx="1">
+              <a:schemeClr val="accent1"/>
+            </a:fillRef>
+            <a:effectRef idx="0">
+              <a:schemeClr val="accent1"/>
+            </a:effectRef>
+            <a:fontRef idx="minor">
+              <a:schemeClr val="lt1"/>
+            </a:fontRef>
+          </p:style>
+          <p:txBody>
+            <a:bodyPr rtlCol="0" anchor="ctr"/>
+            <a:lstStyle/>
+            <a:p>
+              <a:pPr algn="ctr"/>
+              <a:endParaRPr lang="es-ES"/>
+            </a:p>
+          </p:txBody>
+        </p:sp>
+        <p:sp>
+          <p:nvSpPr>
+            <p:cNvPr id="1165" name="Rectángulo: esquinas redondeadas 1164">
+              <a:extLst>
+                <a:ext uri="{FF2B5EF4-FFF2-40B4-BE49-F238E27FC236}">
+                  <a16:creationId xmlns:a16="http://schemas.microsoft.com/office/drawing/2014/main" id="{AF04ACB2-88F5-BF4D-3A5F-CD9C0B41F7AD}"/>
+                </a:ext>
+              </a:extLst>
+            </p:cNvPr>
+            <p:cNvSpPr/>
+            <p:nvPr/>
+          </p:nvSpPr>
+          <p:spPr>
+            <a:xfrm>
+              <a:off x="1385874" y="3567236"/>
+              <a:ext cx="203739" cy="28388"/>
+            </a:xfrm>
+            <a:prstGeom prst="roundRect">
+              <a:avLst/>
+            </a:prstGeom>
+            <a:solidFill>
+              <a:schemeClr val="tx1"/>
+            </a:solidFill>
+            <a:ln>
+              <a:noFill/>
+            </a:ln>
+          </p:spPr>
+          <p:style>
+            <a:lnRef idx="2">
+              <a:schemeClr val="accent1">
+                <a:shade val="15000"/>
+              </a:schemeClr>
+            </a:lnRef>
+            <a:fillRef idx="1">
+              <a:schemeClr val="accent1"/>
+            </a:fillRef>
+            <a:effectRef idx="0">
+              <a:schemeClr val="accent1"/>
+            </a:effectRef>
+            <a:fontRef idx="minor">
+              <a:schemeClr val="lt1"/>
+            </a:fontRef>
+          </p:style>
+          <p:txBody>
+            <a:bodyPr rtlCol="0" anchor="ctr"/>
+            <a:lstStyle/>
+            <a:p>
+              <a:pPr algn="ctr"/>
+              <a:endParaRPr lang="es-ES"/>
+            </a:p>
+          </p:txBody>
+        </p:sp>
+        <p:sp>
+          <p:nvSpPr>
+            <p:cNvPr id="1166" name="Rectángulo: esquinas redondeadas 1165">
+              <a:extLst>
+                <a:ext uri="{FF2B5EF4-FFF2-40B4-BE49-F238E27FC236}">
+                  <a16:creationId xmlns:a16="http://schemas.microsoft.com/office/drawing/2014/main" id="{77C35667-6E73-E9E8-4CBD-366B26693017}"/>
+                </a:ext>
+              </a:extLst>
+            </p:cNvPr>
+            <p:cNvSpPr/>
+            <p:nvPr/>
+          </p:nvSpPr>
+          <p:spPr>
+            <a:xfrm>
+              <a:off x="1130601" y="3719636"/>
+              <a:ext cx="246524" cy="28388"/>
+            </a:xfrm>
+            <a:prstGeom prst="roundRect">
+              <a:avLst/>
+            </a:prstGeom>
+            <a:solidFill>
+              <a:schemeClr val="tx1"/>
+            </a:solidFill>
+            <a:ln>
+              <a:noFill/>
+            </a:ln>
+          </p:spPr>
+          <p:style>
+            <a:lnRef idx="2">
+              <a:schemeClr val="accent1">
+                <a:shade val="15000"/>
+              </a:schemeClr>
+            </a:lnRef>
+            <a:fillRef idx="1">
+              <a:schemeClr val="accent1"/>
+            </a:fillRef>
+            <a:effectRef idx="0">
+              <a:schemeClr val="accent1"/>
+            </a:effectRef>
+            <a:fontRef idx="minor">
+              <a:schemeClr val="lt1"/>
+            </a:fontRef>
+          </p:style>
+          <p:txBody>
+            <a:bodyPr rtlCol="0" anchor="ctr"/>
+            <a:lstStyle/>
+            <a:p>
+              <a:pPr algn="ctr"/>
+              <a:endParaRPr lang="es-ES"/>
+            </a:p>
+          </p:txBody>
+        </p:sp>
+        <p:sp>
+          <p:nvSpPr>
+            <p:cNvPr id="1168" name="Rectángulo: esquinas redondeadas 1167">
+              <a:extLst>
+                <a:ext uri="{FF2B5EF4-FFF2-40B4-BE49-F238E27FC236}">
+                  <a16:creationId xmlns:a16="http://schemas.microsoft.com/office/drawing/2014/main" id="{E55BCB6E-7BF8-8C7F-3D20-EA85C51F5623}"/>
+                </a:ext>
+              </a:extLst>
+            </p:cNvPr>
+            <p:cNvSpPr/>
+            <p:nvPr/>
+          </p:nvSpPr>
+          <p:spPr>
+            <a:xfrm>
+              <a:off x="1130601" y="3757736"/>
+              <a:ext cx="246524" cy="28388"/>
+            </a:xfrm>
+            <a:prstGeom prst="roundRect">
+              <a:avLst/>
+            </a:prstGeom>
+            <a:solidFill>
+              <a:schemeClr val="tx1"/>
+            </a:solidFill>
+            <a:ln>
+              <a:noFill/>
+            </a:ln>
+          </p:spPr>
+          <p:style>
+            <a:lnRef idx="2">
+              <a:schemeClr val="accent1">
+                <a:shade val="15000"/>
+              </a:schemeClr>
+            </a:lnRef>
+            <a:fillRef idx="1">
+              <a:schemeClr val="accent1"/>
+            </a:fillRef>
+            <a:effectRef idx="0">
+              <a:schemeClr val="accent1"/>
+            </a:effectRef>
+            <a:fontRef idx="minor">
+              <a:schemeClr val="lt1"/>
+            </a:fontRef>
+          </p:style>
+          <p:txBody>
+            <a:bodyPr rtlCol="0" anchor="ctr"/>
+            <a:lstStyle/>
+            <a:p>
+              <a:pPr algn="ctr"/>
+              <a:endParaRPr lang="es-ES"/>
+            </a:p>
+          </p:txBody>
+        </p:sp>
+        <p:sp>
+          <p:nvSpPr>
+            <p:cNvPr id="1169" name="Rectángulo: esquinas redondeadas 1168">
+              <a:extLst>
+                <a:ext uri="{FF2B5EF4-FFF2-40B4-BE49-F238E27FC236}">
+                  <a16:creationId xmlns:a16="http://schemas.microsoft.com/office/drawing/2014/main" id="{CC8E8B94-9373-1BFB-E14E-DF8224303B90}"/>
+                </a:ext>
+              </a:extLst>
+            </p:cNvPr>
+            <p:cNvSpPr/>
+            <p:nvPr/>
+          </p:nvSpPr>
+          <p:spPr>
+            <a:xfrm>
+              <a:off x="1130601" y="3795836"/>
+              <a:ext cx="246524" cy="28388"/>
+            </a:xfrm>
+            <a:prstGeom prst="roundRect">
+              <a:avLst/>
+            </a:prstGeom>
+            <a:solidFill>
+              <a:schemeClr val="tx1"/>
+            </a:solidFill>
+            <a:ln>
+              <a:noFill/>
+            </a:ln>
+          </p:spPr>
+          <p:style>
+            <a:lnRef idx="2">
+              <a:schemeClr val="accent1">
+                <a:shade val="15000"/>
+              </a:schemeClr>
+            </a:lnRef>
+            <a:fillRef idx="1">
+              <a:schemeClr val="accent1"/>
+            </a:fillRef>
+            <a:effectRef idx="0">
+              <a:schemeClr val="accent1"/>
+            </a:effectRef>
+            <a:fontRef idx="minor">
+              <a:schemeClr val="lt1"/>
+            </a:fontRef>
+          </p:style>
+          <p:txBody>
+            <a:bodyPr rtlCol="0" anchor="ctr"/>
+            <a:lstStyle/>
+            <a:p>
+              <a:pPr algn="ctr"/>
+              <a:endParaRPr lang="es-ES"/>
+            </a:p>
+          </p:txBody>
+        </p:sp>
+        <p:sp>
+          <p:nvSpPr>
+            <p:cNvPr id="1170" name="Elipse 1169">
+              <a:extLst>
+                <a:ext uri="{FF2B5EF4-FFF2-40B4-BE49-F238E27FC236}">
+                  <a16:creationId xmlns:a16="http://schemas.microsoft.com/office/drawing/2014/main" id="{1FA90A22-96CA-2AD8-4B74-C49F740E0F21}"/>
+                </a:ext>
+              </a:extLst>
+            </p:cNvPr>
+            <p:cNvSpPr/>
+            <p:nvPr/>
+          </p:nvSpPr>
+          <p:spPr>
+            <a:xfrm>
+              <a:off x="1174496" y="3465402"/>
+              <a:ext cx="164269" cy="164269"/>
+            </a:xfrm>
+            <a:prstGeom prst="ellipse">
+              <a:avLst/>
+            </a:prstGeom>
+            <a:solidFill>
+              <a:schemeClr val="accent2"/>
+            </a:solidFill>
+            <a:ln>
+              <a:noFill/>
+            </a:ln>
+          </p:spPr>
+          <p:style>
+            <a:lnRef idx="2">
+              <a:schemeClr val="accent1">
+                <a:shade val="15000"/>
+              </a:schemeClr>
+            </a:lnRef>
+            <a:fillRef idx="1">
+              <a:schemeClr val="accent1"/>
+            </a:fillRef>
+            <a:effectRef idx="0">
+              <a:schemeClr val="accent1"/>
+            </a:effectRef>
+            <a:fontRef idx="minor">
+              <a:schemeClr val="lt1"/>
+            </a:fontRef>
+          </p:style>
+          <p:txBody>
+            <a:bodyPr rtlCol="0" anchor="ctr"/>
+            <a:lstStyle/>
+            <a:p>
+              <a:pPr algn="ctr"/>
+              <a:endParaRPr lang="es-ES"/>
+            </a:p>
+          </p:txBody>
+        </p:sp>
+        <p:sp>
+          <p:nvSpPr>
+            <p:cNvPr id="1171" name="Círculo parcial 1170">
+              <a:extLst>
+                <a:ext uri="{FF2B5EF4-FFF2-40B4-BE49-F238E27FC236}">
+                  <a16:creationId xmlns:a16="http://schemas.microsoft.com/office/drawing/2014/main" id="{81A68062-AC14-B00E-B9CA-984E5F55A712}"/>
+                </a:ext>
+              </a:extLst>
+            </p:cNvPr>
+            <p:cNvSpPr/>
+            <p:nvPr/>
+          </p:nvSpPr>
+          <p:spPr>
+            <a:xfrm>
+              <a:off x="1130601" y="3446195"/>
+              <a:ext cx="228199" cy="228199"/>
+            </a:xfrm>
+            <a:prstGeom prst="pie">
+              <a:avLst/>
+            </a:prstGeom>
+            <a:solidFill>
+              <a:srgbClr val="FFC000"/>
+            </a:solidFill>
+            <a:ln>
+              <a:noFill/>
+            </a:ln>
+          </p:spPr>
+          <p:style>
+            <a:lnRef idx="2">
+              <a:schemeClr val="accent1">
+                <a:shade val="15000"/>
+              </a:schemeClr>
+            </a:lnRef>
+            <a:fillRef idx="1">
+              <a:schemeClr val="accent1"/>
+            </a:fillRef>
+            <a:effectRef idx="0">
+              <a:schemeClr val="accent1"/>
+            </a:effectRef>
+            <a:fontRef idx="minor">
+              <a:schemeClr val="lt1"/>
+            </a:fontRef>
+          </p:style>
+          <p:txBody>
+            <a:bodyPr rtlCol="0" anchor="ctr"/>
+            <a:lstStyle/>
+            <a:p>
+              <a:pPr algn="ctr"/>
+              <a:endParaRPr lang="es-ES">
+                <a:solidFill>
+                  <a:schemeClr val="tx1"/>
+                </a:solidFill>
+              </a:endParaRPr>
+            </a:p>
+          </p:txBody>
+        </p:sp>
+        <p:sp>
+          <p:nvSpPr>
+            <p:cNvPr id="1172" name="Rectángulo: esquinas redondeadas 1171">
+              <a:extLst>
+                <a:ext uri="{FF2B5EF4-FFF2-40B4-BE49-F238E27FC236}">
+                  <a16:creationId xmlns:a16="http://schemas.microsoft.com/office/drawing/2014/main" id="{62DA16A2-25DB-2B9C-5D31-BF3CD7A44DA8}"/>
+                </a:ext>
+              </a:extLst>
+            </p:cNvPr>
+            <p:cNvSpPr/>
+            <p:nvPr/>
+          </p:nvSpPr>
+          <p:spPr>
+            <a:xfrm>
+              <a:off x="1385874" y="3605336"/>
+              <a:ext cx="203739" cy="28388"/>
+            </a:xfrm>
+            <a:prstGeom prst="roundRect">
+              <a:avLst/>
+            </a:prstGeom>
+            <a:solidFill>
+              <a:schemeClr val="tx1"/>
+            </a:solidFill>
+            <a:ln>
+              <a:noFill/>
+            </a:ln>
+          </p:spPr>
+          <p:style>
+            <a:lnRef idx="2">
+              <a:schemeClr val="accent1">
+                <a:shade val="15000"/>
+              </a:schemeClr>
+            </a:lnRef>
+            <a:fillRef idx="1">
+              <a:schemeClr val="accent1"/>
+            </a:fillRef>
+            <a:effectRef idx="0">
+              <a:schemeClr val="accent1"/>
+            </a:effectRef>
+            <a:fontRef idx="minor">
+              <a:schemeClr val="lt1"/>
+            </a:fontRef>
+          </p:style>
+          <p:txBody>
+            <a:bodyPr rtlCol="0" anchor="ctr"/>
+            <a:lstStyle/>
+            <a:p>
+              <a:pPr algn="ctr"/>
+              <a:endParaRPr lang="es-ES"/>
+            </a:p>
+          </p:txBody>
+        </p:sp>
+        <p:sp>
+          <p:nvSpPr>
+            <p:cNvPr id="1182" name="Rectángulo: esquinas redondeadas 1181">
+              <a:extLst>
+                <a:ext uri="{FF2B5EF4-FFF2-40B4-BE49-F238E27FC236}">
+                  <a16:creationId xmlns:a16="http://schemas.microsoft.com/office/drawing/2014/main" id="{1D37B802-9723-61ED-5E0E-0CA74A9F9DB6}"/>
+                </a:ext>
+              </a:extLst>
+            </p:cNvPr>
+            <p:cNvSpPr/>
+            <p:nvPr/>
+          </p:nvSpPr>
+          <p:spPr>
+            <a:xfrm>
+              <a:off x="1472854" y="3704931"/>
+              <a:ext cx="39515" cy="171546"/>
+            </a:xfrm>
+            <a:prstGeom prst="roundRect">
+              <a:avLst/>
+            </a:prstGeom>
+            <a:solidFill>
+              <a:srgbClr val="00B0F0"/>
+            </a:solidFill>
+            <a:ln>
+              <a:noFill/>
+            </a:ln>
+          </p:spPr>
+          <p:style>
+            <a:lnRef idx="2">
+              <a:schemeClr val="accent1">
+                <a:shade val="15000"/>
+              </a:schemeClr>
+            </a:lnRef>
+            <a:fillRef idx="1">
+              <a:schemeClr val="accent1"/>
+            </a:fillRef>
+            <a:effectRef idx="0">
+              <a:schemeClr val="accent1"/>
+            </a:effectRef>
+            <a:fontRef idx="minor">
+              <a:schemeClr val="lt1"/>
+            </a:fontRef>
+          </p:style>
+          <p:txBody>
+            <a:bodyPr rtlCol="0" anchor="ctr"/>
+            <a:lstStyle/>
+            <a:p>
+              <a:pPr algn="ctr"/>
+              <a:endParaRPr lang="es-ES"/>
+            </a:p>
+          </p:txBody>
+        </p:sp>
+        <p:sp>
+          <p:nvSpPr>
+            <p:cNvPr id="1185" name="Rectángulo: esquinas redondeadas 1184">
+              <a:extLst>
+                <a:ext uri="{FF2B5EF4-FFF2-40B4-BE49-F238E27FC236}">
+                  <a16:creationId xmlns:a16="http://schemas.microsoft.com/office/drawing/2014/main" id="{5927AB51-6F89-24CC-B676-2100FFC325F3}"/>
+                </a:ext>
+              </a:extLst>
+            </p:cNvPr>
+            <p:cNvSpPr/>
+            <p:nvPr/>
+          </p:nvSpPr>
+          <p:spPr>
+            <a:xfrm>
+              <a:off x="1531114" y="3648149"/>
+              <a:ext cx="39515" cy="228328"/>
+            </a:xfrm>
+            <a:prstGeom prst="roundRect">
+              <a:avLst/>
+            </a:prstGeom>
+            <a:solidFill>
+              <a:schemeClr val="accent6">
+                <a:lumMod val="75000"/>
+              </a:schemeClr>
+            </a:solidFill>
+            <a:ln>
+              <a:noFill/>
+            </a:ln>
+          </p:spPr>
+          <p:style>
+            <a:lnRef idx="2">
+              <a:schemeClr val="accent1">
+                <a:shade val="15000"/>
+              </a:schemeClr>
+            </a:lnRef>
+            <a:fillRef idx="1">
+              <a:schemeClr val="accent1"/>
+            </a:fillRef>
+            <a:effectRef idx="0">
+              <a:schemeClr val="accent1"/>
+            </a:effectRef>
+            <a:fontRef idx="minor">
+              <a:schemeClr val="lt1"/>
+            </a:fontRef>
+          </p:style>
+          <p:txBody>
+            <a:bodyPr rtlCol="0" anchor="ctr"/>
+            <a:lstStyle/>
+            <a:p>
+              <a:pPr algn="ctr"/>
+              <a:endParaRPr lang="es-ES"/>
+            </a:p>
+          </p:txBody>
+        </p:sp>
+        <p:sp>
+          <p:nvSpPr>
+            <p:cNvPr id="1188" name="Rectángulo: esquinas redondeadas 1187">
+              <a:extLst>
+                <a:ext uri="{FF2B5EF4-FFF2-40B4-BE49-F238E27FC236}">
+                  <a16:creationId xmlns:a16="http://schemas.microsoft.com/office/drawing/2014/main" id="{850AE0BF-DBF4-C9EB-6AFD-07665B3EA486}"/>
+                </a:ext>
+              </a:extLst>
+            </p:cNvPr>
+            <p:cNvSpPr/>
+            <p:nvPr/>
+          </p:nvSpPr>
+          <p:spPr>
+            <a:xfrm>
+              <a:off x="1411388" y="3759309"/>
+              <a:ext cx="39515" cy="117168"/>
+            </a:xfrm>
+            <a:prstGeom prst="roundRect">
+              <a:avLst/>
+            </a:prstGeom>
+            <a:solidFill>
+              <a:srgbClr val="C00000"/>
+            </a:solidFill>
+            <a:ln>
+              <a:noFill/>
+            </a:ln>
+          </p:spPr>
+          <p:style>
+            <a:lnRef idx="2">
+              <a:schemeClr val="accent1">
+                <a:shade val="15000"/>
+              </a:schemeClr>
+            </a:lnRef>
+            <a:fillRef idx="1">
+              <a:schemeClr val="accent1"/>
+            </a:fillRef>
+            <a:effectRef idx="0">
+              <a:schemeClr val="accent1"/>
+            </a:effectRef>
+            <a:fontRef idx="minor">
+              <a:schemeClr val="lt1"/>
+            </a:fontRef>
+          </p:style>
+          <p:txBody>
+            <a:bodyPr rtlCol="0" anchor="ctr"/>
+            <a:lstStyle/>
+            <a:p>
+              <a:pPr algn="ctr"/>
+              <a:endParaRPr lang="es-ES"/>
+            </a:p>
+          </p:txBody>
+        </p:sp>
+        <p:sp>
+          <p:nvSpPr>
+            <p:cNvPr id="1198" name="Rectángulo: esquinas redondeadas 1197">
+              <a:extLst>
+                <a:ext uri="{FF2B5EF4-FFF2-40B4-BE49-F238E27FC236}">
+                  <a16:creationId xmlns:a16="http://schemas.microsoft.com/office/drawing/2014/main" id="{BB5F9D88-6AAB-00FA-4B29-5585868DDED0}"/>
+                </a:ext>
+              </a:extLst>
+            </p:cNvPr>
+            <p:cNvSpPr/>
+            <p:nvPr/>
+          </p:nvSpPr>
+          <p:spPr>
+            <a:xfrm>
+              <a:off x="1130601" y="3833936"/>
+              <a:ext cx="246524" cy="28388"/>
+            </a:xfrm>
+            <a:prstGeom prst="roundRect">
+              <a:avLst/>
+            </a:prstGeom>
+            <a:solidFill>
+              <a:schemeClr val="tx1"/>
+            </a:solidFill>
+            <a:ln>
+              <a:noFill/>
+            </a:ln>
+          </p:spPr>
+          <p:style>
+            <a:lnRef idx="2">
+              <a:schemeClr val="accent1">
+                <a:shade val="15000"/>
+              </a:schemeClr>
+            </a:lnRef>
+            <a:fillRef idx="1">
+              <a:schemeClr val="accent1"/>
+            </a:fillRef>
+            <a:effectRef idx="0">
+              <a:schemeClr val="accent1"/>
+            </a:effectRef>
+            <a:fontRef idx="minor">
+              <a:schemeClr val="lt1"/>
+            </a:fontRef>
+          </p:style>
+          <p:txBody>
+            <a:bodyPr rtlCol="0" anchor="ctr"/>
+            <a:lstStyle/>
+            <a:p>
+              <a:pPr algn="ctr"/>
+              <a:endParaRPr lang="es-ES"/>
+            </a:p>
+          </p:txBody>
+        </p:sp>
+        <p:sp>
+          <p:nvSpPr>
+            <p:cNvPr id="1199" name="Rectángulo: esquinas redondeadas 1198">
+              <a:extLst>
+                <a:ext uri="{FF2B5EF4-FFF2-40B4-BE49-F238E27FC236}">
+                  <a16:creationId xmlns:a16="http://schemas.microsoft.com/office/drawing/2014/main" id="{7761A5DB-3FAB-B19C-C89A-20DC6B4DFEB7}"/>
+                </a:ext>
+              </a:extLst>
+            </p:cNvPr>
+            <p:cNvSpPr/>
+            <p:nvPr/>
+          </p:nvSpPr>
+          <p:spPr>
+            <a:xfrm>
+              <a:off x="1130600" y="3390952"/>
+              <a:ext cx="455145" cy="29038"/>
+            </a:xfrm>
+            <a:prstGeom prst="roundRect">
+              <a:avLst/>
+            </a:prstGeom>
+            <a:solidFill>
+              <a:schemeClr val="tx1"/>
+            </a:solidFill>
+            <a:ln>
+              <a:noFill/>
+            </a:ln>
+          </p:spPr>
+          <p:style>
+            <a:lnRef idx="2">
+              <a:schemeClr val="accent1">
+                <a:shade val="15000"/>
+              </a:schemeClr>
+            </a:lnRef>
+            <a:fillRef idx="1">
+              <a:schemeClr val="accent1"/>
+            </a:fillRef>
+            <a:effectRef idx="0">
+              <a:schemeClr val="accent1"/>
+            </a:effectRef>
+            <a:fontRef idx="minor">
+              <a:schemeClr val="lt1"/>
+            </a:fontRef>
+          </p:style>
+          <p:txBody>
+            <a:bodyPr rtlCol="0" anchor="ctr"/>
+            <a:lstStyle/>
+            <a:p>
+              <a:pPr algn="ctr"/>
+              <a:endParaRPr lang="es-ES"/>
+            </a:p>
+          </p:txBody>
+        </p:sp>
+        <p:sp>
+          <p:nvSpPr>
+            <p:cNvPr id="1200" name="Rectángulo: esquinas redondeadas 1199">
+              <a:extLst>
+                <a:ext uri="{FF2B5EF4-FFF2-40B4-BE49-F238E27FC236}">
+                  <a16:creationId xmlns:a16="http://schemas.microsoft.com/office/drawing/2014/main" id="{470A126B-93BF-24B8-4E4B-7FE8AEA291D4}"/>
+                </a:ext>
+              </a:extLst>
+            </p:cNvPr>
+            <p:cNvSpPr/>
+            <p:nvPr/>
+          </p:nvSpPr>
+          <p:spPr>
+            <a:xfrm>
+              <a:off x="1130599" y="3346572"/>
+              <a:ext cx="455145" cy="29038"/>
+            </a:xfrm>
+            <a:prstGeom prst="roundRect">
+              <a:avLst/>
+            </a:prstGeom>
+            <a:solidFill>
+              <a:schemeClr val="tx1"/>
+            </a:solidFill>
+            <a:ln>
+              <a:noFill/>
+            </a:ln>
+          </p:spPr>
+          <p:style>
+            <a:lnRef idx="2">
+              <a:schemeClr val="accent1">
+                <a:shade val="15000"/>
+              </a:schemeClr>
+            </a:lnRef>
+            <a:fillRef idx="1">
+              <a:schemeClr val="accent1"/>
+            </a:fillRef>
+            <a:effectRef idx="0">
+              <a:schemeClr val="accent1"/>
+            </a:effectRef>
+            <a:fontRef idx="minor">
+              <a:schemeClr val="lt1"/>
+            </a:fontRef>
+          </p:style>
+          <p:txBody>
+            <a:bodyPr rtlCol="0" anchor="ctr"/>
+            <a:lstStyle/>
+            <a:p>
+              <a:pPr algn="ctr"/>
+              <a:endParaRPr lang="es-ES"/>
+            </a:p>
+          </p:txBody>
+        </p:sp>
+        <p:sp>
+          <p:nvSpPr>
+            <p:cNvPr id="1201" name="Rectángulo: esquinas redondeadas 1200">
+              <a:extLst>
+                <a:ext uri="{FF2B5EF4-FFF2-40B4-BE49-F238E27FC236}">
+                  <a16:creationId xmlns:a16="http://schemas.microsoft.com/office/drawing/2014/main" id="{B381AF6A-0013-C441-D442-DF9C53DA4C32}"/>
+                </a:ext>
+              </a:extLst>
+            </p:cNvPr>
+            <p:cNvSpPr/>
+            <p:nvPr/>
+          </p:nvSpPr>
+          <p:spPr>
+            <a:xfrm>
+              <a:off x="1130599" y="3302192"/>
+              <a:ext cx="455145" cy="29038"/>
+            </a:xfrm>
+            <a:prstGeom prst="roundRect">
+              <a:avLst/>
+            </a:prstGeom>
+            <a:solidFill>
+              <a:schemeClr val="tx1"/>
+            </a:solidFill>
+            <a:ln>
+              <a:noFill/>
+            </a:ln>
+          </p:spPr>
+          <p:style>
+            <a:lnRef idx="2">
+              <a:schemeClr val="accent1">
+                <a:shade val="15000"/>
+              </a:schemeClr>
+            </a:lnRef>
+            <a:fillRef idx="1">
+              <a:schemeClr val="accent1"/>
+            </a:fillRef>
+            <a:effectRef idx="0">
+              <a:schemeClr val="accent1"/>
+            </a:effectRef>
+            <a:fontRef idx="minor">
+              <a:schemeClr val="lt1"/>
+            </a:fontRef>
+          </p:style>
+          <p:txBody>
+            <a:bodyPr rtlCol="0" anchor="ctr"/>
+            <a:lstStyle/>
+            <a:p>
+              <a:pPr algn="ctr"/>
+              <a:endParaRPr lang="es-ES"/>
+            </a:p>
+          </p:txBody>
+        </p:sp>
+        <p:sp>
+          <p:nvSpPr>
+            <p:cNvPr id="1202" name="Rectángulo 1201">
+              <a:extLst>
+                <a:ext uri="{FF2B5EF4-FFF2-40B4-BE49-F238E27FC236}">
+                  <a16:creationId xmlns:a16="http://schemas.microsoft.com/office/drawing/2014/main" id="{BFFA8739-1A26-E641-EEEA-B22669F4329D}"/>
+                </a:ext>
+              </a:extLst>
+            </p:cNvPr>
+            <p:cNvSpPr/>
+            <p:nvPr/>
+          </p:nvSpPr>
+          <p:spPr>
+            <a:xfrm>
+              <a:off x="1137264" y="3164195"/>
+              <a:ext cx="448480" cy="102394"/>
+            </a:xfrm>
+            <a:prstGeom prst="rect">
+              <a:avLst/>
+            </a:prstGeom>
+          </p:spPr>
+          <p:style>
+            <a:lnRef idx="2">
+              <a:schemeClr val="accent4">
+                <a:shade val="15000"/>
+              </a:schemeClr>
+            </a:lnRef>
+            <a:fillRef idx="1">
+              <a:schemeClr val="accent4"/>
+            </a:fillRef>
+            <a:effectRef idx="0">
+              <a:schemeClr val="accent4"/>
+            </a:effectRef>
+            <a:fontRef idx="minor">
+              <a:schemeClr val="lt1"/>
+            </a:fontRef>
+          </p:style>
+          <p:txBody>
+            <a:bodyPr rtlCol="0" anchor="ctr"/>
+            <a:lstStyle/>
+            <a:p>
+              <a:pPr algn="ctr"/>
+              <a:endParaRPr lang="es-ES"/>
+            </a:p>
+          </p:txBody>
+        </p:sp>
+      </p:grpSp>
+      <p:grpSp>
+        <p:nvGrpSpPr>
+          <p:cNvPr id="1204" name="Grupo 1203">
+            <a:extLst>
+              <a:ext uri="{FF2B5EF4-FFF2-40B4-BE49-F238E27FC236}">
+                <a16:creationId xmlns:a16="http://schemas.microsoft.com/office/drawing/2014/main" id="{A4C011B8-0CBA-7000-875C-3C9B20204586}"/>
+              </a:ext>
+            </a:extLst>
+          </p:cNvPr>
+          <p:cNvGrpSpPr/>
+          <p:nvPr/>
+        </p:nvGrpSpPr>
+        <p:grpSpPr>
+          <a:xfrm>
+            <a:off x="1459765" y="5006266"/>
+            <a:ext cx="535666" cy="776768"/>
+            <a:chOff x="1091515" y="3122530"/>
+            <a:chExt cx="535666" cy="776768"/>
+          </a:xfrm>
+        </p:grpSpPr>
+        <p:sp>
+          <p:nvSpPr>
+            <p:cNvPr id="1205" name="Rectángulo 1204">
+              <a:extLst>
+                <a:ext uri="{FF2B5EF4-FFF2-40B4-BE49-F238E27FC236}">
+                  <a16:creationId xmlns:a16="http://schemas.microsoft.com/office/drawing/2014/main" id="{FD56ADCE-21B3-EE79-A2B8-47722E714C52}"/>
+                </a:ext>
+              </a:extLst>
+            </p:cNvPr>
+            <p:cNvSpPr/>
+            <p:nvPr/>
+          </p:nvSpPr>
+          <p:spPr>
+            <a:xfrm>
+              <a:off x="1091515" y="3122530"/>
+              <a:ext cx="535666" cy="776768"/>
+            </a:xfrm>
+            <a:prstGeom prst="rect">
+              <a:avLst/>
+            </a:prstGeom>
+            <a:solidFill>
+              <a:schemeClr val="bg1"/>
+            </a:solidFill>
+          </p:spPr>
+          <p:style>
+            <a:lnRef idx="2">
+              <a:schemeClr val="accent1">
+                <a:shade val="15000"/>
+              </a:schemeClr>
+            </a:lnRef>
+            <a:fillRef idx="1">
+              <a:schemeClr val="accent1"/>
+            </a:fillRef>
+            <a:effectRef idx="0">
+              <a:schemeClr val="accent1"/>
+            </a:effectRef>
+            <a:fontRef idx="minor">
+              <a:schemeClr val="lt1"/>
+            </a:fontRef>
+          </p:style>
+          <p:txBody>
+            <a:bodyPr rtlCol="0" anchor="ctr"/>
+            <a:lstStyle/>
+            <a:p>
+              <a:pPr algn="ctr"/>
+              <a:endParaRPr lang="es-ES"/>
+            </a:p>
+          </p:txBody>
+        </p:sp>
+        <p:sp>
+          <p:nvSpPr>
+            <p:cNvPr id="1206" name="Rectángulo: esquinas redondeadas 1205">
+              <a:extLst>
+                <a:ext uri="{FF2B5EF4-FFF2-40B4-BE49-F238E27FC236}">
+                  <a16:creationId xmlns:a16="http://schemas.microsoft.com/office/drawing/2014/main" id="{DFC59AC3-1C89-D73C-89D9-CB36FA677CC3}"/>
+                </a:ext>
+              </a:extLst>
+            </p:cNvPr>
+            <p:cNvSpPr/>
+            <p:nvPr/>
+          </p:nvSpPr>
+          <p:spPr>
+            <a:xfrm>
+              <a:off x="1385874" y="3491036"/>
+              <a:ext cx="203739" cy="28388"/>
+            </a:xfrm>
+            <a:prstGeom prst="roundRect">
+              <a:avLst/>
+            </a:prstGeom>
+            <a:solidFill>
+              <a:schemeClr val="tx1"/>
+            </a:solidFill>
+            <a:ln>
+              <a:noFill/>
+            </a:ln>
+          </p:spPr>
+          <p:style>
+            <a:lnRef idx="2">
+              <a:schemeClr val="accent1">
+                <a:shade val="15000"/>
+              </a:schemeClr>
+            </a:lnRef>
+            <a:fillRef idx="1">
+              <a:schemeClr val="accent1"/>
+            </a:fillRef>
+            <a:effectRef idx="0">
+              <a:schemeClr val="accent1"/>
+            </a:effectRef>
+            <a:fontRef idx="minor">
+              <a:schemeClr val="lt1"/>
+            </a:fontRef>
+          </p:style>
+          <p:txBody>
+            <a:bodyPr rtlCol="0" anchor="ctr"/>
+            <a:lstStyle/>
+            <a:p>
+              <a:pPr algn="ctr"/>
+              <a:endParaRPr lang="es-ES"/>
+            </a:p>
+          </p:txBody>
+        </p:sp>
+        <p:sp>
+          <p:nvSpPr>
+            <p:cNvPr id="1207" name="Rectángulo: esquinas redondeadas 1206">
+              <a:extLst>
+                <a:ext uri="{FF2B5EF4-FFF2-40B4-BE49-F238E27FC236}">
+                  <a16:creationId xmlns:a16="http://schemas.microsoft.com/office/drawing/2014/main" id="{A9108AED-5581-9D6A-5209-244132ED800C}"/>
+                </a:ext>
+              </a:extLst>
+            </p:cNvPr>
+            <p:cNvSpPr/>
+            <p:nvPr/>
+          </p:nvSpPr>
+          <p:spPr>
+            <a:xfrm>
+              <a:off x="1385874" y="3529136"/>
+              <a:ext cx="203739" cy="28388"/>
+            </a:xfrm>
+            <a:prstGeom prst="roundRect">
+              <a:avLst/>
+            </a:prstGeom>
+            <a:solidFill>
+              <a:schemeClr val="tx1"/>
+            </a:solidFill>
+            <a:ln>
+              <a:noFill/>
+            </a:ln>
+          </p:spPr>
+          <p:style>
+            <a:lnRef idx="2">
+              <a:schemeClr val="accent1">
+                <a:shade val="15000"/>
+              </a:schemeClr>
+            </a:lnRef>
+            <a:fillRef idx="1">
+              <a:schemeClr val="accent1"/>
+            </a:fillRef>
+            <a:effectRef idx="0">
+              <a:schemeClr val="accent1"/>
+            </a:effectRef>
+            <a:fontRef idx="minor">
+              <a:schemeClr val="lt1"/>
+            </a:fontRef>
+          </p:style>
+          <p:txBody>
+            <a:bodyPr rtlCol="0" anchor="ctr"/>
+            <a:lstStyle/>
+            <a:p>
+              <a:pPr algn="ctr"/>
+              <a:endParaRPr lang="es-ES"/>
+            </a:p>
+          </p:txBody>
+        </p:sp>
+        <p:sp>
+          <p:nvSpPr>
+            <p:cNvPr id="1211" name="Rectángulo: esquinas redondeadas 1210">
+              <a:extLst>
+                <a:ext uri="{FF2B5EF4-FFF2-40B4-BE49-F238E27FC236}">
+                  <a16:creationId xmlns:a16="http://schemas.microsoft.com/office/drawing/2014/main" id="{6EEB73E6-6AE3-0E35-73EA-1F250F8726CD}"/>
+                </a:ext>
+              </a:extLst>
+            </p:cNvPr>
+            <p:cNvSpPr/>
+            <p:nvPr/>
+          </p:nvSpPr>
+          <p:spPr>
+            <a:xfrm>
+              <a:off x="1385874" y="3567236"/>
+              <a:ext cx="203739" cy="28388"/>
+            </a:xfrm>
+            <a:prstGeom prst="roundRect">
+              <a:avLst/>
+            </a:prstGeom>
+            <a:solidFill>
+              <a:schemeClr val="tx1"/>
+            </a:solidFill>
+            <a:ln>
+              <a:noFill/>
+            </a:ln>
+          </p:spPr>
+          <p:style>
+            <a:lnRef idx="2">
+              <a:schemeClr val="accent1">
+                <a:shade val="15000"/>
+              </a:schemeClr>
+            </a:lnRef>
+            <a:fillRef idx="1">
+              <a:schemeClr val="accent1"/>
+            </a:fillRef>
+            <a:effectRef idx="0">
+              <a:schemeClr val="accent1"/>
+            </a:effectRef>
+            <a:fontRef idx="minor">
+              <a:schemeClr val="lt1"/>
+            </a:fontRef>
+          </p:style>
+          <p:txBody>
+            <a:bodyPr rtlCol="0" anchor="ctr"/>
+            <a:lstStyle/>
+            <a:p>
+              <a:pPr algn="ctr"/>
+              <a:endParaRPr lang="es-ES"/>
+            </a:p>
+          </p:txBody>
+        </p:sp>
+        <p:sp>
+          <p:nvSpPr>
+            <p:cNvPr id="1213" name="Rectángulo: esquinas redondeadas 1212">
+              <a:extLst>
+                <a:ext uri="{FF2B5EF4-FFF2-40B4-BE49-F238E27FC236}">
+                  <a16:creationId xmlns:a16="http://schemas.microsoft.com/office/drawing/2014/main" id="{25F44A2D-CCBA-0505-4923-81164016942D}"/>
+                </a:ext>
+              </a:extLst>
+            </p:cNvPr>
+            <p:cNvSpPr/>
+            <p:nvPr/>
+          </p:nvSpPr>
+          <p:spPr>
+            <a:xfrm>
+              <a:off x="1130601" y="3719636"/>
+              <a:ext cx="246524" cy="28388"/>
+            </a:xfrm>
+            <a:prstGeom prst="roundRect">
+              <a:avLst/>
+            </a:prstGeom>
+            <a:solidFill>
+              <a:schemeClr val="tx1"/>
+            </a:solidFill>
+            <a:ln>
+              <a:noFill/>
+            </a:ln>
+          </p:spPr>
+          <p:style>
+            <a:lnRef idx="2">
+              <a:schemeClr val="accent1">
+                <a:shade val="15000"/>
+              </a:schemeClr>
+            </a:lnRef>
+            <a:fillRef idx="1">
+              <a:schemeClr val="accent1"/>
+            </a:fillRef>
+            <a:effectRef idx="0">
+              <a:schemeClr val="accent1"/>
+            </a:effectRef>
+            <a:fontRef idx="minor">
+              <a:schemeClr val="lt1"/>
+            </a:fontRef>
+          </p:style>
+          <p:txBody>
+            <a:bodyPr rtlCol="0" anchor="ctr"/>
+            <a:lstStyle/>
+            <a:p>
+              <a:pPr algn="ctr"/>
+              <a:endParaRPr lang="es-ES"/>
+            </a:p>
+          </p:txBody>
+        </p:sp>
+        <p:sp>
+          <p:nvSpPr>
+            <p:cNvPr id="1214" name="Rectángulo: esquinas redondeadas 1213">
+              <a:extLst>
+                <a:ext uri="{FF2B5EF4-FFF2-40B4-BE49-F238E27FC236}">
+                  <a16:creationId xmlns:a16="http://schemas.microsoft.com/office/drawing/2014/main" id="{81574C29-C4C3-75C1-FD31-A08367260B72}"/>
+                </a:ext>
+              </a:extLst>
+            </p:cNvPr>
+            <p:cNvSpPr/>
+            <p:nvPr/>
+          </p:nvSpPr>
+          <p:spPr>
+            <a:xfrm>
+              <a:off x="1130601" y="3757736"/>
+              <a:ext cx="246524" cy="28388"/>
+            </a:xfrm>
+            <a:prstGeom prst="roundRect">
+              <a:avLst/>
+            </a:prstGeom>
+            <a:solidFill>
+              <a:schemeClr val="tx1"/>
+            </a:solidFill>
+            <a:ln>
+              <a:noFill/>
+            </a:ln>
+          </p:spPr>
+          <p:style>
+            <a:lnRef idx="2">
+              <a:schemeClr val="accent1">
+                <a:shade val="15000"/>
+              </a:schemeClr>
+            </a:lnRef>
+            <a:fillRef idx="1">
+              <a:schemeClr val="accent1"/>
+            </a:fillRef>
+            <a:effectRef idx="0">
+              <a:schemeClr val="accent1"/>
+            </a:effectRef>
+            <a:fontRef idx="minor">
+              <a:schemeClr val="lt1"/>
+            </a:fontRef>
+          </p:style>
+          <p:txBody>
+            <a:bodyPr rtlCol="0" anchor="ctr"/>
+            <a:lstStyle/>
+            <a:p>
+              <a:pPr algn="ctr"/>
+              <a:endParaRPr lang="es-ES"/>
+            </a:p>
+          </p:txBody>
+        </p:sp>
+        <p:sp>
+          <p:nvSpPr>
+            <p:cNvPr id="1215" name="Rectángulo: esquinas redondeadas 1214">
+              <a:extLst>
+                <a:ext uri="{FF2B5EF4-FFF2-40B4-BE49-F238E27FC236}">
+                  <a16:creationId xmlns:a16="http://schemas.microsoft.com/office/drawing/2014/main" id="{84278142-D404-92AF-A5D0-B54FBFECC042}"/>
+                </a:ext>
+              </a:extLst>
+            </p:cNvPr>
+            <p:cNvSpPr/>
+            <p:nvPr/>
+          </p:nvSpPr>
+          <p:spPr>
+            <a:xfrm>
+              <a:off x="1130601" y="3795836"/>
+              <a:ext cx="246524" cy="28388"/>
+            </a:xfrm>
+            <a:prstGeom prst="roundRect">
+              <a:avLst/>
+            </a:prstGeom>
+            <a:solidFill>
+              <a:schemeClr val="tx1"/>
+            </a:solidFill>
+            <a:ln>
+              <a:noFill/>
+            </a:ln>
+          </p:spPr>
+          <p:style>
+            <a:lnRef idx="2">
+              <a:schemeClr val="accent1">
+                <a:shade val="15000"/>
+              </a:schemeClr>
+            </a:lnRef>
+            <a:fillRef idx="1">
+              <a:schemeClr val="accent1"/>
+            </a:fillRef>
+            <a:effectRef idx="0">
+              <a:schemeClr val="accent1"/>
+            </a:effectRef>
+            <a:fontRef idx="minor">
+              <a:schemeClr val="lt1"/>
+            </a:fontRef>
+          </p:style>
+          <p:txBody>
+            <a:bodyPr rtlCol="0" anchor="ctr"/>
+            <a:lstStyle/>
+            <a:p>
+              <a:pPr algn="ctr"/>
+              <a:endParaRPr lang="es-ES"/>
+            </a:p>
+          </p:txBody>
+        </p:sp>
+        <p:sp>
+          <p:nvSpPr>
+            <p:cNvPr id="1216" name="Elipse 1215">
+              <a:extLst>
+                <a:ext uri="{FF2B5EF4-FFF2-40B4-BE49-F238E27FC236}">
+                  <a16:creationId xmlns:a16="http://schemas.microsoft.com/office/drawing/2014/main" id="{204DA867-E7BD-E044-7CE9-B6F32428AF96}"/>
+                </a:ext>
+              </a:extLst>
+            </p:cNvPr>
+            <p:cNvSpPr/>
+            <p:nvPr/>
+          </p:nvSpPr>
+          <p:spPr>
+            <a:xfrm>
+              <a:off x="1174496" y="3465402"/>
+              <a:ext cx="164269" cy="164269"/>
+            </a:xfrm>
+            <a:prstGeom prst="ellipse">
+              <a:avLst/>
+            </a:prstGeom>
+            <a:solidFill>
+              <a:schemeClr val="accent2"/>
+            </a:solidFill>
+            <a:ln>
+              <a:noFill/>
+            </a:ln>
+          </p:spPr>
+          <p:style>
+            <a:lnRef idx="2">
+              <a:schemeClr val="accent1">
+                <a:shade val="15000"/>
+              </a:schemeClr>
+            </a:lnRef>
+            <a:fillRef idx="1">
+              <a:schemeClr val="accent1"/>
+            </a:fillRef>
+            <a:effectRef idx="0">
+              <a:schemeClr val="accent1"/>
+            </a:effectRef>
+            <a:fontRef idx="minor">
+              <a:schemeClr val="lt1"/>
+            </a:fontRef>
+          </p:style>
+          <p:txBody>
+            <a:bodyPr rtlCol="0" anchor="ctr"/>
+            <a:lstStyle/>
+            <a:p>
+              <a:pPr algn="ctr"/>
+              <a:endParaRPr lang="es-ES"/>
+            </a:p>
+          </p:txBody>
+        </p:sp>
+        <p:sp>
+          <p:nvSpPr>
+            <p:cNvPr id="1217" name="Círculo parcial 1216">
+              <a:extLst>
+                <a:ext uri="{FF2B5EF4-FFF2-40B4-BE49-F238E27FC236}">
+                  <a16:creationId xmlns:a16="http://schemas.microsoft.com/office/drawing/2014/main" id="{C67EF418-8AE8-AD8B-831B-F17D09D9090D}"/>
+                </a:ext>
+              </a:extLst>
+            </p:cNvPr>
+            <p:cNvSpPr/>
+            <p:nvPr/>
+          </p:nvSpPr>
+          <p:spPr>
+            <a:xfrm>
+              <a:off x="1130601" y="3446195"/>
+              <a:ext cx="228199" cy="228199"/>
+            </a:xfrm>
+            <a:prstGeom prst="pie">
+              <a:avLst/>
+            </a:prstGeom>
+            <a:solidFill>
+              <a:srgbClr val="FFC000"/>
+            </a:solidFill>
+            <a:ln>
+              <a:noFill/>
+            </a:ln>
+          </p:spPr>
+          <p:style>
+            <a:lnRef idx="2">
+              <a:schemeClr val="accent1">
+                <a:shade val="15000"/>
+              </a:schemeClr>
+            </a:lnRef>
+            <a:fillRef idx="1">
+              <a:schemeClr val="accent1"/>
+            </a:fillRef>
+            <a:effectRef idx="0">
+              <a:schemeClr val="accent1"/>
+            </a:effectRef>
+            <a:fontRef idx="minor">
+              <a:schemeClr val="lt1"/>
+            </a:fontRef>
+          </p:style>
+          <p:txBody>
+            <a:bodyPr rtlCol="0" anchor="ctr"/>
+            <a:lstStyle/>
+            <a:p>
+              <a:pPr algn="ctr"/>
+              <a:endParaRPr lang="es-ES">
+                <a:solidFill>
+                  <a:schemeClr val="tx1"/>
+                </a:solidFill>
+              </a:endParaRPr>
+            </a:p>
+          </p:txBody>
+        </p:sp>
+        <p:sp>
+          <p:nvSpPr>
+            <p:cNvPr id="1218" name="Rectángulo: esquinas redondeadas 1217">
+              <a:extLst>
+                <a:ext uri="{FF2B5EF4-FFF2-40B4-BE49-F238E27FC236}">
+                  <a16:creationId xmlns:a16="http://schemas.microsoft.com/office/drawing/2014/main" id="{12C9E64D-8302-DCED-8703-E5449F0404E5}"/>
+                </a:ext>
+              </a:extLst>
+            </p:cNvPr>
+            <p:cNvSpPr/>
+            <p:nvPr/>
+          </p:nvSpPr>
+          <p:spPr>
+            <a:xfrm>
+              <a:off x="1385874" y="3605336"/>
+              <a:ext cx="203739" cy="28388"/>
+            </a:xfrm>
+            <a:prstGeom prst="roundRect">
+              <a:avLst/>
+            </a:prstGeom>
+            <a:solidFill>
+              <a:schemeClr val="tx1"/>
+            </a:solidFill>
+            <a:ln>
+              <a:noFill/>
+            </a:ln>
+          </p:spPr>
+          <p:style>
+            <a:lnRef idx="2">
+              <a:schemeClr val="accent1">
+                <a:shade val="15000"/>
+              </a:schemeClr>
+            </a:lnRef>
+            <a:fillRef idx="1">
+              <a:schemeClr val="accent1"/>
+            </a:fillRef>
+            <a:effectRef idx="0">
+              <a:schemeClr val="accent1"/>
+            </a:effectRef>
+            <a:fontRef idx="minor">
+              <a:schemeClr val="lt1"/>
+            </a:fontRef>
+          </p:style>
+          <p:txBody>
+            <a:bodyPr rtlCol="0" anchor="ctr"/>
+            <a:lstStyle/>
+            <a:p>
+              <a:pPr algn="ctr"/>
+              <a:endParaRPr lang="es-ES"/>
+            </a:p>
+          </p:txBody>
+        </p:sp>
+        <p:sp>
+          <p:nvSpPr>
+            <p:cNvPr id="1219" name="Rectángulo: esquinas redondeadas 1218">
+              <a:extLst>
+                <a:ext uri="{FF2B5EF4-FFF2-40B4-BE49-F238E27FC236}">
+                  <a16:creationId xmlns:a16="http://schemas.microsoft.com/office/drawing/2014/main" id="{CB8560B3-E25B-34F1-AFA6-4D36A902A86D}"/>
+                </a:ext>
+              </a:extLst>
+            </p:cNvPr>
+            <p:cNvSpPr/>
+            <p:nvPr/>
+          </p:nvSpPr>
+          <p:spPr>
+            <a:xfrm>
+              <a:off x="1472854" y="3704931"/>
+              <a:ext cx="39515" cy="171546"/>
+            </a:xfrm>
+            <a:prstGeom prst="roundRect">
+              <a:avLst/>
+            </a:prstGeom>
+            <a:solidFill>
+              <a:srgbClr val="00B0F0"/>
+            </a:solidFill>
+            <a:ln>
+              <a:noFill/>
+            </a:ln>
+          </p:spPr>
+          <p:style>
+            <a:lnRef idx="2">
+              <a:schemeClr val="accent1">
+                <a:shade val="15000"/>
+              </a:schemeClr>
+            </a:lnRef>
+            <a:fillRef idx="1">
+              <a:schemeClr val="accent1"/>
+            </a:fillRef>
+            <a:effectRef idx="0">
+              <a:schemeClr val="accent1"/>
+            </a:effectRef>
+            <a:fontRef idx="minor">
+              <a:schemeClr val="lt1"/>
+            </a:fontRef>
+          </p:style>
+          <p:txBody>
+            <a:bodyPr rtlCol="0" anchor="ctr"/>
+            <a:lstStyle/>
+            <a:p>
+              <a:pPr algn="ctr"/>
+              <a:endParaRPr lang="es-ES"/>
+            </a:p>
+          </p:txBody>
+        </p:sp>
+        <p:sp>
+          <p:nvSpPr>
+            <p:cNvPr id="1220" name="Rectángulo: esquinas redondeadas 1219">
+              <a:extLst>
+                <a:ext uri="{FF2B5EF4-FFF2-40B4-BE49-F238E27FC236}">
+                  <a16:creationId xmlns:a16="http://schemas.microsoft.com/office/drawing/2014/main" id="{1E9CF20B-0FB8-3034-4CB5-27987AE4BB25}"/>
+                </a:ext>
+              </a:extLst>
+            </p:cNvPr>
+            <p:cNvSpPr/>
+            <p:nvPr/>
+          </p:nvSpPr>
+          <p:spPr>
+            <a:xfrm>
+              <a:off x="1531114" y="3648149"/>
+              <a:ext cx="39515" cy="228328"/>
+            </a:xfrm>
+            <a:prstGeom prst="roundRect">
+              <a:avLst/>
+            </a:prstGeom>
+            <a:solidFill>
+              <a:schemeClr val="accent6">
+                <a:lumMod val="75000"/>
+              </a:schemeClr>
+            </a:solidFill>
+            <a:ln>
+              <a:noFill/>
+            </a:ln>
+          </p:spPr>
+          <p:style>
+            <a:lnRef idx="2">
+              <a:schemeClr val="accent1">
+                <a:shade val="15000"/>
+              </a:schemeClr>
+            </a:lnRef>
+            <a:fillRef idx="1">
+              <a:schemeClr val="accent1"/>
+            </a:fillRef>
+            <a:effectRef idx="0">
+              <a:schemeClr val="accent1"/>
+            </a:effectRef>
+            <a:fontRef idx="minor">
+              <a:schemeClr val="lt1"/>
+            </a:fontRef>
+          </p:style>
+          <p:txBody>
+            <a:bodyPr rtlCol="0" anchor="ctr"/>
+            <a:lstStyle/>
+            <a:p>
+              <a:pPr algn="ctr"/>
+              <a:endParaRPr lang="es-ES"/>
+            </a:p>
+          </p:txBody>
+        </p:sp>
+        <p:sp>
+          <p:nvSpPr>
+            <p:cNvPr id="1221" name="Rectángulo: esquinas redondeadas 1220">
+              <a:extLst>
+                <a:ext uri="{FF2B5EF4-FFF2-40B4-BE49-F238E27FC236}">
+                  <a16:creationId xmlns:a16="http://schemas.microsoft.com/office/drawing/2014/main" id="{BF6DF7C3-1A6E-EE5E-3AB3-986BF12C13E1}"/>
+                </a:ext>
+              </a:extLst>
+            </p:cNvPr>
+            <p:cNvSpPr/>
+            <p:nvPr/>
+          </p:nvSpPr>
+          <p:spPr>
+            <a:xfrm>
+              <a:off x="1411388" y="3759309"/>
+              <a:ext cx="39515" cy="117168"/>
+            </a:xfrm>
+            <a:prstGeom prst="roundRect">
+              <a:avLst/>
+            </a:prstGeom>
+            <a:solidFill>
+              <a:srgbClr val="C00000"/>
+            </a:solidFill>
+            <a:ln>
+              <a:noFill/>
+            </a:ln>
+          </p:spPr>
+          <p:style>
+            <a:lnRef idx="2">
+              <a:schemeClr val="accent1">
+                <a:shade val="15000"/>
+              </a:schemeClr>
+            </a:lnRef>
+            <a:fillRef idx="1">
+              <a:schemeClr val="accent1"/>
+            </a:fillRef>
+            <a:effectRef idx="0">
+              <a:schemeClr val="accent1"/>
+            </a:effectRef>
+            <a:fontRef idx="minor">
+              <a:schemeClr val="lt1"/>
+            </a:fontRef>
+          </p:style>
+          <p:txBody>
+            <a:bodyPr rtlCol="0" anchor="ctr"/>
+            <a:lstStyle/>
+            <a:p>
+              <a:pPr algn="ctr"/>
+              <a:endParaRPr lang="es-ES"/>
+            </a:p>
+          </p:txBody>
+        </p:sp>
+        <p:sp>
+          <p:nvSpPr>
+            <p:cNvPr id="1222" name="Rectángulo: esquinas redondeadas 1221">
+              <a:extLst>
+                <a:ext uri="{FF2B5EF4-FFF2-40B4-BE49-F238E27FC236}">
+                  <a16:creationId xmlns:a16="http://schemas.microsoft.com/office/drawing/2014/main" id="{B97DECA1-5394-FEC1-83CB-06A0531B1E51}"/>
+                </a:ext>
+              </a:extLst>
+            </p:cNvPr>
+            <p:cNvSpPr/>
+            <p:nvPr/>
+          </p:nvSpPr>
+          <p:spPr>
+            <a:xfrm>
+              <a:off x="1130601" y="3833936"/>
+              <a:ext cx="246524" cy="28388"/>
+            </a:xfrm>
+            <a:prstGeom prst="roundRect">
+              <a:avLst/>
+            </a:prstGeom>
+            <a:solidFill>
+              <a:schemeClr val="tx1"/>
+            </a:solidFill>
+            <a:ln>
+              <a:noFill/>
+            </a:ln>
+          </p:spPr>
+          <p:style>
+            <a:lnRef idx="2">
+              <a:schemeClr val="accent1">
+                <a:shade val="15000"/>
+              </a:schemeClr>
+            </a:lnRef>
+            <a:fillRef idx="1">
+              <a:schemeClr val="accent1"/>
+            </a:fillRef>
+            <a:effectRef idx="0">
+              <a:schemeClr val="accent1"/>
+            </a:effectRef>
+            <a:fontRef idx="minor">
+              <a:schemeClr val="lt1"/>
+            </a:fontRef>
+          </p:style>
+          <p:txBody>
+            <a:bodyPr rtlCol="0" anchor="ctr"/>
+            <a:lstStyle/>
+            <a:p>
+              <a:pPr algn="ctr"/>
+              <a:endParaRPr lang="es-ES"/>
+            </a:p>
+          </p:txBody>
+        </p:sp>
+        <p:sp>
+          <p:nvSpPr>
+            <p:cNvPr id="1223" name="Rectángulo: esquinas redondeadas 1222">
+              <a:extLst>
+                <a:ext uri="{FF2B5EF4-FFF2-40B4-BE49-F238E27FC236}">
+                  <a16:creationId xmlns:a16="http://schemas.microsoft.com/office/drawing/2014/main" id="{2EA4A7BE-AD78-3FFC-9A48-91CDDAC6674A}"/>
+                </a:ext>
+              </a:extLst>
+            </p:cNvPr>
+            <p:cNvSpPr/>
+            <p:nvPr/>
+          </p:nvSpPr>
+          <p:spPr>
+            <a:xfrm>
+              <a:off x="1130600" y="3390952"/>
+              <a:ext cx="455145" cy="29038"/>
+            </a:xfrm>
+            <a:prstGeom prst="roundRect">
+              <a:avLst/>
+            </a:prstGeom>
+            <a:solidFill>
+              <a:schemeClr val="tx1"/>
+            </a:solidFill>
+            <a:ln>
+              <a:noFill/>
+            </a:ln>
+          </p:spPr>
+          <p:style>
+            <a:lnRef idx="2">
+              <a:schemeClr val="accent1">
+                <a:shade val="15000"/>
+              </a:schemeClr>
+            </a:lnRef>
+            <a:fillRef idx="1">
+              <a:schemeClr val="accent1"/>
+            </a:fillRef>
+            <a:effectRef idx="0">
+              <a:schemeClr val="accent1"/>
+            </a:effectRef>
+            <a:fontRef idx="minor">
+              <a:schemeClr val="lt1"/>
+            </a:fontRef>
+          </p:style>
+          <p:txBody>
+            <a:bodyPr rtlCol="0" anchor="ctr"/>
+            <a:lstStyle/>
+            <a:p>
+              <a:pPr algn="ctr"/>
+              <a:endParaRPr lang="es-ES"/>
+            </a:p>
+          </p:txBody>
+        </p:sp>
+        <p:sp>
+          <p:nvSpPr>
+            <p:cNvPr id="1224" name="Rectángulo: esquinas redondeadas 1223">
+              <a:extLst>
+                <a:ext uri="{FF2B5EF4-FFF2-40B4-BE49-F238E27FC236}">
+                  <a16:creationId xmlns:a16="http://schemas.microsoft.com/office/drawing/2014/main" id="{59E0A490-ABF7-5237-9D50-6A85342BC048}"/>
+                </a:ext>
+              </a:extLst>
+            </p:cNvPr>
+            <p:cNvSpPr/>
+            <p:nvPr/>
+          </p:nvSpPr>
+          <p:spPr>
+            <a:xfrm>
+              <a:off x="1130599" y="3346572"/>
+              <a:ext cx="455145" cy="29038"/>
+            </a:xfrm>
+            <a:prstGeom prst="roundRect">
+              <a:avLst/>
+            </a:prstGeom>
+            <a:solidFill>
+              <a:schemeClr val="tx1"/>
+            </a:solidFill>
+            <a:ln>
+              <a:noFill/>
+            </a:ln>
+          </p:spPr>
+          <p:style>
+            <a:lnRef idx="2">
+              <a:schemeClr val="accent1">
+                <a:shade val="15000"/>
+              </a:schemeClr>
+            </a:lnRef>
+            <a:fillRef idx="1">
+              <a:schemeClr val="accent1"/>
+            </a:fillRef>
+            <a:effectRef idx="0">
+              <a:schemeClr val="accent1"/>
+            </a:effectRef>
+            <a:fontRef idx="minor">
+              <a:schemeClr val="lt1"/>
+            </a:fontRef>
+          </p:style>
+          <p:txBody>
+            <a:bodyPr rtlCol="0" anchor="ctr"/>
+            <a:lstStyle/>
+            <a:p>
+              <a:pPr algn="ctr"/>
+              <a:endParaRPr lang="es-ES"/>
+            </a:p>
+          </p:txBody>
+        </p:sp>
+        <p:sp>
+          <p:nvSpPr>
+            <p:cNvPr id="1225" name="Rectángulo: esquinas redondeadas 1224">
+              <a:extLst>
+                <a:ext uri="{FF2B5EF4-FFF2-40B4-BE49-F238E27FC236}">
+                  <a16:creationId xmlns:a16="http://schemas.microsoft.com/office/drawing/2014/main" id="{13134671-FF34-AD26-BBDA-C0B5D76A8BAA}"/>
+                </a:ext>
+              </a:extLst>
+            </p:cNvPr>
+            <p:cNvSpPr/>
+            <p:nvPr/>
+          </p:nvSpPr>
+          <p:spPr>
+            <a:xfrm>
+              <a:off x="1130599" y="3302192"/>
+              <a:ext cx="455145" cy="29038"/>
+            </a:xfrm>
+            <a:prstGeom prst="roundRect">
+              <a:avLst/>
+            </a:prstGeom>
+            <a:solidFill>
+              <a:schemeClr val="tx1"/>
+            </a:solidFill>
+            <a:ln>
+              <a:noFill/>
+            </a:ln>
+          </p:spPr>
+          <p:style>
+            <a:lnRef idx="2">
+              <a:schemeClr val="accent1">
+                <a:shade val="15000"/>
+              </a:schemeClr>
+            </a:lnRef>
+            <a:fillRef idx="1">
+              <a:schemeClr val="accent1"/>
+            </a:fillRef>
+            <a:effectRef idx="0">
+              <a:schemeClr val="accent1"/>
+            </a:effectRef>
+            <a:fontRef idx="minor">
+              <a:schemeClr val="lt1"/>
+            </a:fontRef>
+          </p:style>
+          <p:txBody>
+            <a:bodyPr rtlCol="0" anchor="ctr"/>
+            <a:lstStyle/>
+            <a:p>
+              <a:pPr algn="ctr"/>
+              <a:endParaRPr lang="es-ES"/>
+            </a:p>
+          </p:txBody>
+        </p:sp>
+        <p:sp>
+          <p:nvSpPr>
+            <p:cNvPr id="1226" name="Rectángulo 1225">
+              <a:extLst>
+                <a:ext uri="{FF2B5EF4-FFF2-40B4-BE49-F238E27FC236}">
+                  <a16:creationId xmlns:a16="http://schemas.microsoft.com/office/drawing/2014/main" id="{78E1123E-102D-C783-4261-7CF60061FFD6}"/>
+                </a:ext>
+              </a:extLst>
+            </p:cNvPr>
+            <p:cNvSpPr/>
+            <p:nvPr/>
+          </p:nvSpPr>
+          <p:spPr>
+            <a:xfrm>
+              <a:off x="1137264" y="3164195"/>
+              <a:ext cx="448480" cy="102394"/>
+            </a:xfrm>
+            <a:prstGeom prst="rect">
+              <a:avLst/>
+            </a:prstGeom>
+          </p:spPr>
+          <p:style>
+            <a:lnRef idx="2">
+              <a:schemeClr val="accent4">
+                <a:shade val="15000"/>
+              </a:schemeClr>
+            </a:lnRef>
+            <a:fillRef idx="1">
+              <a:schemeClr val="accent4"/>
+            </a:fillRef>
+            <a:effectRef idx="0">
+              <a:schemeClr val="accent4"/>
+            </a:effectRef>
+            <a:fontRef idx="minor">
+              <a:schemeClr val="lt1"/>
+            </a:fontRef>
+          </p:style>
+          <p:txBody>
+            <a:bodyPr rtlCol="0" anchor="ctr"/>
+            <a:lstStyle/>
+            <a:p>
+              <a:pPr algn="ctr"/>
+              <a:endParaRPr lang="es-ES"/>
+            </a:p>
+          </p:txBody>
+        </p:sp>
+      </p:grpSp>
+      <p:grpSp>
+        <p:nvGrpSpPr>
+          <p:cNvPr id="1227" name="Grupo 1226">
+            <a:extLst>
+              <a:ext uri="{FF2B5EF4-FFF2-40B4-BE49-F238E27FC236}">
+                <a16:creationId xmlns:a16="http://schemas.microsoft.com/office/drawing/2014/main" id="{AB25D313-0DED-7133-27E2-06B2F840E963}"/>
+              </a:ext>
+            </a:extLst>
+          </p:cNvPr>
+          <p:cNvGrpSpPr/>
+          <p:nvPr/>
+        </p:nvGrpSpPr>
+        <p:grpSpPr>
+          <a:xfrm>
+            <a:off x="1558289" y="5097868"/>
+            <a:ext cx="535666" cy="776768"/>
+            <a:chOff x="1091515" y="3122530"/>
+            <a:chExt cx="535666" cy="776768"/>
+          </a:xfrm>
+        </p:grpSpPr>
+        <p:sp>
+          <p:nvSpPr>
+            <p:cNvPr id="1228" name="Rectángulo 1227">
+              <a:extLst>
+                <a:ext uri="{FF2B5EF4-FFF2-40B4-BE49-F238E27FC236}">
+                  <a16:creationId xmlns:a16="http://schemas.microsoft.com/office/drawing/2014/main" id="{2A7752D3-FFF7-AFF1-83FE-D7D00493A3AF}"/>
+                </a:ext>
+              </a:extLst>
+            </p:cNvPr>
+            <p:cNvSpPr/>
+            <p:nvPr/>
+          </p:nvSpPr>
+          <p:spPr>
+            <a:xfrm>
+              <a:off x="1091515" y="3122530"/>
+              <a:ext cx="535666" cy="776768"/>
+            </a:xfrm>
+            <a:prstGeom prst="rect">
+              <a:avLst/>
+            </a:prstGeom>
+            <a:solidFill>
+              <a:schemeClr val="bg1"/>
+            </a:solidFill>
+          </p:spPr>
+          <p:style>
+            <a:lnRef idx="2">
+              <a:schemeClr val="accent1">
+                <a:shade val="15000"/>
+              </a:schemeClr>
+            </a:lnRef>
+            <a:fillRef idx="1">
+              <a:schemeClr val="accent1"/>
+            </a:fillRef>
+            <a:effectRef idx="0">
+              <a:schemeClr val="accent1"/>
+            </a:effectRef>
+            <a:fontRef idx="minor">
+              <a:schemeClr val="lt1"/>
+            </a:fontRef>
+          </p:style>
+          <p:txBody>
+            <a:bodyPr rtlCol="0" anchor="ctr"/>
+            <a:lstStyle/>
+            <a:p>
+              <a:pPr algn="ctr"/>
+              <a:endParaRPr lang="es-ES"/>
+            </a:p>
+          </p:txBody>
+        </p:sp>
+        <p:sp>
+          <p:nvSpPr>
+            <p:cNvPr id="1229" name="Rectángulo: esquinas redondeadas 1228">
+              <a:extLst>
+                <a:ext uri="{FF2B5EF4-FFF2-40B4-BE49-F238E27FC236}">
+                  <a16:creationId xmlns:a16="http://schemas.microsoft.com/office/drawing/2014/main" id="{743306DE-8ABF-2C0B-9460-3889A8CA534C}"/>
+                </a:ext>
+              </a:extLst>
+            </p:cNvPr>
+            <p:cNvSpPr/>
+            <p:nvPr/>
+          </p:nvSpPr>
+          <p:spPr>
+            <a:xfrm>
+              <a:off x="1385874" y="3491036"/>
+              <a:ext cx="203739" cy="28388"/>
+            </a:xfrm>
+            <a:prstGeom prst="roundRect">
+              <a:avLst/>
+            </a:prstGeom>
+            <a:solidFill>
+              <a:schemeClr val="tx1"/>
+            </a:solidFill>
+            <a:ln>
+              <a:noFill/>
+            </a:ln>
+          </p:spPr>
+          <p:style>
+            <a:lnRef idx="2">
+              <a:schemeClr val="accent1">
+                <a:shade val="15000"/>
+              </a:schemeClr>
+            </a:lnRef>
+            <a:fillRef idx="1">
+              <a:schemeClr val="accent1"/>
+            </a:fillRef>
+            <a:effectRef idx="0">
+              <a:schemeClr val="accent1"/>
+            </a:effectRef>
+            <a:fontRef idx="minor">
+              <a:schemeClr val="lt1"/>
+            </a:fontRef>
+          </p:style>
+          <p:txBody>
+            <a:bodyPr rtlCol="0" anchor="ctr"/>
+            <a:lstStyle/>
+            <a:p>
+              <a:pPr algn="ctr"/>
+              <a:endParaRPr lang="es-ES"/>
+            </a:p>
+          </p:txBody>
+        </p:sp>
+        <p:sp>
+          <p:nvSpPr>
+            <p:cNvPr id="1230" name="Rectángulo: esquinas redondeadas 1229">
+              <a:extLst>
+                <a:ext uri="{FF2B5EF4-FFF2-40B4-BE49-F238E27FC236}">
+                  <a16:creationId xmlns:a16="http://schemas.microsoft.com/office/drawing/2014/main" id="{D127DA2C-522A-E2E4-B8DB-2201D566EDB9}"/>
+                </a:ext>
+              </a:extLst>
+            </p:cNvPr>
+            <p:cNvSpPr/>
+            <p:nvPr/>
+          </p:nvSpPr>
+          <p:spPr>
+            <a:xfrm>
+              <a:off x="1385874" y="3529136"/>
+              <a:ext cx="203739" cy="28388"/>
+            </a:xfrm>
+            <a:prstGeom prst="roundRect">
+              <a:avLst/>
+            </a:prstGeom>
+            <a:solidFill>
+              <a:schemeClr val="tx1"/>
+            </a:solidFill>
+            <a:ln>
+              <a:noFill/>
+            </a:ln>
+          </p:spPr>
+          <p:style>
+            <a:lnRef idx="2">
+              <a:schemeClr val="accent1">
+                <a:shade val="15000"/>
+              </a:schemeClr>
+            </a:lnRef>
+            <a:fillRef idx="1">
+              <a:schemeClr val="accent1"/>
+            </a:fillRef>
+            <a:effectRef idx="0">
+              <a:schemeClr val="accent1"/>
+            </a:effectRef>
+            <a:fontRef idx="minor">
+              <a:schemeClr val="lt1"/>
+            </a:fontRef>
+          </p:style>
+          <p:txBody>
+            <a:bodyPr rtlCol="0" anchor="ctr"/>
+            <a:lstStyle/>
+            <a:p>
+              <a:pPr algn="ctr"/>
+              <a:endParaRPr lang="es-ES"/>
+            </a:p>
+          </p:txBody>
+        </p:sp>
+        <p:sp>
+          <p:nvSpPr>
+            <p:cNvPr id="1231" name="Rectángulo: esquinas redondeadas 1230">
+              <a:extLst>
+                <a:ext uri="{FF2B5EF4-FFF2-40B4-BE49-F238E27FC236}">
+                  <a16:creationId xmlns:a16="http://schemas.microsoft.com/office/drawing/2014/main" id="{D035757C-A64C-F910-8B28-EBE31F6CCC80}"/>
+                </a:ext>
+              </a:extLst>
+            </p:cNvPr>
+            <p:cNvSpPr/>
+            <p:nvPr/>
+          </p:nvSpPr>
+          <p:spPr>
+            <a:xfrm>
+              <a:off x="1385874" y="3567236"/>
+              <a:ext cx="203739" cy="28388"/>
+            </a:xfrm>
+            <a:prstGeom prst="roundRect">
+              <a:avLst/>
+            </a:prstGeom>
+            <a:solidFill>
+              <a:schemeClr val="tx1"/>
+            </a:solidFill>
+            <a:ln>
+              <a:noFill/>
+            </a:ln>
+          </p:spPr>
+          <p:style>
+            <a:lnRef idx="2">
+              <a:schemeClr val="accent1">
+                <a:shade val="15000"/>
+              </a:schemeClr>
+            </a:lnRef>
+            <a:fillRef idx="1">
+              <a:schemeClr val="accent1"/>
+            </a:fillRef>
+            <a:effectRef idx="0">
+              <a:schemeClr val="accent1"/>
+            </a:effectRef>
+            <a:fontRef idx="minor">
+              <a:schemeClr val="lt1"/>
+            </a:fontRef>
+          </p:style>
+          <p:txBody>
+            <a:bodyPr rtlCol="0" anchor="ctr"/>
+            <a:lstStyle/>
+            <a:p>
+              <a:pPr algn="ctr"/>
+              <a:endParaRPr lang="es-ES"/>
+            </a:p>
+          </p:txBody>
+        </p:sp>
+        <p:sp>
+          <p:nvSpPr>
+            <p:cNvPr id="1232" name="Rectángulo: esquinas redondeadas 1231">
+              <a:extLst>
+                <a:ext uri="{FF2B5EF4-FFF2-40B4-BE49-F238E27FC236}">
+                  <a16:creationId xmlns:a16="http://schemas.microsoft.com/office/drawing/2014/main" id="{5B0A9424-5B75-4791-7D6C-DAA86E9FB044}"/>
+                </a:ext>
+              </a:extLst>
+            </p:cNvPr>
+            <p:cNvSpPr/>
+            <p:nvPr/>
+          </p:nvSpPr>
+          <p:spPr>
+            <a:xfrm>
+              <a:off x="1130601" y="3719636"/>
+              <a:ext cx="246524" cy="28388"/>
+            </a:xfrm>
+            <a:prstGeom prst="roundRect">
+              <a:avLst/>
+            </a:prstGeom>
+            <a:solidFill>
+              <a:schemeClr val="tx1"/>
+            </a:solidFill>
+            <a:ln>
+              <a:noFill/>
+            </a:ln>
+          </p:spPr>
+          <p:style>
+            <a:lnRef idx="2">
+              <a:schemeClr val="accent1">
+                <a:shade val="15000"/>
+              </a:schemeClr>
+            </a:lnRef>
+            <a:fillRef idx="1">
+              <a:schemeClr val="accent1"/>
+            </a:fillRef>
+            <a:effectRef idx="0">
+              <a:schemeClr val="accent1"/>
+            </a:effectRef>
+            <a:fontRef idx="minor">
+              <a:schemeClr val="lt1"/>
+            </a:fontRef>
+          </p:style>
+          <p:txBody>
+            <a:bodyPr rtlCol="0" anchor="ctr"/>
+            <a:lstStyle/>
+            <a:p>
+              <a:pPr algn="ctr"/>
+              <a:endParaRPr lang="es-ES"/>
+            </a:p>
+          </p:txBody>
+        </p:sp>
+        <p:sp>
+          <p:nvSpPr>
+            <p:cNvPr id="1233" name="Rectángulo: esquinas redondeadas 1232">
+              <a:extLst>
+                <a:ext uri="{FF2B5EF4-FFF2-40B4-BE49-F238E27FC236}">
+                  <a16:creationId xmlns:a16="http://schemas.microsoft.com/office/drawing/2014/main" id="{7DE265AB-FE93-8871-FC3E-2315D606EFC6}"/>
+                </a:ext>
+              </a:extLst>
+            </p:cNvPr>
+            <p:cNvSpPr/>
+            <p:nvPr/>
+          </p:nvSpPr>
+          <p:spPr>
+            <a:xfrm>
+              <a:off x="1130601" y="3757736"/>
+              <a:ext cx="246524" cy="28388"/>
+            </a:xfrm>
+            <a:prstGeom prst="roundRect">
+              <a:avLst/>
+            </a:prstGeom>
+            <a:solidFill>
+              <a:schemeClr val="tx1"/>
+            </a:solidFill>
+            <a:ln>
+              <a:noFill/>
+            </a:ln>
+          </p:spPr>
+          <p:style>
+            <a:lnRef idx="2">
+              <a:schemeClr val="accent1">
+                <a:shade val="15000"/>
+              </a:schemeClr>
+            </a:lnRef>
+            <a:fillRef idx="1">
+              <a:schemeClr val="accent1"/>
+            </a:fillRef>
+            <a:effectRef idx="0">
+              <a:schemeClr val="accent1"/>
+            </a:effectRef>
+            <a:fontRef idx="minor">
+              <a:schemeClr val="lt1"/>
+            </a:fontRef>
+          </p:style>
+          <p:txBody>
+            <a:bodyPr rtlCol="0" anchor="ctr"/>
+            <a:lstStyle/>
+            <a:p>
+              <a:pPr algn="ctr"/>
+              <a:endParaRPr lang="es-ES"/>
+            </a:p>
+          </p:txBody>
+        </p:sp>
+        <p:sp>
+          <p:nvSpPr>
+            <p:cNvPr id="1234" name="Rectángulo: esquinas redondeadas 1233">
+              <a:extLst>
+                <a:ext uri="{FF2B5EF4-FFF2-40B4-BE49-F238E27FC236}">
+                  <a16:creationId xmlns:a16="http://schemas.microsoft.com/office/drawing/2014/main" id="{A92BC80B-2DF8-BC1E-33CC-F55D10C1D2E7}"/>
+                </a:ext>
+              </a:extLst>
+            </p:cNvPr>
+            <p:cNvSpPr/>
+            <p:nvPr/>
+          </p:nvSpPr>
+          <p:spPr>
+            <a:xfrm>
+              <a:off x="1130601" y="3795836"/>
+              <a:ext cx="246524" cy="28388"/>
+            </a:xfrm>
+            <a:prstGeom prst="roundRect">
+              <a:avLst/>
+            </a:prstGeom>
+            <a:solidFill>
+              <a:schemeClr val="tx1"/>
+            </a:solidFill>
+            <a:ln>
+              <a:noFill/>
+            </a:ln>
+          </p:spPr>
+          <p:style>
+            <a:lnRef idx="2">
+              <a:schemeClr val="accent1">
+                <a:shade val="15000"/>
+              </a:schemeClr>
+            </a:lnRef>
+            <a:fillRef idx="1">
+              <a:schemeClr val="accent1"/>
+            </a:fillRef>
+            <a:effectRef idx="0">
+              <a:schemeClr val="accent1"/>
+            </a:effectRef>
+            <a:fontRef idx="minor">
+              <a:schemeClr val="lt1"/>
+            </a:fontRef>
+          </p:style>
+          <p:txBody>
+            <a:bodyPr rtlCol="0" anchor="ctr"/>
+            <a:lstStyle/>
+            <a:p>
+              <a:pPr algn="ctr"/>
+              <a:endParaRPr lang="es-ES"/>
+            </a:p>
+          </p:txBody>
+        </p:sp>
+        <p:sp>
+          <p:nvSpPr>
+            <p:cNvPr id="1235" name="Elipse 1234">
+              <a:extLst>
+                <a:ext uri="{FF2B5EF4-FFF2-40B4-BE49-F238E27FC236}">
+                  <a16:creationId xmlns:a16="http://schemas.microsoft.com/office/drawing/2014/main" id="{31B8281D-5CA0-243E-164E-57B5CE5C2DC8}"/>
+                </a:ext>
+              </a:extLst>
+            </p:cNvPr>
+            <p:cNvSpPr/>
+            <p:nvPr/>
+          </p:nvSpPr>
+          <p:spPr>
+            <a:xfrm>
+              <a:off x="1174496" y="3465402"/>
+              <a:ext cx="164269" cy="164269"/>
+            </a:xfrm>
+            <a:prstGeom prst="ellipse">
+              <a:avLst/>
+            </a:prstGeom>
+            <a:solidFill>
+              <a:schemeClr val="accent2"/>
+            </a:solidFill>
+            <a:ln>
+              <a:noFill/>
+            </a:ln>
+          </p:spPr>
+          <p:style>
+            <a:lnRef idx="2">
+              <a:schemeClr val="accent1">
+                <a:shade val="15000"/>
+              </a:schemeClr>
+            </a:lnRef>
+            <a:fillRef idx="1">
+              <a:schemeClr val="accent1"/>
+            </a:fillRef>
+            <a:effectRef idx="0">
+              <a:schemeClr val="accent1"/>
+            </a:effectRef>
+            <a:fontRef idx="minor">
+              <a:schemeClr val="lt1"/>
+            </a:fontRef>
+          </p:style>
+          <p:txBody>
+            <a:bodyPr rtlCol="0" anchor="ctr"/>
+            <a:lstStyle/>
+            <a:p>
+              <a:pPr algn="ctr"/>
+              <a:endParaRPr lang="es-ES"/>
+            </a:p>
+          </p:txBody>
+        </p:sp>
+        <p:sp>
+          <p:nvSpPr>
+            <p:cNvPr id="1236" name="Círculo parcial 1235">
+              <a:extLst>
+                <a:ext uri="{FF2B5EF4-FFF2-40B4-BE49-F238E27FC236}">
+                  <a16:creationId xmlns:a16="http://schemas.microsoft.com/office/drawing/2014/main" id="{3CA75529-DA6E-0164-E9E6-D6447710AEA8}"/>
+                </a:ext>
+              </a:extLst>
+            </p:cNvPr>
+            <p:cNvSpPr/>
+            <p:nvPr/>
+          </p:nvSpPr>
+          <p:spPr>
+            <a:xfrm>
+              <a:off x="1130601" y="3446195"/>
+              <a:ext cx="228199" cy="228199"/>
+            </a:xfrm>
+            <a:prstGeom prst="pie">
+              <a:avLst/>
+            </a:prstGeom>
+            <a:solidFill>
+              <a:srgbClr val="FFC000"/>
+            </a:solidFill>
+            <a:ln>
+              <a:noFill/>
+            </a:ln>
+          </p:spPr>
+          <p:style>
+            <a:lnRef idx="2">
+              <a:schemeClr val="accent1">
+                <a:shade val="15000"/>
+              </a:schemeClr>
+            </a:lnRef>
+            <a:fillRef idx="1">
+              <a:schemeClr val="accent1"/>
+            </a:fillRef>
+            <a:effectRef idx="0">
+              <a:schemeClr val="accent1"/>
+            </a:effectRef>
+            <a:fontRef idx="minor">
+              <a:schemeClr val="lt1"/>
+            </a:fontRef>
+          </p:style>
+          <p:txBody>
+            <a:bodyPr rtlCol="0" anchor="ctr"/>
+            <a:lstStyle/>
+            <a:p>
+              <a:pPr algn="ctr"/>
+              <a:endParaRPr lang="es-ES">
+                <a:solidFill>
+                  <a:schemeClr val="tx1"/>
+                </a:solidFill>
+              </a:endParaRPr>
+            </a:p>
+          </p:txBody>
+        </p:sp>
+        <p:sp>
+          <p:nvSpPr>
+            <p:cNvPr id="1237" name="Rectángulo: esquinas redondeadas 1236">
+              <a:extLst>
+                <a:ext uri="{FF2B5EF4-FFF2-40B4-BE49-F238E27FC236}">
+                  <a16:creationId xmlns:a16="http://schemas.microsoft.com/office/drawing/2014/main" id="{93CCD309-1E44-EC56-1248-853285468113}"/>
+                </a:ext>
+              </a:extLst>
+            </p:cNvPr>
+            <p:cNvSpPr/>
+            <p:nvPr/>
+          </p:nvSpPr>
+          <p:spPr>
+            <a:xfrm>
+              <a:off x="1385874" y="3605336"/>
+              <a:ext cx="203739" cy="28388"/>
+            </a:xfrm>
+            <a:prstGeom prst="roundRect">
+              <a:avLst/>
+            </a:prstGeom>
+            <a:solidFill>
+              <a:schemeClr val="tx1"/>
+            </a:solidFill>
+            <a:ln>
+              <a:noFill/>
+            </a:ln>
+          </p:spPr>
+          <p:style>
+            <a:lnRef idx="2">
+              <a:schemeClr val="accent1">
+                <a:shade val="15000"/>
+              </a:schemeClr>
+            </a:lnRef>
+            <a:fillRef idx="1">
+              <a:schemeClr val="accent1"/>
+            </a:fillRef>
+            <a:effectRef idx="0">
+              <a:schemeClr val="accent1"/>
+            </a:effectRef>
+            <a:fontRef idx="minor">
+              <a:schemeClr val="lt1"/>
+            </a:fontRef>
+          </p:style>
+          <p:txBody>
+            <a:bodyPr rtlCol="0" anchor="ctr"/>
+            <a:lstStyle/>
+            <a:p>
+              <a:pPr algn="ctr"/>
+              <a:endParaRPr lang="es-ES"/>
+            </a:p>
+          </p:txBody>
+        </p:sp>
+        <p:sp>
+          <p:nvSpPr>
+            <p:cNvPr id="1238" name="Rectángulo: esquinas redondeadas 1237">
+              <a:extLst>
+                <a:ext uri="{FF2B5EF4-FFF2-40B4-BE49-F238E27FC236}">
+                  <a16:creationId xmlns:a16="http://schemas.microsoft.com/office/drawing/2014/main" id="{61D51750-F4F7-B0F0-8209-47071CF423D0}"/>
+                </a:ext>
+              </a:extLst>
+            </p:cNvPr>
+            <p:cNvSpPr/>
+            <p:nvPr/>
+          </p:nvSpPr>
+          <p:spPr>
+            <a:xfrm>
+              <a:off x="1472854" y="3704931"/>
+              <a:ext cx="39515" cy="171546"/>
+            </a:xfrm>
+            <a:prstGeom prst="roundRect">
+              <a:avLst/>
+            </a:prstGeom>
+            <a:solidFill>
+              <a:srgbClr val="00B0F0"/>
+            </a:solidFill>
+            <a:ln>
+              <a:noFill/>
+            </a:ln>
+          </p:spPr>
+          <p:style>
+            <a:lnRef idx="2">
+              <a:schemeClr val="accent1">
+                <a:shade val="15000"/>
+              </a:schemeClr>
+            </a:lnRef>
+            <a:fillRef idx="1">
+              <a:schemeClr val="accent1"/>
+            </a:fillRef>
+            <a:effectRef idx="0">
+              <a:schemeClr val="accent1"/>
+            </a:effectRef>
+            <a:fontRef idx="minor">
+              <a:schemeClr val="lt1"/>
+            </a:fontRef>
+          </p:style>
+          <p:txBody>
+            <a:bodyPr rtlCol="0" anchor="ctr"/>
+            <a:lstStyle/>
+            <a:p>
+              <a:pPr algn="ctr"/>
+              <a:endParaRPr lang="es-ES"/>
+            </a:p>
+          </p:txBody>
+        </p:sp>
+        <p:sp>
+          <p:nvSpPr>
+            <p:cNvPr id="1239" name="Rectángulo: esquinas redondeadas 1238">
+              <a:extLst>
+                <a:ext uri="{FF2B5EF4-FFF2-40B4-BE49-F238E27FC236}">
+                  <a16:creationId xmlns:a16="http://schemas.microsoft.com/office/drawing/2014/main" id="{73E045A0-2A98-571B-63C8-86CFB527DEA7}"/>
+                </a:ext>
+              </a:extLst>
+            </p:cNvPr>
+            <p:cNvSpPr/>
+            <p:nvPr/>
+          </p:nvSpPr>
+          <p:spPr>
+            <a:xfrm>
+              <a:off x="1531114" y="3648149"/>
+              <a:ext cx="39515" cy="228328"/>
+            </a:xfrm>
+            <a:prstGeom prst="roundRect">
+              <a:avLst/>
+            </a:prstGeom>
+            <a:solidFill>
+              <a:schemeClr val="accent6">
+                <a:lumMod val="75000"/>
+              </a:schemeClr>
+            </a:solidFill>
+            <a:ln>
+              <a:noFill/>
+            </a:ln>
+          </p:spPr>
+          <p:style>
+            <a:lnRef idx="2">
+              <a:schemeClr val="accent1">
+                <a:shade val="15000"/>
+              </a:schemeClr>
+            </a:lnRef>
+            <a:fillRef idx="1">
+              <a:schemeClr val="accent1"/>
+            </a:fillRef>
+            <a:effectRef idx="0">
+              <a:schemeClr val="accent1"/>
+            </a:effectRef>
+            <a:fontRef idx="minor">
+              <a:schemeClr val="lt1"/>
+            </a:fontRef>
+          </p:style>
+          <p:txBody>
+            <a:bodyPr rtlCol="0" anchor="ctr"/>
+            <a:lstStyle/>
+            <a:p>
+              <a:pPr algn="ctr"/>
+              <a:endParaRPr lang="es-ES"/>
+            </a:p>
+          </p:txBody>
+        </p:sp>
+        <p:sp>
+          <p:nvSpPr>
+            <p:cNvPr id="1240" name="Rectángulo: esquinas redondeadas 1239">
+              <a:extLst>
+                <a:ext uri="{FF2B5EF4-FFF2-40B4-BE49-F238E27FC236}">
+                  <a16:creationId xmlns:a16="http://schemas.microsoft.com/office/drawing/2014/main" id="{DF623CFD-E045-CC23-A2B0-145D023F9ED9}"/>
+                </a:ext>
+              </a:extLst>
+            </p:cNvPr>
+            <p:cNvSpPr/>
+            <p:nvPr/>
+          </p:nvSpPr>
+          <p:spPr>
+            <a:xfrm>
+              <a:off x="1411388" y="3759309"/>
+              <a:ext cx="39515" cy="117168"/>
+            </a:xfrm>
+            <a:prstGeom prst="roundRect">
+              <a:avLst/>
+            </a:prstGeom>
+            <a:solidFill>
+              <a:srgbClr val="C00000"/>
+            </a:solidFill>
+            <a:ln>
+              <a:noFill/>
+            </a:ln>
+          </p:spPr>
+          <p:style>
+            <a:lnRef idx="2">
+              <a:schemeClr val="accent1">
+                <a:shade val="15000"/>
+              </a:schemeClr>
+            </a:lnRef>
+            <a:fillRef idx="1">
+              <a:schemeClr val="accent1"/>
+            </a:fillRef>
+            <a:effectRef idx="0">
+              <a:schemeClr val="accent1"/>
+            </a:effectRef>
+            <a:fontRef idx="minor">
+              <a:schemeClr val="lt1"/>
+            </a:fontRef>
+          </p:style>
+          <p:txBody>
+            <a:bodyPr rtlCol="0" anchor="ctr"/>
+            <a:lstStyle/>
+            <a:p>
+              <a:pPr algn="ctr"/>
+              <a:endParaRPr lang="es-ES"/>
+            </a:p>
+          </p:txBody>
+        </p:sp>
+        <p:sp>
+          <p:nvSpPr>
+            <p:cNvPr id="1241" name="Rectángulo: esquinas redondeadas 1240">
+              <a:extLst>
+                <a:ext uri="{FF2B5EF4-FFF2-40B4-BE49-F238E27FC236}">
+                  <a16:creationId xmlns:a16="http://schemas.microsoft.com/office/drawing/2014/main" id="{54B1DF19-A8A8-450F-2F67-673F1D56DF12}"/>
+                </a:ext>
+              </a:extLst>
+            </p:cNvPr>
+            <p:cNvSpPr/>
+            <p:nvPr/>
+          </p:nvSpPr>
+          <p:spPr>
+            <a:xfrm>
+              <a:off x="1130601" y="3833936"/>
+              <a:ext cx="246524" cy="28388"/>
+            </a:xfrm>
+            <a:prstGeom prst="roundRect">
+              <a:avLst/>
+            </a:prstGeom>
+            <a:solidFill>
+              <a:schemeClr val="tx1"/>
+            </a:solidFill>
+            <a:ln>
+              <a:noFill/>
+            </a:ln>
+          </p:spPr>
+          <p:style>
+            <a:lnRef idx="2">
+              <a:schemeClr val="accent1">
+                <a:shade val="15000"/>
+              </a:schemeClr>
+            </a:lnRef>
+            <a:fillRef idx="1">
+              <a:schemeClr val="accent1"/>
+            </a:fillRef>
+            <a:effectRef idx="0">
+              <a:schemeClr val="accent1"/>
+            </a:effectRef>
+            <a:fontRef idx="minor">
+              <a:schemeClr val="lt1"/>
+            </a:fontRef>
+          </p:style>
+          <p:txBody>
+            <a:bodyPr rtlCol="0" anchor="ctr"/>
+            <a:lstStyle/>
+            <a:p>
+              <a:pPr algn="ctr"/>
+              <a:endParaRPr lang="es-ES"/>
+            </a:p>
+          </p:txBody>
+        </p:sp>
+        <p:sp>
+          <p:nvSpPr>
+            <p:cNvPr id="1242" name="Rectángulo: esquinas redondeadas 1241">
+              <a:extLst>
+                <a:ext uri="{FF2B5EF4-FFF2-40B4-BE49-F238E27FC236}">
+                  <a16:creationId xmlns:a16="http://schemas.microsoft.com/office/drawing/2014/main" id="{CBEEBD87-047A-55FE-849C-7C14A7756568}"/>
+                </a:ext>
+              </a:extLst>
+            </p:cNvPr>
+            <p:cNvSpPr/>
+            <p:nvPr/>
+          </p:nvSpPr>
+          <p:spPr>
+            <a:xfrm>
+              <a:off x="1130600" y="3390952"/>
+              <a:ext cx="455145" cy="29038"/>
+            </a:xfrm>
+            <a:prstGeom prst="roundRect">
+              <a:avLst/>
+            </a:prstGeom>
+            <a:solidFill>
+              <a:schemeClr val="tx1"/>
+            </a:solidFill>
+            <a:ln>
+              <a:noFill/>
+            </a:ln>
+          </p:spPr>
+          <p:style>
+            <a:lnRef idx="2">
+              <a:schemeClr val="accent1">
+                <a:shade val="15000"/>
+              </a:schemeClr>
+            </a:lnRef>
+            <a:fillRef idx="1">
+              <a:schemeClr val="accent1"/>
+            </a:fillRef>
+            <a:effectRef idx="0">
+              <a:schemeClr val="accent1"/>
+            </a:effectRef>
+            <a:fontRef idx="minor">
+              <a:schemeClr val="lt1"/>
+            </a:fontRef>
+          </p:style>
+          <p:txBody>
+            <a:bodyPr rtlCol="0" anchor="ctr"/>
+            <a:lstStyle/>
+            <a:p>
+              <a:pPr algn="ctr"/>
+              <a:endParaRPr lang="es-ES"/>
+            </a:p>
+          </p:txBody>
+        </p:sp>
+        <p:sp>
+          <p:nvSpPr>
+            <p:cNvPr id="1243" name="Rectángulo: esquinas redondeadas 1242">
+              <a:extLst>
+                <a:ext uri="{FF2B5EF4-FFF2-40B4-BE49-F238E27FC236}">
+                  <a16:creationId xmlns:a16="http://schemas.microsoft.com/office/drawing/2014/main" id="{7A5E0C05-196C-ED3D-0420-F6DCA16A0C26}"/>
+                </a:ext>
+              </a:extLst>
+            </p:cNvPr>
+            <p:cNvSpPr/>
+            <p:nvPr/>
+          </p:nvSpPr>
+          <p:spPr>
+            <a:xfrm>
+              <a:off x="1130599" y="3346572"/>
+              <a:ext cx="455145" cy="29038"/>
+            </a:xfrm>
+            <a:prstGeom prst="roundRect">
+              <a:avLst/>
+            </a:prstGeom>
+            <a:solidFill>
+              <a:schemeClr val="tx1"/>
+            </a:solidFill>
+            <a:ln>
+              <a:noFill/>
+            </a:ln>
+          </p:spPr>
+          <p:style>
+            <a:lnRef idx="2">
+              <a:schemeClr val="accent1">
+                <a:shade val="15000"/>
+              </a:schemeClr>
+            </a:lnRef>
+            <a:fillRef idx="1">
+              <a:schemeClr val="accent1"/>
+            </a:fillRef>
+            <a:effectRef idx="0">
+              <a:schemeClr val="accent1"/>
+            </a:effectRef>
+            <a:fontRef idx="minor">
+              <a:schemeClr val="lt1"/>
+            </a:fontRef>
+          </p:style>
+          <p:txBody>
+            <a:bodyPr rtlCol="0" anchor="ctr"/>
+            <a:lstStyle/>
+            <a:p>
+              <a:pPr algn="ctr"/>
+              <a:endParaRPr lang="es-ES"/>
+            </a:p>
+          </p:txBody>
+        </p:sp>
+        <p:sp>
+          <p:nvSpPr>
+            <p:cNvPr id="1244" name="Rectángulo: esquinas redondeadas 1243">
+              <a:extLst>
+                <a:ext uri="{FF2B5EF4-FFF2-40B4-BE49-F238E27FC236}">
+                  <a16:creationId xmlns:a16="http://schemas.microsoft.com/office/drawing/2014/main" id="{8B0404F2-768C-6831-CA43-404FE29AFBA7}"/>
+                </a:ext>
+              </a:extLst>
+            </p:cNvPr>
+            <p:cNvSpPr/>
+            <p:nvPr/>
+          </p:nvSpPr>
+          <p:spPr>
+            <a:xfrm>
+              <a:off x="1130599" y="3302192"/>
+              <a:ext cx="455145" cy="29038"/>
+            </a:xfrm>
+            <a:prstGeom prst="roundRect">
+              <a:avLst/>
+            </a:prstGeom>
+            <a:solidFill>
+              <a:schemeClr val="tx1"/>
+            </a:solidFill>
+            <a:ln>
+              <a:noFill/>
+            </a:ln>
+          </p:spPr>
+          <p:style>
+            <a:lnRef idx="2">
+              <a:schemeClr val="accent1">
+                <a:shade val="15000"/>
+              </a:schemeClr>
+            </a:lnRef>
+            <a:fillRef idx="1">
+              <a:schemeClr val="accent1"/>
+            </a:fillRef>
+            <a:effectRef idx="0">
+              <a:schemeClr val="accent1"/>
+            </a:effectRef>
+            <a:fontRef idx="minor">
+              <a:schemeClr val="lt1"/>
+            </a:fontRef>
+          </p:style>
+          <p:txBody>
+            <a:bodyPr rtlCol="0" anchor="ctr"/>
+            <a:lstStyle/>
+            <a:p>
+              <a:pPr algn="ctr"/>
+              <a:endParaRPr lang="es-ES"/>
+            </a:p>
+          </p:txBody>
+        </p:sp>
+        <p:sp>
+          <p:nvSpPr>
+            <p:cNvPr id="1245" name="Rectángulo 1244">
+              <a:extLst>
+                <a:ext uri="{FF2B5EF4-FFF2-40B4-BE49-F238E27FC236}">
+                  <a16:creationId xmlns:a16="http://schemas.microsoft.com/office/drawing/2014/main" id="{B52EE218-0C1A-1B36-5398-20AC362D94B0}"/>
+                </a:ext>
+              </a:extLst>
+            </p:cNvPr>
+            <p:cNvSpPr/>
+            <p:nvPr/>
+          </p:nvSpPr>
+          <p:spPr>
+            <a:xfrm>
+              <a:off x="1137264" y="3164195"/>
+              <a:ext cx="448480" cy="102394"/>
+            </a:xfrm>
+            <a:prstGeom prst="rect">
+              <a:avLst/>
+            </a:prstGeom>
+          </p:spPr>
+          <p:style>
+            <a:lnRef idx="2">
+              <a:schemeClr val="accent4">
+                <a:shade val="15000"/>
+              </a:schemeClr>
+            </a:lnRef>
+            <a:fillRef idx="1">
+              <a:schemeClr val="accent4"/>
+            </a:fillRef>
+            <a:effectRef idx="0">
+              <a:schemeClr val="accent4"/>
+            </a:effectRef>
+            <a:fontRef idx="minor">
+              <a:schemeClr val="lt1"/>
+            </a:fontRef>
+          </p:style>
+          <p:txBody>
+            <a:bodyPr rtlCol="0" anchor="ctr"/>
+            <a:lstStyle/>
+            <a:p>
+              <a:pPr algn="ctr"/>
+              <a:endParaRPr lang="es-ES"/>
+            </a:p>
+          </p:txBody>
+        </p:sp>
+      </p:grpSp>
     </p:spTree>
     <p:extLst>
       <p:ext uri="{BB962C8B-B14F-4D97-AF65-F5344CB8AC3E}">

--- a/documentation/Sistema.pptx
+++ b/documentation/Sistema.pptx
@@ -263,7 +263,7 @@
           <a:p>
             <a:fld id="{4EF764C9-331E-4AFA-A688-A41E7ACE5E79}" type="datetimeFigureOut">
               <a:rPr lang="es-ES" smtClean="0"/>
-              <a:t>01/07/2024</a:t>
+              <a:t>02/07/2024</a:t>
             </a:fld>
             <a:endParaRPr lang="es-ES"/>
           </a:p>
@@ -461,7 +461,7 @@
           <a:p>
             <a:fld id="{4EF764C9-331E-4AFA-A688-A41E7ACE5E79}" type="datetimeFigureOut">
               <a:rPr lang="es-ES" smtClean="0"/>
-              <a:t>01/07/2024</a:t>
+              <a:t>02/07/2024</a:t>
             </a:fld>
             <a:endParaRPr lang="es-ES"/>
           </a:p>
@@ -669,7 +669,7 @@
           <a:p>
             <a:fld id="{4EF764C9-331E-4AFA-A688-A41E7ACE5E79}" type="datetimeFigureOut">
               <a:rPr lang="es-ES" smtClean="0"/>
-              <a:t>01/07/2024</a:t>
+              <a:t>02/07/2024</a:t>
             </a:fld>
             <a:endParaRPr lang="es-ES"/>
           </a:p>
@@ -867,7 +867,7 @@
           <a:p>
             <a:fld id="{4EF764C9-331E-4AFA-A688-A41E7ACE5E79}" type="datetimeFigureOut">
               <a:rPr lang="es-ES" smtClean="0"/>
-              <a:t>01/07/2024</a:t>
+              <a:t>02/07/2024</a:t>
             </a:fld>
             <a:endParaRPr lang="es-ES"/>
           </a:p>
@@ -1142,7 +1142,7 @@
           <a:p>
             <a:fld id="{4EF764C9-331E-4AFA-A688-A41E7ACE5E79}" type="datetimeFigureOut">
               <a:rPr lang="es-ES" smtClean="0"/>
-              <a:t>01/07/2024</a:t>
+              <a:t>02/07/2024</a:t>
             </a:fld>
             <a:endParaRPr lang="es-ES"/>
           </a:p>
@@ -1407,7 +1407,7 @@
           <a:p>
             <a:fld id="{4EF764C9-331E-4AFA-A688-A41E7ACE5E79}" type="datetimeFigureOut">
               <a:rPr lang="es-ES" smtClean="0"/>
-              <a:t>01/07/2024</a:t>
+              <a:t>02/07/2024</a:t>
             </a:fld>
             <a:endParaRPr lang="es-ES"/>
           </a:p>
@@ -1819,7 +1819,7 @@
           <a:p>
             <a:fld id="{4EF764C9-331E-4AFA-A688-A41E7ACE5E79}" type="datetimeFigureOut">
               <a:rPr lang="es-ES" smtClean="0"/>
-              <a:t>01/07/2024</a:t>
+              <a:t>02/07/2024</a:t>
             </a:fld>
             <a:endParaRPr lang="es-ES"/>
           </a:p>
@@ -1960,7 +1960,7 @@
           <a:p>
             <a:fld id="{4EF764C9-331E-4AFA-A688-A41E7ACE5E79}" type="datetimeFigureOut">
               <a:rPr lang="es-ES" smtClean="0"/>
-              <a:t>01/07/2024</a:t>
+              <a:t>02/07/2024</a:t>
             </a:fld>
             <a:endParaRPr lang="es-ES"/>
           </a:p>
@@ -2073,7 +2073,7 @@
           <a:p>
             <a:fld id="{4EF764C9-331E-4AFA-A688-A41E7ACE5E79}" type="datetimeFigureOut">
               <a:rPr lang="es-ES" smtClean="0"/>
-              <a:t>01/07/2024</a:t>
+              <a:t>02/07/2024</a:t>
             </a:fld>
             <a:endParaRPr lang="es-ES"/>
           </a:p>
@@ -2384,7 +2384,7 @@
           <a:p>
             <a:fld id="{4EF764C9-331E-4AFA-A688-A41E7ACE5E79}" type="datetimeFigureOut">
               <a:rPr lang="es-ES" smtClean="0"/>
-              <a:t>01/07/2024</a:t>
+              <a:t>02/07/2024</a:t>
             </a:fld>
             <a:endParaRPr lang="es-ES"/>
           </a:p>
@@ -2672,7 +2672,7 @@
           <a:p>
             <a:fld id="{4EF764C9-331E-4AFA-A688-A41E7ACE5E79}" type="datetimeFigureOut">
               <a:rPr lang="es-ES" smtClean="0"/>
-              <a:t>01/07/2024</a:t>
+              <a:t>02/07/2024</a:t>
             </a:fld>
             <a:endParaRPr lang="es-ES"/>
           </a:p>
@@ -2913,7 +2913,7 @@
           <a:p>
             <a:fld id="{4EF764C9-331E-4AFA-A688-A41E7ACE5E79}" type="datetimeFigureOut">
               <a:rPr lang="es-ES" smtClean="0"/>
-              <a:t>01/07/2024</a:t>
+              <a:t>02/07/2024</a:t>
             </a:fld>
             <a:endParaRPr lang="es-ES"/>
           </a:p>
@@ -29778,1081 +29778,6 @@
           </p:txBody>
         </p:sp>
       </p:grpSp>
-      <p:grpSp>
-        <p:nvGrpSpPr>
-          <p:cNvPr id="1197" name="Grupo 1196">
-            <a:extLst>
-              <a:ext uri="{FF2B5EF4-FFF2-40B4-BE49-F238E27FC236}">
-                <a16:creationId xmlns:a16="http://schemas.microsoft.com/office/drawing/2014/main" id="{4510FC5C-BBE3-DB17-10C6-9459C2B96183}"/>
-              </a:ext>
-            </a:extLst>
-          </p:cNvPr>
-          <p:cNvGrpSpPr/>
-          <p:nvPr/>
-        </p:nvGrpSpPr>
-        <p:grpSpPr>
-          <a:xfrm>
-            <a:off x="1547932" y="4634366"/>
-            <a:ext cx="840495" cy="1121174"/>
-            <a:chOff x="1134058" y="5620643"/>
-            <a:chExt cx="840495" cy="1121174"/>
-          </a:xfrm>
-        </p:grpSpPr>
-        <p:grpSp>
-          <p:nvGrpSpPr>
-            <p:cNvPr id="1194" name="Grupo 1193">
-              <a:extLst>
-                <a:ext uri="{FF2B5EF4-FFF2-40B4-BE49-F238E27FC236}">
-                  <a16:creationId xmlns:a16="http://schemas.microsoft.com/office/drawing/2014/main" id="{F286A00C-26D6-9B23-1D2B-2A1C77C6E1D9}"/>
-                </a:ext>
-              </a:extLst>
-            </p:cNvPr>
-            <p:cNvGrpSpPr/>
-            <p:nvPr/>
-          </p:nvGrpSpPr>
-          <p:grpSpPr>
-            <a:xfrm>
-              <a:off x="1290753" y="5855013"/>
-              <a:ext cx="535666" cy="776768"/>
-              <a:chOff x="1290753" y="5855013"/>
-              <a:chExt cx="535666" cy="776768"/>
-            </a:xfrm>
-          </p:grpSpPr>
-          <p:sp>
-            <p:nvSpPr>
-              <p:cNvPr id="1173" name="Rectángulo: esquinas redondeadas 1172">
-                <a:extLst>
-                  <a:ext uri="{FF2B5EF4-FFF2-40B4-BE49-F238E27FC236}">
-                    <a16:creationId xmlns:a16="http://schemas.microsoft.com/office/drawing/2014/main" id="{6D5C9320-F767-8A79-4C33-3C5C9BE3518F}"/>
-                  </a:ext>
-                </a:extLst>
-              </p:cNvPr>
-              <p:cNvSpPr/>
-              <p:nvPr/>
-            </p:nvSpPr>
-            <p:spPr>
-              <a:xfrm>
-                <a:off x="1585112" y="6223519"/>
-                <a:ext cx="203739" cy="28388"/>
-              </a:xfrm>
-              <a:prstGeom prst="roundRect">
-                <a:avLst/>
-              </a:prstGeom>
-              <a:solidFill>
-                <a:schemeClr val="tx1"/>
-              </a:solidFill>
-              <a:ln>
-                <a:noFill/>
-              </a:ln>
-            </p:spPr>
-            <p:style>
-              <a:lnRef idx="2">
-                <a:schemeClr val="accent1">
-                  <a:shade val="15000"/>
-                </a:schemeClr>
-              </a:lnRef>
-              <a:fillRef idx="1">
-                <a:schemeClr val="accent1"/>
-              </a:fillRef>
-              <a:effectRef idx="0">
-                <a:schemeClr val="accent1"/>
-              </a:effectRef>
-              <a:fontRef idx="minor">
-                <a:schemeClr val="lt1"/>
-              </a:fontRef>
-            </p:style>
-            <p:txBody>
-              <a:bodyPr rtlCol="0" anchor="ctr"/>
-              <a:lstStyle/>
-              <a:p>
-                <a:pPr algn="ctr"/>
-                <a:endParaRPr lang="es-ES"/>
-              </a:p>
-            </p:txBody>
-          </p:sp>
-          <p:sp>
-            <p:nvSpPr>
-              <p:cNvPr id="1174" name="Rectángulo: esquinas redondeadas 1173">
-                <a:extLst>
-                  <a:ext uri="{FF2B5EF4-FFF2-40B4-BE49-F238E27FC236}">
-                    <a16:creationId xmlns:a16="http://schemas.microsoft.com/office/drawing/2014/main" id="{7E7B06F4-6129-9FA8-7C4F-C350607F820B}"/>
-                  </a:ext>
-                </a:extLst>
-              </p:cNvPr>
-              <p:cNvSpPr/>
-              <p:nvPr/>
-            </p:nvSpPr>
-            <p:spPr>
-              <a:xfrm>
-                <a:off x="1585112" y="6261619"/>
-                <a:ext cx="203739" cy="28388"/>
-              </a:xfrm>
-              <a:prstGeom prst="roundRect">
-                <a:avLst/>
-              </a:prstGeom>
-              <a:solidFill>
-                <a:schemeClr val="tx1"/>
-              </a:solidFill>
-              <a:ln>
-                <a:noFill/>
-              </a:ln>
-            </p:spPr>
-            <p:style>
-              <a:lnRef idx="2">
-                <a:schemeClr val="accent1">
-                  <a:shade val="15000"/>
-                </a:schemeClr>
-              </a:lnRef>
-              <a:fillRef idx="1">
-                <a:schemeClr val="accent1"/>
-              </a:fillRef>
-              <a:effectRef idx="0">
-                <a:schemeClr val="accent1"/>
-              </a:effectRef>
-              <a:fontRef idx="minor">
-                <a:schemeClr val="lt1"/>
-              </a:fontRef>
-            </p:style>
-            <p:txBody>
-              <a:bodyPr rtlCol="0" anchor="ctr"/>
-              <a:lstStyle/>
-              <a:p>
-                <a:pPr algn="ctr"/>
-                <a:endParaRPr lang="es-ES"/>
-              </a:p>
-            </p:txBody>
-          </p:sp>
-          <p:sp>
-            <p:nvSpPr>
-              <p:cNvPr id="1175" name="Rectángulo: esquinas redondeadas 1174">
-                <a:extLst>
-                  <a:ext uri="{FF2B5EF4-FFF2-40B4-BE49-F238E27FC236}">
-                    <a16:creationId xmlns:a16="http://schemas.microsoft.com/office/drawing/2014/main" id="{7FE99D6E-1FF6-5390-197A-072FCF4EA074}"/>
-                  </a:ext>
-                </a:extLst>
-              </p:cNvPr>
-              <p:cNvSpPr/>
-              <p:nvPr/>
-            </p:nvSpPr>
-            <p:spPr>
-              <a:xfrm>
-                <a:off x="1585112" y="6299719"/>
-                <a:ext cx="203739" cy="28388"/>
-              </a:xfrm>
-              <a:prstGeom prst="roundRect">
-                <a:avLst/>
-              </a:prstGeom>
-              <a:solidFill>
-                <a:schemeClr val="tx1"/>
-              </a:solidFill>
-              <a:ln>
-                <a:noFill/>
-              </a:ln>
-            </p:spPr>
-            <p:style>
-              <a:lnRef idx="2">
-                <a:schemeClr val="accent1">
-                  <a:shade val="15000"/>
-                </a:schemeClr>
-              </a:lnRef>
-              <a:fillRef idx="1">
-                <a:schemeClr val="accent1"/>
-              </a:fillRef>
-              <a:effectRef idx="0">
-                <a:schemeClr val="accent1"/>
-              </a:effectRef>
-              <a:fontRef idx="minor">
-                <a:schemeClr val="lt1"/>
-              </a:fontRef>
-            </p:style>
-            <p:txBody>
-              <a:bodyPr rtlCol="0" anchor="ctr"/>
-              <a:lstStyle/>
-              <a:p>
-                <a:pPr algn="ctr"/>
-                <a:endParaRPr lang="es-ES"/>
-              </a:p>
-            </p:txBody>
-          </p:sp>
-          <p:sp>
-            <p:nvSpPr>
-              <p:cNvPr id="1176" name="Rectángulo: esquinas redondeadas 1175">
-                <a:extLst>
-                  <a:ext uri="{FF2B5EF4-FFF2-40B4-BE49-F238E27FC236}">
-                    <a16:creationId xmlns:a16="http://schemas.microsoft.com/office/drawing/2014/main" id="{DC804FAC-848B-3277-C683-4C06982367DE}"/>
-                  </a:ext>
-                </a:extLst>
-              </p:cNvPr>
-              <p:cNvSpPr/>
-              <p:nvPr/>
-            </p:nvSpPr>
-            <p:spPr>
-              <a:xfrm>
-                <a:off x="1329839" y="6452119"/>
-                <a:ext cx="246524" cy="28388"/>
-              </a:xfrm>
-              <a:prstGeom prst="roundRect">
-                <a:avLst/>
-              </a:prstGeom>
-              <a:solidFill>
-                <a:schemeClr val="tx1"/>
-              </a:solidFill>
-              <a:ln>
-                <a:noFill/>
-              </a:ln>
-            </p:spPr>
-            <p:style>
-              <a:lnRef idx="2">
-                <a:schemeClr val="accent1">
-                  <a:shade val="15000"/>
-                </a:schemeClr>
-              </a:lnRef>
-              <a:fillRef idx="1">
-                <a:schemeClr val="accent1"/>
-              </a:fillRef>
-              <a:effectRef idx="0">
-                <a:schemeClr val="accent1"/>
-              </a:effectRef>
-              <a:fontRef idx="minor">
-                <a:schemeClr val="lt1"/>
-              </a:fontRef>
-            </p:style>
-            <p:txBody>
-              <a:bodyPr rtlCol="0" anchor="ctr"/>
-              <a:lstStyle/>
-              <a:p>
-                <a:pPr algn="ctr"/>
-                <a:endParaRPr lang="es-ES"/>
-              </a:p>
-            </p:txBody>
-          </p:sp>
-          <p:sp>
-            <p:nvSpPr>
-              <p:cNvPr id="1177" name="Rectángulo: esquinas redondeadas 1176">
-                <a:extLst>
-                  <a:ext uri="{FF2B5EF4-FFF2-40B4-BE49-F238E27FC236}">
-                    <a16:creationId xmlns:a16="http://schemas.microsoft.com/office/drawing/2014/main" id="{870497B9-69CF-C3F4-0A98-CF0C661F3AAE}"/>
-                  </a:ext>
-                </a:extLst>
-              </p:cNvPr>
-              <p:cNvSpPr/>
-              <p:nvPr/>
-            </p:nvSpPr>
-            <p:spPr>
-              <a:xfrm>
-                <a:off x="1329839" y="6490219"/>
-                <a:ext cx="246524" cy="28388"/>
-              </a:xfrm>
-              <a:prstGeom prst="roundRect">
-                <a:avLst/>
-              </a:prstGeom>
-              <a:solidFill>
-                <a:schemeClr val="tx1"/>
-              </a:solidFill>
-              <a:ln>
-                <a:noFill/>
-              </a:ln>
-            </p:spPr>
-            <p:style>
-              <a:lnRef idx="2">
-                <a:schemeClr val="accent1">
-                  <a:shade val="15000"/>
-                </a:schemeClr>
-              </a:lnRef>
-              <a:fillRef idx="1">
-                <a:schemeClr val="accent1"/>
-              </a:fillRef>
-              <a:effectRef idx="0">
-                <a:schemeClr val="accent1"/>
-              </a:effectRef>
-              <a:fontRef idx="minor">
-                <a:schemeClr val="lt1"/>
-              </a:fontRef>
-            </p:style>
-            <p:txBody>
-              <a:bodyPr rtlCol="0" anchor="ctr"/>
-              <a:lstStyle/>
-              <a:p>
-                <a:pPr algn="ctr"/>
-                <a:endParaRPr lang="es-ES"/>
-              </a:p>
-            </p:txBody>
-          </p:sp>
-          <p:sp>
-            <p:nvSpPr>
-              <p:cNvPr id="1178" name="Rectángulo: esquinas redondeadas 1177">
-                <a:extLst>
-                  <a:ext uri="{FF2B5EF4-FFF2-40B4-BE49-F238E27FC236}">
-                    <a16:creationId xmlns:a16="http://schemas.microsoft.com/office/drawing/2014/main" id="{0D69C648-A0E9-0C20-FE73-EA69E6F1EF7D}"/>
-                  </a:ext>
-                </a:extLst>
-              </p:cNvPr>
-              <p:cNvSpPr/>
-              <p:nvPr/>
-            </p:nvSpPr>
-            <p:spPr>
-              <a:xfrm>
-                <a:off x="1329839" y="6528319"/>
-                <a:ext cx="246524" cy="28388"/>
-              </a:xfrm>
-              <a:prstGeom prst="roundRect">
-                <a:avLst/>
-              </a:prstGeom>
-              <a:solidFill>
-                <a:schemeClr val="tx1"/>
-              </a:solidFill>
-              <a:ln>
-                <a:noFill/>
-              </a:ln>
-            </p:spPr>
-            <p:style>
-              <a:lnRef idx="2">
-                <a:schemeClr val="accent1">
-                  <a:shade val="15000"/>
-                </a:schemeClr>
-              </a:lnRef>
-              <a:fillRef idx="1">
-                <a:schemeClr val="accent1"/>
-              </a:fillRef>
-              <a:effectRef idx="0">
-                <a:schemeClr val="accent1"/>
-              </a:effectRef>
-              <a:fontRef idx="minor">
-                <a:schemeClr val="lt1"/>
-              </a:fontRef>
-            </p:style>
-            <p:txBody>
-              <a:bodyPr rtlCol="0" anchor="ctr"/>
-              <a:lstStyle/>
-              <a:p>
-                <a:pPr algn="ctr"/>
-                <a:endParaRPr lang="es-ES"/>
-              </a:p>
-            </p:txBody>
-          </p:sp>
-          <p:sp>
-            <p:nvSpPr>
-              <p:cNvPr id="1179" name="Elipse 1178">
-                <a:extLst>
-                  <a:ext uri="{FF2B5EF4-FFF2-40B4-BE49-F238E27FC236}">
-                    <a16:creationId xmlns:a16="http://schemas.microsoft.com/office/drawing/2014/main" id="{95A33951-C534-10EE-314B-2C3FB9B601D9}"/>
-                  </a:ext>
-                </a:extLst>
-              </p:cNvPr>
-              <p:cNvSpPr/>
-              <p:nvPr/>
-            </p:nvSpPr>
-            <p:spPr>
-              <a:xfrm>
-                <a:off x="1373734" y="6197885"/>
-                <a:ext cx="164269" cy="164269"/>
-              </a:xfrm>
-              <a:prstGeom prst="ellipse">
-                <a:avLst/>
-              </a:prstGeom>
-              <a:solidFill>
-                <a:schemeClr val="accent2"/>
-              </a:solidFill>
-              <a:ln>
-                <a:noFill/>
-              </a:ln>
-            </p:spPr>
-            <p:style>
-              <a:lnRef idx="2">
-                <a:schemeClr val="accent1">
-                  <a:shade val="15000"/>
-                </a:schemeClr>
-              </a:lnRef>
-              <a:fillRef idx="1">
-                <a:schemeClr val="accent1"/>
-              </a:fillRef>
-              <a:effectRef idx="0">
-                <a:schemeClr val="accent1"/>
-              </a:effectRef>
-              <a:fontRef idx="minor">
-                <a:schemeClr val="lt1"/>
-              </a:fontRef>
-            </p:style>
-            <p:txBody>
-              <a:bodyPr rtlCol="0" anchor="ctr"/>
-              <a:lstStyle/>
-              <a:p>
-                <a:pPr algn="ctr"/>
-                <a:endParaRPr lang="es-ES"/>
-              </a:p>
-            </p:txBody>
-          </p:sp>
-          <p:sp>
-            <p:nvSpPr>
-              <p:cNvPr id="1180" name="Círculo parcial 1179">
-                <a:extLst>
-                  <a:ext uri="{FF2B5EF4-FFF2-40B4-BE49-F238E27FC236}">
-                    <a16:creationId xmlns:a16="http://schemas.microsoft.com/office/drawing/2014/main" id="{99AB11FE-8966-D318-E1E7-B7C5374694DC}"/>
-                  </a:ext>
-                </a:extLst>
-              </p:cNvPr>
-              <p:cNvSpPr/>
-              <p:nvPr/>
-            </p:nvSpPr>
-            <p:spPr>
-              <a:xfrm>
-                <a:off x="1329839" y="6178678"/>
-                <a:ext cx="228199" cy="228199"/>
-              </a:xfrm>
-              <a:prstGeom prst="pie">
-                <a:avLst/>
-              </a:prstGeom>
-              <a:solidFill>
-                <a:srgbClr val="FFC000"/>
-              </a:solidFill>
-              <a:ln>
-                <a:noFill/>
-              </a:ln>
-            </p:spPr>
-            <p:style>
-              <a:lnRef idx="2">
-                <a:schemeClr val="accent1">
-                  <a:shade val="15000"/>
-                </a:schemeClr>
-              </a:lnRef>
-              <a:fillRef idx="1">
-                <a:schemeClr val="accent1"/>
-              </a:fillRef>
-              <a:effectRef idx="0">
-                <a:schemeClr val="accent1"/>
-              </a:effectRef>
-              <a:fontRef idx="minor">
-                <a:schemeClr val="lt1"/>
-              </a:fontRef>
-            </p:style>
-            <p:txBody>
-              <a:bodyPr rtlCol="0" anchor="ctr"/>
-              <a:lstStyle/>
-              <a:p>
-                <a:pPr algn="ctr"/>
-                <a:endParaRPr lang="es-ES">
-                  <a:solidFill>
-                    <a:schemeClr val="tx1"/>
-                  </a:solidFill>
-                </a:endParaRPr>
-              </a:p>
-            </p:txBody>
-          </p:sp>
-          <p:sp>
-            <p:nvSpPr>
-              <p:cNvPr id="1181" name="Rectángulo: esquinas redondeadas 1180">
-                <a:extLst>
-                  <a:ext uri="{FF2B5EF4-FFF2-40B4-BE49-F238E27FC236}">
-                    <a16:creationId xmlns:a16="http://schemas.microsoft.com/office/drawing/2014/main" id="{E6387666-068E-0C18-1434-2299FB8ABFDC}"/>
-                  </a:ext>
-                </a:extLst>
-              </p:cNvPr>
-              <p:cNvSpPr/>
-              <p:nvPr/>
-            </p:nvSpPr>
-            <p:spPr>
-              <a:xfrm>
-                <a:off x="1585112" y="6337819"/>
-                <a:ext cx="203739" cy="28388"/>
-              </a:xfrm>
-              <a:prstGeom prst="roundRect">
-                <a:avLst/>
-              </a:prstGeom>
-              <a:solidFill>
-                <a:schemeClr val="tx1"/>
-              </a:solidFill>
-              <a:ln>
-                <a:noFill/>
-              </a:ln>
-            </p:spPr>
-            <p:style>
-              <a:lnRef idx="2">
-                <a:schemeClr val="accent1">
-                  <a:shade val="15000"/>
-                </a:schemeClr>
-              </a:lnRef>
-              <a:fillRef idx="1">
-                <a:schemeClr val="accent1"/>
-              </a:fillRef>
-              <a:effectRef idx="0">
-                <a:schemeClr val="accent1"/>
-              </a:effectRef>
-              <a:fontRef idx="minor">
-                <a:schemeClr val="lt1"/>
-              </a:fontRef>
-            </p:style>
-            <p:txBody>
-              <a:bodyPr rtlCol="0" anchor="ctr"/>
-              <a:lstStyle/>
-              <a:p>
-                <a:pPr algn="ctr"/>
-                <a:endParaRPr lang="es-ES"/>
-              </a:p>
-            </p:txBody>
-          </p:sp>
-          <p:sp>
-            <p:nvSpPr>
-              <p:cNvPr id="1183" name="Rectángulo: esquinas redondeadas 1182">
-                <a:extLst>
-                  <a:ext uri="{FF2B5EF4-FFF2-40B4-BE49-F238E27FC236}">
-                    <a16:creationId xmlns:a16="http://schemas.microsoft.com/office/drawing/2014/main" id="{0E818C7C-1308-2C1C-269A-6A176BE501E0}"/>
-                  </a:ext>
-                </a:extLst>
-              </p:cNvPr>
-              <p:cNvSpPr/>
-              <p:nvPr/>
-            </p:nvSpPr>
-            <p:spPr>
-              <a:xfrm>
-                <a:off x="1672092" y="6437414"/>
-                <a:ext cx="39515" cy="171546"/>
-              </a:xfrm>
-              <a:prstGeom prst="roundRect">
-                <a:avLst/>
-              </a:prstGeom>
-              <a:solidFill>
-                <a:srgbClr val="00B0F0"/>
-              </a:solidFill>
-              <a:ln>
-                <a:noFill/>
-              </a:ln>
-            </p:spPr>
-            <p:style>
-              <a:lnRef idx="2">
-                <a:schemeClr val="accent1">
-                  <a:shade val="15000"/>
-                </a:schemeClr>
-              </a:lnRef>
-              <a:fillRef idx="1">
-                <a:schemeClr val="accent1"/>
-              </a:fillRef>
-              <a:effectRef idx="0">
-                <a:schemeClr val="accent1"/>
-              </a:effectRef>
-              <a:fontRef idx="minor">
-                <a:schemeClr val="lt1"/>
-              </a:fontRef>
-            </p:style>
-            <p:txBody>
-              <a:bodyPr rtlCol="0" anchor="ctr"/>
-              <a:lstStyle/>
-              <a:p>
-                <a:pPr algn="ctr"/>
-                <a:endParaRPr lang="es-ES"/>
-              </a:p>
-            </p:txBody>
-          </p:sp>
-          <p:sp>
-            <p:nvSpPr>
-              <p:cNvPr id="1184" name="Rectángulo: esquinas redondeadas 1183">
-                <a:extLst>
-                  <a:ext uri="{FF2B5EF4-FFF2-40B4-BE49-F238E27FC236}">
-                    <a16:creationId xmlns:a16="http://schemas.microsoft.com/office/drawing/2014/main" id="{E5998CA0-3FED-C9A6-71DF-CACD0B929CB0}"/>
-                  </a:ext>
-                </a:extLst>
-              </p:cNvPr>
-              <p:cNvSpPr/>
-              <p:nvPr/>
-            </p:nvSpPr>
-            <p:spPr>
-              <a:xfrm>
-                <a:off x="1730352" y="6380632"/>
-                <a:ext cx="39515" cy="228328"/>
-              </a:xfrm>
-              <a:prstGeom prst="roundRect">
-                <a:avLst/>
-              </a:prstGeom>
-              <a:solidFill>
-                <a:schemeClr val="accent6">
-                  <a:lumMod val="75000"/>
-                </a:schemeClr>
-              </a:solidFill>
-              <a:ln>
-                <a:noFill/>
-              </a:ln>
-            </p:spPr>
-            <p:style>
-              <a:lnRef idx="2">
-                <a:schemeClr val="accent1">
-                  <a:shade val="15000"/>
-                </a:schemeClr>
-              </a:lnRef>
-              <a:fillRef idx="1">
-                <a:schemeClr val="accent1"/>
-              </a:fillRef>
-              <a:effectRef idx="0">
-                <a:schemeClr val="accent1"/>
-              </a:effectRef>
-              <a:fontRef idx="minor">
-                <a:schemeClr val="lt1"/>
-              </a:fontRef>
-            </p:style>
-            <p:txBody>
-              <a:bodyPr rtlCol="0" anchor="ctr"/>
-              <a:lstStyle/>
-              <a:p>
-                <a:pPr algn="ctr"/>
-                <a:endParaRPr lang="es-ES"/>
-              </a:p>
-            </p:txBody>
-          </p:sp>
-          <p:sp>
-            <p:nvSpPr>
-              <p:cNvPr id="1186" name="Rectángulo: esquinas redondeadas 1185">
-                <a:extLst>
-                  <a:ext uri="{FF2B5EF4-FFF2-40B4-BE49-F238E27FC236}">
-                    <a16:creationId xmlns:a16="http://schemas.microsoft.com/office/drawing/2014/main" id="{2A193B1E-F564-4165-BCB9-A711891EADFF}"/>
-                  </a:ext>
-                </a:extLst>
-              </p:cNvPr>
-              <p:cNvSpPr/>
-              <p:nvPr/>
-            </p:nvSpPr>
-            <p:spPr>
-              <a:xfrm>
-                <a:off x="1610626" y="6491792"/>
-                <a:ext cx="39515" cy="117168"/>
-              </a:xfrm>
-              <a:prstGeom prst="roundRect">
-                <a:avLst/>
-              </a:prstGeom>
-              <a:solidFill>
-                <a:srgbClr val="C00000"/>
-              </a:solidFill>
-              <a:ln>
-                <a:noFill/>
-              </a:ln>
-            </p:spPr>
-            <p:style>
-              <a:lnRef idx="2">
-                <a:schemeClr val="accent1">
-                  <a:shade val="15000"/>
-                </a:schemeClr>
-              </a:lnRef>
-              <a:fillRef idx="1">
-                <a:schemeClr val="accent1"/>
-              </a:fillRef>
-              <a:effectRef idx="0">
-                <a:schemeClr val="accent1"/>
-              </a:effectRef>
-              <a:fontRef idx="minor">
-                <a:schemeClr val="lt1"/>
-              </a:fontRef>
-            </p:style>
-            <p:txBody>
-              <a:bodyPr rtlCol="0" anchor="ctr"/>
-              <a:lstStyle/>
-              <a:p>
-                <a:pPr algn="ctr"/>
-                <a:endParaRPr lang="es-ES"/>
-              </a:p>
-            </p:txBody>
-          </p:sp>
-          <p:sp>
-            <p:nvSpPr>
-              <p:cNvPr id="1187" name="Rectángulo: esquinas redondeadas 1186">
-                <a:extLst>
-                  <a:ext uri="{FF2B5EF4-FFF2-40B4-BE49-F238E27FC236}">
-                    <a16:creationId xmlns:a16="http://schemas.microsoft.com/office/drawing/2014/main" id="{3DA19A3D-A68E-9E2E-41DD-2BB8ED34D344}"/>
-                  </a:ext>
-                </a:extLst>
-              </p:cNvPr>
-              <p:cNvSpPr/>
-              <p:nvPr/>
-            </p:nvSpPr>
-            <p:spPr>
-              <a:xfrm>
-                <a:off x="1329839" y="6566419"/>
-                <a:ext cx="246524" cy="28388"/>
-              </a:xfrm>
-              <a:prstGeom prst="roundRect">
-                <a:avLst/>
-              </a:prstGeom>
-              <a:solidFill>
-                <a:schemeClr val="tx1"/>
-              </a:solidFill>
-              <a:ln>
-                <a:noFill/>
-              </a:ln>
-            </p:spPr>
-            <p:style>
-              <a:lnRef idx="2">
-                <a:schemeClr val="accent1">
-                  <a:shade val="15000"/>
-                </a:schemeClr>
-              </a:lnRef>
-              <a:fillRef idx="1">
-                <a:schemeClr val="accent1"/>
-              </a:fillRef>
-              <a:effectRef idx="0">
-                <a:schemeClr val="accent1"/>
-              </a:effectRef>
-              <a:fontRef idx="minor">
-                <a:schemeClr val="lt1"/>
-              </a:fontRef>
-            </p:style>
-            <p:txBody>
-              <a:bodyPr rtlCol="0" anchor="ctr"/>
-              <a:lstStyle/>
-              <a:p>
-                <a:pPr algn="ctr"/>
-                <a:endParaRPr lang="es-ES"/>
-              </a:p>
-            </p:txBody>
-          </p:sp>
-          <p:sp>
-            <p:nvSpPr>
-              <p:cNvPr id="1189" name="Rectángulo: esquinas redondeadas 1188">
-                <a:extLst>
-                  <a:ext uri="{FF2B5EF4-FFF2-40B4-BE49-F238E27FC236}">
-                    <a16:creationId xmlns:a16="http://schemas.microsoft.com/office/drawing/2014/main" id="{64CDBB1E-B2B3-EF88-2022-C3716A5AFC95}"/>
-                  </a:ext>
-                </a:extLst>
-              </p:cNvPr>
-              <p:cNvSpPr/>
-              <p:nvPr/>
-            </p:nvSpPr>
-            <p:spPr>
-              <a:xfrm>
-                <a:off x="1329838" y="6123435"/>
-                <a:ext cx="455145" cy="29038"/>
-              </a:xfrm>
-              <a:prstGeom prst="roundRect">
-                <a:avLst/>
-              </a:prstGeom>
-              <a:solidFill>
-                <a:schemeClr val="tx1"/>
-              </a:solidFill>
-              <a:ln>
-                <a:noFill/>
-              </a:ln>
-            </p:spPr>
-            <p:style>
-              <a:lnRef idx="2">
-                <a:schemeClr val="accent1">
-                  <a:shade val="15000"/>
-                </a:schemeClr>
-              </a:lnRef>
-              <a:fillRef idx="1">
-                <a:schemeClr val="accent1"/>
-              </a:fillRef>
-              <a:effectRef idx="0">
-                <a:schemeClr val="accent1"/>
-              </a:effectRef>
-              <a:fontRef idx="minor">
-                <a:schemeClr val="lt1"/>
-              </a:fontRef>
-            </p:style>
-            <p:txBody>
-              <a:bodyPr rtlCol="0" anchor="ctr"/>
-              <a:lstStyle/>
-              <a:p>
-                <a:pPr algn="ctr"/>
-                <a:endParaRPr lang="es-ES"/>
-              </a:p>
-            </p:txBody>
-          </p:sp>
-          <p:sp>
-            <p:nvSpPr>
-              <p:cNvPr id="1190" name="Rectángulo: esquinas redondeadas 1189">
-                <a:extLst>
-                  <a:ext uri="{FF2B5EF4-FFF2-40B4-BE49-F238E27FC236}">
-                    <a16:creationId xmlns:a16="http://schemas.microsoft.com/office/drawing/2014/main" id="{D36E56AD-6158-76DB-3BDC-045BBF81EDBF}"/>
-                  </a:ext>
-                </a:extLst>
-              </p:cNvPr>
-              <p:cNvSpPr/>
-              <p:nvPr/>
-            </p:nvSpPr>
-            <p:spPr>
-              <a:xfrm>
-                <a:off x="1329837" y="6079055"/>
-                <a:ext cx="455145" cy="29038"/>
-              </a:xfrm>
-              <a:prstGeom prst="roundRect">
-                <a:avLst/>
-              </a:prstGeom>
-              <a:solidFill>
-                <a:schemeClr val="tx1"/>
-              </a:solidFill>
-              <a:ln>
-                <a:noFill/>
-              </a:ln>
-            </p:spPr>
-            <p:style>
-              <a:lnRef idx="2">
-                <a:schemeClr val="accent1">
-                  <a:shade val="15000"/>
-                </a:schemeClr>
-              </a:lnRef>
-              <a:fillRef idx="1">
-                <a:schemeClr val="accent1"/>
-              </a:fillRef>
-              <a:effectRef idx="0">
-                <a:schemeClr val="accent1"/>
-              </a:effectRef>
-              <a:fontRef idx="minor">
-                <a:schemeClr val="lt1"/>
-              </a:fontRef>
-            </p:style>
-            <p:txBody>
-              <a:bodyPr rtlCol="0" anchor="ctr"/>
-              <a:lstStyle/>
-              <a:p>
-                <a:pPr algn="ctr"/>
-                <a:endParaRPr lang="es-ES"/>
-              </a:p>
-            </p:txBody>
-          </p:sp>
-          <p:sp>
-            <p:nvSpPr>
-              <p:cNvPr id="1191" name="Rectángulo: esquinas redondeadas 1190">
-                <a:extLst>
-                  <a:ext uri="{FF2B5EF4-FFF2-40B4-BE49-F238E27FC236}">
-                    <a16:creationId xmlns:a16="http://schemas.microsoft.com/office/drawing/2014/main" id="{27341B8F-8D86-09B0-1285-18530E803E41}"/>
-                  </a:ext>
-                </a:extLst>
-              </p:cNvPr>
-              <p:cNvSpPr/>
-              <p:nvPr/>
-            </p:nvSpPr>
-            <p:spPr>
-              <a:xfrm>
-                <a:off x="1329837" y="6034675"/>
-                <a:ext cx="455145" cy="29038"/>
-              </a:xfrm>
-              <a:prstGeom prst="roundRect">
-                <a:avLst/>
-              </a:prstGeom>
-              <a:solidFill>
-                <a:schemeClr val="tx1"/>
-              </a:solidFill>
-              <a:ln>
-                <a:noFill/>
-              </a:ln>
-            </p:spPr>
-            <p:style>
-              <a:lnRef idx="2">
-                <a:schemeClr val="accent1">
-                  <a:shade val="15000"/>
-                </a:schemeClr>
-              </a:lnRef>
-              <a:fillRef idx="1">
-                <a:schemeClr val="accent1"/>
-              </a:fillRef>
-              <a:effectRef idx="0">
-                <a:schemeClr val="accent1"/>
-              </a:effectRef>
-              <a:fontRef idx="minor">
-                <a:schemeClr val="lt1"/>
-              </a:fontRef>
-            </p:style>
-            <p:txBody>
-              <a:bodyPr rtlCol="0" anchor="ctr"/>
-              <a:lstStyle/>
-              <a:p>
-                <a:pPr algn="ctr"/>
-                <a:endParaRPr lang="es-ES"/>
-              </a:p>
-            </p:txBody>
-          </p:sp>
-          <p:sp>
-            <p:nvSpPr>
-              <p:cNvPr id="1192" name="Rectángulo 1191">
-                <a:extLst>
-                  <a:ext uri="{FF2B5EF4-FFF2-40B4-BE49-F238E27FC236}">
-                    <a16:creationId xmlns:a16="http://schemas.microsoft.com/office/drawing/2014/main" id="{18233BF7-D7B6-B3A8-191E-CF40F272B2C6}"/>
-                  </a:ext>
-                </a:extLst>
-              </p:cNvPr>
-              <p:cNvSpPr/>
-              <p:nvPr/>
-            </p:nvSpPr>
-            <p:spPr>
-              <a:xfrm>
-                <a:off x="1336502" y="5896678"/>
-                <a:ext cx="448480" cy="102394"/>
-              </a:xfrm>
-              <a:prstGeom prst="rect">
-                <a:avLst/>
-              </a:prstGeom>
-            </p:spPr>
-            <p:style>
-              <a:lnRef idx="2">
-                <a:schemeClr val="accent4">
-                  <a:shade val="15000"/>
-                </a:schemeClr>
-              </a:lnRef>
-              <a:fillRef idx="1">
-                <a:schemeClr val="accent4"/>
-              </a:fillRef>
-              <a:effectRef idx="0">
-                <a:schemeClr val="accent4"/>
-              </a:effectRef>
-              <a:fontRef idx="minor">
-                <a:schemeClr val="lt1"/>
-              </a:fontRef>
-            </p:style>
-            <p:txBody>
-              <a:bodyPr rtlCol="0" anchor="ctr"/>
-              <a:lstStyle/>
-              <a:p>
-                <a:pPr algn="ctr"/>
-                <a:endParaRPr lang="es-ES"/>
-              </a:p>
-            </p:txBody>
-          </p:sp>
-          <p:sp>
-            <p:nvSpPr>
-              <p:cNvPr id="1193" name="Rectángulo 1192">
-                <a:extLst>
-                  <a:ext uri="{FF2B5EF4-FFF2-40B4-BE49-F238E27FC236}">
-                    <a16:creationId xmlns:a16="http://schemas.microsoft.com/office/drawing/2014/main" id="{9DE3A7E7-8949-888A-E7CC-4620F059CBDD}"/>
-                  </a:ext>
-                </a:extLst>
-              </p:cNvPr>
-              <p:cNvSpPr/>
-              <p:nvPr/>
-            </p:nvSpPr>
-            <p:spPr>
-              <a:xfrm>
-                <a:off x="1290753" y="5855013"/>
-                <a:ext cx="535666" cy="776768"/>
-              </a:xfrm>
-              <a:prstGeom prst="rect">
-                <a:avLst/>
-              </a:prstGeom>
-              <a:noFill/>
-            </p:spPr>
-            <p:style>
-              <a:lnRef idx="2">
-                <a:schemeClr val="accent1">
-                  <a:shade val="15000"/>
-                </a:schemeClr>
-              </a:lnRef>
-              <a:fillRef idx="1">
-                <a:schemeClr val="accent1"/>
-              </a:fillRef>
-              <a:effectRef idx="0">
-                <a:schemeClr val="accent1"/>
-              </a:effectRef>
-              <a:fontRef idx="minor">
-                <a:schemeClr val="lt1"/>
-              </a:fontRef>
-            </p:style>
-            <p:txBody>
-              <a:bodyPr rtlCol="0" anchor="ctr"/>
-              <a:lstStyle/>
-              <a:p>
-                <a:pPr algn="ctr"/>
-                <a:endParaRPr lang="es-ES"/>
-              </a:p>
-            </p:txBody>
-          </p:sp>
-        </p:grpSp>
-        <p:sp>
-          <p:nvSpPr>
-            <p:cNvPr id="1195" name="Rectángulo: esquinas redondeadas 1194">
-              <a:extLst>
-                <a:ext uri="{FF2B5EF4-FFF2-40B4-BE49-F238E27FC236}">
-                  <a16:creationId xmlns:a16="http://schemas.microsoft.com/office/drawing/2014/main" id="{6CB42B3D-77C6-B420-E414-7067DA9FB5DA}"/>
-                </a:ext>
-              </a:extLst>
-            </p:cNvPr>
-            <p:cNvSpPr/>
-            <p:nvPr/>
-          </p:nvSpPr>
-          <p:spPr>
-            <a:xfrm>
-              <a:off x="1134058" y="5653953"/>
-              <a:ext cx="840495" cy="1087864"/>
-            </a:xfrm>
-            <a:prstGeom prst="roundRect">
-              <a:avLst/>
-            </a:prstGeom>
-            <a:noFill/>
-            <a:ln>
-              <a:solidFill>
-                <a:schemeClr val="accent1"/>
-              </a:solidFill>
-            </a:ln>
-          </p:spPr>
-          <p:style>
-            <a:lnRef idx="0">
-              <a:schemeClr val="accent1"/>
-            </a:lnRef>
-            <a:fillRef idx="3">
-              <a:schemeClr val="accent1"/>
-            </a:fillRef>
-            <a:effectRef idx="3">
-              <a:schemeClr val="accent1"/>
-            </a:effectRef>
-            <a:fontRef idx="minor">
-              <a:schemeClr val="lt1"/>
-            </a:fontRef>
-          </p:style>
-          <p:txBody>
-            <a:bodyPr rtlCol="0" anchor="ctr"/>
-            <a:lstStyle/>
-            <a:p>
-              <a:pPr algn="ctr"/>
-              <a:endParaRPr lang="es-ES" sz="1600" dirty="0">
-                <a:solidFill>
-                  <a:schemeClr val="tx2"/>
-                </a:solidFill>
-              </a:endParaRPr>
-            </a:p>
-          </p:txBody>
-        </p:sp>
-        <p:sp>
-          <p:nvSpPr>
-            <p:cNvPr id="1196" name="CuadroTexto 1195">
-              <a:extLst>
-                <a:ext uri="{FF2B5EF4-FFF2-40B4-BE49-F238E27FC236}">
-                  <a16:creationId xmlns:a16="http://schemas.microsoft.com/office/drawing/2014/main" id="{2991E1E8-8006-B95A-CE75-CC8760398D8E}"/>
-                </a:ext>
-              </a:extLst>
-            </p:cNvPr>
-            <p:cNvSpPr txBox="1"/>
-            <p:nvPr/>
-          </p:nvSpPr>
-          <p:spPr>
-            <a:xfrm>
-              <a:off x="1212234" y="5620643"/>
-              <a:ext cx="697016" cy="261610"/>
-            </a:xfrm>
-            <a:prstGeom prst="rect">
-              <a:avLst/>
-            </a:prstGeom>
-            <a:noFill/>
-            <a:effectLst>
-              <a:outerShdw blurRad="50800" dist="38100" dir="2700000" algn="tl" rotWithShape="0">
-                <a:prstClr val="black">
-                  <a:alpha val="40000"/>
-                </a:prstClr>
-              </a:outerShdw>
-            </a:effectLst>
-          </p:spPr>
-          <p:txBody>
-            <a:bodyPr wrap="square" rtlCol="0">
-              <a:spAutoFit/>
-            </a:bodyPr>
-            <a:lstStyle/>
-            <a:p>
-              <a:pPr algn="ctr"/>
-              <a:r>
-                <a:rPr lang="es-ES" sz="1100" dirty="0">
-                  <a:solidFill>
-                    <a:schemeClr val="tx2"/>
-                  </a:solidFill>
-                </a:rPr>
-                <a:t>Informe</a:t>
-              </a:r>
-              <a:endParaRPr lang="es-ES" sz="1200" dirty="0"/>
-            </a:p>
-          </p:txBody>
-        </p:sp>
-      </p:grpSp>
       <p:sp>
         <p:nvSpPr>
           <p:cNvPr id="1203" name="CuadroTexto 1202">
@@ -32972,20 +31897,20 @@
           <a:p>
             <a:pPr algn="ctr"/>
             <a:r>
-              <a:rPr lang="es-ES" sz="1600" dirty="0">
-                <a:solidFill>
-                  <a:schemeClr val="tx2"/>
-                </a:solidFill>
-              </a:rPr>
-              <a:t>Transformación de </a:t>
-            </a:r>
-            <a:r>
               <a:rPr lang="es-ES" sz="1600" dirty="0" err="1">
                 <a:solidFill>
                   <a:schemeClr val="tx2"/>
                 </a:solidFill>
               </a:rPr>
               <a:t>ASTs</a:t>
+            </a:r>
+            <a:r>
+              <a:rPr lang="es-ES" sz="1600" dirty="0">
+                <a:solidFill>
+                  <a:schemeClr val="tx2"/>
+                </a:solidFill>
+              </a:rPr>
+              <a:t> Transformados</a:t>
             </a:r>
             <a:endParaRPr lang="es-ES" dirty="0"/>
           </a:p>
@@ -34107,6 +33032,3923 @@
           </a:p>
         </p:txBody>
       </p:sp>
+      <p:sp>
+        <p:nvSpPr>
+          <p:cNvPr id="39" name="Rectángulo: esquinas redondeadas 38">
+            <a:extLst>
+              <a:ext uri="{FF2B5EF4-FFF2-40B4-BE49-F238E27FC236}">
+                <a16:creationId xmlns:a16="http://schemas.microsoft.com/office/drawing/2014/main" id="{514CED8F-7B52-B2A5-657B-A4E6E18F32A2}"/>
+              </a:ext>
+            </a:extLst>
+          </p:cNvPr>
+          <p:cNvSpPr/>
+          <p:nvPr/>
+        </p:nvSpPr>
+        <p:spPr>
+          <a:xfrm>
+            <a:off x="957617" y="4375262"/>
+            <a:ext cx="1439955" cy="1632346"/>
+          </a:xfrm>
+          <a:prstGeom prst="roundRect">
+            <a:avLst/>
+          </a:prstGeom>
+          <a:noFill/>
+          <a:ln>
+            <a:solidFill>
+              <a:schemeClr val="accent1"/>
+            </a:solidFill>
+          </a:ln>
+        </p:spPr>
+        <p:style>
+          <a:lnRef idx="0">
+            <a:schemeClr val="accent1"/>
+          </a:lnRef>
+          <a:fillRef idx="3">
+            <a:schemeClr val="accent1"/>
+          </a:fillRef>
+          <a:effectRef idx="3">
+            <a:schemeClr val="accent1"/>
+          </a:effectRef>
+          <a:fontRef idx="minor">
+            <a:schemeClr val="lt1"/>
+          </a:fontRef>
+        </p:style>
+        <p:txBody>
+          <a:bodyPr rtlCol="0" anchor="ctr"/>
+          <a:lstStyle/>
+          <a:p>
+            <a:pPr algn="ctr"/>
+            <a:endParaRPr lang="es-ES" sz="1600" dirty="0">
+              <a:solidFill>
+                <a:schemeClr val="tx2"/>
+              </a:solidFill>
+            </a:endParaRPr>
+          </a:p>
+        </p:txBody>
+      </p:sp>
+      <p:sp>
+        <p:nvSpPr>
+          <p:cNvPr id="40" name="CuadroTexto 39">
+            <a:extLst>
+              <a:ext uri="{FF2B5EF4-FFF2-40B4-BE49-F238E27FC236}">
+                <a16:creationId xmlns:a16="http://schemas.microsoft.com/office/drawing/2014/main" id="{381FCA3B-2834-C668-C753-7C263527E96D}"/>
+              </a:ext>
+            </a:extLst>
+          </p:cNvPr>
+          <p:cNvSpPr txBox="1"/>
+          <p:nvPr/>
+        </p:nvSpPr>
+        <p:spPr>
+          <a:xfrm>
+            <a:off x="952662" y="4398092"/>
+            <a:ext cx="1444910" cy="338554"/>
+          </a:xfrm>
+          <a:prstGeom prst="rect">
+            <a:avLst/>
+          </a:prstGeom>
+          <a:noFill/>
+          <a:effectLst>
+            <a:outerShdw blurRad="50800" dist="38100" dir="2700000" algn="tl" rotWithShape="0">
+              <a:prstClr val="black">
+                <a:alpha val="40000"/>
+              </a:prstClr>
+            </a:outerShdw>
+          </a:effectLst>
+        </p:spPr>
+        <p:txBody>
+          <a:bodyPr wrap="square" rtlCol="0">
+            <a:spAutoFit/>
+          </a:bodyPr>
+          <a:lstStyle/>
+          <a:p>
+            <a:pPr algn="ctr"/>
+            <a:r>
+              <a:rPr lang="es-ES" sz="1600" dirty="0">
+                <a:solidFill>
+                  <a:schemeClr val="tx2"/>
+                </a:solidFill>
+              </a:rPr>
+              <a:t>Informes</a:t>
+            </a:r>
+          </a:p>
+        </p:txBody>
+      </p:sp>
+      <p:grpSp>
+        <p:nvGrpSpPr>
+          <p:cNvPr id="42" name="Grupo 41">
+            <a:extLst>
+              <a:ext uri="{FF2B5EF4-FFF2-40B4-BE49-F238E27FC236}">
+                <a16:creationId xmlns:a16="http://schemas.microsoft.com/office/drawing/2014/main" id="{7AA14FAC-1562-B982-DD23-B64EBA2885D3}"/>
+              </a:ext>
+            </a:extLst>
+          </p:cNvPr>
+          <p:cNvGrpSpPr/>
+          <p:nvPr/>
+        </p:nvGrpSpPr>
+        <p:grpSpPr>
+          <a:xfrm>
+            <a:off x="1262719" y="4823060"/>
+            <a:ext cx="535666" cy="776768"/>
+            <a:chOff x="1091515" y="3122530"/>
+            <a:chExt cx="535666" cy="776768"/>
+          </a:xfrm>
+        </p:grpSpPr>
+        <p:sp>
+          <p:nvSpPr>
+            <p:cNvPr id="43" name="Rectángulo 42">
+              <a:extLst>
+                <a:ext uri="{FF2B5EF4-FFF2-40B4-BE49-F238E27FC236}">
+                  <a16:creationId xmlns:a16="http://schemas.microsoft.com/office/drawing/2014/main" id="{B32DB64A-0B1F-3660-2A63-2B4801C31B44}"/>
+                </a:ext>
+              </a:extLst>
+            </p:cNvPr>
+            <p:cNvSpPr/>
+            <p:nvPr/>
+          </p:nvSpPr>
+          <p:spPr>
+            <a:xfrm>
+              <a:off x="1091515" y="3122530"/>
+              <a:ext cx="535666" cy="776768"/>
+            </a:xfrm>
+            <a:prstGeom prst="rect">
+              <a:avLst/>
+            </a:prstGeom>
+            <a:solidFill>
+              <a:schemeClr val="bg1"/>
+            </a:solidFill>
+          </p:spPr>
+          <p:style>
+            <a:lnRef idx="2">
+              <a:schemeClr val="accent1">
+                <a:shade val="15000"/>
+              </a:schemeClr>
+            </a:lnRef>
+            <a:fillRef idx="1">
+              <a:schemeClr val="accent1"/>
+            </a:fillRef>
+            <a:effectRef idx="0">
+              <a:schemeClr val="accent1"/>
+            </a:effectRef>
+            <a:fontRef idx="minor">
+              <a:schemeClr val="lt1"/>
+            </a:fontRef>
+          </p:style>
+          <p:txBody>
+            <a:bodyPr rtlCol="0" anchor="ctr"/>
+            <a:lstStyle/>
+            <a:p>
+              <a:pPr algn="ctr"/>
+              <a:endParaRPr lang="es-ES"/>
+            </a:p>
+          </p:txBody>
+        </p:sp>
+        <p:sp>
+          <p:nvSpPr>
+            <p:cNvPr id="45" name="Rectángulo: esquinas redondeadas 44">
+              <a:extLst>
+                <a:ext uri="{FF2B5EF4-FFF2-40B4-BE49-F238E27FC236}">
+                  <a16:creationId xmlns:a16="http://schemas.microsoft.com/office/drawing/2014/main" id="{2858C417-9D81-C45C-77AE-72123FB83FFE}"/>
+                </a:ext>
+              </a:extLst>
+            </p:cNvPr>
+            <p:cNvSpPr/>
+            <p:nvPr/>
+          </p:nvSpPr>
+          <p:spPr>
+            <a:xfrm>
+              <a:off x="1385874" y="3491036"/>
+              <a:ext cx="203739" cy="28388"/>
+            </a:xfrm>
+            <a:prstGeom prst="roundRect">
+              <a:avLst/>
+            </a:prstGeom>
+            <a:solidFill>
+              <a:schemeClr val="tx1"/>
+            </a:solidFill>
+            <a:ln>
+              <a:noFill/>
+            </a:ln>
+          </p:spPr>
+          <p:style>
+            <a:lnRef idx="2">
+              <a:schemeClr val="accent1">
+                <a:shade val="15000"/>
+              </a:schemeClr>
+            </a:lnRef>
+            <a:fillRef idx="1">
+              <a:schemeClr val="accent1"/>
+            </a:fillRef>
+            <a:effectRef idx="0">
+              <a:schemeClr val="accent1"/>
+            </a:effectRef>
+            <a:fontRef idx="minor">
+              <a:schemeClr val="lt1"/>
+            </a:fontRef>
+          </p:style>
+          <p:txBody>
+            <a:bodyPr rtlCol="0" anchor="ctr"/>
+            <a:lstStyle/>
+            <a:p>
+              <a:pPr algn="ctr"/>
+              <a:endParaRPr lang="es-ES"/>
+            </a:p>
+          </p:txBody>
+        </p:sp>
+        <p:sp>
+          <p:nvSpPr>
+            <p:cNvPr id="1034" name="Rectángulo: esquinas redondeadas 1033">
+              <a:extLst>
+                <a:ext uri="{FF2B5EF4-FFF2-40B4-BE49-F238E27FC236}">
+                  <a16:creationId xmlns:a16="http://schemas.microsoft.com/office/drawing/2014/main" id="{426E7E15-112F-4048-247F-C291207A4E49}"/>
+                </a:ext>
+              </a:extLst>
+            </p:cNvPr>
+            <p:cNvSpPr/>
+            <p:nvPr/>
+          </p:nvSpPr>
+          <p:spPr>
+            <a:xfrm>
+              <a:off x="1385874" y="3529136"/>
+              <a:ext cx="203739" cy="28388"/>
+            </a:xfrm>
+            <a:prstGeom prst="roundRect">
+              <a:avLst/>
+            </a:prstGeom>
+            <a:solidFill>
+              <a:schemeClr val="tx1"/>
+            </a:solidFill>
+            <a:ln>
+              <a:noFill/>
+            </a:ln>
+          </p:spPr>
+          <p:style>
+            <a:lnRef idx="2">
+              <a:schemeClr val="accent1">
+                <a:shade val="15000"/>
+              </a:schemeClr>
+            </a:lnRef>
+            <a:fillRef idx="1">
+              <a:schemeClr val="accent1"/>
+            </a:fillRef>
+            <a:effectRef idx="0">
+              <a:schemeClr val="accent1"/>
+            </a:effectRef>
+            <a:fontRef idx="minor">
+              <a:schemeClr val="lt1"/>
+            </a:fontRef>
+          </p:style>
+          <p:txBody>
+            <a:bodyPr rtlCol="0" anchor="ctr"/>
+            <a:lstStyle/>
+            <a:p>
+              <a:pPr algn="ctr"/>
+              <a:endParaRPr lang="es-ES"/>
+            </a:p>
+          </p:txBody>
+        </p:sp>
+        <p:sp>
+          <p:nvSpPr>
+            <p:cNvPr id="1112" name="Rectángulo: esquinas redondeadas 1111">
+              <a:extLst>
+                <a:ext uri="{FF2B5EF4-FFF2-40B4-BE49-F238E27FC236}">
+                  <a16:creationId xmlns:a16="http://schemas.microsoft.com/office/drawing/2014/main" id="{E6E7AAFD-2196-49DC-2B34-06E3199EB75A}"/>
+                </a:ext>
+              </a:extLst>
+            </p:cNvPr>
+            <p:cNvSpPr/>
+            <p:nvPr/>
+          </p:nvSpPr>
+          <p:spPr>
+            <a:xfrm>
+              <a:off x="1385874" y="3567236"/>
+              <a:ext cx="203739" cy="28388"/>
+            </a:xfrm>
+            <a:prstGeom prst="roundRect">
+              <a:avLst/>
+            </a:prstGeom>
+            <a:solidFill>
+              <a:schemeClr val="tx1"/>
+            </a:solidFill>
+            <a:ln>
+              <a:noFill/>
+            </a:ln>
+          </p:spPr>
+          <p:style>
+            <a:lnRef idx="2">
+              <a:schemeClr val="accent1">
+                <a:shade val="15000"/>
+              </a:schemeClr>
+            </a:lnRef>
+            <a:fillRef idx="1">
+              <a:schemeClr val="accent1"/>
+            </a:fillRef>
+            <a:effectRef idx="0">
+              <a:schemeClr val="accent1"/>
+            </a:effectRef>
+            <a:fontRef idx="minor">
+              <a:schemeClr val="lt1"/>
+            </a:fontRef>
+          </p:style>
+          <p:txBody>
+            <a:bodyPr rtlCol="0" anchor="ctr"/>
+            <a:lstStyle/>
+            <a:p>
+              <a:pPr algn="ctr"/>
+              <a:endParaRPr lang="es-ES"/>
+            </a:p>
+          </p:txBody>
+        </p:sp>
+        <p:sp>
+          <p:nvSpPr>
+            <p:cNvPr id="1114" name="Rectángulo: esquinas redondeadas 1113">
+              <a:extLst>
+                <a:ext uri="{FF2B5EF4-FFF2-40B4-BE49-F238E27FC236}">
+                  <a16:creationId xmlns:a16="http://schemas.microsoft.com/office/drawing/2014/main" id="{060E7883-60F6-1433-E2B2-8D4D33668206}"/>
+                </a:ext>
+              </a:extLst>
+            </p:cNvPr>
+            <p:cNvSpPr/>
+            <p:nvPr/>
+          </p:nvSpPr>
+          <p:spPr>
+            <a:xfrm>
+              <a:off x="1130601" y="3719636"/>
+              <a:ext cx="246524" cy="28388"/>
+            </a:xfrm>
+            <a:prstGeom prst="roundRect">
+              <a:avLst/>
+            </a:prstGeom>
+            <a:solidFill>
+              <a:schemeClr val="tx1"/>
+            </a:solidFill>
+            <a:ln>
+              <a:noFill/>
+            </a:ln>
+          </p:spPr>
+          <p:style>
+            <a:lnRef idx="2">
+              <a:schemeClr val="accent1">
+                <a:shade val="15000"/>
+              </a:schemeClr>
+            </a:lnRef>
+            <a:fillRef idx="1">
+              <a:schemeClr val="accent1"/>
+            </a:fillRef>
+            <a:effectRef idx="0">
+              <a:schemeClr val="accent1"/>
+            </a:effectRef>
+            <a:fontRef idx="minor">
+              <a:schemeClr val="lt1"/>
+            </a:fontRef>
+          </p:style>
+          <p:txBody>
+            <a:bodyPr rtlCol="0" anchor="ctr"/>
+            <a:lstStyle/>
+            <a:p>
+              <a:pPr algn="ctr"/>
+              <a:endParaRPr lang="es-ES"/>
+            </a:p>
+          </p:txBody>
+        </p:sp>
+        <p:sp>
+          <p:nvSpPr>
+            <p:cNvPr id="1116" name="Rectángulo: esquinas redondeadas 1115">
+              <a:extLst>
+                <a:ext uri="{FF2B5EF4-FFF2-40B4-BE49-F238E27FC236}">
+                  <a16:creationId xmlns:a16="http://schemas.microsoft.com/office/drawing/2014/main" id="{D6885C18-444F-3D7B-DB7F-4A9D1C41B82C}"/>
+                </a:ext>
+              </a:extLst>
+            </p:cNvPr>
+            <p:cNvSpPr/>
+            <p:nvPr/>
+          </p:nvSpPr>
+          <p:spPr>
+            <a:xfrm>
+              <a:off x="1130601" y="3757736"/>
+              <a:ext cx="246524" cy="28388"/>
+            </a:xfrm>
+            <a:prstGeom prst="roundRect">
+              <a:avLst/>
+            </a:prstGeom>
+            <a:solidFill>
+              <a:schemeClr val="tx1"/>
+            </a:solidFill>
+            <a:ln>
+              <a:noFill/>
+            </a:ln>
+          </p:spPr>
+          <p:style>
+            <a:lnRef idx="2">
+              <a:schemeClr val="accent1">
+                <a:shade val="15000"/>
+              </a:schemeClr>
+            </a:lnRef>
+            <a:fillRef idx="1">
+              <a:schemeClr val="accent1"/>
+            </a:fillRef>
+            <a:effectRef idx="0">
+              <a:schemeClr val="accent1"/>
+            </a:effectRef>
+            <a:fontRef idx="minor">
+              <a:schemeClr val="lt1"/>
+            </a:fontRef>
+          </p:style>
+          <p:txBody>
+            <a:bodyPr rtlCol="0" anchor="ctr"/>
+            <a:lstStyle/>
+            <a:p>
+              <a:pPr algn="ctr"/>
+              <a:endParaRPr lang="es-ES"/>
+            </a:p>
+          </p:txBody>
+        </p:sp>
+        <p:sp>
+          <p:nvSpPr>
+            <p:cNvPr id="1139" name="Rectángulo: esquinas redondeadas 1138">
+              <a:extLst>
+                <a:ext uri="{FF2B5EF4-FFF2-40B4-BE49-F238E27FC236}">
+                  <a16:creationId xmlns:a16="http://schemas.microsoft.com/office/drawing/2014/main" id="{3984AA0E-449A-B7E3-008A-C1DAA4496529}"/>
+                </a:ext>
+              </a:extLst>
+            </p:cNvPr>
+            <p:cNvSpPr/>
+            <p:nvPr/>
+          </p:nvSpPr>
+          <p:spPr>
+            <a:xfrm>
+              <a:off x="1130601" y="3795836"/>
+              <a:ext cx="246524" cy="28388"/>
+            </a:xfrm>
+            <a:prstGeom prst="roundRect">
+              <a:avLst/>
+            </a:prstGeom>
+            <a:solidFill>
+              <a:schemeClr val="tx1"/>
+            </a:solidFill>
+            <a:ln>
+              <a:noFill/>
+            </a:ln>
+          </p:spPr>
+          <p:style>
+            <a:lnRef idx="2">
+              <a:schemeClr val="accent1">
+                <a:shade val="15000"/>
+              </a:schemeClr>
+            </a:lnRef>
+            <a:fillRef idx="1">
+              <a:schemeClr val="accent1"/>
+            </a:fillRef>
+            <a:effectRef idx="0">
+              <a:schemeClr val="accent1"/>
+            </a:effectRef>
+            <a:fontRef idx="minor">
+              <a:schemeClr val="lt1"/>
+            </a:fontRef>
+          </p:style>
+          <p:txBody>
+            <a:bodyPr rtlCol="0" anchor="ctr"/>
+            <a:lstStyle/>
+            <a:p>
+              <a:pPr algn="ctr"/>
+              <a:endParaRPr lang="es-ES"/>
+            </a:p>
+          </p:txBody>
+        </p:sp>
+        <p:sp>
+          <p:nvSpPr>
+            <p:cNvPr id="1145" name="Elipse 1144">
+              <a:extLst>
+                <a:ext uri="{FF2B5EF4-FFF2-40B4-BE49-F238E27FC236}">
+                  <a16:creationId xmlns:a16="http://schemas.microsoft.com/office/drawing/2014/main" id="{FF672F29-FD9A-B6BA-05BC-C51B64CCECA0}"/>
+                </a:ext>
+              </a:extLst>
+            </p:cNvPr>
+            <p:cNvSpPr/>
+            <p:nvPr/>
+          </p:nvSpPr>
+          <p:spPr>
+            <a:xfrm>
+              <a:off x="1174496" y="3465402"/>
+              <a:ext cx="164269" cy="164269"/>
+            </a:xfrm>
+            <a:prstGeom prst="ellipse">
+              <a:avLst/>
+            </a:prstGeom>
+            <a:solidFill>
+              <a:schemeClr val="accent2"/>
+            </a:solidFill>
+            <a:ln>
+              <a:noFill/>
+            </a:ln>
+          </p:spPr>
+          <p:style>
+            <a:lnRef idx="2">
+              <a:schemeClr val="accent1">
+                <a:shade val="15000"/>
+              </a:schemeClr>
+            </a:lnRef>
+            <a:fillRef idx="1">
+              <a:schemeClr val="accent1"/>
+            </a:fillRef>
+            <a:effectRef idx="0">
+              <a:schemeClr val="accent1"/>
+            </a:effectRef>
+            <a:fontRef idx="minor">
+              <a:schemeClr val="lt1"/>
+            </a:fontRef>
+          </p:style>
+          <p:txBody>
+            <a:bodyPr rtlCol="0" anchor="ctr"/>
+            <a:lstStyle/>
+            <a:p>
+              <a:pPr algn="ctr"/>
+              <a:endParaRPr lang="es-ES"/>
+            </a:p>
+          </p:txBody>
+        </p:sp>
+        <p:sp>
+          <p:nvSpPr>
+            <p:cNvPr id="1148" name="Círculo parcial 1147">
+              <a:extLst>
+                <a:ext uri="{FF2B5EF4-FFF2-40B4-BE49-F238E27FC236}">
+                  <a16:creationId xmlns:a16="http://schemas.microsoft.com/office/drawing/2014/main" id="{D2C8B1AD-6DD0-D38C-EDEB-F09A49BD7431}"/>
+                </a:ext>
+              </a:extLst>
+            </p:cNvPr>
+            <p:cNvSpPr/>
+            <p:nvPr/>
+          </p:nvSpPr>
+          <p:spPr>
+            <a:xfrm>
+              <a:off x="1130601" y="3446195"/>
+              <a:ext cx="228199" cy="228199"/>
+            </a:xfrm>
+            <a:prstGeom prst="pie">
+              <a:avLst/>
+            </a:prstGeom>
+            <a:solidFill>
+              <a:srgbClr val="FFC000"/>
+            </a:solidFill>
+            <a:ln>
+              <a:noFill/>
+            </a:ln>
+          </p:spPr>
+          <p:style>
+            <a:lnRef idx="2">
+              <a:schemeClr val="accent1">
+                <a:shade val="15000"/>
+              </a:schemeClr>
+            </a:lnRef>
+            <a:fillRef idx="1">
+              <a:schemeClr val="accent1"/>
+            </a:fillRef>
+            <a:effectRef idx="0">
+              <a:schemeClr val="accent1"/>
+            </a:effectRef>
+            <a:fontRef idx="minor">
+              <a:schemeClr val="lt1"/>
+            </a:fontRef>
+          </p:style>
+          <p:txBody>
+            <a:bodyPr rtlCol="0" anchor="ctr"/>
+            <a:lstStyle/>
+            <a:p>
+              <a:pPr algn="ctr"/>
+              <a:endParaRPr lang="es-ES">
+                <a:solidFill>
+                  <a:schemeClr val="tx1"/>
+                </a:solidFill>
+              </a:endParaRPr>
+            </a:p>
+          </p:txBody>
+        </p:sp>
+        <p:sp>
+          <p:nvSpPr>
+            <p:cNvPr id="1149" name="Rectángulo: esquinas redondeadas 1148">
+              <a:extLst>
+                <a:ext uri="{FF2B5EF4-FFF2-40B4-BE49-F238E27FC236}">
+                  <a16:creationId xmlns:a16="http://schemas.microsoft.com/office/drawing/2014/main" id="{DA9A913F-CA18-6130-CC0E-F840BA36EAD0}"/>
+                </a:ext>
+              </a:extLst>
+            </p:cNvPr>
+            <p:cNvSpPr/>
+            <p:nvPr/>
+          </p:nvSpPr>
+          <p:spPr>
+            <a:xfrm>
+              <a:off x="1385874" y="3605336"/>
+              <a:ext cx="203739" cy="28388"/>
+            </a:xfrm>
+            <a:prstGeom prst="roundRect">
+              <a:avLst/>
+            </a:prstGeom>
+            <a:solidFill>
+              <a:schemeClr val="tx1"/>
+            </a:solidFill>
+            <a:ln>
+              <a:noFill/>
+            </a:ln>
+          </p:spPr>
+          <p:style>
+            <a:lnRef idx="2">
+              <a:schemeClr val="accent1">
+                <a:shade val="15000"/>
+              </a:schemeClr>
+            </a:lnRef>
+            <a:fillRef idx="1">
+              <a:schemeClr val="accent1"/>
+            </a:fillRef>
+            <a:effectRef idx="0">
+              <a:schemeClr val="accent1"/>
+            </a:effectRef>
+            <a:fontRef idx="minor">
+              <a:schemeClr val="lt1"/>
+            </a:fontRef>
+          </p:style>
+          <p:txBody>
+            <a:bodyPr rtlCol="0" anchor="ctr"/>
+            <a:lstStyle/>
+            <a:p>
+              <a:pPr algn="ctr"/>
+              <a:endParaRPr lang="es-ES"/>
+            </a:p>
+          </p:txBody>
+        </p:sp>
+        <p:sp>
+          <p:nvSpPr>
+            <p:cNvPr id="1150" name="Rectángulo: esquinas redondeadas 1149">
+              <a:extLst>
+                <a:ext uri="{FF2B5EF4-FFF2-40B4-BE49-F238E27FC236}">
+                  <a16:creationId xmlns:a16="http://schemas.microsoft.com/office/drawing/2014/main" id="{0C9D4166-EC55-B009-CD2D-859B8120FADF}"/>
+                </a:ext>
+              </a:extLst>
+            </p:cNvPr>
+            <p:cNvSpPr/>
+            <p:nvPr/>
+          </p:nvSpPr>
+          <p:spPr>
+            <a:xfrm>
+              <a:off x="1472854" y="3704931"/>
+              <a:ext cx="39515" cy="171546"/>
+            </a:xfrm>
+            <a:prstGeom prst="roundRect">
+              <a:avLst/>
+            </a:prstGeom>
+            <a:solidFill>
+              <a:srgbClr val="00B0F0"/>
+            </a:solidFill>
+            <a:ln>
+              <a:noFill/>
+            </a:ln>
+          </p:spPr>
+          <p:style>
+            <a:lnRef idx="2">
+              <a:schemeClr val="accent1">
+                <a:shade val="15000"/>
+              </a:schemeClr>
+            </a:lnRef>
+            <a:fillRef idx="1">
+              <a:schemeClr val="accent1"/>
+            </a:fillRef>
+            <a:effectRef idx="0">
+              <a:schemeClr val="accent1"/>
+            </a:effectRef>
+            <a:fontRef idx="minor">
+              <a:schemeClr val="lt1"/>
+            </a:fontRef>
+          </p:style>
+          <p:txBody>
+            <a:bodyPr rtlCol="0" anchor="ctr"/>
+            <a:lstStyle/>
+            <a:p>
+              <a:pPr algn="ctr"/>
+              <a:endParaRPr lang="es-ES"/>
+            </a:p>
+          </p:txBody>
+        </p:sp>
+        <p:sp>
+          <p:nvSpPr>
+            <p:cNvPr id="1154" name="Rectángulo: esquinas redondeadas 1153">
+              <a:extLst>
+                <a:ext uri="{FF2B5EF4-FFF2-40B4-BE49-F238E27FC236}">
+                  <a16:creationId xmlns:a16="http://schemas.microsoft.com/office/drawing/2014/main" id="{51965925-FAA7-3545-62D3-FC49B5153CBB}"/>
+                </a:ext>
+              </a:extLst>
+            </p:cNvPr>
+            <p:cNvSpPr/>
+            <p:nvPr/>
+          </p:nvSpPr>
+          <p:spPr>
+            <a:xfrm>
+              <a:off x="1531114" y="3648149"/>
+              <a:ext cx="39515" cy="228328"/>
+            </a:xfrm>
+            <a:prstGeom prst="roundRect">
+              <a:avLst/>
+            </a:prstGeom>
+            <a:solidFill>
+              <a:schemeClr val="accent6">
+                <a:lumMod val="75000"/>
+              </a:schemeClr>
+            </a:solidFill>
+            <a:ln>
+              <a:noFill/>
+            </a:ln>
+          </p:spPr>
+          <p:style>
+            <a:lnRef idx="2">
+              <a:schemeClr val="accent1">
+                <a:shade val="15000"/>
+              </a:schemeClr>
+            </a:lnRef>
+            <a:fillRef idx="1">
+              <a:schemeClr val="accent1"/>
+            </a:fillRef>
+            <a:effectRef idx="0">
+              <a:schemeClr val="accent1"/>
+            </a:effectRef>
+            <a:fontRef idx="minor">
+              <a:schemeClr val="lt1"/>
+            </a:fontRef>
+          </p:style>
+          <p:txBody>
+            <a:bodyPr rtlCol="0" anchor="ctr"/>
+            <a:lstStyle/>
+            <a:p>
+              <a:pPr algn="ctr"/>
+              <a:endParaRPr lang="es-ES"/>
+            </a:p>
+          </p:txBody>
+        </p:sp>
+        <p:sp>
+          <p:nvSpPr>
+            <p:cNvPr id="1155" name="Rectángulo: esquinas redondeadas 1154">
+              <a:extLst>
+                <a:ext uri="{FF2B5EF4-FFF2-40B4-BE49-F238E27FC236}">
+                  <a16:creationId xmlns:a16="http://schemas.microsoft.com/office/drawing/2014/main" id="{F06EC03C-96D2-7783-6109-5D600F42FFA9}"/>
+                </a:ext>
+              </a:extLst>
+            </p:cNvPr>
+            <p:cNvSpPr/>
+            <p:nvPr/>
+          </p:nvSpPr>
+          <p:spPr>
+            <a:xfrm>
+              <a:off x="1411388" y="3759309"/>
+              <a:ext cx="39515" cy="117168"/>
+            </a:xfrm>
+            <a:prstGeom prst="roundRect">
+              <a:avLst/>
+            </a:prstGeom>
+            <a:solidFill>
+              <a:srgbClr val="C00000"/>
+            </a:solidFill>
+            <a:ln>
+              <a:noFill/>
+            </a:ln>
+          </p:spPr>
+          <p:style>
+            <a:lnRef idx="2">
+              <a:schemeClr val="accent1">
+                <a:shade val="15000"/>
+              </a:schemeClr>
+            </a:lnRef>
+            <a:fillRef idx="1">
+              <a:schemeClr val="accent1"/>
+            </a:fillRef>
+            <a:effectRef idx="0">
+              <a:schemeClr val="accent1"/>
+            </a:effectRef>
+            <a:fontRef idx="minor">
+              <a:schemeClr val="lt1"/>
+            </a:fontRef>
+          </p:style>
+          <p:txBody>
+            <a:bodyPr rtlCol="0" anchor="ctr"/>
+            <a:lstStyle/>
+            <a:p>
+              <a:pPr algn="ctr"/>
+              <a:endParaRPr lang="es-ES"/>
+            </a:p>
+          </p:txBody>
+        </p:sp>
+        <p:sp>
+          <p:nvSpPr>
+            <p:cNvPr id="1158" name="Rectángulo: esquinas redondeadas 1157">
+              <a:extLst>
+                <a:ext uri="{FF2B5EF4-FFF2-40B4-BE49-F238E27FC236}">
+                  <a16:creationId xmlns:a16="http://schemas.microsoft.com/office/drawing/2014/main" id="{C1A63C95-ADC3-B44B-10BF-A66A4B162BCB}"/>
+                </a:ext>
+              </a:extLst>
+            </p:cNvPr>
+            <p:cNvSpPr/>
+            <p:nvPr/>
+          </p:nvSpPr>
+          <p:spPr>
+            <a:xfrm>
+              <a:off x="1130601" y="3833936"/>
+              <a:ext cx="246524" cy="28388"/>
+            </a:xfrm>
+            <a:prstGeom prst="roundRect">
+              <a:avLst/>
+            </a:prstGeom>
+            <a:solidFill>
+              <a:schemeClr val="tx1"/>
+            </a:solidFill>
+            <a:ln>
+              <a:noFill/>
+            </a:ln>
+          </p:spPr>
+          <p:style>
+            <a:lnRef idx="2">
+              <a:schemeClr val="accent1">
+                <a:shade val="15000"/>
+              </a:schemeClr>
+            </a:lnRef>
+            <a:fillRef idx="1">
+              <a:schemeClr val="accent1"/>
+            </a:fillRef>
+            <a:effectRef idx="0">
+              <a:schemeClr val="accent1"/>
+            </a:effectRef>
+            <a:fontRef idx="minor">
+              <a:schemeClr val="lt1"/>
+            </a:fontRef>
+          </p:style>
+          <p:txBody>
+            <a:bodyPr rtlCol="0" anchor="ctr"/>
+            <a:lstStyle/>
+            <a:p>
+              <a:pPr algn="ctr"/>
+              <a:endParaRPr lang="es-ES"/>
+            </a:p>
+          </p:txBody>
+        </p:sp>
+        <p:sp>
+          <p:nvSpPr>
+            <p:cNvPr id="1159" name="Rectángulo: esquinas redondeadas 1158">
+              <a:extLst>
+                <a:ext uri="{FF2B5EF4-FFF2-40B4-BE49-F238E27FC236}">
+                  <a16:creationId xmlns:a16="http://schemas.microsoft.com/office/drawing/2014/main" id="{A771D19E-26DB-9BA3-A794-466F20F3E8FB}"/>
+                </a:ext>
+              </a:extLst>
+            </p:cNvPr>
+            <p:cNvSpPr/>
+            <p:nvPr/>
+          </p:nvSpPr>
+          <p:spPr>
+            <a:xfrm>
+              <a:off x="1130600" y="3390952"/>
+              <a:ext cx="455145" cy="29038"/>
+            </a:xfrm>
+            <a:prstGeom prst="roundRect">
+              <a:avLst/>
+            </a:prstGeom>
+            <a:solidFill>
+              <a:schemeClr val="tx1"/>
+            </a:solidFill>
+            <a:ln>
+              <a:noFill/>
+            </a:ln>
+          </p:spPr>
+          <p:style>
+            <a:lnRef idx="2">
+              <a:schemeClr val="accent1">
+                <a:shade val="15000"/>
+              </a:schemeClr>
+            </a:lnRef>
+            <a:fillRef idx="1">
+              <a:schemeClr val="accent1"/>
+            </a:fillRef>
+            <a:effectRef idx="0">
+              <a:schemeClr val="accent1"/>
+            </a:effectRef>
+            <a:fontRef idx="minor">
+              <a:schemeClr val="lt1"/>
+            </a:fontRef>
+          </p:style>
+          <p:txBody>
+            <a:bodyPr rtlCol="0" anchor="ctr"/>
+            <a:lstStyle/>
+            <a:p>
+              <a:pPr algn="ctr"/>
+              <a:endParaRPr lang="es-ES"/>
+            </a:p>
+          </p:txBody>
+        </p:sp>
+        <p:sp>
+          <p:nvSpPr>
+            <p:cNvPr id="1161" name="Rectángulo: esquinas redondeadas 1160">
+              <a:extLst>
+                <a:ext uri="{FF2B5EF4-FFF2-40B4-BE49-F238E27FC236}">
+                  <a16:creationId xmlns:a16="http://schemas.microsoft.com/office/drawing/2014/main" id="{45F9145B-72C7-F987-7FFD-A6CB7E0FA756}"/>
+                </a:ext>
+              </a:extLst>
+            </p:cNvPr>
+            <p:cNvSpPr/>
+            <p:nvPr/>
+          </p:nvSpPr>
+          <p:spPr>
+            <a:xfrm>
+              <a:off x="1130599" y="3346572"/>
+              <a:ext cx="455145" cy="29038"/>
+            </a:xfrm>
+            <a:prstGeom prst="roundRect">
+              <a:avLst/>
+            </a:prstGeom>
+            <a:solidFill>
+              <a:schemeClr val="tx1"/>
+            </a:solidFill>
+            <a:ln>
+              <a:noFill/>
+            </a:ln>
+          </p:spPr>
+          <p:style>
+            <a:lnRef idx="2">
+              <a:schemeClr val="accent1">
+                <a:shade val="15000"/>
+              </a:schemeClr>
+            </a:lnRef>
+            <a:fillRef idx="1">
+              <a:schemeClr val="accent1"/>
+            </a:fillRef>
+            <a:effectRef idx="0">
+              <a:schemeClr val="accent1"/>
+            </a:effectRef>
+            <a:fontRef idx="minor">
+              <a:schemeClr val="lt1"/>
+            </a:fontRef>
+          </p:style>
+          <p:txBody>
+            <a:bodyPr rtlCol="0" anchor="ctr"/>
+            <a:lstStyle/>
+            <a:p>
+              <a:pPr algn="ctr"/>
+              <a:endParaRPr lang="es-ES"/>
+            </a:p>
+          </p:txBody>
+        </p:sp>
+        <p:sp>
+          <p:nvSpPr>
+            <p:cNvPr id="1163" name="Rectángulo: esquinas redondeadas 1162">
+              <a:extLst>
+                <a:ext uri="{FF2B5EF4-FFF2-40B4-BE49-F238E27FC236}">
+                  <a16:creationId xmlns:a16="http://schemas.microsoft.com/office/drawing/2014/main" id="{29C4C2DA-830C-2FD0-AD55-64B6711F8FB3}"/>
+                </a:ext>
+              </a:extLst>
+            </p:cNvPr>
+            <p:cNvSpPr/>
+            <p:nvPr/>
+          </p:nvSpPr>
+          <p:spPr>
+            <a:xfrm>
+              <a:off x="1130599" y="3302192"/>
+              <a:ext cx="455145" cy="29038"/>
+            </a:xfrm>
+            <a:prstGeom prst="roundRect">
+              <a:avLst/>
+            </a:prstGeom>
+            <a:solidFill>
+              <a:schemeClr val="tx1"/>
+            </a:solidFill>
+            <a:ln>
+              <a:noFill/>
+            </a:ln>
+          </p:spPr>
+          <p:style>
+            <a:lnRef idx="2">
+              <a:schemeClr val="accent1">
+                <a:shade val="15000"/>
+              </a:schemeClr>
+            </a:lnRef>
+            <a:fillRef idx="1">
+              <a:schemeClr val="accent1"/>
+            </a:fillRef>
+            <a:effectRef idx="0">
+              <a:schemeClr val="accent1"/>
+            </a:effectRef>
+            <a:fontRef idx="minor">
+              <a:schemeClr val="lt1"/>
+            </a:fontRef>
+          </p:style>
+          <p:txBody>
+            <a:bodyPr rtlCol="0" anchor="ctr"/>
+            <a:lstStyle/>
+            <a:p>
+              <a:pPr algn="ctr"/>
+              <a:endParaRPr lang="es-ES"/>
+            </a:p>
+          </p:txBody>
+        </p:sp>
+        <p:sp>
+          <p:nvSpPr>
+            <p:cNvPr id="1164" name="Rectángulo 1163">
+              <a:extLst>
+                <a:ext uri="{FF2B5EF4-FFF2-40B4-BE49-F238E27FC236}">
+                  <a16:creationId xmlns:a16="http://schemas.microsoft.com/office/drawing/2014/main" id="{3FB224AD-8DB7-CA57-F1A4-F219D3B5AC84}"/>
+                </a:ext>
+              </a:extLst>
+            </p:cNvPr>
+            <p:cNvSpPr/>
+            <p:nvPr/>
+          </p:nvSpPr>
+          <p:spPr>
+            <a:xfrm>
+              <a:off x="1137264" y="3164195"/>
+              <a:ext cx="448480" cy="102394"/>
+            </a:xfrm>
+            <a:prstGeom prst="rect">
+              <a:avLst/>
+            </a:prstGeom>
+          </p:spPr>
+          <p:style>
+            <a:lnRef idx="2">
+              <a:schemeClr val="accent4">
+                <a:shade val="15000"/>
+              </a:schemeClr>
+            </a:lnRef>
+            <a:fillRef idx="1">
+              <a:schemeClr val="accent4"/>
+            </a:fillRef>
+            <a:effectRef idx="0">
+              <a:schemeClr val="accent4"/>
+            </a:effectRef>
+            <a:fontRef idx="minor">
+              <a:schemeClr val="lt1"/>
+            </a:fontRef>
+          </p:style>
+          <p:txBody>
+            <a:bodyPr rtlCol="0" anchor="ctr"/>
+            <a:lstStyle/>
+            <a:p>
+              <a:pPr algn="ctr"/>
+              <a:endParaRPr lang="es-ES"/>
+            </a:p>
+          </p:txBody>
+        </p:sp>
+      </p:grpSp>
+      <p:grpSp>
+        <p:nvGrpSpPr>
+          <p:cNvPr id="1165" name="Grupo 1164">
+            <a:extLst>
+              <a:ext uri="{FF2B5EF4-FFF2-40B4-BE49-F238E27FC236}">
+                <a16:creationId xmlns:a16="http://schemas.microsoft.com/office/drawing/2014/main" id="{3BA8D81B-4D22-18B4-7DE4-ADC846C5A506}"/>
+              </a:ext>
+            </a:extLst>
+          </p:cNvPr>
+          <p:cNvGrpSpPr/>
+          <p:nvPr/>
+        </p:nvGrpSpPr>
+        <p:grpSpPr>
+          <a:xfrm>
+            <a:off x="1361242" y="4914663"/>
+            <a:ext cx="535666" cy="776768"/>
+            <a:chOff x="1091515" y="3122530"/>
+            <a:chExt cx="535666" cy="776768"/>
+          </a:xfrm>
+        </p:grpSpPr>
+        <p:sp>
+          <p:nvSpPr>
+            <p:cNvPr id="1166" name="Rectángulo 1165">
+              <a:extLst>
+                <a:ext uri="{FF2B5EF4-FFF2-40B4-BE49-F238E27FC236}">
+                  <a16:creationId xmlns:a16="http://schemas.microsoft.com/office/drawing/2014/main" id="{ABB6EEF3-8C35-3F80-0268-7B472FC77634}"/>
+                </a:ext>
+              </a:extLst>
+            </p:cNvPr>
+            <p:cNvSpPr/>
+            <p:nvPr/>
+          </p:nvSpPr>
+          <p:spPr>
+            <a:xfrm>
+              <a:off x="1091515" y="3122530"/>
+              <a:ext cx="535666" cy="776768"/>
+            </a:xfrm>
+            <a:prstGeom prst="rect">
+              <a:avLst/>
+            </a:prstGeom>
+            <a:solidFill>
+              <a:schemeClr val="bg1"/>
+            </a:solidFill>
+          </p:spPr>
+          <p:style>
+            <a:lnRef idx="2">
+              <a:schemeClr val="accent1">
+                <a:shade val="15000"/>
+              </a:schemeClr>
+            </a:lnRef>
+            <a:fillRef idx="1">
+              <a:schemeClr val="accent1"/>
+            </a:fillRef>
+            <a:effectRef idx="0">
+              <a:schemeClr val="accent1"/>
+            </a:effectRef>
+            <a:fontRef idx="minor">
+              <a:schemeClr val="lt1"/>
+            </a:fontRef>
+          </p:style>
+          <p:txBody>
+            <a:bodyPr rtlCol="0" anchor="ctr"/>
+            <a:lstStyle/>
+            <a:p>
+              <a:pPr algn="ctr"/>
+              <a:endParaRPr lang="es-ES"/>
+            </a:p>
+          </p:txBody>
+        </p:sp>
+        <p:sp>
+          <p:nvSpPr>
+            <p:cNvPr id="1168" name="Rectángulo: esquinas redondeadas 1167">
+              <a:extLst>
+                <a:ext uri="{FF2B5EF4-FFF2-40B4-BE49-F238E27FC236}">
+                  <a16:creationId xmlns:a16="http://schemas.microsoft.com/office/drawing/2014/main" id="{1299A55A-7914-6033-41FD-E34FD2FCB9B0}"/>
+                </a:ext>
+              </a:extLst>
+            </p:cNvPr>
+            <p:cNvSpPr/>
+            <p:nvPr/>
+          </p:nvSpPr>
+          <p:spPr>
+            <a:xfrm>
+              <a:off x="1385874" y="3491036"/>
+              <a:ext cx="203739" cy="28388"/>
+            </a:xfrm>
+            <a:prstGeom prst="roundRect">
+              <a:avLst/>
+            </a:prstGeom>
+            <a:solidFill>
+              <a:schemeClr val="tx1"/>
+            </a:solidFill>
+            <a:ln>
+              <a:noFill/>
+            </a:ln>
+          </p:spPr>
+          <p:style>
+            <a:lnRef idx="2">
+              <a:schemeClr val="accent1">
+                <a:shade val="15000"/>
+              </a:schemeClr>
+            </a:lnRef>
+            <a:fillRef idx="1">
+              <a:schemeClr val="accent1"/>
+            </a:fillRef>
+            <a:effectRef idx="0">
+              <a:schemeClr val="accent1"/>
+            </a:effectRef>
+            <a:fontRef idx="minor">
+              <a:schemeClr val="lt1"/>
+            </a:fontRef>
+          </p:style>
+          <p:txBody>
+            <a:bodyPr rtlCol="0" anchor="ctr"/>
+            <a:lstStyle/>
+            <a:p>
+              <a:pPr algn="ctr"/>
+              <a:endParaRPr lang="es-ES"/>
+            </a:p>
+          </p:txBody>
+        </p:sp>
+        <p:sp>
+          <p:nvSpPr>
+            <p:cNvPr id="1169" name="Rectángulo: esquinas redondeadas 1168">
+              <a:extLst>
+                <a:ext uri="{FF2B5EF4-FFF2-40B4-BE49-F238E27FC236}">
+                  <a16:creationId xmlns:a16="http://schemas.microsoft.com/office/drawing/2014/main" id="{799F43A6-2714-1855-B03C-DE6BE8C68DA7}"/>
+                </a:ext>
+              </a:extLst>
+            </p:cNvPr>
+            <p:cNvSpPr/>
+            <p:nvPr/>
+          </p:nvSpPr>
+          <p:spPr>
+            <a:xfrm>
+              <a:off x="1385874" y="3529136"/>
+              <a:ext cx="203739" cy="28388"/>
+            </a:xfrm>
+            <a:prstGeom prst="roundRect">
+              <a:avLst/>
+            </a:prstGeom>
+            <a:solidFill>
+              <a:schemeClr val="tx1"/>
+            </a:solidFill>
+            <a:ln>
+              <a:noFill/>
+            </a:ln>
+          </p:spPr>
+          <p:style>
+            <a:lnRef idx="2">
+              <a:schemeClr val="accent1">
+                <a:shade val="15000"/>
+              </a:schemeClr>
+            </a:lnRef>
+            <a:fillRef idx="1">
+              <a:schemeClr val="accent1"/>
+            </a:fillRef>
+            <a:effectRef idx="0">
+              <a:schemeClr val="accent1"/>
+            </a:effectRef>
+            <a:fontRef idx="minor">
+              <a:schemeClr val="lt1"/>
+            </a:fontRef>
+          </p:style>
+          <p:txBody>
+            <a:bodyPr rtlCol="0" anchor="ctr"/>
+            <a:lstStyle/>
+            <a:p>
+              <a:pPr algn="ctr"/>
+              <a:endParaRPr lang="es-ES"/>
+            </a:p>
+          </p:txBody>
+        </p:sp>
+        <p:sp>
+          <p:nvSpPr>
+            <p:cNvPr id="1170" name="Rectángulo: esquinas redondeadas 1169">
+              <a:extLst>
+                <a:ext uri="{FF2B5EF4-FFF2-40B4-BE49-F238E27FC236}">
+                  <a16:creationId xmlns:a16="http://schemas.microsoft.com/office/drawing/2014/main" id="{4358303E-657D-2B5F-018C-F67EA5EACD42}"/>
+                </a:ext>
+              </a:extLst>
+            </p:cNvPr>
+            <p:cNvSpPr/>
+            <p:nvPr/>
+          </p:nvSpPr>
+          <p:spPr>
+            <a:xfrm>
+              <a:off x="1385874" y="3567236"/>
+              <a:ext cx="203739" cy="28388"/>
+            </a:xfrm>
+            <a:prstGeom prst="roundRect">
+              <a:avLst/>
+            </a:prstGeom>
+            <a:solidFill>
+              <a:schemeClr val="tx1"/>
+            </a:solidFill>
+            <a:ln>
+              <a:noFill/>
+            </a:ln>
+          </p:spPr>
+          <p:style>
+            <a:lnRef idx="2">
+              <a:schemeClr val="accent1">
+                <a:shade val="15000"/>
+              </a:schemeClr>
+            </a:lnRef>
+            <a:fillRef idx="1">
+              <a:schemeClr val="accent1"/>
+            </a:fillRef>
+            <a:effectRef idx="0">
+              <a:schemeClr val="accent1"/>
+            </a:effectRef>
+            <a:fontRef idx="minor">
+              <a:schemeClr val="lt1"/>
+            </a:fontRef>
+          </p:style>
+          <p:txBody>
+            <a:bodyPr rtlCol="0" anchor="ctr"/>
+            <a:lstStyle/>
+            <a:p>
+              <a:pPr algn="ctr"/>
+              <a:endParaRPr lang="es-ES"/>
+            </a:p>
+          </p:txBody>
+        </p:sp>
+        <p:sp>
+          <p:nvSpPr>
+            <p:cNvPr id="1171" name="Rectángulo: esquinas redondeadas 1170">
+              <a:extLst>
+                <a:ext uri="{FF2B5EF4-FFF2-40B4-BE49-F238E27FC236}">
+                  <a16:creationId xmlns:a16="http://schemas.microsoft.com/office/drawing/2014/main" id="{0C720557-D072-216D-0700-A07801D8620F}"/>
+                </a:ext>
+              </a:extLst>
+            </p:cNvPr>
+            <p:cNvSpPr/>
+            <p:nvPr/>
+          </p:nvSpPr>
+          <p:spPr>
+            <a:xfrm>
+              <a:off x="1130601" y="3719636"/>
+              <a:ext cx="246524" cy="28388"/>
+            </a:xfrm>
+            <a:prstGeom prst="roundRect">
+              <a:avLst/>
+            </a:prstGeom>
+            <a:solidFill>
+              <a:schemeClr val="tx1"/>
+            </a:solidFill>
+            <a:ln>
+              <a:noFill/>
+            </a:ln>
+          </p:spPr>
+          <p:style>
+            <a:lnRef idx="2">
+              <a:schemeClr val="accent1">
+                <a:shade val="15000"/>
+              </a:schemeClr>
+            </a:lnRef>
+            <a:fillRef idx="1">
+              <a:schemeClr val="accent1"/>
+            </a:fillRef>
+            <a:effectRef idx="0">
+              <a:schemeClr val="accent1"/>
+            </a:effectRef>
+            <a:fontRef idx="minor">
+              <a:schemeClr val="lt1"/>
+            </a:fontRef>
+          </p:style>
+          <p:txBody>
+            <a:bodyPr rtlCol="0" anchor="ctr"/>
+            <a:lstStyle/>
+            <a:p>
+              <a:pPr algn="ctr"/>
+              <a:endParaRPr lang="es-ES"/>
+            </a:p>
+          </p:txBody>
+        </p:sp>
+        <p:sp>
+          <p:nvSpPr>
+            <p:cNvPr id="1172" name="Rectángulo: esquinas redondeadas 1171">
+              <a:extLst>
+                <a:ext uri="{FF2B5EF4-FFF2-40B4-BE49-F238E27FC236}">
+                  <a16:creationId xmlns:a16="http://schemas.microsoft.com/office/drawing/2014/main" id="{62828179-D35A-5F1C-B2A8-65C0512CECD1}"/>
+                </a:ext>
+              </a:extLst>
+            </p:cNvPr>
+            <p:cNvSpPr/>
+            <p:nvPr/>
+          </p:nvSpPr>
+          <p:spPr>
+            <a:xfrm>
+              <a:off x="1130601" y="3757736"/>
+              <a:ext cx="246524" cy="28388"/>
+            </a:xfrm>
+            <a:prstGeom prst="roundRect">
+              <a:avLst/>
+            </a:prstGeom>
+            <a:solidFill>
+              <a:schemeClr val="tx1"/>
+            </a:solidFill>
+            <a:ln>
+              <a:noFill/>
+            </a:ln>
+          </p:spPr>
+          <p:style>
+            <a:lnRef idx="2">
+              <a:schemeClr val="accent1">
+                <a:shade val="15000"/>
+              </a:schemeClr>
+            </a:lnRef>
+            <a:fillRef idx="1">
+              <a:schemeClr val="accent1"/>
+            </a:fillRef>
+            <a:effectRef idx="0">
+              <a:schemeClr val="accent1"/>
+            </a:effectRef>
+            <a:fontRef idx="minor">
+              <a:schemeClr val="lt1"/>
+            </a:fontRef>
+          </p:style>
+          <p:txBody>
+            <a:bodyPr rtlCol="0" anchor="ctr"/>
+            <a:lstStyle/>
+            <a:p>
+              <a:pPr algn="ctr"/>
+              <a:endParaRPr lang="es-ES"/>
+            </a:p>
+          </p:txBody>
+        </p:sp>
+        <p:sp>
+          <p:nvSpPr>
+            <p:cNvPr id="1182" name="Rectángulo: esquinas redondeadas 1181">
+              <a:extLst>
+                <a:ext uri="{FF2B5EF4-FFF2-40B4-BE49-F238E27FC236}">
+                  <a16:creationId xmlns:a16="http://schemas.microsoft.com/office/drawing/2014/main" id="{BD00E102-8DE3-7453-7ADE-66746387DF65}"/>
+                </a:ext>
+              </a:extLst>
+            </p:cNvPr>
+            <p:cNvSpPr/>
+            <p:nvPr/>
+          </p:nvSpPr>
+          <p:spPr>
+            <a:xfrm>
+              <a:off x="1130601" y="3795836"/>
+              <a:ext cx="246524" cy="28388"/>
+            </a:xfrm>
+            <a:prstGeom prst="roundRect">
+              <a:avLst/>
+            </a:prstGeom>
+            <a:solidFill>
+              <a:schemeClr val="tx1"/>
+            </a:solidFill>
+            <a:ln>
+              <a:noFill/>
+            </a:ln>
+          </p:spPr>
+          <p:style>
+            <a:lnRef idx="2">
+              <a:schemeClr val="accent1">
+                <a:shade val="15000"/>
+              </a:schemeClr>
+            </a:lnRef>
+            <a:fillRef idx="1">
+              <a:schemeClr val="accent1"/>
+            </a:fillRef>
+            <a:effectRef idx="0">
+              <a:schemeClr val="accent1"/>
+            </a:effectRef>
+            <a:fontRef idx="minor">
+              <a:schemeClr val="lt1"/>
+            </a:fontRef>
+          </p:style>
+          <p:txBody>
+            <a:bodyPr rtlCol="0" anchor="ctr"/>
+            <a:lstStyle/>
+            <a:p>
+              <a:pPr algn="ctr"/>
+              <a:endParaRPr lang="es-ES"/>
+            </a:p>
+          </p:txBody>
+        </p:sp>
+        <p:sp>
+          <p:nvSpPr>
+            <p:cNvPr id="1185" name="Elipse 1184">
+              <a:extLst>
+                <a:ext uri="{FF2B5EF4-FFF2-40B4-BE49-F238E27FC236}">
+                  <a16:creationId xmlns:a16="http://schemas.microsoft.com/office/drawing/2014/main" id="{F6287C15-3A17-B32A-322B-1BCC769827E4}"/>
+                </a:ext>
+              </a:extLst>
+            </p:cNvPr>
+            <p:cNvSpPr/>
+            <p:nvPr/>
+          </p:nvSpPr>
+          <p:spPr>
+            <a:xfrm>
+              <a:off x="1174496" y="3465402"/>
+              <a:ext cx="164269" cy="164269"/>
+            </a:xfrm>
+            <a:prstGeom prst="ellipse">
+              <a:avLst/>
+            </a:prstGeom>
+            <a:solidFill>
+              <a:schemeClr val="accent2"/>
+            </a:solidFill>
+            <a:ln>
+              <a:noFill/>
+            </a:ln>
+          </p:spPr>
+          <p:style>
+            <a:lnRef idx="2">
+              <a:schemeClr val="accent1">
+                <a:shade val="15000"/>
+              </a:schemeClr>
+            </a:lnRef>
+            <a:fillRef idx="1">
+              <a:schemeClr val="accent1"/>
+            </a:fillRef>
+            <a:effectRef idx="0">
+              <a:schemeClr val="accent1"/>
+            </a:effectRef>
+            <a:fontRef idx="minor">
+              <a:schemeClr val="lt1"/>
+            </a:fontRef>
+          </p:style>
+          <p:txBody>
+            <a:bodyPr rtlCol="0" anchor="ctr"/>
+            <a:lstStyle/>
+            <a:p>
+              <a:pPr algn="ctr"/>
+              <a:endParaRPr lang="es-ES"/>
+            </a:p>
+          </p:txBody>
+        </p:sp>
+        <p:sp>
+          <p:nvSpPr>
+            <p:cNvPr id="1188" name="Círculo parcial 1187">
+              <a:extLst>
+                <a:ext uri="{FF2B5EF4-FFF2-40B4-BE49-F238E27FC236}">
+                  <a16:creationId xmlns:a16="http://schemas.microsoft.com/office/drawing/2014/main" id="{28686779-F269-A3B9-16EF-CB9D6329A69F}"/>
+                </a:ext>
+              </a:extLst>
+            </p:cNvPr>
+            <p:cNvSpPr/>
+            <p:nvPr/>
+          </p:nvSpPr>
+          <p:spPr>
+            <a:xfrm>
+              <a:off x="1130601" y="3446195"/>
+              <a:ext cx="228199" cy="228199"/>
+            </a:xfrm>
+            <a:prstGeom prst="pie">
+              <a:avLst/>
+            </a:prstGeom>
+            <a:solidFill>
+              <a:srgbClr val="FFC000"/>
+            </a:solidFill>
+            <a:ln>
+              <a:noFill/>
+            </a:ln>
+          </p:spPr>
+          <p:style>
+            <a:lnRef idx="2">
+              <a:schemeClr val="accent1">
+                <a:shade val="15000"/>
+              </a:schemeClr>
+            </a:lnRef>
+            <a:fillRef idx="1">
+              <a:schemeClr val="accent1"/>
+            </a:fillRef>
+            <a:effectRef idx="0">
+              <a:schemeClr val="accent1"/>
+            </a:effectRef>
+            <a:fontRef idx="minor">
+              <a:schemeClr val="lt1"/>
+            </a:fontRef>
+          </p:style>
+          <p:txBody>
+            <a:bodyPr rtlCol="0" anchor="ctr"/>
+            <a:lstStyle/>
+            <a:p>
+              <a:pPr algn="ctr"/>
+              <a:endParaRPr lang="es-ES">
+                <a:solidFill>
+                  <a:schemeClr val="tx1"/>
+                </a:solidFill>
+              </a:endParaRPr>
+            </a:p>
+          </p:txBody>
+        </p:sp>
+        <p:sp>
+          <p:nvSpPr>
+            <p:cNvPr id="1198" name="Rectángulo: esquinas redondeadas 1197">
+              <a:extLst>
+                <a:ext uri="{FF2B5EF4-FFF2-40B4-BE49-F238E27FC236}">
+                  <a16:creationId xmlns:a16="http://schemas.microsoft.com/office/drawing/2014/main" id="{AE36BAA5-330B-963A-C4D4-CE3212D045F1}"/>
+                </a:ext>
+              </a:extLst>
+            </p:cNvPr>
+            <p:cNvSpPr/>
+            <p:nvPr/>
+          </p:nvSpPr>
+          <p:spPr>
+            <a:xfrm>
+              <a:off x="1385874" y="3605336"/>
+              <a:ext cx="203739" cy="28388"/>
+            </a:xfrm>
+            <a:prstGeom prst="roundRect">
+              <a:avLst/>
+            </a:prstGeom>
+            <a:solidFill>
+              <a:schemeClr val="tx1"/>
+            </a:solidFill>
+            <a:ln>
+              <a:noFill/>
+            </a:ln>
+          </p:spPr>
+          <p:style>
+            <a:lnRef idx="2">
+              <a:schemeClr val="accent1">
+                <a:shade val="15000"/>
+              </a:schemeClr>
+            </a:lnRef>
+            <a:fillRef idx="1">
+              <a:schemeClr val="accent1"/>
+            </a:fillRef>
+            <a:effectRef idx="0">
+              <a:schemeClr val="accent1"/>
+            </a:effectRef>
+            <a:fontRef idx="minor">
+              <a:schemeClr val="lt1"/>
+            </a:fontRef>
+          </p:style>
+          <p:txBody>
+            <a:bodyPr rtlCol="0" anchor="ctr"/>
+            <a:lstStyle/>
+            <a:p>
+              <a:pPr algn="ctr"/>
+              <a:endParaRPr lang="es-ES"/>
+            </a:p>
+          </p:txBody>
+        </p:sp>
+        <p:sp>
+          <p:nvSpPr>
+            <p:cNvPr id="1199" name="Rectángulo: esquinas redondeadas 1198">
+              <a:extLst>
+                <a:ext uri="{FF2B5EF4-FFF2-40B4-BE49-F238E27FC236}">
+                  <a16:creationId xmlns:a16="http://schemas.microsoft.com/office/drawing/2014/main" id="{B6EF1688-1B97-F59E-310C-3BAB9969AF44}"/>
+                </a:ext>
+              </a:extLst>
+            </p:cNvPr>
+            <p:cNvSpPr/>
+            <p:nvPr/>
+          </p:nvSpPr>
+          <p:spPr>
+            <a:xfrm>
+              <a:off x="1472854" y="3704931"/>
+              <a:ext cx="39515" cy="171546"/>
+            </a:xfrm>
+            <a:prstGeom prst="roundRect">
+              <a:avLst/>
+            </a:prstGeom>
+            <a:solidFill>
+              <a:srgbClr val="00B0F0"/>
+            </a:solidFill>
+            <a:ln>
+              <a:noFill/>
+            </a:ln>
+          </p:spPr>
+          <p:style>
+            <a:lnRef idx="2">
+              <a:schemeClr val="accent1">
+                <a:shade val="15000"/>
+              </a:schemeClr>
+            </a:lnRef>
+            <a:fillRef idx="1">
+              <a:schemeClr val="accent1"/>
+            </a:fillRef>
+            <a:effectRef idx="0">
+              <a:schemeClr val="accent1"/>
+            </a:effectRef>
+            <a:fontRef idx="minor">
+              <a:schemeClr val="lt1"/>
+            </a:fontRef>
+          </p:style>
+          <p:txBody>
+            <a:bodyPr rtlCol="0" anchor="ctr"/>
+            <a:lstStyle/>
+            <a:p>
+              <a:pPr algn="ctr"/>
+              <a:endParaRPr lang="es-ES"/>
+            </a:p>
+          </p:txBody>
+        </p:sp>
+        <p:sp>
+          <p:nvSpPr>
+            <p:cNvPr id="1200" name="Rectángulo: esquinas redondeadas 1199">
+              <a:extLst>
+                <a:ext uri="{FF2B5EF4-FFF2-40B4-BE49-F238E27FC236}">
+                  <a16:creationId xmlns:a16="http://schemas.microsoft.com/office/drawing/2014/main" id="{67AEA45D-C838-854C-3F39-DC9271087327}"/>
+                </a:ext>
+              </a:extLst>
+            </p:cNvPr>
+            <p:cNvSpPr/>
+            <p:nvPr/>
+          </p:nvSpPr>
+          <p:spPr>
+            <a:xfrm>
+              <a:off x="1531114" y="3648149"/>
+              <a:ext cx="39515" cy="228328"/>
+            </a:xfrm>
+            <a:prstGeom prst="roundRect">
+              <a:avLst/>
+            </a:prstGeom>
+            <a:solidFill>
+              <a:schemeClr val="accent6">
+                <a:lumMod val="75000"/>
+              </a:schemeClr>
+            </a:solidFill>
+            <a:ln>
+              <a:noFill/>
+            </a:ln>
+          </p:spPr>
+          <p:style>
+            <a:lnRef idx="2">
+              <a:schemeClr val="accent1">
+                <a:shade val="15000"/>
+              </a:schemeClr>
+            </a:lnRef>
+            <a:fillRef idx="1">
+              <a:schemeClr val="accent1"/>
+            </a:fillRef>
+            <a:effectRef idx="0">
+              <a:schemeClr val="accent1"/>
+            </a:effectRef>
+            <a:fontRef idx="minor">
+              <a:schemeClr val="lt1"/>
+            </a:fontRef>
+          </p:style>
+          <p:txBody>
+            <a:bodyPr rtlCol="0" anchor="ctr"/>
+            <a:lstStyle/>
+            <a:p>
+              <a:pPr algn="ctr"/>
+              <a:endParaRPr lang="es-ES"/>
+            </a:p>
+          </p:txBody>
+        </p:sp>
+        <p:sp>
+          <p:nvSpPr>
+            <p:cNvPr id="1201" name="Rectángulo: esquinas redondeadas 1200">
+              <a:extLst>
+                <a:ext uri="{FF2B5EF4-FFF2-40B4-BE49-F238E27FC236}">
+                  <a16:creationId xmlns:a16="http://schemas.microsoft.com/office/drawing/2014/main" id="{72615D20-A093-60F4-086B-72E518A08801}"/>
+                </a:ext>
+              </a:extLst>
+            </p:cNvPr>
+            <p:cNvSpPr/>
+            <p:nvPr/>
+          </p:nvSpPr>
+          <p:spPr>
+            <a:xfrm>
+              <a:off x="1411388" y="3759309"/>
+              <a:ext cx="39515" cy="117168"/>
+            </a:xfrm>
+            <a:prstGeom prst="roundRect">
+              <a:avLst/>
+            </a:prstGeom>
+            <a:solidFill>
+              <a:srgbClr val="C00000"/>
+            </a:solidFill>
+            <a:ln>
+              <a:noFill/>
+            </a:ln>
+          </p:spPr>
+          <p:style>
+            <a:lnRef idx="2">
+              <a:schemeClr val="accent1">
+                <a:shade val="15000"/>
+              </a:schemeClr>
+            </a:lnRef>
+            <a:fillRef idx="1">
+              <a:schemeClr val="accent1"/>
+            </a:fillRef>
+            <a:effectRef idx="0">
+              <a:schemeClr val="accent1"/>
+            </a:effectRef>
+            <a:fontRef idx="minor">
+              <a:schemeClr val="lt1"/>
+            </a:fontRef>
+          </p:style>
+          <p:txBody>
+            <a:bodyPr rtlCol="0" anchor="ctr"/>
+            <a:lstStyle/>
+            <a:p>
+              <a:pPr algn="ctr"/>
+              <a:endParaRPr lang="es-ES"/>
+            </a:p>
+          </p:txBody>
+        </p:sp>
+        <p:sp>
+          <p:nvSpPr>
+            <p:cNvPr id="1202" name="Rectángulo: esquinas redondeadas 1201">
+              <a:extLst>
+                <a:ext uri="{FF2B5EF4-FFF2-40B4-BE49-F238E27FC236}">
+                  <a16:creationId xmlns:a16="http://schemas.microsoft.com/office/drawing/2014/main" id="{90C8FE5D-5AD9-B5FB-C966-C64018CB95EB}"/>
+                </a:ext>
+              </a:extLst>
+            </p:cNvPr>
+            <p:cNvSpPr/>
+            <p:nvPr/>
+          </p:nvSpPr>
+          <p:spPr>
+            <a:xfrm>
+              <a:off x="1130601" y="3833936"/>
+              <a:ext cx="246524" cy="28388"/>
+            </a:xfrm>
+            <a:prstGeom prst="roundRect">
+              <a:avLst/>
+            </a:prstGeom>
+            <a:solidFill>
+              <a:schemeClr val="tx1"/>
+            </a:solidFill>
+            <a:ln>
+              <a:noFill/>
+            </a:ln>
+          </p:spPr>
+          <p:style>
+            <a:lnRef idx="2">
+              <a:schemeClr val="accent1">
+                <a:shade val="15000"/>
+              </a:schemeClr>
+            </a:lnRef>
+            <a:fillRef idx="1">
+              <a:schemeClr val="accent1"/>
+            </a:fillRef>
+            <a:effectRef idx="0">
+              <a:schemeClr val="accent1"/>
+            </a:effectRef>
+            <a:fontRef idx="minor">
+              <a:schemeClr val="lt1"/>
+            </a:fontRef>
+          </p:style>
+          <p:txBody>
+            <a:bodyPr rtlCol="0" anchor="ctr"/>
+            <a:lstStyle/>
+            <a:p>
+              <a:pPr algn="ctr"/>
+              <a:endParaRPr lang="es-ES"/>
+            </a:p>
+          </p:txBody>
+        </p:sp>
+        <p:sp>
+          <p:nvSpPr>
+            <p:cNvPr id="1204" name="Rectángulo: esquinas redondeadas 1203">
+              <a:extLst>
+                <a:ext uri="{FF2B5EF4-FFF2-40B4-BE49-F238E27FC236}">
+                  <a16:creationId xmlns:a16="http://schemas.microsoft.com/office/drawing/2014/main" id="{434BA0A0-EC6D-A52C-6D96-5D098D904C4F}"/>
+                </a:ext>
+              </a:extLst>
+            </p:cNvPr>
+            <p:cNvSpPr/>
+            <p:nvPr/>
+          </p:nvSpPr>
+          <p:spPr>
+            <a:xfrm>
+              <a:off x="1130600" y="3390952"/>
+              <a:ext cx="455145" cy="29038"/>
+            </a:xfrm>
+            <a:prstGeom prst="roundRect">
+              <a:avLst/>
+            </a:prstGeom>
+            <a:solidFill>
+              <a:schemeClr val="tx1"/>
+            </a:solidFill>
+            <a:ln>
+              <a:noFill/>
+            </a:ln>
+          </p:spPr>
+          <p:style>
+            <a:lnRef idx="2">
+              <a:schemeClr val="accent1">
+                <a:shade val="15000"/>
+              </a:schemeClr>
+            </a:lnRef>
+            <a:fillRef idx="1">
+              <a:schemeClr val="accent1"/>
+            </a:fillRef>
+            <a:effectRef idx="0">
+              <a:schemeClr val="accent1"/>
+            </a:effectRef>
+            <a:fontRef idx="minor">
+              <a:schemeClr val="lt1"/>
+            </a:fontRef>
+          </p:style>
+          <p:txBody>
+            <a:bodyPr rtlCol="0" anchor="ctr"/>
+            <a:lstStyle/>
+            <a:p>
+              <a:pPr algn="ctr"/>
+              <a:endParaRPr lang="es-ES"/>
+            </a:p>
+          </p:txBody>
+        </p:sp>
+        <p:sp>
+          <p:nvSpPr>
+            <p:cNvPr id="1205" name="Rectángulo: esquinas redondeadas 1204">
+              <a:extLst>
+                <a:ext uri="{FF2B5EF4-FFF2-40B4-BE49-F238E27FC236}">
+                  <a16:creationId xmlns:a16="http://schemas.microsoft.com/office/drawing/2014/main" id="{40B1FFAD-F26C-D569-EE71-6A41B8FED17E}"/>
+                </a:ext>
+              </a:extLst>
+            </p:cNvPr>
+            <p:cNvSpPr/>
+            <p:nvPr/>
+          </p:nvSpPr>
+          <p:spPr>
+            <a:xfrm>
+              <a:off x="1130599" y="3346572"/>
+              <a:ext cx="455145" cy="29038"/>
+            </a:xfrm>
+            <a:prstGeom prst="roundRect">
+              <a:avLst/>
+            </a:prstGeom>
+            <a:solidFill>
+              <a:schemeClr val="tx1"/>
+            </a:solidFill>
+            <a:ln>
+              <a:noFill/>
+            </a:ln>
+          </p:spPr>
+          <p:style>
+            <a:lnRef idx="2">
+              <a:schemeClr val="accent1">
+                <a:shade val="15000"/>
+              </a:schemeClr>
+            </a:lnRef>
+            <a:fillRef idx="1">
+              <a:schemeClr val="accent1"/>
+            </a:fillRef>
+            <a:effectRef idx="0">
+              <a:schemeClr val="accent1"/>
+            </a:effectRef>
+            <a:fontRef idx="minor">
+              <a:schemeClr val="lt1"/>
+            </a:fontRef>
+          </p:style>
+          <p:txBody>
+            <a:bodyPr rtlCol="0" anchor="ctr"/>
+            <a:lstStyle/>
+            <a:p>
+              <a:pPr algn="ctr"/>
+              <a:endParaRPr lang="es-ES"/>
+            </a:p>
+          </p:txBody>
+        </p:sp>
+        <p:sp>
+          <p:nvSpPr>
+            <p:cNvPr id="1206" name="Rectángulo: esquinas redondeadas 1205">
+              <a:extLst>
+                <a:ext uri="{FF2B5EF4-FFF2-40B4-BE49-F238E27FC236}">
+                  <a16:creationId xmlns:a16="http://schemas.microsoft.com/office/drawing/2014/main" id="{16675649-8627-FEF2-ABC7-8010AE8CB230}"/>
+                </a:ext>
+              </a:extLst>
+            </p:cNvPr>
+            <p:cNvSpPr/>
+            <p:nvPr/>
+          </p:nvSpPr>
+          <p:spPr>
+            <a:xfrm>
+              <a:off x="1130599" y="3302192"/>
+              <a:ext cx="455145" cy="29038"/>
+            </a:xfrm>
+            <a:prstGeom prst="roundRect">
+              <a:avLst/>
+            </a:prstGeom>
+            <a:solidFill>
+              <a:schemeClr val="tx1"/>
+            </a:solidFill>
+            <a:ln>
+              <a:noFill/>
+            </a:ln>
+          </p:spPr>
+          <p:style>
+            <a:lnRef idx="2">
+              <a:schemeClr val="accent1">
+                <a:shade val="15000"/>
+              </a:schemeClr>
+            </a:lnRef>
+            <a:fillRef idx="1">
+              <a:schemeClr val="accent1"/>
+            </a:fillRef>
+            <a:effectRef idx="0">
+              <a:schemeClr val="accent1"/>
+            </a:effectRef>
+            <a:fontRef idx="minor">
+              <a:schemeClr val="lt1"/>
+            </a:fontRef>
+          </p:style>
+          <p:txBody>
+            <a:bodyPr rtlCol="0" anchor="ctr"/>
+            <a:lstStyle/>
+            <a:p>
+              <a:pPr algn="ctr"/>
+              <a:endParaRPr lang="es-ES"/>
+            </a:p>
+          </p:txBody>
+        </p:sp>
+        <p:sp>
+          <p:nvSpPr>
+            <p:cNvPr id="1207" name="Rectángulo 1206">
+              <a:extLst>
+                <a:ext uri="{FF2B5EF4-FFF2-40B4-BE49-F238E27FC236}">
+                  <a16:creationId xmlns:a16="http://schemas.microsoft.com/office/drawing/2014/main" id="{AD19F542-528E-9C0C-30EA-263CA75B1105}"/>
+                </a:ext>
+              </a:extLst>
+            </p:cNvPr>
+            <p:cNvSpPr/>
+            <p:nvPr/>
+          </p:nvSpPr>
+          <p:spPr>
+            <a:xfrm>
+              <a:off x="1137264" y="3164195"/>
+              <a:ext cx="448480" cy="102394"/>
+            </a:xfrm>
+            <a:prstGeom prst="rect">
+              <a:avLst/>
+            </a:prstGeom>
+          </p:spPr>
+          <p:style>
+            <a:lnRef idx="2">
+              <a:schemeClr val="accent4">
+                <a:shade val="15000"/>
+              </a:schemeClr>
+            </a:lnRef>
+            <a:fillRef idx="1">
+              <a:schemeClr val="accent4"/>
+            </a:fillRef>
+            <a:effectRef idx="0">
+              <a:schemeClr val="accent4"/>
+            </a:effectRef>
+            <a:fontRef idx="minor">
+              <a:schemeClr val="lt1"/>
+            </a:fontRef>
+          </p:style>
+          <p:txBody>
+            <a:bodyPr rtlCol="0" anchor="ctr"/>
+            <a:lstStyle/>
+            <a:p>
+              <a:pPr algn="ctr"/>
+              <a:endParaRPr lang="es-ES"/>
+            </a:p>
+          </p:txBody>
+        </p:sp>
+      </p:grpSp>
+      <p:grpSp>
+        <p:nvGrpSpPr>
+          <p:cNvPr id="1211" name="Grupo 1210">
+            <a:extLst>
+              <a:ext uri="{FF2B5EF4-FFF2-40B4-BE49-F238E27FC236}">
+                <a16:creationId xmlns:a16="http://schemas.microsoft.com/office/drawing/2014/main" id="{531D2CD3-FC97-C6CF-60B0-ED80ED0FCC51}"/>
+              </a:ext>
+            </a:extLst>
+          </p:cNvPr>
+          <p:cNvGrpSpPr/>
+          <p:nvPr/>
+        </p:nvGrpSpPr>
+        <p:grpSpPr>
+          <a:xfrm>
+            <a:off x="1459765" y="5006266"/>
+            <a:ext cx="535666" cy="776768"/>
+            <a:chOff x="1091515" y="3122530"/>
+            <a:chExt cx="535666" cy="776768"/>
+          </a:xfrm>
+        </p:grpSpPr>
+        <p:sp>
+          <p:nvSpPr>
+            <p:cNvPr id="1213" name="Rectángulo 1212">
+              <a:extLst>
+                <a:ext uri="{FF2B5EF4-FFF2-40B4-BE49-F238E27FC236}">
+                  <a16:creationId xmlns:a16="http://schemas.microsoft.com/office/drawing/2014/main" id="{90E46F05-C11A-699F-068F-D2ED7B1EB8A2}"/>
+                </a:ext>
+              </a:extLst>
+            </p:cNvPr>
+            <p:cNvSpPr/>
+            <p:nvPr/>
+          </p:nvSpPr>
+          <p:spPr>
+            <a:xfrm>
+              <a:off x="1091515" y="3122530"/>
+              <a:ext cx="535666" cy="776768"/>
+            </a:xfrm>
+            <a:prstGeom prst="rect">
+              <a:avLst/>
+            </a:prstGeom>
+            <a:solidFill>
+              <a:schemeClr val="bg1"/>
+            </a:solidFill>
+          </p:spPr>
+          <p:style>
+            <a:lnRef idx="2">
+              <a:schemeClr val="accent1">
+                <a:shade val="15000"/>
+              </a:schemeClr>
+            </a:lnRef>
+            <a:fillRef idx="1">
+              <a:schemeClr val="accent1"/>
+            </a:fillRef>
+            <a:effectRef idx="0">
+              <a:schemeClr val="accent1"/>
+            </a:effectRef>
+            <a:fontRef idx="minor">
+              <a:schemeClr val="lt1"/>
+            </a:fontRef>
+          </p:style>
+          <p:txBody>
+            <a:bodyPr rtlCol="0" anchor="ctr"/>
+            <a:lstStyle/>
+            <a:p>
+              <a:pPr algn="ctr"/>
+              <a:endParaRPr lang="es-ES"/>
+            </a:p>
+          </p:txBody>
+        </p:sp>
+        <p:sp>
+          <p:nvSpPr>
+            <p:cNvPr id="1214" name="Rectángulo: esquinas redondeadas 1213">
+              <a:extLst>
+                <a:ext uri="{FF2B5EF4-FFF2-40B4-BE49-F238E27FC236}">
+                  <a16:creationId xmlns:a16="http://schemas.microsoft.com/office/drawing/2014/main" id="{EDED2050-B638-8DC7-E3DF-1535739E8A14}"/>
+                </a:ext>
+              </a:extLst>
+            </p:cNvPr>
+            <p:cNvSpPr/>
+            <p:nvPr/>
+          </p:nvSpPr>
+          <p:spPr>
+            <a:xfrm>
+              <a:off x="1385874" y="3491036"/>
+              <a:ext cx="203739" cy="28388"/>
+            </a:xfrm>
+            <a:prstGeom prst="roundRect">
+              <a:avLst/>
+            </a:prstGeom>
+            <a:solidFill>
+              <a:schemeClr val="tx1"/>
+            </a:solidFill>
+            <a:ln>
+              <a:noFill/>
+            </a:ln>
+          </p:spPr>
+          <p:style>
+            <a:lnRef idx="2">
+              <a:schemeClr val="accent1">
+                <a:shade val="15000"/>
+              </a:schemeClr>
+            </a:lnRef>
+            <a:fillRef idx="1">
+              <a:schemeClr val="accent1"/>
+            </a:fillRef>
+            <a:effectRef idx="0">
+              <a:schemeClr val="accent1"/>
+            </a:effectRef>
+            <a:fontRef idx="minor">
+              <a:schemeClr val="lt1"/>
+            </a:fontRef>
+          </p:style>
+          <p:txBody>
+            <a:bodyPr rtlCol="0" anchor="ctr"/>
+            <a:lstStyle/>
+            <a:p>
+              <a:pPr algn="ctr"/>
+              <a:endParaRPr lang="es-ES"/>
+            </a:p>
+          </p:txBody>
+        </p:sp>
+        <p:sp>
+          <p:nvSpPr>
+            <p:cNvPr id="1215" name="Rectángulo: esquinas redondeadas 1214">
+              <a:extLst>
+                <a:ext uri="{FF2B5EF4-FFF2-40B4-BE49-F238E27FC236}">
+                  <a16:creationId xmlns:a16="http://schemas.microsoft.com/office/drawing/2014/main" id="{37306F62-172F-D620-B382-D71CD54354FE}"/>
+                </a:ext>
+              </a:extLst>
+            </p:cNvPr>
+            <p:cNvSpPr/>
+            <p:nvPr/>
+          </p:nvSpPr>
+          <p:spPr>
+            <a:xfrm>
+              <a:off x="1385874" y="3529136"/>
+              <a:ext cx="203739" cy="28388"/>
+            </a:xfrm>
+            <a:prstGeom prst="roundRect">
+              <a:avLst/>
+            </a:prstGeom>
+            <a:solidFill>
+              <a:schemeClr val="tx1"/>
+            </a:solidFill>
+            <a:ln>
+              <a:noFill/>
+            </a:ln>
+          </p:spPr>
+          <p:style>
+            <a:lnRef idx="2">
+              <a:schemeClr val="accent1">
+                <a:shade val="15000"/>
+              </a:schemeClr>
+            </a:lnRef>
+            <a:fillRef idx="1">
+              <a:schemeClr val="accent1"/>
+            </a:fillRef>
+            <a:effectRef idx="0">
+              <a:schemeClr val="accent1"/>
+            </a:effectRef>
+            <a:fontRef idx="minor">
+              <a:schemeClr val="lt1"/>
+            </a:fontRef>
+          </p:style>
+          <p:txBody>
+            <a:bodyPr rtlCol="0" anchor="ctr"/>
+            <a:lstStyle/>
+            <a:p>
+              <a:pPr algn="ctr"/>
+              <a:endParaRPr lang="es-ES"/>
+            </a:p>
+          </p:txBody>
+        </p:sp>
+        <p:sp>
+          <p:nvSpPr>
+            <p:cNvPr id="1216" name="Rectángulo: esquinas redondeadas 1215">
+              <a:extLst>
+                <a:ext uri="{FF2B5EF4-FFF2-40B4-BE49-F238E27FC236}">
+                  <a16:creationId xmlns:a16="http://schemas.microsoft.com/office/drawing/2014/main" id="{238C9393-C6C6-8BBF-60FF-2D95F4B2CBD0}"/>
+                </a:ext>
+              </a:extLst>
+            </p:cNvPr>
+            <p:cNvSpPr/>
+            <p:nvPr/>
+          </p:nvSpPr>
+          <p:spPr>
+            <a:xfrm>
+              <a:off x="1385874" y="3567236"/>
+              <a:ext cx="203739" cy="28388"/>
+            </a:xfrm>
+            <a:prstGeom prst="roundRect">
+              <a:avLst/>
+            </a:prstGeom>
+            <a:solidFill>
+              <a:schemeClr val="tx1"/>
+            </a:solidFill>
+            <a:ln>
+              <a:noFill/>
+            </a:ln>
+          </p:spPr>
+          <p:style>
+            <a:lnRef idx="2">
+              <a:schemeClr val="accent1">
+                <a:shade val="15000"/>
+              </a:schemeClr>
+            </a:lnRef>
+            <a:fillRef idx="1">
+              <a:schemeClr val="accent1"/>
+            </a:fillRef>
+            <a:effectRef idx="0">
+              <a:schemeClr val="accent1"/>
+            </a:effectRef>
+            <a:fontRef idx="minor">
+              <a:schemeClr val="lt1"/>
+            </a:fontRef>
+          </p:style>
+          <p:txBody>
+            <a:bodyPr rtlCol="0" anchor="ctr"/>
+            <a:lstStyle/>
+            <a:p>
+              <a:pPr algn="ctr"/>
+              <a:endParaRPr lang="es-ES"/>
+            </a:p>
+          </p:txBody>
+        </p:sp>
+        <p:sp>
+          <p:nvSpPr>
+            <p:cNvPr id="1217" name="Rectángulo: esquinas redondeadas 1216">
+              <a:extLst>
+                <a:ext uri="{FF2B5EF4-FFF2-40B4-BE49-F238E27FC236}">
+                  <a16:creationId xmlns:a16="http://schemas.microsoft.com/office/drawing/2014/main" id="{F9ACF231-BB31-DBF5-D8E5-EBD97B0A0A53}"/>
+                </a:ext>
+              </a:extLst>
+            </p:cNvPr>
+            <p:cNvSpPr/>
+            <p:nvPr/>
+          </p:nvSpPr>
+          <p:spPr>
+            <a:xfrm>
+              <a:off x="1130601" y="3719636"/>
+              <a:ext cx="246524" cy="28388"/>
+            </a:xfrm>
+            <a:prstGeom prst="roundRect">
+              <a:avLst/>
+            </a:prstGeom>
+            <a:solidFill>
+              <a:schemeClr val="tx1"/>
+            </a:solidFill>
+            <a:ln>
+              <a:noFill/>
+            </a:ln>
+          </p:spPr>
+          <p:style>
+            <a:lnRef idx="2">
+              <a:schemeClr val="accent1">
+                <a:shade val="15000"/>
+              </a:schemeClr>
+            </a:lnRef>
+            <a:fillRef idx="1">
+              <a:schemeClr val="accent1"/>
+            </a:fillRef>
+            <a:effectRef idx="0">
+              <a:schemeClr val="accent1"/>
+            </a:effectRef>
+            <a:fontRef idx="minor">
+              <a:schemeClr val="lt1"/>
+            </a:fontRef>
+          </p:style>
+          <p:txBody>
+            <a:bodyPr rtlCol="0" anchor="ctr"/>
+            <a:lstStyle/>
+            <a:p>
+              <a:pPr algn="ctr"/>
+              <a:endParaRPr lang="es-ES"/>
+            </a:p>
+          </p:txBody>
+        </p:sp>
+        <p:sp>
+          <p:nvSpPr>
+            <p:cNvPr id="1218" name="Rectángulo: esquinas redondeadas 1217">
+              <a:extLst>
+                <a:ext uri="{FF2B5EF4-FFF2-40B4-BE49-F238E27FC236}">
+                  <a16:creationId xmlns:a16="http://schemas.microsoft.com/office/drawing/2014/main" id="{142DA08A-9D9D-1909-B12F-8BB5A44735D8}"/>
+                </a:ext>
+              </a:extLst>
+            </p:cNvPr>
+            <p:cNvSpPr/>
+            <p:nvPr/>
+          </p:nvSpPr>
+          <p:spPr>
+            <a:xfrm>
+              <a:off x="1130601" y="3757736"/>
+              <a:ext cx="246524" cy="28388"/>
+            </a:xfrm>
+            <a:prstGeom prst="roundRect">
+              <a:avLst/>
+            </a:prstGeom>
+            <a:solidFill>
+              <a:schemeClr val="tx1"/>
+            </a:solidFill>
+            <a:ln>
+              <a:noFill/>
+            </a:ln>
+          </p:spPr>
+          <p:style>
+            <a:lnRef idx="2">
+              <a:schemeClr val="accent1">
+                <a:shade val="15000"/>
+              </a:schemeClr>
+            </a:lnRef>
+            <a:fillRef idx="1">
+              <a:schemeClr val="accent1"/>
+            </a:fillRef>
+            <a:effectRef idx="0">
+              <a:schemeClr val="accent1"/>
+            </a:effectRef>
+            <a:fontRef idx="minor">
+              <a:schemeClr val="lt1"/>
+            </a:fontRef>
+          </p:style>
+          <p:txBody>
+            <a:bodyPr rtlCol="0" anchor="ctr"/>
+            <a:lstStyle/>
+            <a:p>
+              <a:pPr algn="ctr"/>
+              <a:endParaRPr lang="es-ES"/>
+            </a:p>
+          </p:txBody>
+        </p:sp>
+        <p:sp>
+          <p:nvSpPr>
+            <p:cNvPr id="1219" name="Rectángulo: esquinas redondeadas 1218">
+              <a:extLst>
+                <a:ext uri="{FF2B5EF4-FFF2-40B4-BE49-F238E27FC236}">
+                  <a16:creationId xmlns:a16="http://schemas.microsoft.com/office/drawing/2014/main" id="{29EED4D0-F50A-2491-2037-28B32BDA62E9}"/>
+                </a:ext>
+              </a:extLst>
+            </p:cNvPr>
+            <p:cNvSpPr/>
+            <p:nvPr/>
+          </p:nvSpPr>
+          <p:spPr>
+            <a:xfrm>
+              <a:off x="1130601" y="3795836"/>
+              <a:ext cx="246524" cy="28388"/>
+            </a:xfrm>
+            <a:prstGeom prst="roundRect">
+              <a:avLst/>
+            </a:prstGeom>
+            <a:solidFill>
+              <a:schemeClr val="tx1"/>
+            </a:solidFill>
+            <a:ln>
+              <a:noFill/>
+            </a:ln>
+          </p:spPr>
+          <p:style>
+            <a:lnRef idx="2">
+              <a:schemeClr val="accent1">
+                <a:shade val="15000"/>
+              </a:schemeClr>
+            </a:lnRef>
+            <a:fillRef idx="1">
+              <a:schemeClr val="accent1"/>
+            </a:fillRef>
+            <a:effectRef idx="0">
+              <a:schemeClr val="accent1"/>
+            </a:effectRef>
+            <a:fontRef idx="minor">
+              <a:schemeClr val="lt1"/>
+            </a:fontRef>
+          </p:style>
+          <p:txBody>
+            <a:bodyPr rtlCol="0" anchor="ctr"/>
+            <a:lstStyle/>
+            <a:p>
+              <a:pPr algn="ctr"/>
+              <a:endParaRPr lang="es-ES"/>
+            </a:p>
+          </p:txBody>
+        </p:sp>
+        <p:sp>
+          <p:nvSpPr>
+            <p:cNvPr id="1220" name="Elipse 1219">
+              <a:extLst>
+                <a:ext uri="{FF2B5EF4-FFF2-40B4-BE49-F238E27FC236}">
+                  <a16:creationId xmlns:a16="http://schemas.microsoft.com/office/drawing/2014/main" id="{EACFBF5E-0BC9-4A82-2C8A-C885F9C39A39}"/>
+                </a:ext>
+              </a:extLst>
+            </p:cNvPr>
+            <p:cNvSpPr/>
+            <p:nvPr/>
+          </p:nvSpPr>
+          <p:spPr>
+            <a:xfrm>
+              <a:off x="1174496" y="3465402"/>
+              <a:ext cx="164269" cy="164269"/>
+            </a:xfrm>
+            <a:prstGeom prst="ellipse">
+              <a:avLst/>
+            </a:prstGeom>
+            <a:solidFill>
+              <a:schemeClr val="accent2"/>
+            </a:solidFill>
+            <a:ln>
+              <a:noFill/>
+            </a:ln>
+          </p:spPr>
+          <p:style>
+            <a:lnRef idx="2">
+              <a:schemeClr val="accent1">
+                <a:shade val="15000"/>
+              </a:schemeClr>
+            </a:lnRef>
+            <a:fillRef idx="1">
+              <a:schemeClr val="accent1"/>
+            </a:fillRef>
+            <a:effectRef idx="0">
+              <a:schemeClr val="accent1"/>
+            </a:effectRef>
+            <a:fontRef idx="minor">
+              <a:schemeClr val="lt1"/>
+            </a:fontRef>
+          </p:style>
+          <p:txBody>
+            <a:bodyPr rtlCol="0" anchor="ctr"/>
+            <a:lstStyle/>
+            <a:p>
+              <a:pPr algn="ctr"/>
+              <a:endParaRPr lang="es-ES"/>
+            </a:p>
+          </p:txBody>
+        </p:sp>
+        <p:sp>
+          <p:nvSpPr>
+            <p:cNvPr id="1221" name="Círculo parcial 1220">
+              <a:extLst>
+                <a:ext uri="{FF2B5EF4-FFF2-40B4-BE49-F238E27FC236}">
+                  <a16:creationId xmlns:a16="http://schemas.microsoft.com/office/drawing/2014/main" id="{EC9F8A48-3909-2457-66D4-EC019A400461}"/>
+                </a:ext>
+              </a:extLst>
+            </p:cNvPr>
+            <p:cNvSpPr/>
+            <p:nvPr/>
+          </p:nvSpPr>
+          <p:spPr>
+            <a:xfrm>
+              <a:off x="1130601" y="3446195"/>
+              <a:ext cx="228199" cy="228199"/>
+            </a:xfrm>
+            <a:prstGeom prst="pie">
+              <a:avLst/>
+            </a:prstGeom>
+            <a:solidFill>
+              <a:srgbClr val="FFC000"/>
+            </a:solidFill>
+            <a:ln>
+              <a:noFill/>
+            </a:ln>
+          </p:spPr>
+          <p:style>
+            <a:lnRef idx="2">
+              <a:schemeClr val="accent1">
+                <a:shade val="15000"/>
+              </a:schemeClr>
+            </a:lnRef>
+            <a:fillRef idx="1">
+              <a:schemeClr val="accent1"/>
+            </a:fillRef>
+            <a:effectRef idx="0">
+              <a:schemeClr val="accent1"/>
+            </a:effectRef>
+            <a:fontRef idx="minor">
+              <a:schemeClr val="lt1"/>
+            </a:fontRef>
+          </p:style>
+          <p:txBody>
+            <a:bodyPr rtlCol="0" anchor="ctr"/>
+            <a:lstStyle/>
+            <a:p>
+              <a:pPr algn="ctr"/>
+              <a:endParaRPr lang="es-ES">
+                <a:solidFill>
+                  <a:schemeClr val="tx1"/>
+                </a:solidFill>
+              </a:endParaRPr>
+            </a:p>
+          </p:txBody>
+        </p:sp>
+        <p:sp>
+          <p:nvSpPr>
+            <p:cNvPr id="1222" name="Rectángulo: esquinas redondeadas 1221">
+              <a:extLst>
+                <a:ext uri="{FF2B5EF4-FFF2-40B4-BE49-F238E27FC236}">
+                  <a16:creationId xmlns:a16="http://schemas.microsoft.com/office/drawing/2014/main" id="{75E2A187-E8D2-0CA2-DEB1-BF4EB7F95CF0}"/>
+                </a:ext>
+              </a:extLst>
+            </p:cNvPr>
+            <p:cNvSpPr/>
+            <p:nvPr/>
+          </p:nvSpPr>
+          <p:spPr>
+            <a:xfrm>
+              <a:off x="1385874" y="3605336"/>
+              <a:ext cx="203739" cy="28388"/>
+            </a:xfrm>
+            <a:prstGeom prst="roundRect">
+              <a:avLst/>
+            </a:prstGeom>
+            <a:solidFill>
+              <a:schemeClr val="tx1"/>
+            </a:solidFill>
+            <a:ln>
+              <a:noFill/>
+            </a:ln>
+          </p:spPr>
+          <p:style>
+            <a:lnRef idx="2">
+              <a:schemeClr val="accent1">
+                <a:shade val="15000"/>
+              </a:schemeClr>
+            </a:lnRef>
+            <a:fillRef idx="1">
+              <a:schemeClr val="accent1"/>
+            </a:fillRef>
+            <a:effectRef idx="0">
+              <a:schemeClr val="accent1"/>
+            </a:effectRef>
+            <a:fontRef idx="minor">
+              <a:schemeClr val="lt1"/>
+            </a:fontRef>
+          </p:style>
+          <p:txBody>
+            <a:bodyPr rtlCol="0" anchor="ctr"/>
+            <a:lstStyle/>
+            <a:p>
+              <a:pPr algn="ctr"/>
+              <a:endParaRPr lang="es-ES"/>
+            </a:p>
+          </p:txBody>
+        </p:sp>
+        <p:sp>
+          <p:nvSpPr>
+            <p:cNvPr id="1223" name="Rectángulo: esquinas redondeadas 1222">
+              <a:extLst>
+                <a:ext uri="{FF2B5EF4-FFF2-40B4-BE49-F238E27FC236}">
+                  <a16:creationId xmlns:a16="http://schemas.microsoft.com/office/drawing/2014/main" id="{DD4613CF-16D4-A745-AE05-2990CBF09636}"/>
+                </a:ext>
+              </a:extLst>
+            </p:cNvPr>
+            <p:cNvSpPr/>
+            <p:nvPr/>
+          </p:nvSpPr>
+          <p:spPr>
+            <a:xfrm>
+              <a:off x="1472854" y="3704931"/>
+              <a:ext cx="39515" cy="171546"/>
+            </a:xfrm>
+            <a:prstGeom prst="roundRect">
+              <a:avLst/>
+            </a:prstGeom>
+            <a:solidFill>
+              <a:srgbClr val="00B0F0"/>
+            </a:solidFill>
+            <a:ln>
+              <a:noFill/>
+            </a:ln>
+          </p:spPr>
+          <p:style>
+            <a:lnRef idx="2">
+              <a:schemeClr val="accent1">
+                <a:shade val="15000"/>
+              </a:schemeClr>
+            </a:lnRef>
+            <a:fillRef idx="1">
+              <a:schemeClr val="accent1"/>
+            </a:fillRef>
+            <a:effectRef idx="0">
+              <a:schemeClr val="accent1"/>
+            </a:effectRef>
+            <a:fontRef idx="minor">
+              <a:schemeClr val="lt1"/>
+            </a:fontRef>
+          </p:style>
+          <p:txBody>
+            <a:bodyPr rtlCol="0" anchor="ctr"/>
+            <a:lstStyle/>
+            <a:p>
+              <a:pPr algn="ctr"/>
+              <a:endParaRPr lang="es-ES"/>
+            </a:p>
+          </p:txBody>
+        </p:sp>
+        <p:sp>
+          <p:nvSpPr>
+            <p:cNvPr id="1224" name="Rectángulo: esquinas redondeadas 1223">
+              <a:extLst>
+                <a:ext uri="{FF2B5EF4-FFF2-40B4-BE49-F238E27FC236}">
+                  <a16:creationId xmlns:a16="http://schemas.microsoft.com/office/drawing/2014/main" id="{6E298E33-2EEA-AF34-1412-0F58CE4FA507}"/>
+                </a:ext>
+              </a:extLst>
+            </p:cNvPr>
+            <p:cNvSpPr/>
+            <p:nvPr/>
+          </p:nvSpPr>
+          <p:spPr>
+            <a:xfrm>
+              <a:off x="1531114" y="3648149"/>
+              <a:ext cx="39515" cy="228328"/>
+            </a:xfrm>
+            <a:prstGeom prst="roundRect">
+              <a:avLst/>
+            </a:prstGeom>
+            <a:solidFill>
+              <a:schemeClr val="accent6">
+                <a:lumMod val="75000"/>
+              </a:schemeClr>
+            </a:solidFill>
+            <a:ln>
+              <a:noFill/>
+            </a:ln>
+          </p:spPr>
+          <p:style>
+            <a:lnRef idx="2">
+              <a:schemeClr val="accent1">
+                <a:shade val="15000"/>
+              </a:schemeClr>
+            </a:lnRef>
+            <a:fillRef idx="1">
+              <a:schemeClr val="accent1"/>
+            </a:fillRef>
+            <a:effectRef idx="0">
+              <a:schemeClr val="accent1"/>
+            </a:effectRef>
+            <a:fontRef idx="minor">
+              <a:schemeClr val="lt1"/>
+            </a:fontRef>
+          </p:style>
+          <p:txBody>
+            <a:bodyPr rtlCol="0" anchor="ctr"/>
+            <a:lstStyle/>
+            <a:p>
+              <a:pPr algn="ctr"/>
+              <a:endParaRPr lang="es-ES"/>
+            </a:p>
+          </p:txBody>
+        </p:sp>
+        <p:sp>
+          <p:nvSpPr>
+            <p:cNvPr id="1225" name="Rectángulo: esquinas redondeadas 1224">
+              <a:extLst>
+                <a:ext uri="{FF2B5EF4-FFF2-40B4-BE49-F238E27FC236}">
+                  <a16:creationId xmlns:a16="http://schemas.microsoft.com/office/drawing/2014/main" id="{DC94C45A-E8A6-48B5-E47C-B708CDF98E01}"/>
+                </a:ext>
+              </a:extLst>
+            </p:cNvPr>
+            <p:cNvSpPr/>
+            <p:nvPr/>
+          </p:nvSpPr>
+          <p:spPr>
+            <a:xfrm>
+              <a:off x="1411388" y="3759309"/>
+              <a:ext cx="39515" cy="117168"/>
+            </a:xfrm>
+            <a:prstGeom prst="roundRect">
+              <a:avLst/>
+            </a:prstGeom>
+            <a:solidFill>
+              <a:srgbClr val="C00000"/>
+            </a:solidFill>
+            <a:ln>
+              <a:noFill/>
+            </a:ln>
+          </p:spPr>
+          <p:style>
+            <a:lnRef idx="2">
+              <a:schemeClr val="accent1">
+                <a:shade val="15000"/>
+              </a:schemeClr>
+            </a:lnRef>
+            <a:fillRef idx="1">
+              <a:schemeClr val="accent1"/>
+            </a:fillRef>
+            <a:effectRef idx="0">
+              <a:schemeClr val="accent1"/>
+            </a:effectRef>
+            <a:fontRef idx="minor">
+              <a:schemeClr val="lt1"/>
+            </a:fontRef>
+          </p:style>
+          <p:txBody>
+            <a:bodyPr rtlCol="0" anchor="ctr"/>
+            <a:lstStyle/>
+            <a:p>
+              <a:pPr algn="ctr"/>
+              <a:endParaRPr lang="es-ES"/>
+            </a:p>
+          </p:txBody>
+        </p:sp>
+        <p:sp>
+          <p:nvSpPr>
+            <p:cNvPr id="1226" name="Rectángulo: esquinas redondeadas 1225">
+              <a:extLst>
+                <a:ext uri="{FF2B5EF4-FFF2-40B4-BE49-F238E27FC236}">
+                  <a16:creationId xmlns:a16="http://schemas.microsoft.com/office/drawing/2014/main" id="{64470E9E-F9CD-5D26-CF69-D92FFCD3F119}"/>
+                </a:ext>
+              </a:extLst>
+            </p:cNvPr>
+            <p:cNvSpPr/>
+            <p:nvPr/>
+          </p:nvSpPr>
+          <p:spPr>
+            <a:xfrm>
+              <a:off x="1130601" y="3833936"/>
+              <a:ext cx="246524" cy="28388"/>
+            </a:xfrm>
+            <a:prstGeom prst="roundRect">
+              <a:avLst/>
+            </a:prstGeom>
+            <a:solidFill>
+              <a:schemeClr val="tx1"/>
+            </a:solidFill>
+            <a:ln>
+              <a:noFill/>
+            </a:ln>
+          </p:spPr>
+          <p:style>
+            <a:lnRef idx="2">
+              <a:schemeClr val="accent1">
+                <a:shade val="15000"/>
+              </a:schemeClr>
+            </a:lnRef>
+            <a:fillRef idx="1">
+              <a:schemeClr val="accent1"/>
+            </a:fillRef>
+            <a:effectRef idx="0">
+              <a:schemeClr val="accent1"/>
+            </a:effectRef>
+            <a:fontRef idx="minor">
+              <a:schemeClr val="lt1"/>
+            </a:fontRef>
+          </p:style>
+          <p:txBody>
+            <a:bodyPr rtlCol="0" anchor="ctr"/>
+            <a:lstStyle/>
+            <a:p>
+              <a:pPr algn="ctr"/>
+              <a:endParaRPr lang="es-ES"/>
+            </a:p>
+          </p:txBody>
+        </p:sp>
+        <p:sp>
+          <p:nvSpPr>
+            <p:cNvPr id="1227" name="Rectángulo: esquinas redondeadas 1226">
+              <a:extLst>
+                <a:ext uri="{FF2B5EF4-FFF2-40B4-BE49-F238E27FC236}">
+                  <a16:creationId xmlns:a16="http://schemas.microsoft.com/office/drawing/2014/main" id="{5CAB27D1-A0F3-C02E-5018-A62CFEC201C2}"/>
+                </a:ext>
+              </a:extLst>
+            </p:cNvPr>
+            <p:cNvSpPr/>
+            <p:nvPr/>
+          </p:nvSpPr>
+          <p:spPr>
+            <a:xfrm>
+              <a:off x="1130600" y="3390952"/>
+              <a:ext cx="455145" cy="29038"/>
+            </a:xfrm>
+            <a:prstGeom prst="roundRect">
+              <a:avLst/>
+            </a:prstGeom>
+            <a:solidFill>
+              <a:schemeClr val="tx1"/>
+            </a:solidFill>
+            <a:ln>
+              <a:noFill/>
+            </a:ln>
+          </p:spPr>
+          <p:style>
+            <a:lnRef idx="2">
+              <a:schemeClr val="accent1">
+                <a:shade val="15000"/>
+              </a:schemeClr>
+            </a:lnRef>
+            <a:fillRef idx="1">
+              <a:schemeClr val="accent1"/>
+            </a:fillRef>
+            <a:effectRef idx="0">
+              <a:schemeClr val="accent1"/>
+            </a:effectRef>
+            <a:fontRef idx="minor">
+              <a:schemeClr val="lt1"/>
+            </a:fontRef>
+          </p:style>
+          <p:txBody>
+            <a:bodyPr rtlCol="0" anchor="ctr"/>
+            <a:lstStyle/>
+            <a:p>
+              <a:pPr algn="ctr"/>
+              <a:endParaRPr lang="es-ES"/>
+            </a:p>
+          </p:txBody>
+        </p:sp>
+        <p:sp>
+          <p:nvSpPr>
+            <p:cNvPr id="1228" name="Rectángulo: esquinas redondeadas 1227">
+              <a:extLst>
+                <a:ext uri="{FF2B5EF4-FFF2-40B4-BE49-F238E27FC236}">
+                  <a16:creationId xmlns:a16="http://schemas.microsoft.com/office/drawing/2014/main" id="{E6A97B59-C433-4CAB-46EB-09C036EFBD0B}"/>
+                </a:ext>
+              </a:extLst>
+            </p:cNvPr>
+            <p:cNvSpPr/>
+            <p:nvPr/>
+          </p:nvSpPr>
+          <p:spPr>
+            <a:xfrm>
+              <a:off x="1130599" y="3346572"/>
+              <a:ext cx="455145" cy="29038"/>
+            </a:xfrm>
+            <a:prstGeom prst="roundRect">
+              <a:avLst/>
+            </a:prstGeom>
+            <a:solidFill>
+              <a:schemeClr val="tx1"/>
+            </a:solidFill>
+            <a:ln>
+              <a:noFill/>
+            </a:ln>
+          </p:spPr>
+          <p:style>
+            <a:lnRef idx="2">
+              <a:schemeClr val="accent1">
+                <a:shade val="15000"/>
+              </a:schemeClr>
+            </a:lnRef>
+            <a:fillRef idx="1">
+              <a:schemeClr val="accent1"/>
+            </a:fillRef>
+            <a:effectRef idx="0">
+              <a:schemeClr val="accent1"/>
+            </a:effectRef>
+            <a:fontRef idx="minor">
+              <a:schemeClr val="lt1"/>
+            </a:fontRef>
+          </p:style>
+          <p:txBody>
+            <a:bodyPr rtlCol="0" anchor="ctr"/>
+            <a:lstStyle/>
+            <a:p>
+              <a:pPr algn="ctr"/>
+              <a:endParaRPr lang="es-ES"/>
+            </a:p>
+          </p:txBody>
+        </p:sp>
+        <p:sp>
+          <p:nvSpPr>
+            <p:cNvPr id="1229" name="Rectángulo: esquinas redondeadas 1228">
+              <a:extLst>
+                <a:ext uri="{FF2B5EF4-FFF2-40B4-BE49-F238E27FC236}">
+                  <a16:creationId xmlns:a16="http://schemas.microsoft.com/office/drawing/2014/main" id="{16B9195A-7F5C-45A4-86C5-CAD34D447950}"/>
+                </a:ext>
+              </a:extLst>
+            </p:cNvPr>
+            <p:cNvSpPr/>
+            <p:nvPr/>
+          </p:nvSpPr>
+          <p:spPr>
+            <a:xfrm>
+              <a:off x="1130599" y="3302192"/>
+              <a:ext cx="455145" cy="29038"/>
+            </a:xfrm>
+            <a:prstGeom prst="roundRect">
+              <a:avLst/>
+            </a:prstGeom>
+            <a:solidFill>
+              <a:schemeClr val="tx1"/>
+            </a:solidFill>
+            <a:ln>
+              <a:noFill/>
+            </a:ln>
+          </p:spPr>
+          <p:style>
+            <a:lnRef idx="2">
+              <a:schemeClr val="accent1">
+                <a:shade val="15000"/>
+              </a:schemeClr>
+            </a:lnRef>
+            <a:fillRef idx="1">
+              <a:schemeClr val="accent1"/>
+            </a:fillRef>
+            <a:effectRef idx="0">
+              <a:schemeClr val="accent1"/>
+            </a:effectRef>
+            <a:fontRef idx="minor">
+              <a:schemeClr val="lt1"/>
+            </a:fontRef>
+          </p:style>
+          <p:txBody>
+            <a:bodyPr rtlCol="0" anchor="ctr"/>
+            <a:lstStyle/>
+            <a:p>
+              <a:pPr algn="ctr"/>
+              <a:endParaRPr lang="es-ES"/>
+            </a:p>
+          </p:txBody>
+        </p:sp>
+        <p:sp>
+          <p:nvSpPr>
+            <p:cNvPr id="1230" name="Rectángulo 1229">
+              <a:extLst>
+                <a:ext uri="{FF2B5EF4-FFF2-40B4-BE49-F238E27FC236}">
+                  <a16:creationId xmlns:a16="http://schemas.microsoft.com/office/drawing/2014/main" id="{540F4AF4-064A-B8D3-B94B-5196DA516227}"/>
+                </a:ext>
+              </a:extLst>
+            </p:cNvPr>
+            <p:cNvSpPr/>
+            <p:nvPr/>
+          </p:nvSpPr>
+          <p:spPr>
+            <a:xfrm>
+              <a:off x="1137264" y="3164195"/>
+              <a:ext cx="448480" cy="102394"/>
+            </a:xfrm>
+            <a:prstGeom prst="rect">
+              <a:avLst/>
+            </a:prstGeom>
+          </p:spPr>
+          <p:style>
+            <a:lnRef idx="2">
+              <a:schemeClr val="accent4">
+                <a:shade val="15000"/>
+              </a:schemeClr>
+            </a:lnRef>
+            <a:fillRef idx="1">
+              <a:schemeClr val="accent4"/>
+            </a:fillRef>
+            <a:effectRef idx="0">
+              <a:schemeClr val="accent4"/>
+            </a:effectRef>
+            <a:fontRef idx="minor">
+              <a:schemeClr val="lt1"/>
+            </a:fontRef>
+          </p:style>
+          <p:txBody>
+            <a:bodyPr rtlCol="0" anchor="ctr"/>
+            <a:lstStyle/>
+            <a:p>
+              <a:pPr algn="ctr"/>
+              <a:endParaRPr lang="es-ES"/>
+            </a:p>
+          </p:txBody>
+        </p:sp>
+      </p:grpSp>
+      <p:grpSp>
+        <p:nvGrpSpPr>
+          <p:cNvPr id="1231" name="Grupo 1230">
+            <a:extLst>
+              <a:ext uri="{FF2B5EF4-FFF2-40B4-BE49-F238E27FC236}">
+                <a16:creationId xmlns:a16="http://schemas.microsoft.com/office/drawing/2014/main" id="{AF4452A9-C68B-BFA5-74AC-B3A10FC10F55}"/>
+              </a:ext>
+            </a:extLst>
+          </p:cNvPr>
+          <p:cNvGrpSpPr/>
+          <p:nvPr/>
+        </p:nvGrpSpPr>
+        <p:grpSpPr>
+          <a:xfrm>
+            <a:off x="1558289" y="5097868"/>
+            <a:ext cx="535666" cy="776768"/>
+            <a:chOff x="1091515" y="3122530"/>
+            <a:chExt cx="535666" cy="776768"/>
+          </a:xfrm>
+        </p:grpSpPr>
+        <p:sp>
+          <p:nvSpPr>
+            <p:cNvPr id="1232" name="Rectángulo 1231">
+              <a:extLst>
+                <a:ext uri="{FF2B5EF4-FFF2-40B4-BE49-F238E27FC236}">
+                  <a16:creationId xmlns:a16="http://schemas.microsoft.com/office/drawing/2014/main" id="{A04BD644-DE42-210C-F8CA-17B4EA839A52}"/>
+                </a:ext>
+              </a:extLst>
+            </p:cNvPr>
+            <p:cNvSpPr/>
+            <p:nvPr/>
+          </p:nvSpPr>
+          <p:spPr>
+            <a:xfrm>
+              <a:off x="1091515" y="3122530"/>
+              <a:ext cx="535666" cy="776768"/>
+            </a:xfrm>
+            <a:prstGeom prst="rect">
+              <a:avLst/>
+            </a:prstGeom>
+            <a:solidFill>
+              <a:schemeClr val="bg1"/>
+            </a:solidFill>
+          </p:spPr>
+          <p:style>
+            <a:lnRef idx="2">
+              <a:schemeClr val="accent1">
+                <a:shade val="15000"/>
+              </a:schemeClr>
+            </a:lnRef>
+            <a:fillRef idx="1">
+              <a:schemeClr val="accent1"/>
+            </a:fillRef>
+            <a:effectRef idx="0">
+              <a:schemeClr val="accent1"/>
+            </a:effectRef>
+            <a:fontRef idx="minor">
+              <a:schemeClr val="lt1"/>
+            </a:fontRef>
+          </p:style>
+          <p:txBody>
+            <a:bodyPr rtlCol="0" anchor="ctr"/>
+            <a:lstStyle/>
+            <a:p>
+              <a:pPr algn="ctr"/>
+              <a:endParaRPr lang="es-ES"/>
+            </a:p>
+          </p:txBody>
+        </p:sp>
+        <p:sp>
+          <p:nvSpPr>
+            <p:cNvPr id="1233" name="Rectángulo: esquinas redondeadas 1232">
+              <a:extLst>
+                <a:ext uri="{FF2B5EF4-FFF2-40B4-BE49-F238E27FC236}">
+                  <a16:creationId xmlns:a16="http://schemas.microsoft.com/office/drawing/2014/main" id="{211B37E7-A5C7-4501-0A71-AFC60268C909}"/>
+                </a:ext>
+              </a:extLst>
+            </p:cNvPr>
+            <p:cNvSpPr/>
+            <p:nvPr/>
+          </p:nvSpPr>
+          <p:spPr>
+            <a:xfrm>
+              <a:off x="1385874" y="3491036"/>
+              <a:ext cx="203739" cy="28388"/>
+            </a:xfrm>
+            <a:prstGeom prst="roundRect">
+              <a:avLst/>
+            </a:prstGeom>
+            <a:solidFill>
+              <a:schemeClr val="tx1"/>
+            </a:solidFill>
+            <a:ln>
+              <a:noFill/>
+            </a:ln>
+          </p:spPr>
+          <p:style>
+            <a:lnRef idx="2">
+              <a:schemeClr val="accent1">
+                <a:shade val="15000"/>
+              </a:schemeClr>
+            </a:lnRef>
+            <a:fillRef idx="1">
+              <a:schemeClr val="accent1"/>
+            </a:fillRef>
+            <a:effectRef idx="0">
+              <a:schemeClr val="accent1"/>
+            </a:effectRef>
+            <a:fontRef idx="minor">
+              <a:schemeClr val="lt1"/>
+            </a:fontRef>
+          </p:style>
+          <p:txBody>
+            <a:bodyPr rtlCol="0" anchor="ctr"/>
+            <a:lstStyle/>
+            <a:p>
+              <a:pPr algn="ctr"/>
+              <a:endParaRPr lang="es-ES"/>
+            </a:p>
+          </p:txBody>
+        </p:sp>
+        <p:sp>
+          <p:nvSpPr>
+            <p:cNvPr id="1234" name="Rectángulo: esquinas redondeadas 1233">
+              <a:extLst>
+                <a:ext uri="{FF2B5EF4-FFF2-40B4-BE49-F238E27FC236}">
+                  <a16:creationId xmlns:a16="http://schemas.microsoft.com/office/drawing/2014/main" id="{DD58A356-508E-8F44-9C89-631AA2467624}"/>
+                </a:ext>
+              </a:extLst>
+            </p:cNvPr>
+            <p:cNvSpPr/>
+            <p:nvPr/>
+          </p:nvSpPr>
+          <p:spPr>
+            <a:xfrm>
+              <a:off x="1385874" y="3529136"/>
+              <a:ext cx="203739" cy="28388"/>
+            </a:xfrm>
+            <a:prstGeom prst="roundRect">
+              <a:avLst/>
+            </a:prstGeom>
+            <a:solidFill>
+              <a:schemeClr val="tx1"/>
+            </a:solidFill>
+            <a:ln>
+              <a:noFill/>
+            </a:ln>
+          </p:spPr>
+          <p:style>
+            <a:lnRef idx="2">
+              <a:schemeClr val="accent1">
+                <a:shade val="15000"/>
+              </a:schemeClr>
+            </a:lnRef>
+            <a:fillRef idx="1">
+              <a:schemeClr val="accent1"/>
+            </a:fillRef>
+            <a:effectRef idx="0">
+              <a:schemeClr val="accent1"/>
+            </a:effectRef>
+            <a:fontRef idx="minor">
+              <a:schemeClr val="lt1"/>
+            </a:fontRef>
+          </p:style>
+          <p:txBody>
+            <a:bodyPr rtlCol="0" anchor="ctr"/>
+            <a:lstStyle/>
+            <a:p>
+              <a:pPr algn="ctr"/>
+              <a:endParaRPr lang="es-ES"/>
+            </a:p>
+          </p:txBody>
+        </p:sp>
+        <p:sp>
+          <p:nvSpPr>
+            <p:cNvPr id="1235" name="Rectángulo: esquinas redondeadas 1234">
+              <a:extLst>
+                <a:ext uri="{FF2B5EF4-FFF2-40B4-BE49-F238E27FC236}">
+                  <a16:creationId xmlns:a16="http://schemas.microsoft.com/office/drawing/2014/main" id="{9E3789D9-37F8-7543-8FD1-A20648CD5629}"/>
+                </a:ext>
+              </a:extLst>
+            </p:cNvPr>
+            <p:cNvSpPr/>
+            <p:nvPr/>
+          </p:nvSpPr>
+          <p:spPr>
+            <a:xfrm>
+              <a:off x="1385874" y="3567236"/>
+              <a:ext cx="203739" cy="28388"/>
+            </a:xfrm>
+            <a:prstGeom prst="roundRect">
+              <a:avLst/>
+            </a:prstGeom>
+            <a:solidFill>
+              <a:schemeClr val="tx1"/>
+            </a:solidFill>
+            <a:ln>
+              <a:noFill/>
+            </a:ln>
+          </p:spPr>
+          <p:style>
+            <a:lnRef idx="2">
+              <a:schemeClr val="accent1">
+                <a:shade val="15000"/>
+              </a:schemeClr>
+            </a:lnRef>
+            <a:fillRef idx="1">
+              <a:schemeClr val="accent1"/>
+            </a:fillRef>
+            <a:effectRef idx="0">
+              <a:schemeClr val="accent1"/>
+            </a:effectRef>
+            <a:fontRef idx="minor">
+              <a:schemeClr val="lt1"/>
+            </a:fontRef>
+          </p:style>
+          <p:txBody>
+            <a:bodyPr rtlCol="0" anchor="ctr"/>
+            <a:lstStyle/>
+            <a:p>
+              <a:pPr algn="ctr"/>
+              <a:endParaRPr lang="es-ES"/>
+            </a:p>
+          </p:txBody>
+        </p:sp>
+        <p:sp>
+          <p:nvSpPr>
+            <p:cNvPr id="1236" name="Rectángulo: esquinas redondeadas 1235">
+              <a:extLst>
+                <a:ext uri="{FF2B5EF4-FFF2-40B4-BE49-F238E27FC236}">
+                  <a16:creationId xmlns:a16="http://schemas.microsoft.com/office/drawing/2014/main" id="{1634D4B2-10AF-D7EE-6664-686B07B01FFD}"/>
+                </a:ext>
+              </a:extLst>
+            </p:cNvPr>
+            <p:cNvSpPr/>
+            <p:nvPr/>
+          </p:nvSpPr>
+          <p:spPr>
+            <a:xfrm>
+              <a:off x="1130601" y="3719636"/>
+              <a:ext cx="246524" cy="28388"/>
+            </a:xfrm>
+            <a:prstGeom prst="roundRect">
+              <a:avLst/>
+            </a:prstGeom>
+            <a:solidFill>
+              <a:schemeClr val="tx1"/>
+            </a:solidFill>
+            <a:ln>
+              <a:noFill/>
+            </a:ln>
+          </p:spPr>
+          <p:style>
+            <a:lnRef idx="2">
+              <a:schemeClr val="accent1">
+                <a:shade val="15000"/>
+              </a:schemeClr>
+            </a:lnRef>
+            <a:fillRef idx="1">
+              <a:schemeClr val="accent1"/>
+            </a:fillRef>
+            <a:effectRef idx="0">
+              <a:schemeClr val="accent1"/>
+            </a:effectRef>
+            <a:fontRef idx="minor">
+              <a:schemeClr val="lt1"/>
+            </a:fontRef>
+          </p:style>
+          <p:txBody>
+            <a:bodyPr rtlCol="0" anchor="ctr"/>
+            <a:lstStyle/>
+            <a:p>
+              <a:pPr algn="ctr"/>
+              <a:endParaRPr lang="es-ES"/>
+            </a:p>
+          </p:txBody>
+        </p:sp>
+        <p:sp>
+          <p:nvSpPr>
+            <p:cNvPr id="1237" name="Rectángulo: esquinas redondeadas 1236">
+              <a:extLst>
+                <a:ext uri="{FF2B5EF4-FFF2-40B4-BE49-F238E27FC236}">
+                  <a16:creationId xmlns:a16="http://schemas.microsoft.com/office/drawing/2014/main" id="{6B5B08BB-7AD6-7DDB-7E3B-16C3EC562E96}"/>
+                </a:ext>
+              </a:extLst>
+            </p:cNvPr>
+            <p:cNvSpPr/>
+            <p:nvPr/>
+          </p:nvSpPr>
+          <p:spPr>
+            <a:xfrm>
+              <a:off x="1130601" y="3757736"/>
+              <a:ext cx="246524" cy="28388"/>
+            </a:xfrm>
+            <a:prstGeom prst="roundRect">
+              <a:avLst/>
+            </a:prstGeom>
+            <a:solidFill>
+              <a:schemeClr val="tx1"/>
+            </a:solidFill>
+            <a:ln>
+              <a:noFill/>
+            </a:ln>
+          </p:spPr>
+          <p:style>
+            <a:lnRef idx="2">
+              <a:schemeClr val="accent1">
+                <a:shade val="15000"/>
+              </a:schemeClr>
+            </a:lnRef>
+            <a:fillRef idx="1">
+              <a:schemeClr val="accent1"/>
+            </a:fillRef>
+            <a:effectRef idx="0">
+              <a:schemeClr val="accent1"/>
+            </a:effectRef>
+            <a:fontRef idx="minor">
+              <a:schemeClr val="lt1"/>
+            </a:fontRef>
+          </p:style>
+          <p:txBody>
+            <a:bodyPr rtlCol="0" anchor="ctr"/>
+            <a:lstStyle/>
+            <a:p>
+              <a:pPr algn="ctr"/>
+              <a:endParaRPr lang="es-ES"/>
+            </a:p>
+          </p:txBody>
+        </p:sp>
+        <p:sp>
+          <p:nvSpPr>
+            <p:cNvPr id="1238" name="Rectángulo: esquinas redondeadas 1237">
+              <a:extLst>
+                <a:ext uri="{FF2B5EF4-FFF2-40B4-BE49-F238E27FC236}">
+                  <a16:creationId xmlns:a16="http://schemas.microsoft.com/office/drawing/2014/main" id="{B77C623C-FCCE-7138-C49B-B1ABD7E7F7C1}"/>
+                </a:ext>
+              </a:extLst>
+            </p:cNvPr>
+            <p:cNvSpPr/>
+            <p:nvPr/>
+          </p:nvSpPr>
+          <p:spPr>
+            <a:xfrm>
+              <a:off x="1130601" y="3795836"/>
+              <a:ext cx="246524" cy="28388"/>
+            </a:xfrm>
+            <a:prstGeom prst="roundRect">
+              <a:avLst/>
+            </a:prstGeom>
+            <a:solidFill>
+              <a:schemeClr val="tx1"/>
+            </a:solidFill>
+            <a:ln>
+              <a:noFill/>
+            </a:ln>
+          </p:spPr>
+          <p:style>
+            <a:lnRef idx="2">
+              <a:schemeClr val="accent1">
+                <a:shade val="15000"/>
+              </a:schemeClr>
+            </a:lnRef>
+            <a:fillRef idx="1">
+              <a:schemeClr val="accent1"/>
+            </a:fillRef>
+            <a:effectRef idx="0">
+              <a:schemeClr val="accent1"/>
+            </a:effectRef>
+            <a:fontRef idx="minor">
+              <a:schemeClr val="lt1"/>
+            </a:fontRef>
+          </p:style>
+          <p:txBody>
+            <a:bodyPr rtlCol="0" anchor="ctr"/>
+            <a:lstStyle/>
+            <a:p>
+              <a:pPr algn="ctr"/>
+              <a:endParaRPr lang="es-ES"/>
+            </a:p>
+          </p:txBody>
+        </p:sp>
+        <p:sp>
+          <p:nvSpPr>
+            <p:cNvPr id="1239" name="Elipse 1238">
+              <a:extLst>
+                <a:ext uri="{FF2B5EF4-FFF2-40B4-BE49-F238E27FC236}">
+                  <a16:creationId xmlns:a16="http://schemas.microsoft.com/office/drawing/2014/main" id="{9F5360EC-FE4A-5FC8-A6CC-BF81340B6307}"/>
+                </a:ext>
+              </a:extLst>
+            </p:cNvPr>
+            <p:cNvSpPr/>
+            <p:nvPr/>
+          </p:nvSpPr>
+          <p:spPr>
+            <a:xfrm>
+              <a:off x="1174496" y="3465402"/>
+              <a:ext cx="164269" cy="164269"/>
+            </a:xfrm>
+            <a:prstGeom prst="ellipse">
+              <a:avLst/>
+            </a:prstGeom>
+            <a:solidFill>
+              <a:schemeClr val="accent2"/>
+            </a:solidFill>
+            <a:ln>
+              <a:noFill/>
+            </a:ln>
+          </p:spPr>
+          <p:style>
+            <a:lnRef idx="2">
+              <a:schemeClr val="accent1">
+                <a:shade val="15000"/>
+              </a:schemeClr>
+            </a:lnRef>
+            <a:fillRef idx="1">
+              <a:schemeClr val="accent1"/>
+            </a:fillRef>
+            <a:effectRef idx="0">
+              <a:schemeClr val="accent1"/>
+            </a:effectRef>
+            <a:fontRef idx="minor">
+              <a:schemeClr val="lt1"/>
+            </a:fontRef>
+          </p:style>
+          <p:txBody>
+            <a:bodyPr rtlCol="0" anchor="ctr"/>
+            <a:lstStyle/>
+            <a:p>
+              <a:pPr algn="ctr"/>
+              <a:endParaRPr lang="es-ES"/>
+            </a:p>
+          </p:txBody>
+        </p:sp>
+        <p:sp>
+          <p:nvSpPr>
+            <p:cNvPr id="1240" name="Círculo parcial 1239">
+              <a:extLst>
+                <a:ext uri="{FF2B5EF4-FFF2-40B4-BE49-F238E27FC236}">
+                  <a16:creationId xmlns:a16="http://schemas.microsoft.com/office/drawing/2014/main" id="{998C14B4-1C41-C618-1BB9-6AC7ADB71CEE}"/>
+                </a:ext>
+              </a:extLst>
+            </p:cNvPr>
+            <p:cNvSpPr/>
+            <p:nvPr/>
+          </p:nvSpPr>
+          <p:spPr>
+            <a:xfrm>
+              <a:off x="1130601" y="3446195"/>
+              <a:ext cx="228199" cy="228199"/>
+            </a:xfrm>
+            <a:prstGeom prst="pie">
+              <a:avLst/>
+            </a:prstGeom>
+            <a:solidFill>
+              <a:srgbClr val="FFC000"/>
+            </a:solidFill>
+            <a:ln>
+              <a:noFill/>
+            </a:ln>
+          </p:spPr>
+          <p:style>
+            <a:lnRef idx="2">
+              <a:schemeClr val="accent1">
+                <a:shade val="15000"/>
+              </a:schemeClr>
+            </a:lnRef>
+            <a:fillRef idx="1">
+              <a:schemeClr val="accent1"/>
+            </a:fillRef>
+            <a:effectRef idx="0">
+              <a:schemeClr val="accent1"/>
+            </a:effectRef>
+            <a:fontRef idx="minor">
+              <a:schemeClr val="lt1"/>
+            </a:fontRef>
+          </p:style>
+          <p:txBody>
+            <a:bodyPr rtlCol="0" anchor="ctr"/>
+            <a:lstStyle/>
+            <a:p>
+              <a:pPr algn="ctr"/>
+              <a:endParaRPr lang="es-ES">
+                <a:solidFill>
+                  <a:schemeClr val="tx1"/>
+                </a:solidFill>
+              </a:endParaRPr>
+            </a:p>
+          </p:txBody>
+        </p:sp>
+        <p:sp>
+          <p:nvSpPr>
+            <p:cNvPr id="1241" name="Rectángulo: esquinas redondeadas 1240">
+              <a:extLst>
+                <a:ext uri="{FF2B5EF4-FFF2-40B4-BE49-F238E27FC236}">
+                  <a16:creationId xmlns:a16="http://schemas.microsoft.com/office/drawing/2014/main" id="{551BD7E0-D215-40F3-8D47-27DAF7C7689E}"/>
+                </a:ext>
+              </a:extLst>
+            </p:cNvPr>
+            <p:cNvSpPr/>
+            <p:nvPr/>
+          </p:nvSpPr>
+          <p:spPr>
+            <a:xfrm>
+              <a:off x="1385874" y="3605336"/>
+              <a:ext cx="203739" cy="28388"/>
+            </a:xfrm>
+            <a:prstGeom prst="roundRect">
+              <a:avLst/>
+            </a:prstGeom>
+            <a:solidFill>
+              <a:schemeClr val="tx1"/>
+            </a:solidFill>
+            <a:ln>
+              <a:noFill/>
+            </a:ln>
+          </p:spPr>
+          <p:style>
+            <a:lnRef idx="2">
+              <a:schemeClr val="accent1">
+                <a:shade val="15000"/>
+              </a:schemeClr>
+            </a:lnRef>
+            <a:fillRef idx="1">
+              <a:schemeClr val="accent1"/>
+            </a:fillRef>
+            <a:effectRef idx="0">
+              <a:schemeClr val="accent1"/>
+            </a:effectRef>
+            <a:fontRef idx="minor">
+              <a:schemeClr val="lt1"/>
+            </a:fontRef>
+          </p:style>
+          <p:txBody>
+            <a:bodyPr rtlCol="0" anchor="ctr"/>
+            <a:lstStyle/>
+            <a:p>
+              <a:pPr algn="ctr"/>
+              <a:endParaRPr lang="es-ES"/>
+            </a:p>
+          </p:txBody>
+        </p:sp>
+        <p:sp>
+          <p:nvSpPr>
+            <p:cNvPr id="1242" name="Rectángulo: esquinas redondeadas 1241">
+              <a:extLst>
+                <a:ext uri="{FF2B5EF4-FFF2-40B4-BE49-F238E27FC236}">
+                  <a16:creationId xmlns:a16="http://schemas.microsoft.com/office/drawing/2014/main" id="{4D100FC7-BA63-6908-9D72-11D69BC28FDC}"/>
+                </a:ext>
+              </a:extLst>
+            </p:cNvPr>
+            <p:cNvSpPr/>
+            <p:nvPr/>
+          </p:nvSpPr>
+          <p:spPr>
+            <a:xfrm>
+              <a:off x="1472854" y="3704931"/>
+              <a:ext cx="39515" cy="171546"/>
+            </a:xfrm>
+            <a:prstGeom prst="roundRect">
+              <a:avLst/>
+            </a:prstGeom>
+            <a:solidFill>
+              <a:srgbClr val="00B0F0"/>
+            </a:solidFill>
+            <a:ln>
+              <a:noFill/>
+            </a:ln>
+          </p:spPr>
+          <p:style>
+            <a:lnRef idx="2">
+              <a:schemeClr val="accent1">
+                <a:shade val="15000"/>
+              </a:schemeClr>
+            </a:lnRef>
+            <a:fillRef idx="1">
+              <a:schemeClr val="accent1"/>
+            </a:fillRef>
+            <a:effectRef idx="0">
+              <a:schemeClr val="accent1"/>
+            </a:effectRef>
+            <a:fontRef idx="minor">
+              <a:schemeClr val="lt1"/>
+            </a:fontRef>
+          </p:style>
+          <p:txBody>
+            <a:bodyPr rtlCol="0" anchor="ctr"/>
+            <a:lstStyle/>
+            <a:p>
+              <a:pPr algn="ctr"/>
+              <a:endParaRPr lang="es-ES"/>
+            </a:p>
+          </p:txBody>
+        </p:sp>
+        <p:sp>
+          <p:nvSpPr>
+            <p:cNvPr id="1243" name="Rectángulo: esquinas redondeadas 1242">
+              <a:extLst>
+                <a:ext uri="{FF2B5EF4-FFF2-40B4-BE49-F238E27FC236}">
+                  <a16:creationId xmlns:a16="http://schemas.microsoft.com/office/drawing/2014/main" id="{58183A0C-EEC1-22E2-52D4-87C14C0E0951}"/>
+                </a:ext>
+              </a:extLst>
+            </p:cNvPr>
+            <p:cNvSpPr/>
+            <p:nvPr/>
+          </p:nvSpPr>
+          <p:spPr>
+            <a:xfrm>
+              <a:off x="1531114" y="3648149"/>
+              <a:ext cx="39515" cy="228328"/>
+            </a:xfrm>
+            <a:prstGeom prst="roundRect">
+              <a:avLst/>
+            </a:prstGeom>
+            <a:solidFill>
+              <a:schemeClr val="accent6">
+                <a:lumMod val="75000"/>
+              </a:schemeClr>
+            </a:solidFill>
+            <a:ln>
+              <a:noFill/>
+            </a:ln>
+          </p:spPr>
+          <p:style>
+            <a:lnRef idx="2">
+              <a:schemeClr val="accent1">
+                <a:shade val="15000"/>
+              </a:schemeClr>
+            </a:lnRef>
+            <a:fillRef idx="1">
+              <a:schemeClr val="accent1"/>
+            </a:fillRef>
+            <a:effectRef idx="0">
+              <a:schemeClr val="accent1"/>
+            </a:effectRef>
+            <a:fontRef idx="minor">
+              <a:schemeClr val="lt1"/>
+            </a:fontRef>
+          </p:style>
+          <p:txBody>
+            <a:bodyPr rtlCol="0" anchor="ctr"/>
+            <a:lstStyle/>
+            <a:p>
+              <a:pPr algn="ctr"/>
+              <a:endParaRPr lang="es-ES"/>
+            </a:p>
+          </p:txBody>
+        </p:sp>
+        <p:sp>
+          <p:nvSpPr>
+            <p:cNvPr id="1244" name="Rectángulo: esquinas redondeadas 1243">
+              <a:extLst>
+                <a:ext uri="{FF2B5EF4-FFF2-40B4-BE49-F238E27FC236}">
+                  <a16:creationId xmlns:a16="http://schemas.microsoft.com/office/drawing/2014/main" id="{86178E91-C143-1848-1AF5-94AD49D2A842}"/>
+                </a:ext>
+              </a:extLst>
+            </p:cNvPr>
+            <p:cNvSpPr/>
+            <p:nvPr/>
+          </p:nvSpPr>
+          <p:spPr>
+            <a:xfrm>
+              <a:off x="1411388" y="3759309"/>
+              <a:ext cx="39515" cy="117168"/>
+            </a:xfrm>
+            <a:prstGeom prst="roundRect">
+              <a:avLst/>
+            </a:prstGeom>
+            <a:solidFill>
+              <a:srgbClr val="C00000"/>
+            </a:solidFill>
+            <a:ln>
+              <a:noFill/>
+            </a:ln>
+          </p:spPr>
+          <p:style>
+            <a:lnRef idx="2">
+              <a:schemeClr val="accent1">
+                <a:shade val="15000"/>
+              </a:schemeClr>
+            </a:lnRef>
+            <a:fillRef idx="1">
+              <a:schemeClr val="accent1"/>
+            </a:fillRef>
+            <a:effectRef idx="0">
+              <a:schemeClr val="accent1"/>
+            </a:effectRef>
+            <a:fontRef idx="minor">
+              <a:schemeClr val="lt1"/>
+            </a:fontRef>
+          </p:style>
+          <p:txBody>
+            <a:bodyPr rtlCol="0" anchor="ctr"/>
+            <a:lstStyle/>
+            <a:p>
+              <a:pPr algn="ctr"/>
+              <a:endParaRPr lang="es-ES"/>
+            </a:p>
+          </p:txBody>
+        </p:sp>
+        <p:sp>
+          <p:nvSpPr>
+            <p:cNvPr id="1245" name="Rectángulo: esquinas redondeadas 1244">
+              <a:extLst>
+                <a:ext uri="{FF2B5EF4-FFF2-40B4-BE49-F238E27FC236}">
+                  <a16:creationId xmlns:a16="http://schemas.microsoft.com/office/drawing/2014/main" id="{6BDAA155-F9AE-3559-19F4-D45D28F3015A}"/>
+                </a:ext>
+              </a:extLst>
+            </p:cNvPr>
+            <p:cNvSpPr/>
+            <p:nvPr/>
+          </p:nvSpPr>
+          <p:spPr>
+            <a:xfrm>
+              <a:off x="1130601" y="3833936"/>
+              <a:ext cx="246524" cy="28388"/>
+            </a:xfrm>
+            <a:prstGeom prst="roundRect">
+              <a:avLst/>
+            </a:prstGeom>
+            <a:solidFill>
+              <a:schemeClr val="tx1"/>
+            </a:solidFill>
+            <a:ln>
+              <a:noFill/>
+            </a:ln>
+          </p:spPr>
+          <p:style>
+            <a:lnRef idx="2">
+              <a:schemeClr val="accent1">
+                <a:shade val="15000"/>
+              </a:schemeClr>
+            </a:lnRef>
+            <a:fillRef idx="1">
+              <a:schemeClr val="accent1"/>
+            </a:fillRef>
+            <a:effectRef idx="0">
+              <a:schemeClr val="accent1"/>
+            </a:effectRef>
+            <a:fontRef idx="minor">
+              <a:schemeClr val="lt1"/>
+            </a:fontRef>
+          </p:style>
+          <p:txBody>
+            <a:bodyPr rtlCol="0" anchor="ctr"/>
+            <a:lstStyle/>
+            <a:p>
+              <a:pPr algn="ctr"/>
+              <a:endParaRPr lang="es-ES"/>
+            </a:p>
+          </p:txBody>
+        </p:sp>
+        <p:sp>
+          <p:nvSpPr>
+            <p:cNvPr id="1246" name="Rectángulo: esquinas redondeadas 1245">
+              <a:extLst>
+                <a:ext uri="{FF2B5EF4-FFF2-40B4-BE49-F238E27FC236}">
+                  <a16:creationId xmlns:a16="http://schemas.microsoft.com/office/drawing/2014/main" id="{E4163AFD-1F90-E36F-4111-71261CA6758E}"/>
+                </a:ext>
+              </a:extLst>
+            </p:cNvPr>
+            <p:cNvSpPr/>
+            <p:nvPr/>
+          </p:nvSpPr>
+          <p:spPr>
+            <a:xfrm>
+              <a:off x="1130600" y="3390952"/>
+              <a:ext cx="455145" cy="29038"/>
+            </a:xfrm>
+            <a:prstGeom prst="roundRect">
+              <a:avLst/>
+            </a:prstGeom>
+            <a:solidFill>
+              <a:schemeClr val="tx1"/>
+            </a:solidFill>
+            <a:ln>
+              <a:noFill/>
+            </a:ln>
+          </p:spPr>
+          <p:style>
+            <a:lnRef idx="2">
+              <a:schemeClr val="accent1">
+                <a:shade val="15000"/>
+              </a:schemeClr>
+            </a:lnRef>
+            <a:fillRef idx="1">
+              <a:schemeClr val="accent1"/>
+            </a:fillRef>
+            <a:effectRef idx="0">
+              <a:schemeClr val="accent1"/>
+            </a:effectRef>
+            <a:fontRef idx="minor">
+              <a:schemeClr val="lt1"/>
+            </a:fontRef>
+          </p:style>
+          <p:txBody>
+            <a:bodyPr rtlCol="0" anchor="ctr"/>
+            <a:lstStyle/>
+            <a:p>
+              <a:pPr algn="ctr"/>
+              <a:endParaRPr lang="es-ES"/>
+            </a:p>
+          </p:txBody>
+        </p:sp>
+        <p:sp>
+          <p:nvSpPr>
+            <p:cNvPr id="1247" name="Rectángulo: esquinas redondeadas 1246">
+              <a:extLst>
+                <a:ext uri="{FF2B5EF4-FFF2-40B4-BE49-F238E27FC236}">
+                  <a16:creationId xmlns:a16="http://schemas.microsoft.com/office/drawing/2014/main" id="{F95E2255-C661-AABF-AECD-1910FF1E24C2}"/>
+                </a:ext>
+              </a:extLst>
+            </p:cNvPr>
+            <p:cNvSpPr/>
+            <p:nvPr/>
+          </p:nvSpPr>
+          <p:spPr>
+            <a:xfrm>
+              <a:off x="1130599" y="3346572"/>
+              <a:ext cx="455145" cy="29038"/>
+            </a:xfrm>
+            <a:prstGeom prst="roundRect">
+              <a:avLst/>
+            </a:prstGeom>
+            <a:solidFill>
+              <a:schemeClr val="tx1"/>
+            </a:solidFill>
+            <a:ln>
+              <a:noFill/>
+            </a:ln>
+          </p:spPr>
+          <p:style>
+            <a:lnRef idx="2">
+              <a:schemeClr val="accent1">
+                <a:shade val="15000"/>
+              </a:schemeClr>
+            </a:lnRef>
+            <a:fillRef idx="1">
+              <a:schemeClr val="accent1"/>
+            </a:fillRef>
+            <a:effectRef idx="0">
+              <a:schemeClr val="accent1"/>
+            </a:effectRef>
+            <a:fontRef idx="minor">
+              <a:schemeClr val="lt1"/>
+            </a:fontRef>
+          </p:style>
+          <p:txBody>
+            <a:bodyPr rtlCol="0" anchor="ctr"/>
+            <a:lstStyle/>
+            <a:p>
+              <a:pPr algn="ctr"/>
+              <a:endParaRPr lang="es-ES"/>
+            </a:p>
+          </p:txBody>
+        </p:sp>
+        <p:sp>
+          <p:nvSpPr>
+            <p:cNvPr id="1248" name="Rectángulo: esquinas redondeadas 1247">
+              <a:extLst>
+                <a:ext uri="{FF2B5EF4-FFF2-40B4-BE49-F238E27FC236}">
+                  <a16:creationId xmlns:a16="http://schemas.microsoft.com/office/drawing/2014/main" id="{49064BFA-AD5A-D51D-CFE5-759B60EDED49}"/>
+                </a:ext>
+              </a:extLst>
+            </p:cNvPr>
+            <p:cNvSpPr/>
+            <p:nvPr/>
+          </p:nvSpPr>
+          <p:spPr>
+            <a:xfrm>
+              <a:off x="1130599" y="3302192"/>
+              <a:ext cx="455145" cy="29038"/>
+            </a:xfrm>
+            <a:prstGeom prst="roundRect">
+              <a:avLst/>
+            </a:prstGeom>
+            <a:solidFill>
+              <a:schemeClr val="tx1"/>
+            </a:solidFill>
+            <a:ln>
+              <a:noFill/>
+            </a:ln>
+          </p:spPr>
+          <p:style>
+            <a:lnRef idx="2">
+              <a:schemeClr val="accent1">
+                <a:shade val="15000"/>
+              </a:schemeClr>
+            </a:lnRef>
+            <a:fillRef idx="1">
+              <a:schemeClr val="accent1"/>
+            </a:fillRef>
+            <a:effectRef idx="0">
+              <a:schemeClr val="accent1"/>
+            </a:effectRef>
+            <a:fontRef idx="minor">
+              <a:schemeClr val="lt1"/>
+            </a:fontRef>
+          </p:style>
+          <p:txBody>
+            <a:bodyPr rtlCol="0" anchor="ctr"/>
+            <a:lstStyle/>
+            <a:p>
+              <a:pPr algn="ctr"/>
+              <a:endParaRPr lang="es-ES"/>
+            </a:p>
+          </p:txBody>
+        </p:sp>
+        <p:sp>
+          <p:nvSpPr>
+            <p:cNvPr id="1249" name="Rectángulo 1248">
+              <a:extLst>
+                <a:ext uri="{FF2B5EF4-FFF2-40B4-BE49-F238E27FC236}">
+                  <a16:creationId xmlns:a16="http://schemas.microsoft.com/office/drawing/2014/main" id="{EDAA546C-6791-C6B6-56AB-F091962340AD}"/>
+                </a:ext>
+              </a:extLst>
+            </p:cNvPr>
+            <p:cNvSpPr/>
+            <p:nvPr/>
+          </p:nvSpPr>
+          <p:spPr>
+            <a:xfrm>
+              <a:off x="1137264" y="3164195"/>
+              <a:ext cx="448480" cy="102394"/>
+            </a:xfrm>
+            <a:prstGeom prst="rect">
+              <a:avLst/>
+            </a:prstGeom>
+          </p:spPr>
+          <p:style>
+            <a:lnRef idx="2">
+              <a:schemeClr val="accent4">
+                <a:shade val="15000"/>
+              </a:schemeClr>
+            </a:lnRef>
+            <a:fillRef idx="1">
+              <a:schemeClr val="accent4"/>
+            </a:fillRef>
+            <a:effectRef idx="0">
+              <a:schemeClr val="accent4"/>
+            </a:effectRef>
+            <a:fontRef idx="minor">
+              <a:schemeClr val="lt1"/>
+            </a:fontRef>
+          </p:style>
+          <p:txBody>
+            <a:bodyPr rtlCol="0" anchor="ctr"/>
+            <a:lstStyle/>
+            <a:p>
+              <a:pPr algn="ctr"/>
+              <a:endParaRPr lang="es-ES"/>
+            </a:p>
+          </p:txBody>
+        </p:sp>
+      </p:grpSp>
     </p:spTree>
     <p:extLst>
       <p:ext uri="{BB962C8B-B14F-4D97-AF65-F5344CB8AC3E}">
